--- a/Diapo_commun/PresentationCommune.pptx
+++ b/Diapo_commun/PresentationCommune.pptx
@@ -5,7 +5,7 @@
     <p:sldMasterId id="2147483648" r:id="rId1"/>
   </p:sldMasterIdLst>
   <p:notesMasterIdLst>
-    <p:notesMasterId r:id="rId15"/>
+    <p:notesMasterId r:id="rId16"/>
   </p:notesMasterIdLst>
   <p:sldIdLst>
     <p:sldId id="256" r:id="rId2"/>
@@ -13,14 +13,15 @@
     <p:sldId id="271" r:id="rId4"/>
     <p:sldId id="259" r:id="rId5"/>
     <p:sldId id="260" r:id="rId6"/>
-    <p:sldId id="261" r:id="rId7"/>
-    <p:sldId id="269" r:id="rId8"/>
-    <p:sldId id="267" r:id="rId9"/>
-    <p:sldId id="268" r:id="rId10"/>
-    <p:sldId id="272" r:id="rId11"/>
-    <p:sldId id="273" r:id="rId12"/>
-    <p:sldId id="274" r:id="rId13"/>
-    <p:sldId id="266" r:id="rId14"/>
+    <p:sldId id="275" r:id="rId7"/>
+    <p:sldId id="261" r:id="rId8"/>
+    <p:sldId id="269" r:id="rId9"/>
+    <p:sldId id="267" r:id="rId10"/>
+    <p:sldId id="268" r:id="rId11"/>
+    <p:sldId id="272" r:id="rId12"/>
+    <p:sldId id="273" r:id="rId13"/>
+    <p:sldId id="274" r:id="rId14"/>
+    <p:sldId id="266" r:id="rId15"/>
   </p:sldIdLst>
   <p:sldSz cx="12192000" cy="6858000"/>
   <p:notesSz cx="6858000" cy="9144000"/>
@@ -137,6 +138,474 @@
 
 <file path=ppt/changesInfos/changesInfo1.xml><?xml version="1.0" encoding="utf-8"?>
 <pc:chgInfo xmlns:a="http://schemas.openxmlformats.org/drawingml/2006/main" xmlns:r="http://schemas.openxmlformats.org/officeDocument/2006/relationships" xmlns:ac="http://schemas.microsoft.com/office/drawing/2013/main/command" xmlns:pc="http://schemas.microsoft.com/office/powerpoint/2013/main/command">
+  <pc:docChgLst>
+    <pc:chgData name="lagwaitf lagwaitf" userId="7c35877e37998161" providerId="LiveId" clId="{083A423D-54D3-4787-B918-C9E4C7E1DBCD}"/>
+    <pc:docChg chg="modSld">
+      <pc:chgData name="lagwaitf lagwaitf" userId="7c35877e37998161" providerId="LiveId" clId="{083A423D-54D3-4787-B918-C9E4C7E1DBCD}" dt="2021-03-10T14:54:12.466" v="55" actId="20577"/>
+      <pc:docMkLst>
+        <pc:docMk/>
+      </pc:docMkLst>
+      <pc:sldChg chg="modSp mod">
+        <pc:chgData name="lagwaitf lagwaitf" userId="7c35877e37998161" providerId="LiveId" clId="{083A423D-54D3-4787-B918-C9E4C7E1DBCD}" dt="2021-03-10T14:49:57.379" v="53" actId="20577"/>
+        <pc:sldMkLst>
+          <pc:docMk/>
+          <pc:sldMk cId="717878367" sldId="256"/>
+        </pc:sldMkLst>
+        <pc:spChg chg="mod">
+          <ac:chgData name="lagwaitf lagwaitf" userId="7c35877e37998161" providerId="LiveId" clId="{083A423D-54D3-4787-B918-C9E4C7E1DBCD}" dt="2021-03-10T14:49:57.379" v="53" actId="20577"/>
+          <ac:spMkLst>
+            <pc:docMk/>
+            <pc:sldMk cId="717878367" sldId="256"/>
+            <ac:spMk id="2" creationId="{A95DD26F-37CC-425D-BDB6-2DEC25E2D291}"/>
+          </ac:spMkLst>
+        </pc:spChg>
+      </pc:sldChg>
+      <pc:sldChg chg="modSp mod">
+        <pc:chgData name="lagwaitf lagwaitf" userId="7c35877e37998161" providerId="LiveId" clId="{083A423D-54D3-4787-B918-C9E4C7E1DBCD}" dt="2021-03-10T14:47:52.512" v="51" actId="20577"/>
+        <pc:sldMkLst>
+          <pc:docMk/>
+          <pc:sldMk cId="1029494975" sldId="257"/>
+        </pc:sldMkLst>
+        <pc:spChg chg="mod">
+          <ac:chgData name="lagwaitf lagwaitf" userId="7c35877e37998161" providerId="LiveId" clId="{083A423D-54D3-4787-B918-C9E4C7E1DBCD}" dt="2021-03-10T14:47:52.512" v="51" actId="20577"/>
+          <ac:spMkLst>
+            <pc:docMk/>
+            <pc:sldMk cId="1029494975" sldId="257"/>
+            <ac:spMk id="3" creationId="{A0C7ACD6-AD37-445C-8456-6AFEF083DEA0}"/>
+          </ac:spMkLst>
+        </pc:spChg>
+      </pc:sldChg>
+      <pc:sldChg chg="modSp mod">
+        <pc:chgData name="lagwaitf lagwaitf" userId="7c35877e37998161" providerId="LiveId" clId="{083A423D-54D3-4787-B918-C9E4C7E1DBCD}" dt="2021-03-10T14:54:12.466" v="55" actId="20577"/>
+        <pc:sldMkLst>
+          <pc:docMk/>
+          <pc:sldMk cId="2775450203" sldId="259"/>
+        </pc:sldMkLst>
+        <pc:spChg chg="mod">
+          <ac:chgData name="lagwaitf lagwaitf" userId="7c35877e37998161" providerId="LiveId" clId="{083A423D-54D3-4787-B918-C9E4C7E1DBCD}" dt="2021-03-10T14:54:12.466" v="55" actId="20577"/>
+          <ac:spMkLst>
+            <pc:docMk/>
+            <pc:sldMk cId="2775450203" sldId="259"/>
+            <ac:spMk id="3" creationId="{A0C7ACD6-AD37-445C-8456-6AFEF083DEA0}"/>
+          </ac:spMkLst>
+        </pc:spChg>
+      </pc:sldChg>
+    </pc:docChg>
+  </pc:docChgLst>
+  <pc:docChgLst>
+    <pc:chgData name="lagwaitf lagwaitf" userId="7c35877e37998161" providerId="LiveId" clId="{C2F83FF3-E7F1-4077-BD21-3C09DD116A3E}"/>
+    <pc:docChg chg="undo custSel addSld delSld modSld">
+      <pc:chgData name="lagwaitf lagwaitf" userId="7c35877e37998161" providerId="LiveId" clId="{C2F83FF3-E7F1-4077-BD21-3C09DD116A3E}" dt="2021-05-01T09:33:03.915" v="338" actId="931"/>
+      <pc:docMkLst>
+        <pc:docMk/>
+      </pc:docMkLst>
+      <pc:sldChg chg="modSp mod">
+        <pc:chgData name="lagwaitf lagwaitf" userId="7c35877e37998161" providerId="LiveId" clId="{C2F83FF3-E7F1-4077-BD21-3C09DD116A3E}" dt="2021-05-01T09:16:02.796" v="17" actId="20577"/>
+        <pc:sldMkLst>
+          <pc:docMk/>
+          <pc:sldMk cId="717878367" sldId="256"/>
+        </pc:sldMkLst>
+        <pc:spChg chg="mod">
+          <ac:chgData name="lagwaitf lagwaitf" userId="7c35877e37998161" providerId="LiveId" clId="{C2F83FF3-E7F1-4077-BD21-3C09DD116A3E}" dt="2021-05-01T09:16:02.796" v="17" actId="20577"/>
+          <ac:spMkLst>
+            <pc:docMk/>
+            <pc:sldMk cId="717878367" sldId="256"/>
+            <ac:spMk id="2" creationId="{A95DD26F-37CC-425D-BDB6-2DEC25E2D291}"/>
+          </ac:spMkLst>
+        </pc:spChg>
+      </pc:sldChg>
+      <pc:sldChg chg="modSp mod">
+        <pc:chgData name="lagwaitf lagwaitf" userId="7c35877e37998161" providerId="LiveId" clId="{C2F83FF3-E7F1-4077-BD21-3C09DD116A3E}" dt="2021-05-01T09:22:35.501" v="233" actId="20577"/>
+        <pc:sldMkLst>
+          <pc:docMk/>
+          <pc:sldMk cId="1029494975" sldId="257"/>
+        </pc:sldMkLst>
+        <pc:spChg chg="mod">
+          <ac:chgData name="lagwaitf lagwaitf" userId="7c35877e37998161" providerId="LiveId" clId="{C2F83FF3-E7F1-4077-BD21-3C09DD116A3E}" dt="2021-05-01T09:22:35.501" v="233" actId="20577"/>
+          <ac:spMkLst>
+            <pc:docMk/>
+            <pc:sldMk cId="1029494975" sldId="257"/>
+            <ac:spMk id="3" creationId="{A0C7ACD6-AD37-445C-8456-6AFEF083DEA0}"/>
+          </ac:spMkLst>
+        </pc:spChg>
+      </pc:sldChg>
+      <pc:sldChg chg="addSp delSp modSp mod">
+        <pc:chgData name="lagwaitf lagwaitf" userId="7c35877e37998161" providerId="LiveId" clId="{C2F83FF3-E7F1-4077-BD21-3C09DD116A3E}" dt="2021-05-01T09:23:47.880" v="252" actId="478"/>
+        <pc:sldMkLst>
+          <pc:docMk/>
+          <pc:sldMk cId="2775450203" sldId="259"/>
+        </pc:sldMkLst>
+        <pc:spChg chg="mod">
+          <ac:chgData name="lagwaitf lagwaitf" userId="7c35877e37998161" providerId="LiveId" clId="{C2F83FF3-E7F1-4077-BD21-3C09DD116A3E}" dt="2021-05-01T09:23:43.535" v="251" actId="207"/>
+          <ac:spMkLst>
+            <pc:docMk/>
+            <pc:sldMk cId="2775450203" sldId="259"/>
+            <ac:spMk id="2" creationId="{527E05EC-AE41-41FA-B468-915355073CF3}"/>
+          </ac:spMkLst>
+        </pc:spChg>
+        <pc:spChg chg="add mod">
+          <ac:chgData name="lagwaitf lagwaitf" userId="7c35877e37998161" providerId="LiveId" clId="{C2F83FF3-E7F1-4077-BD21-3C09DD116A3E}" dt="2021-05-01T09:23:47.880" v="252" actId="478"/>
+          <ac:spMkLst>
+            <pc:docMk/>
+            <pc:sldMk cId="2775450203" sldId="259"/>
+            <ac:spMk id="6" creationId="{63902851-B09D-4896-9F06-36EC5EBE7067}"/>
+          </ac:spMkLst>
+        </pc:spChg>
+        <pc:picChg chg="del">
+          <ac:chgData name="lagwaitf lagwaitf" userId="7c35877e37998161" providerId="LiveId" clId="{C2F83FF3-E7F1-4077-BD21-3C09DD116A3E}" dt="2021-05-01T09:23:47.880" v="252" actId="478"/>
+          <ac:picMkLst>
+            <pc:docMk/>
+            <pc:sldMk cId="2775450203" sldId="259"/>
+            <ac:picMk id="9" creationId="{C7ECFE08-F368-4BC8-B0CF-B663CC963334}"/>
+          </ac:picMkLst>
+        </pc:picChg>
+      </pc:sldChg>
+      <pc:sldChg chg="delSp modSp mod">
+        <pc:chgData name="lagwaitf lagwaitf" userId="7c35877e37998161" providerId="LiveId" clId="{C2F83FF3-E7F1-4077-BD21-3C09DD116A3E}" dt="2021-05-01T09:24:47.436" v="266" actId="478"/>
+        <pc:sldMkLst>
+          <pc:docMk/>
+          <pc:sldMk cId="2215218170" sldId="260"/>
+        </pc:sldMkLst>
+        <pc:spChg chg="mod">
+          <ac:chgData name="lagwaitf lagwaitf" userId="7c35877e37998161" providerId="LiveId" clId="{C2F83FF3-E7F1-4077-BD21-3C09DD116A3E}" dt="2021-05-01T09:24:07.561" v="256" actId="20577"/>
+          <ac:spMkLst>
+            <pc:docMk/>
+            <pc:sldMk cId="2215218170" sldId="260"/>
+            <ac:spMk id="2" creationId="{527E05EC-AE41-41FA-B468-915355073CF3}"/>
+          </ac:spMkLst>
+        </pc:spChg>
+        <pc:picChg chg="del">
+          <ac:chgData name="lagwaitf lagwaitf" userId="7c35877e37998161" providerId="LiveId" clId="{C2F83FF3-E7F1-4077-BD21-3C09DD116A3E}" dt="2021-05-01T09:24:47.436" v="266" actId="478"/>
+          <ac:picMkLst>
+            <pc:docMk/>
+            <pc:sldMk cId="2215218170" sldId="260"/>
+            <ac:picMk id="9" creationId="{8D7608C0-B015-45DB-A8A0-A251CD71D8A3}"/>
+          </ac:picMkLst>
+        </pc:picChg>
+      </pc:sldChg>
+      <pc:sldChg chg="delSp modSp mod">
+        <pc:chgData name="lagwaitf lagwaitf" userId="7c35877e37998161" providerId="LiveId" clId="{C2F83FF3-E7F1-4077-BD21-3C09DD116A3E}" dt="2021-05-01T09:24:45.696" v="265" actId="478"/>
+        <pc:sldMkLst>
+          <pc:docMk/>
+          <pc:sldMk cId="3176468876" sldId="261"/>
+        </pc:sldMkLst>
+        <pc:spChg chg="mod">
+          <ac:chgData name="lagwaitf lagwaitf" userId="7c35877e37998161" providerId="LiveId" clId="{C2F83FF3-E7F1-4077-BD21-3C09DD116A3E}" dt="2021-05-01T09:24:34.725" v="264" actId="27636"/>
+          <ac:spMkLst>
+            <pc:docMk/>
+            <pc:sldMk cId="3176468876" sldId="261"/>
+            <ac:spMk id="2" creationId="{527E05EC-AE41-41FA-B468-915355073CF3}"/>
+          </ac:spMkLst>
+        </pc:spChg>
+        <pc:picChg chg="del">
+          <ac:chgData name="lagwaitf lagwaitf" userId="7c35877e37998161" providerId="LiveId" clId="{C2F83FF3-E7F1-4077-BD21-3C09DD116A3E}" dt="2021-05-01T09:24:45.696" v="265" actId="478"/>
+          <ac:picMkLst>
+            <pc:docMk/>
+            <pc:sldMk cId="3176468876" sldId="261"/>
+            <ac:picMk id="9" creationId="{3CDFE918-47A9-43FB-B5D4-8F79EF963512}"/>
+          </ac:picMkLst>
+        </pc:picChg>
+      </pc:sldChg>
+      <pc:sldChg chg="del">
+        <pc:chgData name="lagwaitf lagwaitf" userId="7c35877e37998161" providerId="LiveId" clId="{C2F83FF3-E7F1-4077-BD21-3C09DD116A3E}" dt="2021-05-01T09:26:08.789" v="292" actId="47"/>
+        <pc:sldMkLst>
+          <pc:docMk/>
+          <pc:sldMk cId="2500813527" sldId="262"/>
+        </pc:sldMkLst>
+      </pc:sldChg>
+      <pc:sldChg chg="del">
+        <pc:chgData name="lagwaitf lagwaitf" userId="7c35877e37998161" providerId="LiveId" clId="{C2F83FF3-E7F1-4077-BD21-3C09DD116A3E}" dt="2021-05-01T09:26:09.721" v="293" actId="47"/>
+        <pc:sldMkLst>
+          <pc:docMk/>
+          <pc:sldMk cId="4269403743" sldId="263"/>
+        </pc:sldMkLst>
+      </pc:sldChg>
+      <pc:sldChg chg="delSp modSp mod">
+        <pc:chgData name="lagwaitf lagwaitf" userId="7c35877e37998161" providerId="LiveId" clId="{C2F83FF3-E7F1-4077-BD21-3C09DD116A3E}" dt="2021-05-01T09:25:42.867" v="283" actId="478"/>
+        <pc:sldMkLst>
+          <pc:docMk/>
+          <pc:sldMk cId="51845631" sldId="267"/>
+        </pc:sldMkLst>
+        <pc:spChg chg="mod">
+          <ac:chgData name="lagwaitf lagwaitf" userId="7c35877e37998161" providerId="LiveId" clId="{C2F83FF3-E7F1-4077-BD21-3C09DD116A3E}" dt="2021-05-01T09:25:39.547" v="282" actId="27636"/>
+          <ac:spMkLst>
+            <pc:docMk/>
+            <pc:sldMk cId="51845631" sldId="267"/>
+            <ac:spMk id="2" creationId="{527E05EC-AE41-41FA-B468-915355073CF3}"/>
+          </ac:spMkLst>
+        </pc:spChg>
+        <pc:picChg chg="del">
+          <ac:chgData name="lagwaitf lagwaitf" userId="7c35877e37998161" providerId="LiveId" clId="{C2F83FF3-E7F1-4077-BD21-3C09DD116A3E}" dt="2021-05-01T09:25:42.867" v="283" actId="478"/>
+          <ac:picMkLst>
+            <pc:docMk/>
+            <pc:sldMk cId="51845631" sldId="267"/>
+            <ac:picMk id="9" creationId="{5BEB6A67-3AE5-4A64-A77C-57E743072561}"/>
+          </ac:picMkLst>
+        </pc:picChg>
+      </pc:sldChg>
+      <pc:sldChg chg="addSp delSp modSp mod">
+        <pc:chgData name="lagwaitf lagwaitf" userId="7c35877e37998161" providerId="LiveId" clId="{C2F83FF3-E7F1-4077-BD21-3C09DD116A3E}" dt="2021-05-01T09:30:40.252" v="326" actId="1076"/>
+        <pc:sldMkLst>
+          <pc:docMk/>
+          <pc:sldMk cId="3962139122" sldId="268"/>
+        </pc:sldMkLst>
+        <pc:spChg chg="mod">
+          <ac:chgData name="lagwaitf lagwaitf" userId="7c35877e37998161" providerId="LiveId" clId="{C2F83FF3-E7F1-4077-BD21-3C09DD116A3E}" dt="2021-05-01T09:26:03.539" v="289" actId="207"/>
+          <ac:spMkLst>
+            <pc:docMk/>
+            <pc:sldMk cId="3962139122" sldId="268"/>
+            <ac:spMk id="2" creationId="{527E05EC-AE41-41FA-B468-915355073CF3}"/>
+          </ac:spMkLst>
+        </pc:spChg>
+        <pc:spChg chg="add del mod">
+          <ac:chgData name="lagwaitf lagwaitf" userId="7c35877e37998161" providerId="LiveId" clId="{C2F83FF3-E7F1-4077-BD21-3C09DD116A3E}" dt="2021-05-01T09:29:07.369" v="299" actId="931"/>
+          <ac:spMkLst>
+            <pc:docMk/>
+            <pc:sldMk cId="3962139122" sldId="268"/>
+            <ac:spMk id="5" creationId="{B1B40B53-9882-4A20-B063-C0B3F0C296FE}"/>
+          </ac:spMkLst>
+        </pc:spChg>
+        <pc:picChg chg="add mod">
+          <ac:chgData name="lagwaitf lagwaitf" userId="7c35877e37998161" providerId="LiveId" clId="{C2F83FF3-E7F1-4077-BD21-3C09DD116A3E}" dt="2021-05-01T09:30:32.860" v="323" actId="1076"/>
+          <ac:picMkLst>
+            <pc:docMk/>
+            <pc:sldMk cId="3962139122" sldId="268"/>
+            <ac:picMk id="9" creationId="{E63A7FF3-444E-4121-A502-BD0A6615C1B4}"/>
+          </ac:picMkLst>
+        </pc:picChg>
+        <pc:picChg chg="del">
+          <ac:chgData name="lagwaitf lagwaitf" userId="7c35877e37998161" providerId="LiveId" clId="{C2F83FF3-E7F1-4077-BD21-3C09DD116A3E}" dt="2021-05-01T09:26:06.892" v="290" actId="478"/>
+          <ac:picMkLst>
+            <pc:docMk/>
+            <pc:sldMk cId="3962139122" sldId="268"/>
+            <ac:picMk id="13" creationId="{9AA8BB2E-52A1-494C-9716-628A1E026BD5}"/>
+          </ac:picMkLst>
+        </pc:picChg>
+        <pc:picChg chg="add mod">
+          <ac:chgData name="lagwaitf lagwaitf" userId="7c35877e37998161" providerId="LiveId" clId="{C2F83FF3-E7F1-4077-BD21-3C09DD116A3E}" dt="2021-05-01T09:30:30.143" v="321" actId="1076"/>
+          <ac:picMkLst>
+            <pc:docMk/>
+            <pc:sldMk cId="3962139122" sldId="268"/>
+            <ac:picMk id="15" creationId="{22CCE29F-3274-4EEE-B538-C5DCD9F945FC}"/>
+          </ac:picMkLst>
+        </pc:picChg>
+        <pc:picChg chg="add mod">
+          <ac:chgData name="lagwaitf lagwaitf" userId="7c35877e37998161" providerId="LiveId" clId="{C2F83FF3-E7F1-4077-BD21-3C09DD116A3E}" dt="2021-05-01T09:30:40.252" v="326" actId="1076"/>
+          <ac:picMkLst>
+            <pc:docMk/>
+            <pc:sldMk cId="3962139122" sldId="268"/>
+            <ac:picMk id="17" creationId="{A9E0ACD0-9726-4DC2-9E6B-B26B25A8958F}"/>
+          </ac:picMkLst>
+        </pc:picChg>
+        <pc:picChg chg="add mod">
+          <ac:chgData name="lagwaitf lagwaitf" userId="7c35877e37998161" providerId="LiveId" clId="{C2F83FF3-E7F1-4077-BD21-3C09DD116A3E}" dt="2021-05-01T09:30:31.348" v="322" actId="1076"/>
+          <ac:picMkLst>
+            <pc:docMk/>
+            <pc:sldMk cId="3962139122" sldId="268"/>
+            <ac:picMk id="19" creationId="{E69F5F2C-B02D-4569-849B-5F9439B84BFC}"/>
+          </ac:picMkLst>
+        </pc:picChg>
+        <pc:picChg chg="del">
+          <ac:chgData name="lagwaitf lagwaitf" userId="7c35877e37998161" providerId="LiveId" clId="{C2F83FF3-E7F1-4077-BD21-3C09DD116A3E}" dt="2021-05-01T09:26:07.491" v="291" actId="478"/>
+          <ac:picMkLst>
+            <pc:docMk/>
+            <pc:sldMk cId="3962139122" sldId="268"/>
+            <ac:picMk id="23" creationId="{59633086-8CFC-474F-AE96-AB8DAE82FD09}"/>
+          </ac:picMkLst>
+        </pc:picChg>
+      </pc:sldChg>
+      <pc:sldChg chg="delSp modSp mod">
+        <pc:chgData name="lagwaitf lagwaitf" userId="7c35877e37998161" providerId="LiveId" clId="{C2F83FF3-E7F1-4077-BD21-3C09DD116A3E}" dt="2021-05-01T09:25:14.078" v="275" actId="255"/>
+        <pc:sldMkLst>
+          <pc:docMk/>
+          <pc:sldMk cId="2809134784" sldId="269"/>
+        </pc:sldMkLst>
+        <pc:spChg chg="mod">
+          <ac:chgData name="lagwaitf lagwaitf" userId="7c35877e37998161" providerId="LiveId" clId="{C2F83FF3-E7F1-4077-BD21-3C09DD116A3E}" dt="2021-05-01T09:25:14.078" v="275" actId="255"/>
+          <ac:spMkLst>
+            <pc:docMk/>
+            <pc:sldMk cId="2809134784" sldId="269"/>
+            <ac:spMk id="2" creationId="{527E05EC-AE41-41FA-B468-915355073CF3}"/>
+          </ac:spMkLst>
+        </pc:spChg>
+        <pc:picChg chg="del">
+          <ac:chgData name="lagwaitf lagwaitf" userId="7c35877e37998161" providerId="LiveId" clId="{C2F83FF3-E7F1-4077-BD21-3C09DD116A3E}" dt="2021-05-01T09:24:54.355" v="267" actId="478"/>
+          <ac:picMkLst>
+            <pc:docMk/>
+            <pc:sldMk cId="2809134784" sldId="269"/>
+            <ac:picMk id="7" creationId="{71E61600-D839-4D07-9754-6AB7FB8E6953}"/>
+          </ac:picMkLst>
+        </pc:picChg>
+      </pc:sldChg>
+      <pc:sldChg chg="del">
+        <pc:chgData name="lagwaitf lagwaitf" userId="7c35877e37998161" providerId="LiveId" clId="{C2F83FF3-E7F1-4077-BD21-3C09DD116A3E}" dt="2021-05-01T09:26:14.972" v="297" actId="47"/>
+        <pc:sldMkLst>
+          <pc:docMk/>
+          <pc:sldMk cId="3415186053" sldId="270"/>
+        </pc:sldMkLst>
+      </pc:sldChg>
+      <pc:sldChg chg="modSp mod">
+        <pc:chgData name="lagwaitf lagwaitf" userId="7c35877e37998161" providerId="LiveId" clId="{C2F83FF3-E7F1-4077-BD21-3C09DD116A3E}" dt="2021-05-01T09:23:21.965" v="247" actId="5793"/>
+        <pc:sldMkLst>
+          <pc:docMk/>
+          <pc:sldMk cId="1394492894" sldId="271"/>
+        </pc:sldMkLst>
+        <pc:spChg chg="mod">
+          <ac:chgData name="lagwaitf lagwaitf" userId="7c35877e37998161" providerId="LiveId" clId="{C2F83FF3-E7F1-4077-BD21-3C09DD116A3E}" dt="2021-05-01T09:23:01.880" v="238" actId="27636"/>
+          <ac:spMkLst>
+            <pc:docMk/>
+            <pc:sldMk cId="1394492894" sldId="271"/>
+            <ac:spMk id="2" creationId="{527E05EC-AE41-41FA-B468-915355073CF3}"/>
+          </ac:spMkLst>
+        </pc:spChg>
+        <pc:spChg chg="mod">
+          <ac:chgData name="lagwaitf lagwaitf" userId="7c35877e37998161" providerId="LiveId" clId="{C2F83FF3-E7F1-4077-BD21-3C09DD116A3E}" dt="2021-05-01T09:23:21.965" v="247" actId="5793"/>
+          <ac:spMkLst>
+            <pc:docMk/>
+            <pc:sldMk cId="1394492894" sldId="271"/>
+            <ac:spMk id="3" creationId="{A0C7ACD6-AD37-445C-8456-6AFEF083DEA0}"/>
+          </ac:spMkLst>
+        </pc:spChg>
+      </pc:sldChg>
+      <pc:sldChg chg="addSp delSp modSp add mod">
+        <pc:chgData name="lagwaitf lagwaitf" userId="7c35877e37998161" providerId="LiveId" clId="{C2F83FF3-E7F1-4077-BD21-3C09DD116A3E}" dt="2021-05-01T09:32:36.774" v="333" actId="478"/>
+        <pc:sldMkLst>
+          <pc:docMk/>
+          <pc:sldMk cId="434976539" sldId="272"/>
+        </pc:sldMkLst>
+        <pc:spChg chg="add del mod">
+          <ac:chgData name="lagwaitf lagwaitf" userId="7c35877e37998161" providerId="LiveId" clId="{C2F83FF3-E7F1-4077-BD21-3C09DD116A3E}" dt="2021-05-01T09:32:34.453" v="330" actId="478"/>
+          <ac:spMkLst>
+            <pc:docMk/>
+            <pc:sldMk cId="434976539" sldId="272"/>
+            <ac:spMk id="5" creationId="{5D02EE3E-C113-4715-8EBC-9559D57AA10C}"/>
+          </ac:spMkLst>
+        </pc:spChg>
+        <pc:spChg chg="add mod">
+          <ac:chgData name="lagwaitf lagwaitf" userId="7c35877e37998161" providerId="LiveId" clId="{C2F83FF3-E7F1-4077-BD21-3C09DD116A3E}" dt="2021-05-01T09:32:36.774" v="333" actId="478"/>
+          <ac:spMkLst>
+            <pc:docMk/>
+            <pc:sldMk cId="434976539" sldId="272"/>
+            <ac:spMk id="13" creationId="{84CE27E3-25AB-4505-BE0D-37732875BA0A}"/>
+          </ac:spMkLst>
+        </pc:spChg>
+        <pc:picChg chg="add del">
+          <ac:chgData name="lagwaitf lagwaitf" userId="7c35877e37998161" providerId="LiveId" clId="{C2F83FF3-E7F1-4077-BD21-3C09DD116A3E}" dt="2021-05-01T09:32:36.774" v="333" actId="478"/>
+          <ac:picMkLst>
+            <pc:docMk/>
+            <pc:sldMk cId="434976539" sldId="272"/>
+            <ac:picMk id="9" creationId="{E63A7FF3-444E-4121-A502-BD0A6615C1B4}"/>
+          </ac:picMkLst>
+        </pc:picChg>
+        <pc:picChg chg="del">
+          <ac:chgData name="lagwaitf lagwaitf" userId="7c35877e37998161" providerId="LiveId" clId="{C2F83FF3-E7F1-4077-BD21-3C09DD116A3E}" dt="2021-05-01T09:32:35.615" v="331" actId="478"/>
+          <ac:picMkLst>
+            <pc:docMk/>
+            <pc:sldMk cId="434976539" sldId="272"/>
+            <ac:picMk id="15" creationId="{22CCE29F-3274-4EEE-B538-C5DCD9F945FC}"/>
+          </ac:picMkLst>
+        </pc:picChg>
+        <pc:picChg chg="del">
+          <ac:chgData name="lagwaitf lagwaitf" userId="7c35877e37998161" providerId="LiveId" clId="{C2F83FF3-E7F1-4077-BD21-3C09DD116A3E}" dt="2021-05-01T09:32:30.592" v="328" actId="478"/>
+          <ac:picMkLst>
+            <pc:docMk/>
+            <pc:sldMk cId="434976539" sldId="272"/>
+            <ac:picMk id="17" creationId="{A9E0ACD0-9726-4DC2-9E6B-B26B25A8958F}"/>
+          </ac:picMkLst>
+        </pc:picChg>
+        <pc:picChg chg="del">
+          <ac:chgData name="lagwaitf lagwaitf" userId="7c35877e37998161" providerId="LiveId" clId="{C2F83FF3-E7F1-4077-BD21-3C09DD116A3E}" dt="2021-05-01T09:32:36.149" v="332" actId="478"/>
+          <ac:picMkLst>
+            <pc:docMk/>
+            <pc:sldMk cId="434976539" sldId="272"/>
+            <ac:picMk id="19" creationId="{E69F5F2C-B02D-4569-849B-5F9439B84BFC}"/>
+          </ac:picMkLst>
+        </pc:picChg>
+      </pc:sldChg>
+      <pc:sldChg chg="del">
+        <pc:chgData name="lagwaitf lagwaitf" userId="7c35877e37998161" providerId="LiveId" clId="{C2F83FF3-E7F1-4077-BD21-3C09DD116A3E}" dt="2021-05-01T09:26:16.319" v="298" actId="47"/>
+        <pc:sldMkLst>
+          <pc:docMk/>
+          <pc:sldMk cId="1886195545" sldId="272"/>
+        </pc:sldMkLst>
+      </pc:sldChg>
+      <pc:sldChg chg="addSp delSp modSp add">
+        <pc:chgData name="lagwaitf lagwaitf" userId="7c35877e37998161" providerId="LiveId" clId="{C2F83FF3-E7F1-4077-BD21-3C09DD116A3E}" dt="2021-05-01T09:32:50.324" v="335" actId="931"/>
+        <pc:sldMkLst>
+          <pc:docMk/>
+          <pc:sldMk cId="1961585948" sldId="273"/>
+        </pc:sldMkLst>
+        <pc:spChg chg="del">
+          <ac:chgData name="lagwaitf lagwaitf" userId="7c35877e37998161" providerId="LiveId" clId="{C2F83FF3-E7F1-4077-BD21-3C09DD116A3E}" dt="2021-05-01T09:32:50.324" v="335" actId="931"/>
+          <ac:spMkLst>
+            <pc:docMk/>
+            <pc:sldMk cId="1961585948" sldId="273"/>
+            <ac:spMk id="13" creationId="{84CE27E3-25AB-4505-BE0D-37732875BA0A}"/>
+          </ac:spMkLst>
+        </pc:spChg>
+        <pc:picChg chg="add mod">
+          <ac:chgData name="lagwaitf lagwaitf" userId="7c35877e37998161" providerId="LiveId" clId="{C2F83FF3-E7F1-4077-BD21-3C09DD116A3E}" dt="2021-05-01T09:32:50.324" v="335" actId="931"/>
+          <ac:picMkLst>
+            <pc:docMk/>
+            <pc:sldMk cId="1961585948" sldId="273"/>
+            <ac:picMk id="5" creationId="{FFB37A71-1403-465A-A653-1935909E5DB3}"/>
+          </ac:picMkLst>
+        </pc:picChg>
+      </pc:sldChg>
+      <pc:sldChg chg="del">
+        <pc:chgData name="lagwaitf lagwaitf" userId="7c35877e37998161" providerId="LiveId" clId="{C2F83FF3-E7F1-4077-BD21-3C09DD116A3E}" dt="2021-05-01T09:26:10.891" v="294" actId="47"/>
+        <pc:sldMkLst>
+          <pc:docMk/>
+          <pc:sldMk cId="2876473355" sldId="273"/>
+        </pc:sldMkLst>
+      </pc:sldChg>
+      <pc:sldChg chg="del">
+        <pc:chgData name="lagwaitf lagwaitf" userId="7c35877e37998161" providerId="LiveId" clId="{C2F83FF3-E7F1-4077-BD21-3C09DD116A3E}" dt="2021-05-01T09:26:11.741" v="295" actId="47"/>
+        <pc:sldMkLst>
+          <pc:docMk/>
+          <pc:sldMk cId="801354930" sldId="274"/>
+        </pc:sldMkLst>
+      </pc:sldChg>
+      <pc:sldChg chg="addSp delSp modSp add mod">
+        <pc:chgData name="lagwaitf lagwaitf" userId="7c35877e37998161" providerId="LiveId" clId="{C2F83FF3-E7F1-4077-BD21-3C09DD116A3E}" dt="2021-05-01T09:33:03.915" v="338" actId="931"/>
+        <pc:sldMkLst>
+          <pc:docMk/>
+          <pc:sldMk cId="3684542166" sldId="274"/>
+        </pc:sldMkLst>
+        <pc:spChg chg="add del mod">
+          <ac:chgData name="lagwaitf lagwaitf" userId="7c35877e37998161" providerId="LiveId" clId="{C2F83FF3-E7F1-4077-BD21-3C09DD116A3E}" dt="2021-05-01T09:33:03.915" v="338" actId="931"/>
+          <ac:spMkLst>
+            <pc:docMk/>
+            <pc:sldMk cId="3684542166" sldId="274"/>
+            <ac:spMk id="7" creationId="{0714B101-1E35-49D9-96C5-571B9A07390D}"/>
+          </ac:spMkLst>
+        </pc:spChg>
+        <pc:picChg chg="del">
+          <ac:chgData name="lagwaitf lagwaitf" userId="7c35877e37998161" providerId="LiveId" clId="{C2F83FF3-E7F1-4077-BD21-3C09DD116A3E}" dt="2021-05-01T09:33:00.173" v="337" actId="478"/>
+          <ac:picMkLst>
+            <pc:docMk/>
+            <pc:sldMk cId="3684542166" sldId="274"/>
+            <ac:picMk id="5" creationId="{FFB37A71-1403-465A-A653-1935909E5DB3}"/>
+          </ac:picMkLst>
+        </pc:picChg>
+        <pc:picChg chg="add mod">
+          <ac:chgData name="lagwaitf lagwaitf" userId="7c35877e37998161" providerId="LiveId" clId="{C2F83FF3-E7F1-4077-BD21-3C09DD116A3E}" dt="2021-05-01T09:33:03.915" v="338" actId="931"/>
+          <ac:picMkLst>
+            <pc:docMk/>
+            <pc:sldMk cId="3684542166" sldId="274"/>
+            <ac:picMk id="13" creationId="{6220AB55-F50F-4442-B2FF-2F131684043B}"/>
+          </ac:picMkLst>
+        </pc:picChg>
+      </pc:sldChg>
+      <pc:sldChg chg="del">
+        <pc:chgData name="lagwaitf lagwaitf" userId="7c35877e37998161" providerId="LiveId" clId="{C2F83FF3-E7F1-4077-BD21-3C09DD116A3E}" dt="2021-05-01T09:26:12.595" v="296" actId="47"/>
+        <pc:sldMkLst>
+          <pc:docMk/>
+          <pc:sldMk cId="1927214811" sldId="275"/>
+        </pc:sldMkLst>
+      </pc:sldChg>
+    </pc:docChg>
+  </pc:docChgLst>
   <pc:docChgLst>
     <pc:chgData name="lagwaitf lagwaitf" userId="7c35877e37998161" providerId="LiveId" clId="{C1BB2AA5-DF50-4951-90A4-F543E0DA154C}"/>
     <pc:docChg chg="undo custSel addSld delSld modSld sldOrd">
@@ -863,474 +1332,6 @@
       </pc:sldChg>
     </pc:docChg>
   </pc:docChgLst>
-  <pc:docChgLst>
-    <pc:chgData name="lagwaitf lagwaitf" userId="7c35877e37998161" providerId="LiveId" clId="{083A423D-54D3-4787-B918-C9E4C7E1DBCD}"/>
-    <pc:docChg chg="modSld">
-      <pc:chgData name="lagwaitf lagwaitf" userId="7c35877e37998161" providerId="LiveId" clId="{083A423D-54D3-4787-B918-C9E4C7E1DBCD}" dt="2021-03-10T14:54:12.466" v="55" actId="20577"/>
-      <pc:docMkLst>
-        <pc:docMk/>
-      </pc:docMkLst>
-      <pc:sldChg chg="modSp mod">
-        <pc:chgData name="lagwaitf lagwaitf" userId="7c35877e37998161" providerId="LiveId" clId="{083A423D-54D3-4787-B918-C9E4C7E1DBCD}" dt="2021-03-10T14:49:57.379" v="53" actId="20577"/>
-        <pc:sldMkLst>
-          <pc:docMk/>
-          <pc:sldMk cId="717878367" sldId="256"/>
-        </pc:sldMkLst>
-        <pc:spChg chg="mod">
-          <ac:chgData name="lagwaitf lagwaitf" userId="7c35877e37998161" providerId="LiveId" clId="{083A423D-54D3-4787-B918-C9E4C7E1DBCD}" dt="2021-03-10T14:49:57.379" v="53" actId="20577"/>
-          <ac:spMkLst>
-            <pc:docMk/>
-            <pc:sldMk cId="717878367" sldId="256"/>
-            <ac:spMk id="2" creationId="{A95DD26F-37CC-425D-BDB6-2DEC25E2D291}"/>
-          </ac:spMkLst>
-        </pc:spChg>
-      </pc:sldChg>
-      <pc:sldChg chg="modSp mod">
-        <pc:chgData name="lagwaitf lagwaitf" userId="7c35877e37998161" providerId="LiveId" clId="{083A423D-54D3-4787-B918-C9E4C7E1DBCD}" dt="2021-03-10T14:47:52.512" v="51" actId="20577"/>
-        <pc:sldMkLst>
-          <pc:docMk/>
-          <pc:sldMk cId="1029494975" sldId="257"/>
-        </pc:sldMkLst>
-        <pc:spChg chg="mod">
-          <ac:chgData name="lagwaitf lagwaitf" userId="7c35877e37998161" providerId="LiveId" clId="{083A423D-54D3-4787-B918-C9E4C7E1DBCD}" dt="2021-03-10T14:47:52.512" v="51" actId="20577"/>
-          <ac:spMkLst>
-            <pc:docMk/>
-            <pc:sldMk cId="1029494975" sldId="257"/>
-            <ac:spMk id="3" creationId="{A0C7ACD6-AD37-445C-8456-6AFEF083DEA0}"/>
-          </ac:spMkLst>
-        </pc:spChg>
-      </pc:sldChg>
-      <pc:sldChg chg="modSp mod">
-        <pc:chgData name="lagwaitf lagwaitf" userId="7c35877e37998161" providerId="LiveId" clId="{083A423D-54D3-4787-B918-C9E4C7E1DBCD}" dt="2021-03-10T14:54:12.466" v="55" actId="20577"/>
-        <pc:sldMkLst>
-          <pc:docMk/>
-          <pc:sldMk cId="2775450203" sldId="259"/>
-        </pc:sldMkLst>
-        <pc:spChg chg="mod">
-          <ac:chgData name="lagwaitf lagwaitf" userId="7c35877e37998161" providerId="LiveId" clId="{083A423D-54D3-4787-B918-C9E4C7E1DBCD}" dt="2021-03-10T14:54:12.466" v="55" actId="20577"/>
-          <ac:spMkLst>
-            <pc:docMk/>
-            <pc:sldMk cId="2775450203" sldId="259"/>
-            <ac:spMk id="3" creationId="{A0C7ACD6-AD37-445C-8456-6AFEF083DEA0}"/>
-          </ac:spMkLst>
-        </pc:spChg>
-      </pc:sldChg>
-    </pc:docChg>
-  </pc:docChgLst>
-  <pc:docChgLst>
-    <pc:chgData name="lagwaitf lagwaitf" userId="7c35877e37998161" providerId="LiveId" clId="{C2F83FF3-E7F1-4077-BD21-3C09DD116A3E}"/>
-    <pc:docChg chg="undo custSel addSld delSld modSld">
-      <pc:chgData name="lagwaitf lagwaitf" userId="7c35877e37998161" providerId="LiveId" clId="{C2F83FF3-E7F1-4077-BD21-3C09DD116A3E}" dt="2021-05-01T09:33:03.915" v="338" actId="931"/>
-      <pc:docMkLst>
-        <pc:docMk/>
-      </pc:docMkLst>
-      <pc:sldChg chg="modSp mod">
-        <pc:chgData name="lagwaitf lagwaitf" userId="7c35877e37998161" providerId="LiveId" clId="{C2F83FF3-E7F1-4077-BD21-3C09DD116A3E}" dt="2021-05-01T09:16:02.796" v="17" actId="20577"/>
-        <pc:sldMkLst>
-          <pc:docMk/>
-          <pc:sldMk cId="717878367" sldId="256"/>
-        </pc:sldMkLst>
-        <pc:spChg chg="mod">
-          <ac:chgData name="lagwaitf lagwaitf" userId="7c35877e37998161" providerId="LiveId" clId="{C2F83FF3-E7F1-4077-BD21-3C09DD116A3E}" dt="2021-05-01T09:16:02.796" v="17" actId="20577"/>
-          <ac:spMkLst>
-            <pc:docMk/>
-            <pc:sldMk cId="717878367" sldId="256"/>
-            <ac:spMk id="2" creationId="{A95DD26F-37CC-425D-BDB6-2DEC25E2D291}"/>
-          </ac:spMkLst>
-        </pc:spChg>
-      </pc:sldChg>
-      <pc:sldChg chg="modSp mod">
-        <pc:chgData name="lagwaitf lagwaitf" userId="7c35877e37998161" providerId="LiveId" clId="{C2F83FF3-E7F1-4077-BD21-3C09DD116A3E}" dt="2021-05-01T09:22:35.501" v="233" actId="20577"/>
-        <pc:sldMkLst>
-          <pc:docMk/>
-          <pc:sldMk cId="1029494975" sldId="257"/>
-        </pc:sldMkLst>
-        <pc:spChg chg="mod">
-          <ac:chgData name="lagwaitf lagwaitf" userId="7c35877e37998161" providerId="LiveId" clId="{C2F83FF3-E7F1-4077-BD21-3C09DD116A3E}" dt="2021-05-01T09:22:35.501" v="233" actId="20577"/>
-          <ac:spMkLst>
-            <pc:docMk/>
-            <pc:sldMk cId="1029494975" sldId="257"/>
-            <ac:spMk id="3" creationId="{A0C7ACD6-AD37-445C-8456-6AFEF083DEA0}"/>
-          </ac:spMkLst>
-        </pc:spChg>
-      </pc:sldChg>
-      <pc:sldChg chg="addSp delSp modSp mod">
-        <pc:chgData name="lagwaitf lagwaitf" userId="7c35877e37998161" providerId="LiveId" clId="{C2F83FF3-E7F1-4077-BD21-3C09DD116A3E}" dt="2021-05-01T09:23:47.880" v="252" actId="478"/>
-        <pc:sldMkLst>
-          <pc:docMk/>
-          <pc:sldMk cId="2775450203" sldId="259"/>
-        </pc:sldMkLst>
-        <pc:spChg chg="mod">
-          <ac:chgData name="lagwaitf lagwaitf" userId="7c35877e37998161" providerId="LiveId" clId="{C2F83FF3-E7F1-4077-BD21-3C09DD116A3E}" dt="2021-05-01T09:23:43.535" v="251" actId="207"/>
-          <ac:spMkLst>
-            <pc:docMk/>
-            <pc:sldMk cId="2775450203" sldId="259"/>
-            <ac:spMk id="2" creationId="{527E05EC-AE41-41FA-B468-915355073CF3}"/>
-          </ac:spMkLst>
-        </pc:spChg>
-        <pc:spChg chg="add mod">
-          <ac:chgData name="lagwaitf lagwaitf" userId="7c35877e37998161" providerId="LiveId" clId="{C2F83FF3-E7F1-4077-BD21-3C09DD116A3E}" dt="2021-05-01T09:23:47.880" v="252" actId="478"/>
-          <ac:spMkLst>
-            <pc:docMk/>
-            <pc:sldMk cId="2775450203" sldId="259"/>
-            <ac:spMk id="6" creationId="{63902851-B09D-4896-9F06-36EC5EBE7067}"/>
-          </ac:spMkLst>
-        </pc:spChg>
-        <pc:picChg chg="del">
-          <ac:chgData name="lagwaitf lagwaitf" userId="7c35877e37998161" providerId="LiveId" clId="{C2F83FF3-E7F1-4077-BD21-3C09DD116A3E}" dt="2021-05-01T09:23:47.880" v="252" actId="478"/>
-          <ac:picMkLst>
-            <pc:docMk/>
-            <pc:sldMk cId="2775450203" sldId="259"/>
-            <ac:picMk id="9" creationId="{C7ECFE08-F368-4BC8-B0CF-B663CC963334}"/>
-          </ac:picMkLst>
-        </pc:picChg>
-      </pc:sldChg>
-      <pc:sldChg chg="delSp modSp mod">
-        <pc:chgData name="lagwaitf lagwaitf" userId="7c35877e37998161" providerId="LiveId" clId="{C2F83FF3-E7F1-4077-BD21-3C09DD116A3E}" dt="2021-05-01T09:24:47.436" v="266" actId="478"/>
-        <pc:sldMkLst>
-          <pc:docMk/>
-          <pc:sldMk cId="2215218170" sldId="260"/>
-        </pc:sldMkLst>
-        <pc:spChg chg="mod">
-          <ac:chgData name="lagwaitf lagwaitf" userId="7c35877e37998161" providerId="LiveId" clId="{C2F83FF3-E7F1-4077-BD21-3C09DD116A3E}" dt="2021-05-01T09:24:07.561" v="256" actId="20577"/>
-          <ac:spMkLst>
-            <pc:docMk/>
-            <pc:sldMk cId="2215218170" sldId="260"/>
-            <ac:spMk id="2" creationId="{527E05EC-AE41-41FA-B468-915355073CF3}"/>
-          </ac:spMkLst>
-        </pc:spChg>
-        <pc:picChg chg="del">
-          <ac:chgData name="lagwaitf lagwaitf" userId="7c35877e37998161" providerId="LiveId" clId="{C2F83FF3-E7F1-4077-BD21-3C09DD116A3E}" dt="2021-05-01T09:24:47.436" v="266" actId="478"/>
-          <ac:picMkLst>
-            <pc:docMk/>
-            <pc:sldMk cId="2215218170" sldId="260"/>
-            <ac:picMk id="9" creationId="{8D7608C0-B015-45DB-A8A0-A251CD71D8A3}"/>
-          </ac:picMkLst>
-        </pc:picChg>
-      </pc:sldChg>
-      <pc:sldChg chg="delSp modSp mod">
-        <pc:chgData name="lagwaitf lagwaitf" userId="7c35877e37998161" providerId="LiveId" clId="{C2F83FF3-E7F1-4077-BD21-3C09DD116A3E}" dt="2021-05-01T09:24:45.696" v="265" actId="478"/>
-        <pc:sldMkLst>
-          <pc:docMk/>
-          <pc:sldMk cId="3176468876" sldId="261"/>
-        </pc:sldMkLst>
-        <pc:spChg chg="mod">
-          <ac:chgData name="lagwaitf lagwaitf" userId="7c35877e37998161" providerId="LiveId" clId="{C2F83FF3-E7F1-4077-BD21-3C09DD116A3E}" dt="2021-05-01T09:24:34.725" v="264" actId="27636"/>
-          <ac:spMkLst>
-            <pc:docMk/>
-            <pc:sldMk cId="3176468876" sldId="261"/>
-            <ac:spMk id="2" creationId="{527E05EC-AE41-41FA-B468-915355073CF3}"/>
-          </ac:spMkLst>
-        </pc:spChg>
-        <pc:picChg chg="del">
-          <ac:chgData name="lagwaitf lagwaitf" userId="7c35877e37998161" providerId="LiveId" clId="{C2F83FF3-E7F1-4077-BD21-3C09DD116A3E}" dt="2021-05-01T09:24:45.696" v="265" actId="478"/>
-          <ac:picMkLst>
-            <pc:docMk/>
-            <pc:sldMk cId="3176468876" sldId="261"/>
-            <ac:picMk id="9" creationId="{3CDFE918-47A9-43FB-B5D4-8F79EF963512}"/>
-          </ac:picMkLst>
-        </pc:picChg>
-      </pc:sldChg>
-      <pc:sldChg chg="del">
-        <pc:chgData name="lagwaitf lagwaitf" userId="7c35877e37998161" providerId="LiveId" clId="{C2F83FF3-E7F1-4077-BD21-3C09DD116A3E}" dt="2021-05-01T09:26:08.789" v="292" actId="47"/>
-        <pc:sldMkLst>
-          <pc:docMk/>
-          <pc:sldMk cId="2500813527" sldId="262"/>
-        </pc:sldMkLst>
-      </pc:sldChg>
-      <pc:sldChg chg="del">
-        <pc:chgData name="lagwaitf lagwaitf" userId="7c35877e37998161" providerId="LiveId" clId="{C2F83FF3-E7F1-4077-BD21-3C09DD116A3E}" dt="2021-05-01T09:26:09.721" v="293" actId="47"/>
-        <pc:sldMkLst>
-          <pc:docMk/>
-          <pc:sldMk cId="4269403743" sldId="263"/>
-        </pc:sldMkLst>
-      </pc:sldChg>
-      <pc:sldChg chg="delSp modSp mod">
-        <pc:chgData name="lagwaitf lagwaitf" userId="7c35877e37998161" providerId="LiveId" clId="{C2F83FF3-E7F1-4077-BD21-3C09DD116A3E}" dt="2021-05-01T09:25:42.867" v="283" actId="478"/>
-        <pc:sldMkLst>
-          <pc:docMk/>
-          <pc:sldMk cId="51845631" sldId="267"/>
-        </pc:sldMkLst>
-        <pc:spChg chg="mod">
-          <ac:chgData name="lagwaitf lagwaitf" userId="7c35877e37998161" providerId="LiveId" clId="{C2F83FF3-E7F1-4077-BD21-3C09DD116A3E}" dt="2021-05-01T09:25:39.547" v="282" actId="27636"/>
-          <ac:spMkLst>
-            <pc:docMk/>
-            <pc:sldMk cId="51845631" sldId="267"/>
-            <ac:spMk id="2" creationId="{527E05EC-AE41-41FA-B468-915355073CF3}"/>
-          </ac:spMkLst>
-        </pc:spChg>
-        <pc:picChg chg="del">
-          <ac:chgData name="lagwaitf lagwaitf" userId="7c35877e37998161" providerId="LiveId" clId="{C2F83FF3-E7F1-4077-BD21-3C09DD116A3E}" dt="2021-05-01T09:25:42.867" v="283" actId="478"/>
-          <ac:picMkLst>
-            <pc:docMk/>
-            <pc:sldMk cId="51845631" sldId="267"/>
-            <ac:picMk id="9" creationId="{5BEB6A67-3AE5-4A64-A77C-57E743072561}"/>
-          </ac:picMkLst>
-        </pc:picChg>
-      </pc:sldChg>
-      <pc:sldChg chg="addSp delSp modSp mod">
-        <pc:chgData name="lagwaitf lagwaitf" userId="7c35877e37998161" providerId="LiveId" clId="{C2F83FF3-E7F1-4077-BD21-3C09DD116A3E}" dt="2021-05-01T09:30:40.252" v="326" actId="1076"/>
-        <pc:sldMkLst>
-          <pc:docMk/>
-          <pc:sldMk cId="3962139122" sldId="268"/>
-        </pc:sldMkLst>
-        <pc:spChg chg="mod">
-          <ac:chgData name="lagwaitf lagwaitf" userId="7c35877e37998161" providerId="LiveId" clId="{C2F83FF3-E7F1-4077-BD21-3C09DD116A3E}" dt="2021-05-01T09:26:03.539" v="289" actId="207"/>
-          <ac:spMkLst>
-            <pc:docMk/>
-            <pc:sldMk cId="3962139122" sldId="268"/>
-            <ac:spMk id="2" creationId="{527E05EC-AE41-41FA-B468-915355073CF3}"/>
-          </ac:spMkLst>
-        </pc:spChg>
-        <pc:spChg chg="add del mod">
-          <ac:chgData name="lagwaitf lagwaitf" userId="7c35877e37998161" providerId="LiveId" clId="{C2F83FF3-E7F1-4077-BD21-3C09DD116A3E}" dt="2021-05-01T09:29:07.369" v="299" actId="931"/>
-          <ac:spMkLst>
-            <pc:docMk/>
-            <pc:sldMk cId="3962139122" sldId="268"/>
-            <ac:spMk id="5" creationId="{B1B40B53-9882-4A20-B063-C0B3F0C296FE}"/>
-          </ac:spMkLst>
-        </pc:spChg>
-        <pc:picChg chg="add mod">
-          <ac:chgData name="lagwaitf lagwaitf" userId="7c35877e37998161" providerId="LiveId" clId="{C2F83FF3-E7F1-4077-BD21-3C09DD116A3E}" dt="2021-05-01T09:30:32.860" v="323" actId="1076"/>
-          <ac:picMkLst>
-            <pc:docMk/>
-            <pc:sldMk cId="3962139122" sldId="268"/>
-            <ac:picMk id="9" creationId="{E63A7FF3-444E-4121-A502-BD0A6615C1B4}"/>
-          </ac:picMkLst>
-        </pc:picChg>
-        <pc:picChg chg="del">
-          <ac:chgData name="lagwaitf lagwaitf" userId="7c35877e37998161" providerId="LiveId" clId="{C2F83FF3-E7F1-4077-BD21-3C09DD116A3E}" dt="2021-05-01T09:26:06.892" v="290" actId="478"/>
-          <ac:picMkLst>
-            <pc:docMk/>
-            <pc:sldMk cId="3962139122" sldId="268"/>
-            <ac:picMk id="13" creationId="{9AA8BB2E-52A1-494C-9716-628A1E026BD5}"/>
-          </ac:picMkLst>
-        </pc:picChg>
-        <pc:picChg chg="add mod">
-          <ac:chgData name="lagwaitf lagwaitf" userId="7c35877e37998161" providerId="LiveId" clId="{C2F83FF3-E7F1-4077-BD21-3C09DD116A3E}" dt="2021-05-01T09:30:30.143" v="321" actId="1076"/>
-          <ac:picMkLst>
-            <pc:docMk/>
-            <pc:sldMk cId="3962139122" sldId="268"/>
-            <ac:picMk id="15" creationId="{22CCE29F-3274-4EEE-B538-C5DCD9F945FC}"/>
-          </ac:picMkLst>
-        </pc:picChg>
-        <pc:picChg chg="add mod">
-          <ac:chgData name="lagwaitf lagwaitf" userId="7c35877e37998161" providerId="LiveId" clId="{C2F83FF3-E7F1-4077-BD21-3C09DD116A3E}" dt="2021-05-01T09:30:40.252" v="326" actId="1076"/>
-          <ac:picMkLst>
-            <pc:docMk/>
-            <pc:sldMk cId="3962139122" sldId="268"/>
-            <ac:picMk id="17" creationId="{A9E0ACD0-9726-4DC2-9E6B-B26B25A8958F}"/>
-          </ac:picMkLst>
-        </pc:picChg>
-        <pc:picChg chg="add mod">
-          <ac:chgData name="lagwaitf lagwaitf" userId="7c35877e37998161" providerId="LiveId" clId="{C2F83FF3-E7F1-4077-BD21-3C09DD116A3E}" dt="2021-05-01T09:30:31.348" v="322" actId="1076"/>
-          <ac:picMkLst>
-            <pc:docMk/>
-            <pc:sldMk cId="3962139122" sldId="268"/>
-            <ac:picMk id="19" creationId="{E69F5F2C-B02D-4569-849B-5F9439B84BFC}"/>
-          </ac:picMkLst>
-        </pc:picChg>
-        <pc:picChg chg="del">
-          <ac:chgData name="lagwaitf lagwaitf" userId="7c35877e37998161" providerId="LiveId" clId="{C2F83FF3-E7F1-4077-BD21-3C09DD116A3E}" dt="2021-05-01T09:26:07.491" v="291" actId="478"/>
-          <ac:picMkLst>
-            <pc:docMk/>
-            <pc:sldMk cId="3962139122" sldId="268"/>
-            <ac:picMk id="23" creationId="{59633086-8CFC-474F-AE96-AB8DAE82FD09}"/>
-          </ac:picMkLst>
-        </pc:picChg>
-      </pc:sldChg>
-      <pc:sldChg chg="delSp modSp mod">
-        <pc:chgData name="lagwaitf lagwaitf" userId="7c35877e37998161" providerId="LiveId" clId="{C2F83FF3-E7F1-4077-BD21-3C09DD116A3E}" dt="2021-05-01T09:25:14.078" v="275" actId="255"/>
-        <pc:sldMkLst>
-          <pc:docMk/>
-          <pc:sldMk cId="2809134784" sldId="269"/>
-        </pc:sldMkLst>
-        <pc:spChg chg="mod">
-          <ac:chgData name="lagwaitf lagwaitf" userId="7c35877e37998161" providerId="LiveId" clId="{C2F83FF3-E7F1-4077-BD21-3C09DD116A3E}" dt="2021-05-01T09:25:14.078" v="275" actId="255"/>
-          <ac:spMkLst>
-            <pc:docMk/>
-            <pc:sldMk cId="2809134784" sldId="269"/>
-            <ac:spMk id="2" creationId="{527E05EC-AE41-41FA-B468-915355073CF3}"/>
-          </ac:spMkLst>
-        </pc:spChg>
-        <pc:picChg chg="del">
-          <ac:chgData name="lagwaitf lagwaitf" userId="7c35877e37998161" providerId="LiveId" clId="{C2F83FF3-E7F1-4077-BD21-3C09DD116A3E}" dt="2021-05-01T09:24:54.355" v="267" actId="478"/>
-          <ac:picMkLst>
-            <pc:docMk/>
-            <pc:sldMk cId="2809134784" sldId="269"/>
-            <ac:picMk id="7" creationId="{71E61600-D839-4D07-9754-6AB7FB8E6953}"/>
-          </ac:picMkLst>
-        </pc:picChg>
-      </pc:sldChg>
-      <pc:sldChg chg="del">
-        <pc:chgData name="lagwaitf lagwaitf" userId="7c35877e37998161" providerId="LiveId" clId="{C2F83FF3-E7F1-4077-BD21-3C09DD116A3E}" dt="2021-05-01T09:26:14.972" v="297" actId="47"/>
-        <pc:sldMkLst>
-          <pc:docMk/>
-          <pc:sldMk cId="3415186053" sldId="270"/>
-        </pc:sldMkLst>
-      </pc:sldChg>
-      <pc:sldChg chg="modSp mod">
-        <pc:chgData name="lagwaitf lagwaitf" userId="7c35877e37998161" providerId="LiveId" clId="{C2F83FF3-E7F1-4077-BD21-3C09DD116A3E}" dt="2021-05-01T09:23:21.965" v="247" actId="5793"/>
-        <pc:sldMkLst>
-          <pc:docMk/>
-          <pc:sldMk cId="1394492894" sldId="271"/>
-        </pc:sldMkLst>
-        <pc:spChg chg="mod">
-          <ac:chgData name="lagwaitf lagwaitf" userId="7c35877e37998161" providerId="LiveId" clId="{C2F83FF3-E7F1-4077-BD21-3C09DD116A3E}" dt="2021-05-01T09:23:01.880" v="238" actId="27636"/>
-          <ac:spMkLst>
-            <pc:docMk/>
-            <pc:sldMk cId="1394492894" sldId="271"/>
-            <ac:spMk id="2" creationId="{527E05EC-AE41-41FA-B468-915355073CF3}"/>
-          </ac:spMkLst>
-        </pc:spChg>
-        <pc:spChg chg="mod">
-          <ac:chgData name="lagwaitf lagwaitf" userId="7c35877e37998161" providerId="LiveId" clId="{C2F83FF3-E7F1-4077-BD21-3C09DD116A3E}" dt="2021-05-01T09:23:21.965" v="247" actId="5793"/>
-          <ac:spMkLst>
-            <pc:docMk/>
-            <pc:sldMk cId="1394492894" sldId="271"/>
-            <ac:spMk id="3" creationId="{A0C7ACD6-AD37-445C-8456-6AFEF083DEA0}"/>
-          </ac:spMkLst>
-        </pc:spChg>
-      </pc:sldChg>
-      <pc:sldChg chg="addSp delSp modSp add mod">
-        <pc:chgData name="lagwaitf lagwaitf" userId="7c35877e37998161" providerId="LiveId" clId="{C2F83FF3-E7F1-4077-BD21-3C09DD116A3E}" dt="2021-05-01T09:32:36.774" v="333" actId="478"/>
-        <pc:sldMkLst>
-          <pc:docMk/>
-          <pc:sldMk cId="434976539" sldId="272"/>
-        </pc:sldMkLst>
-        <pc:spChg chg="add del mod">
-          <ac:chgData name="lagwaitf lagwaitf" userId="7c35877e37998161" providerId="LiveId" clId="{C2F83FF3-E7F1-4077-BD21-3C09DD116A3E}" dt="2021-05-01T09:32:34.453" v="330" actId="478"/>
-          <ac:spMkLst>
-            <pc:docMk/>
-            <pc:sldMk cId="434976539" sldId="272"/>
-            <ac:spMk id="5" creationId="{5D02EE3E-C113-4715-8EBC-9559D57AA10C}"/>
-          </ac:spMkLst>
-        </pc:spChg>
-        <pc:spChg chg="add mod">
-          <ac:chgData name="lagwaitf lagwaitf" userId="7c35877e37998161" providerId="LiveId" clId="{C2F83FF3-E7F1-4077-BD21-3C09DD116A3E}" dt="2021-05-01T09:32:36.774" v="333" actId="478"/>
-          <ac:spMkLst>
-            <pc:docMk/>
-            <pc:sldMk cId="434976539" sldId="272"/>
-            <ac:spMk id="13" creationId="{84CE27E3-25AB-4505-BE0D-37732875BA0A}"/>
-          </ac:spMkLst>
-        </pc:spChg>
-        <pc:picChg chg="add del">
-          <ac:chgData name="lagwaitf lagwaitf" userId="7c35877e37998161" providerId="LiveId" clId="{C2F83FF3-E7F1-4077-BD21-3C09DD116A3E}" dt="2021-05-01T09:32:36.774" v="333" actId="478"/>
-          <ac:picMkLst>
-            <pc:docMk/>
-            <pc:sldMk cId="434976539" sldId="272"/>
-            <ac:picMk id="9" creationId="{E63A7FF3-444E-4121-A502-BD0A6615C1B4}"/>
-          </ac:picMkLst>
-        </pc:picChg>
-        <pc:picChg chg="del">
-          <ac:chgData name="lagwaitf lagwaitf" userId="7c35877e37998161" providerId="LiveId" clId="{C2F83FF3-E7F1-4077-BD21-3C09DD116A3E}" dt="2021-05-01T09:32:35.615" v="331" actId="478"/>
-          <ac:picMkLst>
-            <pc:docMk/>
-            <pc:sldMk cId="434976539" sldId="272"/>
-            <ac:picMk id="15" creationId="{22CCE29F-3274-4EEE-B538-C5DCD9F945FC}"/>
-          </ac:picMkLst>
-        </pc:picChg>
-        <pc:picChg chg="del">
-          <ac:chgData name="lagwaitf lagwaitf" userId="7c35877e37998161" providerId="LiveId" clId="{C2F83FF3-E7F1-4077-BD21-3C09DD116A3E}" dt="2021-05-01T09:32:30.592" v="328" actId="478"/>
-          <ac:picMkLst>
-            <pc:docMk/>
-            <pc:sldMk cId="434976539" sldId="272"/>
-            <ac:picMk id="17" creationId="{A9E0ACD0-9726-4DC2-9E6B-B26B25A8958F}"/>
-          </ac:picMkLst>
-        </pc:picChg>
-        <pc:picChg chg="del">
-          <ac:chgData name="lagwaitf lagwaitf" userId="7c35877e37998161" providerId="LiveId" clId="{C2F83FF3-E7F1-4077-BD21-3C09DD116A3E}" dt="2021-05-01T09:32:36.149" v="332" actId="478"/>
-          <ac:picMkLst>
-            <pc:docMk/>
-            <pc:sldMk cId="434976539" sldId="272"/>
-            <ac:picMk id="19" creationId="{E69F5F2C-B02D-4569-849B-5F9439B84BFC}"/>
-          </ac:picMkLst>
-        </pc:picChg>
-      </pc:sldChg>
-      <pc:sldChg chg="del">
-        <pc:chgData name="lagwaitf lagwaitf" userId="7c35877e37998161" providerId="LiveId" clId="{C2F83FF3-E7F1-4077-BD21-3C09DD116A3E}" dt="2021-05-01T09:26:16.319" v="298" actId="47"/>
-        <pc:sldMkLst>
-          <pc:docMk/>
-          <pc:sldMk cId="1886195545" sldId="272"/>
-        </pc:sldMkLst>
-      </pc:sldChg>
-      <pc:sldChg chg="addSp delSp modSp add">
-        <pc:chgData name="lagwaitf lagwaitf" userId="7c35877e37998161" providerId="LiveId" clId="{C2F83FF3-E7F1-4077-BD21-3C09DD116A3E}" dt="2021-05-01T09:32:50.324" v="335" actId="931"/>
-        <pc:sldMkLst>
-          <pc:docMk/>
-          <pc:sldMk cId="1961585948" sldId="273"/>
-        </pc:sldMkLst>
-        <pc:spChg chg="del">
-          <ac:chgData name="lagwaitf lagwaitf" userId="7c35877e37998161" providerId="LiveId" clId="{C2F83FF3-E7F1-4077-BD21-3C09DD116A3E}" dt="2021-05-01T09:32:50.324" v="335" actId="931"/>
-          <ac:spMkLst>
-            <pc:docMk/>
-            <pc:sldMk cId="1961585948" sldId="273"/>
-            <ac:spMk id="13" creationId="{84CE27E3-25AB-4505-BE0D-37732875BA0A}"/>
-          </ac:spMkLst>
-        </pc:spChg>
-        <pc:picChg chg="add mod">
-          <ac:chgData name="lagwaitf lagwaitf" userId="7c35877e37998161" providerId="LiveId" clId="{C2F83FF3-E7F1-4077-BD21-3C09DD116A3E}" dt="2021-05-01T09:32:50.324" v="335" actId="931"/>
-          <ac:picMkLst>
-            <pc:docMk/>
-            <pc:sldMk cId="1961585948" sldId="273"/>
-            <ac:picMk id="5" creationId="{FFB37A71-1403-465A-A653-1935909E5DB3}"/>
-          </ac:picMkLst>
-        </pc:picChg>
-      </pc:sldChg>
-      <pc:sldChg chg="del">
-        <pc:chgData name="lagwaitf lagwaitf" userId="7c35877e37998161" providerId="LiveId" clId="{C2F83FF3-E7F1-4077-BD21-3C09DD116A3E}" dt="2021-05-01T09:26:10.891" v="294" actId="47"/>
-        <pc:sldMkLst>
-          <pc:docMk/>
-          <pc:sldMk cId="2876473355" sldId="273"/>
-        </pc:sldMkLst>
-      </pc:sldChg>
-      <pc:sldChg chg="del">
-        <pc:chgData name="lagwaitf lagwaitf" userId="7c35877e37998161" providerId="LiveId" clId="{C2F83FF3-E7F1-4077-BD21-3C09DD116A3E}" dt="2021-05-01T09:26:11.741" v="295" actId="47"/>
-        <pc:sldMkLst>
-          <pc:docMk/>
-          <pc:sldMk cId="801354930" sldId="274"/>
-        </pc:sldMkLst>
-      </pc:sldChg>
-      <pc:sldChg chg="addSp delSp modSp add mod">
-        <pc:chgData name="lagwaitf lagwaitf" userId="7c35877e37998161" providerId="LiveId" clId="{C2F83FF3-E7F1-4077-BD21-3C09DD116A3E}" dt="2021-05-01T09:33:03.915" v="338" actId="931"/>
-        <pc:sldMkLst>
-          <pc:docMk/>
-          <pc:sldMk cId="3684542166" sldId="274"/>
-        </pc:sldMkLst>
-        <pc:spChg chg="add del mod">
-          <ac:chgData name="lagwaitf lagwaitf" userId="7c35877e37998161" providerId="LiveId" clId="{C2F83FF3-E7F1-4077-BD21-3C09DD116A3E}" dt="2021-05-01T09:33:03.915" v="338" actId="931"/>
-          <ac:spMkLst>
-            <pc:docMk/>
-            <pc:sldMk cId="3684542166" sldId="274"/>
-            <ac:spMk id="7" creationId="{0714B101-1E35-49D9-96C5-571B9A07390D}"/>
-          </ac:spMkLst>
-        </pc:spChg>
-        <pc:picChg chg="del">
-          <ac:chgData name="lagwaitf lagwaitf" userId="7c35877e37998161" providerId="LiveId" clId="{C2F83FF3-E7F1-4077-BD21-3C09DD116A3E}" dt="2021-05-01T09:33:00.173" v="337" actId="478"/>
-          <ac:picMkLst>
-            <pc:docMk/>
-            <pc:sldMk cId="3684542166" sldId="274"/>
-            <ac:picMk id="5" creationId="{FFB37A71-1403-465A-A653-1935909E5DB3}"/>
-          </ac:picMkLst>
-        </pc:picChg>
-        <pc:picChg chg="add mod">
-          <ac:chgData name="lagwaitf lagwaitf" userId="7c35877e37998161" providerId="LiveId" clId="{C2F83FF3-E7F1-4077-BD21-3C09DD116A3E}" dt="2021-05-01T09:33:03.915" v="338" actId="931"/>
-          <ac:picMkLst>
-            <pc:docMk/>
-            <pc:sldMk cId="3684542166" sldId="274"/>
-            <ac:picMk id="13" creationId="{6220AB55-F50F-4442-B2FF-2F131684043B}"/>
-          </ac:picMkLst>
-        </pc:picChg>
-      </pc:sldChg>
-      <pc:sldChg chg="del">
-        <pc:chgData name="lagwaitf lagwaitf" userId="7c35877e37998161" providerId="LiveId" clId="{C2F83FF3-E7F1-4077-BD21-3C09DD116A3E}" dt="2021-05-01T09:26:12.595" v="296" actId="47"/>
-        <pc:sldMkLst>
-          <pc:docMk/>
-          <pc:sldMk cId="1927214811" sldId="275"/>
-        </pc:sldMkLst>
-      </pc:sldChg>
-    </pc:docChg>
-  </pc:docChgLst>
 </pc:chgInfo>
 </file>
 
@@ -5578,35 +5579,153 @@
           </a:p>
         </p:txBody>
       </p:sp>
-      <p:sp>
-        <p:nvSpPr>
-          <p:cNvPr id="13" name="Espace réservé du contenu 12">
-            <a:extLst>
-              <a:ext uri="{FF2B5EF4-FFF2-40B4-BE49-F238E27FC236}">
-                <a16:creationId xmlns:a16="http://schemas.microsoft.com/office/drawing/2014/main" id="{84CE27E3-25AB-4505-BE0D-37732875BA0A}"/>
-              </a:ext>
-            </a:extLst>
-          </p:cNvPr>
-          <p:cNvSpPr>
-            <a:spLocks noGrp="1"/>
-          </p:cNvSpPr>
+      <p:pic>
+        <p:nvPicPr>
+          <p:cNvPr id="9" name="Espace réservé du contenu 8">
+            <a:extLst>
+              <a:ext uri="{FF2B5EF4-FFF2-40B4-BE49-F238E27FC236}">
+                <a16:creationId xmlns:a16="http://schemas.microsoft.com/office/drawing/2014/main" id="{E63A7FF3-444E-4121-A502-BD0A6615C1B4}"/>
+              </a:ext>
+            </a:extLst>
+          </p:cNvPr>
+          <p:cNvPicPr>
+            <a:picLocks noGrp="1" noChangeAspect="1"/>
+          </p:cNvPicPr>
           <p:nvPr>
             <p:ph idx="1"/>
           </p:nvPr>
-        </p:nvSpPr>
-        <p:spPr/>
-        <p:txBody>
-          <a:bodyPr/>
-          <a:lstStyle/>
-          <a:p>
-            <a:endParaRPr lang="fr-FR"/>
-          </a:p>
-        </p:txBody>
-      </p:sp>
+        </p:nvPicPr>
+        <p:blipFill>
+          <a:blip r:embed="rId3">
+            <a:extLst>
+              <a:ext uri="{28A0092B-C50C-407E-A947-70E740481C1C}">
+                <a14:useLocalDpi xmlns:a14="http://schemas.microsoft.com/office/drawing/2010/main" val="0"/>
+              </a:ext>
+            </a:extLst>
+          </a:blip>
+          <a:stretch>
+            <a:fillRect/>
+          </a:stretch>
+        </p:blipFill>
+        <p:spPr>
+          <a:xfrm>
+            <a:off x="963167" y="2184138"/>
+            <a:ext cx="1866900" cy="1866900"/>
+          </a:xfrm>
+        </p:spPr>
+      </p:pic>
+      <p:pic>
+        <p:nvPicPr>
+          <p:cNvPr id="15" name="Image 14">
+            <a:extLst>
+              <a:ext uri="{FF2B5EF4-FFF2-40B4-BE49-F238E27FC236}">
+                <a16:creationId xmlns:a16="http://schemas.microsoft.com/office/drawing/2014/main" id="{22CCE29F-3274-4EEE-B538-C5DCD9F945FC}"/>
+              </a:ext>
+            </a:extLst>
+          </p:cNvPr>
+          <p:cNvPicPr>
+            <a:picLocks noChangeAspect="1"/>
+          </p:cNvPicPr>
+          <p:nvPr/>
+        </p:nvPicPr>
+        <p:blipFill>
+          <a:blip r:embed="rId4">
+            <a:extLst>
+              <a:ext uri="{28A0092B-C50C-407E-A947-70E740481C1C}">
+                <a14:useLocalDpi xmlns:a14="http://schemas.microsoft.com/office/drawing/2010/main" val="0"/>
+              </a:ext>
+            </a:extLst>
+          </a:blip>
+          <a:stretch>
+            <a:fillRect/>
+          </a:stretch>
+        </p:blipFill>
+        <p:spPr>
+          <a:xfrm>
+            <a:off x="4416381" y="2224446"/>
+            <a:ext cx="2156148" cy="1982331"/>
+          </a:xfrm>
+          <a:prstGeom prst="rect">
+            <a:avLst/>
+          </a:prstGeom>
+        </p:spPr>
+      </p:pic>
+      <p:pic>
+        <p:nvPicPr>
+          <p:cNvPr id="17" name="Image 16">
+            <a:extLst>
+              <a:ext uri="{FF2B5EF4-FFF2-40B4-BE49-F238E27FC236}">
+                <a16:creationId xmlns:a16="http://schemas.microsoft.com/office/drawing/2014/main" id="{A9E0ACD0-9726-4DC2-9E6B-B26B25A8958F}"/>
+              </a:ext>
+            </a:extLst>
+          </p:cNvPr>
+          <p:cNvPicPr>
+            <a:picLocks noChangeAspect="1"/>
+          </p:cNvPicPr>
+          <p:nvPr/>
+        </p:nvPicPr>
+        <p:blipFill>
+          <a:blip r:embed="rId5">
+            <a:extLst>
+              <a:ext uri="{28A0092B-C50C-407E-A947-70E740481C1C}">
+                <a14:useLocalDpi xmlns:a14="http://schemas.microsoft.com/office/drawing/2010/main" val="0"/>
+              </a:ext>
+            </a:extLst>
+          </a:blip>
+          <a:stretch>
+            <a:fillRect/>
+          </a:stretch>
+        </p:blipFill>
+        <p:spPr>
+          <a:xfrm>
+            <a:off x="3265715" y="4337039"/>
+            <a:ext cx="4024714" cy="1877529"/>
+          </a:xfrm>
+          <a:prstGeom prst="rect">
+            <a:avLst/>
+          </a:prstGeom>
+        </p:spPr>
+      </p:pic>
+      <p:pic>
+        <p:nvPicPr>
+          <p:cNvPr id="19" name="Image 18" descr="Une image contenant texte, équipement électronique&#10;&#10;Description générée automatiquement">
+            <a:extLst>
+              <a:ext uri="{FF2B5EF4-FFF2-40B4-BE49-F238E27FC236}">
+                <a16:creationId xmlns:a16="http://schemas.microsoft.com/office/drawing/2014/main" id="{E69F5F2C-B02D-4569-849B-5F9439B84BFC}"/>
+              </a:ext>
+            </a:extLst>
+          </p:cNvPr>
+          <p:cNvPicPr>
+            <a:picLocks noChangeAspect="1"/>
+          </p:cNvPicPr>
+          <p:nvPr/>
+        </p:nvPicPr>
+        <p:blipFill>
+          <a:blip r:embed="rId6">
+            <a:extLst>
+              <a:ext uri="{28A0092B-C50C-407E-A947-70E740481C1C}">
+                <a14:useLocalDpi xmlns:a14="http://schemas.microsoft.com/office/drawing/2010/main" val="0"/>
+              </a:ext>
+            </a:extLst>
+          </a:blip>
+          <a:stretch>
+            <a:fillRect/>
+          </a:stretch>
+        </p:blipFill>
+        <p:spPr>
+          <a:xfrm>
+            <a:off x="7878257" y="2248243"/>
+            <a:ext cx="1866900" cy="1781175"/>
+          </a:xfrm>
+          <a:prstGeom prst="rect">
+            <a:avLst/>
+          </a:prstGeom>
+        </p:spPr>
+      </p:pic>
     </p:spTree>
     <p:extLst>
       <p:ext uri="{BB962C8B-B14F-4D97-AF65-F5344CB8AC3E}">
-        <p14:creationId xmlns:p14="http://schemas.microsoft.com/office/powerpoint/2010/main" val="434976539"/>
+        <p14:creationId xmlns:p14="http://schemas.microsoft.com/office/powerpoint/2010/main" val="3962139122"/>
       </p:ext>
     </p:extLst>
   </p:cSld>
@@ -6012,45 +6131,35 @@
           </a:p>
         </p:txBody>
       </p:sp>
-      <p:pic>
-        <p:nvPicPr>
-          <p:cNvPr id="5" name="Espace réservé du contenu 4">
-            <a:extLst>
-              <a:ext uri="{FF2B5EF4-FFF2-40B4-BE49-F238E27FC236}">
-                <a16:creationId xmlns:a16="http://schemas.microsoft.com/office/drawing/2014/main" id="{FFB37A71-1403-465A-A653-1935909E5DB3}"/>
-              </a:ext>
-            </a:extLst>
-          </p:cNvPr>
-          <p:cNvPicPr>
-            <a:picLocks noGrp="1" noChangeAspect="1"/>
-          </p:cNvPicPr>
+      <p:sp>
+        <p:nvSpPr>
+          <p:cNvPr id="13" name="Espace réservé du contenu 12">
+            <a:extLst>
+              <a:ext uri="{FF2B5EF4-FFF2-40B4-BE49-F238E27FC236}">
+                <a16:creationId xmlns:a16="http://schemas.microsoft.com/office/drawing/2014/main" id="{84CE27E3-25AB-4505-BE0D-37732875BA0A}"/>
+              </a:ext>
+            </a:extLst>
+          </p:cNvPr>
+          <p:cNvSpPr>
+            <a:spLocks noGrp="1"/>
+          </p:cNvSpPr>
           <p:nvPr>
             <p:ph idx="1"/>
           </p:nvPr>
-        </p:nvPicPr>
-        <p:blipFill>
-          <a:blip r:embed="rId3">
-            <a:extLst>
-              <a:ext uri="{28A0092B-C50C-407E-A947-70E740481C1C}">
-                <a14:useLocalDpi xmlns:a14="http://schemas.microsoft.com/office/drawing/2010/main" val="0"/>
-              </a:ext>
-            </a:extLst>
-          </a:blip>
-          <a:stretch>
-            <a:fillRect/>
-          </a:stretch>
-        </p:blipFill>
-        <p:spPr>
-          <a:xfrm>
-            <a:off x="3769152" y="1825625"/>
-            <a:ext cx="4653696" cy="4351338"/>
-          </a:xfrm>
-        </p:spPr>
-      </p:pic>
+        </p:nvSpPr>
+        <p:spPr/>
+        <p:txBody>
+          <a:bodyPr/>
+          <a:lstStyle/>
+          <a:p>
+            <a:endParaRPr lang="fr-FR"/>
+          </a:p>
+        </p:txBody>
+      </p:sp>
     </p:spTree>
     <p:extLst>
       <p:ext uri="{BB962C8B-B14F-4D97-AF65-F5344CB8AC3E}">
-        <p14:creationId xmlns:p14="http://schemas.microsoft.com/office/powerpoint/2010/main" val="1961585948"/>
+        <p14:creationId xmlns:p14="http://schemas.microsoft.com/office/powerpoint/2010/main" val="434976539"/>
       </p:ext>
     </p:extLst>
   </p:cSld>
@@ -6458,10 +6567,10 @@
       </p:sp>
       <p:pic>
         <p:nvPicPr>
-          <p:cNvPr id="13" name="Espace réservé du contenu 12">
-            <a:extLst>
-              <a:ext uri="{FF2B5EF4-FFF2-40B4-BE49-F238E27FC236}">
-                <a16:creationId xmlns:a16="http://schemas.microsoft.com/office/drawing/2014/main" id="{6220AB55-F50F-4442-B2FF-2F131684043B}"/>
+          <p:cNvPr id="5" name="Espace réservé du contenu 4">
+            <a:extLst>
+              <a:ext uri="{FF2B5EF4-FFF2-40B4-BE49-F238E27FC236}">
+                <a16:creationId xmlns:a16="http://schemas.microsoft.com/office/drawing/2014/main" id="{FFB37A71-1403-465A-A653-1935909E5DB3}"/>
               </a:ext>
             </a:extLst>
           </p:cNvPr>
@@ -6486,15 +6595,15 @@
         </p:blipFill>
         <p:spPr>
           <a:xfrm>
-            <a:off x="3831595" y="1825625"/>
-            <a:ext cx="4528809" cy="4351338"/>
+            <a:off x="3769152" y="1825625"/>
+            <a:ext cx="4653696" cy="4351338"/>
           </a:xfrm>
         </p:spPr>
       </p:pic>
     </p:spTree>
     <p:extLst>
       <p:ext uri="{BB962C8B-B14F-4D97-AF65-F5344CB8AC3E}">
-        <p14:creationId xmlns:p14="http://schemas.microsoft.com/office/powerpoint/2010/main" val="3684542166"/>
+        <p14:creationId xmlns:p14="http://schemas.microsoft.com/office/powerpoint/2010/main" val="1961585948"/>
       </p:ext>
     </p:extLst>
   </p:cSld>
@@ -6814,72 +6923,32 @@
         </p:nvSpPr>
         <p:spPr>
           <a:xfrm>
-            <a:off x="4258327" y="3056870"/>
+            <a:off x="1179226" y="448056"/>
             <a:ext cx="9833548" cy="1066802"/>
           </a:xfrm>
         </p:spPr>
         <p:txBody>
           <a:bodyPr>
-            <a:normAutofit/>
+            <a:normAutofit fontScale="90000"/>
           </a:bodyPr>
           <a:lstStyle/>
           <a:p>
-            <a:r>
-              <a:rPr lang="fr-FR" sz="4000" dirty="0"/>
-              <a:t>Conclusion</a:t>
-            </a:r>
             <a:r>
               <a:rPr lang="fr-FR" sz="4000" dirty="0">
                 <a:solidFill>
                   <a:srgbClr val="3F3F3F"/>
                 </a:solidFill>
               </a:rPr>
-              <a:t> </a:t>
-            </a:r>
-          </a:p>
-        </p:txBody>
-      </p:sp>
-      <p:sp>
-        <p:nvSpPr>
-          <p:cNvPr id="3" name="Espace réservé du contenu 2">
-            <a:extLst>
-              <a:ext uri="{FF2B5EF4-FFF2-40B4-BE49-F238E27FC236}">
-                <a16:creationId xmlns:a16="http://schemas.microsoft.com/office/drawing/2014/main" id="{A0C7ACD6-AD37-445C-8456-6AFEF083DEA0}"/>
-              </a:ext>
-            </a:extLst>
-          </p:cNvPr>
-          <p:cNvSpPr>
-            <a:spLocks noGrp="1"/>
-          </p:cNvSpPr>
-          <p:nvPr>
-            <p:ph idx="1"/>
-          </p:nvPr>
-        </p:nvSpPr>
-        <p:spPr>
-          <a:xfrm>
-            <a:off x="1179226" y="3049325"/>
-            <a:ext cx="9833548" cy="2945574"/>
-          </a:xfrm>
-        </p:spPr>
-        <p:txBody>
-          <a:bodyPr anchor="ctr">
-            <a:normAutofit/>
-          </a:bodyPr>
-          <a:lstStyle/>
-          <a:p>
-            <a:endParaRPr lang="fr-FR" sz="1200" dirty="0">
-              <a:solidFill>
-                <a:srgbClr val="FFFFFF"/>
-              </a:solidFill>
-            </a:endParaRPr>
-          </a:p>
-          <a:p>
-            <a:pPr lvl="1"/>
-            <a:endParaRPr lang="fr-FR" sz="1600" dirty="0">
-              <a:solidFill>
-                <a:srgbClr val="FFFFFF"/>
-              </a:solidFill>
-            </a:endParaRPr>
+              <a:t>VII</a:t>
+            </a:r>
+            <a:r>
+              <a:rPr lang="fr-FR" sz="4000" dirty="0">
+                <a:solidFill>
+                  <a:schemeClr val="bg1"/>
+                </a:solidFill>
+              </a:rPr>
+              <a:t>. Présentation de la partie : Capteurs/Actionneurs</a:t>
+            </a:r>
           </a:p>
         </p:txBody>
       </p:sp>
@@ -6888,7 +6957,7 @@
           <p:cNvPr id="4" name="Espace réservé de la date 3">
             <a:extLst>
               <a:ext uri="{FF2B5EF4-FFF2-40B4-BE49-F238E27FC236}">
-                <a16:creationId xmlns:a16="http://schemas.microsoft.com/office/drawing/2014/main" id="{9C30676F-1156-4A08-AA0A-083618723DCB}"/>
+                <a16:creationId xmlns:a16="http://schemas.microsoft.com/office/drawing/2014/main" id="{F9F2861F-EE6A-4DDA-8612-63A5A3242DB2}"/>
               </a:ext>
             </a:extLst>
           </p:cNvPr>
@@ -6913,10 +6982,10 @@
       </p:sp>
       <p:sp>
         <p:nvSpPr>
-          <p:cNvPr id="5" name="Espace réservé du numéro de diapositive 4">
-            <a:extLst>
-              <a:ext uri="{FF2B5EF4-FFF2-40B4-BE49-F238E27FC236}">
-                <a16:creationId xmlns:a16="http://schemas.microsoft.com/office/drawing/2014/main" id="{DDCFFCCA-7A7A-4070-A598-C3F85EEAD3F6}"/>
+          <p:cNvPr id="6" name="Espace réservé du numéro de diapositive 5">
+            <a:extLst>
+              <a:ext uri="{FF2B5EF4-FFF2-40B4-BE49-F238E27FC236}">
+                <a16:creationId xmlns:a16="http://schemas.microsoft.com/office/drawing/2014/main" id="{4B7D6948-84F6-46B1-8708-F6EB18858D49}"/>
               </a:ext>
             </a:extLst>
           </p:cNvPr>
@@ -6940,10 +7009,45 @@
           </a:p>
         </p:txBody>
       </p:sp>
+      <p:pic>
+        <p:nvPicPr>
+          <p:cNvPr id="13" name="Espace réservé du contenu 12">
+            <a:extLst>
+              <a:ext uri="{FF2B5EF4-FFF2-40B4-BE49-F238E27FC236}">
+                <a16:creationId xmlns:a16="http://schemas.microsoft.com/office/drawing/2014/main" id="{6220AB55-F50F-4442-B2FF-2F131684043B}"/>
+              </a:ext>
+            </a:extLst>
+          </p:cNvPr>
+          <p:cNvPicPr>
+            <a:picLocks noGrp="1" noChangeAspect="1"/>
+          </p:cNvPicPr>
+          <p:nvPr>
+            <p:ph idx="1"/>
+          </p:nvPr>
+        </p:nvPicPr>
+        <p:blipFill>
+          <a:blip r:embed="rId3">
+            <a:extLst>
+              <a:ext uri="{28A0092B-C50C-407E-A947-70E740481C1C}">
+                <a14:useLocalDpi xmlns:a14="http://schemas.microsoft.com/office/drawing/2010/main" val="0"/>
+              </a:ext>
+            </a:extLst>
+          </a:blip>
+          <a:stretch>
+            <a:fillRect/>
+          </a:stretch>
+        </p:blipFill>
+        <p:spPr>
+          <a:xfrm>
+            <a:off x="3831595" y="1825625"/>
+            <a:ext cx="4528809" cy="4351338"/>
+          </a:xfrm>
+        </p:spPr>
+      </p:pic>
     </p:spTree>
     <p:extLst>
       <p:ext uri="{BB962C8B-B14F-4D97-AF65-F5344CB8AC3E}">
-        <p14:creationId xmlns:p14="http://schemas.microsoft.com/office/powerpoint/2010/main" val="846470642"/>
+        <p14:creationId xmlns:p14="http://schemas.microsoft.com/office/powerpoint/2010/main" val="3684542166"/>
       </p:ext>
     </p:extLst>
   </p:cSld>
@@ -6953,7 +7057,7 @@
 </p:sld>
 </file>
 
-<file path=ppt/slides/slide2.xml><?xml version="1.0" encoding="utf-8"?>
+<file path=ppt/slides/slide14.xml><?xml version="1.0" encoding="utf-8"?>
 <p:sld xmlns:a="http://schemas.openxmlformats.org/drawingml/2006/main" xmlns:r="http://schemas.openxmlformats.org/officeDocument/2006/relationships" xmlns:p="http://schemas.openxmlformats.org/presentationml/2006/main">
   <p:cSld>
     <p:bg>
@@ -7263,7 +7367,7 @@
         </p:nvSpPr>
         <p:spPr>
           <a:xfrm>
-            <a:off x="1179226" y="448056"/>
+            <a:off x="4258327" y="3056870"/>
             <a:ext cx="9833548" cy="1066802"/>
           </a:xfrm>
         </p:spPr>
@@ -7273,13 +7377,17 @@
           </a:bodyPr>
           <a:lstStyle/>
           <a:p>
+            <a:r>
+              <a:rPr lang="fr-FR" sz="4000" dirty="0"/>
+              <a:t>Conclusion</a:t>
+            </a:r>
             <a:r>
               <a:rPr lang="fr-FR" sz="4000" dirty="0">
                 <a:solidFill>
                   <a:srgbClr val="3F3F3F"/>
                 </a:solidFill>
               </a:rPr>
-              <a:t>Sommaire</a:t>
+              <a:t> </a:t>
             </a:r>
           </a:p>
         </p:txBody>
@@ -7308,78 +7416,23 @@
         </p:spPr>
         <p:txBody>
           <a:bodyPr anchor="ctr">
-            <a:normAutofit lnSpcReduction="10000"/>
+            <a:normAutofit/>
           </a:bodyPr>
           <a:lstStyle/>
           <a:p>
-            <a:r>
-              <a:rPr lang="fr-FR" sz="2400" dirty="0">
-                <a:solidFill>
-                  <a:srgbClr val="FFFFFF"/>
-                </a:solidFill>
-              </a:rPr>
-              <a:t>I. Présentation du projet </a:t>
-            </a:r>
-          </a:p>
-          <a:p>
-            <a:r>
-              <a:rPr lang="fr-FR" sz="2400" dirty="0">
-                <a:solidFill>
-                  <a:srgbClr val="FFFFFF"/>
-                </a:solidFill>
-              </a:rPr>
-              <a:t>II. Présentation de la partie : Infra BOX + Gateway</a:t>
-            </a:r>
-          </a:p>
-          <a:p>
-            <a:r>
-              <a:rPr lang="fr-FR" sz="2400" dirty="0">
-                <a:solidFill>
-                  <a:srgbClr val="FFFFFF"/>
-                </a:solidFill>
-              </a:rPr>
-              <a:t>III. Présentation de la partie : Application Mobile</a:t>
-            </a:r>
-          </a:p>
-          <a:p>
-            <a:r>
-              <a:rPr lang="fr-FR" sz="2400" dirty="0">
-                <a:solidFill>
-                  <a:srgbClr val="FFFFFF"/>
-                </a:solidFill>
-              </a:rPr>
-              <a:t>IV. Présentation de la partie : Serveur Web</a:t>
-            </a:r>
-          </a:p>
-          <a:p>
-            <a:r>
-              <a:rPr lang="fr-FR" sz="2400" dirty="0">
-                <a:solidFill>
-                  <a:srgbClr val="FFFFFF"/>
-                </a:solidFill>
-              </a:rPr>
-              <a:t>V. Présentation de la partie : Backend et base de données </a:t>
-            </a:r>
-          </a:p>
-          <a:p>
-            <a:r>
-              <a:rPr lang="fr-FR" sz="2400" dirty="0">
-                <a:solidFill>
-                  <a:srgbClr val="FFFFFF"/>
-                </a:solidFill>
-              </a:rPr>
-              <a:t>VI. Présentation de la partie : Web Service</a:t>
-            </a:r>
-          </a:p>
-          <a:p>
-            <a:r>
-              <a:rPr lang="fr-FR" sz="2400" dirty="0">
-                <a:solidFill>
-                  <a:srgbClr val="FFFFFF"/>
-                </a:solidFill>
-              </a:rPr>
-              <a:t>VII. Présentation de la partie : Capteurs/Actionneurs</a:t>
-            </a:r>
+            <a:endParaRPr lang="fr-FR" sz="1200" dirty="0">
+              <a:solidFill>
+                <a:srgbClr val="FFFFFF"/>
+              </a:solidFill>
+            </a:endParaRPr>
+          </a:p>
+          <a:p>
+            <a:pPr lvl="1"/>
+            <a:endParaRPr lang="fr-FR" sz="1600" dirty="0">
+              <a:solidFill>
+                <a:srgbClr val="FFFFFF"/>
+              </a:solidFill>
+            </a:endParaRPr>
           </a:p>
         </p:txBody>
       </p:sp>
@@ -7388,7 +7441,7 @@
           <p:cNvPr id="4" name="Espace réservé de la date 3">
             <a:extLst>
               <a:ext uri="{FF2B5EF4-FFF2-40B4-BE49-F238E27FC236}">
-                <a16:creationId xmlns:a16="http://schemas.microsoft.com/office/drawing/2014/main" id="{1C583F43-2EE2-4B84-8149-6E2645EF10E7}"/>
+                <a16:creationId xmlns:a16="http://schemas.microsoft.com/office/drawing/2014/main" id="{9C30676F-1156-4A08-AA0A-083618723DCB}"/>
               </a:ext>
             </a:extLst>
           </p:cNvPr>
@@ -7416,7 +7469,7 @@
           <p:cNvPr id="5" name="Espace réservé du numéro de diapositive 4">
             <a:extLst>
               <a:ext uri="{FF2B5EF4-FFF2-40B4-BE49-F238E27FC236}">
-                <a16:creationId xmlns:a16="http://schemas.microsoft.com/office/drawing/2014/main" id="{4989D339-AD10-4D60-9159-36387D5CA791}"/>
+                <a16:creationId xmlns:a16="http://schemas.microsoft.com/office/drawing/2014/main" id="{DDCFFCCA-7A7A-4070-A598-C3F85EEAD3F6}"/>
               </a:ext>
             </a:extLst>
           </p:cNvPr>
@@ -7434,7 +7487,7 @@
           <a:p>
             <a:fld id="{14B657B5-B792-44DE-9ADA-EC14684177E4}" type="slidenum">
               <a:rPr lang="fr-FR" smtClean="0"/>
-              <a:t>2</a:t>
+              <a:t>14</a:t>
             </a:fld>
             <a:endParaRPr lang="fr-FR"/>
           </a:p>
@@ -7443,7 +7496,7 @@
     </p:spTree>
     <p:extLst>
       <p:ext uri="{BB962C8B-B14F-4D97-AF65-F5344CB8AC3E}">
-        <p14:creationId xmlns:p14="http://schemas.microsoft.com/office/powerpoint/2010/main" val="1029494975"/>
+        <p14:creationId xmlns:p14="http://schemas.microsoft.com/office/powerpoint/2010/main" val="846470642"/>
       </p:ext>
     </p:extLst>
   </p:cSld>
@@ -7453,7 +7506,7 @@
 </p:sld>
 </file>
 
-<file path=ppt/slides/slide3.xml><?xml version="1.0" encoding="utf-8"?>
+<file path=ppt/slides/slide2.xml><?xml version="1.0" encoding="utf-8"?>
 <p:sld xmlns:a="http://schemas.openxmlformats.org/drawingml/2006/main" xmlns:r="http://schemas.openxmlformats.org/officeDocument/2006/relationships" xmlns:p="http://schemas.openxmlformats.org/presentationml/2006/main">
   <p:cSld>
     <p:bg>
@@ -7779,15 +7832,7 @@
                   <a:srgbClr val="3F3F3F"/>
                 </a:solidFill>
               </a:rPr>
-              <a:t>I</a:t>
-            </a:r>
-            <a:r>
-              <a:rPr lang="fr-FR" sz="4000" dirty="0">
-                <a:solidFill>
-                  <a:schemeClr val="bg1"/>
-                </a:solidFill>
-              </a:rPr>
-              <a:t>. Présentation du projet </a:t>
+              <a:t>Sommaire</a:t>
             </a:r>
           </a:p>
         </p:txBody>
@@ -7816,7 +7861,7 @@
         </p:spPr>
         <p:txBody>
           <a:bodyPr anchor="ctr">
-            <a:normAutofit/>
+            <a:normAutofit lnSpcReduction="10000"/>
           </a:bodyPr>
           <a:lstStyle/>
           <a:p>
@@ -7826,15 +7871,68 @@
                   <a:srgbClr val="FFFFFF"/>
                 </a:solidFill>
               </a:rPr>
-              <a:t>…</a:t>
-            </a:r>
-          </a:p>
-          <a:p>
-            <a:endParaRPr lang="fr-FR" sz="2400" dirty="0">
-              <a:solidFill>
-                <a:srgbClr val="FFFFFF"/>
-              </a:solidFill>
-            </a:endParaRPr>
+              <a:t>I. Présentation du projet </a:t>
+            </a:r>
+          </a:p>
+          <a:p>
+            <a:r>
+              <a:rPr lang="fr-FR" sz="2400" dirty="0">
+                <a:solidFill>
+                  <a:srgbClr val="FFFFFF"/>
+                </a:solidFill>
+              </a:rPr>
+              <a:t>II. Présentation de la partie : Infra BOX + Gateway</a:t>
+            </a:r>
+          </a:p>
+          <a:p>
+            <a:r>
+              <a:rPr lang="fr-FR" sz="2400" dirty="0">
+                <a:solidFill>
+                  <a:srgbClr val="FFFFFF"/>
+                </a:solidFill>
+              </a:rPr>
+              <a:t>III. Présentation de la partie : Application Mobile</a:t>
+            </a:r>
+          </a:p>
+          <a:p>
+            <a:r>
+              <a:rPr lang="fr-FR" sz="2400" dirty="0">
+                <a:solidFill>
+                  <a:srgbClr val="FFFFFF"/>
+                </a:solidFill>
+              </a:rPr>
+              <a:t>IV. Présentation de la partie : Serveur Web</a:t>
+            </a:r>
+          </a:p>
+          <a:p>
+            <a:r>
+              <a:rPr lang="fr-FR" sz="2400" dirty="0">
+                <a:solidFill>
+                  <a:srgbClr val="FFFFFF"/>
+                </a:solidFill>
+              </a:rPr>
+              <a:t>V. Présentation de la partie : Backend et base de données </a:t>
+            </a:r>
+          </a:p>
+          <a:p>
+            <a:r>
+              <a:rPr lang="fr-FR" sz="2400" dirty="0">
+                <a:solidFill>
+                  <a:srgbClr val="FFFFFF"/>
+                </a:solidFill>
+              </a:rPr>
+              <a:t>VI. Présentation de la partie : Web Service</a:t>
+            </a:r>
+          </a:p>
+          <a:p>
+            <a:r>
+              <a:rPr lang="fr-FR" sz="2400" dirty="0">
+                <a:solidFill>
+                  <a:srgbClr val="FFFFFF"/>
+                </a:solidFill>
+              </a:rPr>
+              <a:t>VII. Présentation de la partie : Capteurs/Actionneurs</a:t>
+            </a:r>
           </a:p>
         </p:txBody>
       </p:sp>
@@ -7889,7 +7987,7 @@
           <a:p>
             <a:fld id="{14B657B5-B792-44DE-9ADA-EC14684177E4}" type="slidenum">
               <a:rPr lang="fr-FR" smtClean="0"/>
-              <a:t>3</a:t>
+              <a:t>2</a:t>
             </a:fld>
             <a:endParaRPr lang="fr-FR"/>
           </a:p>
@@ -7898,7 +7996,7 @@
     </p:spTree>
     <p:extLst>
       <p:ext uri="{BB962C8B-B14F-4D97-AF65-F5344CB8AC3E}">
-        <p14:creationId xmlns:p14="http://schemas.microsoft.com/office/powerpoint/2010/main" val="1394492894"/>
+        <p14:creationId xmlns:p14="http://schemas.microsoft.com/office/powerpoint/2010/main" val="1029494975"/>
       </p:ext>
     </p:extLst>
   </p:cSld>
@@ -7908,7 +8006,7 @@
 </p:sld>
 </file>
 
-<file path=ppt/slides/slide4.xml><?xml version="1.0" encoding="utf-8"?>
+<file path=ppt/slides/slide3.xml><?xml version="1.0" encoding="utf-8"?>
 <p:sld xmlns:a="http://schemas.openxmlformats.org/drawingml/2006/main" xmlns:r="http://schemas.openxmlformats.org/officeDocument/2006/relationships" xmlns:p="http://schemas.openxmlformats.org/presentationml/2006/main">
   <p:cSld>
     <p:bg>
@@ -8224,7 +8322,7 @@
         </p:spPr>
         <p:txBody>
           <a:bodyPr>
-            <a:normAutofit fontScale="90000"/>
+            <a:normAutofit/>
           </a:bodyPr>
           <a:lstStyle/>
           <a:p>
@@ -8234,7 +8332,7 @@
                   <a:srgbClr val="3F3F3F"/>
                 </a:solidFill>
               </a:rPr>
-              <a:t>II. </a:t>
+              <a:t>I</a:t>
             </a:r>
             <a:r>
               <a:rPr lang="fr-FR" sz="4000" dirty="0">
@@ -8242,8 +8340,54 @@
                   <a:schemeClr val="bg1"/>
                 </a:solidFill>
               </a:rPr>
-              <a:t>Présentation de la partie : Infra BOX + Gateway </a:t>
-            </a:r>
+              <a:t>. Présentation du projet </a:t>
+            </a:r>
+          </a:p>
+        </p:txBody>
+      </p:sp>
+      <p:sp>
+        <p:nvSpPr>
+          <p:cNvPr id="3" name="Espace réservé du contenu 2">
+            <a:extLst>
+              <a:ext uri="{FF2B5EF4-FFF2-40B4-BE49-F238E27FC236}">
+                <a16:creationId xmlns:a16="http://schemas.microsoft.com/office/drawing/2014/main" id="{A0C7ACD6-AD37-445C-8456-6AFEF083DEA0}"/>
+              </a:ext>
+            </a:extLst>
+          </p:cNvPr>
+          <p:cNvSpPr>
+            <a:spLocks noGrp="1"/>
+          </p:cNvSpPr>
+          <p:nvPr>
+            <p:ph idx="1"/>
+          </p:nvPr>
+        </p:nvSpPr>
+        <p:spPr>
+          <a:xfrm>
+            <a:off x="1179226" y="3049325"/>
+            <a:ext cx="9833548" cy="2945574"/>
+          </a:xfrm>
+        </p:spPr>
+        <p:txBody>
+          <a:bodyPr anchor="ctr">
+            <a:normAutofit/>
+          </a:bodyPr>
+          <a:lstStyle/>
+          <a:p>
+            <a:r>
+              <a:rPr lang="fr-FR" sz="2400" dirty="0">
+                <a:solidFill>
+                  <a:srgbClr val="FFFFFF"/>
+                </a:solidFill>
+              </a:rPr>
+              <a:t>…</a:t>
+            </a:r>
+          </a:p>
+          <a:p>
+            <a:endParaRPr lang="fr-FR" sz="2400" dirty="0">
+              <a:solidFill>
+                <a:srgbClr val="FFFFFF"/>
+              </a:solidFill>
+            </a:endParaRPr>
           </a:p>
         </p:txBody>
       </p:sp>
@@ -8252,7 +8396,7 @@
           <p:cNvPr id="4" name="Espace réservé de la date 3">
             <a:extLst>
               <a:ext uri="{FF2B5EF4-FFF2-40B4-BE49-F238E27FC236}">
-                <a16:creationId xmlns:a16="http://schemas.microsoft.com/office/drawing/2014/main" id="{CD352C3D-DC4E-4FA7-B4FE-9628C4DC07BB}"/>
+                <a16:creationId xmlns:a16="http://schemas.microsoft.com/office/drawing/2014/main" id="{1C583F43-2EE2-4B84-8149-6E2645EF10E7}"/>
               </a:ext>
             </a:extLst>
           </p:cNvPr>
@@ -8280,7 +8424,7 @@
           <p:cNvPr id="5" name="Espace réservé du numéro de diapositive 4">
             <a:extLst>
               <a:ext uri="{FF2B5EF4-FFF2-40B4-BE49-F238E27FC236}">
-                <a16:creationId xmlns:a16="http://schemas.microsoft.com/office/drawing/2014/main" id="{04FABBBB-E545-47C0-9F8F-F411B4220E7E}"/>
+                <a16:creationId xmlns:a16="http://schemas.microsoft.com/office/drawing/2014/main" id="{4989D339-AD10-4D60-9159-36387D5CA791}"/>
               </a:ext>
             </a:extLst>
           </p:cNvPr>
@@ -8298,33 +8442,8 @@
           <a:p>
             <a:fld id="{14B657B5-B792-44DE-9ADA-EC14684177E4}" type="slidenum">
               <a:rPr lang="fr-FR" smtClean="0"/>
-              <a:t>4</a:t>
+              <a:t>3</a:t>
             </a:fld>
-            <a:endParaRPr lang="fr-FR"/>
-          </a:p>
-        </p:txBody>
-      </p:sp>
-      <p:sp>
-        <p:nvSpPr>
-          <p:cNvPr id="6" name="Espace réservé du contenu 5">
-            <a:extLst>
-              <a:ext uri="{FF2B5EF4-FFF2-40B4-BE49-F238E27FC236}">
-                <a16:creationId xmlns:a16="http://schemas.microsoft.com/office/drawing/2014/main" id="{63902851-B09D-4896-9F06-36EC5EBE7067}"/>
-              </a:ext>
-            </a:extLst>
-          </p:cNvPr>
-          <p:cNvSpPr>
-            <a:spLocks noGrp="1"/>
-          </p:cNvSpPr>
-          <p:nvPr>
-            <p:ph idx="1"/>
-          </p:nvPr>
-        </p:nvSpPr>
-        <p:spPr/>
-        <p:txBody>
-          <a:bodyPr/>
-          <a:lstStyle/>
-          <a:p>
             <a:endParaRPr lang="fr-FR"/>
           </a:p>
         </p:txBody>
@@ -8332,7 +8451,7 @@
     </p:spTree>
     <p:extLst>
       <p:ext uri="{BB962C8B-B14F-4D97-AF65-F5344CB8AC3E}">
-        <p14:creationId xmlns:p14="http://schemas.microsoft.com/office/powerpoint/2010/main" val="2775450203"/>
+        <p14:creationId xmlns:p14="http://schemas.microsoft.com/office/powerpoint/2010/main" val="1394492894"/>
       </p:ext>
     </p:extLst>
   </p:cSld>
@@ -8342,7 +8461,7 @@
 </p:sld>
 </file>
 
-<file path=ppt/slides/slide5.xml><?xml version="1.0" encoding="utf-8"?>
+<file path=ppt/slides/slide4.xml><?xml version="1.0" encoding="utf-8"?>
 <p:sld xmlns:a="http://schemas.openxmlformats.org/drawingml/2006/main" xmlns:r="http://schemas.openxmlformats.org/officeDocument/2006/relationships" xmlns:p="http://schemas.openxmlformats.org/presentationml/2006/main">
   <p:cSld>
     <p:bg>
@@ -8668,7 +8787,7 @@
                   <a:srgbClr val="3F3F3F"/>
                 </a:solidFill>
               </a:rPr>
-              <a:t>III</a:t>
+              <a:t>II. </a:t>
             </a:r>
             <a:r>
               <a:rPr lang="fr-FR" sz="4000" dirty="0">
@@ -8676,52 +8795,8 @@
                   <a:schemeClr val="bg1"/>
                 </a:solidFill>
               </a:rPr>
-              <a:t>. Présentation de la partie : Application Mobile</a:t>
-            </a:r>
-          </a:p>
-        </p:txBody>
-      </p:sp>
-      <p:sp>
-        <p:nvSpPr>
-          <p:cNvPr id="3" name="Espace réservé du contenu 2">
-            <a:extLst>
-              <a:ext uri="{FF2B5EF4-FFF2-40B4-BE49-F238E27FC236}">
-                <a16:creationId xmlns:a16="http://schemas.microsoft.com/office/drawing/2014/main" id="{A0C7ACD6-AD37-445C-8456-6AFEF083DEA0}"/>
-              </a:ext>
-            </a:extLst>
-          </p:cNvPr>
-          <p:cNvSpPr>
-            <a:spLocks noGrp="1"/>
-          </p:cNvSpPr>
-          <p:nvPr>
-            <p:ph idx="1"/>
-          </p:nvPr>
-        </p:nvSpPr>
-        <p:spPr>
-          <a:xfrm>
-            <a:off x="1179226" y="3049325"/>
-            <a:ext cx="9833548" cy="2945574"/>
-          </a:xfrm>
-        </p:spPr>
-        <p:txBody>
-          <a:bodyPr anchor="ctr">
-            <a:normAutofit/>
-          </a:bodyPr>
-          <a:lstStyle/>
-          <a:p>
-            <a:endParaRPr lang="fr-FR" sz="1200" dirty="0">
-              <a:solidFill>
-                <a:srgbClr val="FFFFFF"/>
-              </a:solidFill>
-            </a:endParaRPr>
-          </a:p>
-          <a:p>
-            <a:pPr lvl="1"/>
-            <a:endParaRPr lang="fr-FR" sz="1600" dirty="0">
-              <a:solidFill>
-                <a:srgbClr val="FFFFFF"/>
-              </a:solidFill>
-            </a:endParaRPr>
+              <a:t>Présentation de la partie : Infra BOX + Gateway </a:t>
+            </a:r>
           </a:p>
         </p:txBody>
       </p:sp>
@@ -8730,7 +8805,7 @@
           <p:cNvPr id="4" name="Espace réservé de la date 3">
             <a:extLst>
               <a:ext uri="{FF2B5EF4-FFF2-40B4-BE49-F238E27FC236}">
-                <a16:creationId xmlns:a16="http://schemas.microsoft.com/office/drawing/2014/main" id="{555888D5-F666-4989-B28A-243F28D0330B}"/>
+                <a16:creationId xmlns:a16="http://schemas.microsoft.com/office/drawing/2014/main" id="{CD352C3D-DC4E-4FA7-B4FE-9628C4DC07BB}"/>
               </a:ext>
             </a:extLst>
           </p:cNvPr>
@@ -8758,7 +8833,7 @@
           <p:cNvPr id="5" name="Espace réservé du numéro de diapositive 4">
             <a:extLst>
               <a:ext uri="{FF2B5EF4-FFF2-40B4-BE49-F238E27FC236}">
-                <a16:creationId xmlns:a16="http://schemas.microsoft.com/office/drawing/2014/main" id="{4801BD19-8D6A-4804-B116-180DAD4C6A70}"/>
+                <a16:creationId xmlns:a16="http://schemas.microsoft.com/office/drawing/2014/main" id="{04FABBBB-E545-47C0-9F8F-F411B4220E7E}"/>
               </a:ext>
             </a:extLst>
           </p:cNvPr>
@@ -8776,8 +8851,33 @@
           <a:p>
             <a:fld id="{14B657B5-B792-44DE-9ADA-EC14684177E4}" type="slidenum">
               <a:rPr lang="fr-FR" smtClean="0"/>
-              <a:t>5</a:t>
+              <a:t>4</a:t>
             </a:fld>
+            <a:endParaRPr lang="fr-FR"/>
+          </a:p>
+        </p:txBody>
+      </p:sp>
+      <p:sp>
+        <p:nvSpPr>
+          <p:cNvPr id="6" name="Espace réservé du contenu 5">
+            <a:extLst>
+              <a:ext uri="{FF2B5EF4-FFF2-40B4-BE49-F238E27FC236}">
+                <a16:creationId xmlns:a16="http://schemas.microsoft.com/office/drawing/2014/main" id="{63902851-B09D-4896-9F06-36EC5EBE7067}"/>
+              </a:ext>
+            </a:extLst>
+          </p:cNvPr>
+          <p:cNvSpPr>
+            <a:spLocks noGrp="1"/>
+          </p:cNvSpPr>
+          <p:nvPr>
+            <p:ph idx="1"/>
+          </p:nvPr>
+        </p:nvSpPr>
+        <p:spPr/>
+        <p:txBody>
+          <a:bodyPr/>
+          <a:lstStyle/>
+          <a:p>
             <a:endParaRPr lang="fr-FR"/>
           </a:p>
         </p:txBody>
@@ -8785,7 +8885,7 @@
     </p:spTree>
     <p:extLst>
       <p:ext uri="{BB962C8B-B14F-4D97-AF65-F5344CB8AC3E}">
-        <p14:creationId xmlns:p14="http://schemas.microsoft.com/office/powerpoint/2010/main" val="2215218170"/>
+        <p14:creationId xmlns:p14="http://schemas.microsoft.com/office/powerpoint/2010/main" val="2775450203"/>
       </p:ext>
     </p:extLst>
   </p:cSld>
@@ -8795,7 +8895,7 @@
 </p:sld>
 </file>
 
-<file path=ppt/slides/slide6.xml><?xml version="1.0" encoding="utf-8"?>
+<file path=ppt/slides/slide5.xml><?xml version="1.0" encoding="utf-8"?>
 <p:sld xmlns:a="http://schemas.openxmlformats.org/drawingml/2006/main" xmlns:r="http://schemas.openxmlformats.org/officeDocument/2006/relationships" xmlns:p="http://schemas.openxmlformats.org/presentationml/2006/main">
   <p:cSld>
     <p:bg>
@@ -9111,7 +9211,7 @@
         </p:spPr>
         <p:txBody>
           <a:bodyPr>
-            <a:normAutofit/>
+            <a:normAutofit fontScale="90000"/>
           </a:bodyPr>
           <a:lstStyle/>
           <a:p>
@@ -9121,7 +9221,7 @@
                   <a:srgbClr val="3F3F3F"/>
                 </a:solidFill>
               </a:rPr>
-              <a:t>IV. </a:t>
+              <a:t>III</a:t>
             </a:r>
             <a:r>
               <a:rPr lang="fr-FR" sz="4000" dirty="0">
@@ -9129,17 +9229,17 @@
                   <a:schemeClr val="bg1"/>
                 </a:solidFill>
               </a:rPr>
-              <a:t>Présentation de la partie : Serveur Web</a:t>
-            </a:r>
-          </a:p>
-        </p:txBody>
-      </p:sp>
-      <p:sp>
-        <p:nvSpPr>
-          <p:cNvPr id="3" name="Espace réservé du contenu 2">
-            <a:extLst>
-              <a:ext uri="{FF2B5EF4-FFF2-40B4-BE49-F238E27FC236}">
-                <a16:creationId xmlns:a16="http://schemas.microsoft.com/office/drawing/2014/main" id="{A0C7ACD6-AD37-445C-8456-6AFEF083DEA0}"/>
+              <a:t>.I Présentation de la partie : Application Mobile</a:t>
+            </a:r>
+          </a:p>
+        </p:txBody>
+      </p:sp>
+      <p:sp>
+        <p:nvSpPr>
+          <p:cNvPr id="4" name="Espace réservé de la date 3">
+            <a:extLst>
+              <a:ext uri="{FF2B5EF4-FFF2-40B4-BE49-F238E27FC236}">
+                <a16:creationId xmlns:a16="http://schemas.microsoft.com/office/drawing/2014/main" id="{555888D5-F666-4989-B28A-243F28D0330B}"/>
               </a:ext>
             </a:extLst>
           </p:cNvPr>
@@ -9147,98 +9247,677 @@
             <a:spLocks noGrp="1"/>
           </p:cNvSpPr>
           <p:nvPr>
-            <p:ph idx="1"/>
-          </p:nvPr>
+            <p:ph type="dt" sz="half" idx="10"/>
+          </p:nvPr>
+        </p:nvSpPr>
+        <p:spPr/>
+        <p:txBody>
+          <a:bodyPr/>
+          <a:lstStyle/>
+          <a:p>
+            <a:r>
+              <a:rPr lang="fr-FR"/>
+              <a:t>LP IOTIA</a:t>
+            </a:r>
+          </a:p>
+        </p:txBody>
+      </p:sp>
+      <p:sp>
+        <p:nvSpPr>
+          <p:cNvPr id="5" name="Espace réservé du numéro de diapositive 4">
+            <a:extLst>
+              <a:ext uri="{FF2B5EF4-FFF2-40B4-BE49-F238E27FC236}">
+                <a16:creationId xmlns:a16="http://schemas.microsoft.com/office/drawing/2014/main" id="{4801BD19-8D6A-4804-B116-180DAD4C6A70}"/>
+              </a:ext>
+            </a:extLst>
+          </p:cNvPr>
+          <p:cNvSpPr>
+            <a:spLocks noGrp="1"/>
+          </p:cNvSpPr>
+          <p:nvPr>
+            <p:ph type="sldNum" sz="quarter" idx="12"/>
+          </p:nvPr>
+        </p:nvSpPr>
+        <p:spPr/>
+        <p:txBody>
+          <a:bodyPr/>
+          <a:lstStyle/>
+          <a:p>
+            <a:fld id="{14B657B5-B792-44DE-9ADA-EC14684177E4}" type="slidenum">
+              <a:rPr lang="fr-FR" smtClean="0"/>
+              <a:t>5</a:t>
+            </a:fld>
+            <a:endParaRPr lang="fr-FR"/>
+          </a:p>
+        </p:txBody>
+      </p:sp>
+      <p:sp>
+        <p:nvSpPr>
+          <p:cNvPr id="13" name="Espace réservé du contenu 2">
+            <a:extLst>
+              <a:ext uri="{FF2B5EF4-FFF2-40B4-BE49-F238E27FC236}">
+                <a16:creationId xmlns:a16="http://schemas.microsoft.com/office/drawing/2014/main" id="{0F8B04C4-CC2E-4B58-97B1-141CEBE2CFEC}"/>
+              </a:ext>
+            </a:extLst>
+          </p:cNvPr>
+          <p:cNvSpPr txBox="1">
+            <a:spLocks/>
+          </p:cNvSpPr>
+          <p:nvPr/>
         </p:nvSpPr>
         <p:spPr>
           <a:xfrm>
-            <a:off x="1179226" y="3049325"/>
-            <a:ext cx="9833548" cy="2945574"/>
+            <a:off x="903919" y="3485836"/>
+            <a:ext cx="8595360" cy="4351337"/>
           </a:xfrm>
+          <a:prstGeom prst="rect">
+            <a:avLst/>
+          </a:prstGeom>
         </p:spPr>
         <p:txBody>
-          <a:bodyPr anchor="ctr">
+          <a:bodyPr vert="horz" lIns="91440" tIns="45720" rIns="91440" bIns="45720" rtlCol="0">
             <a:normAutofit/>
           </a:bodyPr>
+          <a:lstStyle>
+            <a:lvl1pPr marL="228600" indent="-228600" algn="l" defTabSz="914400" rtl="0" eaLnBrk="1" latinLnBrk="0" hangingPunct="1">
+              <a:lnSpc>
+                <a:spcPct val="90000"/>
+              </a:lnSpc>
+              <a:spcBef>
+                <a:spcPts val="1000"/>
+              </a:spcBef>
+              <a:buFont typeface="Arial" panose="020B0604020202020204" pitchFamily="34" charset="0"/>
+              <a:buChar char="•"/>
+              <a:defRPr sz="2800" kern="1200">
+                <a:solidFill>
+                  <a:schemeClr val="tx1"/>
+                </a:solidFill>
+                <a:latin typeface="+mn-lt"/>
+                <a:ea typeface="+mn-ea"/>
+                <a:cs typeface="+mn-cs"/>
+              </a:defRPr>
+            </a:lvl1pPr>
+            <a:lvl2pPr marL="685800" indent="-228600" algn="l" defTabSz="914400" rtl="0" eaLnBrk="1" latinLnBrk="0" hangingPunct="1">
+              <a:lnSpc>
+                <a:spcPct val="90000"/>
+              </a:lnSpc>
+              <a:spcBef>
+                <a:spcPts val="500"/>
+              </a:spcBef>
+              <a:buFont typeface="Arial" panose="020B0604020202020204" pitchFamily="34" charset="0"/>
+              <a:buChar char="•"/>
+              <a:defRPr sz="2400" kern="1200">
+                <a:solidFill>
+                  <a:schemeClr val="tx1"/>
+                </a:solidFill>
+                <a:latin typeface="+mn-lt"/>
+                <a:ea typeface="+mn-ea"/>
+                <a:cs typeface="+mn-cs"/>
+              </a:defRPr>
+            </a:lvl2pPr>
+            <a:lvl3pPr marL="1143000" indent="-228600" algn="l" defTabSz="914400" rtl="0" eaLnBrk="1" latinLnBrk="0" hangingPunct="1">
+              <a:lnSpc>
+                <a:spcPct val="90000"/>
+              </a:lnSpc>
+              <a:spcBef>
+                <a:spcPts val="500"/>
+              </a:spcBef>
+              <a:buFont typeface="Arial" panose="020B0604020202020204" pitchFamily="34" charset="0"/>
+              <a:buChar char="•"/>
+              <a:defRPr sz="2000" kern="1200">
+                <a:solidFill>
+                  <a:schemeClr val="tx1"/>
+                </a:solidFill>
+                <a:latin typeface="+mn-lt"/>
+                <a:ea typeface="+mn-ea"/>
+                <a:cs typeface="+mn-cs"/>
+              </a:defRPr>
+            </a:lvl3pPr>
+            <a:lvl4pPr marL="1600200" indent="-228600" algn="l" defTabSz="914400" rtl="0" eaLnBrk="1" latinLnBrk="0" hangingPunct="1">
+              <a:lnSpc>
+                <a:spcPct val="90000"/>
+              </a:lnSpc>
+              <a:spcBef>
+                <a:spcPts val="500"/>
+              </a:spcBef>
+              <a:buFont typeface="Arial" panose="020B0604020202020204" pitchFamily="34" charset="0"/>
+              <a:buChar char="•"/>
+              <a:defRPr sz="1800" kern="1200">
+                <a:solidFill>
+                  <a:schemeClr val="tx1"/>
+                </a:solidFill>
+                <a:latin typeface="+mn-lt"/>
+                <a:ea typeface="+mn-ea"/>
+                <a:cs typeface="+mn-cs"/>
+              </a:defRPr>
+            </a:lvl4pPr>
+            <a:lvl5pPr marL="2057400" indent="-228600" algn="l" defTabSz="914400" rtl="0" eaLnBrk="1" latinLnBrk="0" hangingPunct="1">
+              <a:lnSpc>
+                <a:spcPct val="90000"/>
+              </a:lnSpc>
+              <a:spcBef>
+                <a:spcPts val="500"/>
+              </a:spcBef>
+              <a:buFont typeface="Arial" panose="020B0604020202020204" pitchFamily="34" charset="0"/>
+              <a:buChar char="•"/>
+              <a:defRPr sz="1800" kern="1200">
+                <a:solidFill>
+                  <a:schemeClr val="tx1"/>
+                </a:solidFill>
+                <a:latin typeface="+mn-lt"/>
+                <a:ea typeface="+mn-ea"/>
+                <a:cs typeface="+mn-cs"/>
+              </a:defRPr>
+            </a:lvl5pPr>
+            <a:lvl6pPr marL="2514600" indent="-228600" algn="l" defTabSz="914400" rtl="0" eaLnBrk="1" latinLnBrk="0" hangingPunct="1">
+              <a:lnSpc>
+                <a:spcPct val="90000"/>
+              </a:lnSpc>
+              <a:spcBef>
+                <a:spcPts val="500"/>
+              </a:spcBef>
+              <a:buFont typeface="Arial" panose="020B0604020202020204" pitchFamily="34" charset="0"/>
+              <a:buChar char="•"/>
+              <a:defRPr sz="1800" kern="1200">
+                <a:solidFill>
+                  <a:schemeClr val="tx1"/>
+                </a:solidFill>
+                <a:latin typeface="+mn-lt"/>
+                <a:ea typeface="+mn-ea"/>
+                <a:cs typeface="+mn-cs"/>
+              </a:defRPr>
+            </a:lvl6pPr>
+            <a:lvl7pPr marL="2971800" indent="-228600" algn="l" defTabSz="914400" rtl="0" eaLnBrk="1" latinLnBrk="0" hangingPunct="1">
+              <a:lnSpc>
+                <a:spcPct val="90000"/>
+              </a:lnSpc>
+              <a:spcBef>
+                <a:spcPts val="500"/>
+              </a:spcBef>
+              <a:buFont typeface="Arial" panose="020B0604020202020204" pitchFamily="34" charset="0"/>
+              <a:buChar char="•"/>
+              <a:defRPr sz="1800" kern="1200">
+                <a:solidFill>
+                  <a:schemeClr val="tx1"/>
+                </a:solidFill>
+                <a:latin typeface="+mn-lt"/>
+                <a:ea typeface="+mn-ea"/>
+                <a:cs typeface="+mn-cs"/>
+              </a:defRPr>
+            </a:lvl7pPr>
+            <a:lvl8pPr marL="3429000" indent="-228600" algn="l" defTabSz="914400" rtl="0" eaLnBrk="1" latinLnBrk="0" hangingPunct="1">
+              <a:lnSpc>
+                <a:spcPct val="90000"/>
+              </a:lnSpc>
+              <a:spcBef>
+                <a:spcPts val="500"/>
+              </a:spcBef>
+              <a:buFont typeface="Arial" panose="020B0604020202020204" pitchFamily="34" charset="0"/>
+              <a:buChar char="•"/>
+              <a:defRPr sz="1800" kern="1200">
+                <a:solidFill>
+                  <a:schemeClr val="tx1"/>
+                </a:solidFill>
+                <a:latin typeface="+mn-lt"/>
+                <a:ea typeface="+mn-ea"/>
+                <a:cs typeface="+mn-cs"/>
+              </a:defRPr>
+            </a:lvl8pPr>
+            <a:lvl9pPr marL="3886200" indent="-228600" algn="l" defTabSz="914400" rtl="0" eaLnBrk="1" latinLnBrk="0" hangingPunct="1">
+              <a:lnSpc>
+                <a:spcPct val="90000"/>
+              </a:lnSpc>
+              <a:spcBef>
+                <a:spcPts val="500"/>
+              </a:spcBef>
+              <a:buFont typeface="Arial" panose="020B0604020202020204" pitchFamily="34" charset="0"/>
+              <a:buChar char="•"/>
+              <a:defRPr sz="1800" kern="1200">
+                <a:solidFill>
+                  <a:schemeClr val="tx1"/>
+                </a:solidFill>
+                <a:latin typeface="+mn-lt"/>
+                <a:ea typeface="+mn-ea"/>
+                <a:cs typeface="+mn-cs"/>
+              </a:defRPr>
+            </a:lvl9pPr>
+          </a:lstStyle>
+          <a:p>
+            <a:pPr>
+              <a:buFontTx/>
+              <a:buChar char="-"/>
+            </a:pPr>
+            <a:r>
+              <a:rPr lang="fr-FR" sz="1600" dirty="0"/>
+              <a:t>Visual Studio C# Xamarin </a:t>
+            </a:r>
+          </a:p>
+          <a:p>
+            <a:pPr>
+              <a:buFontTx/>
+              <a:buChar char="-"/>
+            </a:pPr>
+            <a:r>
+              <a:rPr lang="fr-FR" sz="1600" dirty="0" err="1"/>
+              <a:t>Xaml</a:t>
+            </a:r>
+            <a:r>
+              <a:rPr lang="fr-FR" sz="1600" dirty="0"/>
+              <a:t> et mise en page (binding) &amp; Shell </a:t>
+            </a:r>
+          </a:p>
+          <a:p>
+            <a:pPr>
+              <a:buFontTx/>
+              <a:buChar char="-"/>
+            </a:pPr>
+            <a:r>
+              <a:rPr lang="fr-FR" sz="1600" dirty="0"/>
+              <a:t>Emulation &amp; Cross Platform </a:t>
+            </a:r>
+          </a:p>
+          <a:p>
+            <a:pPr>
+              <a:buFontTx/>
+              <a:buChar char="-"/>
+            </a:pPr>
+            <a:endParaRPr lang="fr-FR" sz="1600" dirty="0"/>
+          </a:p>
+          <a:p>
+            <a:pPr>
+              <a:buFontTx/>
+              <a:buChar char="-"/>
+            </a:pPr>
+            <a:r>
+              <a:rPr lang="fr-FR" sz="1600" dirty="0"/>
+              <a:t>Hub de notification</a:t>
+            </a:r>
+          </a:p>
+          <a:p>
+            <a:pPr>
+              <a:buFontTx/>
+              <a:buChar char="-"/>
+            </a:pPr>
+            <a:r>
+              <a:rPr lang="fr-FR" sz="1600" dirty="0"/>
+              <a:t>API Notification </a:t>
+            </a:r>
+          </a:p>
+          <a:p>
+            <a:pPr>
+              <a:buFontTx/>
+              <a:buChar char="-"/>
+            </a:pPr>
+            <a:r>
+              <a:rPr lang="fr-FR" sz="1600" dirty="0"/>
+              <a:t>API REST </a:t>
+            </a:r>
+          </a:p>
+          <a:p>
+            <a:pPr>
+              <a:buFontTx/>
+              <a:buChar char="-"/>
+            </a:pPr>
+            <a:r>
+              <a:rPr lang="fr-FR" sz="1600" dirty="0"/>
+              <a:t>Base de données </a:t>
+            </a:r>
+            <a:r>
+              <a:rPr lang="fr-FR" sz="1600" dirty="0" err="1"/>
+              <a:t>MariaDB</a:t>
+            </a:r>
+            <a:endParaRPr lang="fr-FR" sz="1600" dirty="0"/>
+          </a:p>
+        </p:txBody>
+      </p:sp>
+      <p:pic>
+        <p:nvPicPr>
+          <p:cNvPr id="14" name="Image 13" descr="Une image contenant texte, clipart&#10;&#10;Description générée automatiquement">
+            <a:extLst>
+              <a:ext uri="{FF2B5EF4-FFF2-40B4-BE49-F238E27FC236}">
+                <a16:creationId xmlns:a16="http://schemas.microsoft.com/office/drawing/2014/main" id="{BA86D485-5FF0-4400-8B2A-D570317A2239}"/>
+              </a:ext>
+            </a:extLst>
+          </p:cNvPr>
+          <p:cNvPicPr>
+            <a:picLocks noChangeAspect="1"/>
+          </p:cNvPicPr>
+          <p:nvPr/>
+        </p:nvPicPr>
+        <p:blipFill>
+          <a:blip r:embed="rId3">
+            <a:extLst>
+              <a:ext uri="{28A0092B-C50C-407E-A947-70E740481C1C}">
+                <a14:useLocalDpi xmlns:a14="http://schemas.microsoft.com/office/drawing/2010/main" val="0"/>
+              </a:ext>
+            </a:extLst>
+          </a:blip>
+          <a:stretch>
+            <a:fillRect/>
+          </a:stretch>
+        </p:blipFill>
+        <p:spPr>
+          <a:xfrm>
+            <a:off x="3690851" y="4656917"/>
+            <a:ext cx="761853" cy="400587"/>
+          </a:xfrm>
+          <a:prstGeom prst="rect">
+            <a:avLst/>
+          </a:prstGeom>
+        </p:spPr>
+      </p:pic>
+      <p:pic>
+        <p:nvPicPr>
+          <p:cNvPr id="15" name="Image 14">
+            <a:extLst>
+              <a:ext uri="{FF2B5EF4-FFF2-40B4-BE49-F238E27FC236}">
+                <a16:creationId xmlns:a16="http://schemas.microsoft.com/office/drawing/2014/main" id="{8C0A41E9-807F-4BCF-8AA1-21135B09ABEF}"/>
+              </a:ext>
+            </a:extLst>
+          </p:cNvPr>
+          <p:cNvPicPr>
+            <a:picLocks noChangeAspect="1"/>
+          </p:cNvPicPr>
+          <p:nvPr/>
+        </p:nvPicPr>
+        <p:blipFill>
+          <a:blip r:embed="rId4">
+            <a:extLst>
+              <a:ext uri="{28A0092B-C50C-407E-A947-70E740481C1C}">
+                <a14:useLocalDpi xmlns:a14="http://schemas.microsoft.com/office/drawing/2010/main" val="0"/>
+              </a:ext>
+            </a:extLst>
+          </a:blip>
+          <a:stretch>
+            <a:fillRect/>
+          </a:stretch>
+        </p:blipFill>
+        <p:spPr>
+          <a:xfrm>
+            <a:off x="4413946" y="3252579"/>
+            <a:ext cx="1343677" cy="561479"/>
+          </a:xfrm>
+          <a:prstGeom prst="rect">
+            <a:avLst/>
+          </a:prstGeom>
+        </p:spPr>
+      </p:pic>
+      <p:pic>
+        <p:nvPicPr>
+          <p:cNvPr id="16" name="Image 15">
+            <a:extLst>
+              <a:ext uri="{FF2B5EF4-FFF2-40B4-BE49-F238E27FC236}">
+                <a16:creationId xmlns:a16="http://schemas.microsoft.com/office/drawing/2014/main" id="{9BA69E23-BAE4-4F38-9C4F-875617CA49EA}"/>
+              </a:ext>
+            </a:extLst>
+          </p:cNvPr>
+          <p:cNvPicPr>
+            <a:picLocks noChangeAspect="1"/>
+          </p:cNvPicPr>
+          <p:nvPr/>
+        </p:nvPicPr>
+        <p:blipFill>
+          <a:blip r:embed="rId5">
+            <a:extLst>
+              <a:ext uri="{28A0092B-C50C-407E-A947-70E740481C1C}">
+                <a14:useLocalDpi xmlns:a14="http://schemas.microsoft.com/office/drawing/2010/main" val="0"/>
+              </a:ext>
+            </a:extLst>
+          </a:blip>
+          <a:stretch>
+            <a:fillRect/>
+          </a:stretch>
+        </p:blipFill>
+        <p:spPr>
+          <a:xfrm>
+            <a:off x="3581400" y="3202720"/>
+            <a:ext cx="597755" cy="573845"/>
+          </a:xfrm>
+          <a:prstGeom prst="rect">
+            <a:avLst/>
+          </a:prstGeom>
+        </p:spPr>
+      </p:pic>
+      <p:pic>
+        <p:nvPicPr>
+          <p:cNvPr id="17" name="Image 16" descr="Une image contenant texte, clipart&#10;&#10;Description générée automatiquement">
+            <a:extLst>
+              <a:ext uri="{FF2B5EF4-FFF2-40B4-BE49-F238E27FC236}">
+                <a16:creationId xmlns:a16="http://schemas.microsoft.com/office/drawing/2014/main" id="{A9200CC8-2717-4CFD-93B2-82B3AB5D27B5}"/>
+              </a:ext>
+            </a:extLst>
+          </p:cNvPr>
+          <p:cNvPicPr>
+            <a:picLocks noChangeAspect="1"/>
+          </p:cNvPicPr>
+          <p:nvPr/>
+        </p:nvPicPr>
+        <p:blipFill>
+          <a:blip r:embed="rId6">
+            <a:extLst>
+              <a:ext uri="{28A0092B-C50C-407E-A947-70E740481C1C}">
+                <a14:useLocalDpi xmlns:a14="http://schemas.microsoft.com/office/drawing/2010/main" val="0"/>
+              </a:ext>
+            </a:extLst>
+          </a:blip>
+          <a:stretch>
+            <a:fillRect/>
+          </a:stretch>
+        </p:blipFill>
+        <p:spPr>
+          <a:xfrm>
+            <a:off x="3968072" y="4281743"/>
+            <a:ext cx="484632" cy="240037"/>
+          </a:xfrm>
+          <a:prstGeom prst="rect">
+            <a:avLst/>
+          </a:prstGeom>
+        </p:spPr>
+      </p:pic>
+      <p:pic>
+        <p:nvPicPr>
+          <p:cNvPr id="18" name="Image 17">
+            <a:extLst>
+              <a:ext uri="{FF2B5EF4-FFF2-40B4-BE49-F238E27FC236}">
+                <a16:creationId xmlns:a16="http://schemas.microsoft.com/office/drawing/2014/main" id="{713743CD-142E-42FB-A167-CBC428273CC3}"/>
+              </a:ext>
+            </a:extLst>
+          </p:cNvPr>
+          <p:cNvPicPr>
+            <a:picLocks noChangeAspect="1"/>
+          </p:cNvPicPr>
+          <p:nvPr/>
+        </p:nvPicPr>
+        <p:blipFill>
+          <a:blip r:embed="rId7">
+            <a:extLst>
+              <a:ext uri="{28A0092B-C50C-407E-A947-70E740481C1C}">
+                <a14:useLocalDpi xmlns:a14="http://schemas.microsoft.com/office/drawing/2010/main" val="0"/>
+              </a:ext>
+            </a:extLst>
+          </a:blip>
+          <a:stretch>
+            <a:fillRect/>
+          </a:stretch>
+        </p:blipFill>
+        <p:spPr>
+          <a:xfrm>
+            <a:off x="5515307" y="4117302"/>
+            <a:ext cx="484632" cy="568917"/>
+          </a:xfrm>
+          <a:prstGeom prst="rect">
+            <a:avLst/>
+          </a:prstGeom>
+        </p:spPr>
+      </p:pic>
+      <p:pic>
+        <p:nvPicPr>
+          <p:cNvPr id="19" name="Image 18" descr="Une image contenant texte, clipart&#10;&#10;Description générée automatiquement">
+            <a:extLst>
+              <a:ext uri="{FF2B5EF4-FFF2-40B4-BE49-F238E27FC236}">
+                <a16:creationId xmlns:a16="http://schemas.microsoft.com/office/drawing/2014/main" id="{1B49395D-CF86-4E93-8A87-94063F3F9ED1}"/>
+              </a:ext>
+            </a:extLst>
+          </p:cNvPr>
+          <p:cNvPicPr>
+            <a:picLocks noChangeAspect="1"/>
+          </p:cNvPicPr>
+          <p:nvPr/>
+        </p:nvPicPr>
+        <p:blipFill>
+          <a:blip r:embed="rId8">
+            <a:extLst>
+              <a:ext uri="{28A0092B-C50C-407E-A947-70E740481C1C}">
+                <a14:useLocalDpi xmlns:a14="http://schemas.microsoft.com/office/drawing/2010/main" val="0"/>
+              </a:ext>
+            </a:extLst>
+          </a:blip>
+          <a:stretch>
+            <a:fillRect/>
+          </a:stretch>
+        </p:blipFill>
+        <p:spPr>
+          <a:xfrm>
+            <a:off x="4611388" y="4274312"/>
+            <a:ext cx="745235" cy="254898"/>
+          </a:xfrm>
+          <a:prstGeom prst="rect">
+            <a:avLst/>
+          </a:prstGeom>
+        </p:spPr>
+      </p:pic>
+      <p:pic>
+        <p:nvPicPr>
+          <p:cNvPr id="20" name="Picture 2" descr="Building a simple REST API with NodeJS and Express. | by Onejohi | Medium">
+            <a:extLst>
+              <a:ext uri="{FF2B5EF4-FFF2-40B4-BE49-F238E27FC236}">
+                <a16:creationId xmlns:a16="http://schemas.microsoft.com/office/drawing/2014/main" id="{F80F8D0B-1968-485E-9276-8EEC1D3ED624}"/>
+              </a:ext>
+            </a:extLst>
+          </p:cNvPr>
+          <p:cNvPicPr>
+            <a:picLocks noChangeAspect="1" noChangeArrowheads="1"/>
+          </p:cNvPicPr>
+          <p:nvPr/>
+        </p:nvPicPr>
+        <p:blipFill rotWithShape="1">
+          <a:blip r:embed="rId9">
+            <a:extLst>
+              <a:ext uri="{28A0092B-C50C-407E-A947-70E740481C1C}">
+                <a14:useLocalDpi xmlns:a14="http://schemas.microsoft.com/office/drawing/2010/main" val="0"/>
+              </a:ext>
+            </a:extLst>
+          </a:blip>
+          <a:srcRect l="16830" t="31167" r="16872" b="38706"/>
+          <a:stretch/>
+        </p:blipFill>
+        <p:spPr bwMode="auto">
+          <a:xfrm>
+            <a:off x="3307925" y="5260916"/>
+            <a:ext cx="1527704" cy="400588"/>
+          </a:xfrm>
+          <a:prstGeom prst="rect">
+            <a:avLst/>
+          </a:prstGeom>
+          <a:noFill/>
+          <a:extLst>
+            <a:ext uri="{909E8E84-426E-40DD-AFC4-6F175D3DCCD1}">
+              <a14:hiddenFill xmlns:a14="http://schemas.microsoft.com/office/drawing/2010/main">
+                <a:solidFill>
+                  <a:srgbClr val="FFFFFF"/>
+                </a:solidFill>
+              </a14:hiddenFill>
+            </a:ext>
+          </a:extLst>
+        </p:spPr>
+      </p:pic>
+      <p:pic>
+        <p:nvPicPr>
+          <p:cNvPr id="21" name="Picture 4" descr="Amazon RDS for MariaDB – Amazon Web Services (AWS)">
+            <a:extLst>
+              <a:ext uri="{FF2B5EF4-FFF2-40B4-BE49-F238E27FC236}">
+                <a16:creationId xmlns:a16="http://schemas.microsoft.com/office/drawing/2014/main" id="{69987F4F-D53D-4FAB-A4F2-98AE8CC18F56}"/>
+              </a:ext>
+            </a:extLst>
+          </p:cNvPr>
+          <p:cNvPicPr>
+            <a:picLocks noChangeAspect="1" noChangeArrowheads="1"/>
+          </p:cNvPicPr>
+          <p:nvPr/>
+        </p:nvPicPr>
+        <p:blipFill>
+          <a:blip r:embed="rId10">
+            <a:extLst>
+              <a:ext uri="{28A0092B-C50C-407E-A947-70E740481C1C}">
+                <a14:useLocalDpi xmlns:a14="http://schemas.microsoft.com/office/drawing/2010/main" val="0"/>
+              </a:ext>
+            </a:extLst>
+          </a:blip>
+          <a:srcRect/>
+          <a:stretch>
+            <a:fillRect/>
+          </a:stretch>
+        </p:blipFill>
+        <p:spPr bwMode="auto">
+          <a:xfrm>
+            <a:off x="3401404" y="5924571"/>
+            <a:ext cx="1340746" cy="690090"/>
+          </a:xfrm>
+          <a:prstGeom prst="rect">
+            <a:avLst/>
+          </a:prstGeom>
+          <a:noFill/>
+          <a:extLst>
+            <a:ext uri="{909E8E84-426E-40DD-AFC4-6F175D3DCCD1}">
+              <a14:hiddenFill xmlns:a14="http://schemas.microsoft.com/office/drawing/2010/main">
+                <a:solidFill>
+                  <a:srgbClr val="FFFFFF"/>
+                </a:solidFill>
+              </a14:hiddenFill>
+            </a:ext>
+          </a:extLst>
+        </p:spPr>
+      </p:pic>
+      <p:sp>
+        <p:nvSpPr>
+          <p:cNvPr id="23" name="ZoneTexte 22">
+            <a:extLst>
+              <a:ext uri="{FF2B5EF4-FFF2-40B4-BE49-F238E27FC236}">
+                <a16:creationId xmlns:a16="http://schemas.microsoft.com/office/drawing/2014/main" id="{BEA89491-701A-4B43-A052-002B0D3063EA}"/>
+              </a:ext>
+            </a:extLst>
+          </p:cNvPr>
+          <p:cNvSpPr txBox="1"/>
+          <p:nvPr/>
+        </p:nvSpPr>
+        <p:spPr>
+          <a:xfrm>
+            <a:off x="1140482" y="2713582"/>
+            <a:ext cx="2031069" cy="369332"/>
+          </a:xfrm>
+          <a:prstGeom prst="rect">
+            <a:avLst/>
+          </a:prstGeom>
+          <a:noFill/>
+        </p:spPr>
+        <p:txBody>
+          <a:bodyPr wrap="none" rtlCol="0">
+            <a:spAutoFit/>
+          </a:bodyPr>
           <a:lstStyle/>
           <a:p>
-            <a:endParaRPr lang="fr-FR" sz="1200" dirty="0">
-              <a:solidFill>
-                <a:srgbClr val="FFFFFF"/>
-              </a:solidFill>
-            </a:endParaRPr>
-          </a:p>
-          <a:p>
-            <a:pPr lvl="1"/>
-            <a:endParaRPr lang="fr-FR" sz="1600" dirty="0">
-              <a:solidFill>
-                <a:srgbClr val="FFFFFF"/>
-              </a:solidFill>
-            </a:endParaRPr>
-          </a:p>
-        </p:txBody>
-      </p:sp>
-      <p:sp>
-        <p:nvSpPr>
-          <p:cNvPr id="4" name="Espace réservé de la date 3">
-            <a:extLst>
-              <a:ext uri="{FF2B5EF4-FFF2-40B4-BE49-F238E27FC236}">
-                <a16:creationId xmlns:a16="http://schemas.microsoft.com/office/drawing/2014/main" id="{1F03DA80-A5A3-4CC7-8A8B-F0D2B56D7697}"/>
-              </a:ext>
-            </a:extLst>
-          </p:cNvPr>
-          <p:cNvSpPr>
-            <a:spLocks noGrp="1"/>
-          </p:cNvSpPr>
-          <p:nvPr>
-            <p:ph type="dt" sz="half" idx="10"/>
-          </p:nvPr>
-        </p:nvSpPr>
-        <p:spPr/>
-        <p:txBody>
-          <a:bodyPr/>
-          <a:lstStyle/>
-          <a:p>
-            <a:r>
-              <a:rPr lang="fr-FR"/>
-              <a:t>LP IOTIA</a:t>
-            </a:r>
-          </a:p>
-        </p:txBody>
-      </p:sp>
-      <p:sp>
-        <p:nvSpPr>
-          <p:cNvPr id="6" name="Espace réservé du numéro de diapositive 5">
-            <a:extLst>
-              <a:ext uri="{FF2B5EF4-FFF2-40B4-BE49-F238E27FC236}">
-                <a16:creationId xmlns:a16="http://schemas.microsoft.com/office/drawing/2014/main" id="{9E19AA24-42DC-4F2C-B72D-F9FBBE2D2E0B}"/>
-              </a:ext>
-            </a:extLst>
-          </p:cNvPr>
-          <p:cNvSpPr>
-            <a:spLocks noGrp="1"/>
-          </p:cNvSpPr>
-          <p:nvPr>
-            <p:ph type="sldNum" sz="quarter" idx="12"/>
-          </p:nvPr>
-        </p:nvSpPr>
-        <p:spPr/>
-        <p:txBody>
-          <a:bodyPr/>
-          <a:lstStyle/>
-          <a:p>
-            <a:fld id="{14B657B5-B792-44DE-9ADA-EC14684177E4}" type="slidenum">
-              <a:rPr lang="fr-FR" smtClean="0"/>
-              <a:t>6</a:t>
-            </a:fld>
-            <a:endParaRPr lang="fr-FR"/>
+            <a:r>
+              <a:rPr lang="fr-FR" dirty="0"/>
+              <a:t>Contexte &amp; Besoin: </a:t>
+            </a:r>
+            <a:endParaRPr lang="en-US" dirty="0"/>
           </a:p>
         </p:txBody>
       </p:sp>
     </p:spTree>
     <p:extLst>
       <p:ext uri="{BB962C8B-B14F-4D97-AF65-F5344CB8AC3E}">
-        <p14:creationId xmlns:p14="http://schemas.microsoft.com/office/powerpoint/2010/main" val="3176468876"/>
+        <p14:creationId xmlns:p14="http://schemas.microsoft.com/office/powerpoint/2010/main" val="2215218170"/>
       </p:ext>
     </p:extLst>
   </p:cSld>
@@ -9248,7 +9927,7 @@
 </p:sld>
 </file>
 
-<file path=ppt/slides/slide7.xml><?xml version="1.0" encoding="utf-8"?>
+<file path=ppt/slides/slide6.xml><?xml version="1.0" encoding="utf-8"?>
 <p:sld xmlns:a="http://schemas.openxmlformats.org/drawingml/2006/main" xmlns:r="http://schemas.openxmlformats.org/officeDocument/2006/relationships" xmlns:p="http://schemas.openxmlformats.org/presentationml/2006/main">
   <p:cSld>
     <p:bg>
@@ -9574,15 +10253,15 @@
                   <a:srgbClr val="3F3F3F"/>
                 </a:solidFill>
               </a:rPr>
-              <a:t>V. </a:t>
-            </a:r>
-            <a:r>
-              <a:rPr lang="fr-FR" sz="3600" dirty="0">
+              <a:t>III</a:t>
+            </a:r>
+            <a:r>
+              <a:rPr lang="fr-FR" sz="4000" dirty="0">
                 <a:solidFill>
                   <a:schemeClr val="bg1"/>
                 </a:solidFill>
               </a:rPr>
-              <a:t>Présentation de la partie : Backend et base de données </a:t>
+              <a:t>.II Présentation de la partie : Application Mobile</a:t>
             </a:r>
           </a:p>
         </p:txBody>
@@ -9636,7 +10315,7 @@
           <p:cNvPr id="4" name="Espace réservé de la date 3">
             <a:extLst>
               <a:ext uri="{FF2B5EF4-FFF2-40B4-BE49-F238E27FC236}">
-                <a16:creationId xmlns:a16="http://schemas.microsoft.com/office/drawing/2014/main" id="{1F03DA80-A5A3-4CC7-8A8B-F0D2B56D7697}"/>
+                <a16:creationId xmlns:a16="http://schemas.microsoft.com/office/drawing/2014/main" id="{555888D5-F666-4989-B28A-243F28D0330B}"/>
               </a:ext>
             </a:extLst>
           </p:cNvPr>
@@ -9661,10 +10340,10 @@
       </p:sp>
       <p:sp>
         <p:nvSpPr>
-          <p:cNvPr id="6" name="Espace réservé du numéro de diapositive 5">
-            <a:extLst>
-              <a:ext uri="{FF2B5EF4-FFF2-40B4-BE49-F238E27FC236}">
-                <a16:creationId xmlns:a16="http://schemas.microsoft.com/office/drawing/2014/main" id="{9E19AA24-42DC-4F2C-B72D-F9FBBE2D2E0B}"/>
+          <p:cNvPr id="5" name="Espace réservé du numéro de diapositive 4">
+            <a:extLst>
+              <a:ext uri="{FF2B5EF4-FFF2-40B4-BE49-F238E27FC236}">
+                <a16:creationId xmlns:a16="http://schemas.microsoft.com/office/drawing/2014/main" id="{4801BD19-8D6A-4804-B116-180DAD4C6A70}"/>
               </a:ext>
             </a:extLst>
           </p:cNvPr>
@@ -9682,16 +10361,389 @@
           <a:p>
             <a:fld id="{14B657B5-B792-44DE-9ADA-EC14684177E4}" type="slidenum">
               <a:rPr lang="fr-FR" smtClean="0"/>
-              <a:t>7</a:t>
+              <a:t>6</a:t>
             </a:fld>
             <a:endParaRPr lang="fr-FR"/>
           </a:p>
         </p:txBody>
       </p:sp>
+      <p:sp>
+        <p:nvSpPr>
+          <p:cNvPr id="13" name="ZoneTexte 12">
+            <a:extLst>
+              <a:ext uri="{FF2B5EF4-FFF2-40B4-BE49-F238E27FC236}">
+                <a16:creationId xmlns:a16="http://schemas.microsoft.com/office/drawing/2014/main" id="{29658D80-2767-4C21-A7A1-C53098776A06}"/>
+              </a:ext>
+            </a:extLst>
+          </p:cNvPr>
+          <p:cNvSpPr txBox="1"/>
+          <p:nvPr/>
+        </p:nvSpPr>
+        <p:spPr>
+          <a:xfrm>
+            <a:off x="1218320" y="2251803"/>
+            <a:ext cx="7745775" cy="4462760"/>
+          </a:xfrm>
+          <a:prstGeom prst="rect">
+            <a:avLst/>
+          </a:prstGeom>
+          <a:noFill/>
+        </p:spPr>
+        <p:txBody>
+          <a:bodyPr wrap="none" rtlCol="0">
+            <a:spAutoFit/>
+          </a:bodyPr>
+          <a:lstStyle/>
+          <a:p>
+            <a:r>
+              <a:rPr lang="fr-FR" sz="1800" dirty="0">
+                <a:solidFill>
+                  <a:srgbClr val="FFFFFF"/>
+                </a:solidFill>
+              </a:rPr>
+              <a:t>Comment s’intègre-t-elle avec les autres parties du projet ?</a:t>
+            </a:r>
+          </a:p>
+          <a:p>
+            <a:endParaRPr lang="fr-FR" dirty="0">
+              <a:solidFill>
+                <a:srgbClr val="FFFFFF"/>
+              </a:solidFill>
+            </a:endParaRPr>
+          </a:p>
+          <a:p>
+            <a:pPr marL="285750" indent="-285750">
+              <a:buFontTx/>
+              <a:buChar char="-"/>
+            </a:pPr>
+            <a:r>
+              <a:rPr lang="fr-FR" sz="1600" dirty="0">
+                <a:solidFill>
+                  <a:srgbClr val="FFFFFF"/>
+                </a:solidFill>
+              </a:rPr>
+              <a:t>Utilisation des WebServices (communiquant avec l’API REST)</a:t>
+            </a:r>
+          </a:p>
+          <a:p>
+            <a:endParaRPr lang="fr-FR" sz="1600" dirty="0">
+              <a:solidFill>
+                <a:srgbClr val="FFFFFF"/>
+              </a:solidFill>
+            </a:endParaRPr>
+          </a:p>
+          <a:p>
+            <a:r>
+              <a:rPr lang="fr-FR" sz="1600" i="1" dirty="0">
+                <a:solidFill>
+                  <a:schemeClr val="bg1">
+                    <a:lumMod val="95000"/>
+                    <a:lumOff val="5000"/>
+                  </a:schemeClr>
+                </a:solidFill>
+              </a:rPr>
+              <a:t>APPMOBILE &amp; WEBSITE </a:t>
+            </a:r>
+            <a:r>
+              <a:rPr lang="fr-FR" sz="1600" i="1" dirty="0">
+                <a:solidFill>
+                  <a:schemeClr val="bg1">
+                    <a:lumMod val="95000"/>
+                    <a:lumOff val="5000"/>
+                  </a:schemeClr>
+                </a:solidFill>
+                <a:sym typeface="Wingdings" panose="05000000000000000000" pitchFamily="2" charset="2"/>
+              </a:rPr>
+              <a:t></a:t>
+            </a:r>
+            <a:r>
+              <a:rPr lang="fr-FR" sz="1600" i="1" dirty="0">
+                <a:solidFill>
+                  <a:schemeClr val="bg1">
+                    <a:lumMod val="95000"/>
+                    <a:lumOff val="5000"/>
+                  </a:schemeClr>
+                </a:solidFill>
+              </a:rPr>
+              <a:t> API REST </a:t>
+            </a:r>
+            <a:r>
+              <a:rPr lang="fr-FR" sz="1600" i="1" dirty="0">
+                <a:solidFill>
+                  <a:schemeClr val="bg1">
+                    <a:lumMod val="95000"/>
+                    <a:lumOff val="5000"/>
+                  </a:schemeClr>
+                </a:solidFill>
+                <a:sym typeface="Wingdings" panose="05000000000000000000" pitchFamily="2" charset="2"/>
+              </a:rPr>
+              <a:t></a:t>
+            </a:r>
+            <a:r>
+              <a:rPr lang="fr-FR" sz="1600" i="1" dirty="0">
+                <a:solidFill>
+                  <a:schemeClr val="bg1">
+                    <a:lumMod val="95000"/>
+                    <a:lumOff val="5000"/>
+                  </a:schemeClr>
+                </a:solidFill>
+              </a:rPr>
+              <a:t> Base de données </a:t>
+            </a:r>
+            <a:r>
+              <a:rPr lang="fr-FR" sz="1600" i="1" dirty="0">
+                <a:solidFill>
+                  <a:schemeClr val="bg1">
+                    <a:lumMod val="95000"/>
+                    <a:lumOff val="5000"/>
+                  </a:schemeClr>
+                </a:solidFill>
+                <a:sym typeface="Wingdings" panose="05000000000000000000" pitchFamily="2" charset="2"/>
+              </a:rPr>
+              <a:t></a:t>
+            </a:r>
+            <a:r>
+              <a:rPr lang="fr-FR" sz="1600" i="1" dirty="0">
+                <a:solidFill>
+                  <a:schemeClr val="bg1">
+                    <a:lumMod val="95000"/>
+                    <a:lumOff val="5000"/>
+                  </a:schemeClr>
+                </a:solidFill>
+              </a:rPr>
+              <a:t> API REST </a:t>
+            </a:r>
+            <a:r>
+              <a:rPr lang="fr-FR" sz="1600" i="1" dirty="0">
+                <a:solidFill>
+                  <a:schemeClr val="bg1">
+                    <a:lumMod val="95000"/>
+                    <a:lumOff val="5000"/>
+                  </a:schemeClr>
+                </a:solidFill>
+                <a:sym typeface="Wingdings" panose="05000000000000000000" pitchFamily="2" charset="2"/>
+              </a:rPr>
+              <a:t> Capteurs &amp; Autres</a:t>
+            </a:r>
+            <a:endParaRPr lang="fr-FR" sz="1600" i="1" dirty="0">
+              <a:solidFill>
+                <a:schemeClr val="bg1">
+                  <a:lumMod val="95000"/>
+                  <a:lumOff val="5000"/>
+                </a:schemeClr>
+              </a:solidFill>
+            </a:endParaRPr>
+          </a:p>
+          <a:p>
+            <a:pPr marL="285750" indent="-285750">
+              <a:buFontTx/>
+              <a:buChar char="-"/>
+            </a:pPr>
+            <a:endParaRPr lang="fr-FR" sz="1600" dirty="0">
+              <a:solidFill>
+                <a:srgbClr val="FFFFFF"/>
+              </a:solidFill>
+            </a:endParaRPr>
+          </a:p>
+          <a:p>
+            <a:pPr marL="285750" indent="-285750">
+              <a:buFontTx/>
+              <a:buChar char="-"/>
+            </a:pPr>
+            <a:endParaRPr lang="fr-FR" sz="1600" dirty="0">
+              <a:solidFill>
+                <a:srgbClr val="FFFFFF"/>
+              </a:solidFill>
+            </a:endParaRPr>
+          </a:p>
+          <a:p>
+            <a:pPr marL="285750" indent="-285750">
+              <a:buFontTx/>
+              <a:buChar char="-"/>
+            </a:pPr>
+            <a:r>
+              <a:rPr lang="fr-FR" sz="1200" dirty="0">
+                <a:solidFill>
+                  <a:srgbClr val="FFFFFF"/>
+                </a:solidFill>
+              </a:rPr>
+              <a:t>Envoi des données lors de pénuries </a:t>
+            </a:r>
+          </a:p>
+          <a:p>
+            <a:r>
+              <a:rPr lang="fr-FR" sz="1200" dirty="0">
+                <a:solidFill>
+                  <a:srgbClr val="FFFFFF"/>
+                </a:solidFill>
+              </a:rPr>
+              <a:t>de produits</a:t>
+            </a:r>
+          </a:p>
+          <a:p>
+            <a:endParaRPr lang="fr-FR" sz="1200" dirty="0">
+              <a:solidFill>
+                <a:srgbClr val="FFFFFF"/>
+              </a:solidFill>
+            </a:endParaRPr>
+          </a:p>
+          <a:p>
+            <a:pPr marL="285750" indent="-285750">
+              <a:buFontTx/>
+              <a:buChar char="-"/>
+            </a:pPr>
+            <a:r>
+              <a:rPr lang="fr-FR" sz="1200" dirty="0">
+                <a:solidFill>
+                  <a:srgbClr val="FFFFFF"/>
+                </a:solidFill>
+              </a:rPr>
+              <a:t>Envoi une alerte (count + 1), et </a:t>
+            </a:r>
+          </a:p>
+          <a:p>
+            <a:r>
+              <a:rPr lang="fr-FR" sz="1200" dirty="0">
+                <a:solidFill>
+                  <a:srgbClr val="FFFFFF"/>
+                </a:solidFill>
+              </a:rPr>
+              <a:t>une alerte push à toutes les apps</a:t>
+            </a:r>
+          </a:p>
+          <a:p>
+            <a:endParaRPr lang="fr-FR" sz="1200" dirty="0">
+              <a:solidFill>
+                <a:srgbClr val="FFFFFF"/>
+              </a:solidFill>
+            </a:endParaRPr>
+          </a:p>
+          <a:p>
+            <a:r>
+              <a:rPr lang="fr-FR" sz="1200" dirty="0">
+                <a:solidFill>
+                  <a:srgbClr val="FFFFFF"/>
+                </a:solidFill>
+              </a:rPr>
+              <a:t>-       Utilise les données envoyées par </a:t>
+            </a:r>
+          </a:p>
+          <a:p>
+            <a:r>
+              <a:rPr lang="fr-FR" sz="1200" dirty="0">
+                <a:solidFill>
+                  <a:srgbClr val="FFFFFF"/>
+                </a:solidFill>
+              </a:rPr>
+              <a:t>les capteurs </a:t>
+            </a:r>
+          </a:p>
+          <a:p>
+            <a:pPr marL="285750" indent="-285750">
+              <a:buFontTx/>
+              <a:buChar char="-"/>
+            </a:pPr>
+            <a:endParaRPr lang="fr-FR" dirty="0">
+              <a:solidFill>
+                <a:srgbClr val="FFFFFF"/>
+              </a:solidFill>
+            </a:endParaRPr>
+          </a:p>
+          <a:p>
+            <a:endParaRPr lang="fr-FR" dirty="0">
+              <a:solidFill>
+                <a:srgbClr val="FFFFFF"/>
+              </a:solidFill>
+            </a:endParaRPr>
+          </a:p>
+          <a:p>
+            <a:endParaRPr lang="fr-FR" sz="1800" dirty="0">
+              <a:solidFill>
+                <a:srgbClr val="FFFFFF"/>
+              </a:solidFill>
+            </a:endParaRPr>
+          </a:p>
+          <a:p>
+            <a:endParaRPr lang="en-US" dirty="0"/>
+          </a:p>
+        </p:txBody>
+      </p:sp>
+      <p:pic>
+        <p:nvPicPr>
+          <p:cNvPr id="14" name="Image 13" descr="Une image contenant texte&#10;&#10;Description générée automatiquement">
+            <a:extLst>
+              <a:ext uri="{FF2B5EF4-FFF2-40B4-BE49-F238E27FC236}">
+                <a16:creationId xmlns:a16="http://schemas.microsoft.com/office/drawing/2014/main" id="{F5D16123-0B95-441A-A4C2-F9A9F8A3E757}"/>
+              </a:ext>
+            </a:extLst>
+          </p:cNvPr>
+          <p:cNvPicPr>
+            <a:picLocks noChangeAspect="1"/>
+          </p:cNvPicPr>
+          <p:nvPr/>
+        </p:nvPicPr>
+        <p:blipFill>
+          <a:blip r:embed="rId3">
+            <a:extLst>
+              <a:ext uri="{28A0092B-C50C-407E-A947-70E740481C1C}">
+                <a14:useLocalDpi xmlns:a14="http://schemas.microsoft.com/office/drawing/2010/main" val="0"/>
+              </a:ext>
+            </a:extLst>
+          </a:blip>
+          <a:stretch>
+            <a:fillRect/>
+          </a:stretch>
+        </p:blipFill>
+        <p:spPr>
+          <a:xfrm>
+            <a:off x="7423800" y="3702412"/>
+            <a:ext cx="4632092" cy="2707532"/>
+          </a:xfrm>
+          <a:prstGeom prst="rect">
+            <a:avLst/>
+          </a:prstGeom>
+        </p:spPr>
+      </p:pic>
+      <p:pic>
+        <p:nvPicPr>
+          <p:cNvPr id="15" name="Image 14" descr="Une image contenant texte&#10;&#10;Description générée automatiquement">
+            <a:extLst>
+              <a:ext uri="{FF2B5EF4-FFF2-40B4-BE49-F238E27FC236}">
+                <a16:creationId xmlns:a16="http://schemas.microsoft.com/office/drawing/2014/main" id="{479C0309-1681-422A-B5C3-5EBC00393158}"/>
+              </a:ext>
+            </a:extLst>
+          </p:cNvPr>
+          <p:cNvPicPr>
+            <a:picLocks noChangeAspect="1"/>
+          </p:cNvPicPr>
+          <p:nvPr/>
+        </p:nvPicPr>
+        <p:blipFill>
+          <a:blip r:embed="rId4">
+            <a:extLst>
+              <a:ext uri="{28A0092B-C50C-407E-A947-70E740481C1C}">
+                <a14:useLocalDpi xmlns:a14="http://schemas.microsoft.com/office/drawing/2010/main" val="0"/>
+              </a:ext>
+            </a:extLst>
+          </a:blip>
+          <a:stretch>
+            <a:fillRect/>
+          </a:stretch>
+        </p:blipFill>
+        <p:spPr>
+          <a:xfrm>
+            <a:off x="3936047" y="3702412"/>
+            <a:ext cx="3436532" cy="2669538"/>
+          </a:xfrm>
+          <a:prstGeom prst="rect">
+            <a:avLst/>
+          </a:prstGeom>
+        </p:spPr>
+      </p:pic>
     </p:spTree>
     <p:extLst>
       <p:ext uri="{BB962C8B-B14F-4D97-AF65-F5344CB8AC3E}">
-        <p14:creationId xmlns:p14="http://schemas.microsoft.com/office/powerpoint/2010/main" val="2809134784"/>
+        <p14:creationId xmlns:p14="http://schemas.microsoft.com/office/powerpoint/2010/main" val="3874905998"/>
       </p:ext>
     </p:extLst>
   </p:cSld>
@@ -9701,7 +10753,7 @@
 </p:sld>
 </file>
 
-<file path=ppt/slides/slide8.xml><?xml version="1.0" encoding="utf-8"?>
+<file path=ppt/slides/slide7.xml><?xml version="1.0" encoding="utf-8"?>
 <p:sld xmlns:a="http://schemas.openxmlformats.org/drawingml/2006/main" xmlns:r="http://schemas.openxmlformats.org/officeDocument/2006/relationships" xmlns:p="http://schemas.openxmlformats.org/presentationml/2006/main">
   <p:cSld>
     <p:bg>
@@ -10027,7 +11079,7 @@
                   <a:srgbClr val="3F3F3F"/>
                 </a:solidFill>
               </a:rPr>
-              <a:t>VI. </a:t>
+              <a:t>IV. </a:t>
             </a:r>
             <a:r>
               <a:rPr lang="fr-FR" sz="4000" dirty="0">
@@ -10035,7 +11087,7 @@
                   <a:schemeClr val="bg1"/>
                 </a:solidFill>
               </a:rPr>
-              <a:t>Présentation de la partie : Web Service</a:t>
+              <a:t>Présentation de la partie : Serveur Web</a:t>
             </a:r>
           </a:p>
         </p:txBody>
@@ -10089,7 +11141,7 @@
           <p:cNvPr id="4" name="Espace réservé de la date 3">
             <a:extLst>
               <a:ext uri="{FF2B5EF4-FFF2-40B4-BE49-F238E27FC236}">
-                <a16:creationId xmlns:a16="http://schemas.microsoft.com/office/drawing/2014/main" id="{C6701E8F-0181-415A-BC56-F021E011E843}"/>
+                <a16:creationId xmlns:a16="http://schemas.microsoft.com/office/drawing/2014/main" id="{1F03DA80-A5A3-4CC7-8A8B-F0D2B56D7697}"/>
               </a:ext>
             </a:extLst>
           </p:cNvPr>
@@ -10114,10 +11166,10 @@
       </p:sp>
       <p:sp>
         <p:nvSpPr>
-          <p:cNvPr id="5" name="Espace réservé du numéro de diapositive 4">
-            <a:extLst>
-              <a:ext uri="{FF2B5EF4-FFF2-40B4-BE49-F238E27FC236}">
-                <a16:creationId xmlns:a16="http://schemas.microsoft.com/office/drawing/2014/main" id="{4357EDBD-CDDF-42C0-A6F6-F78594A5AB63}"/>
+          <p:cNvPr id="6" name="Espace réservé du numéro de diapositive 5">
+            <a:extLst>
+              <a:ext uri="{FF2B5EF4-FFF2-40B4-BE49-F238E27FC236}">
+                <a16:creationId xmlns:a16="http://schemas.microsoft.com/office/drawing/2014/main" id="{9E19AA24-42DC-4F2C-B72D-F9FBBE2D2E0B}"/>
               </a:ext>
             </a:extLst>
           </p:cNvPr>
@@ -10135,7 +11187,7 @@
           <a:p>
             <a:fld id="{14B657B5-B792-44DE-9ADA-EC14684177E4}" type="slidenum">
               <a:rPr lang="fr-FR" smtClean="0"/>
-              <a:t>8</a:t>
+              <a:t>7</a:t>
             </a:fld>
             <a:endParaRPr lang="fr-FR"/>
           </a:p>
@@ -10144,7 +11196,7 @@
     </p:spTree>
     <p:extLst>
       <p:ext uri="{BB962C8B-B14F-4D97-AF65-F5344CB8AC3E}">
-        <p14:creationId xmlns:p14="http://schemas.microsoft.com/office/powerpoint/2010/main" val="51845631"/>
+        <p14:creationId xmlns:p14="http://schemas.microsoft.com/office/powerpoint/2010/main" val="3176468876"/>
       </p:ext>
     </p:extLst>
   </p:cSld>
@@ -10154,7 +11206,7 @@
 </p:sld>
 </file>
 
-<file path=ppt/slides/slide9.xml><?xml version="1.0" encoding="utf-8"?>
+<file path=ppt/slides/slide8.xml><?xml version="1.0" encoding="utf-8"?>
 <p:sld xmlns:a="http://schemas.openxmlformats.org/drawingml/2006/main" xmlns:r="http://schemas.openxmlformats.org/officeDocument/2006/relationships" xmlns:p="http://schemas.openxmlformats.org/presentationml/2006/main">
   <p:cSld>
     <p:bg>
@@ -10480,7 +11532,460 @@
                   <a:srgbClr val="3F3F3F"/>
                 </a:solidFill>
               </a:rPr>
-              <a:t>VII</a:t>
+              <a:t>V. </a:t>
+            </a:r>
+            <a:r>
+              <a:rPr lang="fr-FR" sz="3600" dirty="0">
+                <a:solidFill>
+                  <a:schemeClr val="bg1"/>
+                </a:solidFill>
+              </a:rPr>
+              <a:t>Présentation de la partie : Backend et base de données </a:t>
+            </a:r>
+          </a:p>
+        </p:txBody>
+      </p:sp>
+      <p:sp>
+        <p:nvSpPr>
+          <p:cNvPr id="3" name="Espace réservé du contenu 2">
+            <a:extLst>
+              <a:ext uri="{FF2B5EF4-FFF2-40B4-BE49-F238E27FC236}">
+                <a16:creationId xmlns:a16="http://schemas.microsoft.com/office/drawing/2014/main" id="{A0C7ACD6-AD37-445C-8456-6AFEF083DEA0}"/>
+              </a:ext>
+            </a:extLst>
+          </p:cNvPr>
+          <p:cNvSpPr>
+            <a:spLocks noGrp="1"/>
+          </p:cNvSpPr>
+          <p:nvPr>
+            <p:ph idx="1"/>
+          </p:nvPr>
+        </p:nvSpPr>
+        <p:spPr>
+          <a:xfrm>
+            <a:off x="1179226" y="3049325"/>
+            <a:ext cx="9833548" cy="2945574"/>
+          </a:xfrm>
+        </p:spPr>
+        <p:txBody>
+          <a:bodyPr anchor="ctr">
+            <a:normAutofit/>
+          </a:bodyPr>
+          <a:lstStyle/>
+          <a:p>
+            <a:endParaRPr lang="fr-FR" sz="1200" dirty="0">
+              <a:solidFill>
+                <a:srgbClr val="FFFFFF"/>
+              </a:solidFill>
+            </a:endParaRPr>
+          </a:p>
+          <a:p>
+            <a:pPr lvl="1"/>
+            <a:endParaRPr lang="fr-FR" sz="1600" dirty="0">
+              <a:solidFill>
+                <a:srgbClr val="FFFFFF"/>
+              </a:solidFill>
+            </a:endParaRPr>
+          </a:p>
+        </p:txBody>
+      </p:sp>
+      <p:sp>
+        <p:nvSpPr>
+          <p:cNvPr id="4" name="Espace réservé de la date 3">
+            <a:extLst>
+              <a:ext uri="{FF2B5EF4-FFF2-40B4-BE49-F238E27FC236}">
+                <a16:creationId xmlns:a16="http://schemas.microsoft.com/office/drawing/2014/main" id="{1F03DA80-A5A3-4CC7-8A8B-F0D2B56D7697}"/>
+              </a:ext>
+            </a:extLst>
+          </p:cNvPr>
+          <p:cNvSpPr>
+            <a:spLocks noGrp="1"/>
+          </p:cNvSpPr>
+          <p:nvPr>
+            <p:ph type="dt" sz="half" idx="10"/>
+          </p:nvPr>
+        </p:nvSpPr>
+        <p:spPr/>
+        <p:txBody>
+          <a:bodyPr/>
+          <a:lstStyle/>
+          <a:p>
+            <a:r>
+              <a:rPr lang="fr-FR"/>
+              <a:t>LP IOTIA</a:t>
+            </a:r>
+          </a:p>
+        </p:txBody>
+      </p:sp>
+      <p:sp>
+        <p:nvSpPr>
+          <p:cNvPr id="6" name="Espace réservé du numéro de diapositive 5">
+            <a:extLst>
+              <a:ext uri="{FF2B5EF4-FFF2-40B4-BE49-F238E27FC236}">
+                <a16:creationId xmlns:a16="http://schemas.microsoft.com/office/drawing/2014/main" id="{9E19AA24-42DC-4F2C-B72D-F9FBBE2D2E0B}"/>
+              </a:ext>
+            </a:extLst>
+          </p:cNvPr>
+          <p:cNvSpPr>
+            <a:spLocks noGrp="1"/>
+          </p:cNvSpPr>
+          <p:nvPr>
+            <p:ph type="sldNum" sz="quarter" idx="12"/>
+          </p:nvPr>
+        </p:nvSpPr>
+        <p:spPr/>
+        <p:txBody>
+          <a:bodyPr/>
+          <a:lstStyle/>
+          <a:p>
+            <a:fld id="{14B657B5-B792-44DE-9ADA-EC14684177E4}" type="slidenum">
+              <a:rPr lang="fr-FR" smtClean="0"/>
+              <a:t>8</a:t>
+            </a:fld>
+            <a:endParaRPr lang="fr-FR"/>
+          </a:p>
+        </p:txBody>
+      </p:sp>
+    </p:spTree>
+    <p:extLst>
+      <p:ext uri="{BB962C8B-B14F-4D97-AF65-F5344CB8AC3E}">
+        <p14:creationId xmlns:p14="http://schemas.microsoft.com/office/powerpoint/2010/main" val="2809134784"/>
+      </p:ext>
+    </p:extLst>
+  </p:cSld>
+  <p:clrMapOvr>
+    <a:overrideClrMapping bg1="dk1" tx1="lt1" bg2="dk2" tx2="lt2" accent1="accent1" accent2="accent2" accent3="accent3" accent4="accent4" accent5="accent5" accent6="accent6" hlink="hlink" folHlink="folHlink"/>
+  </p:clrMapOvr>
+</p:sld>
+</file>
+
+<file path=ppt/slides/slide9.xml><?xml version="1.0" encoding="utf-8"?>
+<p:sld xmlns:a="http://schemas.openxmlformats.org/drawingml/2006/main" xmlns:r="http://schemas.openxmlformats.org/officeDocument/2006/relationships" xmlns:p="http://schemas.openxmlformats.org/presentationml/2006/main">
+  <p:cSld>
+    <p:bg>
+      <p:bgPr>
+        <a:solidFill>
+          <a:schemeClr val="bg1"/>
+        </a:solidFill>
+        <a:effectLst/>
+      </p:bgPr>
+    </p:bg>
+    <p:spTree>
+      <p:nvGrpSpPr>
+        <p:cNvPr id="1" name=""/>
+        <p:cNvGrpSpPr/>
+        <p:nvPr/>
+      </p:nvGrpSpPr>
+      <p:grpSpPr>
+        <a:xfrm>
+          <a:off x="0" y="0"/>
+          <a:ext cx="0" cy="0"/>
+          <a:chOff x="0" y="0"/>
+          <a:chExt cx="0" cy="0"/>
+        </a:xfrm>
+      </p:grpSpPr>
+      <p:sp>
+        <p:nvSpPr>
+          <p:cNvPr id="8" name="Rectangle 7">
+            <a:extLst>
+              <a:ext uri="{FF2B5EF4-FFF2-40B4-BE49-F238E27FC236}">
+                <a16:creationId xmlns:a16="http://schemas.microsoft.com/office/drawing/2014/main" id="{D3FFFA32-D9F4-4AF9-A025-CD128AC85E32}"/>
+              </a:ext>
+              <a:ext uri="{C183D7F6-B498-43B3-948B-1728B52AA6E4}">
+                <adec:decorative xmlns:adec="http://schemas.microsoft.com/office/drawing/2017/decorative" val="1"/>
+              </a:ext>
+            </a:extLst>
+          </p:cNvPr>
+          <p:cNvSpPr>
+            <a:spLocks noGrp="1" noRot="1" noChangeAspect="1" noMove="1" noResize="1" noEditPoints="1" noAdjustHandles="1" noChangeArrowheads="1" noChangeShapeType="1" noTextEdit="1"/>
+          </p:cNvSpPr>
+          <p:nvPr>
+            <p:extLst>
+              <p:ext uri="{386F3935-93C4-4BCD-93E2-E3B085C9AB24}">
+                <p16:designElem xmlns:p16="http://schemas.microsoft.com/office/powerpoint/2015/main" val="1"/>
+              </p:ext>
+            </p:extLst>
+          </p:nvPr>
+        </p:nvSpPr>
+        <p:spPr>
+          <a:xfrm>
+            <a:off x="0" y="1360967"/>
+            <a:ext cx="12192000" cy="5497033"/>
+          </a:xfrm>
+          <a:prstGeom prst="rect">
+            <a:avLst/>
+          </a:prstGeom>
+          <a:gradFill>
+            <a:gsLst>
+              <a:gs pos="0">
+                <a:schemeClr val="accent1">
+                  <a:lumMod val="90000"/>
+                </a:schemeClr>
+              </a:gs>
+              <a:gs pos="25000">
+                <a:schemeClr val="accent1">
+                  <a:lumMod val="90000"/>
+                </a:schemeClr>
+              </a:gs>
+              <a:gs pos="94000">
+                <a:schemeClr val="bg2">
+                  <a:lumMod val="25000"/>
+                </a:schemeClr>
+              </a:gs>
+              <a:gs pos="100000">
+                <a:schemeClr val="bg2">
+                  <a:lumMod val="25000"/>
+                </a:schemeClr>
+              </a:gs>
+            </a:gsLst>
+            <a:lin ang="4200000" scaled="0"/>
+          </a:gradFill>
+          <a:ln>
+            <a:noFill/>
+          </a:ln>
+        </p:spPr>
+        <p:style>
+          <a:lnRef idx="2">
+            <a:schemeClr val="accent1">
+              <a:shade val="50000"/>
+            </a:schemeClr>
+          </a:lnRef>
+          <a:fillRef idx="1">
+            <a:schemeClr val="accent1"/>
+          </a:fillRef>
+          <a:effectRef idx="0">
+            <a:schemeClr val="accent1"/>
+          </a:effectRef>
+          <a:fontRef idx="minor">
+            <a:schemeClr val="lt1"/>
+          </a:fontRef>
+        </p:style>
+        <p:txBody>
+          <a:bodyPr rtlCol="0" anchor="ctr"/>
+          <a:lstStyle/>
+          <a:p>
+            <a:pPr algn="ctr"/>
+            <a:endParaRPr lang="en-US"/>
+          </a:p>
+        </p:txBody>
+      </p:sp>
+      <p:grpSp>
+        <p:nvGrpSpPr>
+          <p:cNvPr id="10" name="Group 9">
+            <a:extLst>
+              <a:ext uri="{FF2B5EF4-FFF2-40B4-BE49-F238E27FC236}">
+                <a16:creationId xmlns:a16="http://schemas.microsoft.com/office/drawing/2014/main" id="{2823A416-999C-4FA3-A853-0AE48404B5D7}"/>
+              </a:ext>
+              <a:ext uri="{C183D7F6-B498-43B3-948B-1728B52AA6E4}">
+                <adec:decorative xmlns:adec="http://schemas.microsoft.com/office/drawing/2017/decorative" val="1"/>
+              </a:ext>
+            </a:extLst>
+          </p:cNvPr>
+          <p:cNvGrpSpPr>
+            <a:grpSpLocks noGrp="1" noUngrp="1" noRot="1" noChangeAspect="1" noMove="1" noResize="1"/>
+          </p:cNvGrpSpPr>
+          <p:nvPr>
+            <p:extLst>
+              <p:ext uri="{386F3935-93C4-4BCD-93E2-E3B085C9AB24}">
+                <p16:designElem xmlns:p16="http://schemas.microsoft.com/office/powerpoint/2015/main" val="1"/>
+              </p:ext>
+            </p:extLst>
+          </p:nvPr>
+        </p:nvGrpSpPr>
+        <p:grpSpPr>
+          <a:xfrm flipV="1">
+            <a:off x="0" y="0"/>
+            <a:ext cx="12192000" cy="3049325"/>
+            <a:chOff x="0" y="3808676"/>
+            <a:chExt cx="12192000" cy="3049325"/>
+          </a:xfrm>
+        </p:grpSpPr>
+        <p:pic>
+          <p:nvPicPr>
+            <p:cNvPr id="11" name="Picture 10">
+              <a:extLst>
+                <a:ext uri="{FF2B5EF4-FFF2-40B4-BE49-F238E27FC236}">
+                  <a16:creationId xmlns:a16="http://schemas.microsoft.com/office/drawing/2014/main" id="{9362F656-1A8D-4BA3-BA72-92332E75DB99}"/>
+                </a:ext>
+                <a:ext uri="{C183D7F6-B498-43B3-948B-1728B52AA6E4}">
+                  <adec:decorative xmlns:adec="http://schemas.microsoft.com/office/drawing/2017/decorative" val="1"/>
+                </a:ext>
+              </a:extLst>
+            </p:cNvPr>
+            <p:cNvPicPr>
+              <a:picLocks noChangeAspect="1"/>
+            </p:cNvPicPr>
+            <p:nvPr>
+              <p:extLst>
+                <p:ext uri="{386F3935-93C4-4BCD-93E2-E3B085C9AB24}">
+                  <p16:designElem xmlns:p16="http://schemas.microsoft.com/office/powerpoint/2015/main" val="1"/>
+                </p:ext>
+              </p:extLst>
+            </p:nvPr>
+          </p:nvPicPr>
+          <p:blipFill>
+            <a:blip r:embed="rId2">
+              <a:extLst>
+                <a:ext uri="{28A0092B-C50C-407E-A947-70E740481C1C}">
+                  <a14:useLocalDpi xmlns:a14="http://schemas.microsoft.com/office/drawing/2010/main" val="0"/>
+                </a:ext>
+              </a:extLst>
+            </a:blip>
+            <a:srcRect t="45716" b="9820"/>
+            <a:stretch>
+              <a:fillRect/>
+            </a:stretch>
+          </p:blipFill>
+          <p:spPr>
+            <a:xfrm>
+              <a:off x="0" y="3808676"/>
+              <a:ext cx="12192000" cy="3049325"/>
+            </a:xfrm>
+            <a:custGeom>
+              <a:avLst/>
+              <a:gdLst>
+                <a:gd name="connsiteX0" fmla="*/ 0 w 12192000"/>
+                <a:gd name="connsiteY0" fmla="*/ 0 h 3049325"/>
+                <a:gd name="connsiteX1" fmla="*/ 12192000 w 12192000"/>
+                <a:gd name="connsiteY1" fmla="*/ 0 h 3049325"/>
+                <a:gd name="connsiteX2" fmla="*/ 12192000 w 12192000"/>
+                <a:gd name="connsiteY2" fmla="*/ 3049325 h 3049325"/>
+                <a:gd name="connsiteX3" fmla="*/ 0 w 12192000"/>
+                <a:gd name="connsiteY3" fmla="*/ 3049325 h 3049325"/>
+              </a:gdLst>
+              <a:ahLst/>
+              <a:cxnLst>
+                <a:cxn ang="0">
+                  <a:pos x="connsiteX0" y="connsiteY0"/>
+                </a:cxn>
+                <a:cxn ang="0">
+                  <a:pos x="connsiteX1" y="connsiteY1"/>
+                </a:cxn>
+                <a:cxn ang="0">
+                  <a:pos x="connsiteX2" y="connsiteY2"/>
+                </a:cxn>
+                <a:cxn ang="0">
+                  <a:pos x="connsiteX3" y="connsiteY3"/>
+                </a:cxn>
+              </a:cxnLst>
+              <a:rect l="l" t="t" r="r" b="b"/>
+              <a:pathLst>
+                <a:path w="12192000" h="3049325">
+                  <a:moveTo>
+                    <a:pt x="0" y="0"/>
+                  </a:moveTo>
+                  <a:lnTo>
+                    <a:pt x="12192000" y="0"/>
+                  </a:lnTo>
+                  <a:lnTo>
+                    <a:pt x="12192000" y="3049325"/>
+                  </a:lnTo>
+                  <a:lnTo>
+                    <a:pt x="0" y="3049325"/>
+                  </a:lnTo>
+                  <a:close/>
+                </a:path>
+              </a:pathLst>
+            </a:custGeom>
+          </p:spPr>
+        </p:pic>
+        <p:sp>
+          <p:nvSpPr>
+            <p:cNvPr id="12" name="Oval 11">
+              <a:extLst>
+                <a:ext uri="{FF2B5EF4-FFF2-40B4-BE49-F238E27FC236}">
+                  <a16:creationId xmlns:a16="http://schemas.microsoft.com/office/drawing/2014/main" id="{9338807D-FB66-4E3A-9CF0-786662C4AB40}"/>
+                </a:ext>
+                <a:ext uri="{C183D7F6-B498-43B3-948B-1728B52AA6E4}">
+                  <adec:decorative xmlns:adec="http://schemas.microsoft.com/office/drawing/2017/decorative" val="1"/>
+                </a:ext>
+              </a:extLst>
+            </p:cNvPr>
+            <p:cNvSpPr/>
+            <p:nvPr>
+              <p:extLst>
+                <p:ext uri="{386F3935-93C4-4BCD-93E2-E3B085C9AB24}">
+                  <p16:designElem xmlns:p16="http://schemas.microsoft.com/office/powerpoint/2015/main" val="1"/>
+                </p:ext>
+              </p:extLst>
+            </p:nvPr>
+          </p:nvSpPr>
+          <p:spPr>
+            <a:xfrm>
+              <a:off x="2067339" y="5375082"/>
+              <a:ext cx="373711" cy="405516"/>
+            </a:xfrm>
+            <a:prstGeom prst="ellipse">
+              <a:avLst/>
+            </a:prstGeom>
+            <a:solidFill>
+              <a:srgbClr val="FFFFFF"/>
+            </a:solidFill>
+            <a:ln>
+              <a:noFill/>
+            </a:ln>
+          </p:spPr>
+          <p:style>
+            <a:lnRef idx="2">
+              <a:schemeClr val="accent1">
+                <a:shade val="50000"/>
+              </a:schemeClr>
+            </a:lnRef>
+            <a:fillRef idx="1">
+              <a:schemeClr val="accent1"/>
+            </a:fillRef>
+            <a:effectRef idx="0">
+              <a:schemeClr val="accent1"/>
+            </a:effectRef>
+            <a:fontRef idx="minor">
+              <a:schemeClr val="lt1"/>
+            </a:fontRef>
+          </p:style>
+          <p:txBody>
+            <a:bodyPr rtlCol="0" anchor="ctr"/>
+            <a:lstStyle/>
+            <a:p>
+              <a:pPr algn="ctr"/>
+              <a:endParaRPr lang="en-US"/>
+            </a:p>
+          </p:txBody>
+        </p:sp>
+      </p:grpSp>
+      <p:sp>
+        <p:nvSpPr>
+          <p:cNvPr id="2" name="Titre 1">
+            <a:extLst>
+              <a:ext uri="{FF2B5EF4-FFF2-40B4-BE49-F238E27FC236}">
+                <a16:creationId xmlns:a16="http://schemas.microsoft.com/office/drawing/2014/main" id="{527E05EC-AE41-41FA-B468-915355073CF3}"/>
+              </a:ext>
+            </a:extLst>
+          </p:cNvPr>
+          <p:cNvSpPr>
+            <a:spLocks noGrp="1"/>
+          </p:cNvSpPr>
+          <p:nvPr>
+            <p:ph type="title"/>
+          </p:nvPr>
+        </p:nvSpPr>
+        <p:spPr>
+          <a:xfrm>
+            <a:off x="1179226" y="448056"/>
+            <a:ext cx="9833548" cy="1066802"/>
+          </a:xfrm>
+        </p:spPr>
+        <p:txBody>
+          <a:bodyPr>
+            <a:normAutofit/>
+          </a:bodyPr>
+          <a:lstStyle/>
+          <a:p>
+            <a:r>
+              <a:rPr lang="fr-FR" sz="4000" dirty="0">
+                <a:solidFill>
+                  <a:srgbClr val="3F3F3F"/>
+                </a:solidFill>
+              </a:rPr>
+              <a:t>VI. </a:t>
             </a:r>
             <a:r>
               <a:rPr lang="fr-FR" sz="4000" dirty="0">
@@ -10488,8 +11993,52 @@
                   <a:schemeClr val="bg1"/>
                 </a:solidFill>
               </a:rPr>
-              <a:t>. Présentation de la partie : Capteurs/Actionneurs</a:t>
-            </a:r>
+              <a:t>Présentation de la partie : Web Service</a:t>
+            </a:r>
+          </a:p>
+        </p:txBody>
+      </p:sp>
+      <p:sp>
+        <p:nvSpPr>
+          <p:cNvPr id="3" name="Espace réservé du contenu 2">
+            <a:extLst>
+              <a:ext uri="{FF2B5EF4-FFF2-40B4-BE49-F238E27FC236}">
+                <a16:creationId xmlns:a16="http://schemas.microsoft.com/office/drawing/2014/main" id="{A0C7ACD6-AD37-445C-8456-6AFEF083DEA0}"/>
+              </a:ext>
+            </a:extLst>
+          </p:cNvPr>
+          <p:cNvSpPr>
+            <a:spLocks noGrp="1"/>
+          </p:cNvSpPr>
+          <p:nvPr>
+            <p:ph idx="1"/>
+          </p:nvPr>
+        </p:nvSpPr>
+        <p:spPr>
+          <a:xfrm>
+            <a:off x="1179226" y="3049325"/>
+            <a:ext cx="9833548" cy="2945574"/>
+          </a:xfrm>
+        </p:spPr>
+        <p:txBody>
+          <a:bodyPr anchor="ctr">
+            <a:normAutofit/>
+          </a:bodyPr>
+          <a:lstStyle/>
+          <a:p>
+            <a:endParaRPr lang="fr-FR" sz="1200" dirty="0">
+              <a:solidFill>
+                <a:srgbClr val="FFFFFF"/>
+              </a:solidFill>
+            </a:endParaRPr>
+          </a:p>
+          <a:p>
+            <a:pPr lvl="1"/>
+            <a:endParaRPr lang="fr-FR" sz="1600" dirty="0">
+              <a:solidFill>
+                <a:srgbClr val="FFFFFF"/>
+              </a:solidFill>
+            </a:endParaRPr>
           </a:p>
         </p:txBody>
       </p:sp>
@@ -10498,7 +12047,7 @@
           <p:cNvPr id="4" name="Espace réservé de la date 3">
             <a:extLst>
               <a:ext uri="{FF2B5EF4-FFF2-40B4-BE49-F238E27FC236}">
-                <a16:creationId xmlns:a16="http://schemas.microsoft.com/office/drawing/2014/main" id="{F9F2861F-EE6A-4DDA-8612-63A5A3242DB2}"/>
+                <a16:creationId xmlns:a16="http://schemas.microsoft.com/office/drawing/2014/main" id="{C6701E8F-0181-415A-BC56-F021E011E843}"/>
               </a:ext>
             </a:extLst>
           </p:cNvPr>
@@ -10523,10 +12072,10 @@
       </p:sp>
       <p:sp>
         <p:nvSpPr>
-          <p:cNvPr id="6" name="Espace réservé du numéro de diapositive 5">
-            <a:extLst>
-              <a:ext uri="{FF2B5EF4-FFF2-40B4-BE49-F238E27FC236}">
-                <a16:creationId xmlns:a16="http://schemas.microsoft.com/office/drawing/2014/main" id="{4B7D6948-84F6-46B1-8708-F6EB18858D49}"/>
+          <p:cNvPr id="5" name="Espace réservé du numéro de diapositive 4">
+            <a:extLst>
+              <a:ext uri="{FF2B5EF4-FFF2-40B4-BE49-F238E27FC236}">
+                <a16:creationId xmlns:a16="http://schemas.microsoft.com/office/drawing/2014/main" id="{4357EDBD-CDDF-42C0-A6F6-F78594A5AB63}"/>
               </a:ext>
             </a:extLst>
           </p:cNvPr>
@@ -10550,153 +12099,10 @@
           </a:p>
         </p:txBody>
       </p:sp>
-      <p:pic>
-        <p:nvPicPr>
-          <p:cNvPr id="9" name="Espace réservé du contenu 8">
-            <a:extLst>
-              <a:ext uri="{FF2B5EF4-FFF2-40B4-BE49-F238E27FC236}">
-                <a16:creationId xmlns:a16="http://schemas.microsoft.com/office/drawing/2014/main" id="{E63A7FF3-444E-4121-A502-BD0A6615C1B4}"/>
-              </a:ext>
-            </a:extLst>
-          </p:cNvPr>
-          <p:cNvPicPr>
-            <a:picLocks noGrp="1" noChangeAspect="1"/>
-          </p:cNvPicPr>
-          <p:nvPr>
-            <p:ph idx="1"/>
-          </p:nvPr>
-        </p:nvPicPr>
-        <p:blipFill>
-          <a:blip r:embed="rId3">
-            <a:extLst>
-              <a:ext uri="{28A0092B-C50C-407E-A947-70E740481C1C}">
-                <a14:useLocalDpi xmlns:a14="http://schemas.microsoft.com/office/drawing/2010/main" val="0"/>
-              </a:ext>
-            </a:extLst>
-          </a:blip>
-          <a:stretch>
-            <a:fillRect/>
-          </a:stretch>
-        </p:blipFill>
-        <p:spPr>
-          <a:xfrm>
-            <a:off x="963167" y="2184138"/>
-            <a:ext cx="1866900" cy="1866900"/>
-          </a:xfrm>
-        </p:spPr>
-      </p:pic>
-      <p:pic>
-        <p:nvPicPr>
-          <p:cNvPr id="15" name="Image 14">
-            <a:extLst>
-              <a:ext uri="{FF2B5EF4-FFF2-40B4-BE49-F238E27FC236}">
-                <a16:creationId xmlns:a16="http://schemas.microsoft.com/office/drawing/2014/main" id="{22CCE29F-3274-4EEE-B538-C5DCD9F945FC}"/>
-              </a:ext>
-            </a:extLst>
-          </p:cNvPr>
-          <p:cNvPicPr>
-            <a:picLocks noChangeAspect="1"/>
-          </p:cNvPicPr>
-          <p:nvPr/>
-        </p:nvPicPr>
-        <p:blipFill>
-          <a:blip r:embed="rId4">
-            <a:extLst>
-              <a:ext uri="{28A0092B-C50C-407E-A947-70E740481C1C}">
-                <a14:useLocalDpi xmlns:a14="http://schemas.microsoft.com/office/drawing/2010/main" val="0"/>
-              </a:ext>
-            </a:extLst>
-          </a:blip>
-          <a:stretch>
-            <a:fillRect/>
-          </a:stretch>
-        </p:blipFill>
-        <p:spPr>
-          <a:xfrm>
-            <a:off x="4416381" y="2224446"/>
-            <a:ext cx="2156148" cy="1982331"/>
-          </a:xfrm>
-          <a:prstGeom prst="rect">
-            <a:avLst/>
-          </a:prstGeom>
-        </p:spPr>
-      </p:pic>
-      <p:pic>
-        <p:nvPicPr>
-          <p:cNvPr id="17" name="Image 16">
-            <a:extLst>
-              <a:ext uri="{FF2B5EF4-FFF2-40B4-BE49-F238E27FC236}">
-                <a16:creationId xmlns:a16="http://schemas.microsoft.com/office/drawing/2014/main" id="{A9E0ACD0-9726-4DC2-9E6B-B26B25A8958F}"/>
-              </a:ext>
-            </a:extLst>
-          </p:cNvPr>
-          <p:cNvPicPr>
-            <a:picLocks noChangeAspect="1"/>
-          </p:cNvPicPr>
-          <p:nvPr/>
-        </p:nvPicPr>
-        <p:blipFill>
-          <a:blip r:embed="rId5">
-            <a:extLst>
-              <a:ext uri="{28A0092B-C50C-407E-A947-70E740481C1C}">
-                <a14:useLocalDpi xmlns:a14="http://schemas.microsoft.com/office/drawing/2010/main" val="0"/>
-              </a:ext>
-            </a:extLst>
-          </a:blip>
-          <a:stretch>
-            <a:fillRect/>
-          </a:stretch>
-        </p:blipFill>
-        <p:spPr>
-          <a:xfrm>
-            <a:off x="3265715" y="4337039"/>
-            <a:ext cx="4024714" cy="1877529"/>
-          </a:xfrm>
-          <a:prstGeom prst="rect">
-            <a:avLst/>
-          </a:prstGeom>
-        </p:spPr>
-      </p:pic>
-      <p:pic>
-        <p:nvPicPr>
-          <p:cNvPr id="19" name="Image 18" descr="Une image contenant texte, équipement électronique&#10;&#10;Description générée automatiquement">
-            <a:extLst>
-              <a:ext uri="{FF2B5EF4-FFF2-40B4-BE49-F238E27FC236}">
-                <a16:creationId xmlns:a16="http://schemas.microsoft.com/office/drawing/2014/main" id="{E69F5F2C-B02D-4569-849B-5F9439B84BFC}"/>
-              </a:ext>
-            </a:extLst>
-          </p:cNvPr>
-          <p:cNvPicPr>
-            <a:picLocks noChangeAspect="1"/>
-          </p:cNvPicPr>
-          <p:nvPr/>
-        </p:nvPicPr>
-        <p:blipFill>
-          <a:blip r:embed="rId6">
-            <a:extLst>
-              <a:ext uri="{28A0092B-C50C-407E-A947-70E740481C1C}">
-                <a14:useLocalDpi xmlns:a14="http://schemas.microsoft.com/office/drawing/2010/main" val="0"/>
-              </a:ext>
-            </a:extLst>
-          </a:blip>
-          <a:stretch>
-            <a:fillRect/>
-          </a:stretch>
-        </p:blipFill>
-        <p:spPr>
-          <a:xfrm>
-            <a:off x="7878257" y="2248243"/>
-            <a:ext cx="1866900" cy="1781175"/>
-          </a:xfrm>
-          <a:prstGeom prst="rect">
-            <a:avLst/>
-          </a:prstGeom>
-        </p:spPr>
-      </p:pic>
     </p:spTree>
     <p:extLst>
       <p:ext uri="{BB962C8B-B14F-4D97-AF65-F5344CB8AC3E}">
-        <p14:creationId xmlns:p14="http://schemas.microsoft.com/office/powerpoint/2010/main" val="3962139122"/>
+        <p14:creationId xmlns:p14="http://schemas.microsoft.com/office/powerpoint/2010/main" val="51845631"/>
       </p:ext>
     </p:extLst>
   </p:cSld>

--- a/Diapo_commun/PresentationCommune.pptx
+++ b/Diapo_commun/PresentationCommune.pptx
@@ -5,7 +5,7 @@
     <p:sldMasterId id="2147483648" r:id="rId1"/>
   </p:sldMasterIdLst>
   <p:notesMasterIdLst>
-    <p:notesMasterId r:id="rId16"/>
+    <p:notesMasterId r:id="rId17"/>
   </p:notesMasterIdLst>
   <p:sldIdLst>
     <p:sldId id="256" r:id="rId2"/>
@@ -17,11 +17,12 @@
     <p:sldId id="261" r:id="rId8"/>
     <p:sldId id="269" r:id="rId9"/>
     <p:sldId id="267" r:id="rId10"/>
-    <p:sldId id="268" r:id="rId11"/>
-    <p:sldId id="272" r:id="rId12"/>
-    <p:sldId id="273" r:id="rId13"/>
-    <p:sldId id="274" r:id="rId14"/>
-    <p:sldId id="266" r:id="rId15"/>
+    <p:sldId id="276" r:id="rId11"/>
+    <p:sldId id="268" r:id="rId12"/>
+    <p:sldId id="272" r:id="rId13"/>
+    <p:sldId id="273" r:id="rId14"/>
+    <p:sldId id="274" r:id="rId15"/>
+    <p:sldId id="266" r:id="rId16"/>
   </p:sldIdLst>
   <p:sldSz cx="12192000" cy="6858000"/>
   <p:notesSz cx="6858000" cy="9144000"/>
@@ -131,6 +132,7 @@
 <file path=ppt/revisionInfo.xml><?xml version="1.0" encoding="utf-8"?>
 <p1510:revInfo xmlns:a="http://schemas.openxmlformats.org/drawingml/2006/main" xmlns:r="http://schemas.openxmlformats.org/officeDocument/2006/relationships" xmlns:p1510="http://schemas.microsoft.com/office/powerpoint/2015/10/main">
   <p1510:revLst>
+    <p1510:client id="{9501B55E-7F34-4815-9CB9-4B195243A283}" v="1" dt="2021-05-01T16:00:50.051"/>
     <p1510:client id="{C2F83FF3-E7F1-4077-BD21-3C09DD116A3E}" v="7" dt="2021-05-01T09:33:03.916"/>
   </p1510:revLst>
 </p1510:revInfo>
@@ -139,470 +141,26 @@
 <file path=ppt/changesInfos/changesInfo1.xml><?xml version="1.0" encoding="utf-8"?>
 <pc:chgInfo xmlns:a="http://schemas.openxmlformats.org/drawingml/2006/main" xmlns:r="http://schemas.openxmlformats.org/officeDocument/2006/relationships" xmlns:ac="http://schemas.microsoft.com/office/drawing/2013/main/command" xmlns:pc="http://schemas.microsoft.com/office/powerpoint/2013/main/command">
   <pc:docChgLst>
-    <pc:chgData name="lagwaitf lagwaitf" userId="7c35877e37998161" providerId="LiveId" clId="{083A423D-54D3-4787-B918-C9E4C7E1DBCD}"/>
-    <pc:docChg chg="modSld">
-      <pc:chgData name="lagwaitf lagwaitf" userId="7c35877e37998161" providerId="LiveId" clId="{083A423D-54D3-4787-B918-C9E4C7E1DBCD}" dt="2021-03-10T14:54:12.466" v="55" actId="20577"/>
+    <pc:chgData name="lagwaitf lagwaitf" userId="7c35877e37998161" providerId="LiveId" clId="{9501B55E-7F34-4815-9CB9-4B195243A283}"/>
+    <pc:docChg chg="addSld modSld">
+      <pc:chgData name="lagwaitf lagwaitf" userId="7c35877e37998161" providerId="LiveId" clId="{9501B55E-7F34-4815-9CB9-4B195243A283}" dt="2021-05-01T16:00:56.943" v="3" actId="1076"/>
       <pc:docMkLst>
         <pc:docMk/>
       </pc:docMkLst>
-      <pc:sldChg chg="modSp mod">
-        <pc:chgData name="lagwaitf lagwaitf" userId="7c35877e37998161" providerId="LiveId" clId="{083A423D-54D3-4787-B918-C9E4C7E1DBCD}" dt="2021-03-10T14:49:57.379" v="53" actId="20577"/>
+      <pc:sldChg chg="addSp modSp add mod">
+        <pc:chgData name="lagwaitf lagwaitf" userId="7c35877e37998161" providerId="LiveId" clId="{9501B55E-7F34-4815-9CB9-4B195243A283}" dt="2021-05-01T16:00:56.943" v="3" actId="1076"/>
         <pc:sldMkLst>
           <pc:docMk/>
-          <pc:sldMk cId="717878367" sldId="256"/>
+          <pc:sldMk cId="4095485534" sldId="276"/>
         </pc:sldMkLst>
-        <pc:spChg chg="mod">
-          <ac:chgData name="lagwaitf lagwaitf" userId="7c35877e37998161" providerId="LiveId" clId="{083A423D-54D3-4787-B918-C9E4C7E1DBCD}" dt="2021-03-10T14:49:57.379" v="53" actId="20577"/>
-          <ac:spMkLst>
-            <pc:docMk/>
-            <pc:sldMk cId="717878367" sldId="256"/>
-            <ac:spMk id="2" creationId="{A95DD26F-37CC-425D-BDB6-2DEC25E2D291}"/>
-          </ac:spMkLst>
-        </pc:spChg>
-      </pc:sldChg>
-      <pc:sldChg chg="modSp mod">
-        <pc:chgData name="lagwaitf lagwaitf" userId="7c35877e37998161" providerId="LiveId" clId="{083A423D-54D3-4787-B918-C9E4C7E1DBCD}" dt="2021-03-10T14:47:52.512" v="51" actId="20577"/>
-        <pc:sldMkLst>
-          <pc:docMk/>
-          <pc:sldMk cId="1029494975" sldId="257"/>
-        </pc:sldMkLst>
-        <pc:spChg chg="mod">
-          <ac:chgData name="lagwaitf lagwaitf" userId="7c35877e37998161" providerId="LiveId" clId="{083A423D-54D3-4787-B918-C9E4C7E1DBCD}" dt="2021-03-10T14:47:52.512" v="51" actId="20577"/>
-          <ac:spMkLst>
-            <pc:docMk/>
-            <pc:sldMk cId="1029494975" sldId="257"/>
-            <ac:spMk id="3" creationId="{A0C7ACD6-AD37-445C-8456-6AFEF083DEA0}"/>
-          </ac:spMkLst>
-        </pc:spChg>
-      </pc:sldChg>
-      <pc:sldChg chg="modSp mod">
-        <pc:chgData name="lagwaitf lagwaitf" userId="7c35877e37998161" providerId="LiveId" clId="{083A423D-54D3-4787-B918-C9E4C7E1DBCD}" dt="2021-03-10T14:54:12.466" v="55" actId="20577"/>
-        <pc:sldMkLst>
-          <pc:docMk/>
-          <pc:sldMk cId="2775450203" sldId="259"/>
-        </pc:sldMkLst>
-        <pc:spChg chg="mod">
-          <ac:chgData name="lagwaitf lagwaitf" userId="7c35877e37998161" providerId="LiveId" clId="{083A423D-54D3-4787-B918-C9E4C7E1DBCD}" dt="2021-03-10T14:54:12.466" v="55" actId="20577"/>
-          <ac:spMkLst>
-            <pc:docMk/>
-            <pc:sldMk cId="2775450203" sldId="259"/>
-            <ac:spMk id="3" creationId="{A0C7ACD6-AD37-445C-8456-6AFEF083DEA0}"/>
-          </ac:spMkLst>
-        </pc:spChg>
-      </pc:sldChg>
-    </pc:docChg>
-  </pc:docChgLst>
-  <pc:docChgLst>
-    <pc:chgData name="lagwaitf lagwaitf" userId="7c35877e37998161" providerId="LiveId" clId="{C2F83FF3-E7F1-4077-BD21-3C09DD116A3E}"/>
-    <pc:docChg chg="undo custSel addSld delSld modSld">
-      <pc:chgData name="lagwaitf lagwaitf" userId="7c35877e37998161" providerId="LiveId" clId="{C2F83FF3-E7F1-4077-BD21-3C09DD116A3E}" dt="2021-05-01T09:33:03.915" v="338" actId="931"/>
-      <pc:docMkLst>
-        <pc:docMk/>
-      </pc:docMkLst>
-      <pc:sldChg chg="modSp mod">
-        <pc:chgData name="lagwaitf lagwaitf" userId="7c35877e37998161" providerId="LiveId" clId="{C2F83FF3-E7F1-4077-BD21-3C09DD116A3E}" dt="2021-05-01T09:16:02.796" v="17" actId="20577"/>
-        <pc:sldMkLst>
-          <pc:docMk/>
-          <pc:sldMk cId="717878367" sldId="256"/>
-        </pc:sldMkLst>
-        <pc:spChg chg="mod">
-          <ac:chgData name="lagwaitf lagwaitf" userId="7c35877e37998161" providerId="LiveId" clId="{C2F83FF3-E7F1-4077-BD21-3C09DD116A3E}" dt="2021-05-01T09:16:02.796" v="17" actId="20577"/>
-          <ac:spMkLst>
-            <pc:docMk/>
-            <pc:sldMk cId="717878367" sldId="256"/>
-            <ac:spMk id="2" creationId="{A95DD26F-37CC-425D-BDB6-2DEC25E2D291}"/>
-          </ac:spMkLst>
-        </pc:spChg>
-      </pc:sldChg>
-      <pc:sldChg chg="modSp mod">
-        <pc:chgData name="lagwaitf lagwaitf" userId="7c35877e37998161" providerId="LiveId" clId="{C2F83FF3-E7F1-4077-BD21-3C09DD116A3E}" dt="2021-05-01T09:22:35.501" v="233" actId="20577"/>
-        <pc:sldMkLst>
-          <pc:docMk/>
-          <pc:sldMk cId="1029494975" sldId="257"/>
-        </pc:sldMkLst>
-        <pc:spChg chg="mod">
-          <ac:chgData name="lagwaitf lagwaitf" userId="7c35877e37998161" providerId="LiveId" clId="{C2F83FF3-E7F1-4077-BD21-3C09DD116A3E}" dt="2021-05-01T09:22:35.501" v="233" actId="20577"/>
-          <ac:spMkLst>
-            <pc:docMk/>
-            <pc:sldMk cId="1029494975" sldId="257"/>
-            <ac:spMk id="3" creationId="{A0C7ACD6-AD37-445C-8456-6AFEF083DEA0}"/>
-          </ac:spMkLst>
-        </pc:spChg>
-      </pc:sldChg>
-      <pc:sldChg chg="addSp delSp modSp mod">
-        <pc:chgData name="lagwaitf lagwaitf" userId="7c35877e37998161" providerId="LiveId" clId="{C2F83FF3-E7F1-4077-BD21-3C09DD116A3E}" dt="2021-05-01T09:23:47.880" v="252" actId="478"/>
-        <pc:sldMkLst>
-          <pc:docMk/>
-          <pc:sldMk cId="2775450203" sldId="259"/>
-        </pc:sldMkLst>
-        <pc:spChg chg="mod">
-          <ac:chgData name="lagwaitf lagwaitf" userId="7c35877e37998161" providerId="LiveId" clId="{C2F83FF3-E7F1-4077-BD21-3C09DD116A3E}" dt="2021-05-01T09:23:43.535" v="251" actId="207"/>
-          <ac:spMkLst>
-            <pc:docMk/>
-            <pc:sldMk cId="2775450203" sldId="259"/>
-            <ac:spMk id="2" creationId="{527E05EC-AE41-41FA-B468-915355073CF3}"/>
-          </ac:spMkLst>
-        </pc:spChg>
-        <pc:spChg chg="add mod">
-          <ac:chgData name="lagwaitf lagwaitf" userId="7c35877e37998161" providerId="LiveId" clId="{C2F83FF3-E7F1-4077-BD21-3C09DD116A3E}" dt="2021-05-01T09:23:47.880" v="252" actId="478"/>
-          <ac:spMkLst>
-            <pc:docMk/>
-            <pc:sldMk cId="2775450203" sldId="259"/>
-            <ac:spMk id="6" creationId="{63902851-B09D-4896-9F06-36EC5EBE7067}"/>
-          </ac:spMkLst>
-        </pc:spChg>
-        <pc:picChg chg="del">
-          <ac:chgData name="lagwaitf lagwaitf" userId="7c35877e37998161" providerId="LiveId" clId="{C2F83FF3-E7F1-4077-BD21-3C09DD116A3E}" dt="2021-05-01T09:23:47.880" v="252" actId="478"/>
+        <pc:picChg chg="add mod">
+          <ac:chgData name="lagwaitf lagwaitf" userId="7c35877e37998161" providerId="LiveId" clId="{9501B55E-7F34-4815-9CB9-4B195243A283}" dt="2021-05-01T16:00:56.943" v="3" actId="1076"/>
           <ac:picMkLst>
             <pc:docMk/>
-            <pc:sldMk cId="2775450203" sldId="259"/>
-            <ac:picMk id="9" creationId="{C7ECFE08-F368-4BC8-B0CF-B663CC963334}"/>
+            <pc:sldMk cId="4095485534" sldId="276"/>
+            <ac:picMk id="7" creationId="{16FC0863-0EA0-4CD9-B6CF-FA74C87A21B9}"/>
           </ac:picMkLst>
         </pc:picChg>
-      </pc:sldChg>
-      <pc:sldChg chg="delSp modSp mod">
-        <pc:chgData name="lagwaitf lagwaitf" userId="7c35877e37998161" providerId="LiveId" clId="{C2F83FF3-E7F1-4077-BD21-3C09DD116A3E}" dt="2021-05-01T09:24:47.436" v="266" actId="478"/>
-        <pc:sldMkLst>
-          <pc:docMk/>
-          <pc:sldMk cId="2215218170" sldId="260"/>
-        </pc:sldMkLst>
-        <pc:spChg chg="mod">
-          <ac:chgData name="lagwaitf lagwaitf" userId="7c35877e37998161" providerId="LiveId" clId="{C2F83FF3-E7F1-4077-BD21-3C09DD116A3E}" dt="2021-05-01T09:24:07.561" v="256" actId="20577"/>
-          <ac:spMkLst>
-            <pc:docMk/>
-            <pc:sldMk cId="2215218170" sldId="260"/>
-            <ac:spMk id="2" creationId="{527E05EC-AE41-41FA-B468-915355073CF3}"/>
-          </ac:spMkLst>
-        </pc:spChg>
-        <pc:picChg chg="del">
-          <ac:chgData name="lagwaitf lagwaitf" userId="7c35877e37998161" providerId="LiveId" clId="{C2F83FF3-E7F1-4077-BD21-3C09DD116A3E}" dt="2021-05-01T09:24:47.436" v="266" actId="478"/>
-          <ac:picMkLst>
-            <pc:docMk/>
-            <pc:sldMk cId="2215218170" sldId="260"/>
-            <ac:picMk id="9" creationId="{8D7608C0-B015-45DB-A8A0-A251CD71D8A3}"/>
-          </ac:picMkLst>
-        </pc:picChg>
-      </pc:sldChg>
-      <pc:sldChg chg="delSp modSp mod">
-        <pc:chgData name="lagwaitf lagwaitf" userId="7c35877e37998161" providerId="LiveId" clId="{C2F83FF3-E7F1-4077-BD21-3C09DD116A3E}" dt="2021-05-01T09:24:45.696" v="265" actId="478"/>
-        <pc:sldMkLst>
-          <pc:docMk/>
-          <pc:sldMk cId="3176468876" sldId="261"/>
-        </pc:sldMkLst>
-        <pc:spChg chg="mod">
-          <ac:chgData name="lagwaitf lagwaitf" userId="7c35877e37998161" providerId="LiveId" clId="{C2F83FF3-E7F1-4077-BD21-3C09DD116A3E}" dt="2021-05-01T09:24:34.725" v="264" actId="27636"/>
-          <ac:spMkLst>
-            <pc:docMk/>
-            <pc:sldMk cId="3176468876" sldId="261"/>
-            <ac:spMk id="2" creationId="{527E05EC-AE41-41FA-B468-915355073CF3}"/>
-          </ac:spMkLst>
-        </pc:spChg>
-        <pc:picChg chg="del">
-          <ac:chgData name="lagwaitf lagwaitf" userId="7c35877e37998161" providerId="LiveId" clId="{C2F83FF3-E7F1-4077-BD21-3C09DD116A3E}" dt="2021-05-01T09:24:45.696" v="265" actId="478"/>
-          <ac:picMkLst>
-            <pc:docMk/>
-            <pc:sldMk cId="3176468876" sldId="261"/>
-            <ac:picMk id="9" creationId="{3CDFE918-47A9-43FB-B5D4-8F79EF963512}"/>
-          </ac:picMkLst>
-        </pc:picChg>
-      </pc:sldChg>
-      <pc:sldChg chg="del">
-        <pc:chgData name="lagwaitf lagwaitf" userId="7c35877e37998161" providerId="LiveId" clId="{C2F83FF3-E7F1-4077-BD21-3C09DD116A3E}" dt="2021-05-01T09:26:08.789" v="292" actId="47"/>
-        <pc:sldMkLst>
-          <pc:docMk/>
-          <pc:sldMk cId="2500813527" sldId="262"/>
-        </pc:sldMkLst>
-      </pc:sldChg>
-      <pc:sldChg chg="del">
-        <pc:chgData name="lagwaitf lagwaitf" userId="7c35877e37998161" providerId="LiveId" clId="{C2F83FF3-E7F1-4077-BD21-3C09DD116A3E}" dt="2021-05-01T09:26:09.721" v="293" actId="47"/>
-        <pc:sldMkLst>
-          <pc:docMk/>
-          <pc:sldMk cId="4269403743" sldId="263"/>
-        </pc:sldMkLst>
-      </pc:sldChg>
-      <pc:sldChg chg="delSp modSp mod">
-        <pc:chgData name="lagwaitf lagwaitf" userId="7c35877e37998161" providerId="LiveId" clId="{C2F83FF3-E7F1-4077-BD21-3C09DD116A3E}" dt="2021-05-01T09:25:42.867" v="283" actId="478"/>
-        <pc:sldMkLst>
-          <pc:docMk/>
-          <pc:sldMk cId="51845631" sldId="267"/>
-        </pc:sldMkLst>
-        <pc:spChg chg="mod">
-          <ac:chgData name="lagwaitf lagwaitf" userId="7c35877e37998161" providerId="LiveId" clId="{C2F83FF3-E7F1-4077-BD21-3C09DD116A3E}" dt="2021-05-01T09:25:39.547" v="282" actId="27636"/>
-          <ac:spMkLst>
-            <pc:docMk/>
-            <pc:sldMk cId="51845631" sldId="267"/>
-            <ac:spMk id="2" creationId="{527E05EC-AE41-41FA-B468-915355073CF3}"/>
-          </ac:spMkLst>
-        </pc:spChg>
-        <pc:picChg chg="del">
-          <ac:chgData name="lagwaitf lagwaitf" userId="7c35877e37998161" providerId="LiveId" clId="{C2F83FF3-E7F1-4077-BD21-3C09DD116A3E}" dt="2021-05-01T09:25:42.867" v="283" actId="478"/>
-          <ac:picMkLst>
-            <pc:docMk/>
-            <pc:sldMk cId="51845631" sldId="267"/>
-            <ac:picMk id="9" creationId="{5BEB6A67-3AE5-4A64-A77C-57E743072561}"/>
-          </ac:picMkLst>
-        </pc:picChg>
-      </pc:sldChg>
-      <pc:sldChg chg="addSp delSp modSp mod">
-        <pc:chgData name="lagwaitf lagwaitf" userId="7c35877e37998161" providerId="LiveId" clId="{C2F83FF3-E7F1-4077-BD21-3C09DD116A3E}" dt="2021-05-01T09:30:40.252" v="326" actId="1076"/>
-        <pc:sldMkLst>
-          <pc:docMk/>
-          <pc:sldMk cId="3962139122" sldId="268"/>
-        </pc:sldMkLst>
-        <pc:spChg chg="mod">
-          <ac:chgData name="lagwaitf lagwaitf" userId="7c35877e37998161" providerId="LiveId" clId="{C2F83FF3-E7F1-4077-BD21-3C09DD116A3E}" dt="2021-05-01T09:26:03.539" v="289" actId="207"/>
-          <ac:spMkLst>
-            <pc:docMk/>
-            <pc:sldMk cId="3962139122" sldId="268"/>
-            <ac:spMk id="2" creationId="{527E05EC-AE41-41FA-B468-915355073CF3}"/>
-          </ac:spMkLst>
-        </pc:spChg>
-        <pc:spChg chg="add del mod">
-          <ac:chgData name="lagwaitf lagwaitf" userId="7c35877e37998161" providerId="LiveId" clId="{C2F83FF3-E7F1-4077-BD21-3C09DD116A3E}" dt="2021-05-01T09:29:07.369" v="299" actId="931"/>
-          <ac:spMkLst>
-            <pc:docMk/>
-            <pc:sldMk cId="3962139122" sldId="268"/>
-            <ac:spMk id="5" creationId="{B1B40B53-9882-4A20-B063-C0B3F0C296FE}"/>
-          </ac:spMkLst>
-        </pc:spChg>
-        <pc:picChg chg="add mod">
-          <ac:chgData name="lagwaitf lagwaitf" userId="7c35877e37998161" providerId="LiveId" clId="{C2F83FF3-E7F1-4077-BD21-3C09DD116A3E}" dt="2021-05-01T09:30:32.860" v="323" actId="1076"/>
-          <ac:picMkLst>
-            <pc:docMk/>
-            <pc:sldMk cId="3962139122" sldId="268"/>
-            <ac:picMk id="9" creationId="{E63A7FF3-444E-4121-A502-BD0A6615C1B4}"/>
-          </ac:picMkLst>
-        </pc:picChg>
-        <pc:picChg chg="del">
-          <ac:chgData name="lagwaitf lagwaitf" userId="7c35877e37998161" providerId="LiveId" clId="{C2F83FF3-E7F1-4077-BD21-3C09DD116A3E}" dt="2021-05-01T09:26:06.892" v="290" actId="478"/>
-          <ac:picMkLst>
-            <pc:docMk/>
-            <pc:sldMk cId="3962139122" sldId="268"/>
-            <ac:picMk id="13" creationId="{9AA8BB2E-52A1-494C-9716-628A1E026BD5}"/>
-          </ac:picMkLst>
-        </pc:picChg>
-        <pc:picChg chg="add mod">
-          <ac:chgData name="lagwaitf lagwaitf" userId="7c35877e37998161" providerId="LiveId" clId="{C2F83FF3-E7F1-4077-BD21-3C09DD116A3E}" dt="2021-05-01T09:30:30.143" v="321" actId="1076"/>
-          <ac:picMkLst>
-            <pc:docMk/>
-            <pc:sldMk cId="3962139122" sldId="268"/>
-            <ac:picMk id="15" creationId="{22CCE29F-3274-4EEE-B538-C5DCD9F945FC}"/>
-          </ac:picMkLst>
-        </pc:picChg>
-        <pc:picChg chg="add mod">
-          <ac:chgData name="lagwaitf lagwaitf" userId="7c35877e37998161" providerId="LiveId" clId="{C2F83FF3-E7F1-4077-BD21-3C09DD116A3E}" dt="2021-05-01T09:30:40.252" v="326" actId="1076"/>
-          <ac:picMkLst>
-            <pc:docMk/>
-            <pc:sldMk cId="3962139122" sldId="268"/>
-            <ac:picMk id="17" creationId="{A9E0ACD0-9726-4DC2-9E6B-B26B25A8958F}"/>
-          </ac:picMkLst>
-        </pc:picChg>
-        <pc:picChg chg="add mod">
-          <ac:chgData name="lagwaitf lagwaitf" userId="7c35877e37998161" providerId="LiveId" clId="{C2F83FF3-E7F1-4077-BD21-3C09DD116A3E}" dt="2021-05-01T09:30:31.348" v="322" actId="1076"/>
-          <ac:picMkLst>
-            <pc:docMk/>
-            <pc:sldMk cId="3962139122" sldId="268"/>
-            <ac:picMk id="19" creationId="{E69F5F2C-B02D-4569-849B-5F9439B84BFC}"/>
-          </ac:picMkLst>
-        </pc:picChg>
-        <pc:picChg chg="del">
-          <ac:chgData name="lagwaitf lagwaitf" userId="7c35877e37998161" providerId="LiveId" clId="{C2F83FF3-E7F1-4077-BD21-3C09DD116A3E}" dt="2021-05-01T09:26:07.491" v="291" actId="478"/>
-          <ac:picMkLst>
-            <pc:docMk/>
-            <pc:sldMk cId="3962139122" sldId="268"/>
-            <ac:picMk id="23" creationId="{59633086-8CFC-474F-AE96-AB8DAE82FD09}"/>
-          </ac:picMkLst>
-        </pc:picChg>
-      </pc:sldChg>
-      <pc:sldChg chg="delSp modSp mod">
-        <pc:chgData name="lagwaitf lagwaitf" userId="7c35877e37998161" providerId="LiveId" clId="{C2F83FF3-E7F1-4077-BD21-3C09DD116A3E}" dt="2021-05-01T09:25:14.078" v="275" actId="255"/>
-        <pc:sldMkLst>
-          <pc:docMk/>
-          <pc:sldMk cId="2809134784" sldId="269"/>
-        </pc:sldMkLst>
-        <pc:spChg chg="mod">
-          <ac:chgData name="lagwaitf lagwaitf" userId="7c35877e37998161" providerId="LiveId" clId="{C2F83FF3-E7F1-4077-BD21-3C09DD116A3E}" dt="2021-05-01T09:25:14.078" v="275" actId="255"/>
-          <ac:spMkLst>
-            <pc:docMk/>
-            <pc:sldMk cId="2809134784" sldId="269"/>
-            <ac:spMk id="2" creationId="{527E05EC-AE41-41FA-B468-915355073CF3}"/>
-          </ac:spMkLst>
-        </pc:spChg>
-        <pc:picChg chg="del">
-          <ac:chgData name="lagwaitf lagwaitf" userId="7c35877e37998161" providerId="LiveId" clId="{C2F83FF3-E7F1-4077-BD21-3C09DD116A3E}" dt="2021-05-01T09:24:54.355" v="267" actId="478"/>
-          <ac:picMkLst>
-            <pc:docMk/>
-            <pc:sldMk cId="2809134784" sldId="269"/>
-            <ac:picMk id="7" creationId="{71E61600-D839-4D07-9754-6AB7FB8E6953}"/>
-          </ac:picMkLst>
-        </pc:picChg>
-      </pc:sldChg>
-      <pc:sldChg chg="del">
-        <pc:chgData name="lagwaitf lagwaitf" userId="7c35877e37998161" providerId="LiveId" clId="{C2F83FF3-E7F1-4077-BD21-3C09DD116A3E}" dt="2021-05-01T09:26:14.972" v="297" actId="47"/>
-        <pc:sldMkLst>
-          <pc:docMk/>
-          <pc:sldMk cId="3415186053" sldId="270"/>
-        </pc:sldMkLst>
-      </pc:sldChg>
-      <pc:sldChg chg="modSp mod">
-        <pc:chgData name="lagwaitf lagwaitf" userId="7c35877e37998161" providerId="LiveId" clId="{C2F83FF3-E7F1-4077-BD21-3C09DD116A3E}" dt="2021-05-01T09:23:21.965" v="247" actId="5793"/>
-        <pc:sldMkLst>
-          <pc:docMk/>
-          <pc:sldMk cId="1394492894" sldId="271"/>
-        </pc:sldMkLst>
-        <pc:spChg chg="mod">
-          <ac:chgData name="lagwaitf lagwaitf" userId="7c35877e37998161" providerId="LiveId" clId="{C2F83FF3-E7F1-4077-BD21-3C09DD116A3E}" dt="2021-05-01T09:23:01.880" v="238" actId="27636"/>
-          <ac:spMkLst>
-            <pc:docMk/>
-            <pc:sldMk cId="1394492894" sldId="271"/>
-            <ac:spMk id="2" creationId="{527E05EC-AE41-41FA-B468-915355073CF3}"/>
-          </ac:spMkLst>
-        </pc:spChg>
-        <pc:spChg chg="mod">
-          <ac:chgData name="lagwaitf lagwaitf" userId="7c35877e37998161" providerId="LiveId" clId="{C2F83FF3-E7F1-4077-BD21-3C09DD116A3E}" dt="2021-05-01T09:23:21.965" v="247" actId="5793"/>
-          <ac:spMkLst>
-            <pc:docMk/>
-            <pc:sldMk cId="1394492894" sldId="271"/>
-            <ac:spMk id="3" creationId="{A0C7ACD6-AD37-445C-8456-6AFEF083DEA0}"/>
-          </ac:spMkLst>
-        </pc:spChg>
-      </pc:sldChg>
-      <pc:sldChg chg="addSp delSp modSp add mod">
-        <pc:chgData name="lagwaitf lagwaitf" userId="7c35877e37998161" providerId="LiveId" clId="{C2F83FF3-E7F1-4077-BD21-3C09DD116A3E}" dt="2021-05-01T09:32:36.774" v="333" actId="478"/>
-        <pc:sldMkLst>
-          <pc:docMk/>
-          <pc:sldMk cId="434976539" sldId="272"/>
-        </pc:sldMkLst>
-        <pc:spChg chg="add del mod">
-          <ac:chgData name="lagwaitf lagwaitf" userId="7c35877e37998161" providerId="LiveId" clId="{C2F83FF3-E7F1-4077-BD21-3C09DD116A3E}" dt="2021-05-01T09:32:34.453" v="330" actId="478"/>
-          <ac:spMkLst>
-            <pc:docMk/>
-            <pc:sldMk cId="434976539" sldId="272"/>
-            <ac:spMk id="5" creationId="{5D02EE3E-C113-4715-8EBC-9559D57AA10C}"/>
-          </ac:spMkLst>
-        </pc:spChg>
-        <pc:spChg chg="add mod">
-          <ac:chgData name="lagwaitf lagwaitf" userId="7c35877e37998161" providerId="LiveId" clId="{C2F83FF3-E7F1-4077-BD21-3C09DD116A3E}" dt="2021-05-01T09:32:36.774" v="333" actId="478"/>
-          <ac:spMkLst>
-            <pc:docMk/>
-            <pc:sldMk cId="434976539" sldId="272"/>
-            <ac:spMk id="13" creationId="{84CE27E3-25AB-4505-BE0D-37732875BA0A}"/>
-          </ac:spMkLst>
-        </pc:spChg>
-        <pc:picChg chg="add del">
-          <ac:chgData name="lagwaitf lagwaitf" userId="7c35877e37998161" providerId="LiveId" clId="{C2F83FF3-E7F1-4077-BD21-3C09DD116A3E}" dt="2021-05-01T09:32:36.774" v="333" actId="478"/>
-          <ac:picMkLst>
-            <pc:docMk/>
-            <pc:sldMk cId="434976539" sldId="272"/>
-            <ac:picMk id="9" creationId="{E63A7FF3-444E-4121-A502-BD0A6615C1B4}"/>
-          </ac:picMkLst>
-        </pc:picChg>
-        <pc:picChg chg="del">
-          <ac:chgData name="lagwaitf lagwaitf" userId="7c35877e37998161" providerId="LiveId" clId="{C2F83FF3-E7F1-4077-BD21-3C09DD116A3E}" dt="2021-05-01T09:32:35.615" v="331" actId="478"/>
-          <ac:picMkLst>
-            <pc:docMk/>
-            <pc:sldMk cId="434976539" sldId="272"/>
-            <ac:picMk id="15" creationId="{22CCE29F-3274-4EEE-B538-C5DCD9F945FC}"/>
-          </ac:picMkLst>
-        </pc:picChg>
-        <pc:picChg chg="del">
-          <ac:chgData name="lagwaitf lagwaitf" userId="7c35877e37998161" providerId="LiveId" clId="{C2F83FF3-E7F1-4077-BD21-3C09DD116A3E}" dt="2021-05-01T09:32:30.592" v="328" actId="478"/>
-          <ac:picMkLst>
-            <pc:docMk/>
-            <pc:sldMk cId="434976539" sldId="272"/>
-            <ac:picMk id="17" creationId="{A9E0ACD0-9726-4DC2-9E6B-B26B25A8958F}"/>
-          </ac:picMkLst>
-        </pc:picChg>
-        <pc:picChg chg="del">
-          <ac:chgData name="lagwaitf lagwaitf" userId="7c35877e37998161" providerId="LiveId" clId="{C2F83FF3-E7F1-4077-BD21-3C09DD116A3E}" dt="2021-05-01T09:32:36.149" v="332" actId="478"/>
-          <ac:picMkLst>
-            <pc:docMk/>
-            <pc:sldMk cId="434976539" sldId="272"/>
-            <ac:picMk id="19" creationId="{E69F5F2C-B02D-4569-849B-5F9439B84BFC}"/>
-          </ac:picMkLst>
-        </pc:picChg>
-      </pc:sldChg>
-      <pc:sldChg chg="del">
-        <pc:chgData name="lagwaitf lagwaitf" userId="7c35877e37998161" providerId="LiveId" clId="{C2F83FF3-E7F1-4077-BD21-3C09DD116A3E}" dt="2021-05-01T09:26:16.319" v="298" actId="47"/>
-        <pc:sldMkLst>
-          <pc:docMk/>
-          <pc:sldMk cId="1886195545" sldId="272"/>
-        </pc:sldMkLst>
-      </pc:sldChg>
-      <pc:sldChg chg="addSp delSp modSp add">
-        <pc:chgData name="lagwaitf lagwaitf" userId="7c35877e37998161" providerId="LiveId" clId="{C2F83FF3-E7F1-4077-BD21-3C09DD116A3E}" dt="2021-05-01T09:32:50.324" v="335" actId="931"/>
-        <pc:sldMkLst>
-          <pc:docMk/>
-          <pc:sldMk cId="1961585948" sldId="273"/>
-        </pc:sldMkLst>
-        <pc:spChg chg="del">
-          <ac:chgData name="lagwaitf lagwaitf" userId="7c35877e37998161" providerId="LiveId" clId="{C2F83FF3-E7F1-4077-BD21-3C09DD116A3E}" dt="2021-05-01T09:32:50.324" v="335" actId="931"/>
-          <ac:spMkLst>
-            <pc:docMk/>
-            <pc:sldMk cId="1961585948" sldId="273"/>
-            <ac:spMk id="13" creationId="{84CE27E3-25AB-4505-BE0D-37732875BA0A}"/>
-          </ac:spMkLst>
-        </pc:spChg>
-        <pc:picChg chg="add mod">
-          <ac:chgData name="lagwaitf lagwaitf" userId="7c35877e37998161" providerId="LiveId" clId="{C2F83FF3-E7F1-4077-BD21-3C09DD116A3E}" dt="2021-05-01T09:32:50.324" v="335" actId="931"/>
-          <ac:picMkLst>
-            <pc:docMk/>
-            <pc:sldMk cId="1961585948" sldId="273"/>
-            <ac:picMk id="5" creationId="{FFB37A71-1403-465A-A653-1935909E5DB3}"/>
-          </ac:picMkLst>
-        </pc:picChg>
-      </pc:sldChg>
-      <pc:sldChg chg="del">
-        <pc:chgData name="lagwaitf lagwaitf" userId="7c35877e37998161" providerId="LiveId" clId="{C2F83FF3-E7F1-4077-BD21-3C09DD116A3E}" dt="2021-05-01T09:26:10.891" v="294" actId="47"/>
-        <pc:sldMkLst>
-          <pc:docMk/>
-          <pc:sldMk cId="2876473355" sldId="273"/>
-        </pc:sldMkLst>
-      </pc:sldChg>
-      <pc:sldChg chg="del">
-        <pc:chgData name="lagwaitf lagwaitf" userId="7c35877e37998161" providerId="LiveId" clId="{C2F83FF3-E7F1-4077-BD21-3C09DD116A3E}" dt="2021-05-01T09:26:11.741" v="295" actId="47"/>
-        <pc:sldMkLst>
-          <pc:docMk/>
-          <pc:sldMk cId="801354930" sldId="274"/>
-        </pc:sldMkLst>
-      </pc:sldChg>
-      <pc:sldChg chg="addSp delSp modSp add mod">
-        <pc:chgData name="lagwaitf lagwaitf" userId="7c35877e37998161" providerId="LiveId" clId="{C2F83FF3-E7F1-4077-BD21-3C09DD116A3E}" dt="2021-05-01T09:33:03.915" v="338" actId="931"/>
-        <pc:sldMkLst>
-          <pc:docMk/>
-          <pc:sldMk cId="3684542166" sldId="274"/>
-        </pc:sldMkLst>
-        <pc:spChg chg="add del mod">
-          <ac:chgData name="lagwaitf lagwaitf" userId="7c35877e37998161" providerId="LiveId" clId="{C2F83FF3-E7F1-4077-BD21-3C09DD116A3E}" dt="2021-05-01T09:33:03.915" v="338" actId="931"/>
-          <ac:spMkLst>
-            <pc:docMk/>
-            <pc:sldMk cId="3684542166" sldId="274"/>
-            <ac:spMk id="7" creationId="{0714B101-1E35-49D9-96C5-571B9A07390D}"/>
-          </ac:spMkLst>
-        </pc:spChg>
-        <pc:picChg chg="del">
-          <ac:chgData name="lagwaitf lagwaitf" userId="7c35877e37998161" providerId="LiveId" clId="{C2F83FF3-E7F1-4077-BD21-3C09DD116A3E}" dt="2021-05-01T09:33:00.173" v="337" actId="478"/>
-          <ac:picMkLst>
-            <pc:docMk/>
-            <pc:sldMk cId="3684542166" sldId="274"/>
-            <ac:picMk id="5" creationId="{FFB37A71-1403-465A-A653-1935909E5DB3}"/>
-          </ac:picMkLst>
-        </pc:picChg>
-        <pc:picChg chg="add mod">
-          <ac:chgData name="lagwaitf lagwaitf" userId="7c35877e37998161" providerId="LiveId" clId="{C2F83FF3-E7F1-4077-BD21-3C09DD116A3E}" dt="2021-05-01T09:33:03.915" v="338" actId="931"/>
-          <ac:picMkLst>
-            <pc:docMk/>
-            <pc:sldMk cId="3684542166" sldId="274"/>
-            <ac:picMk id="13" creationId="{6220AB55-F50F-4442-B2FF-2F131684043B}"/>
-          </ac:picMkLst>
-        </pc:picChg>
-      </pc:sldChg>
-      <pc:sldChg chg="del">
-        <pc:chgData name="lagwaitf lagwaitf" userId="7c35877e37998161" providerId="LiveId" clId="{C2F83FF3-E7F1-4077-BD21-3C09DD116A3E}" dt="2021-05-01T09:26:12.595" v="296" actId="47"/>
-        <pc:sldMkLst>
-          <pc:docMk/>
-          <pc:sldMk cId="1927214811" sldId="275"/>
-        </pc:sldMkLst>
       </pc:sldChg>
     </pc:docChg>
   </pc:docChgLst>
@@ -1332,6 +890,474 @@
       </pc:sldChg>
     </pc:docChg>
   </pc:docChgLst>
+  <pc:docChgLst>
+    <pc:chgData name="lagwaitf lagwaitf" userId="7c35877e37998161" providerId="LiveId" clId="{083A423D-54D3-4787-B918-C9E4C7E1DBCD}"/>
+    <pc:docChg chg="modSld">
+      <pc:chgData name="lagwaitf lagwaitf" userId="7c35877e37998161" providerId="LiveId" clId="{083A423D-54D3-4787-B918-C9E4C7E1DBCD}" dt="2021-03-10T14:54:12.466" v="55" actId="20577"/>
+      <pc:docMkLst>
+        <pc:docMk/>
+      </pc:docMkLst>
+      <pc:sldChg chg="modSp mod">
+        <pc:chgData name="lagwaitf lagwaitf" userId="7c35877e37998161" providerId="LiveId" clId="{083A423D-54D3-4787-B918-C9E4C7E1DBCD}" dt="2021-03-10T14:49:57.379" v="53" actId="20577"/>
+        <pc:sldMkLst>
+          <pc:docMk/>
+          <pc:sldMk cId="717878367" sldId="256"/>
+        </pc:sldMkLst>
+        <pc:spChg chg="mod">
+          <ac:chgData name="lagwaitf lagwaitf" userId="7c35877e37998161" providerId="LiveId" clId="{083A423D-54D3-4787-B918-C9E4C7E1DBCD}" dt="2021-03-10T14:49:57.379" v="53" actId="20577"/>
+          <ac:spMkLst>
+            <pc:docMk/>
+            <pc:sldMk cId="717878367" sldId="256"/>
+            <ac:spMk id="2" creationId="{A95DD26F-37CC-425D-BDB6-2DEC25E2D291}"/>
+          </ac:spMkLst>
+        </pc:spChg>
+      </pc:sldChg>
+      <pc:sldChg chg="modSp mod">
+        <pc:chgData name="lagwaitf lagwaitf" userId="7c35877e37998161" providerId="LiveId" clId="{083A423D-54D3-4787-B918-C9E4C7E1DBCD}" dt="2021-03-10T14:47:52.512" v="51" actId="20577"/>
+        <pc:sldMkLst>
+          <pc:docMk/>
+          <pc:sldMk cId="1029494975" sldId="257"/>
+        </pc:sldMkLst>
+        <pc:spChg chg="mod">
+          <ac:chgData name="lagwaitf lagwaitf" userId="7c35877e37998161" providerId="LiveId" clId="{083A423D-54D3-4787-B918-C9E4C7E1DBCD}" dt="2021-03-10T14:47:52.512" v="51" actId="20577"/>
+          <ac:spMkLst>
+            <pc:docMk/>
+            <pc:sldMk cId="1029494975" sldId="257"/>
+            <ac:spMk id="3" creationId="{A0C7ACD6-AD37-445C-8456-6AFEF083DEA0}"/>
+          </ac:spMkLst>
+        </pc:spChg>
+      </pc:sldChg>
+      <pc:sldChg chg="modSp mod">
+        <pc:chgData name="lagwaitf lagwaitf" userId="7c35877e37998161" providerId="LiveId" clId="{083A423D-54D3-4787-B918-C9E4C7E1DBCD}" dt="2021-03-10T14:54:12.466" v="55" actId="20577"/>
+        <pc:sldMkLst>
+          <pc:docMk/>
+          <pc:sldMk cId="2775450203" sldId="259"/>
+        </pc:sldMkLst>
+        <pc:spChg chg="mod">
+          <ac:chgData name="lagwaitf lagwaitf" userId="7c35877e37998161" providerId="LiveId" clId="{083A423D-54D3-4787-B918-C9E4C7E1DBCD}" dt="2021-03-10T14:54:12.466" v="55" actId="20577"/>
+          <ac:spMkLst>
+            <pc:docMk/>
+            <pc:sldMk cId="2775450203" sldId="259"/>
+            <ac:spMk id="3" creationId="{A0C7ACD6-AD37-445C-8456-6AFEF083DEA0}"/>
+          </ac:spMkLst>
+        </pc:spChg>
+      </pc:sldChg>
+    </pc:docChg>
+  </pc:docChgLst>
+  <pc:docChgLst>
+    <pc:chgData name="lagwaitf lagwaitf" userId="7c35877e37998161" providerId="LiveId" clId="{C2F83FF3-E7F1-4077-BD21-3C09DD116A3E}"/>
+    <pc:docChg chg="undo custSel addSld delSld modSld">
+      <pc:chgData name="lagwaitf lagwaitf" userId="7c35877e37998161" providerId="LiveId" clId="{C2F83FF3-E7F1-4077-BD21-3C09DD116A3E}" dt="2021-05-01T09:33:03.915" v="338" actId="931"/>
+      <pc:docMkLst>
+        <pc:docMk/>
+      </pc:docMkLst>
+      <pc:sldChg chg="modSp mod">
+        <pc:chgData name="lagwaitf lagwaitf" userId="7c35877e37998161" providerId="LiveId" clId="{C2F83FF3-E7F1-4077-BD21-3C09DD116A3E}" dt="2021-05-01T09:16:02.796" v="17" actId="20577"/>
+        <pc:sldMkLst>
+          <pc:docMk/>
+          <pc:sldMk cId="717878367" sldId="256"/>
+        </pc:sldMkLst>
+        <pc:spChg chg="mod">
+          <ac:chgData name="lagwaitf lagwaitf" userId="7c35877e37998161" providerId="LiveId" clId="{C2F83FF3-E7F1-4077-BD21-3C09DD116A3E}" dt="2021-05-01T09:16:02.796" v="17" actId="20577"/>
+          <ac:spMkLst>
+            <pc:docMk/>
+            <pc:sldMk cId="717878367" sldId="256"/>
+            <ac:spMk id="2" creationId="{A95DD26F-37CC-425D-BDB6-2DEC25E2D291}"/>
+          </ac:spMkLst>
+        </pc:spChg>
+      </pc:sldChg>
+      <pc:sldChg chg="modSp mod">
+        <pc:chgData name="lagwaitf lagwaitf" userId="7c35877e37998161" providerId="LiveId" clId="{C2F83FF3-E7F1-4077-BD21-3C09DD116A3E}" dt="2021-05-01T09:22:35.501" v="233" actId="20577"/>
+        <pc:sldMkLst>
+          <pc:docMk/>
+          <pc:sldMk cId="1029494975" sldId="257"/>
+        </pc:sldMkLst>
+        <pc:spChg chg="mod">
+          <ac:chgData name="lagwaitf lagwaitf" userId="7c35877e37998161" providerId="LiveId" clId="{C2F83FF3-E7F1-4077-BD21-3C09DD116A3E}" dt="2021-05-01T09:22:35.501" v="233" actId="20577"/>
+          <ac:spMkLst>
+            <pc:docMk/>
+            <pc:sldMk cId="1029494975" sldId="257"/>
+            <ac:spMk id="3" creationId="{A0C7ACD6-AD37-445C-8456-6AFEF083DEA0}"/>
+          </ac:spMkLst>
+        </pc:spChg>
+      </pc:sldChg>
+      <pc:sldChg chg="addSp delSp modSp mod">
+        <pc:chgData name="lagwaitf lagwaitf" userId="7c35877e37998161" providerId="LiveId" clId="{C2F83FF3-E7F1-4077-BD21-3C09DD116A3E}" dt="2021-05-01T09:23:47.880" v="252" actId="478"/>
+        <pc:sldMkLst>
+          <pc:docMk/>
+          <pc:sldMk cId="2775450203" sldId="259"/>
+        </pc:sldMkLst>
+        <pc:spChg chg="mod">
+          <ac:chgData name="lagwaitf lagwaitf" userId="7c35877e37998161" providerId="LiveId" clId="{C2F83FF3-E7F1-4077-BD21-3C09DD116A3E}" dt="2021-05-01T09:23:43.535" v="251" actId="207"/>
+          <ac:spMkLst>
+            <pc:docMk/>
+            <pc:sldMk cId="2775450203" sldId="259"/>
+            <ac:spMk id="2" creationId="{527E05EC-AE41-41FA-B468-915355073CF3}"/>
+          </ac:spMkLst>
+        </pc:spChg>
+        <pc:spChg chg="add mod">
+          <ac:chgData name="lagwaitf lagwaitf" userId="7c35877e37998161" providerId="LiveId" clId="{C2F83FF3-E7F1-4077-BD21-3C09DD116A3E}" dt="2021-05-01T09:23:47.880" v="252" actId="478"/>
+          <ac:spMkLst>
+            <pc:docMk/>
+            <pc:sldMk cId="2775450203" sldId="259"/>
+            <ac:spMk id="6" creationId="{63902851-B09D-4896-9F06-36EC5EBE7067}"/>
+          </ac:spMkLst>
+        </pc:spChg>
+        <pc:picChg chg="del">
+          <ac:chgData name="lagwaitf lagwaitf" userId="7c35877e37998161" providerId="LiveId" clId="{C2F83FF3-E7F1-4077-BD21-3C09DD116A3E}" dt="2021-05-01T09:23:47.880" v="252" actId="478"/>
+          <ac:picMkLst>
+            <pc:docMk/>
+            <pc:sldMk cId="2775450203" sldId="259"/>
+            <ac:picMk id="9" creationId="{C7ECFE08-F368-4BC8-B0CF-B663CC963334}"/>
+          </ac:picMkLst>
+        </pc:picChg>
+      </pc:sldChg>
+      <pc:sldChg chg="delSp modSp mod">
+        <pc:chgData name="lagwaitf lagwaitf" userId="7c35877e37998161" providerId="LiveId" clId="{C2F83FF3-E7F1-4077-BD21-3C09DD116A3E}" dt="2021-05-01T09:24:47.436" v="266" actId="478"/>
+        <pc:sldMkLst>
+          <pc:docMk/>
+          <pc:sldMk cId="2215218170" sldId="260"/>
+        </pc:sldMkLst>
+        <pc:spChg chg="mod">
+          <ac:chgData name="lagwaitf lagwaitf" userId="7c35877e37998161" providerId="LiveId" clId="{C2F83FF3-E7F1-4077-BD21-3C09DD116A3E}" dt="2021-05-01T09:24:07.561" v="256" actId="20577"/>
+          <ac:spMkLst>
+            <pc:docMk/>
+            <pc:sldMk cId="2215218170" sldId="260"/>
+            <ac:spMk id="2" creationId="{527E05EC-AE41-41FA-B468-915355073CF3}"/>
+          </ac:spMkLst>
+        </pc:spChg>
+        <pc:picChg chg="del">
+          <ac:chgData name="lagwaitf lagwaitf" userId="7c35877e37998161" providerId="LiveId" clId="{C2F83FF3-E7F1-4077-BD21-3C09DD116A3E}" dt="2021-05-01T09:24:47.436" v="266" actId="478"/>
+          <ac:picMkLst>
+            <pc:docMk/>
+            <pc:sldMk cId="2215218170" sldId="260"/>
+            <ac:picMk id="9" creationId="{8D7608C0-B015-45DB-A8A0-A251CD71D8A3}"/>
+          </ac:picMkLst>
+        </pc:picChg>
+      </pc:sldChg>
+      <pc:sldChg chg="delSp modSp mod">
+        <pc:chgData name="lagwaitf lagwaitf" userId="7c35877e37998161" providerId="LiveId" clId="{C2F83FF3-E7F1-4077-BD21-3C09DD116A3E}" dt="2021-05-01T09:24:45.696" v="265" actId="478"/>
+        <pc:sldMkLst>
+          <pc:docMk/>
+          <pc:sldMk cId="3176468876" sldId="261"/>
+        </pc:sldMkLst>
+        <pc:spChg chg="mod">
+          <ac:chgData name="lagwaitf lagwaitf" userId="7c35877e37998161" providerId="LiveId" clId="{C2F83FF3-E7F1-4077-BD21-3C09DD116A3E}" dt="2021-05-01T09:24:34.725" v="264" actId="27636"/>
+          <ac:spMkLst>
+            <pc:docMk/>
+            <pc:sldMk cId="3176468876" sldId="261"/>
+            <ac:spMk id="2" creationId="{527E05EC-AE41-41FA-B468-915355073CF3}"/>
+          </ac:spMkLst>
+        </pc:spChg>
+        <pc:picChg chg="del">
+          <ac:chgData name="lagwaitf lagwaitf" userId="7c35877e37998161" providerId="LiveId" clId="{C2F83FF3-E7F1-4077-BD21-3C09DD116A3E}" dt="2021-05-01T09:24:45.696" v="265" actId="478"/>
+          <ac:picMkLst>
+            <pc:docMk/>
+            <pc:sldMk cId="3176468876" sldId="261"/>
+            <ac:picMk id="9" creationId="{3CDFE918-47A9-43FB-B5D4-8F79EF963512}"/>
+          </ac:picMkLst>
+        </pc:picChg>
+      </pc:sldChg>
+      <pc:sldChg chg="del">
+        <pc:chgData name="lagwaitf lagwaitf" userId="7c35877e37998161" providerId="LiveId" clId="{C2F83FF3-E7F1-4077-BD21-3C09DD116A3E}" dt="2021-05-01T09:26:08.789" v="292" actId="47"/>
+        <pc:sldMkLst>
+          <pc:docMk/>
+          <pc:sldMk cId="2500813527" sldId="262"/>
+        </pc:sldMkLst>
+      </pc:sldChg>
+      <pc:sldChg chg="del">
+        <pc:chgData name="lagwaitf lagwaitf" userId="7c35877e37998161" providerId="LiveId" clId="{C2F83FF3-E7F1-4077-BD21-3C09DD116A3E}" dt="2021-05-01T09:26:09.721" v="293" actId="47"/>
+        <pc:sldMkLst>
+          <pc:docMk/>
+          <pc:sldMk cId="4269403743" sldId="263"/>
+        </pc:sldMkLst>
+      </pc:sldChg>
+      <pc:sldChg chg="delSp modSp mod">
+        <pc:chgData name="lagwaitf lagwaitf" userId="7c35877e37998161" providerId="LiveId" clId="{C2F83FF3-E7F1-4077-BD21-3C09DD116A3E}" dt="2021-05-01T09:25:42.867" v="283" actId="478"/>
+        <pc:sldMkLst>
+          <pc:docMk/>
+          <pc:sldMk cId="51845631" sldId="267"/>
+        </pc:sldMkLst>
+        <pc:spChg chg="mod">
+          <ac:chgData name="lagwaitf lagwaitf" userId="7c35877e37998161" providerId="LiveId" clId="{C2F83FF3-E7F1-4077-BD21-3C09DD116A3E}" dt="2021-05-01T09:25:39.547" v="282" actId="27636"/>
+          <ac:spMkLst>
+            <pc:docMk/>
+            <pc:sldMk cId="51845631" sldId="267"/>
+            <ac:spMk id="2" creationId="{527E05EC-AE41-41FA-B468-915355073CF3}"/>
+          </ac:spMkLst>
+        </pc:spChg>
+        <pc:picChg chg="del">
+          <ac:chgData name="lagwaitf lagwaitf" userId="7c35877e37998161" providerId="LiveId" clId="{C2F83FF3-E7F1-4077-BD21-3C09DD116A3E}" dt="2021-05-01T09:25:42.867" v="283" actId="478"/>
+          <ac:picMkLst>
+            <pc:docMk/>
+            <pc:sldMk cId="51845631" sldId="267"/>
+            <ac:picMk id="9" creationId="{5BEB6A67-3AE5-4A64-A77C-57E743072561}"/>
+          </ac:picMkLst>
+        </pc:picChg>
+      </pc:sldChg>
+      <pc:sldChg chg="addSp delSp modSp mod">
+        <pc:chgData name="lagwaitf lagwaitf" userId="7c35877e37998161" providerId="LiveId" clId="{C2F83FF3-E7F1-4077-BD21-3C09DD116A3E}" dt="2021-05-01T09:30:40.252" v="326" actId="1076"/>
+        <pc:sldMkLst>
+          <pc:docMk/>
+          <pc:sldMk cId="3962139122" sldId="268"/>
+        </pc:sldMkLst>
+        <pc:spChg chg="mod">
+          <ac:chgData name="lagwaitf lagwaitf" userId="7c35877e37998161" providerId="LiveId" clId="{C2F83FF3-E7F1-4077-BD21-3C09DD116A3E}" dt="2021-05-01T09:26:03.539" v="289" actId="207"/>
+          <ac:spMkLst>
+            <pc:docMk/>
+            <pc:sldMk cId="3962139122" sldId="268"/>
+            <ac:spMk id="2" creationId="{527E05EC-AE41-41FA-B468-915355073CF3}"/>
+          </ac:spMkLst>
+        </pc:spChg>
+        <pc:spChg chg="add del mod">
+          <ac:chgData name="lagwaitf lagwaitf" userId="7c35877e37998161" providerId="LiveId" clId="{C2F83FF3-E7F1-4077-BD21-3C09DD116A3E}" dt="2021-05-01T09:29:07.369" v="299" actId="931"/>
+          <ac:spMkLst>
+            <pc:docMk/>
+            <pc:sldMk cId="3962139122" sldId="268"/>
+            <ac:spMk id="5" creationId="{B1B40B53-9882-4A20-B063-C0B3F0C296FE}"/>
+          </ac:spMkLst>
+        </pc:spChg>
+        <pc:picChg chg="add mod">
+          <ac:chgData name="lagwaitf lagwaitf" userId="7c35877e37998161" providerId="LiveId" clId="{C2F83FF3-E7F1-4077-BD21-3C09DD116A3E}" dt="2021-05-01T09:30:32.860" v="323" actId="1076"/>
+          <ac:picMkLst>
+            <pc:docMk/>
+            <pc:sldMk cId="3962139122" sldId="268"/>
+            <ac:picMk id="9" creationId="{E63A7FF3-444E-4121-A502-BD0A6615C1B4}"/>
+          </ac:picMkLst>
+        </pc:picChg>
+        <pc:picChg chg="del">
+          <ac:chgData name="lagwaitf lagwaitf" userId="7c35877e37998161" providerId="LiveId" clId="{C2F83FF3-E7F1-4077-BD21-3C09DD116A3E}" dt="2021-05-01T09:26:06.892" v="290" actId="478"/>
+          <ac:picMkLst>
+            <pc:docMk/>
+            <pc:sldMk cId="3962139122" sldId="268"/>
+            <ac:picMk id="13" creationId="{9AA8BB2E-52A1-494C-9716-628A1E026BD5}"/>
+          </ac:picMkLst>
+        </pc:picChg>
+        <pc:picChg chg="add mod">
+          <ac:chgData name="lagwaitf lagwaitf" userId="7c35877e37998161" providerId="LiveId" clId="{C2F83FF3-E7F1-4077-BD21-3C09DD116A3E}" dt="2021-05-01T09:30:30.143" v="321" actId="1076"/>
+          <ac:picMkLst>
+            <pc:docMk/>
+            <pc:sldMk cId="3962139122" sldId="268"/>
+            <ac:picMk id="15" creationId="{22CCE29F-3274-4EEE-B538-C5DCD9F945FC}"/>
+          </ac:picMkLst>
+        </pc:picChg>
+        <pc:picChg chg="add mod">
+          <ac:chgData name="lagwaitf lagwaitf" userId="7c35877e37998161" providerId="LiveId" clId="{C2F83FF3-E7F1-4077-BD21-3C09DD116A3E}" dt="2021-05-01T09:30:40.252" v="326" actId="1076"/>
+          <ac:picMkLst>
+            <pc:docMk/>
+            <pc:sldMk cId="3962139122" sldId="268"/>
+            <ac:picMk id="17" creationId="{A9E0ACD0-9726-4DC2-9E6B-B26B25A8958F}"/>
+          </ac:picMkLst>
+        </pc:picChg>
+        <pc:picChg chg="add mod">
+          <ac:chgData name="lagwaitf lagwaitf" userId="7c35877e37998161" providerId="LiveId" clId="{C2F83FF3-E7F1-4077-BD21-3C09DD116A3E}" dt="2021-05-01T09:30:31.348" v="322" actId="1076"/>
+          <ac:picMkLst>
+            <pc:docMk/>
+            <pc:sldMk cId="3962139122" sldId="268"/>
+            <ac:picMk id="19" creationId="{E69F5F2C-B02D-4569-849B-5F9439B84BFC}"/>
+          </ac:picMkLst>
+        </pc:picChg>
+        <pc:picChg chg="del">
+          <ac:chgData name="lagwaitf lagwaitf" userId="7c35877e37998161" providerId="LiveId" clId="{C2F83FF3-E7F1-4077-BD21-3C09DD116A3E}" dt="2021-05-01T09:26:07.491" v="291" actId="478"/>
+          <ac:picMkLst>
+            <pc:docMk/>
+            <pc:sldMk cId="3962139122" sldId="268"/>
+            <ac:picMk id="23" creationId="{59633086-8CFC-474F-AE96-AB8DAE82FD09}"/>
+          </ac:picMkLst>
+        </pc:picChg>
+      </pc:sldChg>
+      <pc:sldChg chg="delSp modSp mod">
+        <pc:chgData name="lagwaitf lagwaitf" userId="7c35877e37998161" providerId="LiveId" clId="{C2F83FF3-E7F1-4077-BD21-3C09DD116A3E}" dt="2021-05-01T09:25:14.078" v="275" actId="255"/>
+        <pc:sldMkLst>
+          <pc:docMk/>
+          <pc:sldMk cId="2809134784" sldId="269"/>
+        </pc:sldMkLst>
+        <pc:spChg chg="mod">
+          <ac:chgData name="lagwaitf lagwaitf" userId="7c35877e37998161" providerId="LiveId" clId="{C2F83FF3-E7F1-4077-BD21-3C09DD116A3E}" dt="2021-05-01T09:25:14.078" v="275" actId="255"/>
+          <ac:spMkLst>
+            <pc:docMk/>
+            <pc:sldMk cId="2809134784" sldId="269"/>
+            <ac:spMk id="2" creationId="{527E05EC-AE41-41FA-B468-915355073CF3}"/>
+          </ac:spMkLst>
+        </pc:spChg>
+        <pc:picChg chg="del">
+          <ac:chgData name="lagwaitf lagwaitf" userId="7c35877e37998161" providerId="LiveId" clId="{C2F83FF3-E7F1-4077-BD21-3C09DD116A3E}" dt="2021-05-01T09:24:54.355" v="267" actId="478"/>
+          <ac:picMkLst>
+            <pc:docMk/>
+            <pc:sldMk cId="2809134784" sldId="269"/>
+            <ac:picMk id="7" creationId="{71E61600-D839-4D07-9754-6AB7FB8E6953}"/>
+          </ac:picMkLst>
+        </pc:picChg>
+      </pc:sldChg>
+      <pc:sldChg chg="del">
+        <pc:chgData name="lagwaitf lagwaitf" userId="7c35877e37998161" providerId="LiveId" clId="{C2F83FF3-E7F1-4077-BD21-3C09DD116A3E}" dt="2021-05-01T09:26:14.972" v="297" actId="47"/>
+        <pc:sldMkLst>
+          <pc:docMk/>
+          <pc:sldMk cId="3415186053" sldId="270"/>
+        </pc:sldMkLst>
+      </pc:sldChg>
+      <pc:sldChg chg="modSp mod">
+        <pc:chgData name="lagwaitf lagwaitf" userId="7c35877e37998161" providerId="LiveId" clId="{C2F83FF3-E7F1-4077-BD21-3C09DD116A3E}" dt="2021-05-01T09:23:21.965" v="247" actId="5793"/>
+        <pc:sldMkLst>
+          <pc:docMk/>
+          <pc:sldMk cId="1394492894" sldId="271"/>
+        </pc:sldMkLst>
+        <pc:spChg chg="mod">
+          <ac:chgData name="lagwaitf lagwaitf" userId="7c35877e37998161" providerId="LiveId" clId="{C2F83FF3-E7F1-4077-BD21-3C09DD116A3E}" dt="2021-05-01T09:23:01.880" v="238" actId="27636"/>
+          <ac:spMkLst>
+            <pc:docMk/>
+            <pc:sldMk cId="1394492894" sldId="271"/>
+            <ac:spMk id="2" creationId="{527E05EC-AE41-41FA-B468-915355073CF3}"/>
+          </ac:spMkLst>
+        </pc:spChg>
+        <pc:spChg chg="mod">
+          <ac:chgData name="lagwaitf lagwaitf" userId="7c35877e37998161" providerId="LiveId" clId="{C2F83FF3-E7F1-4077-BD21-3C09DD116A3E}" dt="2021-05-01T09:23:21.965" v="247" actId="5793"/>
+          <ac:spMkLst>
+            <pc:docMk/>
+            <pc:sldMk cId="1394492894" sldId="271"/>
+            <ac:spMk id="3" creationId="{A0C7ACD6-AD37-445C-8456-6AFEF083DEA0}"/>
+          </ac:spMkLst>
+        </pc:spChg>
+      </pc:sldChg>
+      <pc:sldChg chg="addSp delSp modSp add mod">
+        <pc:chgData name="lagwaitf lagwaitf" userId="7c35877e37998161" providerId="LiveId" clId="{C2F83FF3-E7F1-4077-BD21-3C09DD116A3E}" dt="2021-05-01T09:32:36.774" v="333" actId="478"/>
+        <pc:sldMkLst>
+          <pc:docMk/>
+          <pc:sldMk cId="434976539" sldId="272"/>
+        </pc:sldMkLst>
+        <pc:spChg chg="add del mod">
+          <ac:chgData name="lagwaitf lagwaitf" userId="7c35877e37998161" providerId="LiveId" clId="{C2F83FF3-E7F1-4077-BD21-3C09DD116A3E}" dt="2021-05-01T09:32:34.453" v="330" actId="478"/>
+          <ac:spMkLst>
+            <pc:docMk/>
+            <pc:sldMk cId="434976539" sldId="272"/>
+            <ac:spMk id="5" creationId="{5D02EE3E-C113-4715-8EBC-9559D57AA10C}"/>
+          </ac:spMkLst>
+        </pc:spChg>
+        <pc:spChg chg="add mod">
+          <ac:chgData name="lagwaitf lagwaitf" userId="7c35877e37998161" providerId="LiveId" clId="{C2F83FF3-E7F1-4077-BD21-3C09DD116A3E}" dt="2021-05-01T09:32:36.774" v="333" actId="478"/>
+          <ac:spMkLst>
+            <pc:docMk/>
+            <pc:sldMk cId="434976539" sldId="272"/>
+            <ac:spMk id="13" creationId="{84CE27E3-25AB-4505-BE0D-37732875BA0A}"/>
+          </ac:spMkLst>
+        </pc:spChg>
+        <pc:picChg chg="add del">
+          <ac:chgData name="lagwaitf lagwaitf" userId="7c35877e37998161" providerId="LiveId" clId="{C2F83FF3-E7F1-4077-BD21-3C09DD116A3E}" dt="2021-05-01T09:32:36.774" v="333" actId="478"/>
+          <ac:picMkLst>
+            <pc:docMk/>
+            <pc:sldMk cId="434976539" sldId="272"/>
+            <ac:picMk id="9" creationId="{E63A7FF3-444E-4121-A502-BD0A6615C1B4}"/>
+          </ac:picMkLst>
+        </pc:picChg>
+        <pc:picChg chg="del">
+          <ac:chgData name="lagwaitf lagwaitf" userId="7c35877e37998161" providerId="LiveId" clId="{C2F83FF3-E7F1-4077-BD21-3C09DD116A3E}" dt="2021-05-01T09:32:35.615" v="331" actId="478"/>
+          <ac:picMkLst>
+            <pc:docMk/>
+            <pc:sldMk cId="434976539" sldId="272"/>
+            <ac:picMk id="15" creationId="{22CCE29F-3274-4EEE-B538-C5DCD9F945FC}"/>
+          </ac:picMkLst>
+        </pc:picChg>
+        <pc:picChg chg="del">
+          <ac:chgData name="lagwaitf lagwaitf" userId="7c35877e37998161" providerId="LiveId" clId="{C2F83FF3-E7F1-4077-BD21-3C09DD116A3E}" dt="2021-05-01T09:32:30.592" v="328" actId="478"/>
+          <ac:picMkLst>
+            <pc:docMk/>
+            <pc:sldMk cId="434976539" sldId="272"/>
+            <ac:picMk id="17" creationId="{A9E0ACD0-9726-4DC2-9E6B-B26B25A8958F}"/>
+          </ac:picMkLst>
+        </pc:picChg>
+        <pc:picChg chg="del">
+          <ac:chgData name="lagwaitf lagwaitf" userId="7c35877e37998161" providerId="LiveId" clId="{C2F83FF3-E7F1-4077-BD21-3C09DD116A3E}" dt="2021-05-01T09:32:36.149" v="332" actId="478"/>
+          <ac:picMkLst>
+            <pc:docMk/>
+            <pc:sldMk cId="434976539" sldId="272"/>
+            <ac:picMk id="19" creationId="{E69F5F2C-B02D-4569-849B-5F9439B84BFC}"/>
+          </ac:picMkLst>
+        </pc:picChg>
+      </pc:sldChg>
+      <pc:sldChg chg="del">
+        <pc:chgData name="lagwaitf lagwaitf" userId="7c35877e37998161" providerId="LiveId" clId="{C2F83FF3-E7F1-4077-BD21-3C09DD116A3E}" dt="2021-05-01T09:26:16.319" v="298" actId="47"/>
+        <pc:sldMkLst>
+          <pc:docMk/>
+          <pc:sldMk cId="1886195545" sldId="272"/>
+        </pc:sldMkLst>
+      </pc:sldChg>
+      <pc:sldChg chg="addSp delSp modSp add">
+        <pc:chgData name="lagwaitf lagwaitf" userId="7c35877e37998161" providerId="LiveId" clId="{C2F83FF3-E7F1-4077-BD21-3C09DD116A3E}" dt="2021-05-01T09:32:50.324" v="335" actId="931"/>
+        <pc:sldMkLst>
+          <pc:docMk/>
+          <pc:sldMk cId="1961585948" sldId="273"/>
+        </pc:sldMkLst>
+        <pc:spChg chg="del">
+          <ac:chgData name="lagwaitf lagwaitf" userId="7c35877e37998161" providerId="LiveId" clId="{C2F83FF3-E7F1-4077-BD21-3C09DD116A3E}" dt="2021-05-01T09:32:50.324" v="335" actId="931"/>
+          <ac:spMkLst>
+            <pc:docMk/>
+            <pc:sldMk cId="1961585948" sldId="273"/>
+            <ac:spMk id="13" creationId="{84CE27E3-25AB-4505-BE0D-37732875BA0A}"/>
+          </ac:spMkLst>
+        </pc:spChg>
+        <pc:picChg chg="add mod">
+          <ac:chgData name="lagwaitf lagwaitf" userId="7c35877e37998161" providerId="LiveId" clId="{C2F83FF3-E7F1-4077-BD21-3C09DD116A3E}" dt="2021-05-01T09:32:50.324" v="335" actId="931"/>
+          <ac:picMkLst>
+            <pc:docMk/>
+            <pc:sldMk cId="1961585948" sldId="273"/>
+            <ac:picMk id="5" creationId="{FFB37A71-1403-465A-A653-1935909E5DB3}"/>
+          </ac:picMkLst>
+        </pc:picChg>
+      </pc:sldChg>
+      <pc:sldChg chg="del">
+        <pc:chgData name="lagwaitf lagwaitf" userId="7c35877e37998161" providerId="LiveId" clId="{C2F83FF3-E7F1-4077-BD21-3C09DD116A3E}" dt="2021-05-01T09:26:10.891" v="294" actId="47"/>
+        <pc:sldMkLst>
+          <pc:docMk/>
+          <pc:sldMk cId="2876473355" sldId="273"/>
+        </pc:sldMkLst>
+      </pc:sldChg>
+      <pc:sldChg chg="del">
+        <pc:chgData name="lagwaitf lagwaitf" userId="7c35877e37998161" providerId="LiveId" clId="{C2F83FF3-E7F1-4077-BD21-3C09DD116A3E}" dt="2021-05-01T09:26:11.741" v="295" actId="47"/>
+        <pc:sldMkLst>
+          <pc:docMk/>
+          <pc:sldMk cId="801354930" sldId="274"/>
+        </pc:sldMkLst>
+      </pc:sldChg>
+      <pc:sldChg chg="addSp delSp modSp add mod">
+        <pc:chgData name="lagwaitf lagwaitf" userId="7c35877e37998161" providerId="LiveId" clId="{C2F83FF3-E7F1-4077-BD21-3C09DD116A3E}" dt="2021-05-01T09:33:03.915" v="338" actId="931"/>
+        <pc:sldMkLst>
+          <pc:docMk/>
+          <pc:sldMk cId="3684542166" sldId="274"/>
+        </pc:sldMkLst>
+        <pc:spChg chg="add del mod">
+          <ac:chgData name="lagwaitf lagwaitf" userId="7c35877e37998161" providerId="LiveId" clId="{C2F83FF3-E7F1-4077-BD21-3C09DD116A3E}" dt="2021-05-01T09:33:03.915" v="338" actId="931"/>
+          <ac:spMkLst>
+            <pc:docMk/>
+            <pc:sldMk cId="3684542166" sldId="274"/>
+            <ac:spMk id="7" creationId="{0714B101-1E35-49D9-96C5-571B9A07390D}"/>
+          </ac:spMkLst>
+        </pc:spChg>
+        <pc:picChg chg="del">
+          <ac:chgData name="lagwaitf lagwaitf" userId="7c35877e37998161" providerId="LiveId" clId="{C2F83FF3-E7F1-4077-BD21-3C09DD116A3E}" dt="2021-05-01T09:33:00.173" v="337" actId="478"/>
+          <ac:picMkLst>
+            <pc:docMk/>
+            <pc:sldMk cId="3684542166" sldId="274"/>
+            <ac:picMk id="5" creationId="{FFB37A71-1403-465A-A653-1935909E5DB3}"/>
+          </ac:picMkLst>
+        </pc:picChg>
+        <pc:picChg chg="add mod">
+          <ac:chgData name="lagwaitf lagwaitf" userId="7c35877e37998161" providerId="LiveId" clId="{C2F83FF3-E7F1-4077-BD21-3C09DD116A3E}" dt="2021-05-01T09:33:03.915" v="338" actId="931"/>
+          <ac:picMkLst>
+            <pc:docMk/>
+            <pc:sldMk cId="3684542166" sldId="274"/>
+            <ac:picMk id="13" creationId="{6220AB55-F50F-4442-B2FF-2F131684043B}"/>
+          </ac:picMkLst>
+        </pc:picChg>
+      </pc:sldChg>
+      <pc:sldChg chg="del">
+        <pc:chgData name="lagwaitf lagwaitf" userId="7c35877e37998161" providerId="LiveId" clId="{C2F83FF3-E7F1-4077-BD21-3C09DD116A3E}" dt="2021-05-01T09:26:12.595" v="296" actId="47"/>
+        <pc:sldMkLst>
+          <pc:docMk/>
+          <pc:sldMk cId="1927214811" sldId="275"/>
+        </pc:sldMkLst>
+      </pc:sldChg>
+    </pc:docChg>
+  </pc:docChgLst>
 </pc:chgInfo>
 </file>
 
@@ -5499,7 +5525,7 @@
         </p:spPr>
         <p:txBody>
           <a:bodyPr>
-            <a:normAutofit fontScale="90000"/>
+            <a:normAutofit/>
           </a:bodyPr>
           <a:lstStyle/>
           <a:p>
@@ -5509,7 +5535,7 @@
                   <a:srgbClr val="3F3F3F"/>
                 </a:solidFill>
               </a:rPr>
-              <a:t>VII</a:t>
+              <a:t>VI. </a:t>
             </a:r>
             <a:r>
               <a:rPr lang="fr-FR" sz="4000" dirty="0">
@@ -5517,8 +5543,52 @@
                   <a:schemeClr val="bg1"/>
                 </a:solidFill>
               </a:rPr>
-              <a:t>. Présentation de la partie : Capteurs/Actionneurs</a:t>
-            </a:r>
+              <a:t>Présentation de la partie : Web Service</a:t>
+            </a:r>
+          </a:p>
+        </p:txBody>
+      </p:sp>
+      <p:sp>
+        <p:nvSpPr>
+          <p:cNvPr id="3" name="Espace réservé du contenu 2">
+            <a:extLst>
+              <a:ext uri="{FF2B5EF4-FFF2-40B4-BE49-F238E27FC236}">
+                <a16:creationId xmlns:a16="http://schemas.microsoft.com/office/drawing/2014/main" id="{A0C7ACD6-AD37-445C-8456-6AFEF083DEA0}"/>
+              </a:ext>
+            </a:extLst>
+          </p:cNvPr>
+          <p:cNvSpPr>
+            <a:spLocks noGrp="1"/>
+          </p:cNvSpPr>
+          <p:nvPr>
+            <p:ph idx="1"/>
+          </p:nvPr>
+        </p:nvSpPr>
+        <p:spPr>
+          <a:xfrm>
+            <a:off x="1179226" y="3049325"/>
+            <a:ext cx="9833548" cy="2945574"/>
+          </a:xfrm>
+        </p:spPr>
+        <p:txBody>
+          <a:bodyPr anchor="ctr">
+            <a:normAutofit/>
+          </a:bodyPr>
+          <a:lstStyle/>
+          <a:p>
+            <a:endParaRPr lang="fr-FR" sz="1200" dirty="0">
+              <a:solidFill>
+                <a:srgbClr val="FFFFFF"/>
+              </a:solidFill>
+            </a:endParaRPr>
+          </a:p>
+          <a:p>
+            <a:pPr lvl="1"/>
+            <a:endParaRPr lang="fr-FR" sz="1600" dirty="0">
+              <a:solidFill>
+                <a:srgbClr val="FFFFFF"/>
+              </a:solidFill>
+            </a:endParaRPr>
           </a:p>
         </p:txBody>
       </p:sp>
@@ -5527,7 +5597,7 @@
           <p:cNvPr id="4" name="Espace réservé de la date 3">
             <a:extLst>
               <a:ext uri="{FF2B5EF4-FFF2-40B4-BE49-F238E27FC236}">
-                <a16:creationId xmlns:a16="http://schemas.microsoft.com/office/drawing/2014/main" id="{F9F2861F-EE6A-4DDA-8612-63A5A3242DB2}"/>
+                <a16:creationId xmlns:a16="http://schemas.microsoft.com/office/drawing/2014/main" id="{C6701E8F-0181-415A-BC56-F021E011E843}"/>
               </a:ext>
             </a:extLst>
           </p:cNvPr>
@@ -5552,10 +5622,10 @@
       </p:sp>
       <p:sp>
         <p:nvSpPr>
-          <p:cNvPr id="6" name="Espace réservé du numéro de diapositive 5">
-            <a:extLst>
-              <a:ext uri="{FF2B5EF4-FFF2-40B4-BE49-F238E27FC236}">
-                <a16:creationId xmlns:a16="http://schemas.microsoft.com/office/drawing/2014/main" id="{4B7D6948-84F6-46B1-8708-F6EB18858D49}"/>
+          <p:cNvPr id="5" name="Espace réservé du numéro de diapositive 4">
+            <a:extLst>
+              <a:ext uri="{FF2B5EF4-FFF2-40B4-BE49-F238E27FC236}">
+                <a16:creationId xmlns:a16="http://schemas.microsoft.com/office/drawing/2014/main" id="{4357EDBD-CDDF-42C0-A6F6-F78594A5AB63}"/>
               </a:ext>
             </a:extLst>
           </p:cNvPr>
@@ -5581,19 +5651,17 @@
       </p:sp>
       <p:pic>
         <p:nvPicPr>
-          <p:cNvPr id="9" name="Espace réservé du contenu 8">
-            <a:extLst>
-              <a:ext uri="{FF2B5EF4-FFF2-40B4-BE49-F238E27FC236}">
-                <a16:creationId xmlns:a16="http://schemas.microsoft.com/office/drawing/2014/main" id="{E63A7FF3-444E-4121-A502-BD0A6615C1B4}"/>
+          <p:cNvPr id="7" name="Image 6">
+            <a:extLst>
+              <a:ext uri="{FF2B5EF4-FFF2-40B4-BE49-F238E27FC236}">
+                <a16:creationId xmlns:a16="http://schemas.microsoft.com/office/drawing/2014/main" id="{16FC0863-0EA0-4CD9-B6CF-FA74C87A21B9}"/>
               </a:ext>
             </a:extLst>
           </p:cNvPr>
           <p:cNvPicPr>
-            <a:picLocks noGrp="1" noChangeAspect="1"/>
+            <a:picLocks noChangeAspect="1"/>
           </p:cNvPicPr>
-          <p:nvPr>
-            <p:ph idx="1"/>
-          </p:nvPr>
+          <p:nvPr/>
         </p:nvPicPr>
         <p:blipFill>
           <a:blip r:embed="rId3">
@@ -5609,113 +5677,8 @@
         </p:blipFill>
         <p:spPr>
           <a:xfrm>
-            <a:off x="963167" y="2184138"/>
-            <a:ext cx="1866900" cy="1866900"/>
-          </a:xfrm>
-        </p:spPr>
-      </p:pic>
-      <p:pic>
-        <p:nvPicPr>
-          <p:cNvPr id="15" name="Image 14">
-            <a:extLst>
-              <a:ext uri="{FF2B5EF4-FFF2-40B4-BE49-F238E27FC236}">
-                <a16:creationId xmlns:a16="http://schemas.microsoft.com/office/drawing/2014/main" id="{22CCE29F-3274-4EEE-B538-C5DCD9F945FC}"/>
-              </a:ext>
-            </a:extLst>
-          </p:cNvPr>
-          <p:cNvPicPr>
-            <a:picLocks noChangeAspect="1"/>
-          </p:cNvPicPr>
-          <p:nvPr/>
-        </p:nvPicPr>
-        <p:blipFill>
-          <a:blip r:embed="rId4">
-            <a:extLst>
-              <a:ext uri="{28A0092B-C50C-407E-A947-70E740481C1C}">
-                <a14:useLocalDpi xmlns:a14="http://schemas.microsoft.com/office/drawing/2010/main" val="0"/>
-              </a:ext>
-            </a:extLst>
-          </a:blip>
-          <a:stretch>
-            <a:fillRect/>
-          </a:stretch>
-        </p:blipFill>
-        <p:spPr>
-          <a:xfrm>
-            <a:off x="4416381" y="2224446"/>
-            <a:ext cx="2156148" cy="1982331"/>
-          </a:xfrm>
-          <a:prstGeom prst="rect">
-            <a:avLst/>
-          </a:prstGeom>
-        </p:spPr>
-      </p:pic>
-      <p:pic>
-        <p:nvPicPr>
-          <p:cNvPr id="17" name="Image 16">
-            <a:extLst>
-              <a:ext uri="{FF2B5EF4-FFF2-40B4-BE49-F238E27FC236}">
-                <a16:creationId xmlns:a16="http://schemas.microsoft.com/office/drawing/2014/main" id="{A9E0ACD0-9726-4DC2-9E6B-B26B25A8958F}"/>
-              </a:ext>
-            </a:extLst>
-          </p:cNvPr>
-          <p:cNvPicPr>
-            <a:picLocks noChangeAspect="1"/>
-          </p:cNvPicPr>
-          <p:nvPr/>
-        </p:nvPicPr>
-        <p:blipFill>
-          <a:blip r:embed="rId5">
-            <a:extLst>
-              <a:ext uri="{28A0092B-C50C-407E-A947-70E740481C1C}">
-                <a14:useLocalDpi xmlns:a14="http://schemas.microsoft.com/office/drawing/2010/main" val="0"/>
-              </a:ext>
-            </a:extLst>
-          </a:blip>
-          <a:stretch>
-            <a:fillRect/>
-          </a:stretch>
-        </p:blipFill>
-        <p:spPr>
-          <a:xfrm>
-            <a:off x="3265715" y="4337039"/>
-            <a:ext cx="4024714" cy="1877529"/>
-          </a:xfrm>
-          <a:prstGeom prst="rect">
-            <a:avLst/>
-          </a:prstGeom>
-        </p:spPr>
-      </p:pic>
-      <p:pic>
-        <p:nvPicPr>
-          <p:cNvPr id="19" name="Image 18" descr="Une image contenant texte, équipement électronique&#10;&#10;Description générée automatiquement">
-            <a:extLst>
-              <a:ext uri="{FF2B5EF4-FFF2-40B4-BE49-F238E27FC236}">
-                <a16:creationId xmlns:a16="http://schemas.microsoft.com/office/drawing/2014/main" id="{E69F5F2C-B02D-4569-849B-5F9439B84BFC}"/>
-              </a:ext>
-            </a:extLst>
-          </p:cNvPr>
-          <p:cNvPicPr>
-            <a:picLocks noChangeAspect="1"/>
-          </p:cNvPicPr>
-          <p:nvPr/>
-        </p:nvPicPr>
-        <p:blipFill>
-          <a:blip r:embed="rId6">
-            <a:extLst>
-              <a:ext uri="{28A0092B-C50C-407E-A947-70E740481C1C}">
-                <a14:useLocalDpi xmlns:a14="http://schemas.microsoft.com/office/drawing/2010/main" val="0"/>
-              </a:ext>
-            </a:extLst>
-          </a:blip>
-          <a:stretch>
-            <a:fillRect/>
-          </a:stretch>
-        </p:blipFill>
-        <p:spPr>
-          <a:xfrm>
-            <a:off x="7878257" y="2248243"/>
-            <a:ext cx="1866900" cy="1781175"/>
+            <a:off x="3581400" y="1482919"/>
+            <a:ext cx="3693075" cy="4885389"/>
           </a:xfrm>
           <a:prstGeom prst="rect">
             <a:avLst/>
@@ -5725,7 +5688,7 @@
     </p:spTree>
     <p:extLst>
       <p:ext uri="{BB962C8B-B14F-4D97-AF65-F5344CB8AC3E}">
-        <p14:creationId xmlns:p14="http://schemas.microsoft.com/office/powerpoint/2010/main" val="3962139122"/>
+        <p14:creationId xmlns:p14="http://schemas.microsoft.com/office/powerpoint/2010/main" val="4095485534"/>
       </p:ext>
     </p:extLst>
   </p:cSld>
@@ -6131,35 +6094,153 @@
           </a:p>
         </p:txBody>
       </p:sp>
-      <p:sp>
-        <p:nvSpPr>
-          <p:cNvPr id="13" name="Espace réservé du contenu 12">
-            <a:extLst>
-              <a:ext uri="{FF2B5EF4-FFF2-40B4-BE49-F238E27FC236}">
-                <a16:creationId xmlns:a16="http://schemas.microsoft.com/office/drawing/2014/main" id="{84CE27E3-25AB-4505-BE0D-37732875BA0A}"/>
-              </a:ext>
-            </a:extLst>
-          </p:cNvPr>
-          <p:cNvSpPr>
-            <a:spLocks noGrp="1"/>
-          </p:cNvSpPr>
+      <p:pic>
+        <p:nvPicPr>
+          <p:cNvPr id="9" name="Espace réservé du contenu 8">
+            <a:extLst>
+              <a:ext uri="{FF2B5EF4-FFF2-40B4-BE49-F238E27FC236}">
+                <a16:creationId xmlns:a16="http://schemas.microsoft.com/office/drawing/2014/main" id="{E63A7FF3-444E-4121-A502-BD0A6615C1B4}"/>
+              </a:ext>
+            </a:extLst>
+          </p:cNvPr>
+          <p:cNvPicPr>
+            <a:picLocks noGrp="1" noChangeAspect="1"/>
+          </p:cNvPicPr>
           <p:nvPr>
             <p:ph idx="1"/>
           </p:nvPr>
-        </p:nvSpPr>
-        <p:spPr/>
-        <p:txBody>
-          <a:bodyPr/>
-          <a:lstStyle/>
-          <a:p>
-            <a:endParaRPr lang="fr-FR"/>
-          </a:p>
-        </p:txBody>
-      </p:sp>
+        </p:nvPicPr>
+        <p:blipFill>
+          <a:blip r:embed="rId3">
+            <a:extLst>
+              <a:ext uri="{28A0092B-C50C-407E-A947-70E740481C1C}">
+                <a14:useLocalDpi xmlns:a14="http://schemas.microsoft.com/office/drawing/2010/main" val="0"/>
+              </a:ext>
+            </a:extLst>
+          </a:blip>
+          <a:stretch>
+            <a:fillRect/>
+          </a:stretch>
+        </p:blipFill>
+        <p:spPr>
+          <a:xfrm>
+            <a:off x="963167" y="2184138"/>
+            <a:ext cx="1866900" cy="1866900"/>
+          </a:xfrm>
+        </p:spPr>
+      </p:pic>
+      <p:pic>
+        <p:nvPicPr>
+          <p:cNvPr id="15" name="Image 14">
+            <a:extLst>
+              <a:ext uri="{FF2B5EF4-FFF2-40B4-BE49-F238E27FC236}">
+                <a16:creationId xmlns:a16="http://schemas.microsoft.com/office/drawing/2014/main" id="{22CCE29F-3274-4EEE-B538-C5DCD9F945FC}"/>
+              </a:ext>
+            </a:extLst>
+          </p:cNvPr>
+          <p:cNvPicPr>
+            <a:picLocks noChangeAspect="1"/>
+          </p:cNvPicPr>
+          <p:nvPr/>
+        </p:nvPicPr>
+        <p:blipFill>
+          <a:blip r:embed="rId4">
+            <a:extLst>
+              <a:ext uri="{28A0092B-C50C-407E-A947-70E740481C1C}">
+                <a14:useLocalDpi xmlns:a14="http://schemas.microsoft.com/office/drawing/2010/main" val="0"/>
+              </a:ext>
+            </a:extLst>
+          </a:blip>
+          <a:stretch>
+            <a:fillRect/>
+          </a:stretch>
+        </p:blipFill>
+        <p:spPr>
+          <a:xfrm>
+            <a:off x="4416381" y="2224446"/>
+            <a:ext cx="2156148" cy="1982331"/>
+          </a:xfrm>
+          <a:prstGeom prst="rect">
+            <a:avLst/>
+          </a:prstGeom>
+        </p:spPr>
+      </p:pic>
+      <p:pic>
+        <p:nvPicPr>
+          <p:cNvPr id="17" name="Image 16">
+            <a:extLst>
+              <a:ext uri="{FF2B5EF4-FFF2-40B4-BE49-F238E27FC236}">
+                <a16:creationId xmlns:a16="http://schemas.microsoft.com/office/drawing/2014/main" id="{A9E0ACD0-9726-4DC2-9E6B-B26B25A8958F}"/>
+              </a:ext>
+            </a:extLst>
+          </p:cNvPr>
+          <p:cNvPicPr>
+            <a:picLocks noChangeAspect="1"/>
+          </p:cNvPicPr>
+          <p:nvPr/>
+        </p:nvPicPr>
+        <p:blipFill>
+          <a:blip r:embed="rId5">
+            <a:extLst>
+              <a:ext uri="{28A0092B-C50C-407E-A947-70E740481C1C}">
+                <a14:useLocalDpi xmlns:a14="http://schemas.microsoft.com/office/drawing/2010/main" val="0"/>
+              </a:ext>
+            </a:extLst>
+          </a:blip>
+          <a:stretch>
+            <a:fillRect/>
+          </a:stretch>
+        </p:blipFill>
+        <p:spPr>
+          <a:xfrm>
+            <a:off x="3265715" y="4337039"/>
+            <a:ext cx="4024714" cy="1877529"/>
+          </a:xfrm>
+          <a:prstGeom prst="rect">
+            <a:avLst/>
+          </a:prstGeom>
+        </p:spPr>
+      </p:pic>
+      <p:pic>
+        <p:nvPicPr>
+          <p:cNvPr id="19" name="Image 18" descr="Une image contenant texte, équipement électronique&#10;&#10;Description générée automatiquement">
+            <a:extLst>
+              <a:ext uri="{FF2B5EF4-FFF2-40B4-BE49-F238E27FC236}">
+                <a16:creationId xmlns:a16="http://schemas.microsoft.com/office/drawing/2014/main" id="{E69F5F2C-B02D-4569-849B-5F9439B84BFC}"/>
+              </a:ext>
+            </a:extLst>
+          </p:cNvPr>
+          <p:cNvPicPr>
+            <a:picLocks noChangeAspect="1"/>
+          </p:cNvPicPr>
+          <p:nvPr/>
+        </p:nvPicPr>
+        <p:blipFill>
+          <a:blip r:embed="rId6">
+            <a:extLst>
+              <a:ext uri="{28A0092B-C50C-407E-A947-70E740481C1C}">
+                <a14:useLocalDpi xmlns:a14="http://schemas.microsoft.com/office/drawing/2010/main" val="0"/>
+              </a:ext>
+            </a:extLst>
+          </a:blip>
+          <a:stretch>
+            <a:fillRect/>
+          </a:stretch>
+        </p:blipFill>
+        <p:spPr>
+          <a:xfrm>
+            <a:off x="7878257" y="2248243"/>
+            <a:ext cx="1866900" cy="1781175"/>
+          </a:xfrm>
+          <a:prstGeom prst="rect">
+            <a:avLst/>
+          </a:prstGeom>
+        </p:spPr>
+      </p:pic>
     </p:spTree>
     <p:extLst>
       <p:ext uri="{BB962C8B-B14F-4D97-AF65-F5344CB8AC3E}">
-        <p14:creationId xmlns:p14="http://schemas.microsoft.com/office/powerpoint/2010/main" val="434976539"/>
+        <p14:creationId xmlns:p14="http://schemas.microsoft.com/office/powerpoint/2010/main" val="3962139122"/>
       </p:ext>
     </p:extLst>
   </p:cSld>
@@ -6565,45 +6646,35 @@
           </a:p>
         </p:txBody>
       </p:sp>
-      <p:pic>
-        <p:nvPicPr>
-          <p:cNvPr id="5" name="Espace réservé du contenu 4">
-            <a:extLst>
-              <a:ext uri="{FF2B5EF4-FFF2-40B4-BE49-F238E27FC236}">
-                <a16:creationId xmlns:a16="http://schemas.microsoft.com/office/drawing/2014/main" id="{FFB37A71-1403-465A-A653-1935909E5DB3}"/>
-              </a:ext>
-            </a:extLst>
-          </p:cNvPr>
-          <p:cNvPicPr>
-            <a:picLocks noGrp="1" noChangeAspect="1"/>
-          </p:cNvPicPr>
+      <p:sp>
+        <p:nvSpPr>
+          <p:cNvPr id="13" name="Espace réservé du contenu 12">
+            <a:extLst>
+              <a:ext uri="{FF2B5EF4-FFF2-40B4-BE49-F238E27FC236}">
+                <a16:creationId xmlns:a16="http://schemas.microsoft.com/office/drawing/2014/main" id="{84CE27E3-25AB-4505-BE0D-37732875BA0A}"/>
+              </a:ext>
+            </a:extLst>
+          </p:cNvPr>
+          <p:cNvSpPr>
+            <a:spLocks noGrp="1"/>
+          </p:cNvSpPr>
           <p:nvPr>
             <p:ph idx="1"/>
           </p:nvPr>
-        </p:nvPicPr>
-        <p:blipFill>
-          <a:blip r:embed="rId3">
-            <a:extLst>
-              <a:ext uri="{28A0092B-C50C-407E-A947-70E740481C1C}">
-                <a14:useLocalDpi xmlns:a14="http://schemas.microsoft.com/office/drawing/2010/main" val="0"/>
-              </a:ext>
-            </a:extLst>
-          </a:blip>
-          <a:stretch>
-            <a:fillRect/>
-          </a:stretch>
-        </p:blipFill>
-        <p:spPr>
-          <a:xfrm>
-            <a:off x="3769152" y="1825625"/>
-            <a:ext cx="4653696" cy="4351338"/>
-          </a:xfrm>
-        </p:spPr>
-      </p:pic>
+        </p:nvSpPr>
+        <p:spPr/>
+        <p:txBody>
+          <a:bodyPr/>
+          <a:lstStyle/>
+          <a:p>
+            <a:endParaRPr lang="fr-FR"/>
+          </a:p>
+        </p:txBody>
+      </p:sp>
     </p:spTree>
     <p:extLst>
       <p:ext uri="{BB962C8B-B14F-4D97-AF65-F5344CB8AC3E}">
-        <p14:creationId xmlns:p14="http://schemas.microsoft.com/office/powerpoint/2010/main" val="1961585948"/>
+        <p14:creationId xmlns:p14="http://schemas.microsoft.com/office/powerpoint/2010/main" val="434976539"/>
       </p:ext>
     </p:extLst>
   </p:cSld>
@@ -7011,10 +7082,10 @@
       </p:sp>
       <p:pic>
         <p:nvPicPr>
-          <p:cNvPr id="13" name="Espace réservé du contenu 12">
-            <a:extLst>
-              <a:ext uri="{FF2B5EF4-FFF2-40B4-BE49-F238E27FC236}">
-                <a16:creationId xmlns:a16="http://schemas.microsoft.com/office/drawing/2014/main" id="{6220AB55-F50F-4442-B2FF-2F131684043B}"/>
+          <p:cNvPr id="5" name="Espace réservé du contenu 4">
+            <a:extLst>
+              <a:ext uri="{FF2B5EF4-FFF2-40B4-BE49-F238E27FC236}">
+                <a16:creationId xmlns:a16="http://schemas.microsoft.com/office/drawing/2014/main" id="{FFB37A71-1403-465A-A653-1935909E5DB3}"/>
               </a:ext>
             </a:extLst>
           </p:cNvPr>
@@ -7039,15 +7110,15 @@
         </p:blipFill>
         <p:spPr>
           <a:xfrm>
-            <a:off x="3831595" y="1825625"/>
-            <a:ext cx="4528809" cy="4351338"/>
+            <a:off x="3769152" y="1825625"/>
+            <a:ext cx="4653696" cy="4351338"/>
           </a:xfrm>
         </p:spPr>
       </p:pic>
     </p:spTree>
     <p:extLst>
       <p:ext uri="{BB962C8B-B14F-4D97-AF65-F5344CB8AC3E}">
-        <p14:creationId xmlns:p14="http://schemas.microsoft.com/office/powerpoint/2010/main" val="3684542166"/>
+        <p14:creationId xmlns:p14="http://schemas.microsoft.com/office/powerpoint/2010/main" val="1961585948"/>
       </p:ext>
     </p:extLst>
   </p:cSld>
@@ -7367,6 +7438,450 @@
         </p:nvSpPr>
         <p:spPr>
           <a:xfrm>
+            <a:off x="1179226" y="448056"/>
+            <a:ext cx="9833548" cy="1066802"/>
+          </a:xfrm>
+        </p:spPr>
+        <p:txBody>
+          <a:bodyPr>
+            <a:normAutofit fontScale="90000"/>
+          </a:bodyPr>
+          <a:lstStyle/>
+          <a:p>
+            <a:r>
+              <a:rPr lang="fr-FR" sz="4000" dirty="0">
+                <a:solidFill>
+                  <a:srgbClr val="3F3F3F"/>
+                </a:solidFill>
+              </a:rPr>
+              <a:t>VII</a:t>
+            </a:r>
+            <a:r>
+              <a:rPr lang="fr-FR" sz="4000" dirty="0">
+                <a:solidFill>
+                  <a:schemeClr val="bg1"/>
+                </a:solidFill>
+              </a:rPr>
+              <a:t>. Présentation de la partie : Capteurs/Actionneurs</a:t>
+            </a:r>
+          </a:p>
+        </p:txBody>
+      </p:sp>
+      <p:sp>
+        <p:nvSpPr>
+          <p:cNvPr id="4" name="Espace réservé de la date 3">
+            <a:extLst>
+              <a:ext uri="{FF2B5EF4-FFF2-40B4-BE49-F238E27FC236}">
+                <a16:creationId xmlns:a16="http://schemas.microsoft.com/office/drawing/2014/main" id="{F9F2861F-EE6A-4DDA-8612-63A5A3242DB2}"/>
+              </a:ext>
+            </a:extLst>
+          </p:cNvPr>
+          <p:cNvSpPr>
+            <a:spLocks noGrp="1"/>
+          </p:cNvSpPr>
+          <p:nvPr>
+            <p:ph type="dt" sz="half" idx="10"/>
+          </p:nvPr>
+        </p:nvSpPr>
+        <p:spPr/>
+        <p:txBody>
+          <a:bodyPr/>
+          <a:lstStyle/>
+          <a:p>
+            <a:r>
+              <a:rPr lang="fr-FR"/>
+              <a:t>LP IOTIA</a:t>
+            </a:r>
+          </a:p>
+        </p:txBody>
+      </p:sp>
+      <p:sp>
+        <p:nvSpPr>
+          <p:cNvPr id="6" name="Espace réservé du numéro de diapositive 5">
+            <a:extLst>
+              <a:ext uri="{FF2B5EF4-FFF2-40B4-BE49-F238E27FC236}">
+                <a16:creationId xmlns:a16="http://schemas.microsoft.com/office/drawing/2014/main" id="{4B7D6948-84F6-46B1-8708-F6EB18858D49}"/>
+              </a:ext>
+            </a:extLst>
+          </p:cNvPr>
+          <p:cNvSpPr>
+            <a:spLocks noGrp="1"/>
+          </p:cNvSpPr>
+          <p:nvPr>
+            <p:ph type="sldNum" sz="quarter" idx="12"/>
+          </p:nvPr>
+        </p:nvSpPr>
+        <p:spPr/>
+        <p:txBody>
+          <a:bodyPr/>
+          <a:lstStyle/>
+          <a:p>
+            <a:fld id="{14B657B5-B792-44DE-9ADA-EC14684177E4}" type="slidenum">
+              <a:rPr lang="fr-FR" smtClean="0"/>
+              <a:t>14</a:t>
+            </a:fld>
+            <a:endParaRPr lang="fr-FR"/>
+          </a:p>
+        </p:txBody>
+      </p:sp>
+      <p:pic>
+        <p:nvPicPr>
+          <p:cNvPr id="13" name="Espace réservé du contenu 12">
+            <a:extLst>
+              <a:ext uri="{FF2B5EF4-FFF2-40B4-BE49-F238E27FC236}">
+                <a16:creationId xmlns:a16="http://schemas.microsoft.com/office/drawing/2014/main" id="{6220AB55-F50F-4442-B2FF-2F131684043B}"/>
+              </a:ext>
+            </a:extLst>
+          </p:cNvPr>
+          <p:cNvPicPr>
+            <a:picLocks noGrp="1" noChangeAspect="1"/>
+          </p:cNvPicPr>
+          <p:nvPr>
+            <p:ph idx="1"/>
+          </p:nvPr>
+        </p:nvPicPr>
+        <p:blipFill>
+          <a:blip r:embed="rId3">
+            <a:extLst>
+              <a:ext uri="{28A0092B-C50C-407E-A947-70E740481C1C}">
+                <a14:useLocalDpi xmlns:a14="http://schemas.microsoft.com/office/drawing/2010/main" val="0"/>
+              </a:ext>
+            </a:extLst>
+          </a:blip>
+          <a:stretch>
+            <a:fillRect/>
+          </a:stretch>
+        </p:blipFill>
+        <p:spPr>
+          <a:xfrm>
+            <a:off x="3831595" y="1825625"/>
+            <a:ext cx="4528809" cy="4351338"/>
+          </a:xfrm>
+        </p:spPr>
+      </p:pic>
+    </p:spTree>
+    <p:extLst>
+      <p:ext uri="{BB962C8B-B14F-4D97-AF65-F5344CB8AC3E}">
+        <p14:creationId xmlns:p14="http://schemas.microsoft.com/office/powerpoint/2010/main" val="3684542166"/>
+      </p:ext>
+    </p:extLst>
+  </p:cSld>
+  <p:clrMapOvr>
+    <a:overrideClrMapping bg1="dk1" tx1="lt1" bg2="dk2" tx2="lt2" accent1="accent1" accent2="accent2" accent3="accent3" accent4="accent4" accent5="accent5" accent6="accent6" hlink="hlink" folHlink="folHlink"/>
+  </p:clrMapOvr>
+</p:sld>
+</file>
+
+<file path=ppt/slides/slide15.xml><?xml version="1.0" encoding="utf-8"?>
+<p:sld xmlns:a="http://schemas.openxmlformats.org/drawingml/2006/main" xmlns:r="http://schemas.openxmlformats.org/officeDocument/2006/relationships" xmlns:p="http://schemas.openxmlformats.org/presentationml/2006/main">
+  <p:cSld>
+    <p:bg>
+      <p:bgPr>
+        <a:solidFill>
+          <a:schemeClr val="bg1"/>
+        </a:solidFill>
+        <a:effectLst/>
+      </p:bgPr>
+    </p:bg>
+    <p:spTree>
+      <p:nvGrpSpPr>
+        <p:cNvPr id="1" name=""/>
+        <p:cNvGrpSpPr/>
+        <p:nvPr/>
+      </p:nvGrpSpPr>
+      <p:grpSpPr>
+        <a:xfrm>
+          <a:off x="0" y="0"/>
+          <a:ext cx="0" cy="0"/>
+          <a:chOff x="0" y="0"/>
+          <a:chExt cx="0" cy="0"/>
+        </a:xfrm>
+      </p:grpSpPr>
+      <p:sp>
+        <p:nvSpPr>
+          <p:cNvPr id="8" name="Rectangle 7">
+            <a:extLst>
+              <a:ext uri="{FF2B5EF4-FFF2-40B4-BE49-F238E27FC236}">
+                <a16:creationId xmlns:a16="http://schemas.microsoft.com/office/drawing/2014/main" id="{D3FFFA32-D9F4-4AF9-A025-CD128AC85E32}"/>
+              </a:ext>
+              <a:ext uri="{C183D7F6-B498-43B3-948B-1728B52AA6E4}">
+                <adec:decorative xmlns:adec="http://schemas.microsoft.com/office/drawing/2017/decorative" val="1"/>
+              </a:ext>
+            </a:extLst>
+          </p:cNvPr>
+          <p:cNvSpPr>
+            <a:spLocks noGrp="1" noRot="1" noChangeAspect="1" noMove="1" noResize="1" noEditPoints="1" noAdjustHandles="1" noChangeArrowheads="1" noChangeShapeType="1" noTextEdit="1"/>
+          </p:cNvSpPr>
+          <p:nvPr>
+            <p:extLst>
+              <p:ext uri="{386F3935-93C4-4BCD-93E2-E3B085C9AB24}">
+                <p16:designElem xmlns:p16="http://schemas.microsoft.com/office/powerpoint/2015/main" val="1"/>
+              </p:ext>
+            </p:extLst>
+          </p:nvPr>
+        </p:nvSpPr>
+        <p:spPr>
+          <a:xfrm>
+            <a:off x="0" y="1360967"/>
+            <a:ext cx="12192000" cy="5497033"/>
+          </a:xfrm>
+          <a:prstGeom prst="rect">
+            <a:avLst/>
+          </a:prstGeom>
+          <a:gradFill>
+            <a:gsLst>
+              <a:gs pos="0">
+                <a:schemeClr val="accent1">
+                  <a:lumMod val="90000"/>
+                </a:schemeClr>
+              </a:gs>
+              <a:gs pos="25000">
+                <a:schemeClr val="accent1">
+                  <a:lumMod val="90000"/>
+                </a:schemeClr>
+              </a:gs>
+              <a:gs pos="94000">
+                <a:schemeClr val="bg2">
+                  <a:lumMod val="25000"/>
+                </a:schemeClr>
+              </a:gs>
+              <a:gs pos="100000">
+                <a:schemeClr val="bg2">
+                  <a:lumMod val="25000"/>
+                </a:schemeClr>
+              </a:gs>
+            </a:gsLst>
+            <a:lin ang="4200000" scaled="0"/>
+          </a:gradFill>
+          <a:ln>
+            <a:noFill/>
+          </a:ln>
+        </p:spPr>
+        <p:style>
+          <a:lnRef idx="2">
+            <a:schemeClr val="accent1">
+              <a:shade val="50000"/>
+            </a:schemeClr>
+          </a:lnRef>
+          <a:fillRef idx="1">
+            <a:schemeClr val="accent1"/>
+          </a:fillRef>
+          <a:effectRef idx="0">
+            <a:schemeClr val="accent1"/>
+          </a:effectRef>
+          <a:fontRef idx="minor">
+            <a:schemeClr val="lt1"/>
+          </a:fontRef>
+        </p:style>
+        <p:txBody>
+          <a:bodyPr rtlCol="0" anchor="ctr"/>
+          <a:lstStyle/>
+          <a:p>
+            <a:pPr algn="ctr"/>
+            <a:endParaRPr lang="en-US"/>
+          </a:p>
+        </p:txBody>
+      </p:sp>
+      <p:grpSp>
+        <p:nvGrpSpPr>
+          <p:cNvPr id="10" name="Group 9">
+            <a:extLst>
+              <a:ext uri="{FF2B5EF4-FFF2-40B4-BE49-F238E27FC236}">
+                <a16:creationId xmlns:a16="http://schemas.microsoft.com/office/drawing/2014/main" id="{2823A416-999C-4FA3-A853-0AE48404B5D7}"/>
+              </a:ext>
+              <a:ext uri="{C183D7F6-B498-43B3-948B-1728B52AA6E4}">
+                <adec:decorative xmlns:adec="http://schemas.microsoft.com/office/drawing/2017/decorative" val="1"/>
+              </a:ext>
+            </a:extLst>
+          </p:cNvPr>
+          <p:cNvGrpSpPr>
+            <a:grpSpLocks noGrp="1" noUngrp="1" noRot="1" noChangeAspect="1" noMove="1" noResize="1"/>
+          </p:cNvGrpSpPr>
+          <p:nvPr>
+            <p:extLst>
+              <p:ext uri="{386F3935-93C4-4BCD-93E2-E3B085C9AB24}">
+                <p16:designElem xmlns:p16="http://schemas.microsoft.com/office/powerpoint/2015/main" val="1"/>
+              </p:ext>
+            </p:extLst>
+          </p:nvPr>
+        </p:nvGrpSpPr>
+        <p:grpSpPr>
+          <a:xfrm flipV="1">
+            <a:off x="0" y="0"/>
+            <a:ext cx="12192000" cy="3049325"/>
+            <a:chOff x="0" y="3808676"/>
+            <a:chExt cx="12192000" cy="3049325"/>
+          </a:xfrm>
+        </p:grpSpPr>
+        <p:pic>
+          <p:nvPicPr>
+            <p:cNvPr id="11" name="Picture 10">
+              <a:extLst>
+                <a:ext uri="{FF2B5EF4-FFF2-40B4-BE49-F238E27FC236}">
+                  <a16:creationId xmlns:a16="http://schemas.microsoft.com/office/drawing/2014/main" id="{9362F656-1A8D-4BA3-BA72-92332E75DB99}"/>
+                </a:ext>
+                <a:ext uri="{C183D7F6-B498-43B3-948B-1728B52AA6E4}">
+                  <adec:decorative xmlns:adec="http://schemas.microsoft.com/office/drawing/2017/decorative" val="1"/>
+                </a:ext>
+              </a:extLst>
+            </p:cNvPr>
+            <p:cNvPicPr>
+              <a:picLocks noChangeAspect="1"/>
+            </p:cNvPicPr>
+            <p:nvPr>
+              <p:extLst>
+                <p:ext uri="{386F3935-93C4-4BCD-93E2-E3B085C9AB24}">
+                  <p16:designElem xmlns:p16="http://schemas.microsoft.com/office/powerpoint/2015/main" val="1"/>
+                </p:ext>
+              </p:extLst>
+            </p:nvPr>
+          </p:nvPicPr>
+          <p:blipFill>
+            <a:blip r:embed="rId2">
+              <a:extLst>
+                <a:ext uri="{28A0092B-C50C-407E-A947-70E740481C1C}">
+                  <a14:useLocalDpi xmlns:a14="http://schemas.microsoft.com/office/drawing/2010/main" val="0"/>
+                </a:ext>
+              </a:extLst>
+            </a:blip>
+            <a:srcRect t="45716" b="9820"/>
+            <a:stretch>
+              <a:fillRect/>
+            </a:stretch>
+          </p:blipFill>
+          <p:spPr>
+            <a:xfrm>
+              <a:off x="0" y="3808676"/>
+              <a:ext cx="12192000" cy="3049325"/>
+            </a:xfrm>
+            <a:custGeom>
+              <a:avLst/>
+              <a:gdLst>
+                <a:gd name="connsiteX0" fmla="*/ 0 w 12192000"/>
+                <a:gd name="connsiteY0" fmla="*/ 0 h 3049325"/>
+                <a:gd name="connsiteX1" fmla="*/ 12192000 w 12192000"/>
+                <a:gd name="connsiteY1" fmla="*/ 0 h 3049325"/>
+                <a:gd name="connsiteX2" fmla="*/ 12192000 w 12192000"/>
+                <a:gd name="connsiteY2" fmla="*/ 3049325 h 3049325"/>
+                <a:gd name="connsiteX3" fmla="*/ 0 w 12192000"/>
+                <a:gd name="connsiteY3" fmla="*/ 3049325 h 3049325"/>
+              </a:gdLst>
+              <a:ahLst/>
+              <a:cxnLst>
+                <a:cxn ang="0">
+                  <a:pos x="connsiteX0" y="connsiteY0"/>
+                </a:cxn>
+                <a:cxn ang="0">
+                  <a:pos x="connsiteX1" y="connsiteY1"/>
+                </a:cxn>
+                <a:cxn ang="0">
+                  <a:pos x="connsiteX2" y="connsiteY2"/>
+                </a:cxn>
+                <a:cxn ang="0">
+                  <a:pos x="connsiteX3" y="connsiteY3"/>
+                </a:cxn>
+              </a:cxnLst>
+              <a:rect l="l" t="t" r="r" b="b"/>
+              <a:pathLst>
+                <a:path w="12192000" h="3049325">
+                  <a:moveTo>
+                    <a:pt x="0" y="0"/>
+                  </a:moveTo>
+                  <a:lnTo>
+                    <a:pt x="12192000" y="0"/>
+                  </a:lnTo>
+                  <a:lnTo>
+                    <a:pt x="12192000" y="3049325"/>
+                  </a:lnTo>
+                  <a:lnTo>
+                    <a:pt x="0" y="3049325"/>
+                  </a:lnTo>
+                  <a:close/>
+                </a:path>
+              </a:pathLst>
+            </a:custGeom>
+          </p:spPr>
+        </p:pic>
+        <p:sp>
+          <p:nvSpPr>
+            <p:cNvPr id="12" name="Oval 11">
+              <a:extLst>
+                <a:ext uri="{FF2B5EF4-FFF2-40B4-BE49-F238E27FC236}">
+                  <a16:creationId xmlns:a16="http://schemas.microsoft.com/office/drawing/2014/main" id="{9338807D-FB66-4E3A-9CF0-786662C4AB40}"/>
+                </a:ext>
+                <a:ext uri="{C183D7F6-B498-43B3-948B-1728B52AA6E4}">
+                  <adec:decorative xmlns:adec="http://schemas.microsoft.com/office/drawing/2017/decorative" val="1"/>
+                </a:ext>
+              </a:extLst>
+            </p:cNvPr>
+            <p:cNvSpPr/>
+            <p:nvPr>
+              <p:extLst>
+                <p:ext uri="{386F3935-93C4-4BCD-93E2-E3B085C9AB24}">
+                  <p16:designElem xmlns:p16="http://schemas.microsoft.com/office/powerpoint/2015/main" val="1"/>
+                </p:ext>
+              </p:extLst>
+            </p:nvPr>
+          </p:nvSpPr>
+          <p:spPr>
+            <a:xfrm>
+              <a:off x="2067339" y="5375082"/>
+              <a:ext cx="373711" cy="405516"/>
+            </a:xfrm>
+            <a:prstGeom prst="ellipse">
+              <a:avLst/>
+            </a:prstGeom>
+            <a:solidFill>
+              <a:srgbClr val="FFFFFF"/>
+            </a:solidFill>
+            <a:ln>
+              <a:noFill/>
+            </a:ln>
+          </p:spPr>
+          <p:style>
+            <a:lnRef idx="2">
+              <a:schemeClr val="accent1">
+                <a:shade val="50000"/>
+              </a:schemeClr>
+            </a:lnRef>
+            <a:fillRef idx="1">
+              <a:schemeClr val="accent1"/>
+            </a:fillRef>
+            <a:effectRef idx="0">
+              <a:schemeClr val="accent1"/>
+            </a:effectRef>
+            <a:fontRef idx="minor">
+              <a:schemeClr val="lt1"/>
+            </a:fontRef>
+          </p:style>
+          <p:txBody>
+            <a:bodyPr rtlCol="0" anchor="ctr"/>
+            <a:lstStyle/>
+            <a:p>
+              <a:pPr algn="ctr"/>
+              <a:endParaRPr lang="en-US"/>
+            </a:p>
+          </p:txBody>
+        </p:sp>
+      </p:grpSp>
+      <p:sp>
+        <p:nvSpPr>
+          <p:cNvPr id="2" name="Titre 1">
+            <a:extLst>
+              <a:ext uri="{FF2B5EF4-FFF2-40B4-BE49-F238E27FC236}">
+                <a16:creationId xmlns:a16="http://schemas.microsoft.com/office/drawing/2014/main" id="{527E05EC-AE41-41FA-B468-915355073CF3}"/>
+              </a:ext>
+            </a:extLst>
+          </p:cNvPr>
+          <p:cNvSpPr>
+            <a:spLocks noGrp="1"/>
+          </p:cNvSpPr>
+          <p:nvPr>
+            <p:ph type="title"/>
+          </p:nvPr>
+        </p:nvSpPr>
+        <p:spPr>
+          <a:xfrm>
             <a:off x="4258327" y="3056870"/>
             <a:ext cx="9833548" cy="1066802"/>
           </a:xfrm>
@@ -7487,7 +8002,7 @@
           <a:p>
             <a:fld id="{14B657B5-B792-44DE-9ADA-EC14684177E4}" type="slidenum">
               <a:rPr lang="fr-FR" smtClean="0"/>
-              <a:t>14</a:t>
+              <a:t>15</a:t>
             </a:fld>
             <a:endParaRPr lang="fr-FR"/>
           </a:p>

--- a/Diapo_commun/PresentationCommune.pptx
+++ b/Diapo_commun/PresentationCommune.pptx
@@ -1,20 +1,21 @@
 
 <file path=ppt/presentation.xml><?xml version="1.0" encoding="utf-8"?>
-<p:presentation xmlns:a="http://schemas.openxmlformats.org/drawingml/2006/main" xmlns:p="http://schemas.openxmlformats.org/presentationml/2006/main" xmlns:r="http://schemas.openxmlformats.org/officeDocument/2006/relationships" xmlns:p14="http://schemas.microsoft.com/office/powerpoint/2010/main" xmlns:p15="http://schemas.microsoft.com/office/powerpoint/2012/main" xmlns:mc="http://schemas.openxmlformats.org/markup-compatibility/2006">
+<p:presentation xmlns:a="http://schemas.openxmlformats.org/drawingml/2006/main" xmlns:r="http://schemas.openxmlformats.org/officeDocument/2006/relationships" xmlns:p="http://schemas.openxmlformats.org/presentationml/2006/main">
   <p:sldMasterIdLst>
-    <p:sldMasterId id="2147483648" r:id="rId2"/>
-    <p:sldMasterId id="2147483661" r:id="rId3"/>
+    <p:sldMasterId id="2147483648" r:id="rId1"/>
+    <p:sldMasterId id="2147483661" r:id="rId2"/>
   </p:sldMasterIdLst>
   <p:sldIdLst>
-    <p:sldId id="256" r:id="rId4"/>
-    <p:sldId id="257" r:id="rId5"/>
-    <p:sldId id="258" r:id="rId6"/>
-    <p:sldId id="259" r:id="rId7"/>
-    <p:sldId id="260" r:id="rId8"/>
-    <p:sldId id="261" r:id="rId9"/>
-    <p:sldId id="262" r:id="rId10"/>
-    <p:sldId id="263" r:id="rId11"/>
-    <p:sldId id="264" r:id="rId12"/>
+    <p:sldId id="256" r:id="rId3"/>
+    <p:sldId id="257" r:id="rId4"/>
+    <p:sldId id="258" r:id="rId5"/>
+    <p:sldId id="259" r:id="rId6"/>
+    <p:sldId id="260" r:id="rId7"/>
+    <p:sldId id="261" r:id="rId8"/>
+    <p:sldId id="262" r:id="rId9"/>
+    <p:sldId id="263" r:id="rId10"/>
+    <p:sldId id="264" r:id="rId11"/>
+    <p:sldId id="270" r:id="rId12"/>
     <p:sldId id="265" r:id="rId13"/>
     <p:sldId id="266" r:id="rId14"/>
     <p:sldId id="267" r:id="rId15"/>
@@ -22,12 +23,340 @@
     <p:sldId id="269" r:id="rId17"/>
   </p:sldIdLst>
   <p:sldSz cx="12192000" cy="6858000"/>
-  <p:notesSz cx="7559675" cy="10691812"/>
+  <p:notesSz cx="7559675" cy="10691813"/>
+  <p:defaultTextStyle>
+    <a:defPPr>
+      <a:defRPr lang="fr-FR"/>
+    </a:defPPr>
+    <a:lvl1pPr marL="0" algn="l" defTabSz="914400" rtl="0" eaLnBrk="1" latinLnBrk="0" hangingPunct="1">
+      <a:defRPr sz="1800" kern="1200">
+        <a:solidFill>
+          <a:schemeClr val="tx1"/>
+        </a:solidFill>
+        <a:latin typeface="+mn-lt"/>
+        <a:ea typeface="+mn-ea"/>
+        <a:cs typeface="+mn-cs"/>
+      </a:defRPr>
+    </a:lvl1pPr>
+    <a:lvl2pPr marL="457200" algn="l" defTabSz="914400" rtl="0" eaLnBrk="1" latinLnBrk="0" hangingPunct="1">
+      <a:defRPr sz="1800" kern="1200">
+        <a:solidFill>
+          <a:schemeClr val="tx1"/>
+        </a:solidFill>
+        <a:latin typeface="+mn-lt"/>
+        <a:ea typeface="+mn-ea"/>
+        <a:cs typeface="+mn-cs"/>
+      </a:defRPr>
+    </a:lvl2pPr>
+    <a:lvl3pPr marL="914400" algn="l" defTabSz="914400" rtl="0" eaLnBrk="1" latinLnBrk="0" hangingPunct="1">
+      <a:defRPr sz="1800" kern="1200">
+        <a:solidFill>
+          <a:schemeClr val="tx1"/>
+        </a:solidFill>
+        <a:latin typeface="+mn-lt"/>
+        <a:ea typeface="+mn-ea"/>
+        <a:cs typeface="+mn-cs"/>
+      </a:defRPr>
+    </a:lvl3pPr>
+    <a:lvl4pPr marL="1371600" algn="l" defTabSz="914400" rtl="0" eaLnBrk="1" latinLnBrk="0" hangingPunct="1">
+      <a:defRPr sz="1800" kern="1200">
+        <a:solidFill>
+          <a:schemeClr val="tx1"/>
+        </a:solidFill>
+        <a:latin typeface="+mn-lt"/>
+        <a:ea typeface="+mn-ea"/>
+        <a:cs typeface="+mn-cs"/>
+      </a:defRPr>
+    </a:lvl4pPr>
+    <a:lvl5pPr marL="1828800" algn="l" defTabSz="914400" rtl="0" eaLnBrk="1" latinLnBrk="0" hangingPunct="1">
+      <a:defRPr sz="1800" kern="1200">
+        <a:solidFill>
+          <a:schemeClr val="tx1"/>
+        </a:solidFill>
+        <a:latin typeface="+mn-lt"/>
+        <a:ea typeface="+mn-ea"/>
+        <a:cs typeface="+mn-cs"/>
+      </a:defRPr>
+    </a:lvl5pPr>
+    <a:lvl6pPr marL="2286000" algn="l" defTabSz="914400" rtl="0" eaLnBrk="1" latinLnBrk="0" hangingPunct="1">
+      <a:defRPr sz="1800" kern="1200">
+        <a:solidFill>
+          <a:schemeClr val="tx1"/>
+        </a:solidFill>
+        <a:latin typeface="+mn-lt"/>
+        <a:ea typeface="+mn-ea"/>
+        <a:cs typeface="+mn-cs"/>
+      </a:defRPr>
+    </a:lvl6pPr>
+    <a:lvl7pPr marL="2743200" algn="l" defTabSz="914400" rtl="0" eaLnBrk="1" latinLnBrk="0" hangingPunct="1">
+      <a:defRPr sz="1800" kern="1200">
+        <a:solidFill>
+          <a:schemeClr val="tx1"/>
+        </a:solidFill>
+        <a:latin typeface="+mn-lt"/>
+        <a:ea typeface="+mn-ea"/>
+        <a:cs typeface="+mn-cs"/>
+      </a:defRPr>
+    </a:lvl7pPr>
+    <a:lvl8pPr marL="3200400" algn="l" defTabSz="914400" rtl="0" eaLnBrk="1" latinLnBrk="0" hangingPunct="1">
+      <a:defRPr sz="1800" kern="1200">
+        <a:solidFill>
+          <a:schemeClr val="tx1"/>
+        </a:solidFill>
+        <a:latin typeface="+mn-lt"/>
+        <a:ea typeface="+mn-ea"/>
+        <a:cs typeface="+mn-cs"/>
+      </a:defRPr>
+    </a:lvl8pPr>
+    <a:lvl9pPr marL="3657600" algn="l" defTabSz="914400" rtl="0" eaLnBrk="1" latinLnBrk="0" hangingPunct="1">
+      <a:defRPr sz="1800" kern="1200">
+        <a:solidFill>
+          <a:schemeClr val="tx1"/>
+        </a:solidFill>
+        <a:latin typeface="+mn-lt"/>
+        <a:ea typeface="+mn-ea"/>
+        <a:cs typeface="+mn-cs"/>
+      </a:defRPr>
+    </a:lvl9pPr>
+  </p:defaultTextStyle>
+  <p:extLst>
+    <p:ext uri="{EFAFB233-063F-42B5-8137-9DF3F51BA10A}">
+      <p15:sldGuideLst xmlns:p15="http://schemas.microsoft.com/office/powerpoint/2012/main"/>
+    </p:ext>
+  </p:extLst>
 </p:presentation>
 </file>
 
+<file path=ppt/revisionInfo.xml><?xml version="1.0" encoding="utf-8"?>
+<p1510:revInfo xmlns:a="http://schemas.openxmlformats.org/drawingml/2006/main" xmlns:r="http://schemas.openxmlformats.org/officeDocument/2006/relationships" xmlns:p1510="http://schemas.microsoft.com/office/powerpoint/2015/10/main">
+  <p1510:revLst>
+    <p1510:client id="{9501B55E-7F34-4815-9CB9-4B195243A283}" v="2" dt="2021-05-09T08:44:29.961"/>
+  </p1510:revLst>
+</p1510:revInfo>
+</file>
+
+<file path=ppt/changesInfos/changesInfo1.xml><?xml version="1.0" encoding="utf-8"?>
+<pc:chgInfo xmlns:a="http://schemas.openxmlformats.org/drawingml/2006/main" xmlns:r="http://schemas.openxmlformats.org/officeDocument/2006/relationships" xmlns:ac="http://schemas.microsoft.com/office/drawing/2013/main/command" xmlns:pc="http://schemas.microsoft.com/office/powerpoint/2013/main/command">
+  <pc:docChgLst>
+    <pc:chgData name="lagwaitf lagwaitf" userId="7c35877e37998161" providerId="LiveId" clId="{9501B55E-7F34-4815-9CB9-4B195243A283}"/>
+    <pc:docChg chg="custSel addSld modSld">
+      <pc:chgData name="lagwaitf lagwaitf" userId="7c35877e37998161" providerId="LiveId" clId="{9501B55E-7F34-4815-9CB9-4B195243A283}" dt="2021-05-09T08:44:34.005" v="25" actId="1076"/>
+      <pc:docMkLst>
+        <pc:docMk/>
+      </pc:docMkLst>
+      <pc:sldChg chg="modSp mod">
+        <pc:chgData name="lagwaitf lagwaitf" userId="7c35877e37998161" providerId="LiveId" clId="{9501B55E-7F34-4815-9CB9-4B195243A283}" dt="2021-05-09T08:25:26.087" v="5" actId="27636"/>
+        <pc:sldMkLst>
+          <pc:docMk/>
+          <pc:sldMk cId="0" sldId="257"/>
+        </pc:sldMkLst>
+        <pc:spChg chg="mod">
+          <ac:chgData name="lagwaitf lagwaitf" userId="7c35877e37998161" providerId="LiveId" clId="{9501B55E-7F34-4815-9CB9-4B195243A283}" dt="2021-05-09T08:25:26.087" v="5" actId="27636"/>
+          <ac:spMkLst>
+            <pc:docMk/>
+            <pc:sldMk cId="0" sldId="257"/>
+            <ac:spMk id="93" creationId="{00000000-0000-0000-0000-000000000000}"/>
+          </ac:spMkLst>
+        </pc:spChg>
+      </pc:sldChg>
+      <pc:sldChg chg="modSp mod">
+        <pc:chgData name="lagwaitf lagwaitf" userId="7c35877e37998161" providerId="LiveId" clId="{9501B55E-7F34-4815-9CB9-4B195243A283}" dt="2021-05-09T08:25:26.092" v="6" actId="27636"/>
+        <pc:sldMkLst>
+          <pc:docMk/>
+          <pc:sldMk cId="0" sldId="259"/>
+        </pc:sldMkLst>
+        <pc:spChg chg="mod">
+          <ac:chgData name="lagwaitf lagwaitf" userId="7c35877e37998161" providerId="LiveId" clId="{9501B55E-7F34-4815-9CB9-4B195243A283}" dt="2021-05-09T08:25:26.092" v="6" actId="27636"/>
+          <ac:spMkLst>
+            <pc:docMk/>
+            <pc:sldMk cId="0" sldId="259"/>
+            <ac:spMk id="108" creationId="{00000000-0000-0000-0000-000000000000}"/>
+          </ac:spMkLst>
+        </pc:spChg>
+      </pc:sldChg>
+      <pc:sldChg chg="modSp mod">
+        <pc:chgData name="lagwaitf lagwaitf" userId="7c35877e37998161" providerId="LiveId" clId="{9501B55E-7F34-4815-9CB9-4B195243A283}" dt="2021-05-09T08:25:26.098" v="7" actId="27636"/>
+        <pc:sldMkLst>
+          <pc:docMk/>
+          <pc:sldMk cId="0" sldId="260"/>
+        </pc:sldMkLst>
+        <pc:spChg chg="mod">
+          <ac:chgData name="lagwaitf lagwaitf" userId="7c35877e37998161" providerId="LiveId" clId="{9501B55E-7F34-4815-9CB9-4B195243A283}" dt="2021-05-09T08:25:26.098" v="7" actId="27636"/>
+          <ac:spMkLst>
+            <pc:docMk/>
+            <pc:sldMk cId="0" sldId="260"/>
+            <ac:spMk id="116" creationId="{00000000-0000-0000-0000-000000000000}"/>
+          </ac:spMkLst>
+        </pc:spChg>
+      </pc:sldChg>
+      <pc:sldChg chg="modSp mod">
+        <pc:chgData name="lagwaitf lagwaitf" userId="7c35877e37998161" providerId="LiveId" clId="{9501B55E-7F34-4815-9CB9-4B195243A283}" dt="2021-05-09T08:25:26.103" v="8" actId="27636"/>
+        <pc:sldMkLst>
+          <pc:docMk/>
+          <pc:sldMk cId="0" sldId="261"/>
+        </pc:sldMkLst>
+        <pc:spChg chg="mod">
+          <ac:chgData name="lagwaitf lagwaitf" userId="7c35877e37998161" providerId="LiveId" clId="{9501B55E-7F34-4815-9CB9-4B195243A283}" dt="2021-05-09T08:25:26.103" v="8" actId="27636"/>
+          <ac:spMkLst>
+            <pc:docMk/>
+            <pc:sldMk cId="0" sldId="261"/>
+            <ac:spMk id="133" creationId="{00000000-0000-0000-0000-000000000000}"/>
+          </ac:spMkLst>
+        </pc:spChg>
+      </pc:sldChg>
+      <pc:sldChg chg="modSp mod">
+        <pc:chgData name="lagwaitf lagwaitf" userId="7c35877e37998161" providerId="LiveId" clId="{9501B55E-7F34-4815-9CB9-4B195243A283}" dt="2021-05-09T08:25:26.107" v="9" actId="27636"/>
+        <pc:sldMkLst>
+          <pc:docMk/>
+          <pc:sldMk cId="0" sldId="263"/>
+        </pc:sldMkLst>
+        <pc:spChg chg="mod">
+          <ac:chgData name="lagwaitf lagwaitf" userId="7c35877e37998161" providerId="LiveId" clId="{9501B55E-7F34-4815-9CB9-4B195243A283}" dt="2021-05-09T08:25:26.107" v="9" actId="27636"/>
+          <ac:spMkLst>
+            <pc:docMk/>
+            <pc:sldMk cId="0" sldId="263"/>
+            <ac:spMk id="152" creationId="{00000000-0000-0000-0000-000000000000}"/>
+          </ac:spMkLst>
+        </pc:spChg>
+      </pc:sldChg>
+      <pc:sldChg chg="addSp modSp mod">
+        <pc:chgData name="lagwaitf lagwaitf" userId="7c35877e37998161" providerId="LiveId" clId="{9501B55E-7F34-4815-9CB9-4B195243A283}" dt="2021-05-09T08:25:37.638" v="14" actId="1076"/>
+        <pc:sldMkLst>
+          <pc:docMk/>
+          <pc:sldMk cId="0" sldId="265"/>
+        </pc:sldMkLst>
+        <pc:spChg chg="mod">
+          <ac:chgData name="lagwaitf lagwaitf" userId="7c35877e37998161" providerId="LiveId" clId="{9501B55E-7F34-4815-9CB9-4B195243A283}" dt="2021-05-09T08:25:26.053" v="1" actId="27636"/>
+          <ac:spMkLst>
+            <pc:docMk/>
+            <pc:sldMk cId="0" sldId="265"/>
+            <ac:spMk id="174" creationId="{00000000-0000-0000-0000-000000000000}"/>
+          </ac:spMkLst>
+        </pc:spChg>
+        <pc:picChg chg="add mod">
+          <ac:chgData name="lagwaitf lagwaitf" userId="7c35877e37998161" providerId="LiveId" clId="{9501B55E-7F34-4815-9CB9-4B195243A283}" dt="2021-05-09T08:25:37.638" v="14" actId="1076"/>
+          <ac:picMkLst>
+            <pc:docMk/>
+            <pc:sldMk cId="0" sldId="265"/>
+            <ac:picMk id="3" creationId="{06BCD82C-44E1-4F24-9612-31EA101D3F09}"/>
+          </ac:picMkLst>
+        </pc:picChg>
+      </pc:sldChg>
+      <pc:sldChg chg="modSp mod">
+        <pc:chgData name="lagwaitf lagwaitf" userId="7c35877e37998161" providerId="LiveId" clId="{9501B55E-7F34-4815-9CB9-4B195243A283}" dt="2021-05-09T08:25:26.062" v="2" actId="27636"/>
+        <pc:sldMkLst>
+          <pc:docMk/>
+          <pc:sldMk cId="0" sldId="266"/>
+        </pc:sldMkLst>
+        <pc:spChg chg="mod">
+          <ac:chgData name="lagwaitf lagwaitf" userId="7c35877e37998161" providerId="LiveId" clId="{9501B55E-7F34-4815-9CB9-4B195243A283}" dt="2021-05-09T08:25:26.062" v="2" actId="27636"/>
+          <ac:spMkLst>
+            <pc:docMk/>
+            <pc:sldMk cId="0" sldId="266"/>
+            <ac:spMk id="185" creationId="{00000000-0000-0000-0000-000000000000}"/>
+          </ac:spMkLst>
+        </pc:spChg>
+      </pc:sldChg>
+      <pc:sldChg chg="modSp mod">
+        <pc:chgData name="lagwaitf lagwaitf" userId="7c35877e37998161" providerId="LiveId" clId="{9501B55E-7F34-4815-9CB9-4B195243A283}" dt="2021-05-09T08:25:26.066" v="3" actId="27636"/>
+        <pc:sldMkLst>
+          <pc:docMk/>
+          <pc:sldMk cId="0" sldId="267"/>
+        </pc:sldMkLst>
+        <pc:spChg chg="mod">
+          <ac:chgData name="lagwaitf lagwaitf" userId="7c35877e37998161" providerId="LiveId" clId="{9501B55E-7F34-4815-9CB9-4B195243A283}" dt="2021-05-09T08:25:26.066" v="3" actId="27636"/>
+          <ac:spMkLst>
+            <pc:docMk/>
+            <pc:sldMk cId="0" sldId="267"/>
+            <ac:spMk id="193" creationId="{00000000-0000-0000-0000-000000000000}"/>
+          </ac:spMkLst>
+        </pc:spChg>
+      </pc:sldChg>
+      <pc:sldChg chg="modSp mod">
+        <pc:chgData name="lagwaitf lagwaitf" userId="7c35877e37998161" providerId="LiveId" clId="{9501B55E-7F34-4815-9CB9-4B195243A283}" dt="2021-05-09T08:25:26.070" v="4" actId="27636"/>
+        <pc:sldMkLst>
+          <pc:docMk/>
+          <pc:sldMk cId="0" sldId="268"/>
+        </pc:sldMkLst>
+        <pc:spChg chg="mod">
+          <ac:chgData name="lagwaitf lagwaitf" userId="7c35877e37998161" providerId="LiveId" clId="{9501B55E-7F34-4815-9CB9-4B195243A283}" dt="2021-05-09T08:25:26.070" v="4" actId="27636"/>
+          <ac:spMkLst>
+            <pc:docMk/>
+            <pc:sldMk cId="0" sldId="268"/>
+            <ac:spMk id="201" creationId="{00000000-0000-0000-0000-000000000000}"/>
+          </ac:spMkLst>
+        </pc:spChg>
+      </pc:sldChg>
+      <pc:sldChg chg="addSp delSp modSp add mod">
+        <pc:chgData name="lagwaitf lagwaitf" userId="7c35877e37998161" providerId="LiveId" clId="{9501B55E-7F34-4815-9CB9-4B195243A283}" dt="2021-05-09T08:44:34.005" v="25" actId="1076"/>
+        <pc:sldMkLst>
+          <pc:docMk/>
+          <pc:sldMk cId="2567686842" sldId="270"/>
+        </pc:sldMkLst>
+        <pc:spChg chg="del">
+          <ac:chgData name="lagwaitf lagwaitf" userId="7c35877e37998161" providerId="LiveId" clId="{9501B55E-7F34-4815-9CB9-4B195243A283}" dt="2021-05-09T08:44:08.545" v="16" actId="478"/>
+          <ac:spMkLst>
+            <pc:docMk/>
+            <pc:sldMk cId="2567686842" sldId="270"/>
+            <ac:spMk id="167" creationId="{00000000-0000-0000-0000-000000000000}"/>
+          </ac:spMkLst>
+        </pc:spChg>
+        <pc:spChg chg="del mod">
+          <ac:chgData name="lagwaitf lagwaitf" userId="7c35877e37998161" providerId="LiveId" clId="{9501B55E-7F34-4815-9CB9-4B195243A283}" dt="2021-05-09T08:44:15.399" v="22" actId="478"/>
+          <ac:spMkLst>
+            <pc:docMk/>
+            <pc:sldMk cId="2567686842" sldId="270"/>
+            <ac:spMk id="169" creationId="{00000000-0000-0000-0000-000000000000}"/>
+          </ac:spMkLst>
+        </pc:spChg>
+        <pc:picChg chg="add mod">
+          <ac:chgData name="lagwaitf lagwaitf" userId="7c35877e37998161" providerId="LiveId" clId="{9501B55E-7F34-4815-9CB9-4B195243A283}" dt="2021-05-09T08:44:34.005" v="25" actId="1076"/>
+          <ac:picMkLst>
+            <pc:docMk/>
+            <pc:sldMk cId="2567686842" sldId="270"/>
+            <ac:picMk id="3" creationId="{425C333D-2A3B-4A1D-B8DB-3649D95AB209}"/>
+          </ac:picMkLst>
+        </pc:picChg>
+        <pc:picChg chg="del">
+          <ac:chgData name="lagwaitf lagwaitf" userId="7c35877e37998161" providerId="LiveId" clId="{9501B55E-7F34-4815-9CB9-4B195243A283}" dt="2021-05-09T08:44:09.853" v="17" actId="478"/>
+          <ac:picMkLst>
+            <pc:docMk/>
+            <pc:sldMk cId="2567686842" sldId="270"/>
+            <ac:picMk id="164" creationId="{00000000-0000-0000-0000-000000000000}"/>
+          </ac:picMkLst>
+        </pc:picChg>
+        <pc:picChg chg="del">
+          <ac:chgData name="lagwaitf lagwaitf" userId="7c35877e37998161" providerId="LiveId" clId="{9501B55E-7F34-4815-9CB9-4B195243A283}" dt="2021-05-09T08:44:11.095" v="19" actId="478"/>
+          <ac:picMkLst>
+            <pc:docMk/>
+            <pc:sldMk cId="2567686842" sldId="270"/>
+            <ac:picMk id="165" creationId="{00000000-0000-0000-0000-000000000000}"/>
+          </ac:picMkLst>
+        </pc:picChg>
+        <pc:picChg chg="del">
+          <ac:chgData name="lagwaitf lagwaitf" userId="7c35877e37998161" providerId="LiveId" clId="{9501B55E-7F34-4815-9CB9-4B195243A283}" dt="2021-05-09T08:44:10.467" v="18" actId="478"/>
+          <ac:picMkLst>
+            <pc:docMk/>
+            <pc:sldMk cId="2567686842" sldId="270"/>
+            <ac:picMk id="166" creationId="{00000000-0000-0000-0000-000000000000}"/>
+          </ac:picMkLst>
+        </pc:picChg>
+        <pc:picChg chg="del">
+          <ac:chgData name="lagwaitf lagwaitf" userId="7c35877e37998161" providerId="LiveId" clId="{9501B55E-7F34-4815-9CB9-4B195243A283}" dt="2021-05-09T08:44:11.564" v="20" actId="478"/>
+          <ac:picMkLst>
+            <pc:docMk/>
+            <pc:sldMk cId="2567686842" sldId="270"/>
+            <ac:picMk id="168" creationId="{00000000-0000-0000-0000-000000000000}"/>
+          </ac:picMkLst>
+        </pc:picChg>
+      </pc:sldChg>
+    </pc:docChg>
+  </pc:docChgLst>
+</pc:chgInfo>
+</file>
+
 <file path=ppt/slideLayouts/slideLayout1.xml><?xml version="1.0" encoding="utf-8"?>
-<p:sldLayout xmlns:a="http://schemas.openxmlformats.org/drawingml/2006/main" xmlns:p="http://schemas.openxmlformats.org/presentationml/2006/main" xmlns:r="http://schemas.openxmlformats.org/officeDocument/2006/relationships" xmlns:p14="http://schemas.microsoft.com/office/powerpoint/2010/main" xmlns:p15="http://schemas.microsoft.com/office/powerpoint/2012/main" xmlns:mc="http://schemas.openxmlformats.org/markup-compatibility/2006" type="blank" preserve="1">
+<p:sldLayout xmlns:a="http://schemas.openxmlformats.org/drawingml/2006/main" xmlns:r="http://schemas.openxmlformats.org/officeDocument/2006/relationships" xmlns:p="http://schemas.openxmlformats.org/presentationml/2006/main" type="blank" preserve="1">
   <p:cSld name="Blank Slide">
     <p:spTree>
       <p:nvGrpSpPr>
@@ -45,11 +374,14 @@
       </p:grpSpPr>
     </p:spTree>
   </p:cSld>
+  <p:clrMapOvr>
+    <a:masterClrMapping/>
+  </p:clrMapOvr>
 </p:sldLayout>
 </file>
 
 <file path=ppt/slideLayouts/slideLayout10.xml><?xml version="1.0" encoding="utf-8"?>
-<p:sldLayout xmlns:a="http://schemas.openxmlformats.org/drawingml/2006/main" xmlns:p="http://schemas.openxmlformats.org/presentationml/2006/main" xmlns:r="http://schemas.openxmlformats.org/officeDocument/2006/relationships" xmlns:p14="http://schemas.microsoft.com/office/powerpoint/2010/main" xmlns:p15="http://schemas.microsoft.com/office/powerpoint/2012/main" xmlns:mc="http://schemas.openxmlformats.org/markup-compatibility/2006" type="objOverTx" preserve="1">
+<p:sldLayout xmlns:a="http://schemas.openxmlformats.org/drawingml/2006/main" xmlns:r="http://schemas.openxmlformats.org/officeDocument/2006/relationships" xmlns:p="http://schemas.openxmlformats.org/presentationml/2006/main" type="objOverTx" preserve="1">
   <p:cSld name="Title, Content over Content">
     <p:spTree>
       <p:nvGrpSpPr>
@@ -85,11 +417,12 @@
           </a:prstGeom>
         </p:spPr>
         <p:txBody>
-          <a:bodyPr lIns="0" rIns="0" tIns="0" bIns="0" anchor="ctr">
+          <a:bodyPr lIns="0" tIns="0" rIns="0" bIns="0" anchor="ctr">
             <a:noAutofit/>
           </a:bodyPr>
-          <a:p>
-            <a:endParaRPr b="0" lang="fr-FR" sz="1800" spc="-1" strike="noStrike">
+          <a:lstStyle/>
+          <a:p>
+            <a:endParaRPr lang="fr-FR" sz="1800" b="0" strike="noStrike" spc="-1">
               <a:solidFill>
                 <a:srgbClr val="000000"/>
               </a:solidFill>
@@ -118,11 +451,12 @@
           </a:prstGeom>
         </p:spPr>
         <p:txBody>
-          <a:bodyPr lIns="0" rIns="0" tIns="0" bIns="0">
+          <a:bodyPr lIns="0" tIns="0" rIns="0" bIns="0">
             <a:normAutofit/>
           </a:bodyPr>
-          <a:p>
-            <a:endParaRPr b="0" lang="fr-FR" sz="2800" spc="-1" strike="noStrike">
+          <a:lstStyle/>
+          <a:p>
+            <a:endParaRPr lang="fr-FR" sz="2800" b="0" strike="noStrike" spc="-1">
               <a:solidFill>
                 <a:srgbClr val="000000"/>
               </a:solidFill>
@@ -151,11 +485,12 @@
           </a:prstGeom>
         </p:spPr>
         <p:txBody>
-          <a:bodyPr lIns="0" rIns="0" tIns="0" bIns="0">
+          <a:bodyPr lIns="0" tIns="0" rIns="0" bIns="0">
             <a:normAutofit/>
           </a:bodyPr>
-          <a:p>
-            <a:endParaRPr b="0" lang="fr-FR" sz="2800" spc="-1" strike="noStrike">
+          <a:lstStyle/>
+          <a:p>
+            <a:endParaRPr lang="fr-FR" sz="2800" b="0" strike="noStrike" spc="-1">
               <a:solidFill>
                 <a:srgbClr val="000000"/>
               </a:solidFill>
@@ -166,11 +501,14 @@
       </p:sp>
     </p:spTree>
   </p:cSld>
+  <p:clrMapOvr>
+    <a:masterClrMapping/>
+  </p:clrMapOvr>
 </p:sldLayout>
 </file>
 
 <file path=ppt/slideLayouts/slideLayout11.xml><?xml version="1.0" encoding="utf-8"?>
-<p:sldLayout xmlns:a="http://schemas.openxmlformats.org/drawingml/2006/main" xmlns:p="http://schemas.openxmlformats.org/presentationml/2006/main" xmlns:r="http://schemas.openxmlformats.org/officeDocument/2006/relationships" xmlns:p14="http://schemas.microsoft.com/office/powerpoint/2010/main" xmlns:p15="http://schemas.microsoft.com/office/powerpoint/2012/main" xmlns:mc="http://schemas.openxmlformats.org/markup-compatibility/2006" type="fourObj" preserve="1">
+<p:sldLayout xmlns:a="http://schemas.openxmlformats.org/drawingml/2006/main" xmlns:r="http://schemas.openxmlformats.org/officeDocument/2006/relationships" xmlns:p="http://schemas.openxmlformats.org/presentationml/2006/main" type="fourObj" preserve="1">
   <p:cSld name="Title, 4 Content">
     <p:spTree>
       <p:nvGrpSpPr>
@@ -206,11 +544,12 @@
           </a:prstGeom>
         </p:spPr>
         <p:txBody>
-          <a:bodyPr lIns="0" rIns="0" tIns="0" bIns="0" anchor="ctr">
+          <a:bodyPr lIns="0" tIns="0" rIns="0" bIns="0" anchor="ctr">
             <a:noAutofit/>
           </a:bodyPr>
-          <a:p>
-            <a:endParaRPr b="0" lang="fr-FR" sz="1800" spc="-1" strike="noStrike">
+          <a:lstStyle/>
+          <a:p>
+            <a:endParaRPr lang="fr-FR" sz="1800" b="0" strike="noStrike" spc="-1">
               <a:solidFill>
                 <a:srgbClr val="000000"/>
               </a:solidFill>
@@ -239,11 +578,12 @@
           </a:prstGeom>
         </p:spPr>
         <p:txBody>
-          <a:bodyPr lIns="0" rIns="0" tIns="0" bIns="0">
+          <a:bodyPr lIns="0" tIns="0" rIns="0" bIns="0">
             <a:normAutofit/>
           </a:bodyPr>
-          <a:p>
-            <a:endParaRPr b="0" lang="fr-FR" sz="2800" spc="-1" strike="noStrike">
+          <a:lstStyle/>
+          <a:p>
+            <a:endParaRPr lang="fr-FR" sz="2800" b="0" strike="noStrike" spc="-1">
               <a:solidFill>
                 <a:srgbClr val="000000"/>
               </a:solidFill>
@@ -272,11 +612,12 @@
           </a:prstGeom>
         </p:spPr>
         <p:txBody>
-          <a:bodyPr lIns="0" rIns="0" tIns="0" bIns="0">
+          <a:bodyPr lIns="0" tIns="0" rIns="0" bIns="0">
             <a:normAutofit/>
           </a:bodyPr>
-          <a:p>
-            <a:endParaRPr b="0" lang="fr-FR" sz="2800" spc="-1" strike="noStrike">
+          <a:lstStyle/>
+          <a:p>
+            <a:endParaRPr lang="fr-FR" sz="2800" b="0" strike="noStrike" spc="-1">
               <a:solidFill>
                 <a:srgbClr val="000000"/>
               </a:solidFill>
@@ -305,11 +646,12 @@
           </a:prstGeom>
         </p:spPr>
         <p:txBody>
-          <a:bodyPr lIns="0" rIns="0" tIns="0" bIns="0">
+          <a:bodyPr lIns="0" tIns="0" rIns="0" bIns="0">
             <a:normAutofit/>
           </a:bodyPr>
-          <a:p>
-            <a:endParaRPr b="0" lang="fr-FR" sz="2800" spc="-1" strike="noStrike">
+          <a:lstStyle/>
+          <a:p>
+            <a:endParaRPr lang="fr-FR" sz="2800" b="0" strike="noStrike" spc="-1">
               <a:solidFill>
                 <a:srgbClr val="000000"/>
               </a:solidFill>
@@ -338,11 +680,12 @@
           </a:prstGeom>
         </p:spPr>
         <p:txBody>
-          <a:bodyPr lIns="0" rIns="0" tIns="0" bIns="0">
+          <a:bodyPr lIns="0" tIns="0" rIns="0" bIns="0">
             <a:normAutofit/>
           </a:bodyPr>
-          <a:p>
-            <a:endParaRPr b="0" lang="fr-FR" sz="2800" spc="-1" strike="noStrike">
+          <a:lstStyle/>
+          <a:p>
+            <a:endParaRPr lang="fr-FR" sz="2800" b="0" strike="noStrike" spc="-1">
               <a:solidFill>
                 <a:srgbClr val="000000"/>
               </a:solidFill>
@@ -353,11 +696,14 @@
       </p:sp>
     </p:spTree>
   </p:cSld>
+  <p:clrMapOvr>
+    <a:masterClrMapping/>
+  </p:clrMapOvr>
 </p:sldLayout>
 </file>
 
 <file path=ppt/slideLayouts/slideLayout12.xml><?xml version="1.0" encoding="utf-8"?>
-<p:sldLayout xmlns:a="http://schemas.openxmlformats.org/drawingml/2006/main" xmlns:p="http://schemas.openxmlformats.org/presentationml/2006/main" xmlns:r="http://schemas.openxmlformats.org/officeDocument/2006/relationships" xmlns:p14="http://schemas.microsoft.com/office/powerpoint/2010/main" xmlns:p15="http://schemas.microsoft.com/office/powerpoint/2012/main" xmlns:mc="http://schemas.openxmlformats.org/markup-compatibility/2006" type="blank" preserve="1">
+<p:sldLayout xmlns:a="http://schemas.openxmlformats.org/drawingml/2006/main" xmlns:r="http://schemas.openxmlformats.org/officeDocument/2006/relationships" xmlns:p="http://schemas.openxmlformats.org/presentationml/2006/main" type="blank" preserve="1">
   <p:cSld name="Title, 6 Content">
     <p:spTree>
       <p:nvGrpSpPr>
@@ -393,11 +739,12 @@
           </a:prstGeom>
         </p:spPr>
         <p:txBody>
-          <a:bodyPr lIns="0" rIns="0" tIns="0" bIns="0" anchor="ctr">
+          <a:bodyPr lIns="0" tIns="0" rIns="0" bIns="0" anchor="ctr">
             <a:noAutofit/>
           </a:bodyPr>
-          <a:p>
-            <a:endParaRPr b="0" lang="fr-FR" sz="1800" spc="-1" strike="noStrike">
+          <a:lstStyle/>
+          <a:p>
+            <a:endParaRPr lang="fr-FR" sz="1800" b="0" strike="noStrike" spc="-1">
               <a:solidFill>
                 <a:srgbClr val="000000"/>
               </a:solidFill>
@@ -426,11 +773,12 @@
           </a:prstGeom>
         </p:spPr>
         <p:txBody>
-          <a:bodyPr lIns="0" rIns="0" tIns="0" bIns="0">
+          <a:bodyPr lIns="0" tIns="0" rIns="0" bIns="0">
             <a:normAutofit/>
           </a:bodyPr>
-          <a:p>
-            <a:endParaRPr b="0" lang="fr-FR" sz="2800" spc="-1" strike="noStrike">
+          <a:lstStyle/>
+          <a:p>
+            <a:endParaRPr lang="fr-FR" sz="2800" b="0" strike="noStrike" spc="-1">
               <a:solidFill>
                 <a:srgbClr val="000000"/>
               </a:solidFill>
@@ -459,11 +807,12 @@
           </a:prstGeom>
         </p:spPr>
         <p:txBody>
-          <a:bodyPr lIns="0" rIns="0" tIns="0" bIns="0">
+          <a:bodyPr lIns="0" tIns="0" rIns="0" bIns="0">
             <a:normAutofit/>
           </a:bodyPr>
-          <a:p>
-            <a:endParaRPr b="0" lang="fr-FR" sz="2800" spc="-1" strike="noStrike">
+          <a:lstStyle/>
+          <a:p>
+            <a:endParaRPr lang="fr-FR" sz="2800" b="0" strike="noStrike" spc="-1">
               <a:solidFill>
                 <a:srgbClr val="000000"/>
               </a:solidFill>
@@ -492,11 +841,12 @@
           </a:prstGeom>
         </p:spPr>
         <p:txBody>
-          <a:bodyPr lIns="0" rIns="0" tIns="0" bIns="0">
+          <a:bodyPr lIns="0" tIns="0" rIns="0" bIns="0">
             <a:normAutofit/>
           </a:bodyPr>
-          <a:p>
-            <a:endParaRPr b="0" lang="fr-FR" sz="2800" spc="-1" strike="noStrike">
+          <a:lstStyle/>
+          <a:p>
+            <a:endParaRPr lang="fr-FR" sz="2800" b="0" strike="noStrike" spc="-1">
               <a:solidFill>
                 <a:srgbClr val="000000"/>
               </a:solidFill>
@@ -525,11 +875,12 @@
           </a:prstGeom>
         </p:spPr>
         <p:txBody>
-          <a:bodyPr lIns="0" rIns="0" tIns="0" bIns="0">
+          <a:bodyPr lIns="0" tIns="0" rIns="0" bIns="0">
             <a:normAutofit/>
           </a:bodyPr>
-          <a:p>
-            <a:endParaRPr b="0" lang="fr-FR" sz="2800" spc="-1" strike="noStrike">
+          <a:lstStyle/>
+          <a:p>
+            <a:endParaRPr lang="fr-FR" sz="2800" b="0" strike="noStrike" spc="-1">
               <a:solidFill>
                 <a:srgbClr val="000000"/>
               </a:solidFill>
@@ -558,11 +909,12 @@
           </a:prstGeom>
         </p:spPr>
         <p:txBody>
-          <a:bodyPr lIns="0" rIns="0" tIns="0" bIns="0">
+          <a:bodyPr lIns="0" tIns="0" rIns="0" bIns="0">
             <a:normAutofit/>
           </a:bodyPr>
-          <a:p>
-            <a:endParaRPr b="0" lang="fr-FR" sz="2800" spc="-1" strike="noStrike">
+          <a:lstStyle/>
+          <a:p>
+            <a:endParaRPr lang="fr-FR" sz="2800" b="0" strike="noStrike" spc="-1">
               <a:solidFill>
                 <a:srgbClr val="000000"/>
               </a:solidFill>
@@ -591,11 +943,12 @@
           </a:prstGeom>
         </p:spPr>
         <p:txBody>
-          <a:bodyPr lIns="0" rIns="0" tIns="0" bIns="0">
+          <a:bodyPr lIns="0" tIns="0" rIns="0" bIns="0">
             <a:normAutofit/>
           </a:bodyPr>
-          <a:p>
-            <a:endParaRPr b="0" lang="fr-FR" sz="2800" spc="-1" strike="noStrike">
+          <a:lstStyle/>
+          <a:p>
+            <a:endParaRPr lang="fr-FR" sz="2800" b="0" strike="noStrike" spc="-1">
               <a:solidFill>
                 <a:srgbClr val="000000"/>
               </a:solidFill>
@@ -606,11 +959,14 @@
       </p:sp>
     </p:spTree>
   </p:cSld>
+  <p:clrMapOvr>
+    <a:masterClrMapping/>
+  </p:clrMapOvr>
 </p:sldLayout>
 </file>
 
 <file path=ppt/slideLayouts/slideLayout13.xml><?xml version="1.0" encoding="utf-8"?>
-<p:sldLayout xmlns:a="http://schemas.openxmlformats.org/drawingml/2006/main" xmlns:p="http://schemas.openxmlformats.org/presentationml/2006/main" xmlns:r="http://schemas.openxmlformats.org/officeDocument/2006/relationships" xmlns:p14="http://schemas.microsoft.com/office/powerpoint/2010/main" xmlns:p15="http://schemas.microsoft.com/office/powerpoint/2012/main" xmlns:mc="http://schemas.openxmlformats.org/markup-compatibility/2006" type="blank" preserve="1">
+<p:sldLayout xmlns:a="http://schemas.openxmlformats.org/drawingml/2006/main" xmlns:r="http://schemas.openxmlformats.org/officeDocument/2006/relationships" xmlns:p="http://schemas.openxmlformats.org/presentationml/2006/main" type="blank" preserve="1">
   <p:cSld name="Blank Slide">
     <p:spTree>
       <p:nvGrpSpPr>
@@ -628,11 +984,14 @@
       </p:grpSpPr>
     </p:spTree>
   </p:cSld>
+  <p:clrMapOvr>
+    <a:masterClrMapping/>
+  </p:clrMapOvr>
 </p:sldLayout>
 </file>
 
 <file path=ppt/slideLayouts/slideLayout14.xml><?xml version="1.0" encoding="utf-8"?>
-<p:sldLayout xmlns:a="http://schemas.openxmlformats.org/drawingml/2006/main" xmlns:p="http://schemas.openxmlformats.org/presentationml/2006/main" xmlns:r="http://schemas.openxmlformats.org/officeDocument/2006/relationships" xmlns:p14="http://schemas.microsoft.com/office/powerpoint/2010/main" xmlns:p15="http://schemas.microsoft.com/office/powerpoint/2012/main" xmlns:mc="http://schemas.openxmlformats.org/markup-compatibility/2006" type="tx" preserve="1">
+<p:sldLayout xmlns:a="http://schemas.openxmlformats.org/drawingml/2006/main" xmlns:r="http://schemas.openxmlformats.org/officeDocument/2006/relationships" xmlns:p="http://schemas.openxmlformats.org/presentationml/2006/main" type="tx" preserve="1">
   <p:cSld name="Title Slide">
     <p:spTree>
       <p:nvGrpSpPr>
@@ -668,11 +1027,12 @@
           </a:prstGeom>
         </p:spPr>
         <p:txBody>
-          <a:bodyPr lIns="0" rIns="0" tIns="0" bIns="0" anchor="ctr">
+          <a:bodyPr lIns="0" tIns="0" rIns="0" bIns="0" anchor="ctr">
             <a:noAutofit/>
           </a:bodyPr>
-          <a:p>
-            <a:endParaRPr b="0" lang="fr-FR" sz="1800" spc="-1" strike="noStrike">
+          <a:lstStyle/>
+          <a:p>
+            <a:endParaRPr lang="fr-FR" sz="1800" b="0" strike="noStrike" spc="-1">
               <a:solidFill>
                 <a:srgbClr val="000000"/>
               </a:solidFill>
@@ -701,12 +1061,13 @@
           </a:prstGeom>
         </p:spPr>
         <p:txBody>
-          <a:bodyPr lIns="0" rIns="0" tIns="0" bIns="0" anchor="ctr">
+          <a:bodyPr lIns="0" tIns="0" rIns="0" bIns="0" anchor="ctr">
             <a:noAutofit/>
           </a:bodyPr>
+          <a:lstStyle/>
           <a:p>
             <a:pPr algn="ctr"/>
-            <a:endParaRPr b="0" lang="fr-FR" sz="3200" spc="-1" strike="noStrike">
+            <a:endParaRPr lang="fr-FR" sz="3200" b="0" strike="noStrike" spc="-1">
               <a:latin typeface="Arial"/>
             </a:endParaRPr>
           </a:p>
@@ -714,11 +1075,14 @@
       </p:sp>
     </p:spTree>
   </p:cSld>
+  <p:clrMapOvr>
+    <a:masterClrMapping/>
+  </p:clrMapOvr>
 </p:sldLayout>
 </file>
 
 <file path=ppt/slideLayouts/slideLayout15.xml><?xml version="1.0" encoding="utf-8"?>
-<p:sldLayout xmlns:a="http://schemas.openxmlformats.org/drawingml/2006/main" xmlns:p="http://schemas.openxmlformats.org/presentationml/2006/main" xmlns:r="http://schemas.openxmlformats.org/officeDocument/2006/relationships" xmlns:p14="http://schemas.microsoft.com/office/powerpoint/2010/main" xmlns:p15="http://schemas.microsoft.com/office/powerpoint/2012/main" xmlns:mc="http://schemas.openxmlformats.org/markup-compatibility/2006" type="obj" preserve="1">
+<p:sldLayout xmlns:a="http://schemas.openxmlformats.org/drawingml/2006/main" xmlns:r="http://schemas.openxmlformats.org/officeDocument/2006/relationships" xmlns:p="http://schemas.openxmlformats.org/presentationml/2006/main" type="obj" preserve="1">
   <p:cSld name="Title, Content">
     <p:spTree>
       <p:nvGrpSpPr>
@@ -754,11 +1118,12 @@
           </a:prstGeom>
         </p:spPr>
         <p:txBody>
-          <a:bodyPr lIns="0" rIns="0" tIns="0" bIns="0" anchor="ctr">
+          <a:bodyPr lIns="0" tIns="0" rIns="0" bIns="0" anchor="ctr">
             <a:noAutofit/>
           </a:bodyPr>
-          <a:p>
-            <a:endParaRPr b="0" lang="fr-FR" sz="1800" spc="-1" strike="noStrike">
+          <a:lstStyle/>
+          <a:p>
+            <a:endParaRPr lang="fr-FR" sz="1800" b="0" strike="noStrike" spc="-1">
               <a:solidFill>
                 <a:srgbClr val="000000"/>
               </a:solidFill>
@@ -787,11 +1152,12 @@
           </a:prstGeom>
         </p:spPr>
         <p:txBody>
-          <a:bodyPr lIns="0" rIns="0" tIns="0" bIns="0">
+          <a:bodyPr lIns="0" tIns="0" rIns="0" bIns="0">
             <a:normAutofit/>
           </a:bodyPr>
-          <a:p>
-            <a:endParaRPr b="0" lang="fr-FR" sz="2800" spc="-1" strike="noStrike">
+          <a:lstStyle/>
+          <a:p>
+            <a:endParaRPr lang="fr-FR" sz="2800" b="0" strike="noStrike" spc="-1">
               <a:solidFill>
                 <a:srgbClr val="000000"/>
               </a:solidFill>
@@ -802,11 +1168,14 @@
       </p:sp>
     </p:spTree>
   </p:cSld>
+  <p:clrMapOvr>
+    <a:masterClrMapping/>
+  </p:clrMapOvr>
 </p:sldLayout>
 </file>
 
 <file path=ppt/slideLayouts/slideLayout16.xml><?xml version="1.0" encoding="utf-8"?>
-<p:sldLayout xmlns:a="http://schemas.openxmlformats.org/drawingml/2006/main" xmlns:p="http://schemas.openxmlformats.org/presentationml/2006/main" xmlns:r="http://schemas.openxmlformats.org/officeDocument/2006/relationships" xmlns:p14="http://schemas.microsoft.com/office/powerpoint/2010/main" xmlns:p15="http://schemas.microsoft.com/office/powerpoint/2012/main" xmlns:mc="http://schemas.openxmlformats.org/markup-compatibility/2006" type="twoObj" preserve="1">
+<p:sldLayout xmlns:a="http://schemas.openxmlformats.org/drawingml/2006/main" xmlns:r="http://schemas.openxmlformats.org/officeDocument/2006/relationships" xmlns:p="http://schemas.openxmlformats.org/presentationml/2006/main" type="twoObj" preserve="1">
   <p:cSld name="Title, 2 Content">
     <p:spTree>
       <p:nvGrpSpPr>
@@ -842,11 +1211,12 @@
           </a:prstGeom>
         </p:spPr>
         <p:txBody>
-          <a:bodyPr lIns="0" rIns="0" tIns="0" bIns="0" anchor="ctr">
+          <a:bodyPr lIns="0" tIns="0" rIns="0" bIns="0" anchor="ctr">
             <a:noAutofit/>
           </a:bodyPr>
-          <a:p>
-            <a:endParaRPr b="0" lang="fr-FR" sz="1800" spc="-1" strike="noStrike">
+          <a:lstStyle/>
+          <a:p>
+            <a:endParaRPr lang="fr-FR" sz="1800" b="0" strike="noStrike" spc="-1">
               <a:solidFill>
                 <a:srgbClr val="000000"/>
               </a:solidFill>
@@ -875,11 +1245,12 @@
           </a:prstGeom>
         </p:spPr>
         <p:txBody>
-          <a:bodyPr lIns="0" rIns="0" tIns="0" bIns="0">
+          <a:bodyPr lIns="0" tIns="0" rIns="0" bIns="0">
             <a:normAutofit/>
           </a:bodyPr>
-          <a:p>
-            <a:endParaRPr b="0" lang="fr-FR" sz="2800" spc="-1" strike="noStrike">
+          <a:lstStyle/>
+          <a:p>
+            <a:endParaRPr lang="fr-FR" sz="2800" b="0" strike="noStrike" spc="-1">
               <a:solidFill>
                 <a:srgbClr val="000000"/>
               </a:solidFill>
@@ -908,11 +1279,12 @@
           </a:prstGeom>
         </p:spPr>
         <p:txBody>
-          <a:bodyPr lIns="0" rIns="0" tIns="0" bIns="0">
+          <a:bodyPr lIns="0" tIns="0" rIns="0" bIns="0">
             <a:normAutofit/>
           </a:bodyPr>
-          <a:p>
-            <a:endParaRPr b="0" lang="fr-FR" sz="2800" spc="-1" strike="noStrike">
+          <a:lstStyle/>
+          <a:p>
+            <a:endParaRPr lang="fr-FR" sz="2800" b="0" strike="noStrike" spc="-1">
               <a:solidFill>
                 <a:srgbClr val="000000"/>
               </a:solidFill>
@@ -923,11 +1295,14 @@
       </p:sp>
     </p:spTree>
   </p:cSld>
+  <p:clrMapOvr>
+    <a:masterClrMapping/>
+  </p:clrMapOvr>
 </p:sldLayout>
 </file>
 
 <file path=ppt/slideLayouts/slideLayout17.xml><?xml version="1.0" encoding="utf-8"?>
-<p:sldLayout xmlns:a="http://schemas.openxmlformats.org/drawingml/2006/main" xmlns:p="http://schemas.openxmlformats.org/presentationml/2006/main" xmlns:r="http://schemas.openxmlformats.org/officeDocument/2006/relationships" xmlns:p14="http://schemas.microsoft.com/office/powerpoint/2010/main" xmlns:p15="http://schemas.microsoft.com/office/powerpoint/2012/main" xmlns:mc="http://schemas.openxmlformats.org/markup-compatibility/2006" type="titleOnly" preserve="1">
+<p:sldLayout xmlns:a="http://schemas.openxmlformats.org/drawingml/2006/main" xmlns:r="http://schemas.openxmlformats.org/officeDocument/2006/relationships" xmlns:p="http://schemas.openxmlformats.org/presentationml/2006/main" type="titleOnly" preserve="1">
   <p:cSld name="Title Only">
     <p:spTree>
       <p:nvGrpSpPr>
@@ -963,11 +1338,12 @@
           </a:prstGeom>
         </p:spPr>
         <p:txBody>
-          <a:bodyPr lIns="0" rIns="0" tIns="0" bIns="0" anchor="ctr">
+          <a:bodyPr lIns="0" tIns="0" rIns="0" bIns="0" anchor="ctr">
             <a:noAutofit/>
           </a:bodyPr>
-          <a:p>
-            <a:endParaRPr b="0" lang="fr-FR" sz="1800" spc="-1" strike="noStrike">
+          <a:lstStyle/>
+          <a:p>
+            <a:endParaRPr lang="fr-FR" sz="1800" b="0" strike="noStrike" spc="-1">
               <a:solidFill>
                 <a:srgbClr val="000000"/>
               </a:solidFill>
@@ -978,11 +1354,14 @@
       </p:sp>
     </p:spTree>
   </p:cSld>
+  <p:clrMapOvr>
+    <a:masterClrMapping/>
+  </p:clrMapOvr>
 </p:sldLayout>
 </file>
 
 <file path=ppt/slideLayouts/slideLayout18.xml><?xml version="1.0" encoding="utf-8"?>
-<p:sldLayout xmlns:a="http://schemas.openxmlformats.org/drawingml/2006/main" xmlns:p="http://schemas.openxmlformats.org/presentationml/2006/main" xmlns:r="http://schemas.openxmlformats.org/officeDocument/2006/relationships" xmlns:p14="http://schemas.microsoft.com/office/powerpoint/2010/main" xmlns:p15="http://schemas.microsoft.com/office/powerpoint/2012/main" xmlns:mc="http://schemas.openxmlformats.org/markup-compatibility/2006" type="objOnly" preserve="1">
+<p:sldLayout xmlns:a="http://schemas.openxmlformats.org/drawingml/2006/main" xmlns:r="http://schemas.openxmlformats.org/officeDocument/2006/relationships" xmlns:p="http://schemas.openxmlformats.org/presentationml/2006/main" type="objOnly" preserve="1">
   <p:cSld name="Centered Text">
     <p:spTree>
       <p:nvGrpSpPr>
@@ -1018,12 +1397,13 @@
           </a:prstGeom>
         </p:spPr>
         <p:txBody>
-          <a:bodyPr lIns="0" rIns="0" tIns="0" bIns="0" anchor="ctr">
+          <a:bodyPr lIns="0" tIns="0" rIns="0" bIns="0" anchor="ctr">
             <a:noAutofit/>
           </a:bodyPr>
+          <a:lstStyle/>
           <a:p>
             <a:pPr algn="ctr"/>
-            <a:endParaRPr b="0" lang="fr-FR" sz="3200" spc="-1" strike="noStrike">
+            <a:endParaRPr lang="fr-FR" sz="3200" b="0" strike="noStrike" spc="-1">
               <a:latin typeface="Arial"/>
             </a:endParaRPr>
           </a:p>
@@ -1031,11 +1411,14 @@
       </p:sp>
     </p:spTree>
   </p:cSld>
+  <p:clrMapOvr>
+    <a:masterClrMapping/>
+  </p:clrMapOvr>
 </p:sldLayout>
 </file>
 
 <file path=ppt/slideLayouts/slideLayout19.xml><?xml version="1.0" encoding="utf-8"?>
-<p:sldLayout xmlns:a="http://schemas.openxmlformats.org/drawingml/2006/main" xmlns:p="http://schemas.openxmlformats.org/presentationml/2006/main" xmlns:r="http://schemas.openxmlformats.org/officeDocument/2006/relationships" xmlns:p14="http://schemas.microsoft.com/office/powerpoint/2010/main" xmlns:p15="http://schemas.microsoft.com/office/powerpoint/2012/main" xmlns:mc="http://schemas.openxmlformats.org/markup-compatibility/2006" type="twoObjAndObj" preserve="1">
+<p:sldLayout xmlns:a="http://schemas.openxmlformats.org/drawingml/2006/main" xmlns:r="http://schemas.openxmlformats.org/officeDocument/2006/relationships" xmlns:p="http://schemas.openxmlformats.org/presentationml/2006/main" type="twoObjAndObj" preserve="1">
   <p:cSld name="Title, 2 Content and Content">
     <p:spTree>
       <p:nvGrpSpPr>
@@ -1071,11 +1454,12 @@
           </a:prstGeom>
         </p:spPr>
         <p:txBody>
-          <a:bodyPr lIns="0" rIns="0" tIns="0" bIns="0" anchor="ctr">
+          <a:bodyPr lIns="0" tIns="0" rIns="0" bIns="0" anchor="ctr">
             <a:noAutofit/>
           </a:bodyPr>
-          <a:p>
-            <a:endParaRPr b="0" lang="fr-FR" sz="1800" spc="-1" strike="noStrike">
+          <a:lstStyle/>
+          <a:p>
+            <a:endParaRPr lang="fr-FR" sz="1800" b="0" strike="noStrike" spc="-1">
               <a:solidFill>
                 <a:srgbClr val="000000"/>
               </a:solidFill>
@@ -1104,11 +1488,12 @@
           </a:prstGeom>
         </p:spPr>
         <p:txBody>
-          <a:bodyPr lIns="0" rIns="0" tIns="0" bIns="0">
+          <a:bodyPr lIns="0" tIns="0" rIns="0" bIns="0">
             <a:normAutofit/>
           </a:bodyPr>
-          <a:p>
-            <a:endParaRPr b="0" lang="fr-FR" sz="2800" spc="-1" strike="noStrike">
+          <a:lstStyle/>
+          <a:p>
+            <a:endParaRPr lang="fr-FR" sz="2800" b="0" strike="noStrike" spc="-1">
               <a:solidFill>
                 <a:srgbClr val="000000"/>
               </a:solidFill>
@@ -1137,11 +1522,12 @@
           </a:prstGeom>
         </p:spPr>
         <p:txBody>
-          <a:bodyPr lIns="0" rIns="0" tIns="0" bIns="0">
+          <a:bodyPr lIns="0" tIns="0" rIns="0" bIns="0">
             <a:normAutofit/>
           </a:bodyPr>
-          <a:p>
-            <a:endParaRPr b="0" lang="fr-FR" sz="2800" spc="-1" strike="noStrike">
+          <a:lstStyle/>
+          <a:p>
+            <a:endParaRPr lang="fr-FR" sz="2800" b="0" strike="noStrike" spc="-1">
               <a:solidFill>
                 <a:srgbClr val="000000"/>
               </a:solidFill>
@@ -1170,11 +1556,12 @@
           </a:prstGeom>
         </p:spPr>
         <p:txBody>
-          <a:bodyPr lIns="0" rIns="0" tIns="0" bIns="0">
+          <a:bodyPr lIns="0" tIns="0" rIns="0" bIns="0">
             <a:normAutofit/>
           </a:bodyPr>
-          <a:p>
-            <a:endParaRPr b="0" lang="fr-FR" sz="2800" spc="-1" strike="noStrike">
+          <a:lstStyle/>
+          <a:p>
+            <a:endParaRPr lang="fr-FR" sz="2800" b="0" strike="noStrike" spc="-1">
               <a:solidFill>
                 <a:srgbClr val="000000"/>
               </a:solidFill>
@@ -1185,11 +1572,14 @@
       </p:sp>
     </p:spTree>
   </p:cSld>
+  <p:clrMapOvr>
+    <a:masterClrMapping/>
+  </p:clrMapOvr>
 </p:sldLayout>
 </file>
 
 <file path=ppt/slideLayouts/slideLayout2.xml><?xml version="1.0" encoding="utf-8"?>
-<p:sldLayout xmlns:a="http://schemas.openxmlformats.org/drawingml/2006/main" xmlns:p="http://schemas.openxmlformats.org/presentationml/2006/main" xmlns:r="http://schemas.openxmlformats.org/officeDocument/2006/relationships" xmlns:p14="http://schemas.microsoft.com/office/powerpoint/2010/main" xmlns:p15="http://schemas.microsoft.com/office/powerpoint/2012/main" xmlns:mc="http://schemas.openxmlformats.org/markup-compatibility/2006" type="tx" preserve="1">
+<p:sldLayout xmlns:a="http://schemas.openxmlformats.org/drawingml/2006/main" xmlns:r="http://schemas.openxmlformats.org/officeDocument/2006/relationships" xmlns:p="http://schemas.openxmlformats.org/presentationml/2006/main" type="tx" preserve="1">
   <p:cSld name="Title Slide">
     <p:spTree>
       <p:nvGrpSpPr>
@@ -1225,11 +1615,12 @@
           </a:prstGeom>
         </p:spPr>
         <p:txBody>
-          <a:bodyPr lIns="0" rIns="0" tIns="0" bIns="0" anchor="ctr">
+          <a:bodyPr lIns="0" tIns="0" rIns="0" bIns="0" anchor="ctr">
             <a:noAutofit/>
           </a:bodyPr>
-          <a:p>
-            <a:endParaRPr b="0" lang="fr-FR" sz="1800" spc="-1" strike="noStrike">
+          <a:lstStyle/>
+          <a:p>
+            <a:endParaRPr lang="fr-FR" sz="1800" b="0" strike="noStrike" spc="-1">
               <a:solidFill>
                 <a:srgbClr val="000000"/>
               </a:solidFill>
@@ -1258,12 +1649,13 @@
           </a:prstGeom>
         </p:spPr>
         <p:txBody>
-          <a:bodyPr lIns="0" rIns="0" tIns="0" bIns="0" anchor="ctr">
+          <a:bodyPr lIns="0" tIns="0" rIns="0" bIns="0" anchor="ctr">
             <a:noAutofit/>
           </a:bodyPr>
+          <a:lstStyle/>
           <a:p>
             <a:pPr algn="ctr"/>
-            <a:endParaRPr b="0" lang="fr-FR" sz="3200" spc="-1" strike="noStrike">
+            <a:endParaRPr lang="fr-FR" sz="3200" b="0" strike="noStrike" spc="-1">
               <a:latin typeface="Arial"/>
             </a:endParaRPr>
           </a:p>
@@ -1271,11 +1663,14 @@
       </p:sp>
     </p:spTree>
   </p:cSld>
+  <p:clrMapOvr>
+    <a:masterClrMapping/>
+  </p:clrMapOvr>
 </p:sldLayout>
 </file>
 
 <file path=ppt/slideLayouts/slideLayout20.xml><?xml version="1.0" encoding="utf-8"?>
-<p:sldLayout xmlns:a="http://schemas.openxmlformats.org/drawingml/2006/main" xmlns:p="http://schemas.openxmlformats.org/presentationml/2006/main" xmlns:r="http://schemas.openxmlformats.org/officeDocument/2006/relationships" xmlns:p14="http://schemas.microsoft.com/office/powerpoint/2010/main" xmlns:p15="http://schemas.microsoft.com/office/powerpoint/2012/main" xmlns:mc="http://schemas.openxmlformats.org/markup-compatibility/2006" type="objAndTwoObj" preserve="1">
+<p:sldLayout xmlns:a="http://schemas.openxmlformats.org/drawingml/2006/main" xmlns:r="http://schemas.openxmlformats.org/officeDocument/2006/relationships" xmlns:p="http://schemas.openxmlformats.org/presentationml/2006/main" type="objAndTwoObj" preserve="1">
   <p:cSld name="Title Content and 2 Content">
     <p:spTree>
       <p:nvGrpSpPr>
@@ -1311,11 +1706,12 @@
           </a:prstGeom>
         </p:spPr>
         <p:txBody>
-          <a:bodyPr lIns="0" rIns="0" tIns="0" bIns="0" anchor="ctr">
+          <a:bodyPr lIns="0" tIns="0" rIns="0" bIns="0" anchor="ctr">
             <a:noAutofit/>
           </a:bodyPr>
-          <a:p>
-            <a:endParaRPr b="0" lang="fr-FR" sz="1800" spc="-1" strike="noStrike">
+          <a:lstStyle/>
+          <a:p>
+            <a:endParaRPr lang="fr-FR" sz="1800" b="0" strike="noStrike" spc="-1">
               <a:solidFill>
                 <a:srgbClr val="000000"/>
               </a:solidFill>
@@ -1344,11 +1740,12 @@
           </a:prstGeom>
         </p:spPr>
         <p:txBody>
-          <a:bodyPr lIns="0" rIns="0" tIns="0" bIns="0">
+          <a:bodyPr lIns="0" tIns="0" rIns="0" bIns="0">
             <a:normAutofit/>
           </a:bodyPr>
-          <a:p>
-            <a:endParaRPr b="0" lang="fr-FR" sz="2800" spc="-1" strike="noStrike">
+          <a:lstStyle/>
+          <a:p>
+            <a:endParaRPr lang="fr-FR" sz="2800" b="0" strike="noStrike" spc="-1">
               <a:solidFill>
                 <a:srgbClr val="000000"/>
               </a:solidFill>
@@ -1377,11 +1774,12 @@
           </a:prstGeom>
         </p:spPr>
         <p:txBody>
-          <a:bodyPr lIns="0" rIns="0" tIns="0" bIns="0">
+          <a:bodyPr lIns="0" tIns="0" rIns="0" bIns="0">
             <a:normAutofit/>
           </a:bodyPr>
-          <a:p>
-            <a:endParaRPr b="0" lang="fr-FR" sz="2800" spc="-1" strike="noStrike">
+          <a:lstStyle/>
+          <a:p>
+            <a:endParaRPr lang="fr-FR" sz="2800" b="0" strike="noStrike" spc="-1">
               <a:solidFill>
                 <a:srgbClr val="000000"/>
               </a:solidFill>
@@ -1410,11 +1808,12 @@
           </a:prstGeom>
         </p:spPr>
         <p:txBody>
-          <a:bodyPr lIns="0" rIns="0" tIns="0" bIns="0">
+          <a:bodyPr lIns="0" tIns="0" rIns="0" bIns="0">
             <a:normAutofit/>
           </a:bodyPr>
-          <a:p>
-            <a:endParaRPr b="0" lang="fr-FR" sz="2800" spc="-1" strike="noStrike">
+          <a:lstStyle/>
+          <a:p>
+            <a:endParaRPr lang="fr-FR" sz="2800" b="0" strike="noStrike" spc="-1">
               <a:solidFill>
                 <a:srgbClr val="000000"/>
               </a:solidFill>
@@ -1425,11 +1824,14 @@
       </p:sp>
     </p:spTree>
   </p:cSld>
+  <p:clrMapOvr>
+    <a:masterClrMapping/>
+  </p:clrMapOvr>
 </p:sldLayout>
 </file>
 
 <file path=ppt/slideLayouts/slideLayout21.xml><?xml version="1.0" encoding="utf-8"?>
-<p:sldLayout xmlns:a="http://schemas.openxmlformats.org/drawingml/2006/main" xmlns:p="http://schemas.openxmlformats.org/presentationml/2006/main" xmlns:r="http://schemas.openxmlformats.org/officeDocument/2006/relationships" xmlns:p14="http://schemas.microsoft.com/office/powerpoint/2010/main" xmlns:p15="http://schemas.microsoft.com/office/powerpoint/2012/main" xmlns:mc="http://schemas.openxmlformats.org/markup-compatibility/2006" type="twoObjOverTx" preserve="1">
+<p:sldLayout xmlns:a="http://schemas.openxmlformats.org/drawingml/2006/main" xmlns:r="http://schemas.openxmlformats.org/officeDocument/2006/relationships" xmlns:p="http://schemas.openxmlformats.org/presentationml/2006/main" type="twoObjOverTx" preserve="1">
   <p:cSld name="Title, 2 Content over Content">
     <p:spTree>
       <p:nvGrpSpPr>
@@ -1465,11 +1867,12 @@
           </a:prstGeom>
         </p:spPr>
         <p:txBody>
-          <a:bodyPr lIns="0" rIns="0" tIns="0" bIns="0" anchor="ctr">
+          <a:bodyPr lIns="0" tIns="0" rIns="0" bIns="0" anchor="ctr">
             <a:noAutofit/>
           </a:bodyPr>
-          <a:p>
-            <a:endParaRPr b="0" lang="fr-FR" sz="1800" spc="-1" strike="noStrike">
+          <a:lstStyle/>
+          <a:p>
+            <a:endParaRPr lang="fr-FR" sz="1800" b="0" strike="noStrike" spc="-1">
               <a:solidFill>
                 <a:srgbClr val="000000"/>
               </a:solidFill>
@@ -1498,11 +1901,12 @@
           </a:prstGeom>
         </p:spPr>
         <p:txBody>
-          <a:bodyPr lIns="0" rIns="0" tIns="0" bIns="0">
+          <a:bodyPr lIns="0" tIns="0" rIns="0" bIns="0">
             <a:normAutofit/>
           </a:bodyPr>
-          <a:p>
-            <a:endParaRPr b="0" lang="fr-FR" sz="2800" spc="-1" strike="noStrike">
+          <a:lstStyle/>
+          <a:p>
+            <a:endParaRPr lang="fr-FR" sz="2800" b="0" strike="noStrike" spc="-1">
               <a:solidFill>
                 <a:srgbClr val="000000"/>
               </a:solidFill>
@@ -1531,11 +1935,12 @@
           </a:prstGeom>
         </p:spPr>
         <p:txBody>
-          <a:bodyPr lIns="0" rIns="0" tIns="0" bIns="0">
+          <a:bodyPr lIns="0" tIns="0" rIns="0" bIns="0">
             <a:normAutofit/>
           </a:bodyPr>
-          <a:p>
-            <a:endParaRPr b="0" lang="fr-FR" sz="2800" spc="-1" strike="noStrike">
+          <a:lstStyle/>
+          <a:p>
+            <a:endParaRPr lang="fr-FR" sz="2800" b="0" strike="noStrike" spc="-1">
               <a:solidFill>
                 <a:srgbClr val="000000"/>
               </a:solidFill>
@@ -1564,11 +1969,12 @@
           </a:prstGeom>
         </p:spPr>
         <p:txBody>
-          <a:bodyPr lIns="0" rIns="0" tIns="0" bIns="0">
+          <a:bodyPr lIns="0" tIns="0" rIns="0" bIns="0">
             <a:normAutofit/>
           </a:bodyPr>
-          <a:p>
-            <a:endParaRPr b="0" lang="fr-FR" sz="2800" spc="-1" strike="noStrike">
+          <a:lstStyle/>
+          <a:p>
+            <a:endParaRPr lang="fr-FR" sz="2800" b="0" strike="noStrike" spc="-1">
               <a:solidFill>
                 <a:srgbClr val="000000"/>
               </a:solidFill>
@@ -1579,11 +1985,14 @@
       </p:sp>
     </p:spTree>
   </p:cSld>
+  <p:clrMapOvr>
+    <a:masterClrMapping/>
+  </p:clrMapOvr>
 </p:sldLayout>
 </file>
 
 <file path=ppt/slideLayouts/slideLayout22.xml><?xml version="1.0" encoding="utf-8"?>
-<p:sldLayout xmlns:a="http://schemas.openxmlformats.org/drawingml/2006/main" xmlns:p="http://schemas.openxmlformats.org/presentationml/2006/main" xmlns:r="http://schemas.openxmlformats.org/officeDocument/2006/relationships" xmlns:p14="http://schemas.microsoft.com/office/powerpoint/2010/main" xmlns:p15="http://schemas.microsoft.com/office/powerpoint/2012/main" xmlns:mc="http://schemas.openxmlformats.org/markup-compatibility/2006" type="objOverTx" preserve="1">
+<p:sldLayout xmlns:a="http://schemas.openxmlformats.org/drawingml/2006/main" xmlns:r="http://schemas.openxmlformats.org/officeDocument/2006/relationships" xmlns:p="http://schemas.openxmlformats.org/presentationml/2006/main" type="objOverTx" preserve="1">
   <p:cSld name="Title, Content over Content">
     <p:spTree>
       <p:nvGrpSpPr>
@@ -1619,11 +2028,12 @@
           </a:prstGeom>
         </p:spPr>
         <p:txBody>
-          <a:bodyPr lIns="0" rIns="0" tIns="0" bIns="0" anchor="ctr">
+          <a:bodyPr lIns="0" tIns="0" rIns="0" bIns="0" anchor="ctr">
             <a:noAutofit/>
           </a:bodyPr>
-          <a:p>
-            <a:endParaRPr b="0" lang="fr-FR" sz="1800" spc="-1" strike="noStrike">
+          <a:lstStyle/>
+          <a:p>
+            <a:endParaRPr lang="fr-FR" sz="1800" b="0" strike="noStrike" spc="-1">
               <a:solidFill>
                 <a:srgbClr val="000000"/>
               </a:solidFill>
@@ -1652,11 +2062,12 @@
           </a:prstGeom>
         </p:spPr>
         <p:txBody>
-          <a:bodyPr lIns="0" rIns="0" tIns="0" bIns="0">
+          <a:bodyPr lIns="0" tIns="0" rIns="0" bIns="0">
             <a:normAutofit/>
           </a:bodyPr>
-          <a:p>
-            <a:endParaRPr b="0" lang="fr-FR" sz="2800" spc="-1" strike="noStrike">
+          <a:lstStyle/>
+          <a:p>
+            <a:endParaRPr lang="fr-FR" sz="2800" b="0" strike="noStrike" spc="-1">
               <a:solidFill>
                 <a:srgbClr val="000000"/>
               </a:solidFill>
@@ -1685,11 +2096,12 @@
           </a:prstGeom>
         </p:spPr>
         <p:txBody>
-          <a:bodyPr lIns="0" rIns="0" tIns="0" bIns="0">
+          <a:bodyPr lIns="0" tIns="0" rIns="0" bIns="0">
             <a:normAutofit/>
           </a:bodyPr>
-          <a:p>
-            <a:endParaRPr b="0" lang="fr-FR" sz="2800" spc="-1" strike="noStrike">
+          <a:lstStyle/>
+          <a:p>
+            <a:endParaRPr lang="fr-FR" sz="2800" b="0" strike="noStrike" spc="-1">
               <a:solidFill>
                 <a:srgbClr val="000000"/>
               </a:solidFill>
@@ -1700,11 +2112,14 @@
       </p:sp>
     </p:spTree>
   </p:cSld>
+  <p:clrMapOvr>
+    <a:masterClrMapping/>
+  </p:clrMapOvr>
 </p:sldLayout>
 </file>
 
 <file path=ppt/slideLayouts/slideLayout23.xml><?xml version="1.0" encoding="utf-8"?>
-<p:sldLayout xmlns:a="http://schemas.openxmlformats.org/drawingml/2006/main" xmlns:p="http://schemas.openxmlformats.org/presentationml/2006/main" xmlns:r="http://schemas.openxmlformats.org/officeDocument/2006/relationships" xmlns:p14="http://schemas.microsoft.com/office/powerpoint/2010/main" xmlns:p15="http://schemas.microsoft.com/office/powerpoint/2012/main" xmlns:mc="http://schemas.openxmlformats.org/markup-compatibility/2006" type="fourObj" preserve="1">
+<p:sldLayout xmlns:a="http://schemas.openxmlformats.org/drawingml/2006/main" xmlns:r="http://schemas.openxmlformats.org/officeDocument/2006/relationships" xmlns:p="http://schemas.openxmlformats.org/presentationml/2006/main" type="fourObj" preserve="1">
   <p:cSld name="Title, 4 Content">
     <p:spTree>
       <p:nvGrpSpPr>
@@ -1740,11 +2155,12 @@
           </a:prstGeom>
         </p:spPr>
         <p:txBody>
-          <a:bodyPr lIns="0" rIns="0" tIns="0" bIns="0" anchor="ctr">
+          <a:bodyPr lIns="0" tIns="0" rIns="0" bIns="0" anchor="ctr">
             <a:noAutofit/>
           </a:bodyPr>
-          <a:p>
-            <a:endParaRPr b="0" lang="fr-FR" sz="1800" spc="-1" strike="noStrike">
+          <a:lstStyle/>
+          <a:p>
+            <a:endParaRPr lang="fr-FR" sz="1800" b="0" strike="noStrike" spc="-1">
               <a:solidFill>
                 <a:srgbClr val="000000"/>
               </a:solidFill>
@@ -1773,11 +2189,12 @@
           </a:prstGeom>
         </p:spPr>
         <p:txBody>
-          <a:bodyPr lIns="0" rIns="0" tIns="0" bIns="0">
+          <a:bodyPr lIns="0" tIns="0" rIns="0" bIns="0">
             <a:normAutofit/>
           </a:bodyPr>
-          <a:p>
-            <a:endParaRPr b="0" lang="fr-FR" sz="2800" spc="-1" strike="noStrike">
+          <a:lstStyle/>
+          <a:p>
+            <a:endParaRPr lang="fr-FR" sz="2800" b="0" strike="noStrike" spc="-1">
               <a:solidFill>
                 <a:srgbClr val="000000"/>
               </a:solidFill>
@@ -1806,11 +2223,12 @@
           </a:prstGeom>
         </p:spPr>
         <p:txBody>
-          <a:bodyPr lIns="0" rIns="0" tIns="0" bIns="0">
+          <a:bodyPr lIns="0" tIns="0" rIns="0" bIns="0">
             <a:normAutofit/>
           </a:bodyPr>
-          <a:p>
-            <a:endParaRPr b="0" lang="fr-FR" sz="2800" spc="-1" strike="noStrike">
+          <a:lstStyle/>
+          <a:p>
+            <a:endParaRPr lang="fr-FR" sz="2800" b="0" strike="noStrike" spc="-1">
               <a:solidFill>
                 <a:srgbClr val="000000"/>
               </a:solidFill>
@@ -1839,11 +2257,12 @@
           </a:prstGeom>
         </p:spPr>
         <p:txBody>
-          <a:bodyPr lIns="0" rIns="0" tIns="0" bIns="0">
+          <a:bodyPr lIns="0" tIns="0" rIns="0" bIns="0">
             <a:normAutofit/>
           </a:bodyPr>
-          <a:p>
-            <a:endParaRPr b="0" lang="fr-FR" sz="2800" spc="-1" strike="noStrike">
+          <a:lstStyle/>
+          <a:p>
+            <a:endParaRPr lang="fr-FR" sz="2800" b="0" strike="noStrike" spc="-1">
               <a:solidFill>
                 <a:srgbClr val="000000"/>
               </a:solidFill>
@@ -1872,11 +2291,12 @@
           </a:prstGeom>
         </p:spPr>
         <p:txBody>
-          <a:bodyPr lIns="0" rIns="0" tIns="0" bIns="0">
+          <a:bodyPr lIns="0" tIns="0" rIns="0" bIns="0">
             <a:normAutofit/>
           </a:bodyPr>
-          <a:p>
-            <a:endParaRPr b="0" lang="fr-FR" sz="2800" spc="-1" strike="noStrike">
+          <a:lstStyle/>
+          <a:p>
+            <a:endParaRPr lang="fr-FR" sz="2800" b="0" strike="noStrike" spc="-1">
               <a:solidFill>
                 <a:srgbClr val="000000"/>
               </a:solidFill>
@@ -1887,11 +2307,14 @@
       </p:sp>
     </p:spTree>
   </p:cSld>
+  <p:clrMapOvr>
+    <a:masterClrMapping/>
+  </p:clrMapOvr>
 </p:sldLayout>
 </file>
 
 <file path=ppt/slideLayouts/slideLayout24.xml><?xml version="1.0" encoding="utf-8"?>
-<p:sldLayout xmlns:a="http://schemas.openxmlformats.org/drawingml/2006/main" xmlns:p="http://schemas.openxmlformats.org/presentationml/2006/main" xmlns:r="http://schemas.openxmlformats.org/officeDocument/2006/relationships" xmlns:p14="http://schemas.microsoft.com/office/powerpoint/2010/main" xmlns:p15="http://schemas.microsoft.com/office/powerpoint/2012/main" xmlns:mc="http://schemas.openxmlformats.org/markup-compatibility/2006" type="blank" preserve="1">
+<p:sldLayout xmlns:a="http://schemas.openxmlformats.org/drawingml/2006/main" xmlns:r="http://schemas.openxmlformats.org/officeDocument/2006/relationships" xmlns:p="http://schemas.openxmlformats.org/presentationml/2006/main" type="blank" preserve="1">
   <p:cSld name="Title, 6 Content">
     <p:spTree>
       <p:nvGrpSpPr>
@@ -1927,11 +2350,12 @@
           </a:prstGeom>
         </p:spPr>
         <p:txBody>
-          <a:bodyPr lIns="0" rIns="0" tIns="0" bIns="0" anchor="ctr">
+          <a:bodyPr lIns="0" tIns="0" rIns="0" bIns="0" anchor="ctr">
             <a:noAutofit/>
           </a:bodyPr>
-          <a:p>
-            <a:endParaRPr b="0" lang="fr-FR" sz="1800" spc="-1" strike="noStrike">
+          <a:lstStyle/>
+          <a:p>
+            <a:endParaRPr lang="fr-FR" sz="1800" b="0" strike="noStrike" spc="-1">
               <a:solidFill>
                 <a:srgbClr val="000000"/>
               </a:solidFill>
@@ -1960,11 +2384,12 @@
           </a:prstGeom>
         </p:spPr>
         <p:txBody>
-          <a:bodyPr lIns="0" rIns="0" tIns="0" bIns="0">
+          <a:bodyPr lIns="0" tIns="0" rIns="0" bIns="0">
             <a:normAutofit/>
           </a:bodyPr>
-          <a:p>
-            <a:endParaRPr b="0" lang="fr-FR" sz="2800" spc="-1" strike="noStrike">
+          <a:lstStyle/>
+          <a:p>
+            <a:endParaRPr lang="fr-FR" sz="2800" b="0" strike="noStrike" spc="-1">
               <a:solidFill>
                 <a:srgbClr val="000000"/>
               </a:solidFill>
@@ -1993,11 +2418,12 @@
           </a:prstGeom>
         </p:spPr>
         <p:txBody>
-          <a:bodyPr lIns="0" rIns="0" tIns="0" bIns="0">
+          <a:bodyPr lIns="0" tIns="0" rIns="0" bIns="0">
             <a:normAutofit/>
           </a:bodyPr>
-          <a:p>
-            <a:endParaRPr b="0" lang="fr-FR" sz="2800" spc="-1" strike="noStrike">
+          <a:lstStyle/>
+          <a:p>
+            <a:endParaRPr lang="fr-FR" sz="2800" b="0" strike="noStrike" spc="-1">
               <a:solidFill>
                 <a:srgbClr val="000000"/>
               </a:solidFill>
@@ -2026,11 +2452,12 @@
           </a:prstGeom>
         </p:spPr>
         <p:txBody>
-          <a:bodyPr lIns="0" rIns="0" tIns="0" bIns="0">
+          <a:bodyPr lIns="0" tIns="0" rIns="0" bIns="0">
             <a:normAutofit/>
           </a:bodyPr>
-          <a:p>
-            <a:endParaRPr b="0" lang="fr-FR" sz="2800" spc="-1" strike="noStrike">
+          <a:lstStyle/>
+          <a:p>
+            <a:endParaRPr lang="fr-FR" sz="2800" b="0" strike="noStrike" spc="-1">
               <a:solidFill>
                 <a:srgbClr val="000000"/>
               </a:solidFill>
@@ -2059,11 +2486,12 @@
           </a:prstGeom>
         </p:spPr>
         <p:txBody>
-          <a:bodyPr lIns="0" rIns="0" tIns="0" bIns="0">
+          <a:bodyPr lIns="0" tIns="0" rIns="0" bIns="0">
             <a:normAutofit/>
           </a:bodyPr>
-          <a:p>
-            <a:endParaRPr b="0" lang="fr-FR" sz="2800" spc="-1" strike="noStrike">
+          <a:lstStyle/>
+          <a:p>
+            <a:endParaRPr lang="fr-FR" sz="2800" b="0" strike="noStrike" spc="-1">
               <a:solidFill>
                 <a:srgbClr val="000000"/>
               </a:solidFill>
@@ -2092,11 +2520,12 @@
           </a:prstGeom>
         </p:spPr>
         <p:txBody>
-          <a:bodyPr lIns="0" rIns="0" tIns="0" bIns="0">
+          <a:bodyPr lIns="0" tIns="0" rIns="0" bIns="0">
             <a:normAutofit/>
           </a:bodyPr>
-          <a:p>
-            <a:endParaRPr b="0" lang="fr-FR" sz="2800" spc="-1" strike="noStrike">
+          <a:lstStyle/>
+          <a:p>
+            <a:endParaRPr lang="fr-FR" sz="2800" b="0" strike="noStrike" spc="-1">
               <a:solidFill>
                 <a:srgbClr val="000000"/>
               </a:solidFill>
@@ -2125,11 +2554,12 @@
           </a:prstGeom>
         </p:spPr>
         <p:txBody>
-          <a:bodyPr lIns="0" rIns="0" tIns="0" bIns="0">
+          <a:bodyPr lIns="0" tIns="0" rIns="0" bIns="0">
             <a:normAutofit/>
           </a:bodyPr>
-          <a:p>
-            <a:endParaRPr b="0" lang="fr-FR" sz="2800" spc="-1" strike="noStrike">
+          <a:lstStyle/>
+          <a:p>
+            <a:endParaRPr lang="fr-FR" sz="2800" b="0" strike="noStrike" spc="-1">
               <a:solidFill>
                 <a:srgbClr val="000000"/>
               </a:solidFill>
@@ -2140,11 +2570,14 @@
       </p:sp>
     </p:spTree>
   </p:cSld>
+  <p:clrMapOvr>
+    <a:masterClrMapping/>
+  </p:clrMapOvr>
 </p:sldLayout>
 </file>
 
 <file path=ppt/slideLayouts/slideLayout3.xml><?xml version="1.0" encoding="utf-8"?>
-<p:sldLayout xmlns:a="http://schemas.openxmlformats.org/drawingml/2006/main" xmlns:p="http://schemas.openxmlformats.org/presentationml/2006/main" xmlns:r="http://schemas.openxmlformats.org/officeDocument/2006/relationships" xmlns:p14="http://schemas.microsoft.com/office/powerpoint/2010/main" xmlns:p15="http://schemas.microsoft.com/office/powerpoint/2012/main" xmlns:mc="http://schemas.openxmlformats.org/markup-compatibility/2006" type="obj" preserve="1">
+<p:sldLayout xmlns:a="http://schemas.openxmlformats.org/drawingml/2006/main" xmlns:r="http://schemas.openxmlformats.org/officeDocument/2006/relationships" xmlns:p="http://schemas.openxmlformats.org/presentationml/2006/main" type="obj" preserve="1">
   <p:cSld name="Title, Content">
     <p:spTree>
       <p:nvGrpSpPr>
@@ -2180,11 +2613,12 @@
           </a:prstGeom>
         </p:spPr>
         <p:txBody>
-          <a:bodyPr lIns="0" rIns="0" tIns="0" bIns="0" anchor="ctr">
+          <a:bodyPr lIns="0" tIns="0" rIns="0" bIns="0" anchor="ctr">
             <a:noAutofit/>
           </a:bodyPr>
-          <a:p>
-            <a:endParaRPr b="0" lang="fr-FR" sz="1800" spc="-1" strike="noStrike">
+          <a:lstStyle/>
+          <a:p>
+            <a:endParaRPr lang="fr-FR" sz="1800" b="0" strike="noStrike" spc="-1">
               <a:solidFill>
                 <a:srgbClr val="000000"/>
               </a:solidFill>
@@ -2213,11 +2647,12 @@
           </a:prstGeom>
         </p:spPr>
         <p:txBody>
-          <a:bodyPr lIns="0" rIns="0" tIns="0" bIns="0">
+          <a:bodyPr lIns="0" tIns="0" rIns="0" bIns="0">
             <a:normAutofit/>
           </a:bodyPr>
-          <a:p>
-            <a:endParaRPr b="0" lang="fr-FR" sz="2800" spc="-1" strike="noStrike">
+          <a:lstStyle/>
+          <a:p>
+            <a:endParaRPr lang="fr-FR" sz="2800" b="0" strike="noStrike" spc="-1">
               <a:solidFill>
                 <a:srgbClr val="000000"/>
               </a:solidFill>
@@ -2228,11 +2663,14 @@
       </p:sp>
     </p:spTree>
   </p:cSld>
+  <p:clrMapOvr>
+    <a:masterClrMapping/>
+  </p:clrMapOvr>
 </p:sldLayout>
 </file>
 
 <file path=ppt/slideLayouts/slideLayout4.xml><?xml version="1.0" encoding="utf-8"?>
-<p:sldLayout xmlns:a="http://schemas.openxmlformats.org/drawingml/2006/main" xmlns:p="http://schemas.openxmlformats.org/presentationml/2006/main" xmlns:r="http://schemas.openxmlformats.org/officeDocument/2006/relationships" xmlns:p14="http://schemas.microsoft.com/office/powerpoint/2010/main" xmlns:p15="http://schemas.microsoft.com/office/powerpoint/2012/main" xmlns:mc="http://schemas.openxmlformats.org/markup-compatibility/2006" type="twoObj" preserve="1">
+<p:sldLayout xmlns:a="http://schemas.openxmlformats.org/drawingml/2006/main" xmlns:r="http://schemas.openxmlformats.org/officeDocument/2006/relationships" xmlns:p="http://schemas.openxmlformats.org/presentationml/2006/main" type="twoObj" preserve="1">
   <p:cSld name="Title, 2 Content">
     <p:spTree>
       <p:nvGrpSpPr>
@@ -2268,11 +2706,12 @@
           </a:prstGeom>
         </p:spPr>
         <p:txBody>
-          <a:bodyPr lIns="0" rIns="0" tIns="0" bIns="0" anchor="ctr">
+          <a:bodyPr lIns="0" tIns="0" rIns="0" bIns="0" anchor="ctr">
             <a:noAutofit/>
           </a:bodyPr>
-          <a:p>
-            <a:endParaRPr b="0" lang="fr-FR" sz="1800" spc="-1" strike="noStrike">
+          <a:lstStyle/>
+          <a:p>
+            <a:endParaRPr lang="fr-FR" sz="1800" b="0" strike="noStrike" spc="-1">
               <a:solidFill>
                 <a:srgbClr val="000000"/>
               </a:solidFill>
@@ -2301,11 +2740,12 @@
           </a:prstGeom>
         </p:spPr>
         <p:txBody>
-          <a:bodyPr lIns="0" rIns="0" tIns="0" bIns="0">
+          <a:bodyPr lIns="0" tIns="0" rIns="0" bIns="0">
             <a:normAutofit/>
           </a:bodyPr>
-          <a:p>
-            <a:endParaRPr b="0" lang="fr-FR" sz="2800" spc="-1" strike="noStrike">
+          <a:lstStyle/>
+          <a:p>
+            <a:endParaRPr lang="fr-FR" sz="2800" b="0" strike="noStrike" spc="-1">
               <a:solidFill>
                 <a:srgbClr val="000000"/>
               </a:solidFill>
@@ -2334,11 +2774,12 @@
           </a:prstGeom>
         </p:spPr>
         <p:txBody>
-          <a:bodyPr lIns="0" rIns="0" tIns="0" bIns="0">
+          <a:bodyPr lIns="0" tIns="0" rIns="0" bIns="0">
             <a:normAutofit/>
           </a:bodyPr>
-          <a:p>
-            <a:endParaRPr b="0" lang="fr-FR" sz="2800" spc="-1" strike="noStrike">
+          <a:lstStyle/>
+          <a:p>
+            <a:endParaRPr lang="fr-FR" sz="2800" b="0" strike="noStrike" spc="-1">
               <a:solidFill>
                 <a:srgbClr val="000000"/>
               </a:solidFill>
@@ -2349,11 +2790,14 @@
       </p:sp>
     </p:spTree>
   </p:cSld>
+  <p:clrMapOvr>
+    <a:masterClrMapping/>
+  </p:clrMapOvr>
 </p:sldLayout>
 </file>
 
 <file path=ppt/slideLayouts/slideLayout5.xml><?xml version="1.0" encoding="utf-8"?>
-<p:sldLayout xmlns:a="http://schemas.openxmlformats.org/drawingml/2006/main" xmlns:p="http://schemas.openxmlformats.org/presentationml/2006/main" xmlns:r="http://schemas.openxmlformats.org/officeDocument/2006/relationships" xmlns:p14="http://schemas.microsoft.com/office/powerpoint/2010/main" xmlns:p15="http://schemas.microsoft.com/office/powerpoint/2012/main" xmlns:mc="http://schemas.openxmlformats.org/markup-compatibility/2006" type="titleOnly" preserve="1">
+<p:sldLayout xmlns:a="http://schemas.openxmlformats.org/drawingml/2006/main" xmlns:r="http://schemas.openxmlformats.org/officeDocument/2006/relationships" xmlns:p="http://schemas.openxmlformats.org/presentationml/2006/main" type="titleOnly" preserve="1">
   <p:cSld name="Title Only">
     <p:spTree>
       <p:nvGrpSpPr>
@@ -2389,11 +2833,12 @@
           </a:prstGeom>
         </p:spPr>
         <p:txBody>
-          <a:bodyPr lIns="0" rIns="0" tIns="0" bIns="0" anchor="ctr">
+          <a:bodyPr lIns="0" tIns="0" rIns="0" bIns="0" anchor="ctr">
             <a:noAutofit/>
           </a:bodyPr>
-          <a:p>
-            <a:endParaRPr b="0" lang="fr-FR" sz="1800" spc="-1" strike="noStrike">
+          <a:lstStyle/>
+          <a:p>
+            <a:endParaRPr lang="fr-FR" sz="1800" b="0" strike="noStrike" spc="-1">
               <a:solidFill>
                 <a:srgbClr val="000000"/>
               </a:solidFill>
@@ -2404,11 +2849,14 @@
       </p:sp>
     </p:spTree>
   </p:cSld>
+  <p:clrMapOvr>
+    <a:masterClrMapping/>
+  </p:clrMapOvr>
 </p:sldLayout>
 </file>
 
 <file path=ppt/slideLayouts/slideLayout6.xml><?xml version="1.0" encoding="utf-8"?>
-<p:sldLayout xmlns:a="http://schemas.openxmlformats.org/drawingml/2006/main" xmlns:p="http://schemas.openxmlformats.org/presentationml/2006/main" xmlns:r="http://schemas.openxmlformats.org/officeDocument/2006/relationships" xmlns:p14="http://schemas.microsoft.com/office/powerpoint/2010/main" xmlns:p15="http://schemas.microsoft.com/office/powerpoint/2012/main" xmlns:mc="http://schemas.openxmlformats.org/markup-compatibility/2006" type="objOnly" preserve="1">
+<p:sldLayout xmlns:a="http://schemas.openxmlformats.org/drawingml/2006/main" xmlns:r="http://schemas.openxmlformats.org/officeDocument/2006/relationships" xmlns:p="http://schemas.openxmlformats.org/presentationml/2006/main" type="objOnly" preserve="1">
   <p:cSld name="Centered Text">
     <p:spTree>
       <p:nvGrpSpPr>
@@ -2444,12 +2892,13 @@
           </a:prstGeom>
         </p:spPr>
         <p:txBody>
-          <a:bodyPr lIns="0" rIns="0" tIns="0" bIns="0" anchor="ctr">
+          <a:bodyPr lIns="0" tIns="0" rIns="0" bIns="0" anchor="ctr">
             <a:noAutofit/>
           </a:bodyPr>
+          <a:lstStyle/>
           <a:p>
             <a:pPr algn="ctr"/>
-            <a:endParaRPr b="0" lang="fr-FR" sz="3200" spc="-1" strike="noStrike">
+            <a:endParaRPr lang="fr-FR" sz="3200" b="0" strike="noStrike" spc="-1">
               <a:latin typeface="Arial"/>
             </a:endParaRPr>
           </a:p>
@@ -2457,11 +2906,14 @@
       </p:sp>
     </p:spTree>
   </p:cSld>
+  <p:clrMapOvr>
+    <a:masterClrMapping/>
+  </p:clrMapOvr>
 </p:sldLayout>
 </file>
 
 <file path=ppt/slideLayouts/slideLayout7.xml><?xml version="1.0" encoding="utf-8"?>
-<p:sldLayout xmlns:a="http://schemas.openxmlformats.org/drawingml/2006/main" xmlns:p="http://schemas.openxmlformats.org/presentationml/2006/main" xmlns:r="http://schemas.openxmlformats.org/officeDocument/2006/relationships" xmlns:p14="http://schemas.microsoft.com/office/powerpoint/2010/main" xmlns:p15="http://schemas.microsoft.com/office/powerpoint/2012/main" xmlns:mc="http://schemas.openxmlformats.org/markup-compatibility/2006" type="twoObjAndObj" preserve="1">
+<p:sldLayout xmlns:a="http://schemas.openxmlformats.org/drawingml/2006/main" xmlns:r="http://schemas.openxmlformats.org/officeDocument/2006/relationships" xmlns:p="http://schemas.openxmlformats.org/presentationml/2006/main" type="twoObjAndObj" preserve="1">
   <p:cSld name="Title, 2 Content and Content">
     <p:spTree>
       <p:nvGrpSpPr>
@@ -2497,11 +2949,12 @@
           </a:prstGeom>
         </p:spPr>
         <p:txBody>
-          <a:bodyPr lIns="0" rIns="0" tIns="0" bIns="0" anchor="ctr">
+          <a:bodyPr lIns="0" tIns="0" rIns="0" bIns="0" anchor="ctr">
             <a:noAutofit/>
           </a:bodyPr>
-          <a:p>
-            <a:endParaRPr b="0" lang="fr-FR" sz="1800" spc="-1" strike="noStrike">
+          <a:lstStyle/>
+          <a:p>
+            <a:endParaRPr lang="fr-FR" sz="1800" b="0" strike="noStrike" spc="-1">
               <a:solidFill>
                 <a:srgbClr val="000000"/>
               </a:solidFill>
@@ -2530,11 +2983,12 @@
           </a:prstGeom>
         </p:spPr>
         <p:txBody>
-          <a:bodyPr lIns="0" rIns="0" tIns="0" bIns="0">
+          <a:bodyPr lIns="0" tIns="0" rIns="0" bIns="0">
             <a:normAutofit/>
           </a:bodyPr>
-          <a:p>
-            <a:endParaRPr b="0" lang="fr-FR" sz="2800" spc="-1" strike="noStrike">
+          <a:lstStyle/>
+          <a:p>
+            <a:endParaRPr lang="fr-FR" sz="2800" b="0" strike="noStrike" spc="-1">
               <a:solidFill>
                 <a:srgbClr val="000000"/>
               </a:solidFill>
@@ -2563,11 +3017,12 @@
           </a:prstGeom>
         </p:spPr>
         <p:txBody>
-          <a:bodyPr lIns="0" rIns="0" tIns="0" bIns="0">
+          <a:bodyPr lIns="0" tIns="0" rIns="0" bIns="0">
             <a:normAutofit/>
           </a:bodyPr>
-          <a:p>
-            <a:endParaRPr b="0" lang="fr-FR" sz="2800" spc="-1" strike="noStrike">
+          <a:lstStyle/>
+          <a:p>
+            <a:endParaRPr lang="fr-FR" sz="2800" b="0" strike="noStrike" spc="-1">
               <a:solidFill>
                 <a:srgbClr val="000000"/>
               </a:solidFill>
@@ -2596,11 +3051,12 @@
           </a:prstGeom>
         </p:spPr>
         <p:txBody>
-          <a:bodyPr lIns="0" rIns="0" tIns="0" bIns="0">
+          <a:bodyPr lIns="0" tIns="0" rIns="0" bIns="0">
             <a:normAutofit/>
           </a:bodyPr>
-          <a:p>
-            <a:endParaRPr b="0" lang="fr-FR" sz="2800" spc="-1" strike="noStrike">
+          <a:lstStyle/>
+          <a:p>
+            <a:endParaRPr lang="fr-FR" sz="2800" b="0" strike="noStrike" spc="-1">
               <a:solidFill>
                 <a:srgbClr val="000000"/>
               </a:solidFill>
@@ -2611,11 +3067,14 @@
       </p:sp>
     </p:spTree>
   </p:cSld>
+  <p:clrMapOvr>
+    <a:masterClrMapping/>
+  </p:clrMapOvr>
 </p:sldLayout>
 </file>
 
 <file path=ppt/slideLayouts/slideLayout8.xml><?xml version="1.0" encoding="utf-8"?>
-<p:sldLayout xmlns:a="http://schemas.openxmlformats.org/drawingml/2006/main" xmlns:p="http://schemas.openxmlformats.org/presentationml/2006/main" xmlns:r="http://schemas.openxmlformats.org/officeDocument/2006/relationships" xmlns:p14="http://schemas.microsoft.com/office/powerpoint/2010/main" xmlns:p15="http://schemas.microsoft.com/office/powerpoint/2012/main" xmlns:mc="http://schemas.openxmlformats.org/markup-compatibility/2006" type="objAndTwoObj" preserve="1">
+<p:sldLayout xmlns:a="http://schemas.openxmlformats.org/drawingml/2006/main" xmlns:r="http://schemas.openxmlformats.org/officeDocument/2006/relationships" xmlns:p="http://schemas.openxmlformats.org/presentationml/2006/main" type="objAndTwoObj" preserve="1">
   <p:cSld name="Title Content and 2 Content">
     <p:spTree>
       <p:nvGrpSpPr>
@@ -2651,11 +3110,12 @@
           </a:prstGeom>
         </p:spPr>
         <p:txBody>
-          <a:bodyPr lIns="0" rIns="0" tIns="0" bIns="0" anchor="ctr">
+          <a:bodyPr lIns="0" tIns="0" rIns="0" bIns="0" anchor="ctr">
             <a:noAutofit/>
           </a:bodyPr>
-          <a:p>
-            <a:endParaRPr b="0" lang="fr-FR" sz="1800" spc="-1" strike="noStrike">
+          <a:lstStyle/>
+          <a:p>
+            <a:endParaRPr lang="fr-FR" sz="1800" b="0" strike="noStrike" spc="-1">
               <a:solidFill>
                 <a:srgbClr val="000000"/>
               </a:solidFill>
@@ -2684,11 +3144,12 @@
           </a:prstGeom>
         </p:spPr>
         <p:txBody>
-          <a:bodyPr lIns="0" rIns="0" tIns="0" bIns="0">
+          <a:bodyPr lIns="0" tIns="0" rIns="0" bIns="0">
             <a:normAutofit/>
           </a:bodyPr>
-          <a:p>
-            <a:endParaRPr b="0" lang="fr-FR" sz="2800" spc="-1" strike="noStrike">
+          <a:lstStyle/>
+          <a:p>
+            <a:endParaRPr lang="fr-FR" sz="2800" b="0" strike="noStrike" spc="-1">
               <a:solidFill>
                 <a:srgbClr val="000000"/>
               </a:solidFill>
@@ -2717,11 +3178,12 @@
           </a:prstGeom>
         </p:spPr>
         <p:txBody>
-          <a:bodyPr lIns="0" rIns="0" tIns="0" bIns="0">
+          <a:bodyPr lIns="0" tIns="0" rIns="0" bIns="0">
             <a:normAutofit/>
           </a:bodyPr>
-          <a:p>
-            <a:endParaRPr b="0" lang="fr-FR" sz="2800" spc="-1" strike="noStrike">
+          <a:lstStyle/>
+          <a:p>
+            <a:endParaRPr lang="fr-FR" sz="2800" b="0" strike="noStrike" spc="-1">
               <a:solidFill>
                 <a:srgbClr val="000000"/>
               </a:solidFill>
@@ -2750,11 +3212,12 @@
           </a:prstGeom>
         </p:spPr>
         <p:txBody>
-          <a:bodyPr lIns="0" rIns="0" tIns="0" bIns="0">
+          <a:bodyPr lIns="0" tIns="0" rIns="0" bIns="0">
             <a:normAutofit/>
           </a:bodyPr>
-          <a:p>
-            <a:endParaRPr b="0" lang="fr-FR" sz="2800" spc="-1" strike="noStrike">
+          <a:lstStyle/>
+          <a:p>
+            <a:endParaRPr lang="fr-FR" sz="2800" b="0" strike="noStrike" spc="-1">
               <a:solidFill>
                 <a:srgbClr val="000000"/>
               </a:solidFill>
@@ -2765,11 +3228,14 @@
       </p:sp>
     </p:spTree>
   </p:cSld>
+  <p:clrMapOvr>
+    <a:masterClrMapping/>
+  </p:clrMapOvr>
 </p:sldLayout>
 </file>
 
 <file path=ppt/slideLayouts/slideLayout9.xml><?xml version="1.0" encoding="utf-8"?>
-<p:sldLayout xmlns:a="http://schemas.openxmlformats.org/drawingml/2006/main" xmlns:p="http://schemas.openxmlformats.org/presentationml/2006/main" xmlns:r="http://schemas.openxmlformats.org/officeDocument/2006/relationships" xmlns:p14="http://schemas.microsoft.com/office/powerpoint/2010/main" xmlns:p15="http://schemas.microsoft.com/office/powerpoint/2012/main" xmlns:mc="http://schemas.openxmlformats.org/markup-compatibility/2006" type="twoObjOverTx" preserve="1">
+<p:sldLayout xmlns:a="http://schemas.openxmlformats.org/drawingml/2006/main" xmlns:r="http://schemas.openxmlformats.org/officeDocument/2006/relationships" xmlns:p="http://schemas.openxmlformats.org/presentationml/2006/main" type="twoObjOverTx" preserve="1">
   <p:cSld name="Title, 2 Content over Content">
     <p:spTree>
       <p:nvGrpSpPr>
@@ -2805,11 +3271,12 @@
           </a:prstGeom>
         </p:spPr>
         <p:txBody>
-          <a:bodyPr lIns="0" rIns="0" tIns="0" bIns="0" anchor="ctr">
+          <a:bodyPr lIns="0" tIns="0" rIns="0" bIns="0" anchor="ctr">
             <a:noAutofit/>
           </a:bodyPr>
-          <a:p>
-            <a:endParaRPr b="0" lang="fr-FR" sz="1800" spc="-1" strike="noStrike">
+          <a:lstStyle/>
+          <a:p>
+            <a:endParaRPr lang="fr-FR" sz="1800" b="0" strike="noStrike" spc="-1">
               <a:solidFill>
                 <a:srgbClr val="000000"/>
               </a:solidFill>
@@ -2838,11 +3305,12 @@
           </a:prstGeom>
         </p:spPr>
         <p:txBody>
-          <a:bodyPr lIns="0" rIns="0" tIns="0" bIns="0">
+          <a:bodyPr lIns="0" tIns="0" rIns="0" bIns="0">
             <a:normAutofit/>
           </a:bodyPr>
-          <a:p>
-            <a:endParaRPr b="0" lang="fr-FR" sz="2800" spc="-1" strike="noStrike">
+          <a:lstStyle/>
+          <a:p>
+            <a:endParaRPr lang="fr-FR" sz="2800" b="0" strike="noStrike" spc="-1">
               <a:solidFill>
                 <a:srgbClr val="000000"/>
               </a:solidFill>
@@ -2871,11 +3339,12 @@
           </a:prstGeom>
         </p:spPr>
         <p:txBody>
-          <a:bodyPr lIns="0" rIns="0" tIns="0" bIns="0">
+          <a:bodyPr lIns="0" tIns="0" rIns="0" bIns="0">
             <a:normAutofit/>
           </a:bodyPr>
-          <a:p>
-            <a:endParaRPr b="0" lang="fr-FR" sz="2800" spc="-1" strike="noStrike">
+          <a:lstStyle/>
+          <a:p>
+            <a:endParaRPr lang="fr-FR" sz="2800" b="0" strike="noStrike" spc="-1">
               <a:solidFill>
                 <a:srgbClr val="000000"/>
               </a:solidFill>
@@ -2904,11 +3373,12 @@
           </a:prstGeom>
         </p:spPr>
         <p:txBody>
-          <a:bodyPr lIns="0" rIns="0" tIns="0" bIns="0">
+          <a:bodyPr lIns="0" tIns="0" rIns="0" bIns="0">
             <a:normAutofit/>
           </a:bodyPr>
-          <a:p>
-            <a:endParaRPr b="0" lang="fr-FR" sz="2800" spc="-1" strike="noStrike">
+          <a:lstStyle/>
+          <a:p>
+            <a:endParaRPr lang="fr-FR" sz="2800" b="0" strike="noStrike" spc="-1">
               <a:solidFill>
                 <a:srgbClr val="000000"/>
               </a:solidFill>
@@ -2919,17 +3389,21 @@
       </p:sp>
     </p:spTree>
   </p:cSld>
+  <p:clrMapOvr>
+    <a:masterClrMapping/>
+  </p:clrMapOvr>
 </p:sldLayout>
 </file>
 
 <file path=ppt/slideMasters/slideMaster1.xml><?xml version="1.0" encoding="utf-8"?>
-<p:sldMaster xmlns:a="http://schemas.openxmlformats.org/drawingml/2006/main" xmlns:p="http://schemas.openxmlformats.org/presentationml/2006/main" xmlns:r="http://schemas.openxmlformats.org/officeDocument/2006/relationships" xmlns:p14="http://schemas.microsoft.com/office/powerpoint/2010/main" xmlns:p15="http://schemas.microsoft.com/office/powerpoint/2012/main" xmlns:mc="http://schemas.openxmlformats.org/markup-compatibility/2006">
+<p:sldMaster xmlns:a="http://schemas.openxmlformats.org/drawingml/2006/main" xmlns:r="http://schemas.openxmlformats.org/officeDocument/2006/relationships" xmlns:p="http://schemas.openxmlformats.org/presentationml/2006/main">
   <p:cSld>
     <p:bg>
       <p:bgPr>
         <a:solidFill>
-          <a:srgbClr val="ffffff"/>
+          <a:srgbClr val="FFFFFF"/>
         </a:solidFill>
+        <a:effectLst/>
       </p:bgPr>
     </p:bg>
     <p:spTree>
@@ -2948,7 +3422,7 @@
       </p:grpSpPr>
       <p:sp>
         <p:nvSpPr>
-          <p:cNvPr id="0" name="PlaceHolder 1"/>
+          <p:cNvPr id="5" name="PlaceHolder 1"/>
           <p:cNvSpPr>
             <a:spLocks noGrp="1"/>
           </p:cNvSpPr>
@@ -2969,6 +3443,7 @@
           <a:bodyPr anchor="b">
             <a:noAutofit/>
           </a:bodyPr>
+          <a:lstStyle/>
           <a:p>
             <a:pPr algn="ctr">
               <a:lnSpc>
@@ -2976,7 +3451,7 @@
               </a:lnSpc>
             </a:pPr>
             <a:r>
-              <a:rPr b="0" lang="fr-FR" sz="6000" spc="-1" strike="noStrike">
+              <a:rPr lang="fr-FR" sz="6000" b="0" strike="noStrike" spc="-1">
                 <a:solidFill>
                   <a:srgbClr val="000000"/>
                 </a:solidFill>
@@ -2984,7 +3459,7 @@
               </a:rPr>
               <a:t>Modifiez le style du titre</a:t>
             </a:r>
-            <a:endParaRPr b="0" lang="fr-FR" sz="6000" spc="-1" strike="noStrike">
+            <a:endParaRPr lang="fr-FR" sz="6000" b="0" strike="noStrike" spc="-1">
               <a:solidFill>
                 <a:srgbClr val="000000"/>
               </a:solidFill>
@@ -2995,7 +3470,7 @@
       </p:sp>
       <p:sp>
         <p:nvSpPr>
-          <p:cNvPr id="1" name="PlaceHolder 2"/>
+          <p:cNvPr id="6" name="PlaceHolder 2"/>
           <p:cNvSpPr>
             <a:spLocks noGrp="1"/>
           </p:cNvSpPr>
@@ -3016,6 +3491,7 @@
           <a:bodyPr anchor="ctr">
             <a:noAutofit/>
           </a:bodyPr>
+          <a:lstStyle/>
           <a:p>
             <a:pPr>
               <a:lnSpc>
@@ -3023,15 +3499,15 @@
               </a:lnSpc>
             </a:pPr>
             <a:r>
-              <a:rPr b="0" lang="fr-FR" sz="1200" spc="-1" strike="noStrike">
+              <a:rPr lang="fr-FR" sz="1200" b="0" strike="noStrike" spc="-1">
                 <a:solidFill>
-                  <a:srgbClr val="8b8b8b"/>
+                  <a:srgbClr val="8B8B8B"/>
                 </a:solidFill>
                 <a:latin typeface="Calibri"/>
               </a:rPr>
               <a:t>LP IOTIA</a:t>
             </a:r>
-            <a:endParaRPr b="0" lang="fr-FR" sz="1200" spc="-1" strike="noStrike">
+            <a:endParaRPr lang="fr-FR" sz="1200" b="0" strike="noStrike" spc="-1">
               <a:latin typeface="Times New Roman"/>
             </a:endParaRPr>
           </a:p>
@@ -3060,8 +3536,9 @@
           <a:bodyPr anchor="ctr">
             <a:noAutofit/>
           </a:bodyPr>
-          <a:p>
-            <a:endParaRPr b="0" lang="fr-FR" sz="2400" spc="-1" strike="noStrike">
+          <a:lstStyle/>
+          <a:p>
+            <a:endParaRPr lang="fr-FR" sz="2400" b="0" strike="noStrike" spc="-1">
               <a:latin typeface="Times New Roman"/>
             </a:endParaRPr>
           </a:p>
@@ -3090,6 +3567,7 @@
           <a:bodyPr anchor="ctr">
             <a:noAutofit/>
           </a:bodyPr>
+          <a:lstStyle/>
           <a:p>
             <a:pPr algn="r">
               <a:lnSpc>
@@ -3097,15 +3575,15 @@
               </a:lnSpc>
             </a:pPr>
             <a:fld id="{6611203E-7825-454F-9041-A9B2E8384790}" type="slidenum">
-              <a:rPr b="0" lang="fr-FR" sz="1200" spc="-1" strike="noStrike">
+              <a:rPr lang="fr-FR" sz="1200" b="0" strike="noStrike" spc="-1">
                 <a:solidFill>
-                  <a:srgbClr val="8b8b8b"/>
+                  <a:srgbClr val="8B8B8B"/>
                 </a:solidFill>
                 <a:latin typeface="Calibri"/>
               </a:rPr>
-              <a:t>&lt;numéro&gt;</a:t>
+              <a:t>‹N°›</a:t>
             </a:fld>
-            <a:endParaRPr b="0" lang="fr-FR" sz="1200" spc="-1" strike="noStrike">
+            <a:endParaRPr lang="fr-FR" sz="1200" b="0" strike="noStrike" spc="-1">
               <a:latin typeface="Times New Roman"/>
             </a:endParaRPr>
           </a:p>
@@ -3131,9 +3609,10 @@
           </a:prstGeom>
         </p:spPr>
         <p:txBody>
-          <a:bodyPr lIns="0" rIns="0" tIns="0" bIns="0">
+          <a:bodyPr lIns="0" tIns="0" rIns="0" bIns="0">
             <a:normAutofit/>
           </a:bodyPr>
+          <a:lstStyle/>
           <a:p>
             <a:pPr marL="432000" indent="-324000">
               <a:spcBef>
@@ -3147,7 +3626,7 @@
               <a:buChar char=""/>
             </a:pPr>
             <a:r>
-              <a:rPr b="0" lang="fr-FR" sz="2800" spc="-1" strike="noStrike">
+              <a:rPr lang="fr-FR" sz="2800" b="0" strike="noStrike" spc="-1">
                 <a:solidFill>
                   <a:srgbClr val="000000"/>
                 </a:solidFill>
@@ -3155,15 +3634,9 @@
               </a:rPr>
               <a:t>Cliquez pour éditer le format du plan de texte</a:t>
             </a:r>
-            <a:endParaRPr b="0" lang="fr-FR" sz="2800" spc="-1" strike="noStrike">
-              <a:solidFill>
-                <a:srgbClr val="000000"/>
-              </a:solidFill>
-              <a:latin typeface="Calibri"/>
-            </a:endParaRPr>
-          </a:p>
-          <a:p>
-            <a:pPr lvl="1" marL="864000" indent="-324000">
+          </a:p>
+          <a:p>
+            <a:pPr marL="864000" lvl="1" indent="-324000">
               <a:spcBef>
                 <a:spcPts val="1134"/>
               </a:spcBef>
@@ -3175,7 +3648,7 @@
               <a:buChar char=""/>
             </a:pPr>
             <a:r>
-              <a:rPr b="0" lang="fr-FR" sz="2000" spc="-1" strike="noStrike">
+              <a:rPr lang="fr-FR" sz="2000" b="0" strike="noStrike" spc="-1">
                 <a:solidFill>
                   <a:srgbClr val="000000"/>
                 </a:solidFill>
@@ -3183,15 +3656,9 @@
               </a:rPr>
               <a:t>Second niveau de plan</a:t>
             </a:r>
-            <a:endParaRPr b="0" lang="fr-FR" sz="2000" spc="-1" strike="noStrike">
-              <a:solidFill>
-                <a:srgbClr val="000000"/>
-              </a:solidFill>
-              <a:latin typeface="Calibri"/>
-            </a:endParaRPr>
-          </a:p>
-          <a:p>
-            <a:pPr lvl="2" marL="1296000" indent="-288000">
+          </a:p>
+          <a:p>
+            <a:pPr marL="1296000" lvl="2" indent="-288000">
               <a:spcBef>
                 <a:spcPts val="850"/>
               </a:spcBef>
@@ -3203,7 +3670,7 @@
               <a:buChar char=""/>
             </a:pPr>
             <a:r>
-              <a:rPr b="0" lang="fr-FR" sz="1800" spc="-1" strike="noStrike">
+              <a:rPr lang="fr-FR" sz="1800" b="0" strike="noStrike" spc="-1">
                 <a:solidFill>
                   <a:srgbClr val="000000"/>
                 </a:solidFill>
@@ -3211,15 +3678,9 @@
               </a:rPr>
               <a:t>Troisième niveau de plan</a:t>
             </a:r>
-            <a:endParaRPr b="0" lang="fr-FR" sz="1800" spc="-1" strike="noStrike">
-              <a:solidFill>
-                <a:srgbClr val="000000"/>
-              </a:solidFill>
-              <a:latin typeface="Calibri"/>
-            </a:endParaRPr>
-          </a:p>
-          <a:p>
-            <a:pPr lvl="3" marL="1728000" indent="-216000">
+          </a:p>
+          <a:p>
+            <a:pPr marL="1728000" lvl="3" indent="-216000">
               <a:spcBef>
                 <a:spcPts val="567"/>
               </a:spcBef>
@@ -3231,7 +3692,7 @@
               <a:buChar char=""/>
             </a:pPr>
             <a:r>
-              <a:rPr b="0" lang="fr-FR" sz="1800" spc="-1" strike="noStrike">
+              <a:rPr lang="fr-FR" sz="1800" b="0" strike="noStrike" spc="-1">
                 <a:solidFill>
                   <a:srgbClr val="000000"/>
                 </a:solidFill>
@@ -3239,15 +3700,9 @@
               </a:rPr>
               <a:t>Quatrième niveau de plan</a:t>
             </a:r>
-            <a:endParaRPr b="0" lang="fr-FR" sz="1800" spc="-1" strike="noStrike">
-              <a:solidFill>
-                <a:srgbClr val="000000"/>
-              </a:solidFill>
-              <a:latin typeface="Calibri"/>
-            </a:endParaRPr>
-          </a:p>
-          <a:p>
-            <a:pPr lvl="4" marL="2160000" indent="-216000">
+          </a:p>
+          <a:p>
+            <a:pPr marL="2160000" lvl="4" indent="-216000">
               <a:spcBef>
                 <a:spcPts val="283"/>
               </a:spcBef>
@@ -3259,7 +3714,7 @@
               <a:buChar char=""/>
             </a:pPr>
             <a:r>
-              <a:rPr b="0" lang="fr-FR" sz="2000" spc="-1" strike="noStrike">
+              <a:rPr lang="fr-FR" sz="2000" b="0" strike="noStrike" spc="-1">
                 <a:solidFill>
                   <a:srgbClr val="000000"/>
                 </a:solidFill>
@@ -3267,15 +3722,9 @@
               </a:rPr>
               <a:t>Cinquième niveau de plan</a:t>
             </a:r>
-            <a:endParaRPr b="0" lang="fr-FR" sz="2000" spc="-1" strike="noStrike">
-              <a:solidFill>
-                <a:srgbClr val="000000"/>
-              </a:solidFill>
-              <a:latin typeface="Calibri"/>
-            </a:endParaRPr>
-          </a:p>
-          <a:p>
-            <a:pPr lvl="5" marL="2592000" indent="-216000">
+          </a:p>
+          <a:p>
+            <a:pPr marL="2592000" lvl="5" indent="-216000">
               <a:spcBef>
                 <a:spcPts val="283"/>
               </a:spcBef>
@@ -3287,7 +3736,7 @@
               <a:buChar char=""/>
             </a:pPr>
             <a:r>
-              <a:rPr b="0" lang="fr-FR" sz="2000" spc="-1" strike="noStrike">
+              <a:rPr lang="fr-FR" sz="2000" b="0" strike="noStrike" spc="-1">
                 <a:solidFill>
                   <a:srgbClr val="000000"/>
                 </a:solidFill>
@@ -3295,15 +3744,9 @@
               </a:rPr>
               <a:t>Sixième niveau de plan</a:t>
             </a:r>
-            <a:endParaRPr b="0" lang="fr-FR" sz="2000" spc="-1" strike="noStrike">
-              <a:solidFill>
-                <a:srgbClr val="000000"/>
-              </a:solidFill>
-              <a:latin typeface="Calibri"/>
-            </a:endParaRPr>
-          </a:p>
-          <a:p>
-            <a:pPr lvl="6" marL="3024000" indent="-216000">
+          </a:p>
+          <a:p>
+            <a:pPr marL="3024000" lvl="6" indent="-216000">
               <a:spcBef>
                 <a:spcPts val="283"/>
               </a:spcBef>
@@ -3315,7 +3758,7 @@
               <a:buChar char=""/>
             </a:pPr>
             <a:r>
-              <a:rPr b="0" lang="fr-FR" sz="2000" spc="-1" strike="noStrike">
+              <a:rPr lang="fr-FR" sz="2000" b="0" strike="noStrike" spc="-1">
                 <a:solidFill>
                   <a:srgbClr val="000000"/>
                 </a:solidFill>
@@ -3323,43 +3766,318 @@
               </a:rPr>
               <a:t>Septième niveau de plan</a:t>
             </a:r>
-            <a:endParaRPr b="0" lang="fr-FR" sz="2000" spc="-1" strike="noStrike">
-              <a:solidFill>
-                <a:srgbClr val="000000"/>
-              </a:solidFill>
-              <a:latin typeface="Calibri"/>
-            </a:endParaRPr>
           </a:p>
         </p:txBody>
       </p:sp>
     </p:spTree>
   </p:cSld>
-  <p:clrMap bg1="lt1" bg2="lt2" tx1="dk1" tx2="dk2" accent1="accent1" accent2="accent2" accent3="accent3" accent4="accent4" accent5="accent5" accent6="accent6" hlink="hlink" folHlink="folHlink"/>
+  <p:clrMap bg1="lt1" tx1="dk1" bg2="lt2" tx2="dk2" accent1="accent1" accent2="accent2" accent3="accent3" accent4="accent4" accent5="accent5" accent6="accent6" hlink="hlink" folHlink="folHlink"/>
   <p:sldLayoutIdLst>
-    <p:sldLayoutId id="2147483649" r:id="rId2"/>
-    <p:sldLayoutId id="2147483650" r:id="rId3"/>
-    <p:sldLayoutId id="2147483651" r:id="rId4"/>
-    <p:sldLayoutId id="2147483652" r:id="rId5"/>
-    <p:sldLayoutId id="2147483653" r:id="rId6"/>
-    <p:sldLayoutId id="2147483654" r:id="rId7"/>
-    <p:sldLayoutId id="2147483655" r:id="rId8"/>
-    <p:sldLayoutId id="2147483656" r:id="rId9"/>
-    <p:sldLayoutId id="2147483657" r:id="rId10"/>
-    <p:sldLayoutId id="2147483658" r:id="rId11"/>
-    <p:sldLayoutId id="2147483659" r:id="rId12"/>
-    <p:sldLayoutId id="2147483660" r:id="rId13"/>
+    <p:sldLayoutId id="2147483649" r:id="rId1"/>
+    <p:sldLayoutId id="2147483650" r:id="rId2"/>
+    <p:sldLayoutId id="2147483651" r:id="rId3"/>
+    <p:sldLayoutId id="2147483652" r:id="rId4"/>
+    <p:sldLayoutId id="2147483653" r:id="rId5"/>
+    <p:sldLayoutId id="2147483654" r:id="rId6"/>
+    <p:sldLayoutId id="2147483655" r:id="rId7"/>
+    <p:sldLayoutId id="2147483656" r:id="rId8"/>
+    <p:sldLayoutId id="2147483657" r:id="rId9"/>
+    <p:sldLayoutId id="2147483658" r:id="rId10"/>
+    <p:sldLayoutId id="2147483659" r:id="rId11"/>
+    <p:sldLayoutId id="2147483660" r:id="rId12"/>
   </p:sldLayoutIdLst>
+  <p:txStyles>
+    <p:titleStyle>
+      <a:lvl1pPr algn="l" defTabSz="914400" rtl="0" eaLnBrk="1" latinLnBrk="0" hangingPunct="1">
+        <a:lnSpc>
+          <a:spcPct val="90000"/>
+        </a:lnSpc>
+        <a:spcBef>
+          <a:spcPct val="0"/>
+        </a:spcBef>
+        <a:buNone/>
+        <a:defRPr sz="4400" kern="1200">
+          <a:solidFill>
+            <a:schemeClr val="tx1"/>
+          </a:solidFill>
+          <a:latin typeface="+mj-lt"/>
+          <a:ea typeface="+mj-ea"/>
+          <a:cs typeface="+mj-cs"/>
+        </a:defRPr>
+      </a:lvl1pPr>
+    </p:titleStyle>
+    <p:bodyStyle>
+      <a:lvl1pPr marL="228600" indent="-228600" algn="l" defTabSz="914400" rtl="0" eaLnBrk="1" latinLnBrk="0" hangingPunct="1">
+        <a:lnSpc>
+          <a:spcPct val="90000"/>
+        </a:lnSpc>
+        <a:spcBef>
+          <a:spcPts val="1000"/>
+        </a:spcBef>
+        <a:buFont typeface="Arial" panose="020B0604020202020204" pitchFamily="34" charset="0"/>
+        <a:buChar char="•"/>
+        <a:defRPr sz="2800" kern="1200">
+          <a:solidFill>
+            <a:schemeClr val="tx1"/>
+          </a:solidFill>
+          <a:latin typeface="+mn-lt"/>
+          <a:ea typeface="+mn-ea"/>
+          <a:cs typeface="+mn-cs"/>
+        </a:defRPr>
+      </a:lvl1pPr>
+      <a:lvl2pPr marL="685800" indent="-228600" algn="l" defTabSz="914400" rtl="0" eaLnBrk="1" latinLnBrk="0" hangingPunct="1">
+        <a:lnSpc>
+          <a:spcPct val="90000"/>
+        </a:lnSpc>
+        <a:spcBef>
+          <a:spcPts val="500"/>
+        </a:spcBef>
+        <a:buFont typeface="Arial" panose="020B0604020202020204" pitchFamily="34" charset="0"/>
+        <a:buChar char="•"/>
+        <a:defRPr sz="2400" kern="1200">
+          <a:solidFill>
+            <a:schemeClr val="tx1"/>
+          </a:solidFill>
+          <a:latin typeface="+mn-lt"/>
+          <a:ea typeface="+mn-ea"/>
+          <a:cs typeface="+mn-cs"/>
+        </a:defRPr>
+      </a:lvl2pPr>
+      <a:lvl3pPr marL="1143000" indent="-228600" algn="l" defTabSz="914400" rtl="0" eaLnBrk="1" latinLnBrk="0" hangingPunct="1">
+        <a:lnSpc>
+          <a:spcPct val="90000"/>
+        </a:lnSpc>
+        <a:spcBef>
+          <a:spcPts val="500"/>
+        </a:spcBef>
+        <a:buFont typeface="Arial" panose="020B0604020202020204" pitchFamily="34" charset="0"/>
+        <a:buChar char="•"/>
+        <a:defRPr sz="2000" kern="1200">
+          <a:solidFill>
+            <a:schemeClr val="tx1"/>
+          </a:solidFill>
+          <a:latin typeface="+mn-lt"/>
+          <a:ea typeface="+mn-ea"/>
+          <a:cs typeface="+mn-cs"/>
+        </a:defRPr>
+      </a:lvl3pPr>
+      <a:lvl4pPr marL="1600200" indent="-228600" algn="l" defTabSz="914400" rtl="0" eaLnBrk="1" latinLnBrk="0" hangingPunct="1">
+        <a:lnSpc>
+          <a:spcPct val="90000"/>
+        </a:lnSpc>
+        <a:spcBef>
+          <a:spcPts val="500"/>
+        </a:spcBef>
+        <a:buFont typeface="Arial" panose="020B0604020202020204" pitchFamily="34" charset="0"/>
+        <a:buChar char="•"/>
+        <a:defRPr sz="1800" kern="1200">
+          <a:solidFill>
+            <a:schemeClr val="tx1"/>
+          </a:solidFill>
+          <a:latin typeface="+mn-lt"/>
+          <a:ea typeface="+mn-ea"/>
+          <a:cs typeface="+mn-cs"/>
+        </a:defRPr>
+      </a:lvl4pPr>
+      <a:lvl5pPr marL="2057400" indent="-228600" algn="l" defTabSz="914400" rtl="0" eaLnBrk="1" latinLnBrk="0" hangingPunct="1">
+        <a:lnSpc>
+          <a:spcPct val="90000"/>
+        </a:lnSpc>
+        <a:spcBef>
+          <a:spcPts val="500"/>
+        </a:spcBef>
+        <a:buFont typeface="Arial" panose="020B0604020202020204" pitchFamily="34" charset="0"/>
+        <a:buChar char="•"/>
+        <a:defRPr sz="1800" kern="1200">
+          <a:solidFill>
+            <a:schemeClr val="tx1"/>
+          </a:solidFill>
+          <a:latin typeface="+mn-lt"/>
+          <a:ea typeface="+mn-ea"/>
+          <a:cs typeface="+mn-cs"/>
+        </a:defRPr>
+      </a:lvl5pPr>
+      <a:lvl6pPr marL="2514600" indent="-228600" algn="l" defTabSz="914400" rtl="0" eaLnBrk="1" latinLnBrk="0" hangingPunct="1">
+        <a:lnSpc>
+          <a:spcPct val="90000"/>
+        </a:lnSpc>
+        <a:spcBef>
+          <a:spcPts val="500"/>
+        </a:spcBef>
+        <a:buFont typeface="Arial" panose="020B0604020202020204" pitchFamily="34" charset="0"/>
+        <a:buChar char="•"/>
+        <a:defRPr sz="1800" kern="1200">
+          <a:solidFill>
+            <a:schemeClr val="tx1"/>
+          </a:solidFill>
+          <a:latin typeface="+mn-lt"/>
+          <a:ea typeface="+mn-ea"/>
+          <a:cs typeface="+mn-cs"/>
+        </a:defRPr>
+      </a:lvl6pPr>
+      <a:lvl7pPr marL="2971800" indent="-228600" algn="l" defTabSz="914400" rtl="0" eaLnBrk="1" latinLnBrk="0" hangingPunct="1">
+        <a:lnSpc>
+          <a:spcPct val="90000"/>
+        </a:lnSpc>
+        <a:spcBef>
+          <a:spcPts val="500"/>
+        </a:spcBef>
+        <a:buFont typeface="Arial" panose="020B0604020202020204" pitchFamily="34" charset="0"/>
+        <a:buChar char="•"/>
+        <a:defRPr sz="1800" kern="1200">
+          <a:solidFill>
+            <a:schemeClr val="tx1"/>
+          </a:solidFill>
+          <a:latin typeface="+mn-lt"/>
+          <a:ea typeface="+mn-ea"/>
+          <a:cs typeface="+mn-cs"/>
+        </a:defRPr>
+      </a:lvl7pPr>
+      <a:lvl8pPr marL="3429000" indent="-228600" algn="l" defTabSz="914400" rtl="0" eaLnBrk="1" latinLnBrk="0" hangingPunct="1">
+        <a:lnSpc>
+          <a:spcPct val="90000"/>
+        </a:lnSpc>
+        <a:spcBef>
+          <a:spcPts val="500"/>
+        </a:spcBef>
+        <a:buFont typeface="Arial" panose="020B0604020202020204" pitchFamily="34" charset="0"/>
+        <a:buChar char="•"/>
+        <a:defRPr sz="1800" kern="1200">
+          <a:solidFill>
+            <a:schemeClr val="tx1"/>
+          </a:solidFill>
+          <a:latin typeface="+mn-lt"/>
+          <a:ea typeface="+mn-ea"/>
+          <a:cs typeface="+mn-cs"/>
+        </a:defRPr>
+      </a:lvl8pPr>
+      <a:lvl9pPr marL="3886200" indent="-228600" algn="l" defTabSz="914400" rtl="0" eaLnBrk="1" latinLnBrk="0" hangingPunct="1">
+        <a:lnSpc>
+          <a:spcPct val="90000"/>
+        </a:lnSpc>
+        <a:spcBef>
+          <a:spcPts val="500"/>
+        </a:spcBef>
+        <a:buFont typeface="Arial" panose="020B0604020202020204" pitchFamily="34" charset="0"/>
+        <a:buChar char="•"/>
+        <a:defRPr sz="1800" kern="1200">
+          <a:solidFill>
+            <a:schemeClr val="tx1"/>
+          </a:solidFill>
+          <a:latin typeface="+mn-lt"/>
+          <a:ea typeface="+mn-ea"/>
+          <a:cs typeface="+mn-cs"/>
+        </a:defRPr>
+      </a:lvl9pPr>
+    </p:bodyStyle>
+    <p:otherStyle>
+      <a:defPPr>
+        <a:defRPr lang="fr-FR"/>
+      </a:defPPr>
+      <a:lvl1pPr marL="0" algn="l" defTabSz="914400" rtl="0" eaLnBrk="1" latinLnBrk="0" hangingPunct="1">
+        <a:defRPr sz="1800" kern="1200">
+          <a:solidFill>
+            <a:schemeClr val="tx1"/>
+          </a:solidFill>
+          <a:latin typeface="+mn-lt"/>
+          <a:ea typeface="+mn-ea"/>
+          <a:cs typeface="+mn-cs"/>
+        </a:defRPr>
+      </a:lvl1pPr>
+      <a:lvl2pPr marL="457200" algn="l" defTabSz="914400" rtl="0" eaLnBrk="1" latinLnBrk="0" hangingPunct="1">
+        <a:defRPr sz="1800" kern="1200">
+          <a:solidFill>
+            <a:schemeClr val="tx1"/>
+          </a:solidFill>
+          <a:latin typeface="+mn-lt"/>
+          <a:ea typeface="+mn-ea"/>
+          <a:cs typeface="+mn-cs"/>
+        </a:defRPr>
+      </a:lvl2pPr>
+      <a:lvl3pPr marL="914400" algn="l" defTabSz="914400" rtl="0" eaLnBrk="1" latinLnBrk="0" hangingPunct="1">
+        <a:defRPr sz="1800" kern="1200">
+          <a:solidFill>
+            <a:schemeClr val="tx1"/>
+          </a:solidFill>
+          <a:latin typeface="+mn-lt"/>
+          <a:ea typeface="+mn-ea"/>
+          <a:cs typeface="+mn-cs"/>
+        </a:defRPr>
+      </a:lvl3pPr>
+      <a:lvl4pPr marL="1371600" algn="l" defTabSz="914400" rtl="0" eaLnBrk="1" latinLnBrk="0" hangingPunct="1">
+        <a:defRPr sz="1800" kern="1200">
+          <a:solidFill>
+            <a:schemeClr val="tx1"/>
+          </a:solidFill>
+          <a:latin typeface="+mn-lt"/>
+          <a:ea typeface="+mn-ea"/>
+          <a:cs typeface="+mn-cs"/>
+        </a:defRPr>
+      </a:lvl4pPr>
+      <a:lvl5pPr marL="1828800" algn="l" defTabSz="914400" rtl="0" eaLnBrk="1" latinLnBrk="0" hangingPunct="1">
+        <a:defRPr sz="1800" kern="1200">
+          <a:solidFill>
+            <a:schemeClr val="tx1"/>
+          </a:solidFill>
+          <a:latin typeface="+mn-lt"/>
+          <a:ea typeface="+mn-ea"/>
+          <a:cs typeface="+mn-cs"/>
+        </a:defRPr>
+      </a:lvl5pPr>
+      <a:lvl6pPr marL="2286000" algn="l" defTabSz="914400" rtl="0" eaLnBrk="1" latinLnBrk="0" hangingPunct="1">
+        <a:defRPr sz="1800" kern="1200">
+          <a:solidFill>
+            <a:schemeClr val="tx1"/>
+          </a:solidFill>
+          <a:latin typeface="+mn-lt"/>
+          <a:ea typeface="+mn-ea"/>
+          <a:cs typeface="+mn-cs"/>
+        </a:defRPr>
+      </a:lvl6pPr>
+      <a:lvl7pPr marL="2743200" algn="l" defTabSz="914400" rtl="0" eaLnBrk="1" latinLnBrk="0" hangingPunct="1">
+        <a:defRPr sz="1800" kern="1200">
+          <a:solidFill>
+            <a:schemeClr val="tx1"/>
+          </a:solidFill>
+          <a:latin typeface="+mn-lt"/>
+          <a:ea typeface="+mn-ea"/>
+          <a:cs typeface="+mn-cs"/>
+        </a:defRPr>
+      </a:lvl7pPr>
+      <a:lvl8pPr marL="3200400" algn="l" defTabSz="914400" rtl="0" eaLnBrk="1" latinLnBrk="0" hangingPunct="1">
+        <a:defRPr sz="1800" kern="1200">
+          <a:solidFill>
+            <a:schemeClr val="tx1"/>
+          </a:solidFill>
+          <a:latin typeface="+mn-lt"/>
+          <a:ea typeface="+mn-ea"/>
+          <a:cs typeface="+mn-cs"/>
+        </a:defRPr>
+      </a:lvl8pPr>
+      <a:lvl9pPr marL="3657600" algn="l" defTabSz="914400" rtl="0" eaLnBrk="1" latinLnBrk="0" hangingPunct="1">
+        <a:defRPr sz="1800" kern="1200">
+          <a:solidFill>
+            <a:schemeClr val="tx1"/>
+          </a:solidFill>
+          <a:latin typeface="+mn-lt"/>
+          <a:ea typeface="+mn-ea"/>
+          <a:cs typeface="+mn-cs"/>
+        </a:defRPr>
+      </a:lvl9pPr>
+    </p:otherStyle>
+  </p:txStyles>
 </p:sldMaster>
 </file>
 
 <file path=ppt/slideMasters/slideMaster2.xml><?xml version="1.0" encoding="utf-8"?>
-<p:sldMaster xmlns:a="http://schemas.openxmlformats.org/drawingml/2006/main" xmlns:p="http://schemas.openxmlformats.org/presentationml/2006/main" xmlns:r="http://schemas.openxmlformats.org/officeDocument/2006/relationships" xmlns:p14="http://schemas.microsoft.com/office/powerpoint/2010/main" xmlns:p15="http://schemas.microsoft.com/office/powerpoint/2012/main" xmlns:mc="http://schemas.openxmlformats.org/markup-compatibility/2006">
+<p:sldMaster xmlns:a="http://schemas.openxmlformats.org/drawingml/2006/main" xmlns:r="http://schemas.openxmlformats.org/officeDocument/2006/relationships" xmlns:p="http://schemas.openxmlformats.org/presentationml/2006/main">
   <p:cSld>
     <p:bg>
       <p:bgPr>
         <a:solidFill>
-          <a:srgbClr val="ffffff"/>
+          <a:srgbClr val="FFFFFF"/>
         </a:solidFill>
+        <a:effectLst/>
       </p:bgPr>
     </p:bg>
     <p:spTree>
@@ -3399,6 +4117,7 @@
           <a:bodyPr anchor="ctr">
             <a:noAutofit/>
           </a:bodyPr>
+          <a:lstStyle/>
           <a:p>
             <a:pPr>
               <a:lnSpc>
@@ -3406,7 +4125,7 @@
               </a:lnSpc>
             </a:pPr>
             <a:r>
-              <a:rPr b="0" lang="fr-FR" sz="4400" spc="-1" strike="noStrike">
+              <a:rPr lang="fr-FR" sz="4400" b="0" strike="noStrike" spc="-1">
                 <a:solidFill>
                   <a:srgbClr val="000000"/>
                 </a:solidFill>
@@ -3414,7 +4133,7 @@
               </a:rPr>
               <a:t>Modifiez le style du titre</a:t>
             </a:r>
-            <a:endParaRPr b="0" lang="fr-FR" sz="4400" spc="-1" strike="noStrike">
+            <a:endParaRPr lang="fr-FR" sz="4400" b="0" strike="noStrike" spc="-1">
               <a:solidFill>
                 <a:srgbClr val="000000"/>
               </a:solidFill>
@@ -3446,6 +4165,7 @@
           <a:bodyPr>
             <a:noAutofit/>
           </a:bodyPr>
+          <a:lstStyle/>
           <a:p>
             <a:pPr marL="228600" indent="-228240">
               <a:lnSpc>
@@ -3461,7 +4181,7 @@
               <a:buChar char="•"/>
             </a:pPr>
             <a:r>
-              <a:rPr b="0" lang="fr-FR" sz="2800" spc="-1" strike="noStrike">
+              <a:rPr lang="fr-FR" sz="2800" b="0" strike="noStrike" spc="-1">
                 <a:solidFill>
                   <a:srgbClr val="000000"/>
                 </a:solidFill>
@@ -3469,15 +4189,9 @@
               </a:rPr>
               <a:t>Cliquez pour modifier les styles du texte du masque</a:t>
             </a:r>
-            <a:endParaRPr b="0" lang="fr-FR" sz="2800" spc="-1" strike="noStrike">
-              <a:solidFill>
-                <a:srgbClr val="000000"/>
-              </a:solidFill>
-              <a:latin typeface="Calibri"/>
-            </a:endParaRPr>
-          </a:p>
-          <a:p>
-            <a:pPr lvl="1" marL="685800" indent="-228240">
+          </a:p>
+          <a:p>
+            <a:pPr marL="685800" lvl="1" indent="-228240">
               <a:lnSpc>
                 <a:spcPct val="90000"/>
               </a:lnSpc>
@@ -3491,7 +4205,7 @@
               <a:buChar char="•"/>
             </a:pPr>
             <a:r>
-              <a:rPr b="0" lang="fr-FR" sz="2400" spc="-1" strike="noStrike">
+              <a:rPr lang="fr-FR" sz="2400" b="0" strike="noStrike" spc="-1">
                 <a:solidFill>
                   <a:srgbClr val="000000"/>
                 </a:solidFill>
@@ -3499,15 +4213,9 @@
               </a:rPr>
               <a:t>Deuxième niveau</a:t>
             </a:r>
-            <a:endParaRPr b="0" lang="fr-FR" sz="2400" spc="-1" strike="noStrike">
-              <a:solidFill>
-                <a:srgbClr val="000000"/>
-              </a:solidFill>
-              <a:latin typeface="Calibri"/>
-            </a:endParaRPr>
-          </a:p>
-          <a:p>
-            <a:pPr lvl="2" marL="1143000" indent="-228240">
+          </a:p>
+          <a:p>
+            <a:pPr marL="1143000" lvl="2" indent="-228240">
               <a:lnSpc>
                 <a:spcPct val="90000"/>
               </a:lnSpc>
@@ -3521,7 +4229,7 @@
               <a:buChar char="•"/>
             </a:pPr>
             <a:r>
-              <a:rPr b="0" lang="fr-FR" sz="2000" spc="-1" strike="noStrike">
+              <a:rPr lang="fr-FR" sz="2000" b="0" strike="noStrike" spc="-1">
                 <a:solidFill>
                   <a:srgbClr val="000000"/>
                 </a:solidFill>
@@ -3529,15 +4237,9 @@
               </a:rPr>
               <a:t>Troisième niveau</a:t>
             </a:r>
-            <a:endParaRPr b="0" lang="fr-FR" sz="2000" spc="-1" strike="noStrike">
-              <a:solidFill>
-                <a:srgbClr val="000000"/>
-              </a:solidFill>
-              <a:latin typeface="Calibri"/>
-            </a:endParaRPr>
-          </a:p>
-          <a:p>
-            <a:pPr lvl="3" marL="1600200" indent="-228240">
+          </a:p>
+          <a:p>
+            <a:pPr marL="1600200" lvl="3" indent="-228240">
               <a:lnSpc>
                 <a:spcPct val="90000"/>
               </a:lnSpc>
@@ -3551,7 +4253,7 @@
               <a:buChar char="•"/>
             </a:pPr>
             <a:r>
-              <a:rPr b="0" lang="fr-FR" sz="1800" spc="-1" strike="noStrike">
+              <a:rPr lang="fr-FR" sz="1800" b="0" strike="noStrike" spc="-1">
                 <a:solidFill>
                   <a:srgbClr val="000000"/>
                 </a:solidFill>
@@ -3559,15 +4261,9 @@
               </a:rPr>
               <a:t>Quatrième niveau</a:t>
             </a:r>
-            <a:endParaRPr b="0" lang="fr-FR" sz="1800" spc="-1" strike="noStrike">
-              <a:solidFill>
-                <a:srgbClr val="000000"/>
-              </a:solidFill>
-              <a:latin typeface="Calibri"/>
-            </a:endParaRPr>
-          </a:p>
-          <a:p>
-            <a:pPr lvl="4" marL="2057400" indent="-228240">
+          </a:p>
+          <a:p>
+            <a:pPr marL="2057400" lvl="4" indent="-228240">
               <a:lnSpc>
                 <a:spcPct val="90000"/>
               </a:lnSpc>
@@ -3581,7 +4277,7 @@
               <a:buChar char="•"/>
             </a:pPr>
             <a:r>
-              <a:rPr b="0" lang="fr-FR" sz="1800" spc="-1" strike="noStrike">
+              <a:rPr lang="fr-FR" sz="1800" b="0" strike="noStrike" spc="-1">
                 <a:solidFill>
                   <a:srgbClr val="000000"/>
                 </a:solidFill>
@@ -3589,12 +4285,6 @@
               </a:rPr>
               <a:t>Cinquième niveau</a:t>
             </a:r>
-            <a:endParaRPr b="0" lang="fr-FR" sz="1800" spc="-1" strike="noStrike">
-              <a:solidFill>
-                <a:srgbClr val="000000"/>
-              </a:solidFill>
-              <a:latin typeface="Calibri"/>
-            </a:endParaRPr>
           </a:p>
         </p:txBody>
       </p:sp>
@@ -3621,6 +4311,7 @@
           <a:bodyPr anchor="ctr">
             <a:noAutofit/>
           </a:bodyPr>
+          <a:lstStyle/>
           <a:p>
             <a:pPr>
               <a:lnSpc>
@@ -3628,15 +4319,15 @@
               </a:lnSpc>
             </a:pPr>
             <a:r>
-              <a:rPr b="0" lang="fr-FR" sz="1200" spc="-1" strike="noStrike">
+              <a:rPr lang="fr-FR" sz="1200" b="0" strike="noStrike" spc="-1">
                 <a:solidFill>
-                  <a:srgbClr val="8b8b8b"/>
+                  <a:srgbClr val="8B8B8B"/>
                 </a:solidFill>
                 <a:latin typeface="Calibri"/>
               </a:rPr>
               <a:t>LP IOTIA</a:t>
             </a:r>
-            <a:endParaRPr b="0" lang="fr-FR" sz="1200" spc="-1" strike="noStrike">
+            <a:endParaRPr lang="fr-FR" sz="1200" b="0" strike="noStrike" spc="-1">
               <a:latin typeface="Times New Roman"/>
             </a:endParaRPr>
           </a:p>
@@ -3665,8 +4356,9 @@
           <a:bodyPr anchor="ctr">
             <a:noAutofit/>
           </a:bodyPr>
-          <a:p>
-            <a:endParaRPr b="0" lang="fr-FR" sz="2400" spc="-1" strike="noStrike">
+          <a:lstStyle/>
+          <a:p>
+            <a:endParaRPr lang="fr-FR" sz="2400" b="0" strike="noStrike" spc="-1">
               <a:latin typeface="Times New Roman"/>
             </a:endParaRPr>
           </a:p>
@@ -3695,6 +4387,7 @@
           <a:bodyPr anchor="ctr">
             <a:noAutofit/>
           </a:bodyPr>
+          <a:lstStyle/>
           <a:p>
             <a:pPr algn="r">
               <a:lnSpc>
@@ -3702,15 +4395,15 @@
               </a:lnSpc>
             </a:pPr>
             <a:fld id="{D92C0AD1-F581-4F9F-8325-7D42D2AE8012}" type="slidenum">
-              <a:rPr b="0" lang="fr-FR" sz="1200" spc="-1" strike="noStrike">
+              <a:rPr lang="fr-FR" sz="1200" b="0" strike="noStrike" spc="-1">
                 <a:solidFill>
-                  <a:srgbClr val="8b8b8b"/>
+                  <a:srgbClr val="8B8B8B"/>
                 </a:solidFill>
                 <a:latin typeface="Calibri"/>
               </a:rPr>
-              <a:t>&lt;numéro&gt;</a:t>
+              <a:t>‹N°›</a:t>
             </a:fld>
-            <a:endParaRPr b="0" lang="fr-FR" sz="1200" spc="-1" strike="noStrike">
+            <a:endParaRPr lang="fr-FR" sz="1200" b="0" strike="noStrike" spc="-1">
               <a:latin typeface="Times New Roman"/>
             </a:endParaRPr>
           </a:p>
@@ -3718,32 +4411,313 @@
       </p:sp>
     </p:spTree>
   </p:cSld>
-  <p:clrMap bg1="lt1" bg2="lt2" tx1="dk1" tx2="dk2" accent1="accent1" accent2="accent2" accent3="accent3" accent4="accent4" accent5="accent5" accent6="accent6" hlink="hlink" folHlink="folHlink"/>
+  <p:clrMap bg1="lt1" tx1="dk1" bg2="lt2" tx2="dk2" accent1="accent1" accent2="accent2" accent3="accent3" accent4="accent4" accent5="accent5" accent6="accent6" hlink="hlink" folHlink="folHlink"/>
   <p:sldLayoutIdLst>
-    <p:sldLayoutId id="2147483662" r:id="rId2"/>
-    <p:sldLayoutId id="2147483663" r:id="rId3"/>
-    <p:sldLayoutId id="2147483664" r:id="rId4"/>
-    <p:sldLayoutId id="2147483665" r:id="rId5"/>
-    <p:sldLayoutId id="2147483666" r:id="rId6"/>
-    <p:sldLayoutId id="2147483667" r:id="rId7"/>
-    <p:sldLayoutId id="2147483668" r:id="rId8"/>
-    <p:sldLayoutId id="2147483669" r:id="rId9"/>
-    <p:sldLayoutId id="2147483670" r:id="rId10"/>
-    <p:sldLayoutId id="2147483671" r:id="rId11"/>
-    <p:sldLayoutId id="2147483672" r:id="rId12"/>
-    <p:sldLayoutId id="2147483673" r:id="rId13"/>
+    <p:sldLayoutId id="2147483662" r:id="rId1"/>
+    <p:sldLayoutId id="2147483663" r:id="rId2"/>
+    <p:sldLayoutId id="2147483664" r:id="rId3"/>
+    <p:sldLayoutId id="2147483665" r:id="rId4"/>
+    <p:sldLayoutId id="2147483666" r:id="rId5"/>
+    <p:sldLayoutId id="2147483667" r:id="rId6"/>
+    <p:sldLayoutId id="2147483668" r:id="rId7"/>
+    <p:sldLayoutId id="2147483669" r:id="rId8"/>
+    <p:sldLayoutId id="2147483670" r:id="rId9"/>
+    <p:sldLayoutId id="2147483671" r:id="rId10"/>
+    <p:sldLayoutId id="2147483672" r:id="rId11"/>
+    <p:sldLayoutId id="2147483673" r:id="rId12"/>
   </p:sldLayoutIdLst>
+  <p:txStyles>
+    <p:titleStyle>
+      <a:lvl1pPr algn="l" defTabSz="914400" rtl="0" eaLnBrk="1" latinLnBrk="0" hangingPunct="1">
+        <a:lnSpc>
+          <a:spcPct val="90000"/>
+        </a:lnSpc>
+        <a:spcBef>
+          <a:spcPct val="0"/>
+        </a:spcBef>
+        <a:buNone/>
+        <a:defRPr sz="4400" kern="1200">
+          <a:solidFill>
+            <a:schemeClr val="tx1"/>
+          </a:solidFill>
+          <a:latin typeface="+mj-lt"/>
+          <a:ea typeface="+mj-ea"/>
+          <a:cs typeface="+mj-cs"/>
+        </a:defRPr>
+      </a:lvl1pPr>
+    </p:titleStyle>
+    <p:bodyStyle>
+      <a:lvl1pPr marL="228600" indent="-228600" algn="l" defTabSz="914400" rtl="0" eaLnBrk="1" latinLnBrk="0" hangingPunct="1">
+        <a:lnSpc>
+          <a:spcPct val="90000"/>
+        </a:lnSpc>
+        <a:spcBef>
+          <a:spcPts val="1000"/>
+        </a:spcBef>
+        <a:buFont typeface="Arial" panose="020B0604020202020204" pitchFamily="34" charset="0"/>
+        <a:buChar char="•"/>
+        <a:defRPr sz="2800" kern="1200">
+          <a:solidFill>
+            <a:schemeClr val="tx1"/>
+          </a:solidFill>
+          <a:latin typeface="+mn-lt"/>
+          <a:ea typeface="+mn-ea"/>
+          <a:cs typeface="+mn-cs"/>
+        </a:defRPr>
+      </a:lvl1pPr>
+      <a:lvl2pPr marL="685800" indent="-228600" algn="l" defTabSz="914400" rtl="0" eaLnBrk="1" latinLnBrk="0" hangingPunct="1">
+        <a:lnSpc>
+          <a:spcPct val="90000"/>
+        </a:lnSpc>
+        <a:spcBef>
+          <a:spcPts val="500"/>
+        </a:spcBef>
+        <a:buFont typeface="Arial" panose="020B0604020202020204" pitchFamily="34" charset="0"/>
+        <a:buChar char="•"/>
+        <a:defRPr sz="2400" kern="1200">
+          <a:solidFill>
+            <a:schemeClr val="tx1"/>
+          </a:solidFill>
+          <a:latin typeface="+mn-lt"/>
+          <a:ea typeface="+mn-ea"/>
+          <a:cs typeface="+mn-cs"/>
+        </a:defRPr>
+      </a:lvl2pPr>
+      <a:lvl3pPr marL="1143000" indent="-228600" algn="l" defTabSz="914400" rtl="0" eaLnBrk="1" latinLnBrk="0" hangingPunct="1">
+        <a:lnSpc>
+          <a:spcPct val="90000"/>
+        </a:lnSpc>
+        <a:spcBef>
+          <a:spcPts val="500"/>
+        </a:spcBef>
+        <a:buFont typeface="Arial" panose="020B0604020202020204" pitchFamily="34" charset="0"/>
+        <a:buChar char="•"/>
+        <a:defRPr sz="2000" kern="1200">
+          <a:solidFill>
+            <a:schemeClr val="tx1"/>
+          </a:solidFill>
+          <a:latin typeface="+mn-lt"/>
+          <a:ea typeface="+mn-ea"/>
+          <a:cs typeface="+mn-cs"/>
+        </a:defRPr>
+      </a:lvl3pPr>
+      <a:lvl4pPr marL="1600200" indent="-228600" algn="l" defTabSz="914400" rtl="0" eaLnBrk="1" latinLnBrk="0" hangingPunct="1">
+        <a:lnSpc>
+          <a:spcPct val="90000"/>
+        </a:lnSpc>
+        <a:spcBef>
+          <a:spcPts val="500"/>
+        </a:spcBef>
+        <a:buFont typeface="Arial" panose="020B0604020202020204" pitchFamily="34" charset="0"/>
+        <a:buChar char="•"/>
+        <a:defRPr sz="1800" kern="1200">
+          <a:solidFill>
+            <a:schemeClr val="tx1"/>
+          </a:solidFill>
+          <a:latin typeface="+mn-lt"/>
+          <a:ea typeface="+mn-ea"/>
+          <a:cs typeface="+mn-cs"/>
+        </a:defRPr>
+      </a:lvl4pPr>
+      <a:lvl5pPr marL="2057400" indent="-228600" algn="l" defTabSz="914400" rtl="0" eaLnBrk="1" latinLnBrk="0" hangingPunct="1">
+        <a:lnSpc>
+          <a:spcPct val="90000"/>
+        </a:lnSpc>
+        <a:spcBef>
+          <a:spcPts val="500"/>
+        </a:spcBef>
+        <a:buFont typeface="Arial" panose="020B0604020202020204" pitchFamily="34" charset="0"/>
+        <a:buChar char="•"/>
+        <a:defRPr sz="1800" kern="1200">
+          <a:solidFill>
+            <a:schemeClr val="tx1"/>
+          </a:solidFill>
+          <a:latin typeface="+mn-lt"/>
+          <a:ea typeface="+mn-ea"/>
+          <a:cs typeface="+mn-cs"/>
+        </a:defRPr>
+      </a:lvl5pPr>
+      <a:lvl6pPr marL="2514600" indent="-228600" algn="l" defTabSz="914400" rtl="0" eaLnBrk="1" latinLnBrk="0" hangingPunct="1">
+        <a:lnSpc>
+          <a:spcPct val="90000"/>
+        </a:lnSpc>
+        <a:spcBef>
+          <a:spcPts val="500"/>
+        </a:spcBef>
+        <a:buFont typeface="Arial" panose="020B0604020202020204" pitchFamily="34" charset="0"/>
+        <a:buChar char="•"/>
+        <a:defRPr sz="1800" kern="1200">
+          <a:solidFill>
+            <a:schemeClr val="tx1"/>
+          </a:solidFill>
+          <a:latin typeface="+mn-lt"/>
+          <a:ea typeface="+mn-ea"/>
+          <a:cs typeface="+mn-cs"/>
+        </a:defRPr>
+      </a:lvl6pPr>
+      <a:lvl7pPr marL="2971800" indent="-228600" algn="l" defTabSz="914400" rtl="0" eaLnBrk="1" latinLnBrk="0" hangingPunct="1">
+        <a:lnSpc>
+          <a:spcPct val="90000"/>
+        </a:lnSpc>
+        <a:spcBef>
+          <a:spcPts val="500"/>
+        </a:spcBef>
+        <a:buFont typeface="Arial" panose="020B0604020202020204" pitchFamily="34" charset="0"/>
+        <a:buChar char="•"/>
+        <a:defRPr sz="1800" kern="1200">
+          <a:solidFill>
+            <a:schemeClr val="tx1"/>
+          </a:solidFill>
+          <a:latin typeface="+mn-lt"/>
+          <a:ea typeface="+mn-ea"/>
+          <a:cs typeface="+mn-cs"/>
+        </a:defRPr>
+      </a:lvl7pPr>
+      <a:lvl8pPr marL="3429000" indent="-228600" algn="l" defTabSz="914400" rtl="0" eaLnBrk="1" latinLnBrk="0" hangingPunct="1">
+        <a:lnSpc>
+          <a:spcPct val="90000"/>
+        </a:lnSpc>
+        <a:spcBef>
+          <a:spcPts val="500"/>
+        </a:spcBef>
+        <a:buFont typeface="Arial" panose="020B0604020202020204" pitchFamily="34" charset="0"/>
+        <a:buChar char="•"/>
+        <a:defRPr sz="1800" kern="1200">
+          <a:solidFill>
+            <a:schemeClr val="tx1"/>
+          </a:solidFill>
+          <a:latin typeface="+mn-lt"/>
+          <a:ea typeface="+mn-ea"/>
+          <a:cs typeface="+mn-cs"/>
+        </a:defRPr>
+      </a:lvl8pPr>
+      <a:lvl9pPr marL="3886200" indent="-228600" algn="l" defTabSz="914400" rtl="0" eaLnBrk="1" latinLnBrk="0" hangingPunct="1">
+        <a:lnSpc>
+          <a:spcPct val="90000"/>
+        </a:lnSpc>
+        <a:spcBef>
+          <a:spcPts val="500"/>
+        </a:spcBef>
+        <a:buFont typeface="Arial" panose="020B0604020202020204" pitchFamily="34" charset="0"/>
+        <a:buChar char="•"/>
+        <a:defRPr sz="1800" kern="1200">
+          <a:solidFill>
+            <a:schemeClr val="tx1"/>
+          </a:solidFill>
+          <a:latin typeface="+mn-lt"/>
+          <a:ea typeface="+mn-ea"/>
+          <a:cs typeface="+mn-cs"/>
+        </a:defRPr>
+      </a:lvl9pPr>
+    </p:bodyStyle>
+    <p:otherStyle>
+      <a:defPPr>
+        <a:defRPr lang="fr-FR"/>
+      </a:defPPr>
+      <a:lvl1pPr marL="0" algn="l" defTabSz="914400" rtl="0" eaLnBrk="1" latinLnBrk="0" hangingPunct="1">
+        <a:defRPr sz="1800" kern="1200">
+          <a:solidFill>
+            <a:schemeClr val="tx1"/>
+          </a:solidFill>
+          <a:latin typeface="+mn-lt"/>
+          <a:ea typeface="+mn-ea"/>
+          <a:cs typeface="+mn-cs"/>
+        </a:defRPr>
+      </a:lvl1pPr>
+      <a:lvl2pPr marL="457200" algn="l" defTabSz="914400" rtl="0" eaLnBrk="1" latinLnBrk="0" hangingPunct="1">
+        <a:defRPr sz="1800" kern="1200">
+          <a:solidFill>
+            <a:schemeClr val="tx1"/>
+          </a:solidFill>
+          <a:latin typeface="+mn-lt"/>
+          <a:ea typeface="+mn-ea"/>
+          <a:cs typeface="+mn-cs"/>
+        </a:defRPr>
+      </a:lvl2pPr>
+      <a:lvl3pPr marL="914400" algn="l" defTabSz="914400" rtl="0" eaLnBrk="1" latinLnBrk="0" hangingPunct="1">
+        <a:defRPr sz="1800" kern="1200">
+          <a:solidFill>
+            <a:schemeClr val="tx1"/>
+          </a:solidFill>
+          <a:latin typeface="+mn-lt"/>
+          <a:ea typeface="+mn-ea"/>
+          <a:cs typeface="+mn-cs"/>
+        </a:defRPr>
+      </a:lvl3pPr>
+      <a:lvl4pPr marL="1371600" algn="l" defTabSz="914400" rtl="0" eaLnBrk="1" latinLnBrk="0" hangingPunct="1">
+        <a:defRPr sz="1800" kern="1200">
+          <a:solidFill>
+            <a:schemeClr val="tx1"/>
+          </a:solidFill>
+          <a:latin typeface="+mn-lt"/>
+          <a:ea typeface="+mn-ea"/>
+          <a:cs typeface="+mn-cs"/>
+        </a:defRPr>
+      </a:lvl4pPr>
+      <a:lvl5pPr marL="1828800" algn="l" defTabSz="914400" rtl="0" eaLnBrk="1" latinLnBrk="0" hangingPunct="1">
+        <a:defRPr sz="1800" kern="1200">
+          <a:solidFill>
+            <a:schemeClr val="tx1"/>
+          </a:solidFill>
+          <a:latin typeface="+mn-lt"/>
+          <a:ea typeface="+mn-ea"/>
+          <a:cs typeface="+mn-cs"/>
+        </a:defRPr>
+      </a:lvl5pPr>
+      <a:lvl6pPr marL="2286000" algn="l" defTabSz="914400" rtl="0" eaLnBrk="1" latinLnBrk="0" hangingPunct="1">
+        <a:defRPr sz="1800" kern="1200">
+          <a:solidFill>
+            <a:schemeClr val="tx1"/>
+          </a:solidFill>
+          <a:latin typeface="+mn-lt"/>
+          <a:ea typeface="+mn-ea"/>
+          <a:cs typeface="+mn-cs"/>
+        </a:defRPr>
+      </a:lvl6pPr>
+      <a:lvl7pPr marL="2743200" algn="l" defTabSz="914400" rtl="0" eaLnBrk="1" latinLnBrk="0" hangingPunct="1">
+        <a:defRPr sz="1800" kern="1200">
+          <a:solidFill>
+            <a:schemeClr val="tx1"/>
+          </a:solidFill>
+          <a:latin typeface="+mn-lt"/>
+          <a:ea typeface="+mn-ea"/>
+          <a:cs typeface="+mn-cs"/>
+        </a:defRPr>
+      </a:lvl7pPr>
+      <a:lvl8pPr marL="3200400" algn="l" defTabSz="914400" rtl="0" eaLnBrk="1" latinLnBrk="0" hangingPunct="1">
+        <a:defRPr sz="1800" kern="1200">
+          <a:solidFill>
+            <a:schemeClr val="tx1"/>
+          </a:solidFill>
+          <a:latin typeface="+mn-lt"/>
+          <a:ea typeface="+mn-ea"/>
+          <a:cs typeface="+mn-cs"/>
+        </a:defRPr>
+      </a:lvl8pPr>
+      <a:lvl9pPr marL="3657600" algn="l" defTabSz="914400" rtl="0" eaLnBrk="1" latinLnBrk="0" hangingPunct="1">
+        <a:defRPr sz="1800" kern="1200">
+          <a:solidFill>
+            <a:schemeClr val="tx1"/>
+          </a:solidFill>
+          <a:latin typeface="+mn-lt"/>
+          <a:ea typeface="+mn-ea"/>
+          <a:cs typeface="+mn-cs"/>
+        </a:defRPr>
+      </a:lvl9pPr>
+    </p:otherStyle>
+  </p:txStyles>
 </p:sldMaster>
 </file>
 
 <file path=ppt/slides/slide1.xml><?xml version="1.0" encoding="utf-8"?>
-<p:sld xmlns:a="http://schemas.openxmlformats.org/drawingml/2006/main" xmlns:p="http://schemas.openxmlformats.org/presentationml/2006/main" xmlns:r="http://schemas.openxmlformats.org/officeDocument/2006/relationships" xmlns:p14="http://schemas.microsoft.com/office/powerpoint/2010/main" xmlns:p15="http://schemas.microsoft.com/office/powerpoint/2012/main" xmlns:mc="http://schemas.openxmlformats.org/markup-compatibility/2006">
+<p:sld xmlns:a="http://schemas.openxmlformats.org/drawingml/2006/main" xmlns:r="http://schemas.openxmlformats.org/officeDocument/2006/relationships" xmlns:p="http://schemas.openxmlformats.org/presentationml/2006/main">
   <p:cSld>
     <p:bg>
       <p:bgPr>
         <a:solidFill>
-          <a:srgbClr val="ffffff"/>
+          <a:srgbClr val="FFFFFF"/>
         </a:solidFill>
+        <a:effectLst/>
       </p:bgPr>
     </p:bg>
     <p:spTree>
@@ -3777,10 +4751,10 @@
           <a:gradFill rotWithShape="0">
             <a:gsLst>
               <a:gs pos="0">
-                <a:srgbClr val="3965b5"/>
+                <a:srgbClr val="3965B5"/>
               </a:gs>
               <a:gs pos="100000">
-                <a:srgbClr val="3965b5"/>
+                <a:srgbClr val="3965B5"/>
               </a:gs>
             </a:gsLst>
             <a:lin ang="4200000"/>
@@ -3806,12 +4780,12 @@
       </p:sp>
       <p:pic>
         <p:nvPicPr>
-          <p:cNvPr id="83" name="Picture 9" descr=""/>
+          <p:cNvPr id="83" name="Picture 9"/>
           <p:cNvPicPr/>
           <p:nvPr/>
         </p:nvPicPr>
         <p:blipFill>
-          <a:blip r:embed="rId1"/>
+          <a:blip r:embed="rId2"/>
           <a:stretch/>
         </p:blipFill>
         <p:spPr>
@@ -3850,6 +4824,7 @@
           <a:bodyPr anchor="b">
             <a:normAutofit/>
           </a:bodyPr>
+          <a:lstStyle/>
           <a:p>
             <a:pPr algn="ctr">
               <a:lnSpc>
@@ -3857,15 +4832,15 @@
               </a:lnSpc>
             </a:pPr>
             <a:r>
-              <a:rPr b="0" lang="fr-FR" sz="6000" spc="-1" strike="noStrike">
+              <a:rPr lang="fr-FR" sz="6000" b="0" strike="noStrike" spc="-1">
                 <a:solidFill>
-                  <a:srgbClr val="ffffff"/>
+                  <a:srgbClr val="FFFFFF"/>
                 </a:solidFill>
                 <a:latin typeface="Calibri Light"/>
               </a:rPr>
               <a:t>Présentation Projet E-Covid</a:t>
             </a:r>
-            <a:endParaRPr b="0" lang="fr-FR" sz="6000" spc="-1" strike="noStrike">
+            <a:endParaRPr lang="fr-FR" sz="6000" b="0" strike="noStrike" spc="-1">
               <a:solidFill>
                 <a:srgbClr val="000000"/>
               </a:solidFill>
@@ -3897,9 +4872,10 @@
           <a:bodyPr>
             <a:normAutofit/>
           </a:bodyPr>
+          <a:lstStyle/>
           <a:p>
             <a:pPr algn="ctr"/>
-            <a:endParaRPr b="0" lang="fr-FR" sz="3200" spc="-1" strike="noStrike">
+            <a:endParaRPr lang="fr-FR" sz="3200" b="0" strike="noStrike" spc="-1">
               <a:latin typeface="Arial"/>
             </a:endParaRPr>
           </a:p>
@@ -3928,6 +4904,7 @@
           <a:bodyPr anchor="ctr">
             <a:noAutofit/>
           </a:bodyPr>
+          <a:lstStyle/>
           <a:p>
             <a:pPr>
               <a:lnSpc>
@@ -3935,15 +4912,15 @@
               </a:lnSpc>
             </a:pPr>
             <a:r>
-              <a:rPr b="0" lang="fr-FR" sz="1200" spc="-1" strike="noStrike">
+              <a:rPr lang="fr-FR" sz="1200" b="0" strike="noStrike" spc="-1">
                 <a:solidFill>
-                  <a:srgbClr val="8b8b8b"/>
+                  <a:srgbClr val="8B8B8B"/>
                 </a:solidFill>
                 <a:latin typeface="Calibri"/>
               </a:rPr>
               <a:t>LP IOTIA</a:t>
             </a:r>
-            <a:endParaRPr b="0" lang="fr-FR" sz="1200" spc="-1" strike="noStrike">
+            <a:endParaRPr lang="fr-FR" sz="1200" b="0" strike="noStrike" spc="-1">
               <a:latin typeface="Times New Roman"/>
             </a:endParaRPr>
           </a:p>
@@ -3972,6 +4949,7 @@
           <a:bodyPr anchor="ctr">
             <a:noAutofit/>
           </a:bodyPr>
+          <a:lstStyle/>
           <a:p>
             <a:pPr algn="r">
               <a:lnSpc>
@@ -3979,15 +4957,15 @@
               </a:lnSpc>
             </a:pPr>
             <a:fld id="{32500612-B3EF-4BFF-8A3C-A50998A736D2}" type="slidenum">
-              <a:rPr b="0" lang="fr-FR" sz="1200" spc="-1" strike="noStrike">
+              <a:rPr lang="fr-FR" sz="1200" b="0" strike="noStrike" spc="-1">
                 <a:solidFill>
-                  <a:srgbClr val="8b8b8b"/>
+                  <a:srgbClr val="8B8B8B"/>
                 </a:solidFill>
                 <a:latin typeface="Calibri"/>
               </a:rPr>
               <a:t>1</a:t>
             </a:fld>
-            <a:endParaRPr b="0" lang="fr-FR" sz="1200" spc="-1" strike="noStrike">
+            <a:endParaRPr lang="fr-FR" sz="1200" b="0" strike="noStrike" spc="-1">
               <a:latin typeface="Times New Roman"/>
             </a:endParaRPr>
           </a:p>
@@ -3995,25 +4973,21 @@
       </p:sp>
     </p:spTree>
   </p:cSld>
-  <mc:AlternateContent>
-    <mc:Choice Requires="p14">
-      <p:transition spd="slow" p14:dur="2000"/>
-    </mc:Choice>
-    <mc:Fallback>
-      <p:transition spd="slow"/>
-    </mc:Fallback>
-  </mc:AlternateContent>
+  <p:clrMapOvr>
+    <a:masterClrMapping/>
+  </p:clrMapOvr>
 </p:sld>
 </file>
 
 <file path=ppt/slides/slide10.xml><?xml version="1.0" encoding="utf-8"?>
-<p:sld xmlns:a="http://schemas.openxmlformats.org/drawingml/2006/main" xmlns:p="http://schemas.openxmlformats.org/presentationml/2006/main" xmlns:r="http://schemas.openxmlformats.org/officeDocument/2006/relationships" xmlns:p14="http://schemas.microsoft.com/office/powerpoint/2010/main" xmlns:p15="http://schemas.microsoft.com/office/powerpoint/2012/main" xmlns:mc="http://schemas.openxmlformats.org/markup-compatibility/2006">
+<p:sld xmlns:a="http://schemas.openxmlformats.org/drawingml/2006/main" xmlns:r="http://schemas.openxmlformats.org/officeDocument/2006/relationships" xmlns:p="http://schemas.openxmlformats.org/presentationml/2006/main">
   <p:cSld>
     <p:bg>
       <p:bgPr>
         <a:solidFill>
           <a:srgbClr val="000000"/>
         </a:solidFill>
+        <a:effectLst/>
       </p:bgPr>
     </p:bg>
     <p:spTree>
@@ -4032,7 +5006,7 @@
       </p:grpSpPr>
       <p:sp>
         <p:nvSpPr>
-          <p:cNvPr id="170" name="CustomShape 1"/>
+          <p:cNvPr id="156" name="CustomShape 1"/>
           <p:cNvSpPr/>
           <p:nvPr/>
         </p:nvSpPr>
@@ -4047,10 +5021,10 @@
           <a:gradFill rotWithShape="0">
             <a:gsLst>
               <a:gs pos="0">
-                <a:srgbClr val="3965b5"/>
+                <a:srgbClr val="3965B5"/>
               </a:gs>
               <a:gs pos="100000">
-                <a:srgbClr val="3965b5"/>
+                <a:srgbClr val="3965B5"/>
               </a:gs>
             </a:gsLst>
             <a:lin ang="4200000"/>
@@ -4076,6 +5050,396 @@
       </p:sp>
       <p:grpSp>
         <p:nvGrpSpPr>
+          <p:cNvPr id="157" name="Group 2"/>
+          <p:cNvGrpSpPr/>
+          <p:nvPr/>
+        </p:nvGrpSpPr>
+        <p:grpSpPr>
+          <a:xfrm>
+            <a:off x="0" y="360"/>
+            <a:ext cx="12191760" cy="3048840"/>
+            <a:chOff x="0" y="360"/>
+            <a:chExt cx="12191760" cy="3048840"/>
+          </a:xfrm>
+        </p:grpSpPr>
+        <p:pic>
+          <p:nvPicPr>
+            <p:cNvPr id="158" name="Picture 10"/>
+            <p:cNvPicPr/>
+            <p:nvPr/>
+          </p:nvPicPr>
+          <p:blipFill>
+            <a:blip r:embed="rId2"/>
+            <a:srcRect t="45717" b="9819"/>
+            <a:stretch/>
+          </p:blipFill>
+          <p:spPr>
+            <a:xfrm rot="10800000" flipH="1">
+              <a:off x="0" y="0"/>
+              <a:ext cx="12191760" cy="3048840"/>
+            </a:xfrm>
+            <a:prstGeom prst="rect">
+              <a:avLst/>
+            </a:prstGeom>
+            <a:ln w="0">
+              <a:noFill/>
+            </a:ln>
+          </p:spPr>
+        </p:pic>
+        <p:sp>
+          <p:nvSpPr>
+            <p:cNvPr id="159" name="CustomShape 3"/>
+            <p:cNvSpPr/>
+            <p:nvPr/>
+          </p:nvSpPr>
+          <p:spPr>
+            <a:xfrm flipV="1">
+              <a:off x="2067480" y="1076400"/>
+              <a:ext cx="373320" cy="405000"/>
+            </a:xfrm>
+            <a:prstGeom prst="ellipse">
+              <a:avLst/>
+            </a:prstGeom>
+            <a:solidFill>
+              <a:srgbClr val="FFFFFF"/>
+            </a:solidFill>
+            <a:ln>
+              <a:noFill/>
+            </a:ln>
+          </p:spPr>
+          <p:style>
+            <a:lnRef idx="2">
+              <a:schemeClr val="accent1">
+                <a:shade val="50000"/>
+              </a:schemeClr>
+            </a:lnRef>
+            <a:fillRef idx="1">
+              <a:schemeClr val="accent1"/>
+            </a:fillRef>
+            <a:effectRef idx="0">
+              <a:schemeClr val="accent1"/>
+            </a:effectRef>
+            <a:fontRef idx="minor"/>
+          </p:style>
+        </p:sp>
+      </p:grpSp>
+      <p:sp>
+        <p:nvSpPr>
+          <p:cNvPr id="160" name="TextShape 4"/>
+          <p:cNvSpPr txBox="1"/>
+          <p:nvPr/>
+        </p:nvSpPr>
+        <p:spPr>
+          <a:xfrm>
+            <a:off x="1179360" y="448200"/>
+            <a:ext cx="9833040" cy="1066320"/>
+          </a:xfrm>
+          <a:prstGeom prst="rect">
+            <a:avLst/>
+          </a:prstGeom>
+          <a:noFill/>
+          <a:ln w="0">
+            <a:noFill/>
+          </a:ln>
+        </p:spPr>
+        <p:txBody>
+          <a:bodyPr anchor="ctr">
+            <a:normAutofit/>
+          </a:bodyPr>
+          <a:lstStyle/>
+          <a:p>
+            <a:pPr>
+              <a:lnSpc>
+                <a:spcPct val="90000"/>
+              </a:lnSpc>
+            </a:pPr>
+            <a:r>
+              <a:rPr lang="fr-FR" sz="4000" b="0" strike="noStrike" spc="-1">
+                <a:solidFill>
+                  <a:srgbClr val="3F3F3F"/>
+                </a:solidFill>
+                <a:latin typeface="Calibri Light"/>
+              </a:rPr>
+              <a:t>VI. </a:t>
+            </a:r>
+            <a:r>
+              <a:rPr lang="fr-FR" sz="4000" b="0" strike="noStrike" spc="-1">
+                <a:solidFill>
+                  <a:srgbClr val="000000"/>
+                </a:solidFill>
+                <a:latin typeface="Calibri Light"/>
+              </a:rPr>
+              <a:t>Présentation de la partie : Web Service</a:t>
+            </a:r>
+            <a:endParaRPr lang="fr-FR" sz="4000" b="0" strike="noStrike" spc="-1">
+              <a:solidFill>
+                <a:srgbClr val="000000"/>
+              </a:solidFill>
+              <a:latin typeface="Calibri"/>
+            </a:endParaRPr>
+          </a:p>
+        </p:txBody>
+      </p:sp>
+      <p:sp>
+        <p:nvSpPr>
+          <p:cNvPr id="161" name="TextShape 5"/>
+          <p:cNvSpPr txBox="1"/>
+          <p:nvPr/>
+        </p:nvSpPr>
+        <p:spPr>
+          <a:xfrm>
+            <a:off x="1179360" y="3049200"/>
+            <a:ext cx="9833040" cy="2945160"/>
+          </a:xfrm>
+          <a:prstGeom prst="rect">
+            <a:avLst/>
+          </a:prstGeom>
+          <a:noFill/>
+          <a:ln w="0">
+            <a:noFill/>
+          </a:ln>
+        </p:spPr>
+        <p:txBody>
+          <a:bodyPr anchor="ctr">
+            <a:normAutofit/>
+          </a:bodyPr>
+          <a:lstStyle/>
+          <a:p>
+            <a:pPr>
+              <a:lnSpc>
+                <a:spcPct val="90000"/>
+              </a:lnSpc>
+              <a:spcBef>
+                <a:spcPts val="1001"/>
+              </a:spcBef>
+            </a:pPr>
+            <a:endParaRPr lang="fr-FR" sz="2800" b="0" strike="noStrike" spc="-1">
+              <a:solidFill>
+                <a:srgbClr val="000000"/>
+              </a:solidFill>
+              <a:latin typeface="Calibri"/>
+            </a:endParaRPr>
+          </a:p>
+          <a:p>
+            <a:endParaRPr lang="fr-FR" sz="2800" b="0" strike="noStrike" spc="-1">
+              <a:solidFill>
+                <a:srgbClr val="000000"/>
+              </a:solidFill>
+              <a:latin typeface="Calibri"/>
+            </a:endParaRPr>
+          </a:p>
+        </p:txBody>
+      </p:sp>
+      <p:sp>
+        <p:nvSpPr>
+          <p:cNvPr id="162" name="TextShape 6"/>
+          <p:cNvSpPr txBox="1"/>
+          <p:nvPr/>
+        </p:nvSpPr>
+        <p:spPr>
+          <a:xfrm>
+            <a:off x="838080" y="6356520"/>
+            <a:ext cx="2742840" cy="364680"/>
+          </a:xfrm>
+          <a:prstGeom prst="rect">
+            <a:avLst/>
+          </a:prstGeom>
+          <a:noFill/>
+          <a:ln w="0">
+            <a:noFill/>
+          </a:ln>
+        </p:spPr>
+        <p:txBody>
+          <a:bodyPr anchor="ctr">
+            <a:noAutofit/>
+          </a:bodyPr>
+          <a:lstStyle/>
+          <a:p>
+            <a:pPr>
+              <a:lnSpc>
+                <a:spcPct val="100000"/>
+              </a:lnSpc>
+            </a:pPr>
+            <a:r>
+              <a:rPr lang="fr-FR" sz="1200" b="0" strike="noStrike" spc="-1">
+                <a:solidFill>
+                  <a:srgbClr val="FFFFFF"/>
+                </a:solidFill>
+                <a:latin typeface="Calibri"/>
+              </a:rPr>
+              <a:t>LP IOTIA</a:t>
+            </a:r>
+            <a:endParaRPr lang="fr-FR" sz="1200" b="0" strike="noStrike" spc="-1">
+              <a:latin typeface="Times New Roman"/>
+            </a:endParaRPr>
+          </a:p>
+        </p:txBody>
+      </p:sp>
+      <p:sp>
+        <p:nvSpPr>
+          <p:cNvPr id="163" name="TextShape 7"/>
+          <p:cNvSpPr txBox="1"/>
+          <p:nvPr/>
+        </p:nvSpPr>
+        <p:spPr>
+          <a:xfrm>
+            <a:off x="8610480" y="6356520"/>
+            <a:ext cx="2742840" cy="364680"/>
+          </a:xfrm>
+          <a:prstGeom prst="rect">
+            <a:avLst/>
+          </a:prstGeom>
+          <a:noFill/>
+          <a:ln w="0">
+            <a:noFill/>
+          </a:ln>
+        </p:spPr>
+        <p:txBody>
+          <a:bodyPr anchor="ctr">
+            <a:noAutofit/>
+          </a:bodyPr>
+          <a:lstStyle/>
+          <a:p>
+            <a:pPr algn="r">
+              <a:lnSpc>
+                <a:spcPct val="100000"/>
+              </a:lnSpc>
+            </a:pPr>
+            <a:fld id="{8E43A575-004B-4A81-819A-C42D477DA0A4}" type="slidenum">
+              <a:rPr lang="fr-FR" sz="1200" b="0" strike="noStrike" spc="-1">
+                <a:solidFill>
+                  <a:srgbClr val="FFFFFF"/>
+                </a:solidFill>
+                <a:latin typeface="Calibri"/>
+              </a:rPr>
+              <a:t>10</a:t>
+            </a:fld>
+            <a:endParaRPr lang="fr-FR" sz="1200" b="0" strike="noStrike" spc="-1">
+              <a:latin typeface="Times New Roman"/>
+            </a:endParaRPr>
+          </a:p>
+        </p:txBody>
+      </p:sp>
+      <p:pic>
+        <p:nvPicPr>
+          <p:cNvPr id="3" name="Image 2">
+            <a:extLst>
+              <a:ext uri="{FF2B5EF4-FFF2-40B4-BE49-F238E27FC236}">
+                <a16:creationId xmlns:a16="http://schemas.microsoft.com/office/drawing/2014/main" id="{425C333D-2A3B-4A1D-B8DB-3649D95AB209}"/>
+              </a:ext>
+            </a:extLst>
+          </p:cNvPr>
+          <p:cNvPicPr>
+            <a:picLocks noChangeAspect="1"/>
+          </p:cNvPicPr>
+          <p:nvPr/>
+        </p:nvPicPr>
+        <p:blipFill>
+          <a:blip r:embed="rId3">
+            <a:extLst>
+              <a:ext uri="{28A0092B-C50C-407E-A947-70E740481C1C}">
+                <a14:useLocalDpi xmlns:a14="http://schemas.microsoft.com/office/drawing/2010/main" val="0"/>
+              </a:ext>
+            </a:extLst>
+          </a:blip>
+          <a:stretch>
+            <a:fillRect/>
+          </a:stretch>
+        </p:blipFill>
+        <p:spPr>
+          <a:xfrm>
+            <a:off x="3808520" y="2069781"/>
+            <a:ext cx="3280807" cy="4340019"/>
+          </a:xfrm>
+          <a:prstGeom prst="rect">
+            <a:avLst/>
+          </a:prstGeom>
+        </p:spPr>
+      </p:pic>
+    </p:spTree>
+    <p:extLst>
+      <p:ext uri="{BB962C8B-B14F-4D97-AF65-F5344CB8AC3E}">
+        <p14:creationId xmlns:p14="http://schemas.microsoft.com/office/powerpoint/2010/main" val="2567686842"/>
+      </p:ext>
+    </p:extLst>
+  </p:cSld>
+  <p:clrMapOvr>
+    <a:masterClrMapping/>
+  </p:clrMapOvr>
+</p:sld>
+</file>
+
+<file path=ppt/slides/slide11.xml><?xml version="1.0" encoding="utf-8"?>
+<p:sld xmlns:a="http://schemas.openxmlformats.org/drawingml/2006/main" xmlns:r="http://schemas.openxmlformats.org/officeDocument/2006/relationships" xmlns:p="http://schemas.openxmlformats.org/presentationml/2006/main">
+  <p:cSld>
+    <p:bg>
+      <p:bgPr>
+        <a:solidFill>
+          <a:srgbClr val="000000"/>
+        </a:solidFill>
+        <a:effectLst/>
+      </p:bgPr>
+    </p:bg>
+    <p:spTree>
+      <p:nvGrpSpPr>
+        <p:cNvPr id="1" name=""/>
+        <p:cNvGrpSpPr/>
+        <p:nvPr/>
+      </p:nvGrpSpPr>
+      <p:grpSpPr>
+        <a:xfrm>
+          <a:off x="0" y="0"/>
+          <a:ext cx="0" cy="0"/>
+          <a:chOff x="0" y="0"/>
+          <a:chExt cx="0" cy="0"/>
+        </a:xfrm>
+      </p:grpSpPr>
+      <p:sp>
+        <p:nvSpPr>
+          <p:cNvPr id="170" name="CustomShape 1"/>
+          <p:cNvSpPr/>
+          <p:nvPr/>
+        </p:nvSpPr>
+        <p:spPr>
+          <a:xfrm>
+            <a:off x="0" y="1360800"/>
+            <a:ext cx="12191760" cy="5496840"/>
+          </a:xfrm>
+          <a:prstGeom prst="rect">
+            <a:avLst/>
+          </a:prstGeom>
+          <a:gradFill rotWithShape="0">
+            <a:gsLst>
+              <a:gs pos="0">
+                <a:srgbClr val="3965B5"/>
+              </a:gs>
+              <a:gs pos="100000">
+                <a:srgbClr val="3965B5"/>
+              </a:gs>
+            </a:gsLst>
+            <a:lin ang="4200000"/>
+          </a:gradFill>
+          <a:ln>
+            <a:noFill/>
+          </a:ln>
+        </p:spPr>
+        <p:style>
+          <a:lnRef idx="2">
+            <a:schemeClr val="accent1">
+              <a:shade val="50000"/>
+            </a:schemeClr>
+          </a:lnRef>
+          <a:fillRef idx="1">
+            <a:schemeClr val="accent1"/>
+          </a:fillRef>
+          <a:effectRef idx="0">
+            <a:schemeClr val="accent1"/>
+          </a:effectRef>
+          <a:fontRef idx="minor"/>
+        </p:style>
+      </p:sp>
+      <p:grpSp>
+        <p:nvGrpSpPr>
           <p:cNvPr id="171" name="Group 2"/>
           <p:cNvGrpSpPr/>
           <p:nvPr/>
@@ -4090,17 +5454,17 @@
         </p:grpSpPr>
         <p:pic>
           <p:nvPicPr>
-            <p:cNvPr id="172" name="Picture 10" descr=""/>
+            <p:cNvPr id="172" name="Picture 10"/>
             <p:cNvPicPr/>
             <p:nvPr/>
           </p:nvPicPr>
           <p:blipFill>
-            <a:blip r:embed="rId1"/>
-            <a:srcRect l="0" t="45717" r="0" b="9819"/>
+            <a:blip r:embed="rId2"/>
+            <a:srcRect t="45717" b="9819"/>
             <a:stretch/>
           </p:blipFill>
           <p:spPr>
-            <a:xfrm flipH="1" rot="10800000">
+            <a:xfrm rot="10800000" flipH="1">
               <a:off x="0" y="0"/>
               <a:ext cx="12191760" cy="3048840"/>
             </a:xfrm>
@@ -4127,7 +5491,7 @@
               <a:avLst/>
             </a:prstGeom>
             <a:solidFill>
-              <a:srgbClr val="ffffff"/>
+              <a:srgbClr val="FFFFFF"/>
             </a:solidFill>
             <a:ln>
               <a:noFill/>
@@ -4170,8 +5534,9 @@
         </p:spPr>
         <p:txBody>
           <a:bodyPr anchor="ctr">
-            <a:normAutofit/>
-          </a:bodyPr>
+            <a:normAutofit fontScale="92500" lnSpcReduction="10000"/>
+          </a:bodyPr>
+          <a:lstStyle/>
           <a:p>
             <a:pPr>
               <a:lnSpc>
@@ -4179,16 +5544,16 @@
               </a:lnSpc>
             </a:pPr>
             <a:r>
-              <a:rPr b="0" lang="fr-FR" sz="4000" spc="-1" strike="noStrike">
+              <a:rPr lang="fr-FR" sz="4000" b="0" strike="noStrike" spc="-1">
                 <a:solidFill>
-                  <a:srgbClr val="3f3f3f"/>
+                  <a:srgbClr val="3F3F3F"/>
                 </a:solidFill>
                 <a:latin typeface="Calibri Light"/>
               </a:rPr>
               <a:t>VII</a:t>
             </a:r>
             <a:r>
-              <a:rPr b="0" lang="fr-FR" sz="4000" spc="-1" strike="noStrike">
+              <a:rPr lang="fr-FR" sz="4000" b="0" strike="noStrike" spc="-1">
                 <a:solidFill>
                   <a:srgbClr val="000000"/>
                 </a:solidFill>
@@ -4196,7 +5561,7 @@
               </a:rPr>
               <a:t>. Présentation de la partie : Capteurs/Actionneurs</a:t>
             </a:r>
-            <a:endParaRPr b="0" lang="fr-FR" sz="4000" spc="-1" strike="noStrike">
+            <a:endParaRPr lang="fr-FR" sz="4000" b="0" strike="noStrike" spc="-1">
               <a:solidFill>
                 <a:srgbClr val="000000"/>
               </a:solidFill>
@@ -4228,6 +5593,7 @@
           <a:bodyPr anchor="ctr">
             <a:noAutofit/>
           </a:bodyPr>
+          <a:lstStyle/>
           <a:p>
             <a:pPr>
               <a:lnSpc>
@@ -4235,15 +5601,15 @@
               </a:lnSpc>
             </a:pPr>
             <a:r>
-              <a:rPr b="0" lang="fr-FR" sz="1200" spc="-1" strike="noStrike">
+              <a:rPr lang="fr-FR" sz="1200" b="0" strike="noStrike" spc="-1">
                 <a:solidFill>
-                  <a:srgbClr val="ffffff"/>
+                  <a:srgbClr val="FFFFFF"/>
                 </a:solidFill>
                 <a:latin typeface="Calibri"/>
               </a:rPr>
               <a:t>LP IOTIA</a:t>
             </a:r>
-            <a:endParaRPr b="0" lang="fr-FR" sz="1200" spc="-1" strike="noStrike">
+            <a:endParaRPr lang="fr-FR" sz="1200" b="0" strike="noStrike" spc="-1">
               <a:latin typeface="Times New Roman"/>
             </a:endParaRPr>
           </a:p>
@@ -4272,6 +5638,7 @@
           <a:bodyPr anchor="ctr">
             <a:noAutofit/>
           </a:bodyPr>
+          <a:lstStyle/>
           <a:p>
             <a:pPr algn="r">
               <a:lnSpc>
@@ -4279,15 +5646,15 @@
               </a:lnSpc>
             </a:pPr>
             <a:fld id="{B0C83DF5-FC9C-4F36-9C1A-CA1428F247D2}" type="slidenum">
-              <a:rPr b="0" lang="fr-FR" sz="1200" spc="-1" strike="noStrike">
+              <a:rPr lang="fr-FR" sz="1200" b="0" strike="noStrike" spc="-1">
                 <a:solidFill>
-                  <a:srgbClr val="ffffff"/>
+                  <a:srgbClr val="FFFFFF"/>
                 </a:solidFill>
                 <a:latin typeface="Calibri"/>
               </a:rPr>
-              <a:t>&lt;numéro&gt;</a:t>
+              <a:t>11</a:t>
             </a:fld>
-            <a:endParaRPr b="0" lang="fr-FR" sz="1200" spc="-1" strike="noStrike">
+            <a:endParaRPr lang="fr-FR" sz="1200" b="0" strike="noStrike" spc="-1">
               <a:latin typeface="Times New Roman"/>
             </a:endParaRPr>
           </a:p>
@@ -4295,30 +5662,7 @@
       </p:sp>
       <p:pic>
         <p:nvPicPr>
-          <p:cNvPr id="177" name="Espace réservé du contenu 8" descr=""/>
-          <p:cNvPicPr/>
-          <p:nvPr/>
-        </p:nvPicPr>
-        <p:blipFill>
-          <a:blip r:embed="rId2"/>
-          <a:stretch/>
-        </p:blipFill>
-        <p:spPr>
-          <a:xfrm>
-            <a:off x="963000" y="2184120"/>
-            <a:ext cx="1866600" cy="1866600"/>
-          </a:xfrm>
-          <a:prstGeom prst="rect">
-            <a:avLst/>
-          </a:prstGeom>
-          <a:ln w="0">
-            <a:noFill/>
-          </a:ln>
-        </p:spPr>
-      </p:pic>
-      <p:pic>
-        <p:nvPicPr>
-          <p:cNvPr id="178" name="Image 14" descr=""/>
+          <p:cNvPr id="177" name="Espace réservé du contenu 8"/>
           <p:cNvPicPr/>
           <p:nvPr/>
         </p:nvPicPr>
@@ -4328,8 +5672,8 @@
         </p:blipFill>
         <p:spPr>
           <a:xfrm>
-            <a:off x="4416480" y="2224440"/>
-            <a:ext cx="2155680" cy="1981800"/>
+            <a:off x="963000" y="2184120"/>
+            <a:ext cx="1866600" cy="1866600"/>
           </a:xfrm>
           <a:prstGeom prst="rect">
             <a:avLst/>
@@ -4341,12 +5685,35 @@
       </p:pic>
       <p:pic>
         <p:nvPicPr>
-          <p:cNvPr id="179" name="Image 16" descr=""/>
+          <p:cNvPr id="178" name="Image 14"/>
           <p:cNvPicPr/>
           <p:nvPr/>
         </p:nvPicPr>
         <p:blipFill>
           <a:blip r:embed="rId4"/>
+          <a:stretch/>
+        </p:blipFill>
+        <p:spPr>
+          <a:xfrm>
+            <a:off x="4416480" y="2224440"/>
+            <a:ext cx="2155680" cy="1981800"/>
+          </a:xfrm>
+          <a:prstGeom prst="rect">
+            <a:avLst/>
+          </a:prstGeom>
+          <a:ln w="0">
+            <a:noFill/>
+          </a:ln>
+        </p:spPr>
+      </p:pic>
+      <p:pic>
+        <p:nvPicPr>
+          <p:cNvPr id="179" name="Image 16"/>
+          <p:cNvPicPr/>
+          <p:nvPr/>
+        </p:nvPicPr>
+        <p:blipFill>
+          <a:blip r:embed="rId5"/>
           <a:stretch/>
         </p:blipFill>
         <p:spPr>
@@ -4369,7 +5736,7 @@
           <p:nvPr/>
         </p:nvPicPr>
         <p:blipFill>
-          <a:blip r:embed="rId5"/>
+          <a:blip r:embed="rId6"/>
           <a:stretch/>
         </p:blipFill>
         <p:spPr>
@@ -4385,27 +5752,59 @@
           </a:ln>
         </p:spPr>
       </p:pic>
+      <p:pic>
+        <p:nvPicPr>
+          <p:cNvPr id="3" name="Image 2" descr="Une image contenant équipement électronique, circuit&#10;&#10;Description générée automatiquement">
+            <a:extLst>
+              <a:ext uri="{FF2B5EF4-FFF2-40B4-BE49-F238E27FC236}">
+                <a16:creationId xmlns:a16="http://schemas.microsoft.com/office/drawing/2014/main" id="{06BCD82C-44E1-4F24-9612-31EA101D3F09}"/>
+              </a:ext>
+            </a:extLst>
+          </p:cNvPr>
+          <p:cNvPicPr>
+            <a:picLocks noChangeAspect="1"/>
+          </p:cNvPicPr>
+          <p:nvPr/>
+        </p:nvPicPr>
+        <p:blipFill>
+          <a:blip r:embed="rId7">
+            <a:extLst>
+              <a:ext uri="{28A0092B-C50C-407E-A947-70E740481C1C}">
+                <a14:useLocalDpi xmlns:a14="http://schemas.microsoft.com/office/drawing/2010/main" val="0"/>
+              </a:ext>
+            </a:extLst>
+          </a:blip>
+          <a:stretch>
+            <a:fillRect/>
+          </a:stretch>
+        </p:blipFill>
+        <p:spPr>
+          <a:xfrm>
+            <a:off x="8065200" y="4200840"/>
+            <a:ext cx="2155680" cy="2155680"/>
+          </a:xfrm>
+          <a:prstGeom prst="rect">
+            <a:avLst/>
+          </a:prstGeom>
+        </p:spPr>
+      </p:pic>
     </p:spTree>
   </p:cSld>
-  <mc:AlternateContent>
-    <mc:Choice Requires="p14">
-      <p:transition spd="slow" p14:dur="2000"/>
-    </mc:Choice>
-    <mc:Fallback>
-      <p:transition spd="slow"/>
-    </mc:Fallback>
-  </mc:AlternateContent>
+  <p:clrMapOvr>
+    <a:masterClrMapping/>
+  </p:clrMapOvr>
 </p:sld>
 </file>
 
-<file path=ppt/slides/slide11.xml><?xml version="1.0" encoding="utf-8"?>
-<p:sld xmlns:a="http://schemas.openxmlformats.org/drawingml/2006/main" xmlns:p="http://schemas.openxmlformats.org/presentationml/2006/main" xmlns:r="http://schemas.openxmlformats.org/officeDocument/2006/relationships" xmlns:p14="http://schemas.microsoft.com/office/powerpoint/2010/main" xmlns:p15="http://schemas.microsoft.com/office/powerpoint/2012/main" xmlns:mc="http://schemas.openxmlformats.org/markup-compatibility/2006">
+<file path=ppt/slides/slide12.xml><?xml version="1.0" encoding="utf-8"?>
+<p:sld xmlns:a="http://schemas.openxmlformats.org/drawingml/2006/main" xmlns:r="http://schemas.openxmlformats.org/officeDocument/2006/relationships" xmlns:p="http://schemas.openxmlformats.org/presentationml/2006/main">
   <p:cSld>
     <p:bg>
       <p:bgPr>
         <a:solidFill>
           <a:srgbClr val="000000"/>
         </a:solidFill>
+        <a:effectLst/>
       </p:bgPr>
     </p:bg>
     <p:spTree>
@@ -4439,10 +5838,10 @@
           <a:gradFill rotWithShape="0">
             <a:gsLst>
               <a:gs pos="0">
-                <a:srgbClr val="3965b5"/>
+                <a:srgbClr val="3965B5"/>
               </a:gs>
               <a:gs pos="100000">
-                <a:srgbClr val="3965b5"/>
+                <a:srgbClr val="3965B5"/>
               </a:gs>
             </a:gsLst>
             <a:lin ang="4200000"/>
@@ -4482,17 +5881,17 @@
         </p:grpSpPr>
         <p:pic>
           <p:nvPicPr>
-            <p:cNvPr id="183" name="Picture 10" descr=""/>
+            <p:cNvPr id="183" name="Picture 10"/>
             <p:cNvPicPr/>
             <p:nvPr/>
           </p:nvPicPr>
           <p:blipFill>
-            <a:blip r:embed="rId1"/>
-            <a:srcRect l="0" t="45717" r="0" b="9819"/>
+            <a:blip r:embed="rId2"/>
+            <a:srcRect t="45717" b="9819"/>
             <a:stretch/>
           </p:blipFill>
           <p:spPr>
-            <a:xfrm flipH="1" rot="10800000">
+            <a:xfrm rot="10800000" flipH="1">
               <a:off x="0" y="0"/>
               <a:ext cx="12191760" cy="3048840"/>
             </a:xfrm>
@@ -4519,7 +5918,7 @@
               <a:avLst/>
             </a:prstGeom>
             <a:solidFill>
-              <a:srgbClr val="ffffff"/>
+              <a:srgbClr val="FFFFFF"/>
             </a:solidFill>
             <a:ln>
               <a:noFill/>
@@ -4562,8 +5961,9 @@
         </p:spPr>
         <p:txBody>
           <a:bodyPr anchor="ctr">
-            <a:normAutofit/>
-          </a:bodyPr>
+            <a:normAutofit fontScale="92500" lnSpcReduction="10000"/>
+          </a:bodyPr>
+          <a:lstStyle/>
           <a:p>
             <a:pPr>
               <a:lnSpc>
@@ -4571,16 +5971,16 @@
               </a:lnSpc>
             </a:pPr>
             <a:r>
-              <a:rPr b="0" lang="fr-FR" sz="4000" spc="-1" strike="noStrike">
+              <a:rPr lang="fr-FR" sz="4000" b="0" strike="noStrike" spc="-1">
                 <a:solidFill>
-                  <a:srgbClr val="3f3f3f"/>
+                  <a:srgbClr val="3F3F3F"/>
                 </a:solidFill>
                 <a:latin typeface="Calibri Light"/>
               </a:rPr>
               <a:t>VII</a:t>
             </a:r>
             <a:r>
-              <a:rPr b="0" lang="fr-FR" sz="4000" spc="-1" strike="noStrike">
+              <a:rPr lang="fr-FR" sz="4000" b="0" strike="noStrike" spc="-1">
                 <a:solidFill>
                   <a:srgbClr val="000000"/>
                 </a:solidFill>
@@ -4588,7 +5988,7 @@
               </a:rPr>
               <a:t>. Présentation de la partie : Capteurs/Actionneurs</a:t>
             </a:r>
-            <a:endParaRPr b="0" lang="fr-FR" sz="4000" spc="-1" strike="noStrike">
+            <a:endParaRPr lang="fr-FR" sz="4000" b="0" strike="noStrike" spc="-1">
               <a:solidFill>
                 <a:srgbClr val="000000"/>
               </a:solidFill>
@@ -4620,6 +6020,7 @@
           <a:bodyPr anchor="ctr">
             <a:noAutofit/>
           </a:bodyPr>
+          <a:lstStyle/>
           <a:p>
             <a:pPr>
               <a:lnSpc>
@@ -4627,15 +6028,15 @@
               </a:lnSpc>
             </a:pPr>
             <a:r>
-              <a:rPr b="0" lang="fr-FR" sz="1200" spc="-1" strike="noStrike">
+              <a:rPr lang="fr-FR" sz="1200" b="0" strike="noStrike" spc="-1">
                 <a:solidFill>
-                  <a:srgbClr val="ffffff"/>
+                  <a:srgbClr val="FFFFFF"/>
                 </a:solidFill>
                 <a:latin typeface="Calibri"/>
               </a:rPr>
               <a:t>LP IOTIA</a:t>
             </a:r>
-            <a:endParaRPr b="0" lang="fr-FR" sz="1200" spc="-1" strike="noStrike">
+            <a:endParaRPr lang="fr-FR" sz="1200" b="0" strike="noStrike" spc="-1">
               <a:latin typeface="Times New Roman"/>
             </a:endParaRPr>
           </a:p>
@@ -4664,6 +6065,7 @@
           <a:bodyPr anchor="ctr">
             <a:noAutofit/>
           </a:bodyPr>
+          <a:lstStyle/>
           <a:p>
             <a:pPr algn="r">
               <a:lnSpc>
@@ -4671,15 +6073,15 @@
               </a:lnSpc>
             </a:pPr>
             <a:fld id="{4EEB78DF-1CA5-4DDE-9F83-E1EB083DBE30}" type="slidenum">
-              <a:rPr b="0" lang="fr-FR" sz="1200" spc="-1" strike="noStrike">
+              <a:rPr lang="fr-FR" sz="1200" b="0" strike="noStrike" spc="-1">
                 <a:solidFill>
-                  <a:srgbClr val="ffffff"/>
+                  <a:srgbClr val="FFFFFF"/>
                 </a:solidFill>
                 <a:latin typeface="Calibri"/>
               </a:rPr>
-              <a:t>&lt;numéro&gt;</a:t>
+              <a:t>12</a:t>
             </a:fld>
-            <a:endParaRPr b="0" lang="fr-FR" sz="1200" spc="-1" strike="noStrike">
+            <a:endParaRPr lang="fr-FR" sz="1200" b="0" strike="noStrike" spc="-1">
               <a:latin typeface="Times New Roman"/>
             </a:endParaRPr>
           </a:p>
@@ -4708,8 +6110,9 @@
           <a:bodyPr>
             <a:noAutofit/>
           </a:bodyPr>
-          <a:p>
-            <a:endParaRPr b="0" lang="fr-FR" sz="2800" spc="-1" strike="noStrike">
+          <a:lstStyle/>
+          <a:p>
+            <a:endParaRPr lang="fr-FR" sz="2800" b="0" strike="noStrike" spc="-1">
               <a:solidFill>
                 <a:srgbClr val="000000"/>
               </a:solidFill>
@@ -4720,25 +6123,21 @@
       </p:sp>
     </p:spTree>
   </p:cSld>
-  <mc:AlternateContent>
-    <mc:Choice Requires="p14">
-      <p:transition spd="slow" p14:dur="2000"/>
-    </mc:Choice>
-    <mc:Fallback>
-      <p:transition spd="slow"/>
-    </mc:Fallback>
-  </mc:AlternateContent>
+  <p:clrMapOvr>
+    <a:masterClrMapping/>
+  </p:clrMapOvr>
 </p:sld>
 </file>
 
-<file path=ppt/slides/slide12.xml><?xml version="1.0" encoding="utf-8"?>
-<p:sld xmlns:a="http://schemas.openxmlformats.org/drawingml/2006/main" xmlns:p="http://schemas.openxmlformats.org/presentationml/2006/main" xmlns:r="http://schemas.openxmlformats.org/officeDocument/2006/relationships" xmlns:p14="http://schemas.microsoft.com/office/powerpoint/2010/main" xmlns:p15="http://schemas.microsoft.com/office/powerpoint/2012/main" xmlns:mc="http://schemas.openxmlformats.org/markup-compatibility/2006">
+<file path=ppt/slides/slide13.xml><?xml version="1.0" encoding="utf-8"?>
+<p:sld xmlns:a="http://schemas.openxmlformats.org/drawingml/2006/main" xmlns:r="http://schemas.openxmlformats.org/officeDocument/2006/relationships" xmlns:p="http://schemas.openxmlformats.org/presentationml/2006/main">
   <p:cSld>
     <p:bg>
       <p:bgPr>
         <a:solidFill>
           <a:srgbClr val="000000"/>
         </a:solidFill>
+        <a:effectLst/>
       </p:bgPr>
     </p:bg>
     <p:spTree>
@@ -4772,10 +6171,10 @@
           <a:gradFill rotWithShape="0">
             <a:gsLst>
               <a:gs pos="0">
-                <a:srgbClr val="3965b5"/>
+                <a:srgbClr val="3965B5"/>
               </a:gs>
               <a:gs pos="100000">
-                <a:srgbClr val="3965b5"/>
+                <a:srgbClr val="3965B5"/>
               </a:gs>
             </a:gsLst>
             <a:lin ang="4200000"/>
@@ -4815,17 +6214,17 @@
         </p:grpSpPr>
         <p:pic>
           <p:nvPicPr>
-            <p:cNvPr id="191" name="Picture 10" descr=""/>
+            <p:cNvPr id="191" name="Picture 10"/>
             <p:cNvPicPr/>
             <p:nvPr/>
           </p:nvPicPr>
           <p:blipFill>
-            <a:blip r:embed="rId1"/>
-            <a:srcRect l="0" t="45717" r="0" b="9819"/>
+            <a:blip r:embed="rId2"/>
+            <a:srcRect t="45717" b="9819"/>
             <a:stretch/>
           </p:blipFill>
           <p:spPr>
-            <a:xfrm flipH="1" rot="10800000">
+            <a:xfrm rot="10800000" flipH="1">
               <a:off x="0" y="0"/>
               <a:ext cx="12191760" cy="3048840"/>
             </a:xfrm>
@@ -4852,7 +6251,7 @@
               <a:avLst/>
             </a:prstGeom>
             <a:solidFill>
-              <a:srgbClr val="ffffff"/>
+              <a:srgbClr val="FFFFFF"/>
             </a:solidFill>
             <a:ln>
               <a:noFill/>
@@ -4895,8 +6294,9 @@
         </p:spPr>
         <p:txBody>
           <a:bodyPr anchor="ctr">
-            <a:normAutofit/>
-          </a:bodyPr>
+            <a:normAutofit fontScale="92500" lnSpcReduction="10000"/>
+          </a:bodyPr>
+          <a:lstStyle/>
           <a:p>
             <a:pPr>
               <a:lnSpc>
@@ -4904,16 +6304,16 @@
               </a:lnSpc>
             </a:pPr>
             <a:r>
-              <a:rPr b="0" lang="fr-FR" sz="4000" spc="-1" strike="noStrike">
+              <a:rPr lang="fr-FR" sz="4000" b="0" strike="noStrike" spc="-1">
                 <a:solidFill>
-                  <a:srgbClr val="3f3f3f"/>
+                  <a:srgbClr val="3F3F3F"/>
                 </a:solidFill>
                 <a:latin typeface="Calibri Light"/>
               </a:rPr>
               <a:t>VII</a:t>
             </a:r>
             <a:r>
-              <a:rPr b="0" lang="fr-FR" sz="4000" spc="-1" strike="noStrike">
+              <a:rPr lang="fr-FR" sz="4000" b="0" strike="noStrike" spc="-1">
                 <a:solidFill>
                   <a:srgbClr val="000000"/>
                 </a:solidFill>
@@ -4921,7 +6321,7 @@
               </a:rPr>
               <a:t>. Présentation de la partie : Capteurs/Actionneurs</a:t>
             </a:r>
-            <a:endParaRPr b="0" lang="fr-FR" sz="4000" spc="-1" strike="noStrike">
+            <a:endParaRPr lang="fr-FR" sz="4000" b="0" strike="noStrike" spc="-1">
               <a:solidFill>
                 <a:srgbClr val="000000"/>
               </a:solidFill>
@@ -4953,6 +6353,7 @@
           <a:bodyPr anchor="ctr">
             <a:noAutofit/>
           </a:bodyPr>
+          <a:lstStyle/>
           <a:p>
             <a:pPr>
               <a:lnSpc>
@@ -4960,15 +6361,15 @@
               </a:lnSpc>
             </a:pPr>
             <a:r>
-              <a:rPr b="0" lang="fr-FR" sz="1200" spc="-1" strike="noStrike">
+              <a:rPr lang="fr-FR" sz="1200" b="0" strike="noStrike" spc="-1">
                 <a:solidFill>
-                  <a:srgbClr val="ffffff"/>
+                  <a:srgbClr val="FFFFFF"/>
                 </a:solidFill>
                 <a:latin typeface="Calibri"/>
               </a:rPr>
               <a:t>LP IOTIA</a:t>
             </a:r>
-            <a:endParaRPr b="0" lang="fr-FR" sz="1200" spc="-1" strike="noStrike">
+            <a:endParaRPr lang="fr-FR" sz="1200" b="0" strike="noStrike" spc="-1">
               <a:latin typeface="Times New Roman"/>
             </a:endParaRPr>
           </a:p>
@@ -4997,6 +6398,7 @@
           <a:bodyPr anchor="ctr">
             <a:noAutofit/>
           </a:bodyPr>
+          <a:lstStyle/>
           <a:p>
             <a:pPr algn="r">
               <a:lnSpc>
@@ -5004,15 +6406,15 @@
               </a:lnSpc>
             </a:pPr>
             <a:fld id="{676446CB-B168-4E8C-9CBA-5AE9E24E4F5D}" type="slidenum">
-              <a:rPr b="0" lang="fr-FR" sz="1200" spc="-1" strike="noStrike">
+              <a:rPr lang="fr-FR" sz="1200" b="0" strike="noStrike" spc="-1">
                 <a:solidFill>
-                  <a:srgbClr val="ffffff"/>
+                  <a:srgbClr val="FFFFFF"/>
                 </a:solidFill>
                 <a:latin typeface="Calibri"/>
               </a:rPr>
-              <a:t>&lt;numéro&gt;</a:t>
+              <a:t>13</a:t>
             </a:fld>
-            <a:endParaRPr b="0" lang="fr-FR" sz="1200" spc="-1" strike="noStrike">
+            <a:endParaRPr lang="fr-FR" sz="1200" b="0" strike="noStrike" spc="-1">
               <a:latin typeface="Times New Roman"/>
             </a:endParaRPr>
           </a:p>
@@ -5020,12 +6422,12 @@
       </p:sp>
       <p:pic>
         <p:nvPicPr>
-          <p:cNvPr id="196" name="Espace réservé du contenu 4" descr=""/>
+          <p:cNvPr id="196" name="Espace réservé du contenu 4"/>
           <p:cNvPicPr/>
           <p:nvPr/>
         </p:nvPicPr>
         <p:blipFill>
-          <a:blip r:embed="rId2"/>
+          <a:blip r:embed="rId3"/>
           <a:stretch/>
         </p:blipFill>
         <p:spPr>
@@ -5043,25 +6445,21 @@
       </p:pic>
     </p:spTree>
   </p:cSld>
-  <mc:AlternateContent>
-    <mc:Choice Requires="p14">
-      <p:transition spd="slow" p14:dur="2000"/>
-    </mc:Choice>
-    <mc:Fallback>
-      <p:transition spd="slow"/>
-    </mc:Fallback>
-  </mc:AlternateContent>
+  <p:clrMapOvr>
+    <a:masterClrMapping/>
+  </p:clrMapOvr>
 </p:sld>
 </file>
 
-<file path=ppt/slides/slide13.xml><?xml version="1.0" encoding="utf-8"?>
-<p:sld xmlns:a="http://schemas.openxmlformats.org/drawingml/2006/main" xmlns:p="http://schemas.openxmlformats.org/presentationml/2006/main" xmlns:r="http://schemas.openxmlformats.org/officeDocument/2006/relationships" xmlns:p14="http://schemas.microsoft.com/office/powerpoint/2010/main" xmlns:p15="http://schemas.microsoft.com/office/powerpoint/2012/main" xmlns:mc="http://schemas.openxmlformats.org/markup-compatibility/2006">
+<file path=ppt/slides/slide14.xml><?xml version="1.0" encoding="utf-8"?>
+<p:sld xmlns:a="http://schemas.openxmlformats.org/drawingml/2006/main" xmlns:r="http://schemas.openxmlformats.org/officeDocument/2006/relationships" xmlns:p="http://schemas.openxmlformats.org/presentationml/2006/main">
   <p:cSld>
     <p:bg>
       <p:bgPr>
         <a:solidFill>
           <a:srgbClr val="000000"/>
         </a:solidFill>
+        <a:effectLst/>
       </p:bgPr>
     </p:bg>
     <p:spTree>
@@ -5095,10 +6493,10 @@
           <a:gradFill rotWithShape="0">
             <a:gsLst>
               <a:gs pos="0">
-                <a:srgbClr val="3965b5"/>
+                <a:srgbClr val="3965B5"/>
               </a:gs>
               <a:gs pos="100000">
-                <a:srgbClr val="3965b5"/>
+                <a:srgbClr val="3965B5"/>
               </a:gs>
             </a:gsLst>
             <a:lin ang="4200000"/>
@@ -5138,17 +6536,17 @@
         </p:grpSpPr>
         <p:pic>
           <p:nvPicPr>
-            <p:cNvPr id="199" name="Picture 10" descr=""/>
+            <p:cNvPr id="199" name="Picture 10"/>
             <p:cNvPicPr/>
             <p:nvPr/>
           </p:nvPicPr>
           <p:blipFill>
-            <a:blip r:embed="rId1"/>
-            <a:srcRect l="0" t="45717" r="0" b="9819"/>
+            <a:blip r:embed="rId2"/>
+            <a:srcRect t="45717" b="9819"/>
             <a:stretch/>
           </p:blipFill>
           <p:spPr>
-            <a:xfrm flipH="1" rot="10800000">
+            <a:xfrm rot="10800000" flipH="1">
               <a:off x="0" y="0"/>
               <a:ext cx="12191760" cy="3048840"/>
             </a:xfrm>
@@ -5175,7 +6573,7 @@
               <a:avLst/>
             </a:prstGeom>
             <a:solidFill>
-              <a:srgbClr val="ffffff"/>
+              <a:srgbClr val="FFFFFF"/>
             </a:solidFill>
             <a:ln>
               <a:noFill/>
@@ -5218,8 +6616,9 @@
         </p:spPr>
         <p:txBody>
           <a:bodyPr anchor="ctr">
-            <a:normAutofit/>
-          </a:bodyPr>
+            <a:normAutofit fontScale="92500" lnSpcReduction="10000"/>
+          </a:bodyPr>
+          <a:lstStyle/>
           <a:p>
             <a:pPr>
               <a:lnSpc>
@@ -5227,16 +6626,16 @@
               </a:lnSpc>
             </a:pPr>
             <a:r>
-              <a:rPr b="0" lang="fr-FR" sz="4000" spc="-1" strike="noStrike">
+              <a:rPr lang="fr-FR" sz="4000" b="0" strike="noStrike" spc="-1">
                 <a:solidFill>
-                  <a:srgbClr val="3f3f3f"/>
+                  <a:srgbClr val="3F3F3F"/>
                 </a:solidFill>
                 <a:latin typeface="Calibri Light"/>
               </a:rPr>
               <a:t>VII</a:t>
             </a:r>
             <a:r>
-              <a:rPr b="0" lang="fr-FR" sz="4000" spc="-1" strike="noStrike">
+              <a:rPr lang="fr-FR" sz="4000" b="0" strike="noStrike" spc="-1">
                 <a:solidFill>
                   <a:srgbClr val="000000"/>
                 </a:solidFill>
@@ -5244,7 +6643,7 @@
               </a:rPr>
               <a:t>. Présentation de la partie : Capteurs/Actionneurs</a:t>
             </a:r>
-            <a:endParaRPr b="0" lang="fr-FR" sz="4000" spc="-1" strike="noStrike">
+            <a:endParaRPr lang="fr-FR" sz="4000" b="0" strike="noStrike" spc="-1">
               <a:solidFill>
                 <a:srgbClr val="000000"/>
               </a:solidFill>
@@ -5276,6 +6675,7 @@
           <a:bodyPr anchor="ctr">
             <a:noAutofit/>
           </a:bodyPr>
+          <a:lstStyle/>
           <a:p>
             <a:pPr>
               <a:lnSpc>
@@ -5283,15 +6683,15 @@
               </a:lnSpc>
             </a:pPr>
             <a:r>
-              <a:rPr b="0" lang="fr-FR" sz="1200" spc="-1" strike="noStrike">
+              <a:rPr lang="fr-FR" sz="1200" b="0" strike="noStrike" spc="-1">
                 <a:solidFill>
-                  <a:srgbClr val="ffffff"/>
+                  <a:srgbClr val="FFFFFF"/>
                 </a:solidFill>
                 <a:latin typeface="Calibri"/>
               </a:rPr>
               <a:t>LP IOTIA</a:t>
             </a:r>
-            <a:endParaRPr b="0" lang="fr-FR" sz="1200" spc="-1" strike="noStrike">
+            <a:endParaRPr lang="fr-FR" sz="1200" b="0" strike="noStrike" spc="-1">
               <a:latin typeface="Times New Roman"/>
             </a:endParaRPr>
           </a:p>
@@ -5320,6 +6720,7 @@
           <a:bodyPr anchor="ctr">
             <a:noAutofit/>
           </a:bodyPr>
+          <a:lstStyle/>
           <a:p>
             <a:pPr algn="r">
               <a:lnSpc>
@@ -5327,15 +6728,15 @@
               </a:lnSpc>
             </a:pPr>
             <a:fld id="{541B49BA-3E84-433D-9E74-692EFDA0F3D7}" type="slidenum">
-              <a:rPr b="0" lang="fr-FR" sz="1200" spc="-1" strike="noStrike">
+              <a:rPr lang="fr-FR" sz="1200" b="0" strike="noStrike" spc="-1">
                 <a:solidFill>
-                  <a:srgbClr val="ffffff"/>
+                  <a:srgbClr val="FFFFFF"/>
                 </a:solidFill>
                 <a:latin typeface="Calibri"/>
               </a:rPr>
-              <a:t>&lt;numéro&gt;</a:t>
+              <a:t>14</a:t>
             </a:fld>
-            <a:endParaRPr b="0" lang="fr-FR" sz="1200" spc="-1" strike="noStrike">
+            <a:endParaRPr lang="fr-FR" sz="1200" b="0" strike="noStrike" spc="-1">
               <a:latin typeface="Times New Roman"/>
             </a:endParaRPr>
           </a:p>
@@ -5343,12 +6744,12 @@
       </p:sp>
       <p:pic>
         <p:nvPicPr>
-          <p:cNvPr id="204" name="Espace réservé du contenu 12" descr=""/>
+          <p:cNvPr id="204" name="Espace réservé du contenu 12"/>
           <p:cNvPicPr/>
           <p:nvPr/>
         </p:nvPicPr>
         <p:blipFill>
-          <a:blip r:embed="rId2"/>
+          <a:blip r:embed="rId3"/>
           <a:stretch/>
         </p:blipFill>
         <p:spPr>
@@ -5366,25 +6767,21 @@
       </p:pic>
     </p:spTree>
   </p:cSld>
-  <mc:AlternateContent>
-    <mc:Choice Requires="p14">
-      <p:transition spd="slow" p14:dur="2000"/>
-    </mc:Choice>
-    <mc:Fallback>
-      <p:transition spd="slow"/>
-    </mc:Fallback>
-  </mc:AlternateContent>
+  <p:clrMapOvr>
+    <a:masterClrMapping/>
+  </p:clrMapOvr>
 </p:sld>
 </file>
 
-<file path=ppt/slides/slide14.xml><?xml version="1.0" encoding="utf-8"?>
-<p:sld xmlns:a="http://schemas.openxmlformats.org/drawingml/2006/main" xmlns:p="http://schemas.openxmlformats.org/presentationml/2006/main" xmlns:r="http://schemas.openxmlformats.org/officeDocument/2006/relationships" xmlns:p14="http://schemas.microsoft.com/office/powerpoint/2010/main" xmlns:p15="http://schemas.microsoft.com/office/powerpoint/2012/main" xmlns:mc="http://schemas.openxmlformats.org/markup-compatibility/2006">
+<file path=ppt/slides/slide15.xml><?xml version="1.0" encoding="utf-8"?>
+<p:sld xmlns:a="http://schemas.openxmlformats.org/drawingml/2006/main" xmlns:r="http://schemas.openxmlformats.org/officeDocument/2006/relationships" xmlns:p="http://schemas.openxmlformats.org/presentationml/2006/main">
   <p:cSld>
     <p:bg>
       <p:bgPr>
         <a:solidFill>
           <a:srgbClr val="000000"/>
         </a:solidFill>
+        <a:effectLst/>
       </p:bgPr>
     </p:bg>
     <p:spTree>
@@ -5418,10 +6815,10 @@
           <a:gradFill rotWithShape="0">
             <a:gsLst>
               <a:gs pos="0">
-                <a:srgbClr val="3965b5"/>
+                <a:srgbClr val="3965B5"/>
               </a:gs>
               <a:gs pos="100000">
-                <a:srgbClr val="3965b5"/>
+                <a:srgbClr val="3965B5"/>
               </a:gs>
             </a:gsLst>
             <a:lin ang="4200000"/>
@@ -5461,17 +6858,17 @@
         </p:grpSpPr>
         <p:pic>
           <p:nvPicPr>
-            <p:cNvPr id="207" name="Picture 10" descr=""/>
+            <p:cNvPr id="207" name="Picture 10"/>
             <p:cNvPicPr/>
             <p:nvPr/>
           </p:nvPicPr>
           <p:blipFill>
-            <a:blip r:embed="rId1"/>
-            <a:srcRect l="0" t="45717" r="0" b="9819"/>
+            <a:blip r:embed="rId2"/>
+            <a:srcRect t="45717" b="9819"/>
             <a:stretch/>
           </p:blipFill>
           <p:spPr>
-            <a:xfrm flipH="1" rot="10800000">
+            <a:xfrm rot="10800000" flipH="1">
               <a:off x="0" y="0"/>
               <a:ext cx="12191760" cy="3048840"/>
             </a:xfrm>
@@ -5498,7 +6895,7 @@
               <a:avLst/>
             </a:prstGeom>
             <a:solidFill>
-              <a:srgbClr val="ffffff"/>
+              <a:srgbClr val="FFFFFF"/>
             </a:solidFill>
             <a:ln>
               <a:noFill/>
@@ -5543,6 +6940,7 @@
           <a:bodyPr anchor="ctr">
             <a:normAutofit/>
           </a:bodyPr>
+          <a:lstStyle/>
           <a:p>
             <a:pPr>
               <a:lnSpc>
@@ -5550,24 +6948,24 @@
               </a:lnSpc>
             </a:pPr>
             <a:r>
-              <a:rPr b="0" lang="fr-FR" sz="4000" spc="-1" strike="noStrike">
+              <a:rPr lang="fr-FR" sz="4000" b="0" strike="noStrike" spc="-1">
                 <a:solidFill>
-                  <a:srgbClr val="ffffff"/>
+                  <a:srgbClr val="FFFFFF"/>
                 </a:solidFill>
                 <a:latin typeface="Calibri Light"/>
               </a:rPr>
               <a:t>Conclusion</a:t>
             </a:r>
             <a:r>
-              <a:rPr b="0" lang="fr-FR" sz="4000" spc="-1" strike="noStrike">
+              <a:rPr lang="fr-FR" sz="4000" b="0" strike="noStrike" spc="-1">
                 <a:solidFill>
-                  <a:srgbClr val="3f3f3f"/>
+                  <a:srgbClr val="3F3F3F"/>
                 </a:solidFill>
                 <a:latin typeface="Calibri Light"/>
               </a:rPr>
               <a:t> </a:t>
             </a:r>
-            <a:endParaRPr b="0" lang="fr-FR" sz="4000" spc="-1" strike="noStrike">
+            <a:endParaRPr lang="fr-FR" sz="4000" b="0" strike="noStrike" spc="-1">
               <a:solidFill>
                 <a:srgbClr val="000000"/>
               </a:solidFill>
@@ -5599,6 +6997,7 @@
           <a:bodyPr anchor="ctr">
             <a:normAutofit/>
           </a:bodyPr>
+          <a:lstStyle/>
           <a:p>
             <a:pPr>
               <a:lnSpc>
@@ -5608,7 +7007,7 @@
                 <a:spcPts val="1001"/>
               </a:spcBef>
             </a:pPr>
-            <a:endParaRPr b="0" lang="fr-FR" sz="2800" spc="-1" strike="noStrike">
+            <a:endParaRPr lang="fr-FR" sz="2800" b="0" strike="noStrike" spc="-1">
               <a:solidFill>
                 <a:srgbClr val="000000"/>
               </a:solidFill>
@@ -5616,7 +7015,7 @@
             </a:endParaRPr>
           </a:p>
           <a:p>
-            <a:endParaRPr b="0" lang="fr-FR" sz="2800" spc="-1" strike="noStrike">
+            <a:endParaRPr lang="fr-FR" sz="2800" b="0" strike="noStrike" spc="-1">
               <a:solidFill>
                 <a:srgbClr val="000000"/>
               </a:solidFill>
@@ -5648,6 +7047,7 @@
           <a:bodyPr anchor="ctr">
             <a:noAutofit/>
           </a:bodyPr>
+          <a:lstStyle/>
           <a:p>
             <a:pPr>
               <a:lnSpc>
@@ -5655,15 +7055,15 @@
               </a:lnSpc>
             </a:pPr>
             <a:r>
-              <a:rPr b="0" lang="fr-FR" sz="1200" spc="-1" strike="noStrike">
+              <a:rPr lang="fr-FR" sz="1200" b="0" strike="noStrike" spc="-1">
                 <a:solidFill>
-                  <a:srgbClr val="ffffff"/>
+                  <a:srgbClr val="FFFFFF"/>
                 </a:solidFill>
                 <a:latin typeface="Calibri"/>
               </a:rPr>
               <a:t>LP IOTIA</a:t>
             </a:r>
-            <a:endParaRPr b="0" lang="fr-FR" sz="1200" spc="-1" strike="noStrike">
+            <a:endParaRPr lang="fr-FR" sz="1200" b="0" strike="noStrike" spc="-1">
               <a:latin typeface="Times New Roman"/>
             </a:endParaRPr>
           </a:p>
@@ -5692,6 +7092,7 @@
           <a:bodyPr anchor="ctr">
             <a:noAutofit/>
           </a:bodyPr>
+          <a:lstStyle/>
           <a:p>
             <a:pPr algn="r">
               <a:lnSpc>
@@ -5699,15 +7100,15 @@
               </a:lnSpc>
             </a:pPr>
             <a:fld id="{00A09182-5AA5-4442-9E9D-13220B2FB0FD}" type="slidenum">
-              <a:rPr b="0" lang="fr-FR" sz="1200" spc="-1" strike="noStrike">
+              <a:rPr lang="fr-FR" sz="1200" b="0" strike="noStrike" spc="-1">
                 <a:solidFill>
-                  <a:srgbClr val="ffffff"/>
+                  <a:srgbClr val="FFFFFF"/>
                 </a:solidFill>
                 <a:latin typeface="Calibri"/>
               </a:rPr>
-              <a:t>&lt;numéro&gt;</a:t>
+              <a:t>15</a:t>
             </a:fld>
-            <a:endParaRPr b="0" lang="fr-FR" sz="1200" spc="-1" strike="noStrike">
+            <a:endParaRPr lang="fr-FR" sz="1200" b="0" strike="noStrike" spc="-1">
               <a:latin typeface="Times New Roman"/>
             </a:endParaRPr>
           </a:p>
@@ -5715,25 +7116,21 @@
       </p:sp>
     </p:spTree>
   </p:cSld>
-  <mc:AlternateContent>
-    <mc:Choice Requires="p14">
-      <p:transition spd="slow" p14:dur="2000"/>
-    </mc:Choice>
-    <mc:Fallback>
-      <p:transition spd="slow"/>
-    </mc:Fallback>
-  </mc:AlternateContent>
+  <p:clrMapOvr>
+    <a:masterClrMapping/>
+  </p:clrMapOvr>
 </p:sld>
 </file>
 
 <file path=ppt/slides/slide2.xml><?xml version="1.0" encoding="utf-8"?>
-<p:sld xmlns:a="http://schemas.openxmlformats.org/drawingml/2006/main" xmlns:p="http://schemas.openxmlformats.org/presentationml/2006/main" xmlns:r="http://schemas.openxmlformats.org/officeDocument/2006/relationships" xmlns:p14="http://schemas.microsoft.com/office/powerpoint/2010/main" xmlns:p15="http://schemas.microsoft.com/office/powerpoint/2012/main" xmlns:mc="http://schemas.openxmlformats.org/markup-compatibility/2006">
+<p:sld xmlns:a="http://schemas.openxmlformats.org/drawingml/2006/main" xmlns:r="http://schemas.openxmlformats.org/officeDocument/2006/relationships" xmlns:p="http://schemas.openxmlformats.org/presentationml/2006/main">
   <p:cSld>
     <p:bg>
       <p:bgPr>
         <a:solidFill>
           <a:srgbClr val="000000"/>
         </a:solidFill>
+        <a:effectLst/>
       </p:bgPr>
     </p:bg>
     <p:spTree>
@@ -5767,10 +7164,10 @@
           <a:gradFill rotWithShape="0">
             <a:gsLst>
               <a:gs pos="0">
-                <a:srgbClr val="3965b5"/>
+                <a:srgbClr val="3965B5"/>
               </a:gs>
               <a:gs pos="100000">
-                <a:srgbClr val="3965b5"/>
+                <a:srgbClr val="3965B5"/>
               </a:gs>
             </a:gsLst>
             <a:lin ang="4200000"/>
@@ -5810,17 +7207,17 @@
         </p:grpSpPr>
         <p:pic>
           <p:nvPicPr>
-            <p:cNvPr id="90" name="Picture 10" descr=""/>
+            <p:cNvPr id="90" name="Picture 10"/>
             <p:cNvPicPr/>
             <p:nvPr/>
           </p:nvPicPr>
           <p:blipFill>
-            <a:blip r:embed="rId1"/>
-            <a:srcRect l="0" t="45717" r="0" b="9819"/>
+            <a:blip r:embed="rId2"/>
+            <a:srcRect t="45717" b="9819"/>
             <a:stretch/>
           </p:blipFill>
           <p:spPr>
-            <a:xfrm flipH="1" rot="10800000">
+            <a:xfrm rot="10800000" flipH="1">
               <a:off x="0" y="0"/>
               <a:ext cx="12191760" cy="3048840"/>
             </a:xfrm>
@@ -5847,7 +7244,7 @@
               <a:avLst/>
             </a:prstGeom>
             <a:solidFill>
-              <a:srgbClr val="ffffff"/>
+              <a:srgbClr val="FFFFFF"/>
             </a:solidFill>
             <a:ln>
               <a:noFill/>
@@ -5892,6 +7289,7 @@
           <a:bodyPr anchor="ctr">
             <a:normAutofit/>
           </a:bodyPr>
+          <a:lstStyle/>
           <a:p>
             <a:pPr>
               <a:lnSpc>
@@ -5899,15 +7297,15 @@
               </a:lnSpc>
             </a:pPr>
             <a:r>
-              <a:rPr b="0" lang="fr-FR" sz="4000" spc="-1" strike="noStrike">
+              <a:rPr lang="fr-FR" sz="4000" b="0" strike="noStrike" spc="-1">
                 <a:solidFill>
-                  <a:srgbClr val="3f3f3f"/>
+                  <a:srgbClr val="3F3F3F"/>
                 </a:solidFill>
                 <a:latin typeface="Calibri Light"/>
               </a:rPr>
               <a:t>Sommaire</a:t>
             </a:r>
-            <a:endParaRPr b="0" lang="fr-FR" sz="4000" spc="-1" strike="noStrike">
+            <a:endParaRPr lang="fr-FR" sz="4000" b="0" strike="noStrike" spc="-1">
               <a:solidFill>
                 <a:srgbClr val="000000"/>
               </a:solidFill>
@@ -5937,8 +7335,9 @@
         </p:spPr>
         <p:txBody>
           <a:bodyPr anchor="ctr">
-            <a:normAutofit/>
-          </a:bodyPr>
+            <a:normAutofit lnSpcReduction="10000"/>
+          </a:bodyPr>
+          <a:lstStyle/>
           <a:p>
             <a:pPr marL="228600" indent="-228240">
               <a:lnSpc>
@@ -5948,21 +7347,21 @@
                 <a:spcPts val="1001"/>
               </a:spcBef>
               <a:buClr>
-                <a:srgbClr val="ffffff"/>
+                <a:srgbClr val="FFFFFF"/>
               </a:buClr>
               <a:buFont typeface="Arial"/>
               <a:buChar char="•"/>
             </a:pPr>
             <a:r>
-              <a:rPr b="0" lang="fr-FR" sz="2400" spc="-1" strike="noStrike">
+              <a:rPr lang="fr-FR" sz="2400" b="0" strike="noStrike" spc="-1">
                 <a:solidFill>
-                  <a:srgbClr val="ffffff"/>
+                  <a:srgbClr val="FFFFFF"/>
                 </a:solidFill>
                 <a:latin typeface="Calibri"/>
               </a:rPr>
               <a:t>I. Présentation du projet </a:t>
             </a:r>
-            <a:endParaRPr b="0" lang="fr-FR" sz="2400" spc="-1" strike="noStrike">
+            <a:endParaRPr lang="fr-FR" sz="2400" b="0" strike="noStrike" spc="-1">
               <a:solidFill>
                 <a:srgbClr val="000000"/>
               </a:solidFill>
@@ -5978,21 +7377,21 @@
                 <a:spcPts val="1001"/>
               </a:spcBef>
               <a:buClr>
-                <a:srgbClr val="ffffff"/>
+                <a:srgbClr val="FFFFFF"/>
               </a:buClr>
               <a:buFont typeface="Arial"/>
               <a:buChar char="•"/>
             </a:pPr>
             <a:r>
-              <a:rPr b="0" lang="fr-FR" sz="2400" spc="-1" strike="noStrike">
+              <a:rPr lang="fr-FR" sz="2400" b="0" strike="noStrike" spc="-1">
                 <a:solidFill>
-                  <a:srgbClr val="ffffff"/>
+                  <a:srgbClr val="FFFFFF"/>
                 </a:solidFill>
                 <a:latin typeface="Calibri"/>
               </a:rPr>
               <a:t>II. Présentation de la partie : Infra BOX + Gateway</a:t>
             </a:r>
-            <a:endParaRPr b="0" lang="fr-FR" sz="2400" spc="-1" strike="noStrike">
+            <a:endParaRPr lang="fr-FR" sz="2400" b="0" strike="noStrike" spc="-1">
               <a:solidFill>
                 <a:srgbClr val="000000"/>
               </a:solidFill>
@@ -6008,21 +7407,21 @@
                 <a:spcPts val="1001"/>
               </a:spcBef>
               <a:buClr>
-                <a:srgbClr val="ffffff"/>
+                <a:srgbClr val="FFFFFF"/>
               </a:buClr>
               <a:buFont typeface="Arial"/>
               <a:buChar char="•"/>
             </a:pPr>
             <a:r>
-              <a:rPr b="0" lang="fr-FR" sz="2400" spc="-1" strike="noStrike">
+              <a:rPr lang="fr-FR" sz="2400" b="0" strike="noStrike" spc="-1">
                 <a:solidFill>
-                  <a:srgbClr val="ffffff"/>
+                  <a:srgbClr val="FFFFFF"/>
                 </a:solidFill>
                 <a:latin typeface="Calibri"/>
               </a:rPr>
               <a:t>III. Présentation de la partie : Application Mobile</a:t>
             </a:r>
-            <a:endParaRPr b="0" lang="fr-FR" sz="2400" spc="-1" strike="noStrike">
+            <a:endParaRPr lang="fr-FR" sz="2400" b="0" strike="noStrike" spc="-1">
               <a:solidFill>
                 <a:srgbClr val="000000"/>
               </a:solidFill>
@@ -6038,21 +7437,21 @@
                 <a:spcPts val="1001"/>
               </a:spcBef>
               <a:buClr>
-                <a:srgbClr val="ffffff"/>
+                <a:srgbClr val="FFFFFF"/>
               </a:buClr>
               <a:buFont typeface="Arial"/>
               <a:buChar char="•"/>
             </a:pPr>
             <a:r>
-              <a:rPr b="0" lang="fr-FR" sz="2400" spc="-1" strike="noStrike">
+              <a:rPr lang="fr-FR" sz="2400" b="0" strike="noStrike" spc="-1">
                 <a:solidFill>
-                  <a:srgbClr val="ffffff"/>
+                  <a:srgbClr val="FFFFFF"/>
                 </a:solidFill>
                 <a:latin typeface="Calibri"/>
               </a:rPr>
               <a:t>IV. Présentation de la partie : Serveur Web</a:t>
             </a:r>
-            <a:endParaRPr b="0" lang="fr-FR" sz="2400" spc="-1" strike="noStrike">
+            <a:endParaRPr lang="fr-FR" sz="2400" b="0" strike="noStrike" spc="-1">
               <a:solidFill>
                 <a:srgbClr val="000000"/>
               </a:solidFill>
@@ -6068,21 +7467,21 @@
                 <a:spcPts val="1001"/>
               </a:spcBef>
               <a:buClr>
-                <a:srgbClr val="ffffff"/>
+                <a:srgbClr val="FFFFFF"/>
               </a:buClr>
               <a:buFont typeface="Arial"/>
               <a:buChar char="•"/>
             </a:pPr>
             <a:r>
-              <a:rPr b="0" lang="fr-FR" sz="2400" spc="-1" strike="noStrike">
+              <a:rPr lang="fr-FR" sz="2400" b="0" strike="noStrike" spc="-1">
                 <a:solidFill>
-                  <a:srgbClr val="ffffff"/>
+                  <a:srgbClr val="FFFFFF"/>
                 </a:solidFill>
                 <a:latin typeface="Calibri"/>
               </a:rPr>
               <a:t>V. Présentation de la partie : Backend et base de données </a:t>
             </a:r>
-            <a:endParaRPr b="0" lang="fr-FR" sz="2400" spc="-1" strike="noStrike">
+            <a:endParaRPr lang="fr-FR" sz="2400" b="0" strike="noStrike" spc="-1">
               <a:solidFill>
                 <a:srgbClr val="000000"/>
               </a:solidFill>
@@ -6098,21 +7497,21 @@
                 <a:spcPts val="1001"/>
               </a:spcBef>
               <a:buClr>
-                <a:srgbClr val="ffffff"/>
+                <a:srgbClr val="FFFFFF"/>
               </a:buClr>
               <a:buFont typeface="Arial"/>
               <a:buChar char="•"/>
             </a:pPr>
             <a:r>
-              <a:rPr b="0" lang="fr-FR" sz="2400" spc="-1" strike="noStrike">
+              <a:rPr lang="fr-FR" sz="2400" b="0" strike="noStrike" spc="-1">
                 <a:solidFill>
-                  <a:srgbClr val="ffffff"/>
+                  <a:srgbClr val="FFFFFF"/>
                 </a:solidFill>
                 <a:latin typeface="Calibri"/>
               </a:rPr>
               <a:t>VI. Présentation de la partie : Web Service</a:t>
             </a:r>
-            <a:endParaRPr b="0" lang="fr-FR" sz="2400" spc="-1" strike="noStrike">
+            <a:endParaRPr lang="fr-FR" sz="2400" b="0" strike="noStrike" spc="-1">
               <a:solidFill>
                 <a:srgbClr val="000000"/>
               </a:solidFill>
@@ -6128,21 +7527,21 @@
                 <a:spcPts val="1001"/>
               </a:spcBef>
               <a:buClr>
-                <a:srgbClr val="ffffff"/>
+                <a:srgbClr val="FFFFFF"/>
               </a:buClr>
               <a:buFont typeface="Arial"/>
               <a:buChar char="•"/>
             </a:pPr>
             <a:r>
-              <a:rPr b="0" lang="fr-FR" sz="2400" spc="-1" strike="noStrike">
+              <a:rPr lang="fr-FR" sz="2400" b="0" strike="noStrike" spc="-1">
                 <a:solidFill>
-                  <a:srgbClr val="ffffff"/>
+                  <a:srgbClr val="FFFFFF"/>
                 </a:solidFill>
                 <a:latin typeface="Calibri"/>
               </a:rPr>
               <a:t>VII. Présentation de la partie : Capteurs/Actionneurs</a:t>
             </a:r>
-            <a:endParaRPr b="0" lang="fr-FR" sz="2400" spc="-1" strike="noStrike">
+            <a:endParaRPr lang="fr-FR" sz="2400" b="0" strike="noStrike" spc="-1">
               <a:solidFill>
                 <a:srgbClr val="000000"/>
               </a:solidFill>
@@ -6174,6 +7573,7 @@
           <a:bodyPr anchor="ctr">
             <a:noAutofit/>
           </a:bodyPr>
+          <a:lstStyle/>
           <a:p>
             <a:pPr>
               <a:lnSpc>
@@ -6181,15 +7581,15 @@
               </a:lnSpc>
             </a:pPr>
             <a:r>
-              <a:rPr b="0" lang="fr-FR" sz="1200" spc="-1" strike="noStrike">
+              <a:rPr lang="fr-FR" sz="1200" b="0" strike="noStrike" spc="-1">
                 <a:solidFill>
-                  <a:srgbClr val="ffffff"/>
+                  <a:srgbClr val="FFFFFF"/>
                 </a:solidFill>
                 <a:latin typeface="Calibri"/>
               </a:rPr>
               <a:t>LP IOTIA</a:t>
             </a:r>
-            <a:endParaRPr b="0" lang="fr-FR" sz="1200" spc="-1" strike="noStrike">
+            <a:endParaRPr lang="fr-FR" sz="1200" b="0" strike="noStrike" spc="-1">
               <a:latin typeface="Times New Roman"/>
             </a:endParaRPr>
           </a:p>
@@ -6218,6 +7618,7 @@
           <a:bodyPr anchor="ctr">
             <a:noAutofit/>
           </a:bodyPr>
+          <a:lstStyle/>
           <a:p>
             <a:pPr algn="r">
               <a:lnSpc>
@@ -6225,15 +7626,15 @@
               </a:lnSpc>
             </a:pPr>
             <a:fld id="{70E6D5D7-ED54-462D-82AA-B76B79BDA145}" type="slidenum">
-              <a:rPr b="0" lang="fr-FR" sz="1200" spc="-1" strike="noStrike">
+              <a:rPr lang="fr-FR" sz="1200" b="0" strike="noStrike" spc="-1">
                 <a:solidFill>
-                  <a:srgbClr val="ffffff"/>
+                  <a:srgbClr val="FFFFFF"/>
                 </a:solidFill>
                 <a:latin typeface="Calibri"/>
               </a:rPr>
               <a:t>2</a:t>
             </a:fld>
-            <a:endParaRPr b="0" lang="fr-FR" sz="1200" spc="-1" strike="noStrike">
+            <a:endParaRPr lang="fr-FR" sz="1200" b="0" strike="noStrike" spc="-1">
               <a:latin typeface="Times New Roman"/>
             </a:endParaRPr>
           </a:p>
@@ -6241,25 +7642,21 @@
       </p:sp>
     </p:spTree>
   </p:cSld>
-  <mc:AlternateContent>
-    <mc:Choice Requires="p14">
-      <p:transition spd="slow" p14:dur="2000"/>
-    </mc:Choice>
-    <mc:Fallback>
-      <p:transition spd="slow"/>
-    </mc:Fallback>
-  </mc:AlternateContent>
+  <p:clrMapOvr>
+    <a:masterClrMapping/>
+  </p:clrMapOvr>
 </p:sld>
 </file>
 
 <file path=ppt/slides/slide3.xml><?xml version="1.0" encoding="utf-8"?>
-<p:sld xmlns:a="http://schemas.openxmlformats.org/drawingml/2006/main" xmlns:p="http://schemas.openxmlformats.org/presentationml/2006/main" xmlns:r="http://schemas.openxmlformats.org/officeDocument/2006/relationships" xmlns:p14="http://schemas.microsoft.com/office/powerpoint/2010/main" xmlns:p15="http://schemas.microsoft.com/office/powerpoint/2012/main" xmlns:mc="http://schemas.openxmlformats.org/markup-compatibility/2006">
+<p:sld xmlns:a="http://schemas.openxmlformats.org/drawingml/2006/main" xmlns:r="http://schemas.openxmlformats.org/officeDocument/2006/relationships" xmlns:p="http://schemas.openxmlformats.org/presentationml/2006/main">
   <p:cSld>
     <p:bg>
       <p:bgPr>
         <a:solidFill>
           <a:srgbClr val="000000"/>
         </a:solidFill>
+        <a:effectLst/>
       </p:bgPr>
     </p:bg>
     <p:spTree>
@@ -6293,10 +7690,10 @@
           <a:gradFill rotWithShape="0">
             <a:gsLst>
               <a:gs pos="0">
-                <a:srgbClr val="3965b5"/>
+                <a:srgbClr val="3965B5"/>
               </a:gs>
               <a:gs pos="100000">
-                <a:srgbClr val="3965b5"/>
+                <a:srgbClr val="3965B5"/>
               </a:gs>
             </a:gsLst>
             <a:lin ang="4200000"/>
@@ -6336,17 +7733,17 @@
         </p:grpSpPr>
         <p:pic>
           <p:nvPicPr>
-            <p:cNvPr id="98" name="Picture 10" descr=""/>
+            <p:cNvPr id="98" name="Picture 10"/>
             <p:cNvPicPr/>
             <p:nvPr/>
           </p:nvPicPr>
           <p:blipFill>
-            <a:blip r:embed="rId1"/>
-            <a:srcRect l="0" t="45717" r="0" b="9819"/>
+            <a:blip r:embed="rId2"/>
+            <a:srcRect t="45717" b="9819"/>
             <a:stretch/>
           </p:blipFill>
           <p:spPr>
-            <a:xfrm flipH="1" rot="10800000">
+            <a:xfrm rot="10800000" flipH="1">
               <a:off x="0" y="0"/>
               <a:ext cx="12191760" cy="3048840"/>
             </a:xfrm>
@@ -6373,7 +7770,7 @@
               <a:avLst/>
             </a:prstGeom>
             <a:solidFill>
-              <a:srgbClr val="ffffff"/>
+              <a:srgbClr val="FFFFFF"/>
             </a:solidFill>
             <a:ln>
               <a:noFill/>
@@ -6418,6 +7815,7 @@
           <a:bodyPr anchor="ctr">
             <a:normAutofit/>
           </a:bodyPr>
+          <a:lstStyle/>
           <a:p>
             <a:pPr>
               <a:lnSpc>
@@ -6425,16 +7823,16 @@
               </a:lnSpc>
             </a:pPr>
             <a:r>
-              <a:rPr b="0" lang="fr-FR" sz="4000" spc="-1" strike="noStrike">
+              <a:rPr lang="fr-FR" sz="4000" b="0" strike="noStrike" spc="-1">
                 <a:solidFill>
-                  <a:srgbClr val="3f3f3f"/>
+                  <a:srgbClr val="3F3F3F"/>
                 </a:solidFill>
                 <a:latin typeface="Calibri Light"/>
               </a:rPr>
               <a:t>I</a:t>
             </a:r>
             <a:r>
-              <a:rPr b="0" lang="fr-FR" sz="4000" spc="-1" strike="noStrike">
+              <a:rPr lang="fr-FR" sz="4000" b="0" strike="noStrike" spc="-1">
                 <a:solidFill>
                   <a:srgbClr val="000000"/>
                 </a:solidFill>
@@ -6442,7 +7840,7 @@
               </a:rPr>
               <a:t>. Présentation du projet </a:t>
             </a:r>
-            <a:endParaRPr b="0" lang="fr-FR" sz="4000" spc="-1" strike="noStrike">
+            <a:endParaRPr lang="fr-FR" sz="4000" b="0" strike="noStrike" spc="-1">
               <a:solidFill>
                 <a:srgbClr val="000000"/>
               </a:solidFill>
@@ -6474,6 +7872,7 @@
           <a:bodyPr anchor="ctr">
             <a:normAutofit/>
           </a:bodyPr>
+          <a:lstStyle/>
           <a:p>
             <a:pPr marL="228600" indent="-228240">
               <a:lnSpc>
@@ -6483,21 +7882,21 @@
                 <a:spcPts val="1001"/>
               </a:spcBef>
               <a:buClr>
-                <a:srgbClr val="ffffff"/>
+                <a:srgbClr val="FFFFFF"/>
               </a:buClr>
               <a:buFont typeface="Arial"/>
               <a:buChar char="•"/>
             </a:pPr>
             <a:r>
-              <a:rPr b="0" lang="fr-FR" sz="2400" spc="-1" strike="noStrike">
+              <a:rPr lang="fr-FR" sz="2400" b="0" strike="noStrike" spc="-1">
                 <a:solidFill>
-                  <a:srgbClr val="ffffff"/>
+                  <a:srgbClr val="FFFFFF"/>
                 </a:solidFill>
                 <a:latin typeface="Calibri"/>
               </a:rPr>
               <a:t>…</a:t>
             </a:r>
-            <a:endParaRPr b="0" lang="fr-FR" sz="2400" spc="-1" strike="noStrike">
+            <a:endParaRPr lang="fr-FR" sz="2400" b="0" strike="noStrike" spc="-1">
               <a:solidFill>
                 <a:srgbClr val="000000"/>
               </a:solidFill>
@@ -6513,7 +7912,7 @@
                 <a:spcPts val="1001"/>
               </a:spcBef>
             </a:pPr>
-            <a:endParaRPr b="0" lang="fr-FR" sz="2400" spc="-1" strike="noStrike">
+            <a:endParaRPr lang="fr-FR" sz="2400" b="0" strike="noStrike" spc="-1">
               <a:solidFill>
                 <a:srgbClr val="000000"/>
               </a:solidFill>
@@ -6545,6 +7944,7 @@
           <a:bodyPr anchor="ctr">
             <a:noAutofit/>
           </a:bodyPr>
+          <a:lstStyle/>
           <a:p>
             <a:pPr>
               <a:lnSpc>
@@ -6552,15 +7952,15 @@
               </a:lnSpc>
             </a:pPr>
             <a:r>
-              <a:rPr b="0" lang="fr-FR" sz="1200" spc="-1" strike="noStrike">
+              <a:rPr lang="fr-FR" sz="1200" b="0" strike="noStrike" spc="-1">
                 <a:solidFill>
-                  <a:srgbClr val="ffffff"/>
+                  <a:srgbClr val="FFFFFF"/>
                 </a:solidFill>
                 <a:latin typeface="Calibri"/>
               </a:rPr>
               <a:t>LP IOTIA</a:t>
             </a:r>
-            <a:endParaRPr b="0" lang="fr-FR" sz="1200" spc="-1" strike="noStrike">
+            <a:endParaRPr lang="fr-FR" sz="1200" b="0" strike="noStrike" spc="-1">
               <a:latin typeface="Times New Roman"/>
             </a:endParaRPr>
           </a:p>
@@ -6589,6 +7989,7 @@
           <a:bodyPr anchor="ctr">
             <a:noAutofit/>
           </a:bodyPr>
+          <a:lstStyle/>
           <a:p>
             <a:pPr algn="r">
               <a:lnSpc>
@@ -6596,15 +7997,15 @@
               </a:lnSpc>
             </a:pPr>
             <a:fld id="{DD3D37C6-A7C2-4705-BC5C-40B85913A579}" type="slidenum">
-              <a:rPr b="0" lang="fr-FR" sz="1200" spc="-1" strike="noStrike">
+              <a:rPr lang="fr-FR" sz="1200" b="0" strike="noStrike" spc="-1">
                 <a:solidFill>
-                  <a:srgbClr val="ffffff"/>
+                  <a:srgbClr val="FFFFFF"/>
                 </a:solidFill>
                 <a:latin typeface="Calibri"/>
               </a:rPr>
               <a:t>3</a:t>
             </a:fld>
-            <a:endParaRPr b="0" lang="fr-FR" sz="1200" spc="-1" strike="noStrike">
+            <a:endParaRPr lang="fr-FR" sz="1200" b="0" strike="noStrike" spc="-1">
               <a:latin typeface="Times New Roman"/>
             </a:endParaRPr>
           </a:p>
@@ -6612,25 +8013,21 @@
       </p:sp>
     </p:spTree>
   </p:cSld>
-  <mc:AlternateContent>
-    <mc:Choice Requires="p14">
-      <p:transition spd="slow" p14:dur="2000"/>
-    </mc:Choice>
-    <mc:Fallback>
-      <p:transition spd="slow"/>
-    </mc:Fallback>
-  </mc:AlternateContent>
+  <p:clrMapOvr>
+    <a:masterClrMapping/>
+  </p:clrMapOvr>
 </p:sld>
 </file>
 
 <file path=ppt/slides/slide4.xml><?xml version="1.0" encoding="utf-8"?>
-<p:sld xmlns:a="http://schemas.openxmlformats.org/drawingml/2006/main" xmlns:p="http://schemas.openxmlformats.org/presentationml/2006/main" xmlns:r="http://schemas.openxmlformats.org/officeDocument/2006/relationships" xmlns:p14="http://schemas.microsoft.com/office/powerpoint/2010/main" xmlns:p15="http://schemas.microsoft.com/office/powerpoint/2012/main" xmlns:mc="http://schemas.openxmlformats.org/markup-compatibility/2006">
+<p:sld xmlns:a="http://schemas.openxmlformats.org/drawingml/2006/main" xmlns:r="http://schemas.openxmlformats.org/officeDocument/2006/relationships" xmlns:p="http://schemas.openxmlformats.org/presentationml/2006/main">
   <p:cSld>
     <p:bg>
       <p:bgPr>
         <a:solidFill>
           <a:srgbClr val="000000"/>
         </a:solidFill>
+        <a:effectLst/>
       </p:bgPr>
     </p:bg>
     <p:spTree>
@@ -6664,10 +8061,10 @@
           <a:gradFill rotWithShape="0">
             <a:gsLst>
               <a:gs pos="0">
-                <a:srgbClr val="3965b5"/>
+                <a:srgbClr val="3965B5"/>
               </a:gs>
               <a:gs pos="100000">
-                <a:srgbClr val="3965b5"/>
+                <a:srgbClr val="3965B5"/>
               </a:gs>
             </a:gsLst>
             <a:lin ang="4200000"/>
@@ -6707,17 +8104,17 @@
         </p:grpSpPr>
         <p:pic>
           <p:nvPicPr>
-            <p:cNvPr id="106" name="Picture 10" descr=""/>
+            <p:cNvPr id="106" name="Picture 10"/>
             <p:cNvPicPr/>
             <p:nvPr/>
           </p:nvPicPr>
           <p:blipFill>
-            <a:blip r:embed="rId1"/>
-            <a:srcRect l="0" t="45717" r="0" b="9819"/>
+            <a:blip r:embed="rId2"/>
+            <a:srcRect t="45717" b="9819"/>
             <a:stretch/>
           </p:blipFill>
           <p:spPr>
-            <a:xfrm flipH="1" rot="10800000">
+            <a:xfrm rot="10800000" flipH="1">
               <a:off x="0" y="0"/>
               <a:ext cx="12191760" cy="3048840"/>
             </a:xfrm>
@@ -6744,7 +8141,7 @@
               <a:avLst/>
             </a:prstGeom>
             <a:solidFill>
-              <a:srgbClr val="ffffff"/>
+              <a:srgbClr val="FFFFFF"/>
             </a:solidFill>
             <a:ln>
               <a:noFill/>
@@ -6787,8 +8184,9 @@
         </p:spPr>
         <p:txBody>
           <a:bodyPr anchor="ctr">
-            <a:normAutofit/>
-          </a:bodyPr>
+            <a:normAutofit fontScale="92500"/>
+          </a:bodyPr>
+          <a:lstStyle/>
           <a:p>
             <a:pPr>
               <a:lnSpc>
@@ -6796,16 +8194,16 @@
               </a:lnSpc>
             </a:pPr>
             <a:r>
-              <a:rPr b="0" lang="fr-FR" sz="4000" spc="-1" strike="noStrike">
+              <a:rPr lang="fr-FR" sz="4000" b="0" strike="noStrike" spc="-1">
                 <a:solidFill>
-                  <a:srgbClr val="3f3f3f"/>
+                  <a:srgbClr val="3F3F3F"/>
                 </a:solidFill>
                 <a:latin typeface="Calibri Light"/>
               </a:rPr>
               <a:t>II. </a:t>
             </a:r>
             <a:r>
-              <a:rPr b="0" lang="fr-FR" sz="4000" spc="-1" strike="noStrike">
+              <a:rPr lang="fr-FR" sz="4000" b="0" strike="noStrike" spc="-1">
                 <a:solidFill>
                   <a:srgbClr val="000000"/>
                 </a:solidFill>
@@ -6813,7 +8211,7 @@
               </a:rPr>
               <a:t>Présentation de la partie : Infra BOX + Gateway </a:t>
             </a:r>
-            <a:endParaRPr b="0" lang="fr-FR" sz="4000" spc="-1" strike="noStrike">
+            <a:endParaRPr lang="fr-FR" sz="4000" b="0" strike="noStrike" spc="-1">
               <a:solidFill>
                 <a:srgbClr val="000000"/>
               </a:solidFill>
@@ -6845,6 +8243,7 @@
           <a:bodyPr anchor="ctr">
             <a:noAutofit/>
           </a:bodyPr>
+          <a:lstStyle/>
           <a:p>
             <a:pPr>
               <a:lnSpc>
@@ -6852,15 +8251,15 @@
               </a:lnSpc>
             </a:pPr>
             <a:r>
-              <a:rPr b="0" lang="fr-FR" sz="1200" spc="-1" strike="noStrike">
+              <a:rPr lang="fr-FR" sz="1200" b="0" strike="noStrike" spc="-1">
                 <a:solidFill>
-                  <a:srgbClr val="ffffff"/>
+                  <a:srgbClr val="FFFFFF"/>
                 </a:solidFill>
                 <a:latin typeface="Calibri"/>
               </a:rPr>
               <a:t>LP IOTIA</a:t>
             </a:r>
-            <a:endParaRPr b="0" lang="fr-FR" sz="1200" spc="-1" strike="noStrike">
+            <a:endParaRPr lang="fr-FR" sz="1200" b="0" strike="noStrike" spc="-1">
               <a:latin typeface="Times New Roman"/>
             </a:endParaRPr>
           </a:p>
@@ -6889,6 +8288,7 @@
           <a:bodyPr anchor="ctr">
             <a:noAutofit/>
           </a:bodyPr>
+          <a:lstStyle/>
           <a:p>
             <a:pPr algn="r">
               <a:lnSpc>
@@ -6896,15 +8296,15 @@
               </a:lnSpc>
             </a:pPr>
             <a:fld id="{B001FA95-B2A9-43A2-BD7A-2B02FEFFC0E9}" type="slidenum">
-              <a:rPr b="0" lang="fr-FR" sz="1200" spc="-1" strike="noStrike">
+              <a:rPr lang="fr-FR" sz="1200" b="0" strike="noStrike" spc="-1">
                 <a:solidFill>
-                  <a:srgbClr val="ffffff"/>
+                  <a:srgbClr val="FFFFFF"/>
                 </a:solidFill>
                 <a:latin typeface="Calibri"/>
               </a:rPr>
               <a:t>4</a:t>
             </a:fld>
-            <a:endParaRPr b="0" lang="fr-FR" sz="1200" spc="-1" strike="noStrike">
+            <a:endParaRPr lang="fr-FR" sz="1200" b="0" strike="noStrike" spc="-1">
               <a:latin typeface="Times New Roman"/>
             </a:endParaRPr>
           </a:p>
@@ -6933,8 +8333,9 @@
           <a:bodyPr>
             <a:noAutofit/>
           </a:bodyPr>
-          <a:p>
-            <a:endParaRPr b="0" lang="fr-FR" sz="2800" spc="-1" strike="noStrike">
+          <a:lstStyle/>
+          <a:p>
+            <a:endParaRPr lang="fr-FR" sz="2800" b="0" strike="noStrike" spc="-1">
               <a:solidFill>
                 <a:srgbClr val="000000"/>
               </a:solidFill>
@@ -6945,25 +8346,21 @@
       </p:sp>
     </p:spTree>
   </p:cSld>
-  <mc:AlternateContent>
-    <mc:Choice Requires="p14">
-      <p:transition spd="slow" p14:dur="2000"/>
-    </mc:Choice>
-    <mc:Fallback>
-      <p:transition spd="slow"/>
-    </mc:Fallback>
-  </mc:AlternateContent>
+  <p:clrMapOvr>
+    <a:masterClrMapping/>
+  </p:clrMapOvr>
 </p:sld>
 </file>
 
 <file path=ppt/slides/slide5.xml><?xml version="1.0" encoding="utf-8"?>
-<p:sld xmlns:a="http://schemas.openxmlformats.org/drawingml/2006/main" xmlns:p="http://schemas.openxmlformats.org/presentationml/2006/main" xmlns:r="http://schemas.openxmlformats.org/officeDocument/2006/relationships" xmlns:p14="http://schemas.microsoft.com/office/powerpoint/2010/main" xmlns:p15="http://schemas.microsoft.com/office/powerpoint/2012/main" xmlns:mc="http://schemas.openxmlformats.org/markup-compatibility/2006">
+<p:sld xmlns:a="http://schemas.openxmlformats.org/drawingml/2006/main" xmlns:r="http://schemas.openxmlformats.org/officeDocument/2006/relationships" xmlns:p="http://schemas.openxmlformats.org/presentationml/2006/main">
   <p:cSld>
     <p:bg>
       <p:bgPr>
         <a:solidFill>
           <a:srgbClr val="000000"/>
         </a:solidFill>
+        <a:effectLst/>
       </p:bgPr>
     </p:bg>
     <p:spTree>
@@ -6997,10 +8394,10 @@
           <a:gradFill rotWithShape="0">
             <a:gsLst>
               <a:gs pos="0">
-                <a:srgbClr val="3965b5"/>
+                <a:srgbClr val="3965B5"/>
               </a:gs>
               <a:gs pos="100000">
-                <a:srgbClr val="3965b5"/>
+                <a:srgbClr val="3965B5"/>
               </a:gs>
             </a:gsLst>
             <a:lin ang="4200000"/>
@@ -7040,17 +8437,17 @@
         </p:grpSpPr>
         <p:pic>
           <p:nvPicPr>
-            <p:cNvPr id="114" name="Picture 10" descr=""/>
+            <p:cNvPr id="114" name="Picture 10"/>
             <p:cNvPicPr/>
             <p:nvPr/>
           </p:nvPicPr>
           <p:blipFill>
-            <a:blip r:embed="rId1"/>
-            <a:srcRect l="0" t="45717" r="0" b="9819"/>
+            <a:blip r:embed="rId2"/>
+            <a:srcRect t="45717" b="9819"/>
             <a:stretch/>
           </p:blipFill>
           <p:spPr>
-            <a:xfrm flipH="1" rot="10800000">
+            <a:xfrm rot="10800000" flipH="1">
               <a:off x="0" y="0"/>
               <a:ext cx="12191760" cy="3048840"/>
             </a:xfrm>
@@ -7077,7 +8474,7 @@
               <a:avLst/>
             </a:prstGeom>
             <a:solidFill>
-              <a:srgbClr val="ffffff"/>
+              <a:srgbClr val="FFFFFF"/>
             </a:solidFill>
             <a:ln>
               <a:noFill/>
@@ -7120,8 +8517,9 @@
         </p:spPr>
         <p:txBody>
           <a:bodyPr anchor="ctr">
-            <a:normAutofit/>
-          </a:bodyPr>
+            <a:normAutofit fontScale="92500"/>
+          </a:bodyPr>
+          <a:lstStyle/>
           <a:p>
             <a:pPr>
               <a:lnSpc>
@@ -7129,16 +8527,16 @@
               </a:lnSpc>
             </a:pPr>
             <a:r>
-              <a:rPr b="0" lang="fr-FR" sz="4000" spc="-1" strike="noStrike">
+              <a:rPr lang="fr-FR" sz="4000" b="0" strike="noStrike" spc="-1">
                 <a:solidFill>
-                  <a:srgbClr val="3f3f3f"/>
+                  <a:srgbClr val="3F3F3F"/>
                 </a:solidFill>
                 <a:latin typeface="Calibri Light"/>
               </a:rPr>
               <a:t>III</a:t>
             </a:r>
             <a:r>
-              <a:rPr b="0" lang="fr-FR" sz="4000" spc="-1" strike="noStrike">
+              <a:rPr lang="fr-FR" sz="4000" b="0" strike="noStrike" spc="-1">
                 <a:solidFill>
                   <a:srgbClr val="000000"/>
                 </a:solidFill>
@@ -7146,7 +8544,7 @@
               </a:rPr>
               <a:t>.I Présentation de la partie : Application Mobile</a:t>
             </a:r>
-            <a:endParaRPr b="0" lang="fr-FR" sz="4000" spc="-1" strike="noStrike">
+            <a:endParaRPr lang="fr-FR" sz="4000" b="0" strike="noStrike" spc="-1">
               <a:solidFill>
                 <a:srgbClr val="000000"/>
               </a:solidFill>
@@ -7178,6 +8576,7 @@
           <a:bodyPr anchor="ctr">
             <a:noAutofit/>
           </a:bodyPr>
+          <a:lstStyle/>
           <a:p>
             <a:pPr>
               <a:lnSpc>
@@ -7185,15 +8584,15 @@
               </a:lnSpc>
             </a:pPr>
             <a:r>
-              <a:rPr b="0" lang="fr-FR" sz="1200" spc="-1" strike="noStrike">
+              <a:rPr lang="fr-FR" sz="1200" b="0" strike="noStrike" spc="-1">
                 <a:solidFill>
-                  <a:srgbClr val="ffffff"/>
+                  <a:srgbClr val="FFFFFF"/>
                 </a:solidFill>
                 <a:latin typeface="Calibri"/>
               </a:rPr>
               <a:t>LP IOTIA</a:t>
             </a:r>
-            <a:endParaRPr b="0" lang="fr-FR" sz="1200" spc="-1" strike="noStrike">
+            <a:endParaRPr lang="fr-FR" sz="1200" b="0" strike="noStrike" spc="-1">
               <a:latin typeface="Times New Roman"/>
             </a:endParaRPr>
           </a:p>
@@ -7222,6 +8621,7 @@
           <a:bodyPr anchor="ctr">
             <a:noAutofit/>
           </a:bodyPr>
+          <a:lstStyle/>
           <a:p>
             <a:pPr algn="r">
               <a:lnSpc>
@@ -7229,15 +8629,15 @@
               </a:lnSpc>
             </a:pPr>
             <a:fld id="{B837E5F6-C3D8-45F0-916F-C3DCB2952245}" type="slidenum">
-              <a:rPr b="0" lang="fr-FR" sz="1200" spc="-1" strike="noStrike">
+              <a:rPr lang="fr-FR" sz="1200" b="0" strike="noStrike" spc="-1">
                 <a:solidFill>
-                  <a:srgbClr val="ffffff"/>
+                  <a:srgbClr val="FFFFFF"/>
                 </a:solidFill>
                 <a:latin typeface="Calibri"/>
               </a:rPr>
               <a:t>5</a:t>
             </a:fld>
-            <a:endParaRPr b="0" lang="fr-FR" sz="1200" spc="-1" strike="noStrike">
+            <a:endParaRPr lang="fr-FR" sz="1200" b="0" strike="noStrike" spc="-1">
               <a:latin typeface="Times New Roman"/>
             </a:endParaRPr>
           </a:p>
@@ -7263,15 +8663,22 @@
           </a:ln>
         </p:spPr>
         <p:style>
-          <a:lnRef idx="0"/>
-          <a:fillRef idx="0"/>
-          <a:effectRef idx="0"/>
+          <a:lnRef idx="0">
+            <a:scrgbClr r="0" g="0" b="0"/>
+          </a:lnRef>
+          <a:fillRef idx="0">
+            <a:scrgbClr r="0" g="0" b="0"/>
+          </a:fillRef>
+          <a:effectRef idx="0">
+            <a:scrgbClr r="0" g="0" b="0"/>
+          </a:effectRef>
           <a:fontRef idx="minor"/>
         </p:style>
         <p:txBody>
           <a:bodyPr>
             <a:normAutofit/>
           </a:bodyPr>
+          <a:lstStyle/>
           <a:p>
             <a:pPr marL="228600" indent="-228240">
               <a:lnSpc>
@@ -7281,21 +8688,21 @@
                 <a:spcPts val="1001"/>
               </a:spcBef>
               <a:buClr>
-                <a:srgbClr val="ffffff"/>
+                <a:srgbClr val="FFFFFF"/>
               </a:buClr>
               <a:buFont typeface="Arial"/>
               <a:buChar char="-"/>
             </a:pPr>
             <a:r>
-              <a:rPr b="0" lang="fr-FR" sz="1600" spc="-1" strike="noStrike">
+              <a:rPr lang="fr-FR" sz="1600" b="0" strike="noStrike" spc="-1">
                 <a:solidFill>
-                  <a:srgbClr val="ffffff"/>
+                  <a:srgbClr val="FFFFFF"/>
                 </a:solidFill>
                 <a:latin typeface="Calibri"/>
               </a:rPr>
               <a:t>Visual Studio C# Xamarin </a:t>
             </a:r>
-            <a:endParaRPr b="0" lang="fr-FR" sz="1600" spc="-1" strike="noStrike">
+            <a:endParaRPr lang="fr-FR" sz="1600" b="0" strike="noStrike" spc="-1">
               <a:latin typeface="Arial"/>
             </a:endParaRPr>
           </a:p>
@@ -7308,21 +8715,21 @@
                 <a:spcPts val="1001"/>
               </a:spcBef>
               <a:buClr>
-                <a:srgbClr val="ffffff"/>
+                <a:srgbClr val="FFFFFF"/>
               </a:buClr>
               <a:buFont typeface="Arial"/>
               <a:buChar char="-"/>
             </a:pPr>
             <a:r>
-              <a:rPr b="0" lang="fr-FR" sz="1600" spc="-1" strike="noStrike">
+              <a:rPr lang="fr-FR" sz="1600" b="0" strike="noStrike" spc="-1">
                 <a:solidFill>
-                  <a:srgbClr val="ffffff"/>
+                  <a:srgbClr val="FFFFFF"/>
                 </a:solidFill>
                 <a:latin typeface="Calibri"/>
               </a:rPr>
               <a:t>Xaml et mise en page (binding) &amp; Shell </a:t>
             </a:r>
-            <a:endParaRPr b="0" lang="fr-FR" sz="1600" spc="-1" strike="noStrike">
+            <a:endParaRPr lang="fr-FR" sz="1600" b="0" strike="noStrike" spc="-1">
               <a:latin typeface="Arial"/>
             </a:endParaRPr>
           </a:p>
@@ -7335,21 +8742,21 @@
                 <a:spcPts val="1001"/>
               </a:spcBef>
               <a:buClr>
-                <a:srgbClr val="ffffff"/>
+                <a:srgbClr val="FFFFFF"/>
               </a:buClr>
               <a:buFont typeface="Arial"/>
               <a:buChar char="-"/>
             </a:pPr>
             <a:r>
-              <a:rPr b="0" lang="fr-FR" sz="1600" spc="-1" strike="noStrike">
+              <a:rPr lang="fr-FR" sz="1600" b="0" strike="noStrike" spc="-1">
                 <a:solidFill>
-                  <a:srgbClr val="ffffff"/>
+                  <a:srgbClr val="FFFFFF"/>
                 </a:solidFill>
                 <a:latin typeface="Calibri"/>
               </a:rPr>
               <a:t>Emulation &amp; Cross Platform </a:t>
             </a:r>
-            <a:endParaRPr b="0" lang="fr-FR" sz="1600" spc="-1" strike="noStrike">
+            <a:endParaRPr lang="fr-FR" sz="1600" b="0" strike="noStrike" spc="-1">
               <a:latin typeface="Arial"/>
             </a:endParaRPr>
           </a:p>
@@ -7362,7 +8769,7 @@
                 <a:spcPts val="1001"/>
               </a:spcBef>
             </a:pPr>
-            <a:endParaRPr b="0" lang="fr-FR" sz="1600" spc="-1" strike="noStrike">
+            <a:endParaRPr lang="fr-FR" sz="1600" b="0" strike="noStrike" spc="-1">
               <a:latin typeface="Arial"/>
             </a:endParaRPr>
           </a:p>
@@ -7375,21 +8782,21 @@
                 <a:spcPts val="1001"/>
               </a:spcBef>
               <a:buClr>
-                <a:srgbClr val="ffffff"/>
+                <a:srgbClr val="FFFFFF"/>
               </a:buClr>
               <a:buFont typeface="Arial"/>
               <a:buChar char="-"/>
             </a:pPr>
             <a:r>
-              <a:rPr b="0" lang="fr-FR" sz="1600" spc="-1" strike="noStrike">
+              <a:rPr lang="fr-FR" sz="1600" b="0" strike="noStrike" spc="-1">
                 <a:solidFill>
-                  <a:srgbClr val="ffffff"/>
+                  <a:srgbClr val="FFFFFF"/>
                 </a:solidFill>
                 <a:latin typeface="Calibri"/>
               </a:rPr>
               <a:t>Hub de notification</a:t>
             </a:r>
-            <a:endParaRPr b="0" lang="fr-FR" sz="1600" spc="-1" strike="noStrike">
+            <a:endParaRPr lang="fr-FR" sz="1600" b="0" strike="noStrike" spc="-1">
               <a:latin typeface="Arial"/>
             </a:endParaRPr>
           </a:p>
@@ -7402,21 +8809,21 @@
                 <a:spcPts val="1001"/>
               </a:spcBef>
               <a:buClr>
-                <a:srgbClr val="ffffff"/>
+                <a:srgbClr val="FFFFFF"/>
               </a:buClr>
               <a:buFont typeface="Arial"/>
               <a:buChar char="-"/>
             </a:pPr>
             <a:r>
-              <a:rPr b="0" lang="fr-FR" sz="1600" spc="-1" strike="noStrike">
+              <a:rPr lang="fr-FR" sz="1600" b="0" strike="noStrike" spc="-1">
                 <a:solidFill>
-                  <a:srgbClr val="ffffff"/>
+                  <a:srgbClr val="FFFFFF"/>
                 </a:solidFill>
                 <a:latin typeface="Calibri"/>
               </a:rPr>
               <a:t>API Notification </a:t>
             </a:r>
-            <a:endParaRPr b="0" lang="fr-FR" sz="1600" spc="-1" strike="noStrike">
+            <a:endParaRPr lang="fr-FR" sz="1600" b="0" strike="noStrike" spc="-1">
               <a:latin typeface="Arial"/>
             </a:endParaRPr>
           </a:p>
@@ -7429,21 +8836,21 @@
                 <a:spcPts val="1001"/>
               </a:spcBef>
               <a:buClr>
-                <a:srgbClr val="ffffff"/>
+                <a:srgbClr val="FFFFFF"/>
               </a:buClr>
               <a:buFont typeface="Arial"/>
               <a:buChar char="-"/>
             </a:pPr>
             <a:r>
-              <a:rPr b="0" lang="fr-FR" sz="1600" spc="-1" strike="noStrike">
+              <a:rPr lang="fr-FR" sz="1600" b="0" strike="noStrike" spc="-1">
                 <a:solidFill>
-                  <a:srgbClr val="ffffff"/>
+                  <a:srgbClr val="FFFFFF"/>
                 </a:solidFill>
                 <a:latin typeface="Calibri"/>
               </a:rPr>
               <a:t>API REST </a:t>
             </a:r>
-            <a:endParaRPr b="0" lang="fr-FR" sz="1600" spc="-1" strike="noStrike">
+            <a:endParaRPr lang="fr-FR" sz="1600" b="0" strike="noStrike" spc="-1">
               <a:latin typeface="Arial"/>
             </a:endParaRPr>
           </a:p>
@@ -7456,21 +8863,21 @@
                 <a:spcPts val="1001"/>
               </a:spcBef>
               <a:buClr>
-                <a:srgbClr val="ffffff"/>
+                <a:srgbClr val="FFFFFF"/>
               </a:buClr>
               <a:buFont typeface="Arial"/>
               <a:buChar char="-"/>
             </a:pPr>
             <a:r>
-              <a:rPr b="0" lang="fr-FR" sz="1600" spc="-1" strike="noStrike">
+              <a:rPr lang="fr-FR" sz="1600" b="0" strike="noStrike" spc="-1">
                 <a:solidFill>
-                  <a:srgbClr val="ffffff"/>
+                  <a:srgbClr val="FFFFFF"/>
                 </a:solidFill>
                 <a:latin typeface="Calibri"/>
               </a:rPr>
               <a:t>Base de données MariaDB</a:t>
             </a:r>
-            <a:endParaRPr b="0" lang="fr-FR" sz="1600" spc="-1" strike="noStrike">
+            <a:endParaRPr lang="fr-FR" sz="1600" b="0" strike="noStrike" spc="-1">
               <a:latin typeface="Arial"/>
             </a:endParaRPr>
           </a:p>
@@ -7483,7 +8890,7 @@
           <p:nvPr/>
         </p:nvPicPr>
         <p:blipFill>
-          <a:blip r:embed="rId2"/>
+          <a:blip r:embed="rId3"/>
           <a:stretch/>
         </p:blipFill>
         <p:spPr>
@@ -7501,35 +8908,35 @@
       </p:pic>
       <p:pic>
         <p:nvPicPr>
-          <p:cNvPr id="121" name="Image 14" descr=""/>
-          <p:cNvPicPr/>
-          <p:nvPr/>
-        </p:nvPicPr>
-        <p:blipFill>
-          <a:blip r:embed="rId3"/>
-          <a:stretch/>
-        </p:blipFill>
-        <p:spPr>
-          <a:xfrm>
-            <a:off x="4413960" y="3252600"/>
-            <a:ext cx="1343160" cy="561240"/>
-          </a:xfrm>
-          <a:prstGeom prst="rect">
-            <a:avLst/>
-          </a:prstGeom>
-          <a:ln w="0">
-            <a:noFill/>
-          </a:ln>
-        </p:spPr>
-      </p:pic>
-      <p:pic>
-        <p:nvPicPr>
-          <p:cNvPr id="122" name="Image 15" descr=""/>
+          <p:cNvPr id="121" name="Image 14"/>
           <p:cNvPicPr/>
           <p:nvPr/>
         </p:nvPicPr>
         <p:blipFill>
           <a:blip r:embed="rId4"/>
+          <a:stretch/>
+        </p:blipFill>
+        <p:spPr>
+          <a:xfrm>
+            <a:off x="4413960" y="3252600"/>
+            <a:ext cx="1343160" cy="561240"/>
+          </a:xfrm>
+          <a:prstGeom prst="rect">
+            <a:avLst/>
+          </a:prstGeom>
+          <a:ln w="0">
+            <a:noFill/>
+          </a:ln>
+        </p:spPr>
+      </p:pic>
+      <p:pic>
+        <p:nvPicPr>
+          <p:cNvPr id="122" name="Image 15"/>
+          <p:cNvPicPr/>
+          <p:nvPr/>
+        </p:nvPicPr>
+        <p:blipFill>
+          <a:blip r:embed="rId5"/>
           <a:stretch/>
         </p:blipFill>
         <p:spPr>
@@ -7552,7 +8959,7 @@
           <p:nvPr/>
         </p:nvPicPr>
         <p:blipFill>
-          <a:blip r:embed="rId5"/>
+          <a:blip r:embed="rId6"/>
           <a:stretch/>
         </p:blipFill>
         <p:spPr>
@@ -7570,12 +8977,12 @@
       </p:pic>
       <p:pic>
         <p:nvPicPr>
-          <p:cNvPr id="124" name="Image 17" descr=""/>
+          <p:cNvPr id="124" name="Image 17"/>
           <p:cNvPicPr/>
           <p:nvPr/>
         </p:nvPicPr>
         <p:blipFill>
-          <a:blip r:embed="rId6"/>
+          <a:blip r:embed="rId7"/>
           <a:stretch/>
         </p:blipFill>
         <p:spPr>
@@ -7598,7 +9005,7 @@
           <p:nvPr/>
         </p:nvPicPr>
         <p:blipFill>
-          <a:blip r:embed="rId7"/>
+          <a:blip r:embed="rId8"/>
           <a:stretch/>
         </p:blipFill>
         <p:spPr>
@@ -7621,7 +9028,7 @@
           <p:nvPr/>
         </p:nvPicPr>
         <p:blipFill>
-          <a:blip r:embed="rId8"/>
+          <a:blip r:embed="rId9"/>
           <a:srcRect l="16830" t="31167" r="16875" b="38709"/>
           <a:stretch/>
         </p:blipFill>
@@ -7645,7 +9052,7 @@
           <p:nvPr/>
         </p:nvPicPr>
         <p:blipFill>
-          <a:blip r:embed="rId9"/>
+          <a:blip r:embed="rId10"/>
           <a:stretch/>
         </p:blipFill>
         <p:spPr>
@@ -7681,15 +9088,22 @@
           </a:ln>
         </p:spPr>
         <p:style>
-          <a:lnRef idx="0"/>
-          <a:fillRef idx="0"/>
-          <a:effectRef idx="0"/>
+          <a:lnRef idx="0">
+            <a:scrgbClr r="0" g="0" b="0"/>
+          </a:lnRef>
+          <a:fillRef idx="0">
+            <a:scrgbClr r="0" g="0" b="0"/>
+          </a:fillRef>
+          <a:effectRef idx="0">
+            <a:scrgbClr r="0" g="0" b="0"/>
+          </a:effectRef>
           <a:fontRef idx="minor"/>
         </p:style>
         <p:txBody>
-          <a:bodyPr wrap="none" lIns="90000" rIns="90000" tIns="45000" bIns="45000">
+          <a:bodyPr wrap="none" lIns="90000" tIns="45000" rIns="90000" bIns="45000">
             <a:spAutoFit/>
           </a:bodyPr>
+          <a:lstStyle/>
           <a:p>
             <a:pPr>
               <a:lnSpc>
@@ -7697,15 +9111,15 @@
               </a:lnSpc>
             </a:pPr>
             <a:r>
-              <a:rPr b="0" lang="fr-FR" sz="1800" spc="-1" strike="noStrike">
+              <a:rPr lang="fr-FR" sz="1800" b="0" strike="noStrike" spc="-1">
                 <a:solidFill>
-                  <a:srgbClr val="ffffff"/>
+                  <a:srgbClr val="FFFFFF"/>
                 </a:solidFill>
                 <a:latin typeface="Calibri"/>
               </a:rPr>
               <a:t>Contexte &amp; Besoin: </a:t>
             </a:r>
-            <a:endParaRPr b="0" lang="fr-FR" sz="1800" spc="-1" strike="noStrike">
+            <a:endParaRPr lang="fr-FR" sz="1800" b="0" strike="noStrike" spc="-1">
               <a:latin typeface="Arial"/>
             </a:endParaRPr>
           </a:p>
@@ -7713,25 +9127,21 @@
       </p:sp>
     </p:spTree>
   </p:cSld>
-  <mc:AlternateContent>
-    <mc:Choice Requires="p14">
-      <p:transition spd="slow" p14:dur="2000"/>
-    </mc:Choice>
-    <mc:Fallback>
-      <p:transition spd="slow"/>
-    </mc:Fallback>
-  </mc:AlternateContent>
+  <p:clrMapOvr>
+    <a:masterClrMapping/>
+  </p:clrMapOvr>
 </p:sld>
 </file>
 
 <file path=ppt/slides/slide6.xml><?xml version="1.0" encoding="utf-8"?>
-<p:sld xmlns:a="http://schemas.openxmlformats.org/drawingml/2006/main" xmlns:p="http://schemas.openxmlformats.org/presentationml/2006/main" xmlns:r="http://schemas.openxmlformats.org/officeDocument/2006/relationships" xmlns:p14="http://schemas.microsoft.com/office/powerpoint/2010/main" xmlns:p15="http://schemas.microsoft.com/office/powerpoint/2012/main" xmlns:mc="http://schemas.openxmlformats.org/markup-compatibility/2006">
+<p:sld xmlns:a="http://schemas.openxmlformats.org/drawingml/2006/main" xmlns:r="http://schemas.openxmlformats.org/officeDocument/2006/relationships" xmlns:p="http://schemas.openxmlformats.org/presentationml/2006/main">
   <p:cSld>
     <p:bg>
       <p:bgPr>
         <a:solidFill>
           <a:srgbClr val="000000"/>
         </a:solidFill>
+        <a:effectLst/>
       </p:bgPr>
     </p:bg>
     <p:spTree>
@@ -7765,10 +9175,10 @@
           <a:gradFill rotWithShape="0">
             <a:gsLst>
               <a:gs pos="0">
-                <a:srgbClr val="3965b5"/>
+                <a:srgbClr val="3965B5"/>
               </a:gs>
               <a:gs pos="100000">
-                <a:srgbClr val="3965b5"/>
+                <a:srgbClr val="3965B5"/>
               </a:gs>
             </a:gsLst>
             <a:lin ang="4200000"/>
@@ -7808,17 +9218,17 @@
         </p:grpSpPr>
         <p:pic>
           <p:nvPicPr>
-            <p:cNvPr id="131" name="Picture 10" descr=""/>
+            <p:cNvPr id="131" name="Picture 10"/>
             <p:cNvPicPr/>
             <p:nvPr/>
           </p:nvPicPr>
           <p:blipFill>
-            <a:blip r:embed="rId1"/>
-            <a:srcRect l="0" t="45717" r="0" b="9819"/>
+            <a:blip r:embed="rId2"/>
+            <a:srcRect t="45717" b="9819"/>
             <a:stretch/>
           </p:blipFill>
           <p:spPr>
-            <a:xfrm flipH="1" rot="10800000">
+            <a:xfrm rot="10800000" flipH="1">
               <a:off x="0" y="0"/>
               <a:ext cx="12191760" cy="3048840"/>
             </a:xfrm>
@@ -7845,7 +9255,7 @@
               <a:avLst/>
             </a:prstGeom>
             <a:solidFill>
-              <a:srgbClr val="ffffff"/>
+              <a:srgbClr val="FFFFFF"/>
             </a:solidFill>
             <a:ln>
               <a:noFill/>
@@ -7888,8 +9298,9 @@
         </p:spPr>
         <p:txBody>
           <a:bodyPr anchor="ctr">
-            <a:normAutofit/>
-          </a:bodyPr>
+            <a:normAutofit fontScale="92500"/>
+          </a:bodyPr>
+          <a:lstStyle/>
           <a:p>
             <a:pPr>
               <a:lnSpc>
@@ -7897,16 +9308,16 @@
               </a:lnSpc>
             </a:pPr>
             <a:r>
-              <a:rPr b="0" lang="fr-FR" sz="4000" spc="-1" strike="noStrike">
+              <a:rPr lang="fr-FR" sz="4000" b="0" strike="noStrike" spc="-1">
                 <a:solidFill>
-                  <a:srgbClr val="3f3f3f"/>
+                  <a:srgbClr val="3F3F3F"/>
                 </a:solidFill>
                 <a:latin typeface="Calibri Light"/>
               </a:rPr>
               <a:t>III</a:t>
             </a:r>
             <a:r>
-              <a:rPr b="0" lang="fr-FR" sz="4000" spc="-1" strike="noStrike">
+              <a:rPr lang="fr-FR" sz="4000" b="0" strike="noStrike" spc="-1">
                 <a:solidFill>
                   <a:srgbClr val="000000"/>
                 </a:solidFill>
@@ -7914,7 +9325,7 @@
               </a:rPr>
               <a:t>.II Présentation de la partie : Application Mobile</a:t>
             </a:r>
-            <a:endParaRPr b="0" lang="fr-FR" sz="4000" spc="-1" strike="noStrike">
+            <a:endParaRPr lang="fr-FR" sz="4000" b="0" strike="noStrike" spc="-1">
               <a:solidFill>
                 <a:srgbClr val="000000"/>
               </a:solidFill>
@@ -7946,6 +9357,7 @@
           <a:bodyPr anchor="ctr">
             <a:normAutofit/>
           </a:bodyPr>
+          <a:lstStyle/>
           <a:p>
             <a:pPr>
               <a:lnSpc>
@@ -7955,7 +9367,7 @@
                 <a:spcPts val="1001"/>
               </a:spcBef>
             </a:pPr>
-            <a:endParaRPr b="0" lang="fr-FR" sz="2800" spc="-1" strike="noStrike">
+            <a:endParaRPr lang="fr-FR" sz="2800" b="0" strike="noStrike" spc="-1">
               <a:solidFill>
                 <a:srgbClr val="000000"/>
               </a:solidFill>
@@ -7963,7 +9375,7 @@
             </a:endParaRPr>
           </a:p>
           <a:p>
-            <a:endParaRPr b="0" lang="fr-FR" sz="2800" spc="-1" strike="noStrike">
+            <a:endParaRPr lang="fr-FR" sz="2800" b="0" strike="noStrike" spc="-1">
               <a:solidFill>
                 <a:srgbClr val="000000"/>
               </a:solidFill>
@@ -7995,6 +9407,7 @@
           <a:bodyPr anchor="ctr">
             <a:noAutofit/>
           </a:bodyPr>
+          <a:lstStyle/>
           <a:p>
             <a:pPr>
               <a:lnSpc>
@@ -8002,15 +9415,15 @@
               </a:lnSpc>
             </a:pPr>
             <a:r>
-              <a:rPr b="0" lang="fr-FR" sz="1200" spc="-1" strike="noStrike">
+              <a:rPr lang="fr-FR" sz="1200" b="0" strike="noStrike" spc="-1">
                 <a:solidFill>
-                  <a:srgbClr val="ffffff"/>
+                  <a:srgbClr val="FFFFFF"/>
                 </a:solidFill>
                 <a:latin typeface="Calibri"/>
               </a:rPr>
               <a:t>LP IOTIA</a:t>
             </a:r>
-            <a:endParaRPr b="0" lang="fr-FR" sz="1200" spc="-1" strike="noStrike">
+            <a:endParaRPr lang="fr-FR" sz="1200" b="0" strike="noStrike" spc="-1">
               <a:latin typeface="Times New Roman"/>
             </a:endParaRPr>
           </a:p>
@@ -8039,6 +9452,7 @@
           <a:bodyPr anchor="ctr">
             <a:noAutofit/>
           </a:bodyPr>
+          <a:lstStyle/>
           <a:p>
             <a:pPr algn="r">
               <a:lnSpc>
@@ -8046,15 +9460,15 @@
               </a:lnSpc>
             </a:pPr>
             <a:fld id="{CEFC051B-6C3D-4C1D-8C10-2A88FA2EE93C}" type="slidenum">
-              <a:rPr b="0" lang="fr-FR" sz="1200" spc="-1" strike="noStrike">
+              <a:rPr lang="fr-FR" sz="1200" b="0" strike="noStrike" spc="-1">
                 <a:solidFill>
-                  <a:srgbClr val="ffffff"/>
+                  <a:srgbClr val="FFFFFF"/>
                 </a:solidFill>
                 <a:latin typeface="Calibri"/>
               </a:rPr>
               <a:t>6</a:t>
             </a:fld>
-            <a:endParaRPr b="0" lang="fr-FR" sz="1200" spc="-1" strike="noStrike">
+            <a:endParaRPr lang="fr-FR" sz="1200" b="0" strike="noStrike" spc="-1">
               <a:latin typeface="Times New Roman"/>
             </a:endParaRPr>
           </a:p>
@@ -8080,15 +9494,22 @@
           </a:ln>
         </p:spPr>
         <p:style>
-          <a:lnRef idx="0"/>
-          <a:fillRef idx="0"/>
-          <a:effectRef idx="0"/>
+          <a:lnRef idx="0">
+            <a:scrgbClr r="0" g="0" b="0"/>
+          </a:lnRef>
+          <a:fillRef idx="0">
+            <a:scrgbClr r="0" g="0" b="0"/>
+          </a:fillRef>
+          <a:effectRef idx="0">
+            <a:scrgbClr r="0" g="0" b="0"/>
+          </a:effectRef>
           <a:fontRef idx="minor"/>
         </p:style>
         <p:txBody>
-          <a:bodyPr wrap="none" lIns="90000" rIns="90000" tIns="45000" bIns="45000">
+          <a:bodyPr wrap="none" lIns="90000" tIns="45000" rIns="90000" bIns="45000">
             <a:spAutoFit/>
           </a:bodyPr>
+          <a:lstStyle/>
           <a:p>
             <a:pPr>
               <a:lnSpc>
@@ -8096,15 +9517,15 @@
               </a:lnSpc>
             </a:pPr>
             <a:r>
-              <a:rPr b="0" lang="fr-FR" sz="1800" spc="-1" strike="noStrike">
+              <a:rPr lang="fr-FR" sz="1800" b="0" strike="noStrike" spc="-1">
                 <a:solidFill>
-                  <a:srgbClr val="ffffff"/>
+                  <a:srgbClr val="FFFFFF"/>
                 </a:solidFill>
                 <a:latin typeface="Calibri"/>
               </a:rPr>
               <a:t>Comment s’intègre-t-elle avec les autres parties du projet ?</a:t>
             </a:r>
-            <a:endParaRPr b="0" lang="fr-FR" sz="1800" spc="-1" strike="noStrike">
+            <a:endParaRPr lang="fr-FR" sz="1800" b="0" strike="noStrike" spc="-1">
               <a:latin typeface="Arial"/>
             </a:endParaRPr>
           </a:p>
@@ -8114,7 +9535,7 @@
                 <a:spcPct val="100000"/>
               </a:lnSpc>
             </a:pPr>
-            <a:endParaRPr b="0" lang="fr-FR" sz="1800" spc="-1" strike="noStrike">
+            <a:endParaRPr lang="fr-FR" sz="1800" b="0" strike="noStrike" spc="-1">
               <a:latin typeface="Arial"/>
             </a:endParaRPr>
           </a:p>
@@ -8124,21 +9545,21 @@
                 <a:spcPct val="100000"/>
               </a:lnSpc>
               <a:buClr>
-                <a:srgbClr val="ffffff"/>
+                <a:srgbClr val="FFFFFF"/>
               </a:buClr>
               <a:buFont typeface="StarSymbol"/>
               <a:buChar char="-"/>
             </a:pPr>
             <a:r>
-              <a:rPr b="0" lang="fr-FR" sz="1600" spc="-1" strike="noStrike">
+              <a:rPr lang="fr-FR" sz="1600" b="0" strike="noStrike" spc="-1">
                 <a:solidFill>
-                  <a:srgbClr val="ffffff"/>
+                  <a:srgbClr val="FFFFFF"/>
                 </a:solidFill>
                 <a:latin typeface="Calibri"/>
               </a:rPr>
               <a:t>Utilisation des WebServices (communiquant avec l’API REST)</a:t>
             </a:r>
-            <a:endParaRPr b="0" lang="fr-FR" sz="1600" spc="-1" strike="noStrike">
+            <a:endParaRPr lang="fr-FR" sz="1600" b="0" strike="noStrike" spc="-1">
               <a:latin typeface="Arial"/>
             </a:endParaRPr>
           </a:p>
@@ -8148,7 +9569,7 @@
                 <a:spcPct val="100000"/>
               </a:lnSpc>
             </a:pPr>
-            <a:endParaRPr b="0" lang="fr-FR" sz="1600" spc="-1" strike="noStrike">
+            <a:endParaRPr lang="fr-FR" sz="1600" b="0" strike="noStrike" spc="-1">
               <a:latin typeface="Arial"/>
             </a:endParaRPr>
           </a:p>
@@ -8159,87 +9580,87 @@
               </a:lnSpc>
             </a:pPr>
             <a:r>
-              <a:rPr b="0" i="1" lang="fr-FR" sz="1600" spc="-1" strike="noStrike">
+              <a:rPr lang="fr-FR" sz="1600" b="0" i="1" strike="noStrike" spc="-1">
                 <a:solidFill>
-                  <a:srgbClr val="0d0d0d"/>
+                  <a:srgbClr val="0D0D0D"/>
                 </a:solidFill>
                 <a:latin typeface="Calibri"/>
               </a:rPr>
               <a:t>APPMOBILE &amp; WEBSITE </a:t>
             </a:r>
             <a:r>
-              <a:rPr b="0" i="1" lang="fr-FR" sz="1600" spc="-1" strike="noStrike">
+              <a:rPr lang="fr-FR" sz="1600" b="0" i="1" strike="noStrike" spc="-1">
                 <a:solidFill>
-                  <a:srgbClr val="0d0d0d"/>
+                  <a:srgbClr val="0D0D0D"/>
                 </a:solidFill>
                 <a:latin typeface="Wingdings"/>
               </a:rPr>
               <a:t></a:t>
             </a:r>
             <a:r>
-              <a:rPr b="0" i="1" lang="fr-FR" sz="1600" spc="-1" strike="noStrike">
+              <a:rPr lang="fr-FR" sz="1600" b="0" i="1" strike="noStrike" spc="-1">
                 <a:solidFill>
-                  <a:srgbClr val="0d0d0d"/>
+                  <a:srgbClr val="0D0D0D"/>
                 </a:solidFill>
                 <a:latin typeface="Calibri"/>
               </a:rPr>
               <a:t> API REST </a:t>
             </a:r>
             <a:r>
-              <a:rPr b="0" i="1" lang="fr-FR" sz="1600" spc="-1" strike="noStrike">
+              <a:rPr lang="fr-FR" sz="1600" b="0" i="1" strike="noStrike" spc="-1">
                 <a:solidFill>
-                  <a:srgbClr val="0d0d0d"/>
+                  <a:srgbClr val="0D0D0D"/>
                 </a:solidFill>
                 <a:latin typeface="Wingdings"/>
               </a:rPr>
               <a:t></a:t>
             </a:r>
             <a:r>
-              <a:rPr b="0" i="1" lang="fr-FR" sz="1600" spc="-1" strike="noStrike">
+              <a:rPr lang="fr-FR" sz="1600" b="0" i="1" strike="noStrike" spc="-1">
                 <a:solidFill>
-                  <a:srgbClr val="0d0d0d"/>
+                  <a:srgbClr val="0D0D0D"/>
                 </a:solidFill>
                 <a:latin typeface="Calibri"/>
               </a:rPr>
               <a:t> Base de données </a:t>
             </a:r>
             <a:r>
-              <a:rPr b="0" i="1" lang="fr-FR" sz="1600" spc="-1" strike="noStrike">
+              <a:rPr lang="fr-FR" sz="1600" b="0" i="1" strike="noStrike" spc="-1">
                 <a:solidFill>
-                  <a:srgbClr val="0d0d0d"/>
+                  <a:srgbClr val="0D0D0D"/>
                 </a:solidFill>
                 <a:latin typeface="Wingdings"/>
               </a:rPr>
               <a:t></a:t>
             </a:r>
             <a:r>
-              <a:rPr b="0" i="1" lang="fr-FR" sz="1600" spc="-1" strike="noStrike">
+              <a:rPr lang="fr-FR" sz="1600" b="0" i="1" strike="noStrike" spc="-1">
                 <a:solidFill>
-                  <a:srgbClr val="0d0d0d"/>
+                  <a:srgbClr val="0D0D0D"/>
                 </a:solidFill>
                 <a:latin typeface="Calibri"/>
               </a:rPr>
               <a:t> API REST </a:t>
             </a:r>
             <a:r>
-              <a:rPr b="0" i="1" lang="fr-FR" sz="1600" spc="-1" strike="noStrike">
+              <a:rPr lang="fr-FR" sz="1600" b="0" i="1" strike="noStrike" spc="-1">
                 <a:solidFill>
-                  <a:srgbClr val="0d0d0d"/>
+                  <a:srgbClr val="0D0D0D"/>
                 </a:solidFill>
                 <a:latin typeface="Wingdings"/>
               </a:rPr>
               <a:t></a:t>
             </a:r>
             <a:r>
-              <a:rPr b="0" i="1" lang="fr-FR" sz="1600" spc="-1" strike="noStrike">
+              <a:rPr lang="fr-FR" sz="1600" b="0" i="1" strike="noStrike" spc="-1">
                 <a:solidFill>
-                  <a:srgbClr val="0d0d0d"/>
+                  <a:srgbClr val="0D0D0D"/>
                 </a:solidFill>
                 <a:latin typeface="Calibri"/>
               </a:rPr>
               <a:t> Capteurs &amp; Autres</a:t>
             </a:r>
-            <a:endParaRPr b="0" lang="fr-FR" sz="1600" spc="-1" strike="noStrike">
+            <a:endParaRPr lang="fr-FR" sz="1600" b="0" strike="noStrike" spc="-1">
               <a:latin typeface="Arial"/>
             </a:endParaRPr>
           </a:p>
@@ -8249,7 +9670,7 @@
                 <a:spcPct val="100000"/>
               </a:lnSpc>
             </a:pPr>
-            <a:endParaRPr b="0" lang="fr-FR" sz="1600" spc="-1" strike="noStrike">
+            <a:endParaRPr lang="fr-FR" sz="1600" b="0" strike="noStrike" spc="-1">
               <a:latin typeface="Arial"/>
             </a:endParaRPr>
           </a:p>
@@ -8259,7 +9680,7 @@
                 <a:spcPct val="100000"/>
               </a:lnSpc>
             </a:pPr>
-            <a:endParaRPr b="0" lang="fr-FR" sz="1600" spc="-1" strike="noStrike">
+            <a:endParaRPr lang="fr-FR" sz="1600" b="0" strike="noStrike" spc="-1">
               <a:latin typeface="Arial"/>
             </a:endParaRPr>
           </a:p>
@@ -8269,21 +9690,21 @@
                 <a:spcPct val="100000"/>
               </a:lnSpc>
               <a:buClr>
-                <a:srgbClr val="ffffff"/>
+                <a:srgbClr val="FFFFFF"/>
               </a:buClr>
               <a:buFont typeface="StarSymbol"/>
               <a:buChar char="-"/>
             </a:pPr>
             <a:r>
-              <a:rPr b="0" lang="fr-FR" sz="1200" spc="-1" strike="noStrike">
+              <a:rPr lang="fr-FR" sz="1200" b="0" strike="noStrike" spc="-1">
                 <a:solidFill>
-                  <a:srgbClr val="ffffff"/>
+                  <a:srgbClr val="FFFFFF"/>
                 </a:solidFill>
                 <a:latin typeface="Calibri"/>
               </a:rPr>
               <a:t>Envoi des données lors de pénuries </a:t>
             </a:r>
-            <a:endParaRPr b="0" lang="fr-FR" sz="1200" spc="-1" strike="noStrike">
+            <a:endParaRPr lang="fr-FR" sz="1200" b="0" strike="noStrike" spc="-1">
               <a:latin typeface="Arial"/>
             </a:endParaRPr>
           </a:p>
@@ -8294,15 +9715,15 @@
               </a:lnSpc>
             </a:pPr>
             <a:r>
-              <a:rPr b="0" lang="fr-FR" sz="1200" spc="-1" strike="noStrike">
+              <a:rPr lang="fr-FR" sz="1200" b="0" strike="noStrike" spc="-1">
                 <a:solidFill>
-                  <a:srgbClr val="ffffff"/>
+                  <a:srgbClr val="FFFFFF"/>
                 </a:solidFill>
                 <a:latin typeface="Calibri"/>
               </a:rPr>
               <a:t>de produits</a:t>
             </a:r>
-            <a:endParaRPr b="0" lang="fr-FR" sz="1200" spc="-1" strike="noStrike">
+            <a:endParaRPr lang="fr-FR" sz="1200" b="0" strike="noStrike" spc="-1">
               <a:latin typeface="Arial"/>
             </a:endParaRPr>
           </a:p>
@@ -8312,7 +9733,7 @@
                 <a:spcPct val="100000"/>
               </a:lnSpc>
             </a:pPr>
-            <a:endParaRPr b="0" lang="fr-FR" sz="1200" spc="-1" strike="noStrike">
+            <a:endParaRPr lang="fr-FR" sz="1200" b="0" strike="noStrike" spc="-1">
               <a:latin typeface="Arial"/>
             </a:endParaRPr>
           </a:p>
@@ -8322,21 +9743,21 @@
                 <a:spcPct val="100000"/>
               </a:lnSpc>
               <a:buClr>
-                <a:srgbClr val="ffffff"/>
+                <a:srgbClr val="FFFFFF"/>
               </a:buClr>
               <a:buFont typeface="StarSymbol"/>
               <a:buChar char="-"/>
             </a:pPr>
             <a:r>
-              <a:rPr b="0" lang="fr-FR" sz="1200" spc="-1" strike="noStrike">
+              <a:rPr lang="fr-FR" sz="1200" b="0" strike="noStrike" spc="-1">
                 <a:solidFill>
-                  <a:srgbClr val="ffffff"/>
+                  <a:srgbClr val="FFFFFF"/>
                 </a:solidFill>
                 <a:latin typeface="Calibri"/>
               </a:rPr>
               <a:t>Envoi une alerte (count + 1), et </a:t>
             </a:r>
-            <a:endParaRPr b="0" lang="fr-FR" sz="1200" spc="-1" strike="noStrike">
+            <a:endParaRPr lang="fr-FR" sz="1200" b="0" strike="noStrike" spc="-1">
               <a:latin typeface="Arial"/>
             </a:endParaRPr>
           </a:p>
@@ -8347,15 +9768,15 @@
               </a:lnSpc>
             </a:pPr>
             <a:r>
-              <a:rPr b="0" lang="fr-FR" sz="1200" spc="-1" strike="noStrike">
+              <a:rPr lang="fr-FR" sz="1200" b="0" strike="noStrike" spc="-1">
                 <a:solidFill>
-                  <a:srgbClr val="ffffff"/>
+                  <a:srgbClr val="FFFFFF"/>
                 </a:solidFill>
                 <a:latin typeface="Calibri"/>
               </a:rPr>
               <a:t>une alerte push à toutes les apps</a:t>
             </a:r>
-            <a:endParaRPr b="0" lang="fr-FR" sz="1200" spc="-1" strike="noStrike">
+            <a:endParaRPr lang="fr-FR" sz="1200" b="0" strike="noStrike" spc="-1">
               <a:latin typeface="Arial"/>
             </a:endParaRPr>
           </a:p>
@@ -8365,7 +9786,7 @@
                 <a:spcPct val="100000"/>
               </a:lnSpc>
             </a:pPr>
-            <a:endParaRPr b="0" lang="fr-FR" sz="1200" spc="-1" strike="noStrike">
+            <a:endParaRPr lang="fr-FR" sz="1200" b="0" strike="noStrike" spc="-1">
               <a:latin typeface="Arial"/>
             </a:endParaRPr>
           </a:p>
@@ -8376,15 +9797,15 @@
               </a:lnSpc>
             </a:pPr>
             <a:r>
-              <a:rPr b="0" lang="fr-FR" sz="1200" spc="-1" strike="noStrike">
+              <a:rPr lang="fr-FR" sz="1200" b="0" strike="noStrike" spc="-1">
                 <a:solidFill>
-                  <a:srgbClr val="ffffff"/>
+                  <a:srgbClr val="FFFFFF"/>
                 </a:solidFill>
                 <a:latin typeface="Calibri"/>
               </a:rPr>
               <a:t>-       Utilise les données envoyées par </a:t>
             </a:r>
-            <a:endParaRPr b="0" lang="fr-FR" sz="1200" spc="-1" strike="noStrike">
+            <a:endParaRPr lang="fr-FR" sz="1200" b="0" strike="noStrike" spc="-1">
               <a:latin typeface="Arial"/>
             </a:endParaRPr>
           </a:p>
@@ -8395,15 +9816,15 @@
               </a:lnSpc>
             </a:pPr>
             <a:r>
-              <a:rPr b="0" lang="fr-FR" sz="1200" spc="-1" strike="noStrike">
+              <a:rPr lang="fr-FR" sz="1200" b="0" strike="noStrike" spc="-1">
                 <a:solidFill>
-                  <a:srgbClr val="ffffff"/>
+                  <a:srgbClr val="FFFFFF"/>
                 </a:solidFill>
                 <a:latin typeface="Calibri"/>
               </a:rPr>
               <a:t>les capteurs </a:t>
             </a:r>
-            <a:endParaRPr b="0" lang="fr-FR" sz="1200" spc="-1" strike="noStrike">
+            <a:endParaRPr lang="fr-FR" sz="1200" b="0" strike="noStrike" spc="-1">
               <a:latin typeface="Arial"/>
             </a:endParaRPr>
           </a:p>
@@ -8413,7 +9834,7 @@
                 <a:spcPct val="100000"/>
               </a:lnSpc>
             </a:pPr>
-            <a:endParaRPr b="0" lang="fr-FR" sz="1200" spc="-1" strike="noStrike">
+            <a:endParaRPr lang="fr-FR" sz="1200" b="0" strike="noStrike" spc="-1">
               <a:latin typeface="Arial"/>
             </a:endParaRPr>
           </a:p>
@@ -8423,7 +9844,7 @@
                 <a:spcPct val="100000"/>
               </a:lnSpc>
             </a:pPr>
-            <a:endParaRPr b="0" lang="fr-FR" sz="1200" spc="-1" strike="noStrike">
+            <a:endParaRPr lang="fr-FR" sz="1200" b="0" strike="noStrike" spc="-1">
               <a:latin typeface="Arial"/>
             </a:endParaRPr>
           </a:p>
@@ -8433,7 +9854,7 @@
                 <a:spcPct val="100000"/>
               </a:lnSpc>
             </a:pPr>
-            <a:endParaRPr b="0" lang="fr-FR" sz="1200" spc="-1" strike="noStrike">
+            <a:endParaRPr lang="fr-FR" sz="1200" b="0" strike="noStrike" spc="-1">
               <a:latin typeface="Arial"/>
             </a:endParaRPr>
           </a:p>
@@ -8443,7 +9864,7 @@
                 <a:spcPct val="100000"/>
               </a:lnSpc>
             </a:pPr>
-            <a:endParaRPr b="0" lang="fr-FR" sz="1200" spc="-1" strike="noStrike">
+            <a:endParaRPr lang="fr-FR" sz="1200" b="0" strike="noStrike" spc="-1">
               <a:latin typeface="Arial"/>
             </a:endParaRPr>
           </a:p>
@@ -8456,7 +9877,7 @@
           <p:nvPr/>
         </p:nvPicPr>
         <p:blipFill>
-          <a:blip r:embed="rId2"/>
+          <a:blip r:embed="rId3"/>
           <a:stretch/>
         </p:blipFill>
         <p:spPr>
@@ -8479,7 +9900,7 @@
           <p:nvPr/>
         </p:nvPicPr>
         <p:blipFill>
-          <a:blip r:embed="rId3"/>
+          <a:blip r:embed="rId4"/>
           <a:stretch/>
         </p:blipFill>
         <p:spPr>
@@ -8497,25 +9918,21 @@
       </p:pic>
     </p:spTree>
   </p:cSld>
-  <mc:AlternateContent>
-    <mc:Choice Requires="p14">
-      <p:transition spd="slow" p14:dur="2000"/>
-    </mc:Choice>
-    <mc:Fallback>
-      <p:transition spd="slow"/>
-    </mc:Fallback>
-  </mc:AlternateContent>
+  <p:clrMapOvr>
+    <a:masterClrMapping/>
+  </p:clrMapOvr>
 </p:sld>
 </file>
 
 <file path=ppt/slides/slide7.xml><?xml version="1.0" encoding="utf-8"?>
-<p:sld xmlns:a="http://schemas.openxmlformats.org/drawingml/2006/main" xmlns:p="http://schemas.openxmlformats.org/presentationml/2006/main" xmlns:r="http://schemas.openxmlformats.org/officeDocument/2006/relationships" xmlns:p14="http://schemas.microsoft.com/office/powerpoint/2010/main" xmlns:p15="http://schemas.microsoft.com/office/powerpoint/2012/main" xmlns:mc="http://schemas.openxmlformats.org/markup-compatibility/2006">
+<p:sld xmlns:a="http://schemas.openxmlformats.org/drawingml/2006/main" xmlns:r="http://schemas.openxmlformats.org/officeDocument/2006/relationships" xmlns:p="http://schemas.openxmlformats.org/presentationml/2006/main">
   <p:cSld>
     <p:bg>
       <p:bgPr>
         <a:solidFill>
           <a:srgbClr val="000000"/>
         </a:solidFill>
+        <a:effectLst/>
       </p:bgPr>
     </p:bg>
     <p:spTree>
@@ -8549,10 +9966,10 @@
           <a:gradFill rotWithShape="0">
             <a:gsLst>
               <a:gs pos="0">
-                <a:srgbClr val="3965b5"/>
+                <a:srgbClr val="3965B5"/>
               </a:gs>
               <a:gs pos="100000">
-                <a:srgbClr val="3965b5"/>
+                <a:srgbClr val="3965B5"/>
               </a:gs>
             </a:gsLst>
             <a:lin ang="4200000"/>
@@ -8592,17 +10009,17 @@
         </p:grpSpPr>
         <p:pic>
           <p:nvPicPr>
-            <p:cNvPr id="142" name="Picture 10" descr=""/>
+            <p:cNvPr id="142" name="Picture 10"/>
             <p:cNvPicPr/>
             <p:nvPr/>
           </p:nvPicPr>
           <p:blipFill>
-            <a:blip r:embed="rId1"/>
-            <a:srcRect l="0" t="45717" r="0" b="9819"/>
+            <a:blip r:embed="rId2"/>
+            <a:srcRect t="45717" b="9819"/>
             <a:stretch/>
           </p:blipFill>
           <p:spPr>
-            <a:xfrm flipH="1" rot="10800000">
+            <a:xfrm rot="10800000" flipH="1">
               <a:off x="0" y="0"/>
               <a:ext cx="12191760" cy="3048840"/>
             </a:xfrm>
@@ -8629,7 +10046,7 @@
               <a:avLst/>
             </a:prstGeom>
             <a:solidFill>
-              <a:srgbClr val="ffffff"/>
+              <a:srgbClr val="FFFFFF"/>
             </a:solidFill>
             <a:ln>
               <a:noFill/>
@@ -8674,6 +10091,7 @@
           <a:bodyPr anchor="ctr">
             <a:normAutofit/>
           </a:bodyPr>
+          <a:lstStyle/>
           <a:p>
             <a:pPr>
               <a:lnSpc>
@@ -8681,16 +10099,16 @@
               </a:lnSpc>
             </a:pPr>
             <a:r>
-              <a:rPr b="0" lang="fr-FR" sz="4000" spc="-1" strike="noStrike">
+              <a:rPr lang="fr-FR" sz="4000" b="0" strike="noStrike" spc="-1">
                 <a:solidFill>
-                  <a:srgbClr val="3f3f3f"/>
+                  <a:srgbClr val="3F3F3F"/>
                 </a:solidFill>
                 <a:latin typeface="Calibri Light"/>
               </a:rPr>
               <a:t>IV. </a:t>
             </a:r>
             <a:r>
-              <a:rPr b="0" lang="fr-FR" sz="4000" spc="-1" strike="noStrike">
+              <a:rPr lang="fr-FR" sz="4000" b="0" strike="noStrike" spc="-1">
                 <a:solidFill>
                   <a:srgbClr val="000000"/>
                 </a:solidFill>
@@ -8698,7 +10116,7 @@
               </a:rPr>
               <a:t>Présentation de la partie : Serveur Web</a:t>
             </a:r>
-            <a:endParaRPr b="0" lang="fr-FR" sz="4000" spc="-1" strike="noStrike">
+            <a:endParaRPr lang="fr-FR" sz="4000" b="0" strike="noStrike" spc="-1">
               <a:solidFill>
                 <a:srgbClr val="000000"/>
               </a:solidFill>
@@ -8730,6 +10148,7 @@
           <a:bodyPr anchor="ctr">
             <a:normAutofit/>
           </a:bodyPr>
+          <a:lstStyle/>
           <a:p>
             <a:pPr>
               <a:lnSpc>
@@ -8739,7 +10158,7 @@
                 <a:spcPts val="1001"/>
               </a:spcBef>
             </a:pPr>
-            <a:endParaRPr b="0" lang="fr-FR" sz="2800" spc="-1" strike="noStrike">
+            <a:endParaRPr lang="fr-FR" sz="2800" b="0" strike="noStrike" spc="-1">
               <a:solidFill>
                 <a:srgbClr val="000000"/>
               </a:solidFill>
@@ -8747,7 +10166,7 @@
             </a:endParaRPr>
           </a:p>
           <a:p>
-            <a:endParaRPr b="0" lang="fr-FR" sz="2800" spc="-1" strike="noStrike">
+            <a:endParaRPr lang="fr-FR" sz="2800" b="0" strike="noStrike" spc="-1">
               <a:solidFill>
                 <a:srgbClr val="000000"/>
               </a:solidFill>
@@ -8779,6 +10198,7 @@
           <a:bodyPr anchor="ctr">
             <a:noAutofit/>
           </a:bodyPr>
+          <a:lstStyle/>
           <a:p>
             <a:pPr>
               <a:lnSpc>
@@ -8786,15 +10206,15 @@
               </a:lnSpc>
             </a:pPr>
             <a:r>
-              <a:rPr b="0" lang="fr-FR" sz="1200" spc="-1" strike="noStrike">
+              <a:rPr lang="fr-FR" sz="1200" b="0" strike="noStrike" spc="-1">
                 <a:solidFill>
-                  <a:srgbClr val="ffffff"/>
+                  <a:srgbClr val="FFFFFF"/>
                 </a:solidFill>
                 <a:latin typeface="Calibri"/>
               </a:rPr>
               <a:t>LP IOTIA</a:t>
             </a:r>
-            <a:endParaRPr b="0" lang="fr-FR" sz="1200" spc="-1" strike="noStrike">
+            <a:endParaRPr lang="fr-FR" sz="1200" b="0" strike="noStrike" spc="-1">
               <a:latin typeface="Times New Roman"/>
             </a:endParaRPr>
           </a:p>
@@ -8823,6 +10243,7 @@
           <a:bodyPr anchor="ctr">
             <a:noAutofit/>
           </a:bodyPr>
+          <a:lstStyle/>
           <a:p>
             <a:pPr algn="r">
               <a:lnSpc>
@@ -8830,15 +10251,15 @@
               </a:lnSpc>
             </a:pPr>
             <a:fld id="{AB127B7B-A1D3-4150-B341-D24BF54BBC47}" type="slidenum">
-              <a:rPr b="0" lang="fr-FR" sz="1200" spc="-1" strike="noStrike">
+              <a:rPr lang="fr-FR" sz="1200" b="0" strike="noStrike" spc="-1">
                 <a:solidFill>
-                  <a:srgbClr val="ffffff"/>
+                  <a:srgbClr val="FFFFFF"/>
                 </a:solidFill>
                 <a:latin typeface="Calibri"/>
               </a:rPr>
               <a:t>7</a:t>
             </a:fld>
-            <a:endParaRPr b="0" lang="fr-FR" sz="1200" spc="-1" strike="noStrike">
+            <a:endParaRPr lang="fr-FR" sz="1200" b="0" strike="noStrike" spc="-1">
               <a:latin typeface="Times New Roman"/>
             </a:endParaRPr>
           </a:p>
@@ -8846,25 +10267,21 @@
       </p:sp>
     </p:spTree>
   </p:cSld>
-  <mc:AlternateContent>
-    <mc:Choice Requires="p14">
-      <p:transition spd="slow" p14:dur="2000"/>
-    </mc:Choice>
-    <mc:Fallback>
-      <p:transition spd="slow"/>
-    </mc:Fallback>
-  </mc:AlternateContent>
+  <p:clrMapOvr>
+    <a:masterClrMapping/>
+  </p:clrMapOvr>
 </p:sld>
 </file>
 
 <file path=ppt/slides/slide8.xml><?xml version="1.0" encoding="utf-8"?>
-<p:sld xmlns:a="http://schemas.openxmlformats.org/drawingml/2006/main" xmlns:p="http://schemas.openxmlformats.org/presentationml/2006/main" xmlns:r="http://schemas.openxmlformats.org/officeDocument/2006/relationships" xmlns:p14="http://schemas.microsoft.com/office/powerpoint/2010/main" xmlns:p15="http://schemas.microsoft.com/office/powerpoint/2012/main" xmlns:mc="http://schemas.openxmlformats.org/markup-compatibility/2006">
+<p:sld xmlns:a="http://schemas.openxmlformats.org/drawingml/2006/main" xmlns:r="http://schemas.openxmlformats.org/officeDocument/2006/relationships" xmlns:p="http://schemas.openxmlformats.org/presentationml/2006/main">
   <p:cSld>
     <p:bg>
       <p:bgPr>
         <a:solidFill>
           <a:srgbClr val="000000"/>
         </a:solidFill>
+        <a:effectLst/>
       </p:bgPr>
     </p:bg>
     <p:spTree>
@@ -8898,10 +10315,10 @@
           <a:gradFill rotWithShape="0">
             <a:gsLst>
               <a:gs pos="0">
-                <a:srgbClr val="3965b5"/>
+                <a:srgbClr val="3965B5"/>
               </a:gs>
               <a:gs pos="100000">
-                <a:srgbClr val="3965b5"/>
+                <a:srgbClr val="3965B5"/>
               </a:gs>
             </a:gsLst>
             <a:lin ang="4200000"/>
@@ -8941,17 +10358,17 @@
         </p:grpSpPr>
         <p:pic>
           <p:nvPicPr>
-            <p:cNvPr id="150" name="Picture 10" descr=""/>
+            <p:cNvPr id="150" name="Picture 10"/>
             <p:cNvPicPr/>
             <p:nvPr/>
           </p:nvPicPr>
           <p:blipFill>
-            <a:blip r:embed="rId1"/>
-            <a:srcRect l="0" t="45717" r="0" b="9819"/>
+            <a:blip r:embed="rId2"/>
+            <a:srcRect t="45717" b="9819"/>
             <a:stretch/>
           </p:blipFill>
           <p:spPr>
-            <a:xfrm flipH="1" rot="10800000">
+            <a:xfrm rot="10800000" flipH="1">
               <a:off x="0" y="0"/>
               <a:ext cx="12191760" cy="3048840"/>
             </a:xfrm>
@@ -8978,7 +10395,7 @@
               <a:avLst/>
             </a:prstGeom>
             <a:solidFill>
-              <a:srgbClr val="ffffff"/>
+              <a:srgbClr val="FFFFFF"/>
             </a:solidFill>
             <a:ln>
               <a:noFill/>
@@ -9021,8 +10438,9 @@
         </p:spPr>
         <p:txBody>
           <a:bodyPr anchor="ctr">
-            <a:normAutofit/>
-          </a:bodyPr>
+            <a:normAutofit lnSpcReduction="10000"/>
+          </a:bodyPr>
+          <a:lstStyle/>
           <a:p>
             <a:pPr>
               <a:lnSpc>
@@ -9030,16 +10448,16 @@
               </a:lnSpc>
             </a:pPr>
             <a:r>
-              <a:rPr b="0" lang="fr-FR" sz="4000" spc="-1" strike="noStrike">
+              <a:rPr lang="fr-FR" sz="4000" b="0" strike="noStrike" spc="-1">
                 <a:solidFill>
-                  <a:srgbClr val="3f3f3f"/>
+                  <a:srgbClr val="3F3F3F"/>
                 </a:solidFill>
                 <a:latin typeface="Calibri Light"/>
               </a:rPr>
               <a:t>V. </a:t>
             </a:r>
             <a:r>
-              <a:rPr b="0" lang="fr-FR" sz="3600" spc="-1" strike="noStrike">
+              <a:rPr lang="fr-FR" sz="3600" b="0" strike="noStrike" spc="-1">
                 <a:solidFill>
                   <a:srgbClr val="000000"/>
                 </a:solidFill>
@@ -9047,7 +10465,7 @@
               </a:rPr>
               <a:t>Présentation de la partie : Backend et base de données </a:t>
             </a:r>
-            <a:endParaRPr b="0" lang="fr-FR" sz="3600" spc="-1" strike="noStrike">
+            <a:endParaRPr lang="fr-FR" sz="3600" b="0" strike="noStrike" spc="-1">
               <a:solidFill>
                 <a:srgbClr val="000000"/>
               </a:solidFill>
@@ -9079,6 +10497,7 @@
           <a:bodyPr anchor="ctr">
             <a:normAutofit/>
           </a:bodyPr>
+          <a:lstStyle/>
           <a:p>
             <a:pPr>
               <a:lnSpc>
@@ -9088,7 +10507,7 @@
                 <a:spcPts val="1001"/>
               </a:spcBef>
             </a:pPr>
-            <a:endParaRPr b="0" lang="fr-FR" sz="2800" spc="-1" strike="noStrike">
+            <a:endParaRPr lang="fr-FR" sz="2800" b="0" strike="noStrike" spc="-1">
               <a:solidFill>
                 <a:srgbClr val="000000"/>
               </a:solidFill>
@@ -9096,7 +10515,7 @@
             </a:endParaRPr>
           </a:p>
           <a:p>
-            <a:endParaRPr b="0" lang="fr-FR" sz="2800" spc="-1" strike="noStrike">
+            <a:endParaRPr lang="fr-FR" sz="2800" b="0" strike="noStrike" spc="-1">
               <a:solidFill>
                 <a:srgbClr val="000000"/>
               </a:solidFill>
@@ -9128,6 +10547,7 @@
           <a:bodyPr anchor="ctr">
             <a:noAutofit/>
           </a:bodyPr>
+          <a:lstStyle/>
           <a:p>
             <a:pPr>
               <a:lnSpc>
@@ -9135,15 +10555,15 @@
               </a:lnSpc>
             </a:pPr>
             <a:r>
-              <a:rPr b="0" lang="fr-FR" sz="1200" spc="-1" strike="noStrike">
+              <a:rPr lang="fr-FR" sz="1200" b="0" strike="noStrike" spc="-1">
                 <a:solidFill>
-                  <a:srgbClr val="ffffff"/>
+                  <a:srgbClr val="FFFFFF"/>
                 </a:solidFill>
                 <a:latin typeface="Calibri"/>
               </a:rPr>
               <a:t>LP IOTIA</a:t>
             </a:r>
-            <a:endParaRPr b="0" lang="fr-FR" sz="1200" spc="-1" strike="noStrike">
+            <a:endParaRPr lang="fr-FR" sz="1200" b="0" strike="noStrike" spc="-1">
               <a:latin typeface="Times New Roman"/>
             </a:endParaRPr>
           </a:p>
@@ -9172,6 +10592,7 @@
           <a:bodyPr anchor="ctr">
             <a:noAutofit/>
           </a:bodyPr>
+          <a:lstStyle/>
           <a:p>
             <a:pPr algn="r">
               <a:lnSpc>
@@ -9179,15 +10600,15 @@
               </a:lnSpc>
             </a:pPr>
             <a:fld id="{89852E89-60D3-43A7-B38E-7FD2E7927657}" type="slidenum">
-              <a:rPr b="0" lang="fr-FR" sz="1200" spc="-1" strike="noStrike">
+              <a:rPr lang="fr-FR" sz="1200" b="0" strike="noStrike" spc="-1">
                 <a:solidFill>
-                  <a:srgbClr val="ffffff"/>
+                  <a:srgbClr val="FFFFFF"/>
                 </a:solidFill>
                 <a:latin typeface="Calibri"/>
               </a:rPr>
-              <a:t>&lt;numéro&gt;</a:t>
+              <a:t>8</a:t>
             </a:fld>
-            <a:endParaRPr b="0" lang="fr-FR" sz="1200" spc="-1" strike="noStrike">
+            <a:endParaRPr lang="fr-FR" sz="1200" b="0" strike="noStrike" spc="-1">
               <a:latin typeface="Times New Roman"/>
             </a:endParaRPr>
           </a:p>
@@ -9195,25 +10616,21 @@
       </p:sp>
     </p:spTree>
   </p:cSld>
-  <mc:AlternateContent>
-    <mc:Choice Requires="p14">
-      <p:transition spd="slow" p14:dur="2000"/>
-    </mc:Choice>
-    <mc:Fallback>
-      <p:transition spd="slow"/>
-    </mc:Fallback>
-  </mc:AlternateContent>
+  <p:clrMapOvr>
+    <a:masterClrMapping/>
+  </p:clrMapOvr>
 </p:sld>
 </file>
 
 <file path=ppt/slides/slide9.xml><?xml version="1.0" encoding="utf-8"?>
-<p:sld xmlns:a="http://schemas.openxmlformats.org/drawingml/2006/main" xmlns:p="http://schemas.openxmlformats.org/presentationml/2006/main" xmlns:r="http://schemas.openxmlformats.org/officeDocument/2006/relationships" xmlns:p14="http://schemas.microsoft.com/office/powerpoint/2010/main" xmlns:p15="http://schemas.microsoft.com/office/powerpoint/2012/main" xmlns:mc="http://schemas.openxmlformats.org/markup-compatibility/2006">
+<p:sld xmlns:a="http://schemas.openxmlformats.org/drawingml/2006/main" xmlns:r="http://schemas.openxmlformats.org/officeDocument/2006/relationships" xmlns:p="http://schemas.openxmlformats.org/presentationml/2006/main">
   <p:cSld>
     <p:bg>
       <p:bgPr>
         <a:solidFill>
           <a:srgbClr val="000000"/>
         </a:solidFill>
+        <a:effectLst/>
       </p:bgPr>
     </p:bg>
     <p:spTree>
@@ -9247,10 +10664,10 @@
           <a:gradFill rotWithShape="0">
             <a:gsLst>
               <a:gs pos="0">
-                <a:srgbClr val="3965b5"/>
+                <a:srgbClr val="3965B5"/>
               </a:gs>
               <a:gs pos="100000">
-                <a:srgbClr val="3965b5"/>
+                <a:srgbClr val="3965B5"/>
               </a:gs>
             </a:gsLst>
             <a:lin ang="4200000"/>
@@ -9290,17 +10707,17 @@
         </p:grpSpPr>
         <p:pic>
           <p:nvPicPr>
-            <p:cNvPr id="158" name="Picture 10" descr=""/>
+            <p:cNvPr id="158" name="Picture 10"/>
             <p:cNvPicPr/>
             <p:nvPr/>
           </p:nvPicPr>
           <p:blipFill>
-            <a:blip r:embed="rId1"/>
-            <a:srcRect l="0" t="45717" r="0" b="9819"/>
+            <a:blip r:embed="rId2"/>
+            <a:srcRect t="45717" b="9819"/>
             <a:stretch/>
           </p:blipFill>
           <p:spPr>
-            <a:xfrm flipH="1" rot="10800000">
+            <a:xfrm rot="10800000" flipH="1">
               <a:off x="0" y="0"/>
               <a:ext cx="12191760" cy="3048840"/>
             </a:xfrm>
@@ -9327,7 +10744,7 @@
               <a:avLst/>
             </a:prstGeom>
             <a:solidFill>
-              <a:srgbClr val="ffffff"/>
+              <a:srgbClr val="FFFFFF"/>
             </a:solidFill>
             <a:ln>
               <a:noFill/>
@@ -9372,6 +10789,7 @@
           <a:bodyPr anchor="ctr">
             <a:normAutofit/>
           </a:bodyPr>
+          <a:lstStyle/>
           <a:p>
             <a:pPr>
               <a:lnSpc>
@@ -9379,16 +10797,16 @@
               </a:lnSpc>
             </a:pPr>
             <a:r>
-              <a:rPr b="0" lang="fr-FR" sz="4000" spc="-1" strike="noStrike">
+              <a:rPr lang="fr-FR" sz="4000" b="0" strike="noStrike" spc="-1">
                 <a:solidFill>
-                  <a:srgbClr val="3f3f3f"/>
+                  <a:srgbClr val="3F3F3F"/>
                 </a:solidFill>
                 <a:latin typeface="Calibri Light"/>
               </a:rPr>
               <a:t>VI. </a:t>
             </a:r>
             <a:r>
-              <a:rPr b="0" lang="fr-FR" sz="4000" spc="-1" strike="noStrike">
+              <a:rPr lang="fr-FR" sz="4000" b="0" strike="noStrike" spc="-1">
                 <a:solidFill>
                   <a:srgbClr val="000000"/>
                 </a:solidFill>
@@ -9396,7 +10814,7 @@
               </a:rPr>
               <a:t>Présentation de la partie : Web Service</a:t>
             </a:r>
-            <a:endParaRPr b="0" lang="fr-FR" sz="4000" spc="-1" strike="noStrike">
+            <a:endParaRPr lang="fr-FR" sz="4000" b="0" strike="noStrike" spc="-1">
               <a:solidFill>
                 <a:srgbClr val="000000"/>
               </a:solidFill>
@@ -9428,6 +10846,7 @@
           <a:bodyPr anchor="ctr">
             <a:normAutofit/>
           </a:bodyPr>
+          <a:lstStyle/>
           <a:p>
             <a:pPr>
               <a:lnSpc>
@@ -9437,7 +10856,7 @@
                 <a:spcPts val="1001"/>
               </a:spcBef>
             </a:pPr>
-            <a:endParaRPr b="0" lang="fr-FR" sz="2800" spc="-1" strike="noStrike">
+            <a:endParaRPr lang="fr-FR" sz="2800" b="0" strike="noStrike" spc="-1">
               <a:solidFill>
                 <a:srgbClr val="000000"/>
               </a:solidFill>
@@ -9445,7 +10864,7 @@
             </a:endParaRPr>
           </a:p>
           <a:p>
-            <a:endParaRPr b="0" lang="fr-FR" sz="2800" spc="-1" strike="noStrike">
+            <a:endParaRPr lang="fr-FR" sz="2800" b="0" strike="noStrike" spc="-1">
               <a:solidFill>
                 <a:srgbClr val="000000"/>
               </a:solidFill>
@@ -9477,6 +10896,7 @@
           <a:bodyPr anchor="ctr">
             <a:noAutofit/>
           </a:bodyPr>
+          <a:lstStyle/>
           <a:p>
             <a:pPr>
               <a:lnSpc>
@@ -9484,15 +10904,15 @@
               </a:lnSpc>
             </a:pPr>
             <a:r>
-              <a:rPr b="0" lang="fr-FR" sz="1200" spc="-1" strike="noStrike">
+              <a:rPr lang="fr-FR" sz="1200" b="0" strike="noStrike" spc="-1">
                 <a:solidFill>
-                  <a:srgbClr val="ffffff"/>
+                  <a:srgbClr val="FFFFFF"/>
                 </a:solidFill>
                 <a:latin typeface="Calibri"/>
               </a:rPr>
               <a:t>LP IOTIA</a:t>
             </a:r>
-            <a:endParaRPr b="0" lang="fr-FR" sz="1200" spc="-1" strike="noStrike">
+            <a:endParaRPr lang="fr-FR" sz="1200" b="0" strike="noStrike" spc="-1">
               <a:latin typeface="Times New Roman"/>
             </a:endParaRPr>
           </a:p>
@@ -9521,6 +10941,7 @@
           <a:bodyPr anchor="ctr">
             <a:noAutofit/>
           </a:bodyPr>
+          <a:lstStyle/>
           <a:p>
             <a:pPr algn="r">
               <a:lnSpc>
@@ -9528,15 +10949,15 @@
               </a:lnSpc>
             </a:pPr>
             <a:fld id="{8E43A575-004B-4A81-819A-C42D477DA0A4}" type="slidenum">
-              <a:rPr b="0" lang="fr-FR" sz="1200" spc="-1" strike="noStrike">
+              <a:rPr lang="fr-FR" sz="1200" b="0" strike="noStrike" spc="-1">
                 <a:solidFill>
-                  <a:srgbClr val="ffffff"/>
+                  <a:srgbClr val="FFFFFF"/>
                 </a:solidFill>
                 <a:latin typeface="Calibri"/>
               </a:rPr>
-              <a:t>&lt;numéro&gt;</a:t>
+              <a:t>9</a:t>
             </a:fld>
-            <a:endParaRPr b="0" lang="fr-FR" sz="1200" spc="-1" strike="noStrike">
+            <a:endParaRPr lang="fr-FR" sz="1200" b="0" strike="noStrike" spc="-1">
               <a:latin typeface="Times New Roman"/>
             </a:endParaRPr>
           </a:p>
@@ -9544,30 +10965,7 @@
       </p:sp>
       <p:pic>
         <p:nvPicPr>
-          <p:cNvPr id="164" name="" descr=""/>
-          <p:cNvPicPr/>
-          <p:nvPr/>
-        </p:nvPicPr>
-        <p:blipFill>
-          <a:blip r:embed="rId2"/>
-          <a:stretch/>
-        </p:blipFill>
-        <p:spPr>
-          <a:xfrm>
-            <a:off x="0" y="2340000"/>
-            <a:ext cx="2733480" cy="1666440"/>
-          </a:xfrm>
-          <a:prstGeom prst="rect">
-            <a:avLst/>
-          </a:prstGeom>
-          <a:ln w="0">
-            <a:noFill/>
-          </a:ln>
-        </p:spPr>
-      </p:pic>
-      <p:pic>
-        <p:nvPicPr>
-          <p:cNvPr id="165" name="" descr=""/>
+          <p:cNvPr id="164" name="Image 163"/>
           <p:cNvPicPr/>
           <p:nvPr/>
         </p:nvPicPr>
@@ -9577,8 +10975,8 @@
         </p:blipFill>
         <p:spPr>
           <a:xfrm>
-            <a:off x="10013400" y="2340000"/>
-            <a:ext cx="1866600" cy="1800000"/>
+            <a:off x="0" y="2340000"/>
+            <a:ext cx="2733480" cy="1666440"/>
           </a:xfrm>
           <a:prstGeom prst="rect">
             <a:avLst/>
@@ -9590,7 +10988,7 @@
       </p:pic>
       <p:pic>
         <p:nvPicPr>
-          <p:cNvPr id="166" name="" descr=""/>
+          <p:cNvPr id="165" name="Image 164"/>
           <p:cNvPicPr/>
           <p:nvPr/>
         </p:nvPicPr>
@@ -9600,8 +10998,8 @@
         </p:blipFill>
         <p:spPr>
           <a:xfrm>
-            <a:off x="3201840" y="2340000"/>
-            <a:ext cx="6158160" cy="1980000"/>
+            <a:off x="10013400" y="2340000"/>
+            <a:ext cx="1866600" cy="1800000"/>
           </a:xfrm>
           <a:prstGeom prst="rect">
             <a:avLst/>
@@ -9611,100 +11009,9 @@
           </a:ln>
         </p:spPr>
       </p:pic>
-      <p:sp>
-        <p:nvSpPr>
-          <p:cNvPr id="167" name="TextShape 8"/>
-          <p:cNvSpPr txBox="1"/>
-          <p:nvPr/>
-        </p:nvSpPr>
-        <p:spPr>
-          <a:xfrm>
-            <a:off x="0" y="4569840"/>
-            <a:ext cx="8820000" cy="1626120"/>
-          </a:xfrm>
-          <a:prstGeom prst="rect">
-            <a:avLst/>
-          </a:prstGeom>
-          <a:noFill/>
-          <a:ln w="0">
-            <a:noFill/>
-          </a:ln>
-        </p:spPr>
-        <p:txBody>
-          <a:bodyPr lIns="90000" rIns="90000" tIns="45000" bIns="45000">
-            <a:noAutofit/>
-          </a:bodyPr>
-          <a:p>
-            <a:r>
-              <a:rPr b="0" lang="fr-FR" sz="1800" spc="-1" strike="noStrike">
-                <a:latin typeface="Arial"/>
-              </a:rPr>
-              <a:t>-WebService REST réalisé en Node Js , qui est composé de 6 service.</a:t>
-            </a:r>
-            <a:endParaRPr b="0" lang="fr-FR" sz="1800" spc="-1" strike="noStrike">
-              <a:latin typeface="Arial"/>
-            </a:endParaRPr>
-          </a:p>
-          <a:p>
-            <a:r>
-              <a:rPr b="0" lang="fr-FR" sz="1800" spc="-1" strike="noStrike">
-                <a:latin typeface="Arial"/>
-              </a:rPr>
-              <a:t>-Infra Admin sécurisé par token (JWT).</a:t>
-            </a:r>
-            <a:endParaRPr b="0" lang="fr-FR" sz="1800" spc="-1" strike="noStrike">
-              <a:latin typeface="Arial"/>
-            </a:endParaRPr>
-          </a:p>
-          <a:p>
-            <a:r>
-              <a:rPr b="0" lang="fr-FR" sz="1800" spc="-1" strike="noStrike">
-                <a:latin typeface="Arial"/>
-              </a:rPr>
-              <a:t>-Tourne sur un VPS sous un nom de domaine spécifique (webservice.lensalex.fr ).</a:t>
-            </a:r>
-            <a:endParaRPr b="0" lang="fr-FR" sz="1800" spc="-1" strike="noStrike">
-              <a:latin typeface="Arial"/>
-            </a:endParaRPr>
-          </a:p>
-          <a:p>
-            <a:r>
-              <a:rPr b="0" lang="fr-FR" sz="1800" spc="-1" strike="noStrike">
-                <a:latin typeface="Arial"/>
-              </a:rPr>
-              <a:t>-Requête vers la base de données (mysql) pour GET , POST , DELETE ou PUT.</a:t>
-            </a:r>
-            <a:endParaRPr b="0" lang="fr-FR" sz="1800" spc="-1" strike="noStrike">
-              <a:latin typeface="Arial"/>
-            </a:endParaRPr>
-          </a:p>
-          <a:p>
-            <a:r>
-              <a:rPr b="0" lang="fr-FR" sz="1800" spc="-1" strike="noStrike">
-                <a:latin typeface="Arial"/>
-              </a:rPr>
-              <a:t>-Chaque service possède ça documentation swagger.</a:t>
-            </a:r>
-            <a:endParaRPr b="0" lang="fr-FR" sz="1800" spc="-1" strike="noStrike">
-              <a:latin typeface="Arial"/>
-            </a:endParaRPr>
-          </a:p>
-          <a:p>
-            <a:r>
-              <a:rPr b="0" lang="fr-FR" sz="1800" spc="-1" strike="noStrike">
-                <a:latin typeface="Arial"/>
-              </a:rPr>
-              <a:t>-Exploitation sur un site web (sous .net core) et application mobile (sous xamarin).</a:t>
-            </a:r>
-            <a:endParaRPr b="0" lang="fr-FR" sz="1800" spc="-1" strike="noStrike">
-              <a:latin typeface="Arial"/>
-            </a:endParaRPr>
-          </a:p>
-        </p:txBody>
-      </p:sp>
       <p:pic>
         <p:nvPicPr>
-          <p:cNvPr id="168" name="" descr=""/>
+          <p:cNvPr id="166" name="Image 165"/>
           <p:cNvPicPr/>
           <p:nvPr/>
         </p:nvPicPr>
@@ -9714,8 +11021,8 @@
         </p:blipFill>
         <p:spPr>
           <a:xfrm>
-            <a:off x="9900000" y="4265640"/>
-            <a:ext cx="2160000" cy="1854360"/>
+            <a:off x="3201840" y="2340000"/>
+            <a:ext cx="6158160" cy="1980000"/>
           </a:xfrm>
           <a:prstGeom prst="rect">
             <a:avLst/>
@@ -9727,14 +11034,14 @@
       </p:pic>
       <p:sp>
         <p:nvSpPr>
-          <p:cNvPr id="169" name="TextShape 9"/>
+          <p:cNvPr id="167" name="TextShape 8"/>
           <p:cNvSpPr txBox="1"/>
           <p:nvPr/>
         </p:nvSpPr>
         <p:spPr>
           <a:xfrm>
-            <a:off x="9900000" y="5994360"/>
-            <a:ext cx="2160000" cy="689760"/>
+            <a:off x="0" y="4569840"/>
+            <a:ext cx="8820000" cy="1626120"/>
           </a:xfrm>
           <a:prstGeom prst="rect">
             <a:avLst/>
@@ -9745,38 +11052,128 @@
           </a:ln>
         </p:spPr>
         <p:txBody>
-          <a:bodyPr lIns="90000" rIns="90000" tIns="45000" bIns="45000">
+          <a:bodyPr lIns="90000" tIns="45000" rIns="90000" bIns="45000">
             <a:noAutofit/>
           </a:bodyPr>
+          <a:lstStyle/>
           <a:p>
             <a:r>
-              <a:rPr b="0" lang="fr-FR" sz="800" spc="-1" strike="noStrike">
+              <a:rPr lang="fr-FR" sz="1800" b="0" strike="noStrike" spc="-1">
+                <a:latin typeface="Arial"/>
+              </a:rPr>
+              <a:t>-WebService REST réalisé en Node Js , qui est composé de 6 service.</a:t>
+            </a:r>
+          </a:p>
+          <a:p>
+            <a:r>
+              <a:rPr lang="fr-FR" sz="1800" b="0" strike="noStrike" spc="-1">
+                <a:latin typeface="Arial"/>
+              </a:rPr>
+              <a:t>-Infra Admin sécurisé par token (JWT).</a:t>
+            </a:r>
+          </a:p>
+          <a:p>
+            <a:r>
+              <a:rPr lang="fr-FR" sz="1800" b="0" strike="noStrike" spc="-1">
+                <a:latin typeface="Arial"/>
+              </a:rPr>
+              <a:t>-Tourne sur un VPS sous un nom de domaine spécifique (webservice.lensalex.fr ).</a:t>
+            </a:r>
+          </a:p>
+          <a:p>
+            <a:r>
+              <a:rPr lang="fr-FR" sz="1800" b="0" strike="noStrike" spc="-1">
+                <a:latin typeface="Arial"/>
+              </a:rPr>
+              <a:t>-Requête vers la base de données (mysql) pour GET , POST , DELETE ou PUT.</a:t>
+            </a:r>
+          </a:p>
+          <a:p>
+            <a:r>
+              <a:rPr lang="fr-FR" sz="1800" b="0" strike="noStrike" spc="-1">
+                <a:latin typeface="Arial"/>
+              </a:rPr>
+              <a:t>-Chaque service possède ça documentation swagger.</a:t>
+            </a:r>
+          </a:p>
+          <a:p>
+            <a:r>
+              <a:rPr lang="fr-FR" sz="1800" b="0" strike="noStrike" spc="-1">
+                <a:latin typeface="Arial"/>
+              </a:rPr>
+              <a:t>-Exploitation sur un site web (sous .net core) et application mobile (sous xamarin).</a:t>
+            </a:r>
+          </a:p>
+        </p:txBody>
+      </p:sp>
+      <p:pic>
+        <p:nvPicPr>
+          <p:cNvPr id="168" name="Image 167"/>
+          <p:cNvPicPr/>
+          <p:nvPr/>
+        </p:nvPicPr>
+        <p:blipFill>
+          <a:blip r:embed="rId6"/>
+          <a:stretch/>
+        </p:blipFill>
+        <p:spPr>
+          <a:xfrm>
+            <a:off x="9900000" y="4265640"/>
+            <a:ext cx="2160000" cy="1854360"/>
+          </a:xfrm>
+          <a:prstGeom prst="rect">
+            <a:avLst/>
+          </a:prstGeom>
+          <a:ln w="0">
+            <a:noFill/>
+          </a:ln>
+        </p:spPr>
+      </p:pic>
+      <p:sp>
+        <p:nvSpPr>
+          <p:cNvPr id="169" name="TextShape 9"/>
+          <p:cNvSpPr txBox="1"/>
+          <p:nvPr/>
+        </p:nvSpPr>
+        <p:spPr>
+          <a:xfrm>
+            <a:off x="9900000" y="5994360"/>
+            <a:ext cx="2160000" cy="689760"/>
+          </a:xfrm>
+          <a:prstGeom prst="rect">
+            <a:avLst/>
+          </a:prstGeom>
+          <a:noFill/>
+          <a:ln w="0">
+            <a:noFill/>
+          </a:ln>
+        </p:spPr>
+        <p:txBody>
+          <a:bodyPr lIns="90000" tIns="45000" rIns="90000" bIns="45000">
+            <a:noAutofit/>
+          </a:bodyPr>
+          <a:lstStyle/>
+          <a:p>
+            <a:r>
+              <a:rPr lang="fr-FR" sz="800" b="0" strike="noStrike" spc="-1">
                 <a:latin typeface="Arial"/>
               </a:rPr>
               <a:t>Documentation  Service Infrastructure</a:t>
             </a:r>
             <a:r>
-              <a:rPr b="0" lang="fr-FR" sz="1800" spc="-1" strike="noStrike">
+              <a:rPr lang="fr-FR" sz="1800" b="0" strike="noStrike" spc="-1">
                 <a:latin typeface="Arial"/>
               </a:rPr>
               <a:t> </a:t>
             </a:r>
-            <a:endParaRPr b="0" lang="fr-FR" sz="1800" spc="-1" strike="noStrike">
-              <a:latin typeface="Arial"/>
-            </a:endParaRPr>
           </a:p>
         </p:txBody>
       </p:sp>
     </p:spTree>
   </p:cSld>
-  <mc:AlternateContent>
-    <mc:Choice Requires="p14">
-      <p:transition spd="slow" p14:dur="2000"/>
-    </mc:Choice>
-    <mc:Fallback>
-      <p:transition spd="slow"/>
-    </mc:Fallback>
-  </mc:AlternateContent>
+  <p:clrMapOvr>
+    <a:masterClrMapping/>
+  </p:clrMapOvr>
 </p:sld>
 </file>
 
@@ -9791,34 +11188,34 @@
         <a:sysClr val="window" lastClr="FFFFFF"/>
       </a:lt1>
       <a:dk2>
-        <a:srgbClr val="44546a"/>
+        <a:srgbClr val="44546A"/>
       </a:dk2>
       <a:lt2>
-        <a:srgbClr val="e7e6e6"/>
+        <a:srgbClr val="E7E6E6"/>
       </a:lt2>
       <a:accent1>
-        <a:srgbClr val="4472c4"/>
+        <a:srgbClr val="4472C4"/>
       </a:accent1>
       <a:accent2>
-        <a:srgbClr val="ed7d31"/>
+        <a:srgbClr val="ED7D31"/>
       </a:accent2>
       <a:accent3>
-        <a:srgbClr val="a5a5a5"/>
+        <a:srgbClr val="A5A5A5"/>
       </a:accent3>
       <a:accent4>
-        <a:srgbClr val="ffc000"/>
+        <a:srgbClr val="FFC000"/>
       </a:accent4>
       <a:accent5>
-        <a:srgbClr val="5b9bd5"/>
+        <a:srgbClr val="5B9BD5"/>
       </a:accent5>
       <a:accent6>
-        <a:srgbClr val="70ad47"/>
+        <a:srgbClr val="70AD47"/>
       </a:accent6>
       <a:hlink>
-        <a:srgbClr val="0563c1"/>
+        <a:srgbClr val="0563C1"/>
       </a:hlink>
       <a:folHlink>
-        <a:srgbClr val="954f72"/>
+        <a:srgbClr val="954F72"/>
       </a:folHlink>
     </a:clrScheme>
     <a:fontScheme name="Office">
@@ -10003,6 +11400,8 @@
       </a:bgFillStyleLst>
     </a:fmtScheme>
   </a:themeElements>
+  <a:objectDefaults/>
+  <a:extraClrSchemeLst/>
 </a:theme>
 </file>
 
@@ -10017,34 +11416,34 @@
         <a:sysClr val="window" lastClr="FFFFFF"/>
       </a:lt1>
       <a:dk2>
-        <a:srgbClr val="44546a"/>
+        <a:srgbClr val="44546A"/>
       </a:dk2>
       <a:lt2>
-        <a:srgbClr val="e7e6e6"/>
+        <a:srgbClr val="E7E6E6"/>
       </a:lt2>
       <a:accent1>
-        <a:srgbClr val="4472c4"/>
+        <a:srgbClr val="4472C4"/>
       </a:accent1>
       <a:accent2>
-        <a:srgbClr val="ed7d31"/>
+        <a:srgbClr val="ED7D31"/>
       </a:accent2>
       <a:accent3>
-        <a:srgbClr val="a5a5a5"/>
+        <a:srgbClr val="A5A5A5"/>
       </a:accent3>
       <a:accent4>
-        <a:srgbClr val="ffc000"/>
+        <a:srgbClr val="FFC000"/>
       </a:accent4>
       <a:accent5>
-        <a:srgbClr val="5b9bd5"/>
+        <a:srgbClr val="5B9BD5"/>
       </a:accent5>
       <a:accent6>
-        <a:srgbClr val="70ad47"/>
+        <a:srgbClr val="70AD47"/>
       </a:accent6>
       <a:hlink>
-        <a:srgbClr val="0563c1"/>
+        <a:srgbClr val="0563C1"/>
       </a:hlink>
       <a:folHlink>
-        <a:srgbClr val="954f72"/>
+        <a:srgbClr val="954F72"/>
       </a:folHlink>
     </a:clrScheme>
     <a:fontScheme name="Office">
@@ -10229,5 +11628,7 @@
       </a:bgFillStyleLst>
     </a:fmtScheme>
   </a:themeElements>
+  <a:objectDefaults/>
+  <a:extraClrSchemeLst/>
 </a:theme>
 </file>
--- a/Diapo_commun/PresentationCommune.pptx
+++ b/Diapo_commun/PresentationCommune.pptx
@@ -10265,11 +10265,1977 @@
           </a:p>
         </p:txBody>
       </p:sp>
+      <p:sp>
+        <p:nvSpPr>
+          <p:cNvPr id="10" name="CustomShape 1">
+            <a:extLst>
+              <a:ext uri="{FF2B5EF4-FFF2-40B4-BE49-F238E27FC236}">
+                <a16:creationId xmlns:a16="http://schemas.microsoft.com/office/drawing/2014/main" id="{0677D7A2-EDF3-4926-B9BD-0DCEFF5A9510}"/>
+              </a:ext>
+            </a:extLst>
+          </p:cNvPr>
+          <p:cNvSpPr/>
+          <p:nvPr/>
+        </p:nvSpPr>
+        <p:spPr>
+          <a:xfrm>
+            <a:off x="0" y="1360800"/>
+            <a:ext cx="12191760" cy="5496840"/>
+          </a:xfrm>
+          <a:prstGeom prst="rect">
+            <a:avLst/>
+          </a:prstGeom>
+          <a:gradFill rotWithShape="0">
+            <a:gsLst>
+              <a:gs pos="0">
+                <a:srgbClr val="3965B5"/>
+              </a:gs>
+              <a:gs pos="100000">
+                <a:srgbClr val="3965B5"/>
+              </a:gs>
+            </a:gsLst>
+            <a:lin ang="4200000"/>
+          </a:gradFill>
+          <a:ln>
+            <a:noFill/>
+          </a:ln>
+        </p:spPr>
+        <p:style>
+          <a:lnRef idx="2">
+            <a:schemeClr val="accent1">
+              <a:shade val="50000"/>
+            </a:schemeClr>
+          </a:lnRef>
+          <a:fillRef idx="1">
+            <a:schemeClr val="accent1"/>
+          </a:fillRef>
+          <a:effectRef idx="0">
+            <a:schemeClr val="accent1"/>
+          </a:effectRef>
+          <a:fontRef idx="minor"/>
+        </p:style>
+      </p:sp>
+      <p:grpSp>
+        <p:nvGrpSpPr>
+          <p:cNvPr id="11" name="Group 2">
+            <a:extLst>
+              <a:ext uri="{FF2B5EF4-FFF2-40B4-BE49-F238E27FC236}">
+                <a16:creationId xmlns:a16="http://schemas.microsoft.com/office/drawing/2014/main" id="{596BAC3E-262D-40ED-A717-5F989751A5E2}"/>
+              </a:ext>
+            </a:extLst>
+          </p:cNvPr>
+          <p:cNvGrpSpPr/>
+          <p:nvPr/>
+        </p:nvGrpSpPr>
+        <p:grpSpPr>
+          <a:xfrm>
+            <a:off x="0" y="360"/>
+            <a:ext cx="12192000" cy="2552767"/>
+            <a:chOff x="0" y="360"/>
+            <a:chExt cx="12191760" cy="3048840"/>
+          </a:xfrm>
+        </p:grpSpPr>
+        <p:pic>
+          <p:nvPicPr>
+            <p:cNvPr id="12" name="Picture 10">
+              <a:extLst>
+                <a:ext uri="{FF2B5EF4-FFF2-40B4-BE49-F238E27FC236}">
+                  <a16:creationId xmlns:a16="http://schemas.microsoft.com/office/drawing/2014/main" id="{6CFF06B6-EEF2-4098-9477-E57B49809F4C}"/>
+                </a:ext>
+              </a:extLst>
+            </p:cNvPr>
+            <p:cNvPicPr/>
+            <p:nvPr/>
+          </p:nvPicPr>
+          <p:blipFill>
+            <a:blip r:embed="rId2"/>
+            <a:srcRect t="45717" b="9819"/>
+            <a:stretch/>
+          </p:blipFill>
+          <p:spPr>
+            <a:xfrm rot="10800000" flipH="1">
+              <a:off x="0" y="0"/>
+              <a:ext cx="12191760" cy="3048840"/>
+            </a:xfrm>
+            <a:prstGeom prst="rect">
+              <a:avLst/>
+            </a:prstGeom>
+            <a:ln w="0">
+              <a:noFill/>
+            </a:ln>
+          </p:spPr>
+        </p:pic>
+        <p:sp>
+          <p:nvSpPr>
+            <p:cNvPr id="13" name="CustomShape 3">
+              <a:extLst>
+                <a:ext uri="{FF2B5EF4-FFF2-40B4-BE49-F238E27FC236}">
+                  <a16:creationId xmlns:a16="http://schemas.microsoft.com/office/drawing/2014/main" id="{F4719E7F-8EC6-4992-98B8-89A44FBA079F}"/>
+                </a:ext>
+              </a:extLst>
+            </p:cNvPr>
+            <p:cNvSpPr/>
+            <p:nvPr/>
+          </p:nvSpPr>
+          <p:spPr>
+            <a:xfrm flipV="1">
+              <a:off x="2067480" y="1076400"/>
+              <a:ext cx="373320" cy="405000"/>
+            </a:xfrm>
+            <a:prstGeom prst="ellipse">
+              <a:avLst/>
+            </a:prstGeom>
+            <a:solidFill>
+              <a:srgbClr val="FFFFFF"/>
+            </a:solidFill>
+            <a:ln>
+              <a:noFill/>
+            </a:ln>
+          </p:spPr>
+          <p:style>
+            <a:lnRef idx="2">
+              <a:schemeClr val="accent1">
+                <a:shade val="50000"/>
+              </a:schemeClr>
+            </a:lnRef>
+            <a:fillRef idx="1">
+              <a:schemeClr val="accent1"/>
+            </a:fillRef>
+            <a:effectRef idx="0">
+              <a:schemeClr val="accent1"/>
+            </a:effectRef>
+            <a:fontRef idx="minor"/>
+          </p:style>
+        </p:sp>
+      </p:grpSp>
+      <p:sp>
+        <p:nvSpPr>
+          <p:cNvPr id="14" name="TextShape 4">
+            <a:extLst>
+              <a:ext uri="{FF2B5EF4-FFF2-40B4-BE49-F238E27FC236}">
+                <a16:creationId xmlns:a16="http://schemas.microsoft.com/office/drawing/2014/main" id="{8331CDFA-D7BF-4624-AE23-4E0AFA837F1B}"/>
+              </a:ext>
+            </a:extLst>
+          </p:cNvPr>
+          <p:cNvSpPr txBox="1"/>
+          <p:nvPr/>
+        </p:nvSpPr>
+        <p:spPr>
+          <a:xfrm>
+            <a:off x="350691" y="448200"/>
+            <a:ext cx="11563141" cy="1066320"/>
+          </a:xfrm>
+          <a:prstGeom prst="rect">
+            <a:avLst/>
+          </a:prstGeom>
+          <a:noFill/>
+          <a:ln w="0">
+            <a:noFill/>
+          </a:ln>
+        </p:spPr>
+        <p:txBody>
+          <a:bodyPr anchor="ctr">
+            <a:normAutofit fontScale="92500" lnSpcReduction="10000"/>
+          </a:bodyPr>
+          <a:lstStyle/>
+          <a:p>
+            <a:pPr>
+              <a:lnSpc>
+                <a:spcPct val="90000"/>
+              </a:lnSpc>
+            </a:pPr>
+            <a:r>
+              <a:rPr lang="fr-FR" sz="4000" b="0" strike="noStrike" spc="-1" dirty="0">
+                <a:solidFill>
+                  <a:srgbClr val="3F3F3F"/>
+                </a:solidFill>
+                <a:latin typeface="Calibri Light"/>
+              </a:rPr>
+              <a:t>IV. </a:t>
+            </a:r>
+            <a:r>
+              <a:rPr lang="fr-FR" sz="4000" b="0" strike="noStrike" spc="-1" dirty="0">
+                <a:solidFill>
+                  <a:srgbClr val="000000"/>
+                </a:solidFill>
+                <a:latin typeface="Calibri Light"/>
+              </a:rPr>
+              <a:t>Présentation de la partie :</a:t>
+            </a:r>
+            <a:r>
+              <a:rPr lang="fr-FR" sz="4000" spc="-1" dirty="0">
+                <a:solidFill>
+                  <a:srgbClr val="000000"/>
+                </a:solidFill>
+                <a:latin typeface="Calibri Light"/>
+              </a:rPr>
+              <a:t> Serveurs Web, de base de données</a:t>
+            </a:r>
+            <a:endParaRPr lang="fr-FR" sz="4000" b="0" strike="noStrike" spc="-1" dirty="0">
+              <a:solidFill>
+                <a:srgbClr val="000000"/>
+              </a:solidFill>
+              <a:latin typeface="Calibri"/>
+            </a:endParaRPr>
+          </a:p>
+        </p:txBody>
+      </p:sp>
+      <p:sp>
+        <p:nvSpPr>
+          <p:cNvPr id="15" name="TextShape 5">
+            <a:extLst>
+              <a:ext uri="{FF2B5EF4-FFF2-40B4-BE49-F238E27FC236}">
+                <a16:creationId xmlns:a16="http://schemas.microsoft.com/office/drawing/2014/main" id="{C378D56E-AFFA-4F84-B565-F37B9A82A03F}"/>
+              </a:ext>
+            </a:extLst>
+          </p:cNvPr>
+          <p:cNvSpPr txBox="1"/>
+          <p:nvPr/>
+        </p:nvSpPr>
+        <p:spPr>
+          <a:xfrm>
+            <a:off x="1179360" y="3049200"/>
+            <a:ext cx="9833040" cy="2945160"/>
+          </a:xfrm>
+          <a:prstGeom prst="rect">
+            <a:avLst/>
+          </a:prstGeom>
+          <a:noFill/>
+          <a:ln w="0">
+            <a:noFill/>
+          </a:ln>
+        </p:spPr>
+        <p:txBody>
+          <a:bodyPr anchor="ctr">
+            <a:normAutofit/>
+          </a:bodyPr>
+          <a:lstStyle/>
+          <a:p>
+            <a:pPr>
+              <a:lnSpc>
+                <a:spcPct val="90000"/>
+              </a:lnSpc>
+              <a:spcBef>
+                <a:spcPts val="1001"/>
+              </a:spcBef>
+            </a:pPr>
+            <a:endParaRPr lang="fr-FR" sz="2800" b="0" strike="noStrike" spc="-1">
+              <a:solidFill>
+                <a:srgbClr val="000000"/>
+              </a:solidFill>
+              <a:latin typeface="Calibri"/>
+            </a:endParaRPr>
+          </a:p>
+          <a:p>
+            <a:endParaRPr lang="fr-FR" sz="2800" b="0" strike="noStrike" spc="-1">
+              <a:solidFill>
+                <a:srgbClr val="000000"/>
+              </a:solidFill>
+              <a:latin typeface="Calibri"/>
+            </a:endParaRPr>
+          </a:p>
+        </p:txBody>
+      </p:sp>
+      <p:sp>
+        <p:nvSpPr>
+          <p:cNvPr id="16" name="TextShape 6">
+            <a:extLst>
+              <a:ext uri="{FF2B5EF4-FFF2-40B4-BE49-F238E27FC236}">
+                <a16:creationId xmlns:a16="http://schemas.microsoft.com/office/drawing/2014/main" id="{D2DB575A-A9C2-4D0B-976E-00BD560D7FBF}"/>
+              </a:ext>
+            </a:extLst>
+          </p:cNvPr>
+          <p:cNvSpPr txBox="1"/>
+          <p:nvPr/>
+        </p:nvSpPr>
+        <p:spPr>
+          <a:xfrm>
+            <a:off x="838080" y="6356520"/>
+            <a:ext cx="2742840" cy="364680"/>
+          </a:xfrm>
+          <a:prstGeom prst="rect">
+            <a:avLst/>
+          </a:prstGeom>
+          <a:noFill/>
+          <a:ln w="0">
+            <a:noFill/>
+          </a:ln>
+        </p:spPr>
+        <p:txBody>
+          <a:bodyPr anchor="ctr">
+            <a:noAutofit/>
+          </a:bodyPr>
+          <a:lstStyle/>
+          <a:p>
+            <a:pPr>
+              <a:lnSpc>
+                <a:spcPct val="100000"/>
+              </a:lnSpc>
+            </a:pPr>
+            <a:r>
+              <a:rPr lang="fr-FR" sz="1200" b="0" strike="noStrike" spc="-1">
+                <a:solidFill>
+                  <a:srgbClr val="FFFFFF"/>
+                </a:solidFill>
+                <a:latin typeface="Calibri"/>
+              </a:rPr>
+              <a:t>LP IOTIA</a:t>
+            </a:r>
+            <a:endParaRPr lang="fr-FR" sz="1200" b="0" strike="noStrike" spc="-1">
+              <a:latin typeface="Times New Roman"/>
+            </a:endParaRPr>
+          </a:p>
+        </p:txBody>
+      </p:sp>
+      <p:sp>
+        <p:nvSpPr>
+          <p:cNvPr id="17" name="TextShape 7">
+            <a:extLst>
+              <a:ext uri="{FF2B5EF4-FFF2-40B4-BE49-F238E27FC236}">
+                <a16:creationId xmlns:a16="http://schemas.microsoft.com/office/drawing/2014/main" id="{D20D8E5B-43B5-4359-8B3A-8424B08AD7C2}"/>
+              </a:ext>
+            </a:extLst>
+          </p:cNvPr>
+          <p:cNvSpPr txBox="1"/>
+          <p:nvPr/>
+        </p:nvSpPr>
+        <p:spPr>
+          <a:xfrm>
+            <a:off x="8610480" y="6356520"/>
+            <a:ext cx="2742840" cy="364680"/>
+          </a:xfrm>
+          <a:prstGeom prst="rect">
+            <a:avLst/>
+          </a:prstGeom>
+          <a:noFill/>
+          <a:ln w="0">
+            <a:noFill/>
+          </a:ln>
+        </p:spPr>
+        <p:txBody>
+          <a:bodyPr anchor="ctr">
+            <a:noAutofit/>
+          </a:bodyPr>
+          <a:lstStyle/>
+          <a:p>
+            <a:pPr algn="r">
+              <a:lnSpc>
+                <a:spcPct val="100000"/>
+              </a:lnSpc>
+            </a:pPr>
+            <a:fld id="{AB127B7B-A1D3-4150-B341-D24BF54BBC47}" type="slidenum">
+              <a:rPr lang="fr-FR" sz="1200" b="0" strike="noStrike" spc="-1">
+                <a:solidFill>
+                  <a:srgbClr val="FFFFFF"/>
+                </a:solidFill>
+                <a:latin typeface="Calibri"/>
+              </a:rPr>
+              <a:t>7</a:t>
+            </a:fld>
+            <a:endParaRPr lang="fr-FR" sz="1200" b="0" strike="noStrike" spc="-1">
+              <a:latin typeface="Times New Roman"/>
+            </a:endParaRPr>
+          </a:p>
+        </p:txBody>
+      </p:sp>
+      <p:sp>
+        <p:nvSpPr>
+          <p:cNvPr id="18" name="TextShape 5">
+            <a:extLst>
+              <a:ext uri="{FF2B5EF4-FFF2-40B4-BE49-F238E27FC236}">
+                <a16:creationId xmlns:a16="http://schemas.microsoft.com/office/drawing/2014/main" id="{C06D2F2F-ED84-4AF8-BC07-D32A9E5F5D27}"/>
+              </a:ext>
+            </a:extLst>
+          </p:cNvPr>
+          <p:cNvSpPr txBox="1"/>
+          <p:nvPr/>
+        </p:nvSpPr>
+        <p:spPr>
+          <a:xfrm>
+            <a:off x="1179360" y="3049200"/>
+            <a:ext cx="9833040" cy="2945160"/>
+          </a:xfrm>
+          <a:prstGeom prst="rect">
+            <a:avLst/>
+          </a:prstGeom>
+          <a:noFill/>
+          <a:ln w="0">
+            <a:noFill/>
+          </a:ln>
+        </p:spPr>
+        <p:txBody>
+          <a:bodyPr anchor="ctr">
+            <a:normAutofit/>
+          </a:bodyPr>
+          <a:lstStyle/>
+          <a:p>
+            <a:pPr>
+              <a:lnSpc>
+                <a:spcPct val="90000"/>
+              </a:lnSpc>
+              <a:spcBef>
+                <a:spcPts val="1001"/>
+              </a:spcBef>
+            </a:pPr>
+            <a:endParaRPr lang="fr-FR" sz="2800" b="0" strike="noStrike" spc="-1">
+              <a:solidFill>
+                <a:srgbClr val="000000"/>
+              </a:solidFill>
+              <a:latin typeface="Calibri"/>
+            </a:endParaRPr>
+          </a:p>
+          <a:p>
+            <a:endParaRPr lang="fr-FR" sz="2800" b="0" strike="noStrike" spc="-1">
+              <a:solidFill>
+                <a:srgbClr val="000000"/>
+              </a:solidFill>
+              <a:latin typeface="Calibri"/>
+            </a:endParaRPr>
+          </a:p>
+        </p:txBody>
+      </p:sp>
+      <p:sp>
+        <p:nvSpPr>
+          <p:cNvPr id="19" name="TextShape 6">
+            <a:extLst>
+              <a:ext uri="{FF2B5EF4-FFF2-40B4-BE49-F238E27FC236}">
+                <a16:creationId xmlns:a16="http://schemas.microsoft.com/office/drawing/2014/main" id="{EA85691A-6DED-45CA-B8E2-53B52E8D7E20}"/>
+              </a:ext>
+            </a:extLst>
+          </p:cNvPr>
+          <p:cNvSpPr txBox="1"/>
+          <p:nvPr/>
+        </p:nvSpPr>
+        <p:spPr>
+          <a:xfrm>
+            <a:off x="838080" y="6356520"/>
+            <a:ext cx="2742840" cy="364680"/>
+          </a:xfrm>
+          <a:prstGeom prst="rect">
+            <a:avLst/>
+          </a:prstGeom>
+          <a:noFill/>
+          <a:ln w="0">
+            <a:noFill/>
+          </a:ln>
+        </p:spPr>
+        <p:txBody>
+          <a:bodyPr anchor="ctr">
+            <a:noAutofit/>
+          </a:bodyPr>
+          <a:lstStyle/>
+          <a:p>
+            <a:pPr>
+              <a:lnSpc>
+                <a:spcPct val="100000"/>
+              </a:lnSpc>
+            </a:pPr>
+            <a:r>
+              <a:rPr lang="fr-FR" sz="1200" b="0" strike="noStrike" spc="-1">
+                <a:solidFill>
+                  <a:srgbClr val="FFFFFF"/>
+                </a:solidFill>
+                <a:latin typeface="Calibri"/>
+              </a:rPr>
+              <a:t>LP IOTIA</a:t>
+            </a:r>
+            <a:endParaRPr lang="fr-FR" sz="1200" b="0" strike="noStrike" spc="-1">
+              <a:latin typeface="Times New Roman"/>
+            </a:endParaRPr>
+          </a:p>
+        </p:txBody>
+      </p:sp>
+      <p:sp>
+        <p:nvSpPr>
+          <p:cNvPr id="20" name="TextShape 7">
+            <a:extLst>
+              <a:ext uri="{FF2B5EF4-FFF2-40B4-BE49-F238E27FC236}">
+                <a16:creationId xmlns:a16="http://schemas.microsoft.com/office/drawing/2014/main" id="{52EC156C-743F-411A-B9A0-BCDCEC371BFB}"/>
+              </a:ext>
+            </a:extLst>
+          </p:cNvPr>
+          <p:cNvSpPr txBox="1"/>
+          <p:nvPr/>
+        </p:nvSpPr>
+        <p:spPr>
+          <a:xfrm>
+            <a:off x="8610480" y="6356520"/>
+            <a:ext cx="2742840" cy="364680"/>
+          </a:xfrm>
+          <a:prstGeom prst="rect">
+            <a:avLst/>
+          </a:prstGeom>
+          <a:noFill/>
+          <a:ln w="0">
+            <a:noFill/>
+          </a:ln>
+        </p:spPr>
+        <p:txBody>
+          <a:bodyPr anchor="ctr">
+            <a:noAutofit/>
+          </a:bodyPr>
+          <a:lstStyle/>
+          <a:p>
+            <a:pPr algn="r">
+              <a:lnSpc>
+                <a:spcPct val="100000"/>
+              </a:lnSpc>
+            </a:pPr>
+            <a:fld id="{89852E89-60D3-43A7-B38E-7FD2E7927657}" type="slidenum">
+              <a:rPr lang="fr-FR" sz="1200" b="0" strike="noStrike" spc="-1">
+                <a:solidFill>
+                  <a:srgbClr val="FFFFFF"/>
+                </a:solidFill>
+                <a:latin typeface="Calibri"/>
+              </a:rPr>
+              <a:t>7</a:t>
+            </a:fld>
+            <a:endParaRPr lang="fr-FR" sz="1200" b="0" strike="noStrike" spc="-1">
+              <a:latin typeface="Times New Roman"/>
+            </a:endParaRPr>
+          </a:p>
+        </p:txBody>
+      </p:sp>
+      <p:sp>
+        <p:nvSpPr>
+          <p:cNvPr id="21" name="Espace réservé du contenu 2">
+            <a:extLst>
+              <a:ext uri="{FF2B5EF4-FFF2-40B4-BE49-F238E27FC236}">
+                <a16:creationId xmlns:a16="http://schemas.microsoft.com/office/drawing/2014/main" id="{4B5AC380-C1CE-4185-8A0F-F5A04270243C}"/>
+              </a:ext>
+            </a:extLst>
+          </p:cNvPr>
+          <p:cNvSpPr txBox="1">
+            <a:spLocks/>
+          </p:cNvSpPr>
+          <p:nvPr/>
+        </p:nvSpPr>
+        <p:spPr>
+          <a:xfrm>
+            <a:off x="249370" y="1865670"/>
+            <a:ext cx="5745308" cy="4965375"/>
+          </a:xfrm>
+          <a:prstGeom prst="rect">
+            <a:avLst/>
+          </a:prstGeom>
+        </p:spPr>
+        <p:txBody>
+          <a:bodyPr>
+            <a:normAutofit/>
+          </a:bodyPr>
+          <a:lstStyle>
+            <a:lvl1pPr marL="228600" indent="-228600" algn="l" defTabSz="914400" rtl="0" eaLnBrk="1" latinLnBrk="0" hangingPunct="1">
+              <a:lnSpc>
+                <a:spcPct val="90000"/>
+              </a:lnSpc>
+              <a:spcBef>
+                <a:spcPts val="1000"/>
+              </a:spcBef>
+              <a:buFont typeface="Arial" panose="020B0604020202020204" pitchFamily="34" charset="0"/>
+              <a:buChar char="•"/>
+              <a:defRPr sz="2800" kern="1200">
+                <a:solidFill>
+                  <a:schemeClr val="tx1"/>
+                </a:solidFill>
+                <a:latin typeface="+mn-lt"/>
+                <a:ea typeface="+mn-ea"/>
+                <a:cs typeface="+mn-cs"/>
+              </a:defRPr>
+            </a:lvl1pPr>
+            <a:lvl2pPr marL="685800" indent="-228600" algn="l" defTabSz="914400" rtl="0" eaLnBrk="1" latinLnBrk="0" hangingPunct="1">
+              <a:lnSpc>
+                <a:spcPct val="90000"/>
+              </a:lnSpc>
+              <a:spcBef>
+                <a:spcPts val="500"/>
+              </a:spcBef>
+              <a:buFont typeface="Arial" panose="020B0604020202020204" pitchFamily="34" charset="0"/>
+              <a:buChar char="•"/>
+              <a:defRPr sz="2400" kern="1200">
+                <a:solidFill>
+                  <a:schemeClr val="tx1"/>
+                </a:solidFill>
+                <a:latin typeface="+mn-lt"/>
+                <a:ea typeface="+mn-ea"/>
+                <a:cs typeface="+mn-cs"/>
+              </a:defRPr>
+            </a:lvl2pPr>
+            <a:lvl3pPr marL="1143000" indent="-228600" algn="l" defTabSz="914400" rtl="0" eaLnBrk="1" latinLnBrk="0" hangingPunct="1">
+              <a:lnSpc>
+                <a:spcPct val="90000"/>
+              </a:lnSpc>
+              <a:spcBef>
+                <a:spcPts val="500"/>
+              </a:spcBef>
+              <a:buFont typeface="Arial" panose="020B0604020202020204" pitchFamily="34" charset="0"/>
+              <a:buChar char="•"/>
+              <a:defRPr sz="2000" kern="1200">
+                <a:solidFill>
+                  <a:schemeClr val="tx1"/>
+                </a:solidFill>
+                <a:latin typeface="+mn-lt"/>
+                <a:ea typeface="+mn-ea"/>
+                <a:cs typeface="+mn-cs"/>
+              </a:defRPr>
+            </a:lvl3pPr>
+            <a:lvl4pPr marL="1600200" indent="-228600" algn="l" defTabSz="914400" rtl="0" eaLnBrk="1" latinLnBrk="0" hangingPunct="1">
+              <a:lnSpc>
+                <a:spcPct val="90000"/>
+              </a:lnSpc>
+              <a:spcBef>
+                <a:spcPts val="500"/>
+              </a:spcBef>
+              <a:buFont typeface="Arial" panose="020B0604020202020204" pitchFamily="34" charset="0"/>
+              <a:buChar char="•"/>
+              <a:defRPr sz="1800" kern="1200">
+                <a:solidFill>
+                  <a:schemeClr val="tx1"/>
+                </a:solidFill>
+                <a:latin typeface="+mn-lt"/>
+                <a:ea typeface="+mn-ea"/>
+                <a:cs typeface="+mn-cs"/>
+              </a:defRPr>
+            </a:lvl4pPr>
+            <a:lvl5pPr marL="2057400" indent="-228600" algn="l" defTabSz="914400" rtl="0" eaLnBrk="1" latinLnBrk="0" hangingPunct="1">
+              <a:lnSpc>
+                <a:spcPct val="90000"/>
+              </a:lnSpc>
+              <a:spcBef>
+                <a:spcPts val="500"/>
+              </a:spcBef>
+              <a:buFont typeface="Arial" panose="020B0604020202020204" pitchFamily="34" charset="0"/>
+              <a:buChar char="•"/>
+              <a:defRPr sz="1800" kern="1200">
+                <a:solidFill>
+                  <a:schemeClr val="tx1"/>
+                </a:solidFill>
+                <a:latin typeface="+mn-lt"/>
+                <a:ea typeface="+mn-ea"/>
+                <a:cs typeface="+mn-cs"/>
+              </a:defRPr>
+            </a:lvl5pPr>
+            <a:lvl6pPr marL="2514600" indent="-228600" algn="l" defTabSz="914400" rtl="0" eaLnBrk="1" latinLnBrk="0" hangingPunct="1">
+              <a:lnSpc>
+                <a:spcPct val="90000"/>
+              </a:lnSpc>
+              <a:spcBef>
+                <a:spcPts val="500"/>
+              </a:spcBef>
+              <a:buFont typeface="Arial" panose="020B0604020202020204" pitchFamily="34" charset="0"/>
+              <a:buChar char="•"/>
+              <a:defRPr sz="1800" kern="1200">
+                <a:solidFill>
+                  <a:schemeClr val="tx1"/>
+                </a:solidFill>
+                <a:latin typeface="+mn-lt"/>
+                <a:ea typeface="+mn-ea"/>
+                <a:cs typeface="+mn-cs"/>
+              </a:defRPr>
+            </a:lvl6pPr>
+            <a:lvl7pPr marL="2971800" indent="-228600" algn="l" defTabSz="914400" rtl="0" eaLnBrk="1" latinLnBrk="0" hangingPunct="1">
+              <a:lnSpc>
+                <a:spcPct val="90000"/>
+              </a:lnSpc>
+              <a:spcBef>
+                <a:spcPts val="500"/>
+              </a:spcBef>
+              <a:buFont typeface="Arial" panose="020B0604020202020204" pitchFamily="34" charset="0"/>
+              <a:buChar char="•"/>
+              <a:defRPr sz="1800" kern="1200">
+                <a:solidFill>
+                  <a:schemeClr val="tx1"/>
+                </a:solidFill>
+                <a:latin typeface="+mn-lt"/>
+                <a:ea typeface="+mn-ea"/>
+                <a:cs typeface="+mn-cs"/>
+              </a:defRPr>
+            </a:lvl7pPr>
+            <a:lvl8pPr marL="3429000" indent="-228600" algn="l" defTabSz="914400" rtl="0" eaLnBrk="1" latinLnBrk="0" hangingPunct="1">
+              <a:lnSpc>
+                <a:spcPct val="90000"/>
+              </a:lnSpc>
+              <a:spcBef>
+                <a:spcPts val="500"/>
+              </a:spcBef>
+              <a:buFont typeface="Arial" panose="020B0604020202020204" pitchFamily="34" charset="0"/>
+              <a:buChar char="•"/>
+              <a:defRPr sz="1800" kern="1200">
+                <a:solidFill>
+                  <a:schemeClr val="tx1"/>
+                </a:solidFill>
+                <a:latin typeface="+mn-lt"/>
+                <a:ea typeface="+mn-ea"/>
+                <a:cs typeface="+mn-cs"/>
+              </a:defRPr>
+            </a:lvl8pPr>
+            <a:lvl9pPr marL="3886200" indent="-228600" algn="l" defTabSz="914400" rtl="0" eaLnBrk="1" latinLnBrk="0" hangingPunct="1">
+              <a:lnSpc>
+                <a:spcPct val="90000"/>
+              </a:lnSpc>
+              <a:spcBef>
+                <a:spcPts val="500"/>
+              </a:spcBef>
+              <a:buFont typeface="Arial" panose="020B0604020202020204" pitchFamily="34" charset="0"/>
+              <a:buChar char="•"/>
+              <a:defRPr sz="1800" kern="1200">
+                <a:solidFill>
+                  <a:schemeClr val="tx1"/>
+                </a:solidFill>
+                <a:latin typeface="+mn-lt"/>
+                <a:ea typeface="+mn-ea"/>
+                <a:cs typeface="+mn-cs"/>
+              </a:defRPr>
+            </a:lvl9pPr>
+          </a:lstStyle>
+          <a:p>
+            <a:pPr>
+              <a:lnSpc>
+                <a:spcPct val="100000"/>
+              </a:lnSpc>
+            </a:pPr>
+            <a:r>
+              <a:rPr lang="fr-FR" sz="2400" dirty="0">
+                <a:solidFill>
+                  <a:schemeClr val="bg2"/>
+                </a:solidFill>
+              </a:rPr>
+              <a:t>Serveur Web :</a:t>
+            </a:r>
+          </a:p>
+          <a:p>
+            <a:pPr lvl="1">
+              <a:lnSpc>
+                <a:spcPct val="100000"/>
+              </a:lnSpc>
+            </a:pPr>
+            <a:r>
+              <a:rPr lang="fr-FR" sz="2000" dirty="0">
+                <a:solidFill>
+                  <a:schemeClr val="bg2"/>
+                </a:solidFill>
+              </a:rPr>
+              <a:t>Windows Server 2019</a:t>
+            </a:r>
+          </a:p>
+          <a:p>
+            <a:pPr lvl="1">
+              <a:lnSpc>
+                <a:spcPct val="100000"/>
+              </a:lnSpc>
+            </a:pPr>
+            <a:r>
+              <a:rPr lang="fr-FR" sz="2000" dirty="0">
+                <a:solidFill>
+                  <a:schemeClr val="bg2"/>
+                </a:solidFill>
+              </a:rPr>
+              <a:t>A deux interfaces </a:t>
+            </a:r>
+          </a:p>
+          <a:p>
+            <a:pPr lvl="2">
+              <a:lnSpc>
+                <a:spcPct val="100000"/>
+              </a:lnSpc>
+            </a:pPr>
+            <a:r>
+              <a:rPr lang="fr-FR" sz="1800" dirty="0">
+                <a:solidFill>
+                  <a:schemeClr val="bg2"/>
+                </a:solidFill>
+              </a:rPr>
+              <a:t>Une sur le sous réseau 134.59.143.0/27 avec l’adresse </a:t>
+            </a:r>
+            <a:r>
+              <a:rPr lang="fr-FR" sz="1800" dirty="0" err="1">
+                <a:solidFill>
+                  <a:schemeClr val="bg2"/>
+                </a:solidFill>
+              </a:rPr>
+              <a:t>ip</a:t>
+            </a:r>
+            <a:r>
+              <a:rPr lang="fr-FR" sz="1800" dirty="0">
+                <a:solidFill>
+                  <a:schemeClr val="bg2"/>
+                </a:solidFill>
+              </a:rPr>
+              <a:t> 134.59.143.225</a:t>
+            </a:r>
+          </a:p>
+          <a:p>
+            <a:pPr lvl="2">
+              <a:lnSpc>
+                <a:spcPct val="100000"/>
+              </a:lnSpc>
+            </a:pPr>
+            <a:r>
+              <a:rPr lang="fr-FR" sz="1800" dirty="0">
+                <a:solidFill>
+                  <a:schemeClr val="bg2"/>
+                </a:solidFill>
+              </a:rPr>
+              <a:t>Une sur le sous réseau 10.143.1.0/24 avec l’adresse </a:t>
+            </a:r>
+            <a:r>
+              <a:rPr lang="fr-FR" sz="1800" dirty="0" err="1">
+                <a:solidFill>
+                  <a:schemeClr val="bg2"/>
+                </a:solidFill>
+              </a:rPr>
+              <a:t>ip</a:t>
+            </a:r>
+            <a:r>
+              <a:rPr lang="fr-FR" sz="1800" dirty="0">
+                <a:solidFill>
+                  <a:schemeClr val="bg2"/>
+                </a:solidFill>
+              </a:rPr>
+              <a:t> 10.143.1.225</a:t>
+            </a:r>
+          </a:p>
+          <a:p>
+            <a:pPr lvl="1">
+              <a:lnSpc>
+                <a:spcPct val="100000"/>
+              </a:lnSpc>
+            </a:pPr>
+            <a:r>
+              <a:rPr lang="fr-FR" sz="2000" dirty="0">
+                <a:solidFill>
+                  <a:schemeClr val="bg2"/>
+                </a:solidFill>
+              </a:rPr>
+              <a:t>Hébergera les applications web et web services : </a:t>
+            </a:r>
+          </a:p>
+          <a:p>
+            <a:pPr lvl="2">
+              <a:lnSpc>
+                <a:spcPct val="100000"/>
+              </a:lnSpc>
+            </a:pPr>
+            <a:r>
+              <a:rPr lang="fr-FR" sz="1800" dirty="0">
+                <a:solidFill>
+                  <a:schemeClr val="bg2"/>
+                </a:solidFill>
+              </a:rPr>
+              <a:t>Smart-</a:t>
+            </a:r>
+            <a:r>
+              <a:rPr lang="fr-FR" sz="1800" dirty="0" err="1">
+                <a:solidFill>
+                  <a:schemeClr val="bg2"/>
+                </a:solidFill>
+              </a:rPr>
+              <a:t>Ecovid</a:t>
+            </a:r>
+            <a:r>
+              <a:rPr lang="fr-FR" sz="1800" dirty="0">
+                <a:solidFill>
+                  <a:schemeClr val="bg2"/>
+                </a:solidFill>
+              </a:rPr>
+              <a:t> développer en ASP. Net </a:t>
+            </a:r>
+            <a:r>
+              <a:rPr lang="fr-FR" sz="1800" dirty="0" err="1">
+                <a:solidFill>
+                  <a:schemeClr val="bg2"/>
+                </a:solidFill>
+              </a:rPr>
+              <a:t>Core</a:t>
+            </a:r>
+            <a:endParaRPr lang="fr-FR" sz="1800" dirty="0">
+              <a:solidFill>
+                <a:schemeClr val="bg2"/>
+              </a:solidFill>
+            </a:endParaRPr>
+          </a:p>
+          <a:p>
+            <a:pPr lvl="2">
+              <a:lnSpc>
+                <a:spcPct val="100000"/>
+              </a:lnSpc>
+            </a:pPr>
+            <a:r>
+              <a:rPr lang="fr-FR" sz="1800" dirty="0" err="1">
+                <a:solidFill>
+                  <a:schemeClr val="bg2"/>
+                </a:solidFill>
+              </a:rPr>
+              <a:t>WebServices</a:t>
+            </a:r>
+            <a:r>
+              <a:rPr lang="fr-FR" sz="1800" dirty="0">
+                <a:solidFill>
+                  <a:schemeClr val="bg2"/>
+                </a:solidFill>
+              </a:rPr>
+              <a:t> développer en </a:t>
+            </a:r>
+            <a:r>
+              <a:rPr lang="fr-FR" sz="1800" dirty="0" err="1">
+                <a:solidFill>
+                  <a:schemeClr val="bg2"/>
+                </a:solidFill>
+              </a:rPr>
+              <a:t>NodeJS</a:t>
+            </a:r>
+            <a:endParaRPr lang="fr-FR" sz="1800" dirty="0">
+              <a:solidFill>
+                <a:schemeClr val="bg2"/>
+              </a:solidFill>
+            </a:endParaRPr>
+          </a:p>
+          <a:p>
+            <a:pPr lvl="2">
+              <a:lnSpc>
+                <a:spcPct val="100000"/>
+              </a:lnSpc>
+            </a:pPr>
+            <a:r>
+              <a:rPr lang="fr-FR" sz="1800" dirty="0">
+                <a:solidFill>
+                  <a:schemeClr val="bg2"/>
+                </a:solidFill>
+              </a:rPr>
+              <a:t>Ainsi que PhpMyAdmin</a:t>
+            </a:r>
+          </a:p>
+          <a:p>
+            <a:pPr lvl="1">
+              <a:lnSpc>
+                <a:spcPct val="100000"/>
+              </a:lnSpc>
+            </a:pPr>
+            <a:r>
+              <a:rPr lang="fr-FR" sz="2000" dirty="0">
+                <a:solidFill>
+                  <a:schemeClr val="bg2"/>
+                </a:solidFill>
+              </a:rPr>
+              <a:t>Hébergera le broker MQTT centrale</a:t>
+            </a:r>
+          </a:p>
+        </p:txBody>
+      </p:sp>
+      <p:sp>
+        <p:nvSpPr>
+          <p:cNvPr id="22" name="Espace réservé du contenu 2">
+            <a:extLst>
+              <a:ext uri="{FF2B5EF4-FFF2-40B4-BE49-F238E27FC236}">
+                <a16:creationId xmlns:a16="http://schemas.microsoft.com/office/drawing/2014/main" id="{5FF3DCC0-1B57-4CF1-8B37-D5F86FA78102}"/>
+              </a:ext>
+            </a:extLst>
+          </p:cNvPr>
+          <p:cNvSpPr txBox="1">
+            <a:spLocks/>
+          </p:cNvSpPr>
+          <p:nvPr/>
+        </p:nvSpPr>
+        <p:spPr>
+          <a:xfrm>
+            <a:off x="6726690" y="1876680"/>
+            <a:ext cx="5240136" cy="4218692"/>
+          </a:xfrm>
+          <a:prstGeom prst="rect">
+            <a:avLst/>
+          </a:prstGeom>
+        </p:spPr>
+        <p:txBody>
+          <a:bodyPr vert="horz" lIns="91440" tIns="45720" rIns="91440" bIns="45720" rtlCol="0">
+            <a:normAutofit/>
+          </a:bodyPr>
+          <a:lstStyle>
+            <a:lvl1pPr marL="228600" indent="-228600" algn="l" defTabSz="914400" rtl="0" eaLnBrk="1" latinLnBrk="0" hangingPunct="1">
+              <a:lnSpc>
+                <a:spcPct val="120000"/>
+              </a:lnSpc>
+              <a:spcBef>
+                <a:spcPts val="1000"/>
+              </a:spcBef>
+              <a:buSzPct val="125000"/>
+              <a:buFont typeface="Arial" panose="020B0604020202020204" pitchFamily="34" charset="0"/>
+              <a:buChar char="•"/>
+              <a:defRPr sz="2400" kern="1200">
+                <a:solidFill>
+                  <a:schemeClr val="tx1"/>
+                </a:solidFill>
+                <a:latin typeface="+mn-lt"/>
+                <a:ea typeface="+mn-ea"/>
+                <a:cs typeface="+mn-cs"/>
+              </a:defRPr>
+            </a:lvl1pPr>
+            <a:lvl2pPr marL="685800" indent="-228600" algn="l" defTabSz="914400" rtl="0" eaLnBrk="1" latinLnBrk="0" hangingPunct="1">
+              <a:lnSpc>
+                <a:spcPct val="120000"/>
+              </a:lnSpc>
+              <a:spcBef>
+                <a:spcPts val="500"/>
+              </a:spcBef>
+              <a:buSzPct val="125000"/>
+              <a:buFont typeface="Arial" panose="020B0604020202020204" pitchFamily="34" charset="0"/>
+              <a:buChar char="•"/>
+              <a:defRPr sz="2000" kern="1200">
+                <a:solidFill>
+                  <a:schemeClr val="tx1"/>
+                </a:solidFill>
+                <a:latin typeface="+mn-lt"/>
+                <a:ea typeface="+mn-ea"/>
+                <a:cs typeface="+mn-cs"/>
+              </a:defRPr>
+            </a:lvl2pPr>
+            <a:lvl3pPr marL="1143000" indent="-228600" algn="l" defTabSz="914400" rtl="0" eaLnBrk="1" latinLnBrk="0" hangingPunct="1">
+              <a:lnSpc>
+                <a:spcPct val="120000"/>
+              </a:lnSpc>
+              <a:spcBef>
+                <a:spcPts val="500"/>
+              </a:spcBef>
+              <a:buSzPct val="125000"/>
+              <a:buFont typeface="Arial" panose="020B0604020202020204" pitchFamily="34" charset="0"/>
+              <a:buChar char="•"/>
+              <a:defRPr sz="1800" kern="1200">
+                <a:solidFill>
+                  <a:schemeClr val="tx1"/>
+                </a:solidFill>
+                <a:latin typeface="+mn-lt"/>
+                <a:ea typeface="+mn-ea"/>
+                <a:cs typeface="+mn-cs"/>
+              </a:defRPr>
+            </a:lvl3pPr>
+            <a:lvl4pPr marL="1600200" indent="-228600" algn="l" defTabSz="914400" rtl="0" eaLnBrk="1" latinLnBrk="0" hangingPunct="1">
+              <a:lnSpc>
+                <a:spcPct val="120000"/>
+              </a:lnSpc>
+              <a:spcBef>
+                <a:spcPts val="500"/>
+              </a:spcBef>
+              <a:buSzPct val="125000"/>
+              <a:buFont typeface="Arial" panose="020B0604020202020204" pitchFamily="34" charset="0"/>
+              <a:buChar char="•"/>
+              <a:defRPr sz="1600" kern="1200">
+                <a:solidFill>
+                  <a:schemeClr val="tx1"/>
+                </a:solidFill>
+                <a:latin typeface="+mn-lt"/>
+                <a:ea typeface="+mn-ea"/>
+                <a:cs typeface="+mn-cs"/>
+              </a:defRPr>
+            </a:lvl4pPr>
+            <a:lvl5pPr marL="2057400" indent="-228600" algn="l" defTabSz="914400" rtl="0" eaLnBrk="1" latinLnBrk="0" hangingPunct="1">
+              <a:lnSpc>
+                <a:spcPct val="120000"/>
+              </a:lnSpc>
+              <a:spcBef>
+                <a:spcPts val="500"/>
+              </a:spcBef>
+              <a:buSzPct val="125000"/>
+              <a:buFont typeface="Arial" panose="020B0604020202020204" pitchFamily="34" charset="0"/>
+              <a:buChar char="•"/>
+              <a:defRPr sz="1600" kern="1200">
+                <a:solidFill>
+                  <a:schemeClr val="tx1"/>
+                </a:solidFill>
+                <a:latin typeface="+mn-lt"/>
+                <a:ea typeface="+mn-ea"/>
+                <a:cs typeface="+mn-cs"/>
+              </a:defRPr>
+            </a:lvl5pPr>
+            <a:lvl6pPr marL="2514600" indent="-228600" algn="l" defTabSz="914400" rtl="0" eaLnBrk="1" latinLnBrk="0" hangingPunct="1">
+              <a:lnSpc>
+                <a:spcPct val="120000"/>
+              </a:lnSpc>
+              <a:spcBef>
+                <a:spcPts val="500"/>
+              </a:spcBef>
+              <a:buSzPct val="125000"/>
+              <a:buFont typeface="Arial" panose="020B0604020202020204" pitchFamily="34" charset="0"/>
+              <a:buChar char="•"/>
+              <a:defRPr sz="1400" kern="1200">
+                <a:solidFill>
+                  <a:schemeClr val="tx1"/>
+                </a:solidFill>
+                <a:latin typeface="+mn-lt"/>
+                <a:ea typeface="+mn-ea"/>
+                <a:cs typeface="+mn-cs"/>
+              </a:defRPr>
+            </a:lvl6pPr>
+            <a:lvl7pPr marL="2971800" indent="-228600" algn="l" defTabSz="914400" rtl="0" eaLnBrk="1" latinLnBrk="0" hangingPunct="1">
+              <a:lnSpc>
+                <a:spcPct val="120000"/>
+              </a:lnSpc>
+              <a:spcBef>
+                <a:spcPts val="500"/>
+              </a:spcBef>
+              <a:buSzPct val="125000"/>
+              <a:buFont typeface="Arial" panose="020B0604020202020204" pitchFamily="34" charset="0"/>
+              <a:buChar char="•"/>
+              <a:defRPr sz="1400" kern="1200">
+                <a:solidFill>
+                  <a:schemeClr val="tx1"/>
+                </a:solidFill>
+                <a:latin typeface="+mn-lt"/>
+                <a:ea typeface="+mn-ea"/>
+                <a:cs typeface="+mn-cs"/>
+              </a:defRPr>
+            </a:lvl7pPr>
+            <a:lvl8pPr marL="3429000" indent="-228600" algn="l" defTabSz="914400" rtl="0" eaLnBrk="1" latinLnBrk="0" hangingPunct="1">
+              <a:lnSpc>
+                <a:spcPct val="120000"/>
+              </a:lnSpc>
+              <a:spcBef>
+                <a:spcPts val="500"/>
+              </a:spcBef>
+              <a:buSzPct val="125000"/>
+              <a:buFont typeface="Arial" panose="020B0604020202020204" pitchFamily="34" charset="0"/>
+              <a:buChar char="•"/>
+              <a:defRPr sz="1400" kern="1200">
+                <a:solidFill>
+                  <a:schemeClr val="tx1"/>
+                </a:solidFill>
+                <a:latin typeface="+mn-lt"/>
+                <a:ea typeface="+mn-ea"/>
+                <a:cs typeface="+mn-cs"/>
+              </a:defRPr>
+            </a:lvl8pPr>
+            <a:lvl9pPr marL="3886200" indent="-228600" algn="l" defTabSz="914400" rtl="0" eaLnBrk="1" latinLnBrk="0" hangingPunct="1">
+              <a:lnSpc>
+                <a:spcPct val="120000"/>
+              </a:lnSpc>
+              <a:spcBef>
+                <a:spcPts val="500"/>
+              </a:spcBef>
+              <a:buSzPct val="125000"/>
+              <a:buFont typeface="Arial" panose="020B0604020202020204" pitchFamily="34" charset="0"/>
+              <a:buChar char="•"/>
+              <a:defRPr sz="1400" kern="1200">
+                <a:solidFill>
+                  <a:schemeClr val="tx1"/>
+                </a:solidFill>
+                <a:latin typeface="+mn-lt"/>
+                <a:ea typeface="+mn-ea"/>
+                <a:cs typeface="+mn-cs"/>
+              </a:defRPr>
+            </a:lvl9pPr>
+          </a:lstStyle>
+          <a:p>
+            <a:r>
+              <a:rPr lang="fr-FR" dirty="0">
+                <a:solidFill>
+                  <a:schemeClr val="bg2"/>
+                </a:solidFill>
+              </a:rPr>
+              <a:t>Serveur de base de données :</a:t>
+            </a:r>
+          </a:p>
+          <a:p>
+            <a:pPr lvl="1"/>
+            <a:r>
+              <a:rPr lang="fr-FR" dirty="0">
+                <a:solidFill>
+                  <a:schemeClr val="bg2"/>
+                </a:solidFill>
+              </a:rPr>
+              <a:t>Raspberry pi 3</a:t>
+            </a:r>
+          </a:p>
+          <a:p>
+            <a:pPr lvl="1"/>
+            <a:r>
+              <a:rPr lang="fr-FR" dirty="0" err="1">
+                <a:solidFill>
+                  <a:schemeClr val="bg2"/>
+                </a:solidFill>
+              </a:rPr>
+              <a:t>Rasbpian</a:t>
+            </a:r>
+            <a:endParaRPr lang="fr-FR" dirty="0">
+              <a:solidFill>
+                <a:schemeClr val="bg2"/>
+              </a:solidFill>
+            </a:endParaRPr>
+          </a:p>
+          <a:p>
+            <a:pPr lvl="1"/>
+            <a:r>
+              <a:rPr lang="fr-FR" dirty="0">
+                <a:solidFill>
+                  <a:schemeClr val="bg2"/>
+                </a:solidFill>
+              </a:rPr>
+              <a:t>Hébergera la base de données uniquement</a:t>
+            </a:r>
+          </a:p>
+          <a:p>
+            <a:pPr lvl="2"/>
+            <a:r>
+              <a:rPr lang="fr-FR" dirty="0">
+                <a:solidFill>
+                  <a:schemeClr val="bg2"/>
+                </a:solidFill>
+              </a:rPr>
+              <a:t>Base de données </a:t>
+            </a:r>
+            <a:r>
+              <a:rPr lang="fr-FR" dirty="0" err="1">
+                <a:solidFill>
+                  <a:schemeClr val="bg2"/>
+                </a:solidFill>
+              </a:rPr>
+              <a:t>MariaDB</a:t>
+            </a:r>
+            <a:endParaRPr lang="fr-FR" dirty="0">
+              <a:solidFill>
+                <a:schemeClr val="bg2"/>
+              </a:solidFill>
+            </a:endParaRPr>
+          </a:p>
+          <a:p>
+            <a:pPr lvl="1"/>
+            <a:r>
+              <a:rPr lang="fr-FR" dirty="0" err="1">
+                <a:solidFill>
+                  <a:schemeClr val="bg2"/>
+                </a:solidFill>
+              </a:rPr>
+              <a:t>Rejète</a:t>
+            </a:r>
+            <a:r>
+              <a:rPr lang="fr-FR" dirty="0">
+                <a:solidFill>
+                  <a:schemeClr val="bg2"/>
+                </a:solidFill>
+              </a:rPr>
+              <a:t> toute communication ayant une adresse </a:t>
+            </a:r>
+            <a:r>
+              <a:rPr lang="fr-FR" dirty="0" err="1">
+                <a:solidFill>
+                  <a:schemeClr val="bg2"/>
+                </a:solidFill>
+              </a:rPr>
+              <a:t>ip</a:t>
+            </a:r>
+            <a:r>
+              <a:rPr lang="fr-FR" dirty="0">
+                <a:solidFill>
+                  <a:schemeClr val="bg2"/>
+                </a:solidFill>
+              </a:rPr>
+              <a:t> différente du serveur</a:t>
+            </a:r>
+          </a:p>
+          <a:p>
+            <a:pPr lvl="1"/>
+            <a:r>
+              <a:rPr lang="fr-FR" dirty="0">
+                <a:solidFill>
+                  <a:schemeClr val="bg2"/>
+                </a:solidFill>
+              </a:rPr>
+              <a:t>Accessible uniquement depuis l’intranet (sous réseau 10.143.1.0/24)</a:t>
+            </a:r>
+          </a:p>
+        </p:txBody>
+      </p:sp>
+      <p:pic>
+        <p:nvPicPr>
+          <p:cNvPr id="23" name="Image 22">
+            <a:extLst>
+              <a:ext uri="{FF2B5EF4-FFF2-40B4-BE49-F238E27FC236}">
+                <a16:creationId xmlns:a16="http://schemas.microsoft.com/office/drawing/2014/main" id="{1607B157-EA88-496D-82D6-EE2D5DE7118A}"/>
+              </a:ext>
+            </a:extLst>
+          </p:cNvPr>
+          <p:cNvPicPr>
+            <a:picLocks noChangeAspect="1"/>
+          </p:cNvPicPr>
+          <p:nvPr/>
+        </p:nvPicPr>
+        <p:blipFill rotWithShape="1">
+          <a:blip r:embed="rId3">
+            <a:extLst>
+              <a:ext uri="{28A0092B-C50C-407E-A947-70E740481C1C}">
+                <a14:useLocalDpi xmlns:a14="http://schemas.microsoft.com/office/drawing/2010/main" val="0"/>
+              </a:ext>
+            </a:extLst>
+          </a:blip>
+          <a:srcRect t="12529"/>
+          <a:stretch/>
+        </p:blipFill>
+        <p:spPr>
+          <a:xfrm>
+            <a:off x="1733550" y="1009650"/>
+            <a:ext cx="8872961" cy="5848350"/>
+          </a:xfrm>
+          <a:prstGeom prst="rect">
+            <a:avLst/>
+          </a:prstGeom>
+        </p:spPr>
+      </p:pic>
+      <p:sp>
+        <p:nvSpPr>
+          <p:cNvPr id="24" name="Espace réservé du contenu 2">
+            <a:extLst>
+              <a:ext uri="{FF2B5EF4-FFF2-40B4-BE49-F238E27FC236}">
+                <a16:creationId xmlns:a16="http://schemas.microsoft.com/office/drawing/2014/main" id="{F411EB8D-6B1B-45FF-9B7D-6C9CE7E73055}"/>
+              </a:ext>
+            </a:extLst>
+          </p:cNvPr>
+          <p:cNvSpPr txBox="1">
+            <a:spLocks/>
+          </p:cNvSpPr>
+          <p:nvPr/>
+        </p:nvSpPr>
+        <p:spPr>
+          <a:xfrm>
+            <a:off x="468805" y="2120999"/>
+            <a:ext cx="11326912" cy="5117775"/>
+          </a:xfrm>
+          <a:prstGeom prst="rect">
+            <a:avLst/>
+          </a:prstGeom>
+        </p:spPr>
+        <p:txBody>
+          <a:bodyPr>
+            <a:normAutofit/>
+          </a:bodyPr>
+          <a:lstStyle>
+            <a:lvl1pPr marL="228600" indent="-228600" algn="l" defTabSz="914400" rtl="0" eaLnBrk="1" latinLnBrk="0" hangingPunct="1">
+              <a:lnSpc>
+                <a:spcPct val="90000"/>
+              </a:lnSpc>
+              <a:spcBef>
+                <a:spcPts val="1000"/>
+              </a:spcBef>
+              <a:buFont typeface="Arial" panose="020B0604020202020204" pitchFamily="34" charset="0"/>
+              <a:buChar char="•"/>
+              <a:defRPr sz="2800" kern="1200">
+                <a:solidFill>
+                  <a:schemeClr val="tx1"/>
+                </a:solidFill>
+                <a:latin typeface="+mn-lt"/>
+                <a:ea typeface="+mn-ea"/>
+                <a:cs typeface="+mn-cs"/>
+              </a:defRPr>
+            </a:lvl1pPr>
+            <a:lvl2pPr marL="685800" indent="-228600" algn="l" defTabSz="914400" rtl="0" eaLnBrk="1" latinLnBrk="0" hangingPunct="1">
+              <a:lnSpc>
+                <a:spcPct val="90000"/>
+              </a:lnSpc>
+              <a:spcBef>
+                <a:spcPts val="500"/>
+              </a:spcBef>
+              <a:buFont typeface="Arial" panose="020B0604020202020204" pitchFamily="34" charset="0"/>
+              <a:buChar char="•"/>
+              <a:defRPr sz="2400" kern="1200">
+                <a:solidFill>
+                  <a:schemeClr val="tx1"/>
+                </a:solidFill>
+                <a:latin typeface="+mn-lt"/>
+                <a:ea typeface="+mn-ea"/>
+                <a:cs typeface="+mn-cs"/>
+              </a:defRPr>
+            </a:lvl2pPr>
+            <a:lvl3pPr marL="1143000" indent="-228600" algn="l" defTabSz="914400" rtl="0" eaLnBrk="1" latinLnBrk="0" hangingPunct="1">
+              <a:lnSpc>
+                <a:spcPct val="90000"/>
+              </a:lnSpc>
+              <a:spcBef>
+                <a:spcPts val="500"/>
+              </a:spcBef>
+              <a:buFont typeface="Arial" panose="020B0604020202020204" pitchFamily="34" charset="0"/>
+              <a:buChar char="•"/>
+              <a:defRPr sz="2000" kern="1200">
+                <a:solidFill>
+                  <a:schemeClr val="tx1"/>
+                </a:solidFill>
+                <a:latin typeface="+mn-lt"/>
+                <a:ea typeface="+mn-ea"/>
+                <a:cs typeface="+mn-cs"/>
+              </a:defRPr>
+            </a:lvl3pPr>
+            <a:lvl4pPr marL="1600200" indent="-228600" algn="l" defTabSz="914400" rtl="0" eaLnBrk="1" latinLnBrk="0" hangingPunct="1">
+              <a:lnSpc>
+                <a:spcPct val="90000"/>
+              </a:lnSpc>
+              <a:spcBef>
+                <a:spcPts val="500"/>
+              </a:spcBef>
+              <a:buFont typeface="Arial" panose="020B0604020202020204" pitchFamily="34" charset="0"/>
+              <a:buChar char="•"/>
+              <a:defRPr sz="1800" kern="1200">
+                <a:solidFill>
+                  <a:schemeClr val="tx1"/>
+                </a:solidFill>
+                <a:latin typeface="+mn-lt"/>
+                <a:ea typeface="+mn-ea"/>
+                <a:cs typeface="+mn-cs"/>
+              </a:defRPr>
+            </a:lvl4pPr>
+            <a:lvl5pPr marL="2057400" indent="-228600" algn="l" defTabSz="914400" rtl="0" eaLnBrk="1" latinLnBrk="0" hangingPunct="1">
+              <a:lnSpc>
+                <a:spcPct val="90000"/>
+              </a:lnSpc>
+              <a:spcBef>
+                <a:spcPts val="500"/>
+              </a:spcBef>
+              <a:buFont typeface="Arial" panose="020B0604020202020204" pitchFamily="34" charset="0"/>
+              <a:buChar char="•"/>
+              <a:defRPr sz="1800" kern="1200">
+                <a:solidFill>
+                  <a:schemeClr val="tx1"/>
+                </a:solidFill>
+                <a:latin typeface="+mn-lt"/>
+                <a:ea typeface="+mn-ea"/>
+                <a:cs typeface="+mn-cs"/>
+              </a:defRPr>
+            </a:lvl5pPr>
+            <a:lvl6pPr marL="2514600" indent="-228600" algn="l" defTabSz="914400" rtl="0" eaLnBrk="1" latinLnBrk="0" hangingPunct="1">
+              <a:lnSpc>
+                <a:spcPct val="90000"/>
+              </a:lnSpc>
+              <a:spcBef>
+                <a:spcPts val="500"/>
+              </a:spcBef>
+              <a:buFont typeface="Arial" panose="020B0604020202020204" pitchFamily="34" charset="0"/>
+              <a:buChar char="•"/>
+              <a:defRPr sz="1800" kern="1200">
+                <a:solidFill>
+                  <a:schemeClr val="tx1"/>
+                </a:solidFill>
+                <a:latin typeface="+mn-lt"/>
+                <a:ea typeface="+mn-ea"/>
+                <a:cs typeface="+mn-cs"/>
+              </a:defRPr>
+            </a:lvl6pPr>
+            <a:lvl7pPr marL="2971800" indent="-228600" algn="l" defTabSz="914400" rtl="0" eaLnBrk="1" latinLnBrk="0" hangingPunct="1">
+              <a:lnSpc>
+                <a:spcPct val="90000"/>
+              </a:lnSpc>
+              <a:spcBef>
+                <a:spcPts val="500"/>
+              </a:spcBef>
+              <a:buFont typeface="Arial" panose="020B0604020202020204" pitchFamily="34" charset="0"/>
+              <a:buChar char="•"/>
+              <a:defRPr sz="1800" kern="1200">
+                <a:solidFill>
+                  <a:schemeClr val="tx1"/>
+                </a:solidFill>
+                <a:latin typeface="+mn-lt"/>
+                <a:ea typeface="+mn-ea"/>
+                <a:cs typeface="+mn-cs"/>
+              </a:defRPr>
+            </a:lvl7pPr>
+            <a:lvl8pPr marL="3429000" indent="-228600" algn="l" defTabSz="914400" rtl="0" eaLnBrk="1" latinLnBrk="0" hangingPunct="1">
+              <a:lnSpc>
+                <a:spcPct val="90000"/>
+              </a:lnSpc>
+              <a:spcBef>
+                <a:spcPts val="500"/>
+              </a:spcBef>
+              <a:buFont typeface="Arial" panose="020B0604020202020204" pitchFamily="34" charset="0"/>
+              <a:buChar char="•"/>
+              <a:defRPr sz="1800" kern="1200">
+                <a:solidFill>
+                  <a:schemeClr val="tx1"/>
+                </a:solidFill>
+                <a:latin typeface="+mn-lt"/>
+                <a:ea typeface="+mn-ea"/>
+                <a:cs typeface="+mn-cs"/>
+              </a:defRPr>
+            </a:lvl8pPr>
+            <a:lvl9pPr marL="3886200" indent="-228600" algn="l" defTabSz="914400" rtl="0" eaLnBrk="1" latinLnBrk="0" hangingPunct="1">
+              <a:lnSpc>
+                <a:spcPct val="90000"/>
+              </a:lnSpc>
+              <a:spcBef>
+                <a:spcPts val="500"/>
+              </a:spcBef>
+              <a:buFont typeface="Arial" panose="020B0604020202020204" pitchFamily="34" charset="0"/>
+              <a:buChar char="•"/>
+              <a:defRPr sz="1800" kern="1200">
+                <a:solidFill>
+                  <a:schemeClr val="tx1"/>
+                </a:solidFill>
+                <a:latin typeface="+mn-lt"/>
+                <a:ea typeface="+mn-ea"/>
+                <a:cs typeface="+mn-cs"/>
+              </a:defRPr>
+            </a:lvl9pPr>
+          </a:lstStyle>
+          <a:p>
+            <a:pPr marL="0" indent="0">
+              <a:buNone/>
+            </a:pPr>
+            <a:r>
+              <a:rPr lang="fr-FR" dirty="0">
+                <a:solidFill>
+                  <a:schemeClr val="bg2"/>
+                </a:solidFill>
+              </a:rPr>
+              <a:t>Conclusion :</a:t>
+            </a:r>
+          </a:p>
+          <a:p>
+            <a:pPr lvl="0"/>
+            <a:r>
+              <a:rPr lang="fr-FR" dirty="0">
+                <a:solidFill>
+                  <a:schemeClr val="bg2"/>
+                </a:solidFill>
+              </a:rPr>
+              <a:t>Configuration des serveurs Web et base de données </a:t>
+            </a:r>
+          </a:p>
+          <a:p>
+            <a:pPr lvl="0"/>
+            <a:r>
+              <a:rPr lang="fr-FR" dirty="0">
+                <a:solidFill>
+                  <a:schemeClr val="bg2"/>
+                </a:solidFill>
+              </a:rPr>
+              <a:t>Interopérabilité avec les autres parties </a:t>
+            </a:r>
+          </a:p>
+        </p:txBody>
+      </p:sp>
     </p:spTree>
   </p:cSld>
   <p:clrMapOvr>
     <a:masterClrMapping/>
   </p:clrMapOvr>
+  <p:timing>
+    <p:tnLst>
+      <p:par>
+        <p:cTn id="1" dur="indefinite" restart="never" nodeType="tmRoot">
+          <p:childTnLst>
+            <p:seq concurrent="1" nextAc="seek">
+              <p:cTn id="2" dur="indefinite" nodeType="mainSeq">
+                <p:childTnLst>
+                  <p:par>
+                    <p:cTn id="3" fill="hold">
+                      <p:stCondLst>
+                        <p:cond delay="indefinite"/>
+                        <p:cond evt="onBegin" delay="0">
+                          <p:tn val="2"/>
+                        </p:cond>
+                      </p:stCondLst>
+                      <p:childTnLst>
+                        <p:par>
+                          <p:cTn id="4" fill="hold">
+                            <p:stCondLst>
+                              <p:cond delay="0"/>
+                            </p:stCondLst>
+                            <p:childTnLst>
+                              <p:par>
+                                <p:cTn id="5" presetID="1" presetClass="exit" presetSubtype="0" fill="hold" nodeType="withEffect">
+                                  <p:stCondLst>
+                                    <p:cond delay="0"/>
+                                  </p:stCondLst>
+                                  <p:childTnLst>
+                                    <p:set>
+                                      <p:cBhvr>
+                                        <p:cTn id="6" dur="1" fill="hold">
+                                          <p:stCondLst>
+                                            <p:cond delay="0"/>
+                                          </p:stCondLst>
+                                        </p:cTn>
+                                        <p:tgtEl>
+                                          <p:spTgt spid="23"/>
+                                        </p:tgtEl>
+                                        <p:attrNameLst>
+                                          <p:attrName>style.visibility</p:attrName>
+                                        </p:attrNameLst>
+                                      </p:cBhvr>
+                                      <p:to>
+                                        <p:strVal val="hidden"/>
+                                      </p:to>
+                                    </p:set>
+                                  </p:childTnLst>
+                                </p:cTn>
+                              </p:par>
+                              <p:par>
+                                <p:cTn id="7" presetID="1" presetClass="exit" presetSubtype="0" fill="hold" grpId="2" nodeType="withEffect">
+                                  <p:stCondLst>
+                                    <p:cond delay="0"/>
+                                  </p:stCondLst>
+                                  <p:childTnLst>
+                                    <p:set>
+                                      <p:cBhvr>
+                                        <p:cTn id="8" dur="1" fill="hold">
+                                          <p:stCondLst>
+                                            <p:cond delay="0"/>
+                                          </p:stCondLst>
+                                        </p:cTn>
+                                        <p:tgtEl>
+                                          <p:spTgt spid="24"/>
+                                        </p:tgtEl>
+                                        <p:attrNameLst>
+                                          <p:attrName>style.visibility</p:attrName>
+                                        </p:attrNameLst>
+                                      </p:cBhvr>
+                                      <p:to>
+                                        <p:strVal val="hidden"/>
+                                      </p:to>
+                                    </p:set>
+                                  </p:childTnLst>
+                                </p:cTn>
+                              </p:par>
+                            </p:childTnLst>
+                          </p:cTn>
+                        </p:par>
+                      </p:childTnLst>
+                    </p:cTn>
+                  </p:par>
+                  <p:par>
+                    <p:cTn id="9" fill="hold">
+                      <p:stCondLst>
+                        <p:cond delay="indefinite"/>
+                      </p:stCondLst>
+                      <p:childTnLst>
+                        <p:par>
+                          <p:cTn id="10" fill="hold">
+                            <p:stCondLst>
+                              <p:cond delay="0"/>
+                            </p:stCondLst>
+                            <p:childTnLst>
+                              <p:par>
+                                <p:cTn id="11" presetID="16" presetClass="exit" presetSubtype="21" fill="hold" grpId="0" nodeType="clickEffect">
+                                  <p:stCondLst>
+                                    <p:cond delay="0"/>
+                                  </p:stCondLst>
+                                  <p:childTnLst>
+                                    <p:animEffect transition="out" filter="barn(inVertical)">
+                                      <p:cBhvr>
+                                        <p:cTn id="12" dur="500"/>
+                                        <p:tgtEl>
+                                          <p:spTgt spid="21"/>
+                                        </p:tgtEl>
+                                      </p:cBhvr>
+                                    </p:animEffect>
+                                    <p:set>
+                                      <p:cBhvr>
+                                        <p:cTn id="13" dur="1" fill="hold">
+                                          <p:stCondLst>
+                                            <p:cond delay="499"/>
+                                          </p:stCondLst>
+                                        </p:cTn>
+                                        <p:tgtEl>
+                                          <p:spTgt spid="21"/>
+                                        </p:tgtEl>
+                                        <p:attrNameLst>
+                                          <p:attrName>style.visibility</p:attrName>
+                                        </p:attrNameLst>
+                                      </p:cBhvr>
+                                      <p:to>
+                                        <p:strVal val="hidden"/>
+                                      </p:to>
+                                    </p:set>
+                                  </p:childTnLst>
+                                </p:cTn>
+                              </p:par>
+                              <p:par>
+                                <p:cTn id="14" presetID="16" presetClass="exit" presetSubtype="21" fill="hold" grpId="0" nodeType="withEffect">
+                                  <p:stCondLst>
+                                    <p:cond delay="0"/>
+                                  </p:stCondLst>
+                                  <p:childTnLst>
+                                    <p:animEffect transition="out" filter="barn(inVertical)">
+                                      <p:cBhvr>
+                                        <p:cTn id="15" dur="500"/>
+                                        <p:tgtEl>
+                                          <p:spTgt spid="22"/>
+                                        </p:tgtEl>
+                                      </p:cBhvr>
+                                    </p:animEffect>
+                                    <p:set>
+                                      <p:cBhvr>
+                                        <p:cTn id="16" dur="1" fill="hold">
+                                          <p:stCondLst>
+                                            <p:cond delay="499"/>
+                                          </p:stCondLst>
+                                        </p:cTn>
+                                        <p:tgtEl>
+                                          <p:spTgt spid="22"/>
+                                        </p:tgtEl>
+                                        <p:attrNameLst>
+                                          <p:attrName>style.visibility</p:attrName>
+                                        </p:attrNameLst>
+                                      </p:cBhvr>
+                                      <p:to>
+                                        <p:strVal val="hidden"/>
+                                      </p:to>
+                                    </p:set>
+                                  </p:childTnLst>
+                                </p:cTn>
+                              </p:par>
+                              <p:par>
+                                <p:cTn id="17" presetID="2" presetClass="entr" presetSubtype="4" fill="hold" nodeType="withEffect">
+                                  <p:stCondLst>
+                                    <p:cond delay="0"/>
+                                  </p:stCondLst>
+                                  <p:childTnLst>
+                                    <p:set>
+                                      <p:cBhvr>
+                                        <p:cTn id="18" dur="1" fill="hold">
+                                          <p:stCondLst>
+                                            <p:cond delay="0"/>
+                                          </p:stCondLst>
+                                        </p:cTn>
+                                        <p:tgtEl>
+                                          <p:spTgt spid="23"/>
+                                        </p:tgtEl>
+                                        <p:attrNameLst>
+                                          <p:attrName>style.visibility</p:attrName>
+                                        </p:attrNameLst>
+                                      </p:cBhvr>
+                                      <p:to>
+                                        <p:strVal val="visible"/>
+                                      </p:to>
+                                    </p:set>
+                                    <p:anim calcmode="lin" valueType="num">
+                                      <p:cBhvr additive="base">
+                                        <p:cTn id="19" dur="500" fill="hold"/>
+                                        <p:tgtEl>
+                                          <p:spTgt spid="23"/>
+                                        </p:tgtEl>
+                                        <p:attrNameLst>
+                                          <p:attrName>ppt_x</p:attrName>
+                                        </p:attrNameLst>
+                                      </p:cBhvr>
+                                      <p:tavLst>
+                                        <p:tav tm="0">
+                                          <p:val>
+                                            <p:strVal val="#ppt_x"/>
+                                          </p:val>
+                                        </p:tav>
+                                        <p:tav tm="100000">
+                                          <p:val>
+                                            <p:strVal val="#ppt_x"/>
+                                          </p:val>
+                                        </p:tav>
+                                      </p:tavLst>
+                                    </p:anim>
+                                    <p:anim calcmode="lin" valueType="num">
+                                      <p:cBhvr additive="base">
+                                        <p:cTn id="20" dur="500" fill="hold"/>
+                                        <p:tgtEl>
+                                          <p:spTgt spid="23"/>
+                                        </p:tgtEl>
+                                        <p:attrNameLst>
+                                          <p:attrName>ppt_y</p:attrName>
+                                        </p:attrNameLst>
+                                      </p:cBhvr>
+                                      <p:tavLst>
+                                        <p:tav tm="0">
+                                          <p:val>
+                                            <p:strVal val="1+#ppt_h/2"/>
+                                          </p:val>
+                                        </p:tav>
+                                        <p:tav tm="100000">
+                                          <p:val>
+                                            <p:strVal val="#ppt_y"/>
+                                          </p:val>
+                                        </p:tav>
+                                      </p:tavLst>
+                                    </p:anim>
+                                  </p:childTnLst>
+                                </p:cTn>
+                              </p:par>
+                            </p:childTnLst>
+                          </p:cTn>
+                        </p:par>
+                      </p:childTnLst>
+                    </p:cTn>
+                  </p:par>
+                  <p:par>
+                    <p:cTn id="21" fill="hold">
+                      <p:stCondLst>
+                        <p:cond delay="indefinite"/>
+                      </p:stCondLst>
+                      <p:childTnLst>
+                        <p:par>
+                          <p:cTn id="22" fill="hold">
+                            <p:stCondLst>
+                              <p:cond delay="0"/>
+                            </p:stCondLst>
+                            <p:childTnLst>
+                              <p:par>
+                                <p:cTn id="23" presetID="2" presetClass="exit" presetSubtype="4" fill="hold" nodeType="clickEffect">
+                                  <p:stCondLst>
+                                    <p:cond delay="0"/>
+                                  </p:stCondLst>
+                                  <p:childTnLst>
+                                    <p:anim calcmode="lin" valueType="num">
+                                      <p:cBhvr additive="base">
+                                        <p:cTn id="24" dur="500"/>
+                                        <p:tgtEl>
+                                          <p:spTgt spid="23"/>
+                                        </p:tgtEl>
+                                        <p:attrNameLst>
+                                          <p:attrName>ppt_x</p:attrName>
+                                        </p:attrNameLst>
+                                      </p:cBhvr>
+                                      <p:tavLst>
+                                        <p:tav tm="0">
+                                          <p:val>
+                                            <p:strVal val="ppt_x"/>
+                                          </p:val>
+                                        </p:tav>
+                                        <p:tav tm="100000">
+                                          <p:val>
+                                            <p:strVal val="ppt_x"/>
+                                          </p:val>
+                                        </p:tav>
+                                      </p:tavLst>
+                                    </p:anim>
+                                    <p:anim calcmode="lin" valueType="num">
+                                      <p:cBhvr additive="base">
+                                        <p:cTn id="25" dur="500"/>
+                                        <p:tgtEl>
+                                          <p:spTgt spid="23"/>
+                                        </p:tgtEl>
+                                        <p:attrNameLst>
+                                          <p:attrName>ppt_y</p:attrName>
+                                        </p:attrNameLst>
+                                      </p:cBhvr>
+                                      <p:tavLst>
+                                        <p:tav tm="0">
+                                          <p:val>
+                                            <p:strVal val="ppt_y"/>
+                                          </p:val>
+                                        </p:tav>
+                                        <p:tav tm="100000">
+                                          <p:val>
+                                            <p:strVal val="1+ppt_h/2"/>
+                                          </p:val>
+                                        </p:tav>
+                                      </p:tavLst>
+                                    </p:anim>
+                                    <p:set>
+                                      <p:cBhvr>
+                                        <p:cTn id="26" dur="1" fill="hold">
+                                          <p:stCondLst>
+                                            <p:cond delay="499"/>
+                                          </p:stCondLst>
+                                        </p:cTn>
+                                        <p:tgtEl>
+                                          <p:spTgt spid="23"/>
+                                        </p:tgtEl>
+                                        <p:attrNameLst>
+                                          <p:attrName>style.visibility</p:attrName>
+                                        </p:attrNameLst>
+                                      </p:cBhvr>
+                                      <p:to>
+                                        <p:strVal val="hidden"/>
+                                      </p:to>
+                                    </p:set>
+                                  </p:childTnLst>
+                                </p:cTn>
+                              </p:par>
+                              <p:par>
+                                <p:cTn id="27" presetID="1" presetClass="exit" presetSubtype="0" fill="hold" grpId="0" nodeType="withEffect">
+                                  <p:stCondLst>
+                                    <p:cond delay="0"/>
+                                  </p:stCondLst>
+                                  <p:childTnLst>
+                                    <p:set>
+                                      <p:cBhvr>
+                                        <p:cTn id="28" dur="1" fill="hold">
+                                          <p:stCondLst>
+                                            <p:cond delay="0"/>
+                                          </p:stCondLst>
+                                        </p:cTn>
+                                        <p:tgtEl>
+                                          <p:spTgt spid="24"/>
+                                        </p:tgtEl>
+                                        <p:attrNameLst>
+                                          <p:attrName>style.visibility</p:attrName>
+                                        </p:attrNameLst>
+                                      </p:cBhvr>
+                                      <p:to>
+                                        <p:strVal val="hidden"/>
+                                      </p:to>
+                                    </p:set>
+                                  </p:childTnLst>
+                                </p:cTn>
+                              </p:par>
+                            </p:childTnLst>
+                          </p:cTn>
+                        </p:par>
+                        <p:par>
+                          <p:cTn id="29" fill="hold">
+                            <p:stCondLst>
+                              <p:cond delay="500"/>
+                            </p:stCondLst>
+                            <p:childTnLst>
+                              <p:par>
+                                <p:cTn id="30" presetID="1" presetClass="entr" presetSubtype="0" fill="hold" grpId="1" nodeType="afterEffect">
+                                  <p:stCondLst>
+                                    <p:cond delay="0"/>
+                                  </p:stCondLst>
+                                  <p:childTnLst>
+                                    <p:set>
+                                      <p:cBhvr>
+                                        <p:cTn id="31" dur="1" fill="hold">
+                                          <p:stCondLst>
+                                            <p:cond delay="0"/>
+                                          </p:stCondLst>
+                                        </p:cTn>
+                                        <p:tgtEl>
+                                          <p:spTgt spid="24"/>
+                                        </p:tgtEl>
+                                        <p:attrNameLst>
+                                          <p:attrName>style.visibility</p:attrName>
+                                        </p:attrNameLst>
+                                      </p:cBhvr>
+                                      <p:to>
+                                        <p:strVal val="visible"/>
+                                      </p:to>
+                                    </p:set>
+                                  </p:childTnLst>
+                                </p:cTn>
+                              </p:par>
+                            </p:childTnLst>
+                          </p:cTn>
+                        </p:par>
+                      </p:childTnLst>
+                    </p:cTn>
+                  </p:par>
+                </p:childTnLst>
+              </p:cTn>
+              <p:prevCondLst>
+                <p:cond evt="onPrev" delay="0">
+                  <p:tgtEl>
+                    <p:sldTgt/>
+                  </p:tgtEl>
+                </p:cond>
+              </p:prevCondLst>
+              <p:nextCondLst>
+                <p:cond evt="onNext" delay="0">
+                  <p:tgtEl>
+                    <p:sldTgt/>
+                  </p:tgtEl>
+                </p:cond>
+              </p:nextCondLst>
+            </p:seq>
+          </p:childTnLst>
+        </p:cTn>
+      </p:par>
+    </p:tnLst>
+    <p:bldLst>
+      <p:bldP spid="21" grpId="0"/>
+      <p:bldP spid="22" grpId="0"/>
+      <p:bldP spid="24" grpId="0"/>
+      <p:bldP spid="24" grpId="1"/>
+      <p:bldP spid="24" grpId="2"/>
+    </p:bldLst>
+  </p:timing>
 </p:sld>
 </file>
 

--- a/Diapo_commun/PresentationCommune.pptx
+++ b/Diapo_commun/PresentationCommune.pptx
@@ -5,6 +5,9 @@
     <p:sldMasterId id="2147483648" r:id="rId1"/>
     <p:sldMasterId id="2147483661" r:id="rId2"/>
   </p:sldMasterIdLst>
+  <p:notesMasterIdLst>
+    <p:notesMasterId r:id="rId20"/>
+  </p:notesMasterIdLst>
   <p:sldIdLst>
     <p:sldId id="256" r:id="rId3"/>
     <p:sldId id="257" r:id="rId4"/>
@@ -20,7 +23,9 @@
     <p:sldId id="266" r:id="rId14"/>
     <p:sldId id="267" r:id="rId15"/>
     <p:sldId id="268" r:id="rId16"/>
-    <p:sldId id="269" r:id="rId17"/>
+    <p:sldId id="271" r:id="rId17"/>
+    <p:sldId id="272" r:id="rId18"/>
+    <p:sldId id="269" r:id="rId19"/>
   </p:sldIdLst>
   <p:sldSz cx="12192000" cy="6858000"/>
   <p:notesSz cx="7559675" cy="10691813"/>
@@ -355,6 +360,523 @@
 </pc:chgInfo>
 </file>
 
+<file path=ppt/notesMasters/notesMaster1.xml><?xml version="1.0" encoding="utf-8"?>
+<p:notesMaster xmlns:a="http://schemas.openxmlformats.org/drawingml/2006/main" xmlns:r="http://schemas.openxmlformats.org/officeDocument/2006/relationships" xmlns:p="http://schemas.openxmlformats.org/presentationml/2006/main">
+  <p:cSld>
+    <p:bg>
+      <p:bgRef idx="1001">
+        <a:schemeClr val="bg1"/>
+      </p:bgRef>
+    </p:bg>
+    <p:spTree>
+      <p:nvGrpSpPr>
+        <p:cNvPr id="1" name=""/>
+        <p:cNvGrpSpPr/>
+        <p:nvPr/>
+      </p:nvGrpSpPr>
+      <p:grpSpPr>
+        <a:xfrm>
+          <a:off x="0" y="0"/>
+          <a:ext cx="0" cy="0"/>
+          <a:chOff x="0" y="0"/>
+          <a:chExt cx="0" cy="0"/>
+        </a:xfrm>
+      </p:grpSpPr>
+      <p:sp>
+        <p:nvSpPr>
+          <p:cNvPr id="2" name="Espace réservé de l'en-tête 1"/>
+          <p:cNvSpPr>
+            <a:spLocks noGrp="1"/>
+          </p:cNvSpPr>
+          <p:nvPr>
+            <p:ph type="hdr" sz="quarter"/>
+          </p:nvPr>
+        </p:nvSpPr>
+        <p:spPr>
+          <a:xfrm>
+            <a:off x="0" y="0"/>
+            <a:ext cx="3276600" cy="536575"/>
+          </a:xfrm>
+          <a:prstGeom prst="rect">
+            <a:avLst/>
+          </a:prstGeom>
+        </p:spPr>
+        <p:txBody>
+          <a:bodyPr vert="horz" lIns="91440" tIns="45720" rIns="91440" bIns="45720" rtlCol="0"/>
+          <a:lstStyle>
+            <a:lvl1pPr algn="l">
+              <a:defRPr sz="1200"/>
+            </a:lvl1pPr>
+          </a:lstStyle>
+          <a:p>
+            <a:endParaRPr lang="fr-FR"/>
+          </a:p>
+        </p:txBody>
+      </p:sp>
+      <p:sp>
+        <p:nvSpPr>
+          <p:cNvPr id="3" name="Espace réservé de la date 2"/>
+          <p:cNvSpPr>
+            <a:spLocks noGrp="1"/>
+          </p:cNvSpPr>
+          <p:nvPr>
+            <p:ph type="dt" idx="1"/>
+          </p:nvPr>
+        </p:nvSpPr>
+        <p:spPr>
+          <a:xfrm>
+            <a:off x="4281488" y="0"/>
+            <a:ext cx="3276600" cy="536575"/>
+          </a:xfrm>
+          <a:prstGeom prst="rect">
+            <a:avLst/>
+          </a:prstGeom>
+        </p:spPr>
+        <p:txBody>
+          <a:bodyPr vert="horz" lIns="91440" tIns="45720" rIns="91440" bIns="45720" rtlCol="0"/>
+          <a:lstStyle>
+            <a:lvl1pPr algn="r">
+              <a:defRPr sz="1200"/>
+            </a:lvl1pPr>
+          </a:lstStyle>
+          <a:p>
+            <a:fld id="{EC9A8D48-811A-4055-B218-CE83A36871B8}" type="datetimeFigureOut">
+              <a:rPr lang="fr-FR" smtClean="0"/>
+              <a:t>13/05/2021</a:t>
+            </a:fld>
+            <a:endParaRPr lang="fr-FR"/>
+          </a:p>
+        </p:txBody>
+      </p:sp>
+      <p:sp>
+        <p:nvSpPr>
+          <p:cNvPr id="4" name="Espace réservé de l'image des diapositives 3"/>
+          <p:cNvSpPr>
+            <a:spLocks noGrp="1" noRot="1" noChangeAspect="1"/>
+          </p:cNvSpPr>
+          <p:nvPr>
+            <p:ph type="sldImg" idx="2"/>
+          </p:nvPr>
+        </p:nvSpPr>
+        <p:spPr>
+          <a:xfrm>
+            <a:off x="573088" y="1336675"/>
+            <a:ext cx="6413500" cy="3608388"/>
+          </a:xfrm>
+          <a:prstGeom prst="rect">
+            <a:avLst/>
+          </a:prstGeom>
+          <a:noFill/>
+          <a:ln w="12700">
+            <a:solidFill>
+              <a:prstClr val="black"/>
+            </a:solidFill>
+          </a:ln>
+        </p:spPr>
+        <p:txBody>
+          <a:bodyPr vert="horz" lIns="91440" tIns="45720" rIns="91440" bIns="45720" rtlCol="0" anchor="ctr"/>
+          <a:lstStyle/>
+          <a:p>
+            <a:endParaRPr lang="fr-FR"/>
+          </a:p>
+        </p:txBody>
+      </p:sp>
+      <p:sp>
+        <p:nvSpPr>
+          <p:cNvPr id="5" name="Espace réservé des notes 4"/>
+          <p:cNvSpPr>
+            <a:spLocks noGrp="1"/>
+          </p:cNvSpPr>
+          <p:nvPr>
+            <p:ph type="body" sz="quarter" idx="3"/>
+          </p:nvPr>
+        </p:nvSpPr>
+        <p:spPr>
+          <a:xfrm>
+            <a:off x="755650" y="5145088"/>
+            <a:ext cx="6048375" cy="4210050"/>
+          </a:xfrm>
+          <a:prstGeom prst="rect">
+            <a:avLst/>
+          </a:prstGeom>
+        </p:spPr>
+        <p:txBody>
+          <a:bodyPr vert="horz" lIns="91440" tIns="45720" rIns="91440" bIns="45720" rtlCol="0"/>
+          <a:lstStyle/>
+          <a:p>
+            <a:pPr lvl="0"/>
+            <a:r>
+              <a:rPr lang="fr-FR"/>
+              <a:t>Cliquez pour modifier les styles du texte du masque</a:t>
+            </a:r>
+          </a:p>
+          <a:p>
+            <a:pPr lvl="1"/>
+            <a:r>
+              <a:rPr lang="fr-FR"/>
+              <a:t>Deuxième niveau</a:t>
+            </a:r>
+          </a:p>
+          <a:p>
+            <a:pPr lvl="2"/>
+            <a:r>
+              <a:rPr lang="fr-FR"/>
+              <a:t>Troisième niveau</a:t>
+            </a:r>
+          </a:p>
+          <a:p>
+            <a:pPr lvl="3"/>
+            <a:r>
+              <a:rPr lang="fr-FR"/>
+              <a:t>Quatrième niveau</a:t>
+            </a:r>
+          </a:p>
+          <a:p>
+            <a:pPr lvl="4"/>
+            <a:r>
+              <a:rPr lang="fr-FR"/>
+              <a:t>Cinquième niveau</a:t>
+            </a:r>
+          </a:p>
+        </p:txBody>
+      </p:sp>
+      <p:sp>
+        <p:nvSpPr>
+          <p:cNvPr id="6" name="Espace réservé du pied de page 5"/>
+          <p:cNvSpPr>
+            <a:spLocks noGrp="1"/>
+          </p:cNvSpPr>
+          <p:nvPr>
+            <p:ph type="ftr" sz="quarter" idx="4"/>
+          </p:nvPr>
+        </p:nvSpPr>
+        <p:spPr>
+          <a:xfrm>
+            <a:off x="0" y="10155238"/>
+            <a:ext cx="3276600" cy="536575"/>
+          </a:xfrm>
+          <a:prstGeom prst="rect">
+            <a:avLst/>
+          </a:prstGeom>
+        </p:spPr>
+        <p:txBody>
+          <a:bodyPr vert="horz" lIns="91440" tIns="45720" rIns="91440" bIns="45720" rtlCol="0" anchor="b"/>
+          <a:lstStyle>
+            <a:lvl1pPr algn="l">
+              <a:defRPr sz="1200"/>
+            </a:lvl1pPr>
+          </a:lstStyle>
+          <a:p>
+            <a:endParaRPr lang="fr-FR"/>
+          </a:p>
+        </p:txBody>
+      </p:sp>
+      <p:sp>
+        <p:nvSpPr>
+          <p:cNvPr id="7" name="Espace réservé du numéro de diapositive 6"/>
+          <p:cNvSpPr>
+            <a:spLocks noGrp="1"/>
+          </p:cNvSpPr>
+          <p:nvPr>
+            <p:ph type="sldNum" sz="quarter" idx="5"/>
+          </p:nvPr>
+        </p:nvSpPr>
+        <p:spPr>
+          <a:xfrm>
+            <a:off x="4281488" y="10155238"/>
+            <a:ext cx="3276600" cy="536575"/>
+          </a:xfrm>
+          <a:prstGeom prst="rect">
+            <a:avLst/>
+          </a:prstGeom>
+        </p:spPr>
+        <p:txBody>
+          <a:bodyPr vert="horz" lIns="91440" tIns="45720" rIns="91440" bIns="45720" rtlCol="0" anchor="b"/>
+          <a:lstStyle>
+            <a:lvl1pPr algn="r">
+              <a:defRPr sz="1200"/>
+            </a:lvl1pPr>
+          </a:lstStyle>
+          <a:p>
+            <a:fld id="{741171B4-A1B5-4DF7-90FF-2BB55EBEAF8E}" type="slidenum">
+              <a:rPr lang="fr-FR" smtClean="0"/>
+              <a:t>‹N°›</a:t>
+            </a:fld>
+            <a:endParaRPr lang="fr-FR"/>
+          </a:p>
+        </p:txBody>
+      </p:sp>
+    </p:spTree>
+    <p:extLst>
+      <p:ext uri="{BB962C8B-B14F-4D97-AF65-F5344CB8AC3E}">
+        <p14:creationId xmlns:p14="http://schemas.microsoft.com/office/powerpoint/2010/main" val="3611371270"/>
+      </p:ext>
+    </p:extLst>
+  </p:cSld>
+  <p:clrMap bg1="lt1" tx1="dk1" bg2="lt2" tx2="dk2" accent1="accent1" accent2="accent2" accent3="accent3" accent4="accent4" accent5="accent5" accent6="accent6" hlink="hlink" folHlink="folHlink"/>
+  <p:notesStyle>
+    <a:lvl1pPr marL="0" algn="l" defTabSz="914400" rtl="0" eaLnBrk="1" latinLnBrk="0" hangingPunct="1">
+      <a:defRPr sz="1200" kern="1200">
+        <a:solidFill>
+          <a:schemeClr val="tx1"/>
+        </a:solidFill>
+        <a:latin typeface="+mn-lt"/>
+        <a:ea typeface="+mn-ea"/>
+        <a:cs typeface="+mn-cs"/>
+      </a:defRPr>
+    </a:lvl1pPr>
+    <a:lvl2pPr marL="457200" algn="l" defTabSz="914400" rtl="0" eaLnBrk="1" latinLnBrk="0" hangingPunct="1">
+      <a:defRPr sz="1200" kern="1200">
+        <a:solidFill>
+          <a:schemeClr val="tx1"/>
+        </a:solidFill>
+        <a:latin typeface="+mn-lt"/>
+        <a:ea typeface="+mn-ea"/>
+        <a:cs typeface="+mn-cs"/>
+      </a:defRPr>
+    </a:lvl2pPr>
+    <a:lvl3pPr marL="914400" algn="l" defTabSz="914400" rtl="0" eaLnBrk="1" latinLnBrk="0" hangingPunct="1">
+      <a:defRPr sz="1200" kern="1200">
+        <a:solidFill>
+          <a:schemeClr val="tx1"/>
+        </a:solidFill>
+        <a:latin typeface="+mn-lt"/>
+        <a:ea typeface="+mn-ea"/>
+        <a:cs typeface="+mn-cs"/>
+      </a:defRPr>
+    </a:lvl3pPr>
+    <a:lvl4pPr marL="1371600" algn="l" defTabSz="914400" rtl="0" eaLnBrk="1" latinLnBrk="0" hangingPunct="1">
+      <a:defRPr sz="1200" kern="1200">
+        <a:solidFill>
+          <a:schemeClr val="tx1"/>
+        </a:solidFill>
+        <a:latin typeface="+mn-lt"/>
+        <a:ea typeface="+mn-ea"/>
+        <a:cs typeface="+mn-cs"/>
+      </a:defRPr>
+    </a:lvl4pPr>
+    <a:lvl5pPr marL="1828800" algn="l" defTabSz="914400" rtl="0" eaLnBrk="1" latinLnBrk="0" hangingPunct="1">
+      <a:defRPr sz="1200" kern="1200">
+        <a:solidFill>
+          <a:schemeClr val="tx1"/>
+        </a:solidFill>
+        <a:latin typeface="+mn-lt"/>
+        <a:ea typeface="+mn-ea"/>
+        <a:cs typeface="+mn-cs"/>
+      </a:defRPr>
+    </a:lvl5pPr>
+    <a:lvl6pPr marL="2286000" algn="l" defTabSz="914400" rtl="0" eaLnBrk="1" latinLnBrk="0" hangingPunct="1">
+      <a:defRPr sz="1200" kern="1200">
+        <a:solidFill>
+          <a:schemeClr val="tx1"/>
+        </a:solidFill>
+        <a:latin typeface="+mn-lt"/>
+        <a:ea typeface="+mn-ea"/>
+        <a:cs typeface="+mn-cs"/>
+      </a:defRPr>
+    </a:lvl6pPr>
+    <a:lvl7pPr marL="2743200" algn="l" defTabSz="914400" rtl="0" eaLnBrk="1" latinLnBrk="0" hangingPunct="1">
+      <a:defRPr sz="1200" kern="1200">
+        <a:solidFill>
+          <a:schemeClr val="tx1"/>
+        </a:solidFill>
+        <a:latin typeface="+mn-lt"/>
+        <a:ea typeface="+mn-ea"/>
+        <a:cs typeface="+mn-cs"/>
+      </a:defRPr>
+    </a:lvl7pPr>
+    <a:lvl8pPr marL="3200400" algn="l" defTabSz="914400" rtl="0" eaLnBrk="1" latinLnBrk="0" hangingPunct="1">
+      <a:defRPr sz="1200" kern="1200">
+        <a:solidFill>
+          <a:schemeClr val="tx1"/>
+        </a:solidFill>
+        <a:latin typeface="+mn-lt"/>
+        <a:ea typeface="+mn-ea"/>
+        <a:cs typeface="+mn-cs"/>
+      </a:defRPr>
+    </a:lvl8pPr>
+    <a:lvl9pPr marL="3657600" algn="l" defTabSz="914400" rtl="0" eaLnBrk="1" latinLnBrk="0" hangingPunct="1">
+      <a:defRPr sz="1200" kern="1200">
+        <a:solidFill>
+          <a:schemeClr val="tx1"/>
+        </a:solidFill>
+        <a:latin typeface="+mn-lt"/>
+        <a:ea typeface="+mn-ea"/>
+        <a:cs typeface="+mn-cs"/>
+      </a:defRPr>
+    </a:lvl9pPr>
+  </p:notesStyle>
+</p:notesMaster>
+</file>
+
+<file path=ppt/notesSlides/notesSlide1.xml><?xml version="1.0" encoding="utf-8"?>
+<p:notes xmlns:a="http://schemas.openxmlformats.org/drawingml/2006/main" xmlns:r="http://schemas.openxmlformats.org/officeDocument/2006/relationships" xmlns:p="http://schemas.openxmlformats.org/presentationml/2006/main">
+  <p:cSld>
+    <p:spTree>
+      <p:nvGrpSpPr>
+        <p:cNvPr id="1" name=""/>
+        <p:cNvGrpSpPr/>
+        <p:nvPr/>
+      </p:nvGrpSpPr>
+      <p:grpSpPr>
+        <a:xfrm>
+          <a:off x="0" y="0"/>
+          <a:ext cx="0" cy="0"/>
+          <a:chOff x="0" y="0"/>
+          <a:chExt cx="0" cy="0"/>
+        </a:xfrm>
+      </p:grpSpPr>
+      <p:sp>
+        <p:nvSpPr>
+          <p:cNvPr id="2" name="Espace réservé de l'image des diapositives 1"/>
+          <p:cNvSpPr>
+            <a:spLocks noGrp="1" noRot="1" noChangeAspect="1"/>
+          </p:cNvSpPr>
+          <p:nvPr>
+            <p:ph type="sldImg"/>
+          </p:nvPr>
+        </p:nvSpPr>
+        <p:spPr/>
+      </p:sp>
+      <p:sp>
+        <p:nvSpPr>
+          <p:cNvPr id="3" name="Espace réservé des notes 2"/>
+          <p:cNvSpPr>
+            <a:spLocks noGrp="1"/>
+          </p:cNvSpPr>
+          <p:nvPr>
+            <p:ph type="body" idx="1"/>
+          </p:nvPr>
+        </p:nvSpPr>
+        <p:spPr/>
+        <p:txBody>
+          <a:bodyPr/>
+          <a:lstStyle/>
+          <a:p>
+            <a:endParaRPr lang="fr-FR" dirty="0"/>
+          </a:p>
+        </p:txBody>
+      </p:sp>
+      <p:sp>
+        <p:nvSpPr>
+          <p:cNvPr id="4" name="Espace réservé du numéro de diapositive 3"/>
+          <p:cNvSpPr>
+            <a:spLocks noGrp="1"/>
+          </p:cNvSpPr>
+          <p:nvPr>
+            <p:ph type="sldNum" sz="quarter" idx="5"/>
+          </p:nvPr>
+        </p:nvSpPr>
+        <p:spPr/>
+        <p:txBody>
+          <a:bodyPr/>
+          <a:lstStyle/>
+          <a:p>
+            <a:fld id="{741171B4-A1B5-4DF7-90FF-2BB55EBEAF8E}" type="slidenum">
+              <a:rPr lang="fr-FR" smtClean="0"/>
+              <a:t>15</a:t>
+            </a:fld>
+            <a:endParaRPr lang="fr-FR"/>
+          </a:p>
+        </p:txBody>
+      </p:sp>
+    </p:spTree>
+    <p:extLst>
+      <p:ext uri="{BB962C8B-B14F-4D97-AF65-F5344CB8AC3E}">
+        <p14:creationId xmlns:p14="http://schemas.microsoft.com/office/powerpoint/2010/main" val="2110438634"/>
+      </p:ext>
+    </p:extLst>
+  </p:cSld>
+  <p:clrMapOvr>
+    <a:masterClrMapping/>
+  </p:clrMapOvr>
+</p:notes>
+</file>
+
+<file path=ppt/notesSlides/notesSlide2.xml><?xml version="1.0" encoding="utf-8"?>
+<p:notes xmlns:a="http://schemas.openxmlformats.org/drawingml/2006/main" xmlns:r="http://schemas.openxmlformats.org/officeDocument/2006/relationships" xmlns:p="http://schemas.openxmlformats.org/presentationml/2006/main">
+  <p:cSld>
+    <p:spTree>
+      <p:nvGrpSpPr>
+        <p:cNvPr id="1" name=""/>
+        <p:cNvGrpSpPr/>
+        <p:nvPr/>
+      </p:nvGrpSpPr>
+      <p:grpSpPr>
+        <a:xfrm>
+          <a:off x="0" y="0"/>
+          <a:ext cx="0" cy="0"/>
+          <a:chOff x="0" y="0"/>
+          <a:chExt cx="0" cy="0"/>
+        </a:xfrm>
+      </p:grpSpPr>
+      <p:sp>
+        <p:nvSpPr>
+          <p:cNvPr id="2" name="Espace réservé de l'image des diapositives 1"/>
+          <p:cNvSpPr>
+            <a:spLocks noGrp="1" noRot="1" noChangeAspect="1"/>
+          </p:cNvSpPr>
+          <p:nvPr>
+            <p:ph type="sldImg"/>
+          </p:nvPr>
+        </p:nvSpPr>
+        <p:spPr/>
+      </p:sp>
+      <p:sp>
+        <p:nvSpPr>
+          <p:cNvPr id="3" name="Espace réservé des notes 2"/>
+          <p:cNvSpPr>
+            <a:spLocks noGrp="1"/>
+          </p:cNvSpPr>
+          <p:nvPr>
+            <p:ph type="body" idx="1"/>
+          </p:nvPr>
+        </p:nvSpPr>
+        <p:spPr/>
+        <p:txBody>
+          <a:bodyPr/>
+          <a:lstStyle/>
+          <a:p>
+            <a:endParaRPr lang="fr-FR" dirty="0"/>
+          </a:p>
+        </p:txBody>
+      </p:sp>
+      <p:sp>
+        <p:nvSpPr>
+          <p:cNvPr id="4" name="Espace réservé du numéro de diapositive 3"/>
+          <p:cNvSpPr>
+            <a:spLocks noGrp="1"/>
+          </p:cNvSpPr>
+          <p:nvPr>
+            <p:ph type="sldNum" sz="quarter" idx="5"/>
+          </p:nvPr>
+        </p:nvSpPr>
+        <p:spPr/>
+        <p:txBody>
+          <a:bodyPr/>
+          <a:lstStyle/>
+          <a:p>
+            <a:fld id="{741171B4-A1B5-4DF7-90FF-2BB55EBEAF8E}" type="slidenum">
+              <a:rPr lang="fr-FR" smtClean="0"/>
+              <a:t>16</a:t>
+            </a:fld>
+            <a:endParaRPr lang="fr-FR"/>
+          </a:p>
+        </p:txBody>
+      </p:sp>
+    </p:spTree>
+    <p:extLst>
+      <p:ext uri="{BB962C8B-B14F-4D97-AF65-F5344CB8AC3E}">
+        <p14:creationId xmlns:p14="http://schemas.microsoft.com/office/powerpoint/2010/main" val="2110438634"/>
+      </p:ext>
+    </p:extLst>
+  </p:cSld>
+  <p:clrMapOvr>
+    <a:masterClrMapping/>
+  </p:clrMapOvr>
+</p:notes>
+</file>
+
 <file path=ppt/slideLayouts/slideLayout1.xml><?xml version="1.0" encoding="utf-8"?>
 <p:sldLayout xmlns:a="http://schemas.openxmlformats.org/drawingml/2006/main" xmlns:r="http://schemas.openxmlformats.org/officeDocument/2006/relationships" xmlns:p="http://schemas.openxmlformats.org/presentationml/2006/main" type="blank" preserve="1">
   <p:cSld name="Blank Slide">
@@ -6800,6 +7322,1561 @@
       </p:grpSpPr>
       <p:sp>
         <p:nvSpPr>
+          <p:cNvPr id="197" name="CustomShape 1"/>
+          <p:cNvSpPr/>
+          <p:nvPr/>
+        </p:nvSpPr>
+        <p:spPr>
+          <a:xfrm>
+            <a:off x="240" y="2012339"/>
+            <a:ext cx="12191760" cy="5496840"/>
+          </a:xfrm>
+          <a:prstGeom prst="rect">
+            <a:avLst/>
+          </a:prstGeom>
+          <a:gradFill rotWithShape="0">
+            <a:gsLst>
+              <a:gs pos="0">
+                <a:srgbClr val="3965B5"/>
+              </a:gs>
+              <a:gs pos="100000">
+                <a:srgbClr val="3965B5"/>
+              </a:gs>
+            </a:gsLst>
+            <a:lin ang="4200000"/>
+          </a:gradFill>
+          <a:ln>
+            <a:noFill/>
+          </a:ln>
+        </p:spPr>
+        <p:style>
+          <a:lnRef idx="2">
+            <a:schemeClr val="accent1">
+              <a:shade val="50000"/>
+            </a:schemeClr>
+          </a:lnRef>
+          <a:fillRef idx="1">
+            <a:schemeClr val="accent1"/>
+          </a:fillRef>
+          <a:effectRef idx="0">
+            <a:schemeClr val="accent1"/>
+          </a:effectRef>
+          <a:fontRef idx="minor"/>
+        </p:style>
+      </p:sp>
+      <p:grpSp>
+        <p:nvGrpSpPr>
+          <p:cNvPr id="198" name="Group 2"/>
+          <p:cNvGrpSpPr/>
+          <p:nvPr/>
+        </p:nvGrpSpPr>
+        <p:grpSpPr>
+          <a:xfrm>
+            <a:off x="0" y="360"/>
+            <a:ext cx="12191760" cy="3048840"/>
+            <a:chOff x="0" y="360"/>
+            <a:chExt cx="12191760" cy="3048840"/>
+          </a:xfrm>
+        </p:grpSpPr>
+        <p:pic>
+          <p:nvPicPr>
+            <p:cNvPr id="199" name="Picture 10"/>
+            <p:cNvPicPr/>
+            <p:nvPr/>
+          </p:nvPicPr>
+          <p:blipFill>
+            <a:blip r:embed="rId3"/>
+            <a:srcRect t="45717" b="9819"/>
+            <a:stretch/>
+          </p:blipFill>
+          <p:spPr>
+            <a:xfrm rot="10800000" flipH="1">
+              <a:off x="0" y="0"/>
+              <a:ext cx="12191760" cy="3048840"/>
+            </a:xfrm>
+            <a:prstGeom prst="rect">
+              <a:avLst/>
+            </a:prstGeom>
+            <a:ln w="0">
+              <a:noFill/>
+            </a:ln>
+          </p:spPr>
+        </p:pic>
+        <p:sp>
+          <p:nvSpPr>
+            <p:cNvPr id="200" name="CustomShape 3"/>
+            <p:cNvSpPr/>
+            <p:nvPr/>
+          </p:nvSpPr>
+          <p:spPr>
+            <a:xfrm flipV="1">
+              <a:off x="2067480" y="1076400"/>
+              <a:ext cx="373320" cy="405000"/>
+            </a:xfrm>
+            <a:prstGeom prst="ellipse">
+              <a:avLst/>
+            </a:prstGeom>
+            <a:solidFill>
+              <a:srgbClr val="FFFFFF"/>
+            </a:solidFill>
+            <a:ln>
+              <a:noFill/>
+            </a:ln>
+          </p:spPr>
+          <p:style>
+            <a:lnRef idx="2">
+              <a:schemeClr val="accent1">
+                <a:shade val="50000"/>
+              </a:schemeClr>
+            </a:lnRef>
+            <a:fillRef idx="1">
+              <a:schemeClr val="accent1"/>
+            </a:fillRef>
+            <a:effectRef idx="0">
+              <a:schemeClr val="accent1"/>
+            </a:effectRef>
+            <a:fontRef idx="minor"/>
+          </p:style>
+        </p:sp>
+      </p:grpSp>
+      <p:sp>
+        <p:nvSpPr>
+          <p:cNvPr id="201" name="TextShape 4"/>
+          <p:cNvSpPr txBox="1"/>
+          <p:nvPr/>
+        </p:nvSpPr>
+        <p:spPr>
+          <a:xfrm>
+            <a:off x="1179360" y="448200"/>
+            <a:ext cx="9833040" cy="1066320"/>
+          </a:xfrm>
+          <a:prstGeom prst="rect">
+            <a:avLst/>
+          </a:prstGeom>
+          <a:noFill/>
+          <a:ln w="0">
+            <a:noFill/>
+          </a:ln>
+        </p:spPr>
+        <p:txBody>
+          <a:bodyPr anchor="ctr">
+            <a:normAutofit fontScale="92500" lnSpcReduction="10000"/>
+          </a:bodyPr>
+          <a:lstStyle/>
+          <a:p>
+            <a:pPr marL="228600" indent="-228240">
+              <a:lnSpc>
+                <a:spcPct val="90000"/>
+              </a:lnSpc>
+              <a:spcBef>
+                <a:spcPts val="1001"/>
+              </a:spcBef>
+              <a:buClr>
+                <a:srgbClr val="FFFFFF"/>
+              </a:buClr>
+              <a:buFont typeface="Arial"/>
+              <a:buChar char="•"/>
+            </a:pPr>
+            <a:r>
+              <a:rPr lang="fr-FR" sz="4000" spc="-1" dirty="0">
+                <a:latin typeface="Calibri"/>
+              </a:rPr>
+              <a:t> VIII. </a:t>
+            </a:r>
+            <a:r>
+              <a:rPr lang="fr-FR" sz="4000" b="0" strike="noStrike" spc="-1" dirty="0">
+                <a:latin typeface="Calibri"/>
+              </a:rPr>
+              <a:t>Présentation de la partie : Application Web Admin</a:t>
+            </a:r>
+          </a:p>
+        </p:txBody>
+      </p:sp>
+      <p:sp>
+        <p:nvSpPr>
+          <p:cNvPr id="202" name="TextShape 5"/>
+          <p:cNvSpPr txBox="1"/>
+          <p:nvPr/>
+        </p:nvSpPr>
+        <p:spPr>
+          <a:xfrm>
+            <a:off x="838080" y="6356520"/>
+            <a:ext cx="2742840" cy="364680"/>
+          </a:xfrm>
+          <a:prstGeom prst="rect">
+            <a:avLst/>
+          </a:prstGeom>
+          <a:noFill/>
+          <a:ln w="0">
+            <a:noFill/>
+          </a:ln>
+        </p:spPr>
+        <p:txBody>
+          <a:bodyPr anchor="ctr">
+            <a:noAutofit/>
+          </a:bodyPr>
+          <a:lstStyle/>
+          <a:p>
+            <a:pPr>
+              <a:lnSpc>
+                <a:spcPct val="100000"/>
+              </a:lnSpc>
+            </a:pPr>
+            <a:r>
+              <a:rPr lang="fr-FR" sz="1200" b="0" strike="noStrike" spc="-1">
+                <a:solidFill>
+                  <a:srgbClr val="FFFFFF"/>
+                </a:solidFill>
+                <a:latin typeface="Calibri"/>
+              </a:rPr>
+              <a:t>LP IOTIA</a:t>
+            </a:r>
+            <a:endParaRPr lang="fr-FR" sz="1200" b="0" strike="noStrike" spc="-1">
+              <a:latin typeface="Times New Roman"/>
+            </a:endParaRPr>
+          </a:p>
+        </p:txBody>
+      </p:sp>
+      <p:sp>
+        <p:nvSpPr>
+          <p:cNvPr id="203" name="TextShape 6"/>
+          <p:cNvSpPr txBox="1"/>
+          <p:nvPr/>
+        </p:nvSpPr>
+        <p:spPr>
+          <a:xfrm>
+            <a:off x="8610480" y="6356520"/>
+            <a:ext cx="2742840" cy="364680"/>
+          </a:xfrm>
+          <a:prstGeom prst="rect">
+            <a:avLst/>
+          </a:prstGeom>
+          <a:noFill/>
+          <a:ln w="0">
+            <a:noFill/>
+          </a:ln>
+        </p:spPr>
+        <p:txBody>
+          <a:bodyPr anchor="ctr">
+            <a:noAutofit/>
+          </a:bodyPr>
+          <a:lstStyle/>
+          <a:p>
+            <a:pPr algn="r">
+              <a:lnSpc>
+                <a:spcPct val="100000"/>
+              </a:lnSpc>
+            </a:pPr>
+            <a:fld id="{541B49BA-3E84-433D-9E74-692EFDA0F3D7}" type="slidenum">
+              <a:rPr lang="fr-FR" sz="1200" b="0" strike="noStrike" spc="-1">
+                <a:solidFill>
+                  <a:srgbClr val="FFFFFF"/>
+                </a:solidFill>
+                <a:latin typeface="Calibri"/>
+              </a:rPr>
+              <a:t>15</a:t>
+            </a:fld>
+            <a:endParaRPr lang="fr-FR" sz="1200" b="0" strike="noStrike" spc="-1">
+              <a:latin typeface="Times New Roman"/>
+            </a:endParaRPr>
+          </a:p>
+        </p:txBody>
+      </p:sp>
+      <p:pic>
+        <p:nvPicPr>
+          <p:cNvPr id="1026" name="Picture 2" descr="Développer des applications .NET Core sur Linux et macOS | SoftFluent">
+            <a:extLst>
+              <a:ext uri="{FF2B5EF4-FFF2-40B4-BE49-F238E27FC236}">
+                <a16:creationId xmlns:a16="http://schemas.microsoft.com/office/drawing/2014/main" id="{AB802CC1-CF1E-4F93-80B5-2B1C63A8E58B}"/>
+              </a:ext>
+            </a:extLst>
+          </p:cNvPr>
+          <p:cNvPicPr>
+            <a:picLocks noChangeAspect="1" noChangeArrowheads="1"/>
+          </p:cNvPicPr>
+          <p:nvPr/>
+        </p:nvPicPr>
+        <p:blipFill>
+          <a:blip r:embed="rId4">
+            <a:extLst>
+              <a:ext uri="{28A0092B-C50C-407E-A947-70E740481C1C}">
+                <a14:useLocalDpi xmlns:a14="http://schemas.microsoft.com/office/drawing/2010/main" val="0"/>
+              </a:ext>
+            </a:extLst>
+          </a:blip>
+          <a:srcRect/>
+          <a:stretch>
+            <a:fillRect/>
+          </a:stretch>
+        </p:blipFill>
+        <p:spPr bwMode="auto">
+          <a:xfrm>
+            <a:off x="4848236" y="2389900"/>
+            <a:ext cx="2027972" cy="1066321"/>
+          </a:xfrm>
+          <a:prstGeom prst="rect">
+            <a:avLst/>
+          </a:prstGeom>
+          <a:noFill/>
+          <a:extLst>
+            <a:ext uri="{909E8E84-426E-40DD-AFC4-6F175D3DCCD1}">
+              <a14:hiddenFill xmlns:a14="http://schemas.microsoft.com/office/drawing/2010/main">
+                <a:solidFill>
+                  <a:srgbClr val="FFFFFF"/>
+                </a:solidFill>
+              </a14:hiddenFill>
+            </a:ext>
+          </a:extLst>
+        </p:spPr>
+      </p:pic>
+      <p:pic>
+        <p:nvPicPr>
+          <p:cNvPr id="10" name="Image 15">
+            <a:extLst>
+              <a:ext uri="{FF2B5EF4-FFF2-40B4-BE49-F238E27FC236}">
+                <a16:creationId xmlns:a16="http://schemas.microsoft.com/office/drawing/2014/main" id="{EA404832-CBA0-4DFB-9DE1-2B0A3DB5568D}"/>
+              </a:ext>
+            </a:extLst>
+          </p:cNvPr>
+          <p:cNvPicPr/>
+          <p:nvPr/>
+        </p:nvPicPr>
+        <p:blipFill>
+          <a:blip r:embed="rId5"/>
+          <a:stretch/>
+        </p:blipFill>
+        <p:spPr>
+          <a:xfrm>
+            <a:off x="6278968" y="3526860"/>
+            <a:ext cx="597240" cy="548883"/>
+          </a:xfrm>
+          <a:prstGeom prst="rect">
+            <a:avLst/>
+          </a:prstGeom>
+          <a:ln w="0">
+            <a:noFill/>
+          </a:ln>
+        </p:spPr>
+      </p:pic>
+      <p:pic>
+        <p:nvPicPr>
+          <p:cNvPr id="3" name="Image 2">
+            <a:extLst>
+              <a:ext uri="{FF2B5EF4-FFF2-40B4-BE49-F238E27FC236}">
+                <a16:creationId xmlns:a16="http://schemas.microsoft.com/office/drawing/2014/main" id="{D3D08115-32B9-4284-BDA5-9827D5FC0A84}"/>
+              </a:ext>
+            </a:extLst>
+          </p:cNvPr>
+          <p:cNvPicPr>
+            <a:picLocks noChangeAspect="1"/>
+          </p:cNvPicPr>
+          <p:nvPr/>
+        </p:nvPicPr>
+        <p:blipFill>
+          <a:blip r:embed="rId6"/>
+          <a:stretch>
+            <a:fillRect/>
+          </a:stretch>
+        </p:blipFill>
+        <p:spPr>
+          <a:xfrm>
+            <a:off x="4848236" y="3518288"/>
+            <a:ext cx="1300777" cy="548883"/>
+          </a:xfrm>
+          <a:prstGeom prst="rect">
+            <a:avLst/>
+          </a:prstGeom>
+        </p:spPr>
+      </p:pic>
+      <p:pic>
+        <p:nvPicPr>
+          <p:cNvPr id="2050" name="Picture 2" descr="API REST - IMCS | Conseil et Services Informatiques">
+            <a:extLst>
+              <a:ext uri="{FF2B5EF4-FFF2-40B4-BE49-F238E27FC236}">
+                <a16:creationId xmlns:a16="http://schemas.microsoft.com/office/drawing/2014/main" id="{643544DF-B3D3-4240-9A88-BCF2AD3B447E}"/>
+              </a:ext>
+            </a:extLst>
+          </p:cNvPr>
+          <p:cNvPicPr>
+            <a:picLocks noChangeAspect="1" noChangeArrowheads="1"/>
+          </p:cNvPicPr>
+          <p:nvPr/>
+        </p:nvPicPr>
+        <p:blipFill>
+          <a:blip r:embed="rId7">
+            <a:extLst>
+              <a:ext uri="{28A0092B-C50C-407E-A947-70E740481C1C}">
+                <a14:useLocalDpi xmlns:a14="http://schemas.microsoft.com/office/drawing/2010/main" val="0"/>
+              </a:ext>
+            </a:extLst>
+          </a:blip>
+          <a:srcRect/>
+          <a:stretch>
+            <a:fillRect/>
+          </a:stretch>
+        </p:blipFill>
+        <p:spPr bwMode="auto">
+          <a:xfrm>
+            <a:off x="9523028" y="4898957"/>
+            <a:ext cx="2347215" cy="1331138"/>
+          </a:xfrm>
+          <a:prstGeom prst="rect">
+            <a:avLst/>
+          </a:prstGeom>
+          <a:noFill/>
+          <a:extLst>
+            <a:ext uri="{909E8E84-426E-40DD-AFC4-6F175D3DCCD1}">
+              <a14:hiddenFill xmlns:a14="http://schemas.microsoft.com/office/drawing/2010/main">
+                <a:solidFill>
+                  <a:srgbClr val="FFFFFF"/>
+                </a:solidFill>
+              </a14:hiddenFill>
+            </a:ext>
+          </a:extLst>
+        </p:spPr>
+      </p:pic>
+      <p:pic>
+        <p:nvPicPr>
+          <p:cNvPr id="13" name="Picture 4" descr="Amazon RDS for MariaDB – Amazon Web Services (AWS)">
+            <a:extLst>
+              <a:ext uri="{FF2B5EF4-FFF2-40B4-BE49-F238E27FC236}">
+                <a16:creationId xmlns:a16="http://schemas.microsoft.com/office/drawing/2014/main" id="{AED3AA78-CBB7-4B0C-A113-FA570A8752C8}"/>
+              </a:ext>
+            </a:extLst>
+          </p:cNvPr>
+          <p:cNvPicPr/>
+          <p:nvPr/>
+        </p:nvPicPr>
+        <p:blipFill>
+          <a:blip r:embed="rId8"/>
+          <a:stretch/>
+        </p:blipFill>
+        <p:spPr>
+          <a:xfrm>
+            <a:off x="4848236" y="5053977"/>
+            <a:ext cx="2027972" cy="1193955"/>
+          </a:xfrm>
+          <a:prstGeom prst="rect">
+            <a:avLst/>
+          </a:prstGeom>
+          <a:ln w="0">
+            <a:noFill/>
+          </a:ln>
+        </p:spPr>
+      </p:pic>
+      <p:sp>
+        <p:nvSpPr>
+          <p:cNvPr id="2" name="Flèche : droite 1">
+            <a:extLst>
+              <a:ext uri="{FF2B5EF4-FFF2-40B4-BE49-F238E27FC236}">
+                <a16:creationId xmlns:a16="http://schemas.microsoft.com/office/drawing/2014/main" id="{2F711135-A9FC-44A4-894A-ACB6AF0F48D6}"/>
+              </a:ext>
+            </a:extLst>
+          </p:cNvPr>
+          <p:cNvSpPr/>
+          <p:nvPr/>
+        </p:nvSpPr>
+        <p:spPr>
+          <a:xfrm>
+            <a:off x="3276751" y="5407654"/>
+            <a:ext cx="1205049" cy="313276"/>
+          </a:xfrm>
+          <a:prstGeom prst="rightArrow">
+            <a:avLst/>
+          </a:prstGeom>
+          <a:solidFill>
+            <a:schemeClr val="bg1"/>
+          </a:solidFill>
+        </p:spPr>
+        <p:style>
+          <a:lnRef idx="2">
+            <a:schemeClr val="accent1">
+              <a:shade val="50000"/>
+            </a:schemeClr>
+          </a:lnRef>
+          <a:fillRef idx="1">
+            <a:schemeClr val="accent1"/>
+          </a:fillRef>
+          <a:effectRef idx="0">
+            <a:schemeClr val="accent1"/>
+          </a:effectRef>
+          <a:fontRef idx="minor">
+            <a:schemeClr val="lt1"/>
+          </a:fontRef>
+        </p:style>
+        <p:txBody>
+          <a:bodyPr rtlCol="0" anchor="ctr"/>
+          <a:lstStyle/>
+          <a:p>
+            <a:pPr algn="ctr"/>
+            <a:endParaRPr lang="fr-FR"/>
+          </a:p>
+        </p:txBody>
+      </p:sp>
+      <p:sp>
+        <p:nvSpPr>
+          <p:cNvPr id="4" name="Rectangle 3">
+            <a:extLst>
+              <a:ext uri="{FF2B5EF4-FFF2-40B4-BE49-F238E27FC236}">
+                <a16:creationId xmlns:a16="http://schemas.microsoft.com/office/drawing/2014/main" id="{A2CD1AF4-1132-48F5-B98A-07C3C4369F9A}"/>
+              </a:ext>
+            </a:extLst>
+          </p:cNvPr>
+          <p:cNvSpPr/>
+          <p:nvPr/>
+        </p:nvSpPr>
+        <p:spPr>
+          <a:xfrm>
+            <a:off x="321757" y="4898957"/>
+            <a:ext cx="2588868" cy="1331138"/>
+          </a:xfrm>
+          <a:prstGeom prst="rect">
+            <a:avLst/>
+          </a:prstGeom>
+          <a:solidFill>
+            <a:schemeClr val="bg1"/>
+          </a:solidFill>
+        </p:spPr>
+        <p:style>
+          <a:lnRef idx="2">
+            <a:schemeClr val="accent1">
+              <a:shade val="50000"/>
+            </a:schemeClr>
+          </a:lnRef>
+          <a:fillRef idx="1">
+            <a:schemeClr val="accent1"/>
+          </a:fillRef>
+          <a:effectRef idx="0">
+            <a:schemeClr val="accent1"/>
+          </a:effectRef>
+          <a:fontRef idx="minor">
+            <a:schemeClr val="lt1"/>
+          </a:fontRef>
+        </p:style>
+        <p:txBody>
+          <a:bodyPr rtlCol="0" anchor="ctr"/>
+          <a:lstStyle/>
+          <a:p>
+            <a:pPr algn="ctr"/>
+            <a:r>
+              <a:rPr lang="fr-FR" dirty="0">
+                <a:solidFill>
+                  <a:schemeClr val="tx1"/>
+                </a:solidFill>
+              </a:rPr>
+              <a:t>Smart-</a:t>
+            </a:r>
+            <a:r>
+              <a:rPr lang="fr-FR" dirty="0" err="1">
+                <a:solidFill>
+                  <a:schemeClr val="tx1"/>
+                </a:solidFill>
+              </a:rPr>
+              <a:t>ECovid</a:t>
+            </a:r>
+            <a:endParaRPr lang="fr-FR" dirty="0">
+              <a:solidFill>
+                <a:schemeClr val="tx1"/>
+              </a:solidFill>
+            </a:endParaRPr>
+          </a:p>
+        </p:txBody>
+      </p:sp>
+      <p:sp>
+        <p:nvSpPr>
+          <p:cNvPr id="17" name="Flèche : droite 16">
+            <a:extLst>
+              <a:ext uri="{FF2B5EF4-FFF2-40B4-BE49-F238E27FC236}">
+                <a16:creationId xmlns:a16="http://schemas.microsoft.com/office/drawing/2014/main" id="{F3AF99B8-87DC-4C5D-928A-F65617CE47E1}"/>
+              </a:ext>
+            </a:extLst>
+          </p:cNvPr>
+          <p:cNvSpPr/>
+          <p:nvPr/>
+        </p:nvSpPr>
+        <p:spPr>
+          <a:xfrm>
+            <a:off x="7597093" y="4998648"/>
+            <a:ext cx="1205049" cy="313276"/>
+          </a:xfrm>
+          <a:prstGeom prst="rightArrow">
+            <a:avLst/>
+          </a:prstGeom>
+          <a:solidFill>
+            <a:schemeClr val="bg1"/>
+          </a:solidFill>
+        </p:spPr>
+        <p:style>
+          <a:lnRef idx="2">
+            <a:schemeClr val="accent1">
+              <a:shade val="50000"/>
+            </a:schemeClr>
+          </a:lnRef>
+          <a:fillRef idx="1">
+            <a:schemeClr val="accent1"/>
+          </a:fillRef>
+          <a:effectRef idx="0">
+            <a:schemeClr val="accent1"/>
+          </a:effectRef>
+          <a:fontRef idx="minor">
+            <a:schemeClr val="lt1"/>
+          </a:fontRef>
+        </p:style>
+        <p:txBody>
+          <a:bodyPr rtlCol="0" anchor="ctr"/>
+          <a:lstStyle/>
+          <a:p>
+            <a:pPr algn="ctr"/>
+            <a:endParaRPr lang="fr-FR"/>
+          </a:p>
+        </p:txBody>
+      </p:sp>
+      <p:sp>
+        <p:nvSpPr>
+          <p:cNvPr id="18" name="Flèche : droite 17">
+            <a:extLst>
+              <a:ext uri="{FF2B5EF4-FFF2-40B4-BE49-F238E27FC236}">
+                <a16:creationId xmlns:a16="http://schemas.microsoft.com/office/drawing/2014/main" id="{49439133-18DB-44BB-94B9-C343DC36DCF0}"/>
+              </a:ext>
+            </a:extLst>
+          </p:cNvPr>
+          <p:cNvSpPr/>
+          <p:nvPr/>
+        </p:nvSpPr>
+        <p:spPr>
+          <a:xfrm rot="10800000">
+            <a:off x="7597093" y="5934656"/>
+            <a:ext cx="1205049" cy="313276"/>
+          </a:xfrm>
+          <a:prstGeom prst="rightArrow">
+            <a:avLst/>
+          </a:prstGeom>
+          <a:solidFill>
+            <a:schemeClr val="bg1"/>
+          </a:solidFill>
+        </p:spPr>
+        <p:style>
+          <a:lnRef idx="2">
+            <a:schemeClr val="accent1">
+              <a:shade val="50000"/>
+            </a:schemeClr>
+          </a:lnRef>
+          <a:fillRef idx="1">
+            <a:schemeClr val="accent1"/>
+          </a:fillRef>
+          <a:effectRef idx="0">
+            <a:schemeClr val="accent1"/>
+          </a:effectRef>
+          <a:fontRef idx="minor">
+            <a:schemeClr val="lt1"/>
+          </a:fontRef>
+        </p:style>
+        <p:txBody>
+          <a:bodyPr rtlCol="0" anchor="ctr"/>
+          <a:lstStyle/>
+          <a:p>
+            <a:pPr algn="ctr"/>
+            <a:endParaRPr lang="fr-FR"/>
+          </a:p>
+        </p:txBody>
+      </p:sp>
+      <p:sp>
+        <p:nvSpPr>
+          <p:cNvPr id="21" name="Flèche : droite 20">
+            <a:extLst>
+              <a:ext uri="{FF2B5EF4-FFF2-40B4-BE49-F238E27FC236}">
+                <a16:creationId xmlns:a16="http://schemas.microsoft.com/office/drawing/2014/main" id="{582B44A6-A34A-4464-81DB-D7A397330DEA}"/>
+              </a:ext>
+            </a:extLst>
+          </p:cNvPr>
+          <p:cNvSpPr/>
+          <p:nvPr/>
+        </p:nvSpPr>
+        <p:spPr>
+          <a:xfrm>
+            <a:off x="7597092" y="2735778"/>
+            <a:ext cx="1205049" cy="313276"/>
+          </a:xfrm>
+          <a:prstGeom prst="rightArrow">
+            <a:avLst/>
+          </a:prstGeom>
+          <a:solidFill>
+            <a:schemeClr val="bg1"/>
+          </a:solidFill>
+        </p:spPr>
+        <p:style>
+          <a:lnRef idx="2">
+            <a:schemeClr val="accent1">
+              <a:shade val="50000"/>
+            </a:schemeClr>
+          </a:lnRef>
+          <a:fillRef idx="1">
+            <a:schemeClr val="accent1"/>
+          </a:fillRef>
+          <a:effectRef idx="0">
+            <a:schemeClr val="accent1"/>
+          </a:effectRef>
+          <a:fontRef idx="minor">
+            <a:schemeClr val="lt1"/>
+          </a:fontRef>
+        </p:style>
+        <p:txBody>
+          <a:bodyPr rtlCol="0" anchor="ctr"/>
+          <a:lstStyle/>
+          <a:p>
+            <a:pPr algn="ctr"/>
+            <a:endParaRPr lang="fr-FR"/>
+          </a:p>
+        </p:txBody>
+      </p:sp>
+      <p:sp>
+        <p:nvSpPr>
+          <p:cNvPr id="22" name="Flèche : droite 21">
+            <a:extLst>
+              <a:ext uri="{FF2B5EF4-FFF2-40B4-BE49-F238E27FC236}">
+                <a16:creationId xmlns:a16="http://schemas.microsoft.com/office/drawing/2014/main" id="{A04AECB2-F03F-464E-81D3-60A48192C347}"/>
+              </a:ext>
+            </a:extLst>
+          </p:cNvPr>
+          <p:cNvSpPr/>
+          <p:nvPr/>
+        </p:nvSpPr>
+        <p:spPr>
+          <a:xfrm rot="16200000">
+            <a:off x="10251325" y="4200300"/>
+            <a:ext cx="890620" cy="353177"/>
+          </a:xfrm>
+          <a:prstGeom prst="rightArrow">
+            <a:avLst/>
+          </a:prstGeom>
+          <a:solidFill>
+            <a:schemeClr val="bg1"/>
+          </a:solidFill>
+        </p:spPr>
+        <p:style>
+          <a:lnRef idx="2">
+            <a:schemeClr val="accent1">
+              <a:shade val="50000"/>
+            </a:schemeClr>
+          </a:lnRef>
+          <a:fillRef idx="1">
+            <a:schemeClr val="accent1"/>
+          </a:fillRef>
+          <a:effectRef idx="0">
+            <a:schemeClr val="accent1"/>
+          </a:effectRef>
+          <a:fontRef idx="minor">
+            <a:schemeClr val="lt1"/>
+          </a:fontRef>
+        </p:style>
+        <p:txBody>
+          <a:bodyPr rtlCol="0" anchor="ctr"/>
+          <a:lstStyle/>
+          <a:p>
+            <a:pPr algn="ctr"/>
+            <a:endParaRPr lang="fr-FR"/>
+          </a:p>
+        </p:txBody>
+      </p:sp>
+      <p:pic>
+        <p:nvPicPr>
+          <p:cNvPr id="3074" name="Picture 2" descr="4. Programming Read/Write Services - RESTful .NET [Book]">
+            <a:extLst>
+              <a:ext uri="{FF2B5EF4-FFF2-40B4-BE49-F238E27FC236}">
+                <a16:creationId xmlns:a16="http://schemas.microsoft.com/office/drawing/2014/main" id="{E0B61632-72F3-4298-A16E-189AAE75CD0D}"/>
+              </a:ext>
+            </a:extLst>
+          </p:cNvPr>
+          <p:cNvPicPr>
+            <a:picLocks noChangeAspect="1" noChangeArrowheads="1"/>
+          </p:cNvPicPr>
+          <p:nvPr/>
+        </p:nvPicPr>
+        <p:blipFill rotWithShape="1">
+          <a:blip r:embed="rId9">
+            <a:extLst>
+              <a:ext uri="{28A0092B-C50C-407E-A947-70E740481C1C}">
+                <a14:useLocalDpi xmlns:a14="http://schemas.microsoft.com/office/drawing/2010/main" val="0"/>
+              </a:ext>
+            </a:extLst>
+          </a:blip>
+          <a:srcRect t="-1" r="69271" b="-1464"/>
+          <a:stretch/>
+        </p:blipFill>
+        <p:spPr bwMode="auto">
+          <a:xfrm>
+            <a:off x="10306176" y="2281989"/>
+            <a:ext cx="753776" cy="1565419"/>
+          </a:xfrm>
+          <a:prstGeom prst="rect">
+            <a:avLst/>
+          </a:prstGeom>
+          <a:noFill/>
+          <a:extLst>
+            <a:ext uri="{909E8E84-426E-40DD-AFC4-6F175D3DCCD1}">
+              <a14:hiddenFill xmlns:a14="http://schemas.microsoft.com/office/drawing/2010/main">
+                <a:solidFill>
+                  <a:srgbClr val="FFFFFF"/>
+                </a:solidFill>
+              </a14:hiddenFill>
+            </a:ext>
+          </a:extLst>
+        </p:spPr>
+      </p:pic>
+      <p:pic>
+        <p:nvPicPr>
+          <p:cNvPr id="7" name="Image 6">
+            <a:extLst>
+              <a:ext uri="{FF2B5EF4-FFF2-40B4-BE49-F238E27FC236}">
+                <a16:creationId xmlns:a16="http://schemas.microsoft.com/office/drawing/2014/main" id="{00BC4756-A5BC-46E9-8BD0-87A162C35C75}"/>
+              </a:ext>
+            </a:extLst>
+          </p:cNvPr>
+          <p:cNvPicPr>
+            <a:picLocks noChangeAspect="1"/>
+          </p:cNvPicPr>
+          <p:nvPr/>
+        </p:nvPicPr>
+        <p:blipFill>
+          <a:blip r:embed="rId10"/>
+          <a:stretch>
+            <a:fillRect/>
+          </a:stretch>
+        </p:blipFill>
+        <p:spPr>
+          <a:xfrm>
+            <a:off x="328044" y="2499206"/>
+            <a:ext cx="1066321" cy="1066321"/>
+          </a:xfrm>
+          <a:prstGeom prst="rect">
+            <a:avLst/>
+          </a:prstGeom>
+        </p:spPr>
+      </p:pic>
+      <p:pic>
+        <p:nvPicPr>
+          <p:cNvPr id="9" name="Image 8">
+            <a:extLst>
+              <a:ext uri="{FF2B5EF4-FFF2-40B4-BE49-F238E27FC236}">
+                <a16:creationId xmlns:a16="http://schemas.microsoft.com/office/drawing/2014/main" id="{75608D4D-9ED1-455B-82EA-B8A57E17305C}"/>
+              </a:ext>
+            </a:extLst>
+          </p:cNvPr>
+          <p:cNvPicPr>
+            <a:picLocks noChangeAspect="1"/>
+          </p:cNvPicPr>
+          <p:nvPr/>
+        </p:nvPicPr>
+        <p:blipFill>
+          <a:blip r:embed="rId11"/>
+          <a:stretch>
+            <a:fillRect/>
+          </a:stretch>
+        </p:blipFill>
+        <p:spPr>
+          <a:xfrm>
+            <a:off x="1811666" y="2466875"/>
+            <a:ext cx="1098652" cy="1098652"/>
+          </a:xfrm>
+          <a:prstGeom prst="rect">
+            <a:avLst/>
+          </a:prstGeom>
+        </p:spPr>
+      </p:pic>
+      <p:sp>
+        <p:nvSpPr>
+          <p:cNvPr id="27" name="Flèche : droite 26">
+            <a:extLst>
+              <a:ext uri="{FF2B5EF4-FFF2-40B4-BE49-F238E27FC236}">
+                <a16:creationId xmlns:a16="http://schemas.microsoft.com/office/drawing/2014/main" id="{247DA0F6-4C1D-4460-A023-284A6DEB1A23}"/>
+              </a:ext>
+            </a:extLst>
+          </p:cNvPr>
+          <p:cNvSpPr/>
+          <p:nvPr/>
+        </p:nvSpPr>
+        <p:spPr>
+          <a:xfrm>
+            <a:off x="3299409" y="2376710"/>
+            <a:ext cx="1205049" cy="313276"/>
+          </a:xfrm>
+          <a:prstGeom prst="rightArrow">
+            <a:avLst/>
+          </a:prstGeom>
+          <a:solidFill>
+            <a:schemeClr val="bg1"/>
+          </a:solidFill>
+        </p:spPr>
+        <p:style>
+          <a:lnRef idx="2">
+            <a:schemeClr val="accent1">
+              <a:shade val="50000"/>
+            </a:schemeClr>
+          </a:lnRef>
+          <a:fillRef idx="1">
+            <a:schemeClr val="accent1"/>
+          </a:fillRef>
+          <a:effectRef idx="0">
+            <a:schemeClr val="accent1"/>
+          </a:effectRef>
+          <a:fontRef idx="minor">
+            <a:schemeClr val="lt1"/>
+          </a:fontRef>
+        </p:style>
+        <p:txBody>
+          <a:bodyPr rtlCol="0" anchor="ctr"/>
+          <a:lstStyle/>
+          <a:p>
+            <a:pPr algn="ctr"/>
+            <a:endParaRPr lang="fr-FR"/>
+          </a:p>
+        </p:txBody>
+      </p:sp>
+      <p:sp>
+        <p:nvSpPr>
+          <p:cNvPr id="28" name="Flèche : droite 27">
+            <a:extLst>
+              <a:ext uri="{FF2B5EF4-FFF2-40B4-BE49-F238E27FC236}">
+                <a16:creationId xmlns:a16="http://schemas.microsoft.com/office/drawing/2014/main" id="{F5CD268D-1F2C-46E3-93EA-717E65C94F10}"/>
+              </a:ext>
+            </a:extLst>
+          </p:cNvPr>
+          <p:cNvSpPr/>
+          <p:nvPr/>
+        </p:nvSpPr>
+        <p:spPr>
+          <a:xfrm rot="10800000">
+            <a:off x="3276752" y="3325575"/>
+            <a:ext cx="1205049" cy="313276"/>
+          </a:xfrm>
+          <a:prstGeom prst="rightArrow">
+            <a:avLst/>
+          </a:prstGeom>
+          <a:solidFill>
+            <a:schemeClr val="bg1"/>
+          </a:solidFill>
+        </p:spPr>
+        <p:style>
+          <a:lnRef idx="2">
+            <a:schemeClr val="accent1">
+              <a:shade val="50000"/>
+            </a:schemeClr>
+          </a:lnRef>
+          <a:fillRef idx="1">
+            <a:schemeClr val="accent1"/>
+          </a:fillRef>
+          <a:effectRef idx="0">
+            <a:schemeClr val="accent1"/>
+          </a:effectRef>
+          <a:fontRef idx="minor">
+            <a:schemeClr val="lt1"/>
+          </a:fontRef>
+        </p:style>
+        <p:txBody>
+          <a:bodyPr rtlCol="0" anchor="ctr"/>
+          <a:lstStyle/>
+          <a:p>
+            <a:pPr algn="ctr"/>
+            <a:endParaRPr lang="fr-FR"/>
+          </a:p>
+        </p:txBody>
+      </p:sp>
+      <p:pic>
+        <p:nvPicPr>
+          <p:cNvPr id="4098" name="Picture 2" descr="Understanding the tymon/jwt-auth refresh token mechanism. When &amp; why  JWT_TTL, JWT_REFRESH_TTL. | by Syed Sirajul Islam Anik | Medium">
+            <a:extLst>
+              <a:ext uri="{FF2B5EF4-FFF2-40B4-BE49-F238E27FC236}">
+                <a16:creationId xmlns:a16="http://schemas.microsoft.com/office/drawing/2014/main" id="{25CBE03D-0D46-432A-8255-C5A9E5184750}"/>
+              </a:ext>
+            </a:extLst>
+          </p:cNvPr>
+          <p:cNvPicPr>
+            <a:picLocks noChangeAspect="1" noChangeArrowheads="1"/>
+          </p:cNvPicPr>
+          <p:nvPr/>
+        </p:nvPicPr>
+        <p:blipFill rotWithShape="1">
+          <a:blip r:embed="rId12">
+            <a:extLst>
+              <a:ext uri="{28A0092B-C50C-407E-A947-70E740481C1C}">
+                <a14:useLocalDpi xmlns:a14="http://schemas.microsoft.com/office/drawing/2010/main" val="0"/>
+              </a:ext>
+            </a:extLst>
+          </a:blip>
+          <a:srcRect l="31752" r="34940" b="-1049"/>
+          <a:stretch/>
+        </p:blipFill>
+        <p:spPr bwMode="auto">
+          <a:xfrm>
+            <a:off x="3554082" y="2689986"/>
+            <a:ext cx="650389" cy="591931"/>
+          </a:xfrm>
+          <a:prstGeom prst="rect">
+            <a:avLst/>
+          </a:prstGeom>
+          <a:noFill/>
+          <a:extLst>
+            <a:ext uri="{909E8E84-426E-40DD-AFC4-6F175D3DCCD1}">
+              <a14:hiddenFill xmlns:a14="http://schemas.microsoft.com/office/drawing/2010/main">
+                <a:solidFill>
+                  <a:srgbClr val="FFFFFF"/>
+                </a:solidFill>
+              </a14:hiddenFill>
+            </a:ext>
+          </a:extLst>
+        </p:spPr>
+      </p:pic>
+      <p:pic>
+        <p:nvPicPr>
+          <p:cNvPr id="29" name="Picture 2" descr="Understanding the tymon/jwt-auth refresh token mechanism. When &amp; why  JWT_TTL, JWT_REFRESH_TTL. | by Syed Sirajul Islam Anik | Medium">
+            <a:extLst>
+              <a:ext uri="{FF2B5EF4-FFF2-40B4-BE49-F238E27FC236}">
+                <a16:creationId xmlns:a16="http://schemas.microsoft.com/office/drawing/2014/main" id="{FCF9E21A-C63C-49A4-ADEF-2BCDFBAD19D2}"/>
+              </a:ext>
+            </a:extLst>
+          </p:cNvPr>
+          <p:cNvPicPr>
+            <a:picLocks noChangeAspect="1" noChangeArrowheads="1"/>
+          </p:cNvPicPr>
+          <p:nvPr/>
+        </p:nvPicPr>
+        <p:blipFill rotWithShape="1">
+          <a:blip r:embed="rId12">
+            <a:extLst>
+              <a:ext uri="{28A0092B-C50C-407E-A947-70E740481C1C}">
+                <a14:useLocalDpi xmlns:a14="http://schemas.microsoft.com/office/drawing/2010/main" val="0"/>
+              </a:ext>
+            </a:extLst>
+          </a:blip>
+          <a:srcRect l="31752" r="34940" b="-1049"/>
+          <a:stretch/>
+        </p:blipFill>
+        <p:spPr bwMode="auto">
+          <a:xfrm>
+            <a:off x="9228964" y="2583335"/>
+            <a:ext cx="650389" cy="591931"/>
+          </a:xfrm>
+          <a:prstGeom prst="rect">
+            <a:avLst/>
+          </a:prstGeom>
+          <a:noFill/>
+          <a:extLst>
+            <a:ext uri="{909E8E84-426E-40DD-AFC4-6F175D3DCCD1}">
+              <a14:hiddenFill xmlns:a14="http://schemas.microsoft.com/office/drawing/2010/main">
+                <a:solidFill>
+                  <a:srgbClr val="FFFFFF"/>
+                </a:solidFill>
+              </a14:hiddenFill>
+            </a:ext>
+          </a:extLst>
+        </p:spPr>
+      </p:pic>
+    </p:spTree>
+    <p:extLst>
+      <p:ext uri="{BB962C8B-B14F-4D97-AF65-F5344CB8AC3E}">
+        <p14:creationId xmlns:p14="http://schemas.microsoft.com/office/powerpoint/2010/main" val="3942794599"/>
+      </p:ext>
+    </p:extLst>
+  </p:cSld>
+  <p:clrMapOvr>
+    <a:masterClrMapping/>
+  </p:clrMapOvr>
+</p:sld>
+</file>
+
+<file path=ppt/slides/slide16.xml><?xml version="1.0" encoding="utf-8"?>
+<p:sld xmlns:a="http://schemas.openxmlformats.org/drawingml/2006/main" xmlns:r="http://schemas.openxmlformats.org/officeDocument/2006/relationships" xmlns:p="http://schemas.openxmlformats.org/presentationml/2006/main">
+  <p:cSld>
+    <p:bg>
+      <p:bgPr>
+        <a:solidFill>
+          <a:srgbClr val="000000"/>
+        </a:solidFill>
+        <a:effectLst/>
+      </p:bgPr>
+    </p:bg>
+    <p:spTree>
+      <p:nvGrpSpPr>
+        <p:cNvPr id="1" name=""/>
+        <p:cNvGrpSpPr/>
+        <p:nvPr/>
+      </p:nvGrpSpPr>
+      <p:grpSpPr>
+        <a:xfrm>
+          <a:off x="0" y="0"/>
+          <a:ext cx="0" cy="0"/>
+          <a:chOff x="0" y="0"/>
+          <a:chExt cx="0" cy="0"/>
+        </a:xfrm>
+      </p:grpSpPr>
+      <p:sp>
+        <p:nvSpPr>
+          <p:cNvPr id="197" name="CustomShape 1"/>
+          <p:cNvSpPr/>
+          <p:nvPr/>
+        </p:nvSpPr>
+        <p:spPr>
+          <a:xfrm>
+            <a:off x="240" y="2012339"/>
+            <a:ext cx="12191760" cy="5496840"/>
+          </a:xfrm>
+          <a:prstGeom prst="rect">
+            <a:avLst/>
+          </a:prstGeom>
+          <a:gradFill rotWithShape="0">
+            <a:gsLst>
+              <a:gs pos="0">
+                <a:srgbClr val="3965B5"/>
+              </a:gs>
+              <a:gs pos="100000">
+                <a:srgbClr val="3965B5"/>
+              </a:gs>
+            </a:gsLst>
+            <a:lin ang="4200000"/>
+          </a:gradFill>
+          <a:ln>
+            <a:noFill/>
+          </a:ln>
+        </p:spPr>
+        <p:style>
+          <a:lnRef idx="2">
+            <a:schemeClr val="accent1">
+              <a:shade val="50000"/>
+            </a:schemeClr>
+          </a:lnRef>
+          <a:fillRef idx="1">
+            <a:schemeClr val="accent1"/>
+          </a:fillRef>
+          <a:effectRef idx="0">
+            <a:schemeClr val="accent1"/>
+          </a:effectRef>
+          <a:fontRef idx="minor"/>
+        </p:style>
+      </p:sp>
+      <p:grpSp>
+        <p:nvGrpSpPr>
+          <p:cNvPr id="198" name="Group 2"/>
+          <p:cNvGrpSpPr/>
+          <p:nvPr/>
+        </p:nvGrpSpPr>
+        <p:grpSpPr>
+          <a:xfrm>
+            <a:off x="0" y="360"/>
+            <a:ext cx="12191760" cy="3048840"/>
+            <a:chOff x="0" y="360"/>
+            <a:chExt cx="12191760" cy="3048840"/>
+          </a:xfrm>
+        </p:grpSpPr>
+        <p:pic>
+          <p:nvPicPr>
+            <p:cNvPr id="199" name="Picture 10"/>
+            <p:cNvPicPr/>
+            <p:nvPr/>
+          </p:nvPicPr>
+          <p:blipFill>
+            <a:blip r:embed="rId3"/>
+            <a:srcRect t="45717" b="9819"/>
+            <a:stretch/>
+          </p:blipFill>
+          <p:spPr>
+            <a:xfrm rot="10800000" flipH="1">
+              <a:off x="0" y="0"/>
+              <a:ext cx="12191760" cy="3048840"/>
+            </a:xfrm>
+            <a:prstGeom prst="rect">
+              <a:avLst/>
+            </a:prstGeom>
+            <a:ln w="0">
+              <a:noFill/>
+            </a:ln>
+          </p:spPr>
+        </p:pic>
+        <p:sp>
+          <p:nvSpPr>
+            <p:cNvPr id="200" name="CustomShape 3"/>
+            <p:cNvSpPr/>
+            <p:nvPr/>
+          </p:nvSpPr>
+          <p:spPr>
+            <a:xfrm flipV="1">
+              <a:off x="2067480" y="1076400"/>
+              <a:ext cx="373320" cy="405000"/>
+            </a:xfrm>
+            <a:prstGeom prst="ellipse">
+              <a:avLst/>
+            </a:prstGeom>
+            <a:solidFill>
+              <a:srgbClr val="FFFFFF"/>
+            </a:solidFill>
+            <a:ln>
+              <a:noFill/>
+            </a:ln>
+          </p:spPr>
+          <p:style>
+            <a:lnRef idx="2">
+              <a:schemeClr val="accent1">
+                <a:shade val="50000"/>
+              </a:schemeClr>
+            </a:lnRef>
+            <a:fillRef idx="1">
+              <a:schemeClr val="accent1"/>
+            </a:fillRef>
+            <a:effectRef idx="0">
+              <a:schemeClr val="accent1"/>
+            </a:effectRef>
+            <a:fontRef idx="minor"/>
+          </p:style>
+        </p:sp>
+      </p:grpSp>
+      <p:sp>
+        <p:nvSpPr>
+          <p:cNvPr id="201" name="TextShape 4"/>
+          <p:cNvSpPr txBox="1"/>
+          <p:nvPr/>
+        </p:nvSpPr>
+        <p:spPr>
+          <a:xfrm>
+            <a:off x="1179360" y="448200"/>
+            <a:ext cx="9833040" cy="1066320"/>
+          </a:xfrm>
+          <a:prstGeom prst="rect">
+            <a:avLst/>
+          </a:prstGeom>
+          <a:noFill/>
+          <a:ln w="0">
+            <a:noFill/>
+          </a:ln>
+        </p:spPr>
+        <p:txBody>
+          <a:bodyPr anchor="ctr">
+            <a:normAutofit fontScale="92500" lnSpcReduction="10000"/>
+          </a:bodyPr>
+          <a:lstStyle/>
+          <a:p>
+            <a:pPr marL="228600" indent="-228240">
+              <a:lnSpc>
+                <a:spcPct val="90000"/>
+              </a:lnSpc>
+              <a:spcBef>
+                <a:spcPts val="1001"/>
+              </a:spcBef>
+              <a:buClr>
+                <a:srgbClr val="FFFFFF"/>
+              </a:buClr>
+              <a:buFont typeface="Arial"/>
+              <a:buChar char="•"/>
+            </a:pPr>
+            <a:r>
+              <a:rPr lang="fr-FR" sz="4000" spc="-1" dirty="0">
+                <a:latin typeface="Calibri"/>
+              </a:rPr>
+              <a:t> VIII. </a:t>
+            </a:r>
+            <a:r>
+              <a:rPr lang="fr-FR" sz="4000" b="0" strike="noStrike" spc="-1" dirty="0">
+                <a:latin typeface="Calibri"/>
+              </a:rPr>
+              <a:t>Présentation de la partie : Application Web Admin</a:t>
+            </a:r>
+          </a:p>
+        </p:txBody>
+      </p:sp>
+      <p:sp>
+        <p:nvSpPr>
+          <p:cNvPr id="202" name="TextShape 5"/>
+          <p:cNvSpPr txBox="1"/>
+          <p:nvPr/>
+        </p:nvSpPr>
+        <p:spPr>
+          <a:xfrm>
+            <a:off x="838080" y="6356520"/>
+            <a:ext cx="2742840" cy="364680"/>
+          </a:xfrm>
+          <a:prstGeom prst="rect">
+            <a:avLst/>
+          </a:prstGeom>
+          <a:noFill/>
+          <a:ln w="0">
+            <a:noFill/>
+          </a:ln>
+        </p:spPr>
+        <p:txBody>
+          <a:bodyPr anchor="ctr">
+            <a:noAutofit/>
+          </a:bodyPr>
+          <a:lstStyle/>
+          <a:p>
+            <a:pPr>
+              <a:lnSpc>
+                <a:spcPct val="100000"/>
+              </a:lnSpc>
+            </a:pPr>
+            <a:r>
+              <a:rPr lang="fr-FR" sz="1200" b="0" strike="noStrike" spc="-1">
+                <a:solidFill>
+                  <a:srgbClr val="FFFFFF"/>
+                </a:solidFill>
+                <a:latin typeface="Calibri"/>
+              </a:rPr>
+              <a:t>LP IOTIA</a:t>
+            </a:r>
+            <a:endParaRPr lang="fr-FR" sz="1200" b="0" strike="noStrike" spc="-1">
+              <a:latin typeface="Times New Roman"/>
+            </a:endParaRPr>
+          </a:p>
+        </p:txBody>
+      </p:sp>
+      <p:sp>
+        <p:nvSpPr>
+          <p:cNvPr id="203" name="TextShape 6"/>
+          <p:cNvSpPr txBox="1"/>
+          <p:nvPr/>
+        </p:nvSpPr>
+        <p:spPr>
+          <a:xfrm>
+            <a:off x="8610480" y="6356520"/>
+            <a:ext cx="2742840" cy="364680"/>
+          </a:xfrm>
+          <a:prstGeom prst="rect">
+            <a:avLst/>
+          </a:prstGeom>
+          <a:noFill/>
+          <a:ln w="0">
+            <a:noFill/>
+          </a:ln>
+        </p:spPr>
+        <p:txBody>
+          <a:bodyPr anchor="ctr">
+            <a:noAutofit/>
+          </a:bodyPr>
+          <a:lstStyle/>
+          <a:p>
+            <a:pPr algn="r">
+              <a:lnSpc>
+                <a:spcPct val="100000"/>
+              </a:lnSpc>
+            </a:pPr>
+            <a:fld id="{541B49BA-3E84-433D-9E74-692EFDA0F3D7}" type="slidenum">
+              <a:rPr lang="fr-FR" sz="1200" b="0" strike="noStrike" spc="-1">
+                <a:solidFill>
+                  <a:srgbClr val="FFFFFF"/>
+                </a:solidFill>
+                <a:latin typeface="Calibri"/>
+              </a:rPr>
+              <a:t>16</a:t>
+            </a:fld>
+            <a:endParaRPr lang="fr-FR" sz="1200" b="0" strike="noStrike" spc="-1">
+              <a:latin typeface="Times New Roman"/>
+            </a:endParaRPr>
+          </a:p>
+        </p:txBody>
+      </p:sp>
+      <p:pic>
+        <p:nvPicPr>
+          <p:cNvPr id="1026" name="Picture 2" descr="Développer des applications .NET Core sur Linux et macOS | SoftFluent">
+            <a:extLst>
+              <a:ext uri="{FF2B5EF4-FFF2-40B4-BE49-F238E27FC236}">
+                <a16:creationId xmlns:a16="http://schemas.microsoft.com/office/drawing/2014/main" id="{AB802CC1-CF1E-4F93-80B5-2B1C63A8E58B}"/>
+              </a:ext>
+            </a:extLst>
+          </p:cNvPr>
+          <p:cNvPicPr>
+            <a:picLocks noChangeAspect="1" noChangeArrowheads="1"/>
+          </p:cNvPicPr>
+          <p:nvPr/>
+        </p:nvPicPr>
+        <p:blipFill>
+          <a:blip r:embed="rId4">
+            <a:extLst>
+              <a:ext uri="{28A0092B-C50C-407E-A947-70E740481C1C}">
+                <a14:useLocalDpi xmlns:a14="http://schemas.microsoft.com/office/drawing/2010/main" val="0"/>
+              </a:ext>
+            </a:extLst>
+          </a:blip>
+          <a:srcRect/>
+          <a:stretch>
+            <a:fillRect/>
+          </a:stretch>
+        </p:blipFill>
+        <p:spPr bwMode="auto">
+          <a:xfrm>
+            <a:off x="4786242" y="2302672"/>
+            <a:ext cx="2027972" cy="1066321"/>
+          </a:xfrm>
+          <a:prstGeom prst="rect">
+            <a:avLst/>
+          </a:prstGeom>
+          <a:noFill/>
+          <a:extLst>
+            <a:ext uri="{909E8E84-426E-40DD-AFC4-6F175D3DCCD1}">
+              <a14:hiddenFill xmlns:a14="http://schemas.microsoft.com/office/drawing/2010/main">
+                <a:solidFill>
+                  <a:srgbClr val="FFFFFF"/>
+                </a:solidFill>
+              </a14:hiddenFill>
+            </a:ext>
+          </a:extLst>
+        </p:spPr>
+      </p:pic>
+      <p:pic>
+        <p:nvPicPr>
+          <p:cNvPr id="10" name="Image 15">
+            <a:extLst>
+              <a:ext uri="{FF2B5EF4-FFF2-40B4-BE49-F238E27FC236}">
+                <a16:creationId xmlns:a16="http://schemas.microsoft.com/office/drawing/2014/main" id="{EA404832-CBA0-4DFB-9DE1-2B0A3DB5568D}"/>
+              </a:ext>
+            </a:extLst>
+          </p:cNvPr>
+          <p:cNvPicPr/>
+          <p:nvPr/>
+        </p:nvPicPr>
+        <p:blipFill>
+          <a:blip r:embed="rId5"/>
+          <a:stretch/>
+        </p:blipFill>
+        <p:spPr>
+          <a:xfrm>
+            <a:off x="6216974" y="3439632"/>
+            <a:ext cx="597240" cy="548883"/>
+          </a:xfrm>
+          <a:prstGeom prst="rect">
+            <a:avLst/>
+          </a:prstGeom>
+          <a:ln w="0">
+            <a:noFill/>
+          </a:ln>
+        </p:spPr>
+      </p:pic>
+      <p:pic>
+        <p:nvPicPr>
+          <p:cNvPr id="3" name="Image 2">
+            <a:extLst>
+              <a:ext uri="{FF2B5EF4-FFF2-40B4-BE49-F238E27FC236}">
+                <a16:creationId xmlns:a16="http://schemas.microsoft.com/office/drawing/2014/main" id="{D3D08115-32B9-4284-BDA5-9827D5FC0A84}"/>
+              </a:ext>
+            </a:extLst>
+          </p:cNvPr>
+          <p:cNvPicPr>
+            <a:picLocks noChangeAspect="1"/>
+          </p:cNvPicPr>
+          <p:nvPr/>
+        </p:nvPicPr>
+        <p:blipFill>
+          <a:blip r:embed="rId6"/>
+          <a:stretch>
+            <a:fillRect/>
+          </a:stretch>
+        </p:blipFill>
+        <p:spPr>
+          <a:xfrm>
+            <a:off x="4786242" y="3431060"/>
+            <a:ext cx="1300777" cy="548883"/>
+          </a:xfrm>
+          <a:prstGeom prst="rect">
+            <a:avLst/>
+          </a:prstGeom>
+        </p:spPr>
+      </p:pic>
+      <p:pic>
+        <p:nvPicPr>
+          <p:cNvPr id="6" name="Image 5">
+            <a:extLst>
+              <a:ext uri="{FF2B5EF4-FFF2-40B4-BE49-F238E27FC236}">
+                <a16:creationId xmlns:a16="http://schemas.microsoft.com/office/drawing/2014/main" id="{CCDE56E9-27CC-48BB-8FB6-453F42EA351D}"/>
+              </a:ext>
+            </a:extLst>
+          </p:cNvPr>
+          <p:cNvPicPr>
+            <a:picLocks noChangeAspect="1"/>
+          </p:cNvPicPr>
+          <p:nvPr/>
+        </p:nvPicPr>
+        <p:blipFill>
+          <a:blip r:embed="rId7"/>
+          <a:stretch>
+            <a:fillRect/>
+          </a:stretch>
+        </p:blipFill>
+        <p:spPr>
+          <a:xfrm>
+            <a:off x="13472" y="3988515"/>
+            <a:ext cx="4772769" cy="2421285"/>
+          </a:xfrm>
+          <a:prstGeom prst="rect">
+            <a:avLst/>
+          </a:prstGeom>
+        </p:spPr>
+      </p:pic>
+      <p:pic>
+        <p:nvPicPr>
+          <p:cNvPr id="23" name="Image 22">
+            <a:extLst>
+              <a:ext uri="{FF2B5EF4-FFF2-40B4-BE49-F238E27FC236}">
+                <a16:creationId xmlns:a16="http://schemas.microsoft.com/office/drawing/2014/main" id="{3BA4610F-5F68-4569-8298-F5CEDD1FD888}"/>
+              </a:ext>
+            </a:extLst>
+          </p:cNvPr>
+          <p:cNvPicPr>
+            <a:picLocks noChangeAspect="1"/>
+          </p:cNvPicPr>
+          <p:nvPr/>
+        </p:nvPicPr>
+        <p:blipFill>
+          <a:blip r:embed="rId8"/>
+          <a:stretch>
+            <a:fillRect/>
+          </a:stretch>
+        </p:blipFill>
+        <p:spPr>
+          <a:xfrm>
+            <a:off x="6814214" y="3988515"/>
+            <a:ext cx="5393221" cy="2428856"/>
+          </a:xfrm>
+          <a:prstGeom prst="rect">
+            <a:avLst/>
+          </a:prstGeom>
+        </p:spPr>
+      </p:pic>
+    </p:spTree>
+    <p:extLst>
+      <p:ext uri="{BB962C8B-B14F-4D97-AF65-F5344CB8AC3E}">
+        <p14:creationId xmlns:p14="http://schemas.microsoft.com/office/powerpoint/2010/main" val="945393324"/>
+      </p:ext>
+    </p:extLst>
+  </p:cSld>
+  <p:clrMapOvr>
+    <a:masterClrMapping/>
+  </p:clrMapOvr>
+</p:sld>
+</file>
+
+<file path=ppt/slides/slide17.xml><?xml version="1.0" encoding="utf-8"?>
+<p:sld xmlns:a="http://schemas.openxmlformats.org/drawingml/2006/main" xmlns:r="http://schemas.openxmlformats.org/officeDocument/2006/relationships" xmlns:p="http://schemas.openxmlformats.org/presentationml/2006/main">
+  <p:cSld>
+    <p:bg>
+      <p:bgPr>
+        <a:solidFill>
+          <a:srgbClr val="000000"/>
+        </a:solidFill>
+        <a:effectLst/>
+      </p:bgPr>
+    </p:bg>
+    <p:spTree>
+      <p:nvGrpSpPr>
+        <p:cNvPr id="1" name=""/>
+        <p:cNvGrpSpPr/>
+        <p:nvPr/>
+      </p:nvGrpSpPr>
+      <p:grpSpPr>
+        <a:xfrm>
+          <a:off x="0" y="0"/>
+          <a:ext cx="0" cy="0"/>
+          <a:chOff x="0" y="0"/>
+          <a:chExt cx="0" cy="0"/>
+        </a:xfrm>
+      </p:grpSpPr>
+      <p:sp>
+        <p:nvSpPr>
           <p:cNvPr id="205" name="CustomShape 1"/>
           <p:cNvSpPr/>
           <p:nvPr/>
@@ -7106,7 +9183,7 @@
                 </a:solidFill>
                 <a:latin typeface="Calibri"/>
               </a:rPr>
-              <a:t>15</a:t>
+              <a:t>17</a:t>
             </a:fld>
             <a:endParaRPr lang="fr-FR" sz="1200" b="0" strike="noStrike" spc="-1">
               <a:latin typeface="Times New Roman"/>
@@ -7335,7 +9412,7 @@
         </p:spPr>
         <p:txBody>
           <a:bodyPr anchor="ctr">
-            <a:normAutofit lnSpcReduction="10000"/>
+            <a:normAutofit fontScale="92500" lnSpcReduction="20000"/>
           </a:bodyPr>
           <a:lstStyle/>
           <a:p>
@@ -7353,7 +9430,7 @@
               <a:buChar char="•"/>
             </a:pPr>
             <a:r>
-              <a:rPr lang="fr-FR" sz="2400" b="0" strike="noStrike" spc="-1">
+              <a:rPr lang="fr-FR" sz="2400" b="0" strike="noStrike" spc="-1" dirty="0">
                 <a:solidFill>
                   <a:srgbClr val="FFFFFF"/>
                 </a:solidFill>
@@ -7361,7 +9438,7 @@
               </a:rPr>
               <a:t>I. Présentation du projet </a:t>
             </a:r>
-            <a:endParaRPr lang="fr-FR" sz="2400" b="0" strike="noStrike" spc="-1">
+            <a:endParaRPr lang="fr-FR" sz="2400" b="0" strike="noStrike" spc="-1" dirty="0">
               <a:solidFill>
                 <a:srgbClr val="000000"/>
               </a:solidFill>
@@ -7383,7 +9460,7 @@
               <a:buChar char="•"/>
             </a:pPr>
             <a:r>
-              <a:rPr lang="fr-FR" sz="2400" b="0" strike="noStrike" spc="-1">
+              <a:rPr lang="fr-FR" sz="2400" b="0" strike="noStrike" spc="-1" dirty="0">
                 <a:solidFill>
                   <a:srgbClr val="FFFFFF"/>
                 </a:solidFill>
@@ -7391,7 +9468,7 @@
               </a:rPr>
               <a:t>II. Présentation de la partie : Infra BOX + Gateway</a:t>
             </a:r>
-            <a:endParaRPr lang="fr-FR" sz="2400" b="0" strike="noStrike" spc="-1">
+            <a:endParaRPr lang="fr-FR" sz="2400" b="0" strike="noStrike" spc="-1" dirty="0">
               <a:solidFill>
                 <a:srgbClr val="000000"/>
               </a:solidFill>
@@ -7413,7 +9490,7 @@
               <a:buChar char="•"/>
             </a:pPr>
             <a:r>
-              <a:rPr lang="fr-FR" sz="2400" b="0" strike="noStrike" spc="-1">
+              <a:rPr lang="fr-FR" sz="2400" b="0" strike="noStrike" spc="-1" dirty="0">
                 <a:solidFill>
                   <a:srgbClr val="FFFFFF"/>
                 </a:solidFill>
@@ -7421,7 +9498,7 @@
               </a:rPr>
               <a:t>III. Présentation de la partie : Application Mobile</a:t>
             </a:r>
-            <a:endParaRPr lang="fr-FR" sz="2400" b="0" strike="noStrike" spc="-1">
+            <a:endParaRPr lang="fr-FR" sz="2400" b="0" strike="noStrike" spc="-1" dirty="0">
               <a:solidFill>
                 <a:srgbClr val="000000"/>
               </a:solidFill>
@@ -7443,7 +9520,7 @@
               <a:buChar char="•"/>
             </a:pPr>
             <a:r>
-              <a:rPr lang="fr-FR" sz="2400" b="0" strike="noStrike" spc="-1">
+              <a:rPr lang="fr-FR" sz="2400" b="0" strike="noStrike" spc="-1" dirty="0">
                 <a:solidFill>
                   <a:srgbClr val="FFFFFF"/>
                 </a:solidFill>
@@ -7451,7 +9528,7 @@
               </a:rPr>
               <a:t>IV. Présentation de la partie : Serveur Web</a:t>
             </a:r>
-            <a:endParaRPr lang="fr-FR" sz="2400" b="0" strike="noStrike" spc="-1">
+            <a:endParaRPr lang="fr-FR" sz="2400" b="0" strike="noStrike" spc="-1" dirty="0">
               <a:solidFill>
                 <a:srgbClr val="000000"/>
               </a:solidFill>
@@ -7473,7 +9550,7 @@
               <a:buChar char="•"/>
             </a:pPr>
             <a:r>
-              <a:rPr lang="fr-FR" sz="2400" b="0" strike="noStrike" spc="-1">
+              <a:rPr lang="fr-FR" sz="2400" b="0" strike="noStrike" spc="-1" dirty="0">
                 <a:solidFill>
                   <a:srgbClr val="FFFFFF"/>
                 </a:solidFill>
@@ -7481,7 +9558,7 @@
               </a:rPr>
               <a:t>V. Présentation de la partie : Backend et base de données </a:t>
             </a:r>
-            <a:endParaRPr lang="fr-FR" sz="2400" b="0" strike="noStrike" spc="-1">
+            <a:endParaRPr lang="fr-FR" sz="2400" b="0" strike="noStrike" spc="-1" dirty="0">
               <a:solidFill>
                 <a:srgbClr val="000000"/>
               </a:solidFill>
@@ -7503,7 +9580,7 @@
               <a:buChar char="•"/>
             </a:pPr>
             <a:r>
-              <a:rPr lang="fr-FR" sz="2400" b="0" strike="noStrike" spc="-1">
+              <a:rPr lang="fr-FR" sz="2400" b="0" strike="noStrike" spc="-1" dirty="0">
                 <a:solidFill>
                   <a:srgbClr val="FFFFFF"/>
                 </a:solidFill>
@@ -7511,7 +9588,7 @@
               </a:rPr>
               <a:t>VI. Présentation de la partie : Web Service</a:t>
             </a:r>
-            <a:endParaRPr lang="fr-FR" sz="2400" b="0" strike="noStrike" spc="-1">
+            <a:endParaRPr lang="fr-FR" sz="2400" b="0" strike="noStrike" spc="-1" dirty="0">
               <a:solidFill>
                 <a:srgbClr val="000000"/>
               </a:solidFill>
@@ -7533,7 +9610,7 @@
               <a:buChar char="•"/>
             </a:pPr>
             <a:r>
-              <a:rPr lang="fr-FR" sz="2400" b="0" strike="noStrike" spc="-1">
+              <a:rPr lang="fr-FR" sz="2400" b="0" strike="noStrike" spc="-1" dirty="0">
                 <a:solidFill>
                   <a:srgbClr val="FFFFFF"/>
                 </a:solidFill>
@@ -7541,12 +9618,48 @@
               </a:rPr>
               <a:t>VII. Présentation de la partie : Capteurs/Actionneurs</a:t>
             </a:r>
-            <a:endParaRPr lang="fr-FR" sz="2400" b="0" strike="noStrike" spc="-1">
-              <a:solidFill>
-                <a:srgbClr val="000000"/>
-              </a:solidFill>
-              <a:latin typeface="Calibri"/>
-            </a:endParaRPr>
+          </a:p>
+          <a:p>
+            <a:pPr marL="228600" indent="-228240">
+              <a:lnSpc>
+                <a:spcPct val="90000"/>
+              </a:lnSpc>
+              <a:spcBef>
+                <a:spcPts val="1001"/>
+              </a:spcBef>
+              <a:buClr>
+                <a:srgbClr val="FFFFFF"/>
+              </a:buClr>
+              <a:buFont typeface="Arial"/>
+              <a:buChar char="•"/>
+            </a:pPr>
+            <a:r>
+              <a:rPr lang="fr-FR" sz="2400" spc="-1" dirty="0">
+                <a:solidFill>
+                  <a:srgbClr val="FFFFFF"/>
+                </a:solidFill>
+                <a:latin typeface="Calibri"/>
+              </a:rPr>
+              <a:t> VIII. </a:t>
+            </a:r>
+            <a:r>
+              <a:rPr lang="fr-FR" sz="2400" b="0" strike="noStrike" spc="-1" dirty="0">
+                <a:solidFill>
+                  <a:srgbClr val="FFFFFF"/>
+                </a:solidFill>
+                <a:latin typeface="Calibri"/>
+              </a:rPr>
+              <a:t>Présentation de la partie : Application Web </a:t>
+            </a:r>
+            <a:r>
+              <a:rPr lang="fr-FR" sz="2400" b="0" strike="noStrike" spc="-1" dirty="0">
+                <a:solidFill>
+                  <a:schemeClr val="bg1"/>
+                </a:solidFill>
+                <a:latin typeface="Calibri"/>
+              </a:rPr>
+              <a:t>Admin</a:t>
+            </a:r>
           </a:p>
         </p:txBody>
       </p:sp>
@@ -7851,78 +9964,6 @@
       </p:sp>
       <p:sp>
         <p:nvSpPr>
-          <p:cNvPr id="101" name="TextShape 5"/>
-          <p:cNvSpPr txBox="1"/>
-          <p:nvPr/>
-        </p:nvSpPr>
-        <p:spPr>
-          <a:xfrm>
-            <a:off x="1179360" y="3049200"/>
-            <a:ext cx="9833040" cy="2945160"/>
-          </a:xfrm>
-          <a:prstGeom prst="rect">
-            <a:avLst/>
-          </a:prstGeom>
-          <a:noFill/>
-          <a:ln w="0">
-            <a:noFill/>
-          </a:ln>
-        </p:spPr>
-        <p:txBody>
-          <a:bodyPr anchor="ctr">
-            <a:normAutofit/>
-          </a:bodyPr>
-          <a:lstStyle/>
-          <a:p>
-            <a:pPr marL="228600" indent="-228240">
-              <a:lnSpc>
-                <a:spcPct val="90000"/>
-              </a:lnSpc>
-              <a:spcBef>
-                <a:spcPts val="1001"/>
-              </a:spcBef>
-              <a:buClr>
-                <a:srgbClr val="FFFFFF"/>
-              </a:buClr>
-              <a:buFont typeface="Arial"/>
-              <a:buChar char="•"/>
-            </a:pPr>
-            <a:r>
-              <a:rPr lang="fr-FR" sz="2400" b="0" strike="noStrike" spc="-1">
-                <a:solidFill>
-                  <a:srgbClr val="FFFFFF"/>
-                </a:solidFill>
-                <a:latin typeface="Calibri"/>
-              </a:rPr>
-              <a:t>…</a:t>
-            </a:r>
-            <a:endParaRPr lang="fr-FR" sz="2400" b="0" strike="noStrike" spc="-1">
-              <a:solidFill>
-                <a:srgbClr val="000000"/>
-              </a:solidFill>
-              <a:latin typeface="Calibri"/>
-            </a:endParaRPr>
-          </a:p>
-          <a:p>
-            <a:pPr>
-              <a:lnSpc>
-                <a:spcPct val="90000"/>
-              </a:lnSpc>
-              <a:spcBef>
-                <a:spcPts val="1001"/>
-              </a:spcBef>
-            </a:pPr>
-            <a:endParaRPr lang="fr-FR" sz="2400" b="0" strike="noStrike" spc="-1">
-              <a:solidFill>
-                <a:srgbClr val="000000"/>
-              </a:solidFill>
-              <a:latin typeface="Calibri"/>
-            </a:endParaRPr>
-          </a:p>
-        </p:txBody>
-      </p:sp>
-      <p:sp>
-        <p:nvSpPr>
           <p:cNvPr id="102" name="TextShape 6"/>
           <p:cNvSpPr txBox="1"/>
           <p:nvPr/>
@@ -8008,6 +10049,682 @@
             <a:endParaRPr lang="fr-FR" sz="1200" b="0" strike="noStrike" spc="-1">
               <a:latin typeface="Times New Roman"/>
             </a:endParaRPr>
+          </a:p>
+        </p:txBody>
+      </p:sp>
+      <p:pic>
+        <p:nvPicPr>
+          <p:cNvPr id="10" name="Picture 2" descr="Développer des applications .NET Core sur Linux et macOS | SoftFluent">
+            <a:extLst>
+              <a:ext uri="{FF2B5EF4-FFF2-40B4-BE49-F238E27FC236}">
+                <a16:creationId xmlns:a16="http://schemas.microsoft.com/office/drawing/2014/main" id="{2CD39D55-BE99-4D8F-8512-64EB6E37EF0E}"/>
+              </a:ext>
+            </a:extLst>
+          </p:cNvPr>
+          <p:cNvPicPr>
+            <a:picLocks noChangeAspect="1" noChangeArrowheads="1"/>
+          </p:cNvPicPr>
+          <p:nvPr/>
+        </p:nvPicPr>
+        <p:blipFill>
+          <a:blip r:embed="rId3">
+            <a:extLst>
+              <a:ext uri="{28A0092B-C50C-407E-A947-70E740481C1C}">
+                <a14:useLocalDpi xmlns:a14="http://schemas.microsoft.com/office/drawing/2010/main" val="0"/>
+              </a:ext>
+            </a:extLst>
+          </a:blip>
+          <a:srcRect/>
+          <a:stretch>
+            <a:fillRect/>
+          </a:stretch>
+        </p:blipFill>
+        <p:spPr bwMode="auto">
+          <a:xfrm>
+            <a:off x="365605" y="2427120"/>
+            <a:ext cx="1500995" cy="789233"/>
+          </a:xfrm>
+          <a:prstGeom prst="rect">
+            <a:avLst/>
+          </a:prstGeom>
+          <a:noFill/>
+          <a:extLst>
+            <a:ext uri="{909E8E84-426E-40DD-AFC4-6F175D3DCCD1}">
+              <a14:hiddenFill xmlns:a14="http://schemas.microsoft.com/office/drawing/2010/main">
+                <a:solidFill>
+                  <a:srgbClr val="FFFFFF"/>
+                </a:solidFill>
+              </a14:hiddenFill>
+            </a:ext>
+          </a:extLst>
+        </p:spPr>
+      </p:pic>
+      <p:pic>
+        <p:nvPicPr>
+          <p:cNvPr id="11" name="Image 15">
+            <a:extLst>
+              <a:ext uri="{FF2B5EF4-FFF2-40B4-BE49-F238E27FC236}">
+                <a16:creationId xmlns:a16="http://schemas.microsoft.com/office/drawing/2014/main" id="{D0F475E6-681A-4F43-A285-F053EB5E1B62}"/>
+              </a:ext>
+            </a:extLst>
+          </p:cNvPr>
+          <p:cNvPicPr/>
+          <p:nvPr/>
+        </p:nvPicPr>
+        <p:blipFill>
+          <a:blip r:embed="rId4"/>
+          <a:stretch/>
+        </p:blipFill>
+        <p:spPr>
+          <a:xfrm>
+            <a:off x="1434892" y="3350205"/>
+            <a:ext cx="431708" cy="421778"/>
+          </a:xfrm>
+          <a:prstGeom prst="rect">
+            <a:avLst/>
+          </a:prstGeom>
+          <a:ln w="0">
+            <a:noFill/>
+          </a:ln>
+        </p:spPr>
+      </p:pic>
+      <p:pic>
+        <p:nvPicPr>
+          <p:cNvPr id="12" name="Image 11">
+            <a:extLst>
+              <a:ext uri="{FF2B5EF4-FFF2-40B4-BE49-F238E27FC236}">
+                <a16:creationId xmlns:a16="http://schemas.microsoft.com/office/drawing/2014/main" id="{BFAF6EC4-48D9-4E5C-9F2B-8C0EE33F0C2B}"/>
+              </a:ext>
+            </a:extLst>
+          </p:cNvPr>
+          <p:cNvPicPr>
+            <a:picLocks noChangeAspect="1"/>
+          </p:cNvPicPr>
+          <p:nvPr/>
+        </p:nvPicPr>
+        <p:blipFill>
+          <a:blip r:embed="rId5"/>
+          <a:stretch>
+            <a:fillRect/>
+          </a:stretch>
+        </p:blipFill>
+        <p:spPr>
+          <a:xfrm>
+            <a:off x="365605" y="3353191"/>
+            <a:ext cx="999556" cy="421778"/>
+          </a:xfrm>
+          <a:prstGeom prst="rect">
+            <a:avLst/>
+          </a:prstGeom>
+        </p:spPr>
+      </p:pic>
+      <p:pic>
+        <p:nvPicPr>
+          <p:cNvPr id="13" name="Picture 2" descr="API REST - IMCS | Conseil et Services Informatiques">
+            <a:extLst>
+              <a:ext uri="{FF2B5EF4-FFF2-40B4-BE49-F238E27FC236}">
+                <a16:creationId xmlns:a16="http://schemas.microsoft.com/office/drawing/2014/main" id="{7FB00B62-DFED-40F2-BBF5-2F587C64765C}"/>
+              </a:ext>
+            </a:extLst>
+          </p:cNvPr>
+          <p:cNvPicPr>
+            <a:picLocks noChangeAspect="1" noChangeArrowheads="1"/>
+          </p:cNvPicPr>
+          <p:nvPr/>
+        </p:nvPicPr>
+        <p:blipFill>
+          <a:blip r:embed="rId6">
+            <a:extLst>
+              <a:ext uri="{28A0092B-C50C-407E-A947-70E740481C1C}">
+                <a14:useLocalDpi xmlns:a14="http://schemas.microsoft.com/office/drawing/2010/main" val="0"/>
+              </a:ext>
+            </a:extLst>
+          </a:blip>
+          <a:srcRect/>
+          <a:stretch>
+            <a:fillRect/>
+          </a:stretch>
+        </p:blipFill>
+        <p:spPr bwMode="auto">
+          <a:xfrm>
+            <a:off x="1365161" y="4203201"/>
+            <a:ext cx="1391664" cy="789232"/>
+          </a:xfrm>
+          <a:prstGeom prst="rect">
+            <a:avLst/>
+          </a:prstGeom>
+          <a:noFill/>
+          <a:extLst>
+            <a:ext uri="{909E8E84-426E-40DD-AFC4-6F175D3DCCD1}">
+              <a14:hiddenFill xmlns:a14="http://schemas.microsoft.com/office/drawing/2010/main">
+                <a:solidFill>
+                  <a:srgbClr val="FFFFFF"/>
+                </a:solidFill>
+              </a14:hiddenFill>
+            </a:ext>
+          </a:extLst>
+        </p:spPr>
+      </p:pic>
+      <p:pic>
+        <p:nvPicPr>
+          <p:cNvPr id="14" name="Picture 4" descr="Amazon RDS for MariaDB – Amazon Web Services (AWS)">
+            <a:extLst>
+              <a:ext uri="{FF2B5EF4-FFF2-40B4-BE49-F238E27FC236}">
+                <a16:creationId xmlns:a16="http://schemas.microsoft.com/office/drawing/2014/main" id="{46F00BE8-3764-46C5-BB55-9BA274D69694}"/>
+              </a:ext>
+            </a:extLst>
+          </p:cNvPr>
+          <p:cNvPicPr/>
+          <p:nvPr/>
+        </p:nvPicPr>
+        <p:blipFill>
+          <a:blip r:embed="rId7"/>
+          <a:stretch/>
+        </p:blipFill>
+        <p:spPr>
+          <a:xfrm>
+            <a:off x="1240154" y="5540154"/>
+            <a:ext cx="1589291" cy="838423"/>
+          </a:xfrm>
+          <a:prstGeom prst="rect">
+            <a:avLst/>
+          </a:prstGeom>
+          <a:ln w="0">
+            <a:noFill/>
+          </a:ln>
+        </p:spPr>
+      </p:pic>
+      <p:pic>
+        <p:nvPicPr>
+          <p:cNvPr id="19" name="Image 14">
+            <a:extLst>
+              <a:ext uri="{FF2B5EF4-FFF2-40B4-BE49-F238E27FC236}">
+                <a16:creationId xmlns:a16="http://schemas.microsoft.com/office/drawing/2014/main" id="{7C2DB2DC-31FA-4D48-A583-56E5A1F18DE1}"/>
+              </a:ext>
+            </a:extLst>
+          </p:cNvPr>
+          <p:cNvPicPr/>
+          <p:nvPr/>
+        </p:nvPicPr>
+        <p:blipFill>
+          <a:blip r:embed="rId8"/>
+          <a:stretch/>
+        </p:blipFill>
+        <p:spPr>
+          <a:xfrm>
+            <a:off x="2256457" y="2441968"/>
+            <a:ext cx="1343160" cy="561240"/>
+          </a:xfrm>
+          <a:prstGeom prst="rect">
+            <a:avLst/>
+          </a:prstGeom>
+          <a:ln w="0">
+            <a:noFill/>
+          </a:ln>
+        </p:spPr>
+      </p:pic>
+      <p:pic>
+        <p:nvPicPr>
+          <p:cNvPr id="20" name="Image 15">
+            <a:extLst>
+              <a:ext uri="{FF2B5EF4-FFF2-40B4-BE49-F238E27FC236}">
+                <a16:creationId xmlns:a16="http://schemas.microsoft.com/office/drawing/2014/main" id="{B3FB520C-F728-4297-B1D6-08E8F1200FD6}"/>
+              </a:ext>
+            </a:extLst>
+          </p:cNvPr>
+          <p:cNvPicPr/>
+          <p:nvPr/>
+        </p:nvPicPr>
+        <p:blipFill>
+          <a:blip r:embed="rId4"/>
+          <a:stretch/>
+        </p:blipFill>
+        <p:spPr>
+          <a:xfrm>
+            <a:off x="2232205" y="3082000"/>
+            <a:ext cx="597240" cy="573480"/>
+          </a:xfrm>
+          <a:prstGeom prst="rect">
+            <a:avLst/>
+          </a:prstGeom>
+          <a:ln w="0">
+            <a:noFill/>
+          </a:ln>
+        </p:spPr>
+      </p:pic>
+      <p:pic>
+        <p:nvPicPr>
+          <p:cNvPr id="21" name="Image 17">
+            <a:extLst>
+              <a:ext uri="{FF2B5EF4-FFF2-40B4-BE49-F238E27FC236}">
+                <a16:creationId xmlns:a16="http://schemas.microsoft.com/office/drawing/2014/main" id="{A53CDA2F-E07B-4E27-AC1E-A6C5E7EF264F}"/>
+              </a:ext>
+            </a:extLst>
+          </p:cNvPr>
+          <p:cNvPicPr/>
+          <p:nvPr/>
+        </p:nvPicPr>
+        <p:blipFill>
+          <a:blip r:embed="rId9"/>
+          <a:stretch/>
+        </p:blipFill>
+        <p:spPr>
+          <a:xfrm>
+            <a:off x="3115417" y="3047086"/>
+            <a:ext cx="484200" cy="568440"/>
+          </a:xfrm>
+          <a:prstGeom prst="rect">
+            <a:avLst/>
+          </a:prstGeom>
+          <a:ln w="0">
+            <a:noFill/>
+          </a:ln>
+        </p:spPr>
+      </p:pic>
+      <p:cxnSp>
+        <p:nvCxnSpPr>
+          <p:cNvPr id="25" name="Connecteur droit avec flèche 24">
+            <a:extLst>
+              <a:ext uri="{FF2B5EF4-FFF2-40B4-BE49-F238E27FC236}">
+                <a16:creationId xmlns:a16="http://schemas.microsoft.com/office/drawing/2014/main" id="{9BC9B224-4DD2-488E-ADDC-9A97ED27621C}"/>
+              </a:ext>
+            </a:extLst>
+          </p:cNvPr>
+          <p:cNvCxnSpPr>
+            <a:cxnSpLocks/>
+          </p:cNvCxnSpPr>
+          <p:nvPr/>
+        </p:nvCxnSpPr>
+        <p:spPr>
+          <a:xfrm flipV="1">
+            <a:off x="1764406" y="3655481"/>
+            <a:ext cx="0" cy="547720"/>
+          </a:xfrm>
+          <a:prstGeom prst="straightConnector1">
+            <a:avLst/>
+          </a:prstGeom>
+          <a:ln>
+            <a:solidFill>
+              <a:schemeClr val="tx1"/>
+            </a:solidFill>
+            <a:tailEnd type="triangle"/>
+          </a:ln>
+        </p:spPr>
+        <p:style>
+          <a:lnRef idx="1">
+            <a:schemeClr val="accent1"/>
+          </a:lnRef>
+          <a:fillRef idx="0">
+            <a:schemeClr val="accent1"/>
+          </a:fillRef>
+          <a:effectRef idx="0">
+            <a:schemeClr val="accent1"/>
+          </a:effectRef>
+          <a:fontRef idx="minor">
+            <a:schemeClr val="tx1"/>
+          </a:fontRef>
+        </p:style>
+      </p:cxnSp>
+      <p:cxnSp>
+        <p:nvCxnSpPr>
+          <p:cNvPr id="29" name="Connecteur droit avec flèche 28">
+            <a:extLst>
+              <a:ext uri="{FF2B5EF4-FFF2-40B4-BE49-F238E27FC236}">
+                <a16:creationId xmlns:a16="http://schemas.microsoft.com/office/drawing/2014/main" id="{3409907B-3B14-4340-917E-AFA568F4B701}"/>
+              </a:ext>
+            </a:extLst>
+          </p:cNvPr>
+          <p:cNvCxnSpPr>
+            <a:cxnSpLocks/>
+          </p:cNvCxnSpPr>
+          <p:nvPr/>
+        </p:nvCxnSpPr>
+        <p:spPr>
+          <a:xfrm>
+            <a:off x="2440800" y="3615526"/>
+            <a:ext cx="1" cy="587675"/>
+          </a:xfrm>
+          <a:prstGeom prst="straightConnector1">
+            <a:avLst/>
+          </a:prstGeom>
+          <a:ln>
+            <a:solidFill>
+              <a:schemeClr val="tx1"/>
+            </a:solidFill>
+            <a:tailEnd type="triangle"/>
+          </a:ln>
+        </p:spPr>
+        <p:style>
+          <a:lnRef idx="1">
+            <a:schemeClr val="accent1"/>
+          </a:lnRef>
+          <a:fillRef idx="0">
+            <a:schemeClr val="accent1"/>
+          </a:fillRef>
+          <a:effectRef idx="0">
+            <a:schemeClr val="accent1"/>
+          </a:effectRef>
+          <a:fontRef idx="minor">
+            <a:schemeClr val="tx1"/>
+          </a:fontRef>
+        </p:style>
+      </p:cxnSp>
+      <p:cxnSp>
+        <p:nvCxnSpPr>
+          <p:cNvPr id="33" name="Connecteur droit avec flèche 32">
+            <a:extLst>
+              <a:ext uri="{FF2B5EF4-FFF2-40B4-BE49-F238E27FC236}">
+                <a16:creationId xmlns:a16="http://schemas.microsoft.com/office/drawing/2014/main" id="{B277F2E9-8F28-4896-8E30-9D5549CFA282}"/>
+              </a:ext>
+            </a:extLst>
+          </p:cNvPr>
+          <p:cNvCxnSpPr>
+            <a:cxnSpLocks/>
+          </p:cNvCxnSpPr>
+          <p:nvPr/>
+        </p:nvCxnSpPr>
+        <p:spPr>
+          <a:xfrm flipV="1">
+            <a:off x="2627290" y="3615526"/>
+            <a:ext cx="0" cy="587676"/>
+          </a:xfrm>
+          <a:prstGeom prst="straightConnector1">
+            <a:avLst/>
+          </a:prstGeom>
+          <a:ln>
+            <a:solidFill>
+              <a:schemeClr val="tx1"/>
+            </a:solidFill>
+            <a:tailEnd type="triangle"/>
+          </a:ln>
+        </p:spPr>
+        <p:style>
+          <a:lnRef idx="1">
+            <a:schemeClr val="accent1"/>
+          </a:lnRef>
+          <a:fillRef idx="0">
+            <a:schemeClr val="accent1"/>
+          </a:fillRef>
+          <a:effectRef idx="0">
+            <a:schemeClr val="accent1"/>
+          </a:effectRef>
+          <a:fontRef idx="minor">
+            <a:schemeClr val="tx1"/>
+          </a:fontRef>
+        </p:style>
+      </p:cxnSp>
+      <p:cxnSp>
+        <p:nvCxnSpPr>
+          <p:cNvPr id="39" name="Connecteur droit avec flèche 38">
+            <a:extLst>
+              <a:ext uri="{FF2B5EF4-FFF2-40B4-BE49-F238E27FC236}">
+                <a16:creationId xmlns:a16="http://schemas.microsoft.com/office/drawing/2014/main" id="{6B4DDA94-8295-4171-A5E8-BB225786B0A9}"/>
+              </a:ext>
+            </a:extLst>
+          </p:cNvPr>
+          <p:cNvCxnSpPr>
+            <a:cxnSpLocks/>
+          </p:cNvCxnSpPr>
+          <p:nvPr/>
+        </p:nvCxnSpPr>
+        <p:spPr>
+          <a:xfrm flipH="1">
+            <a:off x="1558344" y="3655480"/>
+            <a:ext cx="1" cy="547721"/>
+          </a:xfrm>
+          <a:prstGeom prst="straightConnector1">
+            <a:avLst/>
+          </a:prstGeom>
+          <a:ln>
+            <a:solidFill>
+              <a:schemeClr val="tx1"/>
+            </a:solidFill>
+            <a:tailEnd type="triangle"/>
+          </a:ln>
+        </p:spPr>
+        <p:style>
+          <a:lnRef idx="1">
+            <a:schemeClr val="accent1"/>
+          </a:lnRef>
+          <a:fillRef idx="0">
+            <a:schemeClr val="accent1"/>
+          </a:fillRef>
+          <a:effectRef idx="0">
+            <a:schemeClr val="accent1"/>
+          </a:effectRef>
+          <a:fontRef idx="minor">
+            <a:schemeClr val="tx1"/>
+          </a:fontRef>
+        </p:style>
+      </p:cxnSp>
+      <p:cxnSp>
+        <p:nvCxnSpPr>
+          <p:cNvPr id="44" name="Connecteur droit avec flèche 43">
+            <a:extLst>
+              <a:ext uri="{FF2B5EF4-FFF2-40B4-BE49-F238E27FC236}">
+                <a16:creationId xmlns:a16="http://schemas.microsoft.com/office/drawing/2014/main" id="{417E22B1-7DF6-470F-BF68-77CA158DEF5D}"/>
+              </a:ext>
+            </a:extLst>
+          </p:cNvPr>
+          <p:cNvCxnSpPr>
+            <a:cxnSpLocks/>
+          </p:cNvCxnSpPr>
+          <p:nvPr/>
+        </p:nvCxnSpPr>
+        <p:spPr>
+          <a:xfrm>
+            <a:off x="1650746" y="4992433"/>
+            <a:ext cx="0" cy="504767"/>
+          </a:xfrm>
+          <a:prstGeom prst="straightConnector1">
+            <a:avLst/>
+          </a:prstGeom>
+          <a:ln>
+            <a:solidFill>
+              <a:schemeClr val="tx1"/>
+            </a:solidFill>
+            <a:tailEnd type="triangle"/>
+          </a:ln>
+        </p:spPr>
+        <p:style>
+          <a:lnRef idx="1">
+            <a:schemeClr val="accent1"/>
+          </a:lnRef>
+          <a:fillRef idx="0">
+            <a:schemeClr val="accent1"/>
+          </a:fillRef>
+          <a:effectRef idx="0">
+            <a:schemeClr val="accent1"/>
+          </a:effectRef>
+          <a:fontRef idx="minor">
+            <a:schemeClr val="tx1"/>
+          </a:fontRef>
+        </p:style>
+      </p:cxnSp>
+      <p:cxnSp>
+        <p:nvCxnSpPr>
+          <p:cNvPr id="46" name="Connecteur droit avec flèche 45">
+            <a:extLst>
+              <a:ext uri="{FF2B5EF4-FFF2-40B4-BE49-F238E27FC236}">
+                <a16:creationId xmlns:a16="http://schemas.microsoft.com/office/drawing/2014/main" id="{4B37D197-FBFA-4425-A17E-2126A5F531D1}"/>
+              </a:ext>
+            </a:extLst>
+          </p:cNvPr>
+          <p:cNvCxnSpPr>
+            <a:cxnSpLocks/>
+          </p:cNvCxnSpPr>
+          <p:nvPr/>
+        </p:nvCxnSpPr>
+        <p:spPr>
+          <a:xfrm flipV="1">
+            <a:off x="2440800" y="4975495"/>
+            <a:ext cx="1" cy="521705"/>
+          </a:xfrm>
+          <a:prstGeom prst="straightConnector1">
+            <a:avLst/>
+          </a:prstGeom>
+          <a:ln>
+            <a:solidFill>
+              <a:schemeClr val="tx1"/>
+            </a:solidFill>
+            <a:tailEnd type="triangle"/>
+          </a:ln>
+        </p:spPr>
+        <p:style>
+          <a:lnRef idx="1">
+            <a:schemeClr val="accent1"/>
+          </a:lnRef>
+          <a:fillRef idx="0">
+            <a:schemeClr val="accent1"/>
+          </a:fillRef>
+          <a:effectRef idx="0">
+            <a:schemeClr val="accent1"/>
+          </a:effectRef>
+          <a:fontRef idx="minor">
+            <a:schemeClr val="tx1"/>
+          </a:fontRef>
+        </p:style>
+      </p:cxnSp>
+      <p:cxnSp>
+        <p:nvCxnSpPr>
+          <p:cNvPr id="47" name="Connecteur droit 46">
+            <a:extLst>
+              <a:ext uri="{FF2B5EF4-FFF2-40B4-BE49-F238E27FC236}">
+                <a16:creationId xmlns:a16="http://schemas.microsoft.com/office/drawing/2014/main" id="{09DD01C2-4830-4FE3-8B30-7CD2B71C9CA2}"/>
+              </a:ext>
+            </a:extLst>
+          </p:cNvPr>
+          <p:cNvCxnSpPr/>
+          <p:nvPr/>
+        </p:nvCxnSpPr>
+        <p:spPr>
+          <a:xfrm>
+            <a:off x="2067480" y="2279561"/>
+            <a:ext cx="0" cy="1492422"/>
+          </a:xfrm>
+          <a:prstGeom prst="line">
+            <a:avLst/>
+          </a:prstGeom>
+          <a:ln>
+            <a:solidFill>
+              <a:schemeClr val="tx1"/>
+            </a:solidFill>
+            <a:prstDash val="dash"/>
+          </a:ln>
+        </p:spPr>
+        <p:style>
+          <a:lnRef idx="1">
+            <a:schemeClr val="accent1"/>
+          </a:lnRef>
+          <a:fillRef idx="0">
+            <a:schemeClr val="accent1"/>
+          </a:fillRef>
+          <a:effectRef idx="0">
+            <a:schemeClr val="accent1"/>
+          </a:effectRef>
+          <a:fontRef idx="minor">
+            <a:schemeClr val="tx1"/>
+          </a:fontRef>
+        </p:style>
+      </p:cxnSp>
+      <p:cxnSp>
+        <p:nvCxnSpPr>
+          <p:cNvPr id="56" name="Connecteur droit avec flèche 55">
+            <a:extLst>
+              <a:ext uri="{FF2B5EF4-FFF2-40B4-BE49-F238E27FC236}">
+                <a16:creationId xmlns:a16="http://schemas.microsoft.com/office/drawing/2014/main" id="{3AC5EBED-E95B-4F0F-899F-01ACB26F3CC6}"/>
+              </a:ext>
+            </a:extLst>
+          </p:cNvPr>
+          <p:cNvCxnSpPr>
+            <a:cxnSpLocks/>
+            <a:stCxn id="14" idx="3"/>
+          </p:cNvCxnSpPr>
+          <p:nvPr/>
+        </p:nvCxnSpPr>
+        <p:spPr>
+          <a:xfrm>
+            <a:off x="2829445" y="5959366"/>
+            <a:ext cx="1575130" cy="0"/>
+          </a:xfrm>
+          <a:prstGeom prst="straightConnector1">
+            <a:avLst/>
+          </a:prstGeom>
+          <a:ln>
+            <a:solidFill>
+              <a:schemeClr val="tx1"/>
+            </a:solidFill>
+            <a:tailEnd type="triangle"/>
+          </a:ln>
+        </p:spPr>
+        <p:style>
+          <a:lnRef idx="1">
+            <a:schemeClr val="accent1"/>
+          </a:lnRef>
+          <a:fillRef idx="0">
+            <a:schemeClr val="accent1"/>
+          </a:fillRef>
+          <a:effectRef idx="0">
+            <a:schemeClr val="accent1"/>
+          </a:effectRef>
+          <a:fontRef idx="minor">
+            <a:schemeClr val="tx1"/>
+          </a:fontRef>
+        </p:style>
+      </p:cxnSp>
+      <p:sp>
+        <p:nvSpPr>
+          <p:cNvPr id="50" name="Rectangle 49">
+            <a:extLst>
+              <a:ext uri="{FF2B5EF4-FFF2-40B4-BE49-F238E27FC236}">
+                <a16:creationId xmlns:a16="http://schemas.microsoft.com/office/drawing/2014/main" id="{8FB149C3-BD7A-4F3D-91AD-2C4614B215E5}"/>
+              </a:ext>
+            </a:extLst>
+          </p:cNvPr>
+          <p:cNvSpPr/>
+          <p:nvPr/>
+        </p:nvSpPr>
+        <p:spPr>
+          <a:xfrm>
+            <a:off x="4687910" y="4829577"/>
+            <a:ext cx="3503051" cy="1403797"/>
+          </a:xfrm>
+          <a:prstGeom prst="rect">
+            <a:avLst/>
+          </a:prstGeom>
+          <a:solidFill>
+            <a:schemeClr val="bg1"/>
+          </a:solidFill>
+        </p:spPr>
+        <p:style>
+          <a:lnRef idx="2">
+            <a:schemeClr val="accent1">
+              <a:shade val="50000"/>
+            </a:schemeClr>
+          </a:lnRef>
+          <a:fillRef idx="1">
+            <a:schemeClr val="accent1"/>
+          </a:fillRef>
+          <a:effectRef idx="0">
+            <a:schemeClr val="accent1"/>
+          </a:effectRef>
+          <a:fontRef idx="minor">
+            <a:schemeClr val="lt1"/>
+          </a:fontRef>
+        </p:style>
+        <p:txBody>
+          <a:bodyPr rtlCol="0" anchor="ctr"/>
+          <a:lstStyle/>
+          <a:p>
+            <a:pPr algn="ctr"/>
+            <a:r>
+              <a:rPr lang="fr-FR" dirty="0">
+                <a:solidFill>
+                  <a:schemeClr val="tx1"/>
+                </a:solidFill>
+              </a:rPr>
+              <a:t>Faite LA SUITE DE VOTRE PARTIE </a:t>
+            </a:r>
           </a:p>
         </p:txBody>
       </p:sp>
@@ -13024,50 +15741,134 @@
           <a:lstStyle/>
           <a:p>
             <a:r>
-              <a:rPr lang="fr-FR" sz="1800" b="0" strike="noStrike" spc="-1">
+              <a:rPr lang="fr-FR" sz="1800" b="0" strike="noStrike" spc="-1" dirty="0">
                 <a:latin typeface="Arial"/>
               </a:rPr>
-              <a:t>-WebService REST réalisé en Node Js , qui est composé de 6 service.</a:t>
-            </a:r>
-          </a:p>
-          <a:p>
-            <a:r>
-              <a:rPr lang="fr-FR" sz="1800" b="0" strike="noStrike" spc="-1">
+              <a:t>-</a:t>
+            </a:r>
+            <a:r>
+              <a:rPr lang="fr-FR" sz="1800" b="0" strike="noStrike" spc="-1" dirty="0" err="1">
                 <a:latin typeface="Arial"/>
               </a:rPr>
-              <a:t>-Infra Admin sécurisé par token (JWT).</a:t>
-            </a:r>
-          </a:p>
-          <a:p>
-            <a:r>
-              <a:rPr lang="fr-FR" sz="1800" b="0" strike="noStrike" spc="-1">
+              <a:t>WebService</a:t>
+            </a:r>
+            <a:r>
+              <a:rPr lang="fr-FR" sz="1800" b="0" strike="noStrike" spc="-1" dirty="0">
                 <a:latin typeface="Arial"/>
               </a:rPr>
+              <a:t> REST réalisé en Node </a:t>
+            </a:r>
+            <a:r>
+              <a:rPr lang="fr-FR" sz="1800" b="0" strike="noStrike" spc="-1" dirty="0" err="1">
+                <a:latin typeface="Arial"/>
+              </a:rPr>
+              <a:t>Js</a:t>
+            </a:r>
+            <a:r>
+              <a:rPr lang="fr-FR" sz="1800" b="0" strike="noStrike" spc="-1" dirty="0">
+                <a:latin typeface="Arial"/>
+              </a:rPr>
+              <a:t> , qui est composé de 6 service.</a:t>
+            </a:r>
+          </a:p>
+          <a:p>
+            <a:r>
+              <a:rPr lang="fr-FR" sz="1800" b="0" strike="noStrike" spc="-1" dirty="0">
+                <a:latin typeface="Arial"/>
+              </a:rPr>
+              <a:t>-Infra Admin sécurisé par </a:t>
+            </a:r>
+            <a:r>
+              <a:rPr lang="fr-FR" sz="1800" b="0" strike="noStrike" spc="-1" dirty="0" err="1">
+                <a:latin typeface="Arial"/>
+              </a:rPr>
+              <a:t>token</a:t>
+            </a:r>
+            <a:r>
+              <a:rPr lang="fr-FR" sz="1800" b="0" strike="noStrike" spc="-1" dirty="0">
+                <a:latin typeface="Arial"/>
+              </a:rPr>
+              <a:t> (JWT).</a:t>
+            </a:r>
+          </a:p>
+          <a:p>
+            <a:r>
+              <a:rPr lang="fr-FR" sz="1800" b="0" strike="noStrike" spc="-1" dirty="0">
+                <a:latin typeface="Arial"/>
+              </a:rPr>
               <a:t>-Tourne sur un VPS sous un nom de domaine spécifique (webservice.lensalex.fr ).</a:t>
             </a:r>
           </a:p>
           <a:p>
             <a:r>
-              <a:rPr lang="fr-FR" sz="1800" b="0" strike="noStrike" spc="-1">
+              <a:rPr lang="fr-FR" sz="1800" b="0" strike="noStrike" spc="-1" dirty="0">
                 <a:latin typeface="Arial"/>
               </a:rPr>
-              <a:t>-Requête vers la base de données (mysql) pour GET , POST , DELETE ou PUT.</a:t>
-            </a:r>
-          </a:p>
-          <a:p>
-            <a:r>
-              <a:rPr lang="fr-FR" sz="1800" b="0" strike="noStrike" spc="-1">
+              <a:t>-Requête vers la base de données (</a:t>
+            </a:r>
+            <a:r>
+              <a:rPr lang="fr-FR" sz="1800" b="0" strike="noStrike" spc="-1" dirty="0" err="1">
                 <a:latin typeface="Arial"/>
               </a:rPr>
-              <a:t>-Chaque service possède ça documentation swagger.</a:t>
-            </a:r>
-          </a:p>
-          <a:p>
-            <a:r>
-              <a:rPr lang="fr-FR" sz="1800" b="0" strike="noStrike" spc="-1">
+              <a:t>mysql</a:t>
+            </a:r>
+            <a:r>
+              <a:rPr lang="fr-FR" sz="1800" b="0" strike="noStrike" spc="-1" dirty="0">
                 <a:latin typeface="Arial"/>
               </a:rPr>
-              <a:t>-Exploitation sur un site web (sous .net core) et application mobile (sous xamarin).</a:t>
+              <a:t>) pour GET , POST , DELETE ou PUT.</a:t>
+            </a:r>
+          </a:p>
+          <a:p>
+            <a:r>
+              <a:rPr lang="fr-FR" sz="1800" b="0" strike="noStrike" spc="-1" dirty="0">
+                <a:latin typeface="Arial"/>
+              </a:rPr>
+              <a:t>-Chaque service possède ça documentation </a:t>
+            </a:r>
+            <a:r>
+              <a:rPr lang="fr-FR" sz="1800" b="0" strike="noStrike" spc="-1" dirty="0" err="1">
+                <a:latin typeface="Arial"/>
+              </a:rPr>
+              <a:t>swagger</a:t>
+            </a:r>
+            <a:r>
+              <a:rPr lang="fr-FR" sz="1800" b="0" strike="noStrike" spc="-1" dirty="0">
+                <a:latin typeface="Arial"/>
+              </a:rPr>
+              <a:t>.</a:t>
+            </a:r>
+          </a:p>
+          <a:p>
+            <a:r>
+              <a:rPr lang="fr-FR" sz="1800" b="0" strike="noStrike" spc="-1" dirty="0">
+                <a:latin typeface="Arial"/>
+              </a:rPr>
+              <a:t>-Exploitation sur un site web (sous .net </a:t>
+            </a:r>
+            <a:r>
+              <a:rPr lang="fr-FR" sz="1800" b="0" strike="noStrike" spc="-1" dirty="0" err="1">
+                <a:latin typeface="Arial"/>
+              </a:rPr>
+              <a:t>core</a:t>
+            </a:r>
+            <a:r>
+              <a:rPr lang="fr-FR" sz="1800" b="0" strike="noStrike" spc="-1" dirty="0">
+                <a:latin typeface="Arial"/>
+              </a:rPr>
+              <a:t>) et application mobile (sous </a:t>
+            </a:r>
+            <a:r>
+              <a:rPr lang="fr-FR" sz="1800" b="0" strike="noStrike" spc="-1" dirty="0" err="1">
+                <a:latin typeface="Arial"/>
+              </a:rPr>
+              <a:t>xamarin</a:t>
+            </a:r>
+            <a:r>
+              <a:rPr lang="fr-FR" sz="1800" b="0" strike="noStrike" spc="-1" dirty="0">
+                <a:latin typeface="Arial"/>
+              </a:rPr>
+              <a:t>).</a:t>
             </a:r>
           </a:p>
         </p:txBody>
@@ -13597,4 +16398,299 @@
   <a:objectDefaults/>
   <a:extraClrSchemeLst/>
 </a:theme>
+</file>
+
+<file path=ppt/theme/theme3.xml><?xml version="1.0" encoding="utf-8"?>
+<a:theme xmlns:a="http://schemas.openxmlformats.org/drawingml/2006/main" name="Thème Office">
+  <a:themeElements>
+    <a:clrScheme name="Office">
+      <a:dk1>
+        <a:sysClr val="windowText" lastClr="000000"/>
+      </a:dk1>
+      <a:lt1>
+        <a:sysClr val="window" lastClr="FFFFFF"/>
+      </a:lt1>
+      <a:dk2>
+        <a:srgbClr val="44546A"/>
+      </a:dk2>
+      <a:lt2>
+        <a:srgbClr val="E7E6E6"/>
+      </a:lt2>
+      <a:accent1>
+        <a:srgbClr val="4472C4"/>
+      </a:accent1>
+      <a:accent2>
+        <a:srgbClr val="ED7D31"/>
+      </a:accent2>
+      <a:accent3>
+        <a:srgbClr val="A5A5A5"/>
+      </a:accent3>
+      <a:accent4>
+        <a:srgbClr val="FFC000"/>
+      </a:accent4>
+      <a:accent5>
+        <a:srgbClr val="5B9BD5"/>
+      </a:accent5>
+      <a:accent6>
+        <a:srgbClr val="70AD47"/>
+      </a:accent6>
+      <a:hlink>
+        <a:srgbClr val="0563C1"/>
+      </a:hlink>
+      <a:folHlink>
+        <a:srgbClr val="954F72"/>
+      </a:folHlink>
+    </a:clrScheme>
+    <a:fontScheme name="Office">
+      <a:majorFont>
+        <a:latin typeface="Calibri Light" panose="020F0302020204030204"/>
+        <a:ea typeface=""/>
+        <a:cs typeface=""/>
+        <a:font script="Jpan" typeface="游ゴシック Light"/>
+        <a:font script="Hang" typeface="맑은 고딕"/>
+        <a:font script="Hans" typeface="等线 Light"/>
+        <a:font script="Hant" typeface="新細明體"/>
+        <a:font script="Arab" typeface="Times New Roman"/>
+        <a:font script="Hebr" typeface="Times New Roman"/>
+        <a:font script="Thai" typeface="Angsana New"/>
+        <a:font script="Ethi" typeface="Nyala"/>
+        <a:font script="Beng" typeface="Vrinda"/>
+        <a:font script="Gujr" typeface="Shruti"/>
+        <a:font script="Khmr" typeface="MoolBoran"/>
+        <a:font script="Knda" typeface="Tunga"/>
+        <a:font script="Guru" typeface="Raavi"/>
+        <a:font script="Cans" typeface="Euphemia"/>
+        <a:font script="Cher" typeface="Plantagenet Cherokee"/>
+        <a:font script="Yiii" typeface="Microsoft Yi Baiti"/>
+        <a:font script="Tibt" typeface="Microsoft Himalaya"/>
+        <a:font script="Thaa" typeface="MV Boli"/>
+        <a:font script="Deva" typeface="Mangal"/>
+        <a:font script="Telu" typeface="Gautami"/>
+        <a:font script="Taml" typeface="Latha"/>
+        <a:font script="Syrc" typeface="Estrangelo Edessa"/>
+        <a:font script="Orya" typeface="Kalinga"/>
+        <a:font script="Mlym" typeface="Kartika"/>
+        <a:font script="Laoo" typeface="DokChampa"/>
+        <a:font script="Sinh" typeface="Iskoola Pota"/>
+        <a:font script="Mong" typeface="Mongolian Baiti"/>
+        <a:font script="Viet" typeface="Times New Roman"/>
+        <a:font script="Uigh" typeface="Microsoft Uighur"/>
+        <a:font script="Geor" typeface="Sylfaen"/>
+        <a:font script="Armn" typeface="Arial"/>
+        <a:font script="Bugi" typeface="Leelawadee UI"/>
+        <a:font script="Bopo" typeface="Microsoft JhengHei"/>
+        <a:font script="Java" typeface="Javanese Text"/>
+        <a:font script="Lisu" typeface="Segoe UI"/>
+        <a:font script="Mymr" typeface="Myanmar Text"/>
+        <a:font script="Nkoo" typeface="Ebrima"/>
+        <a:font script="Olck" typeface="Nirmala UI"/>
+        <a:font script="Osma" typeface="Ebrima"/>
+        <a:font script="Phag" typeface="Phagspa"/>
+        <a:font script="Syrn" typeface="Estrangelo Edessa"/>
+        <a:font script="Syrj" typeface="Estrangelo Edessa"/>
+        <a:font script="Syre" typeface="Estrangelo Edessa"/>
+        <a:font script="Sora" typeface="Nirmala UI"/>
+        <a:font script="Tale" typeface="Microsoft Tai Le"/>
+        <a:font script="Talu" typeface="Microsoft New Tai Lue"/>
+        <a:font script="Tfng" typeface="Ebrima"/>
+      </a:majorFont>
+      <a:minorFont>
+        <a:latin typeface="Calibri" panose="020F0502020204030204"/>
+        <a:ea typeface=""/>
+        <a:cs typeface=""/>
+        <a:font script="Jpan" typeface="游ゴシック"/>
+        <a:font script="Hang" typeface="맑은 고딕"/>
+        <a:font script="Hans" typeface="等线"/>
+        <a:font script="Hant" typeface="新細明體"/>
+        <a:font script="Arab" typeface="Arial"/>
+        <a:font script="Hebr" typeface="Arial"/>
+        <a:font script="Thai" typeface="Cordia New"/>
+        <a:font script="Ethi" typeface="Nyala"/>
+        <a:font script="Beng" typeface="Vrinda"/>
+        <a:font script="Gujr" typeface="Shruti"/>
+        <a:font script="Khmr" typeface="DaunPenh"/>
+        <a:font script="Knda" typeface="Tunga"/>
+        <a:font script="Guru" typeface="Raavi"/>
+        <a:font script="Cans" typeface="Euphemia"/>
+        <a:font script="Cher" typeface="Plantagenet Cherokee"/>
+        <a:font script="Yiii" typeface="Microsoft Yi Baiti"/>
+        <a:font script="Tibt" typeface="Microsoft Himalaya"/>
+        <a:font script="Thaa" typeface="MV Boli"/>
+        <a:font script="Deva" typeface="Mangal"/>
+        <a:font script="Telu" typeface="Gautami"/>
+        <a:font script="Taml" typeface="Latha"/>
+        <a:font script="Syrc" typeface="Estrangelo Edessa"/>
+        <a:font script="Orya" typeface="Kalinga"/>
+        <a:font script="Mlym" typeface="Kartika"/>
+        <a:font script="Laoo" typeface="DokChampa"/>
+        <a:font script="Sinh" typeface="Iskoola Pota"/>
+        <a:font script="Mong" typeface="Mongolian Baiti"/>
+        <a:font script="Viet" typeface="Arial"/>
+        <a:font script="Uigh" typeface="Microsoft Uighur"/>
+        <a:font script="Geor" typeface="Sylfaen"/>
+        <a:font script="Armn" typeface="Arial"/>
+        <a:font script="Bugi" typeface="Leelawadee UI"/>
+        <a:font script="Bopo" typeface="Microsoft JhengHei"/>
+        <a:font script="Java" typeface="Javanese Text"/>
+        <a:font script="Lisu" typeface="Segoe UI"/>
+        <a:font script="Mymr" typeface="Myanmar Text"/>
+        <a:font script="Nkoo" typeface="Ebrima"/>
+        <a:font script="Olck" typeface="Nirmala UI"/>
+        <a:font script="Osma" typeface="Ebrima"/>
+        <a:font script="Phag" typeface="Phagspa"/>
+        <a:font script="Syrn" typeface="Estrangelo Edessa"/>
+        <a:font script="Syrj" typeface="Estrangelo Edessa"/>
+        <a:font script="Syre" typeface="Estrangelo Edessa"/>
+        <a:font script="Sora" typeface="Nirmala UI"/>
+        <a:font script="Tale" typeface="Microsoft Tai Le"/>
+        <a:font script="Talu" typeface="Microsoft New Tai Lue"/>
+        <a:font script="Tfng" typeface="Ebrima"/>
+      </a:minorFont>
+    </a:fontScheme>
+    <a:fmtScheme name="Office">
+      <a:fillStyleLst>
+        <a:solidFill>
+          <a:schemeClr val="phClr"/>
+        </a:solidFill>
+        <a:gradFill rotWithShape="1">
+          <a:gsLst>
+            <a:gs pos="0">
+              <a:schemeClr val="phClr">
+                <a:lumMod val="110000"/>
+                <a:satMod val="105000"/>
+                <a:tint val="67000"/>
+              </a:schemeClr>
+            </a:gs>
+            <a:gs pos="50000">
+              <a:schemeClr val="phClr">
+                <a:lumMod val="105000"/>
+                <a:satMod val="103000"/>
+                <a:tint val="73000"/>
+              </a:schemeClr>
+            </a:gs>
+            <a:gs pos="100000">
+              <a:schemeClr val="phClr">
+                <a:lumMod val="105000"/>
+                <a:satMod val="109000"/>
+                <a:tint val="81000"/>
+              </a:schemeClr>
+            </a:gs>
+          </a:gsLst>
+          <a:lin ang="5400000" scaled="0"/>
+        </a:gradFill>
+        <a:gradFill rotWithShape="1">
+          <a:gsLst>
+            <a:gs pos="0">
+              <a:schemeClr val="phClr">
+                <a:satMod val="103000"/>
+                <a:lumMod val="102000"/>
+                <a:tint val="94000"/>
+              </a:schemeClr>
+            </a:gs>
+            <a:gs pos="50000">
+              <a:schemeClr val="phClr">
+                <a:satMod val="110000"/>
+                <a:lumMod val="100000"/>
+                <a:shade val="100000"/>
+              </a:schemeClr>
+            </a:gs>
+            <a:gs pos="100000">
+              <a:schemeClr val="phClr">
+                <a:lumMod val="99000"/>
+                <a:satMod val="120000"/>
+                <a:shade val="78000"/>
+              </a:schemeClr>
+            </a:gs>
+          </a:gsLst>
+          <a:lin ang="5400000" scaled="0"/>
+        </a:gradFill>
+      </a:fillStyleLst>
+      <a:lnStyleLst>
+        <a:ln w="6350" cap="flat" cmpd="sng" algn="ctr">
+          <a:solidFill>
+            <a:schemeClr val="phClr"/>
+          </a:solidFill>
+          <a:prstDash val="solid"/>
+          <a:miter lim="800000"/>
+        </a:ln>
+        <a:ln w="12700" cap="flat" cmpd="sng" algn="ctr">
+          <a:solidFill>
+            <a:schemeClr val="phClr"/>
+          </a:solidFill>
+          <a:prstDash val="solid"/>
+          <a:miter lim="800000"/>
+        </a:ln>
+        <a:ln w="19050" cap="flat" cmpd="sng" algn="ctr">
+          <a:solidFill>
+            <a:schemeClr val="phClr"/>
+          </a:solidFill>
+          <a:prstDash val="solid"/>
+          <a:miter lim="800000"/>
+        </a:ln>
+      </a:lnStyleLst>
+      <a:effectStyleLst>
+        <a:effectStyle>
+          <a:effectLst/>
+        </a:effectStyle>
+        <a:effectStyle>
+          <a:effectLst/>
+        </a:effectStyle>
+        <a:effectStyle>
+          <a:effectLst>
+            <a:outerShdw blurRad="57150" dist="19050" dir="5400000" algn="ctr" rotWithShape="0">
+              <a:srgbClr val="000000">
+                <a:alpha val="63000"/>
+              </a:srgbClr>
+            </a:outerShdw>
+          </a:effectLst>
+        </a:effectStyle>
+      </a:effectStyleLst>
+      <a:bgFillStyleLst>
+        <a:solidFill>
+          <a:schemeClr val="phClr"/>
+        </a:solidFill>
+        <a:solidFill>
+          <a:schemeClr val="phClr">
+            <a:tint val="95000"/>
+            <a:satMod val="170000"/>
+          </a:schemeClr>
+        </a:solidFill>
+        <a:gradFill rotWithShape="1">
+          <a:gsLst>
+            <a:gs pos="0">
+              <a:schemeClr val="phClr">
+                <a:tint val="93000"/>
+                <a:satMod val="150000"/>
+                <a:shade val="98000"/>
+                <a:lumMod val="102000"/>
+              </a:schemeClr>
+            </a:gs>
+            <a:gs pos="50000">
+              <a:schemeClr val="phClr">
+                <a:tint val="98000"/>
+                <a:satMod val="130000"/>
+                <a:shade val="90000"/>
+                <a:lumMod val="103000"/>
+              </a:schemeClr>
+            </a:gs>
+            <a:gs pos="100000">
+              <a:schemeClr val="phClr">
+                <a:shade val="63000"/>
+                <a:satMod val="120000"/>
+              </a:schemeClr>
+            </a:gs>
+          </a:gsLst>
+          <a:lin ang="5400000" scaled="0"/>
+        </a:gradFill>
+      </a:bgFillStyleLst>
+    </a:fmtScheme>
+  </a:themeElements>
+  <a:objectDefaults/>
+  <a:extraClrSchemeLst/>
+  <a:extLst>
+    <a:ext uri="{05A4C25C-085E-4340-85A3-A5531E510DB2}">
+      <thm15:themeFamily xmlns:thm15="http://schemas.microsoft.com/office/thememl/2012/main" name="Office Theme" id="{62F939B6-93AF-4DB8-9C6B-D6C7DFDC589F}" vid="{4A3C46E8-61CC-4603-A589-7422A47A8E4A}"/>
+    </a:ext>
+  </a:extLst>
+</a:theme>
 </file>
--- a/Diapo_commun/PresentationCommune.pptx
+++ b/Diapo_commun/PresentationCommune.pptx
@@ -8576,8 +8576,17 @@
               <a:rPr lang="fr-FR" sz="4000" b="0" strike="noStrike" spc="-1" dirty="0">
                 <a:latin typeface="Calibri"/>
               </a:rPr>
-              <a:t>Présentation de la partie : Application Web Admin</a:t>
-            </a:r>
+              <a:t>Présentation de la partie : Application </a:t>
+            </a:r>
+            <a:r>
+              <a:rPr lang="fr-FR" sz="4000" b="0" strike="noStrike" spc="-1">
+                <a:latin typeface="Calibri"/>
+              </a:rPr>
+              <a:t>Web Admin </a:t>
+            </a:r>
+            <a:endParaRPr lang="fr-FR" sz="4000" b="0" strike="noStrike" spc="-1" dirty="0">
+              <a:latin typeface="Calibri"/>
+            </a:endParaRPr>
           </a:p>
         </p:txBody>
       </p:sp>

--- a/Diapo_commun/PresentationCommune.pptx
+++ b/Diapo_commun/PresentationCommune.pptx
@@ -7487,7 +7487,7 @@
               <a:rPr lang="fr-FR" sz="4000" b="0" strike="noStrike" spc="-1" dirty="0">
                 <a:latin typeface="Calibri"/>
               </a:rPr>
-              <a:t>Présentation de la partie : Application Web Admin</a:t>
+              <a:t>Présentation de la partie : Application Web Admin </a:t>
             </a:r>
           </a:p>
         </p:txBody>
@@ -8576,17 +8576,8 @@
               <a:rPr lang="fr-FR" sz="4000" b="0" strike="noStrike" spc="-1" dirty="0">
                 <a:latin typeface="Calibri"/>
               </a:rPr>
-              <a:t>Présentation de la partie : Application </a:t>
-            </a:r>
-            <a:r>
-              <a:rPr lang="fr-FR" sz="4000" b="0" strike="noStrike" spc="-1">
-                <a:latin typeface="Calibri"/>
-              </a:rPr>
-              <a:t>Web Admin </a:t>
-            </a:r>
-            <a:endParaRPr lang="fr-FR" sz="4000" b="0" strike="noStrike" spc="-1" dirty="0">
-              <a:latin typeface="Calibri"/>
-            </a:endParaRPr>
+              <a:t>Présentation de la partie : Application Web Admin </a:t>
+            </a:r>
           </a:p>
         </p:txBody>
       </p:sp>

--- a/Diapo_commun/PresentationCommune.pptx
+++ b/Diapo_commun/PresentationCommune.pptx
@@ -8673,86 +8673,10 @@
       </p:sp>
       <p:pic>
         <p:nvPicPr>
-          <p:cNvPr id="1026" name="Picture 2" descr="Développer des applications .NET Core sur Linux et macOS | SoftFluent">
+          <p:cNvPr id="9" name="Image 8">
             <a:extLst>
               <a:ext uri="{FF2B5EF4-FFF2-40B4-BE49-F238E27FC236}">
-                <a16:creationId xmlns:a16="http://schemas.microsoft.com/office/drawing/2014/main" id="{AB802CC1-CF1E-4F93-80B5-2B1C63A8E58B}"/>
-              </a:ext>
-            </a:extLst>
-          </p:cNvPr>
-          <p:cNvPicPr>
-            <a:picLocks noChangeAspect="1" noChangeArrowheads="1"/>
-          </p:cNvPicPr>
-          <p:nvPr/>
-        </p:nvPicPr>
-        <p:blipFill>
-          <a:blip r:embed="rId4">
-            <a:extLst>
-              <a:ext uri="{28A0092B-C50C-407E-A947-70E740481C1C}">
-                <a14:useLocalDpi xmlns:a14="http://schemas.microsoft.com/office/drawing/2010/main" val="0"/>
-              </a:ext>
-            </a:extLst>
-          </a:blip>
-          <a:srcRect/>
-          <a:stretch>
-            <a:fillRect/>
-          </a:stretch>
-        </p:blipFill>
-        <p:spPr bwMode="auto">
-          <a:xfrm>
-            <a:off x="4786242" y="2302672"/>
-            <a:ext cx="2027972" cy="1066321"/>
-          </a:xfrm>
-          <a:prstGeom prst="rect">
-            <a:avLst/>
-          </a:prstGeom>
-          <a:noFill/>
-          <a:extLst>
-            <a:ext uri="{909E8E84-426E-40DD-AFC4-6F175D3DCCD1}">
-              <a14:hiddenFill xmlns:a14="http://schemas.microsoft.com/office/drawing/2010/main">
-                <a:solidFill>
-                  <a:srgbClr val="FFFFFF"/>
-                </a:solidFill>
-              </a14:hiddenFill>
-            </a:ext>
-          </a:extLst>
-        </p:spPr>
-      </p:pic>
-      <p:pic>
-        <p:nvPicPr>
-          <p:cNvPr id="10" name="Image 15">
-            <a:extLst>
-              <a:ext uri="{FF2B5EF4-FFF2-40B4-BE49-F238E27FC236}">
-                <a16:creationId xmlns:a16="http://schemas.microsoft.com/office/drawing/2014/main" id="{EA404832-CBA0-4DFB-9DE1-2B0A3DB5568D}"/>
-              </a:ext>
-            </a:extLst>
-          </p:cNvPr>
-          <p:cNvPicPr/>
-          <p:nvPr/>
-        </p:nvPicPr>
-        <p:blipFill>
-          <a:blip r:embed="rId5"/>
-          <a:stretch/>
-        </p:blipFill>
-        <p:spPr>
-          <a:xfrm>
-            <a:off x="6216974" y="3439632"/>
-            <a:ext cx="597240" cy="548883"/>
-          </a:xfrm>
-          <a:prstGeom prst="rect">
-            <a:avLst/>
-          </a:prstGeom>
-          <a:ln w="0">
-            <a:noFill/>
-          </a:ln>
-        </p:spPr>
-      </p:pic>
-      <p:pic>
-        <p:nvPicPr>
-          <p:cNvPr id="3" name="Image 2">
-            <a:extLst>
-              <a:ext uri="{FF2B5EF4-FFF2-40B4-BE49-F238E27FC236}">
-                <a16:creationId xmlns:a16="http://schemas.microsoft.com/office/drawing/2014/main" id="{D3D08115-32B9-4284-BDA5-9827D5FC0A84}"/>
+                <a16:creationId xmlns:a16="http://schemas.microsoft.com/office/drawing/2014/main" id="{231001B5-AE35-41FF-8EC0-769D52BEEC2E}"/>
               </a:ext>
             </a:extLst>
           </p:cNvPr>
@@ -8762,75 +8686,15 @@
           <p:nvPr/>
         </p:nvPicPr>
         <p:blipFill>
-          <a:blip r:embed="rId6"/>
+          <a:blip r:embed="rId4"/>
           <a:stretch>
             <a:fillRect/>
           </a:stretch>
         </p:blipFill>
         <p:spPr>
           <a:xfrm>
-            <a:off x="4786242" y="3431060"/>
-            <a:ext cx="1300777" cy="548883"/>
-          </a:xfrm>
-          <a:prstGeom prst="rect">
-            <a:avLst/>
-          </a:prstGeom>
-        </p:spPr>
-      </p:pic>
-      <p:pic>
-        <p:nvPicPr>
-          <p:cNvPr id="6" name="Image 5">
-            <a:extLst>
-              <a:ext uri="{FF2B5EF4-FFF2-40B4-BE49-F238E27FC236}">
-                <a16:creationId xmlns:a16="http://schemas.microsoft.com/office/drawing/2014/main" id="{CCDE56E9-27CC-48BB-8FB6-453F42EA351D}"/>
-              </a:ext>
-            </a:extLst>
-          </p:cNvPr>
-          <p:cNvPicPr>
-            <a:picLocks noChangeAspect="1"/>
-          </p:cNvPicPr>
-          <p:nvPr/>
-        </p:nvPicPr>
-        <p:blipFill>
-          <a:blip r:embed="rId7"/>
-          <a:stretch>
-            <a:fillRect/>
-          </a:stretch>
-        </p:blipFill>
-        <p:spPr>
-          <a:xfrm>
-            <a:off x="13472" y="3988515"/>
-            <a:ext cx="4772769" cy="2421285"/>
-          </a:xfrm>
-          <a:prstGeom prst="rect">
-            <a:avLst/>
-          </a:prstGeom>
-        </p:spPr>
-      </p:pic>
-      <p:pic>
-        <p:nvPicPr>
-          <p:cNvPr id="23" name="Image 22">
-            <a:extLst>
-              <a:ext uri="{FF2B5EF4-FFF2-40B4-BE49-F238E27FC236}">
-                <a16:creationId xmlns:a16="http://schemas.microsoft.com/office/drawing/2014/main" id="{3BA4610F-5F68-4569-8298-F5CEDD1FD888}"/>
-              </a:ext>
-            </a:extLst>
-          </p:cNvPr>
-          <p:cNvPicPr>
-            <a:picLocks noChangeAspect="1"/>
-          </p:cNvPicPr>
-          <p:nvPr/>
-        </p:nvPicPr>
-        <p:blipFill>
-          <a:blip r:embed="rId8"/>
-          <a:stretch>
-            <a:fillRect/>
-          </a:stretch>
-        </p:blipFill>
-        <p:spPr>
-          <a:xfrm>
-            <a:off x="6814214" y="3988515"/>
-            <a:ext cx="5393221" cy="2428856"/>
+            <a:off x="1695330" y="1340308"/>
+            <a:ext cx="8801100" cy="5143500"/>
           </a:xfrm>
           <a:prstGeom prst="rect">
             <a:avLst/>

--- a/Diapo_commun/PresentationCommune.pptx
+++ b/Diapo_commun/PresentationCommune.pptx
@@ -442,7 +442,7 @@
           <a:p>
             <a:fld id="{EC9A8D48-811A-4055-B218-CE83A36871B8}" type="datetimeFigureOut">
               <a:rPr lang="fr-FR" smtClean="0"/>
-              <a:t>13/05/2021</a:t>
+              <a:t>15/05/2021</a:t>
             </a:fld>
             <a:endParaRPr lang="fr-FR"/>
           </a:p>
@@ -774,6 +774,90 @@
           <a:p>
             <a:fld id="{741171B4-A1B5-4DF7-90FF-2BB55EBEAF8E}" type="slidenum">
               <a:rPr lang="fr-FR" smtClean="0"/>
+              <a:t>7</a:t>
+            </a:fld>
+            <a:endParaRPr lang="fr-FR"/>
+          </a:p>
+        </p:txBody>
+      </p:sp>
+    </p:spTree>
+    <p:extLst>
+      <p:ext uri="{BB962C8B-B14F-4D97-AF65-F5344CB8AC3E}">
+        <p14:creationId xmlns:p14="http://schemas.microsoft.com/office/powerpoint/2010/main" val="3011282316"/>
+      </p:ext>
+    </p:extLst>
+  </p:cSld>
+  <p:clrMapOvr>
+    <a:masterClrMapping/>
+  </p:clrMapOvr>
+</p:notes>
+</file>
+
+<file path=ppt/notesSlides/notesSlide2.xml><?xml version="1.0" encoding="utf-8"?>
+<p:notes xmlns:a="http://schemas.openxmlformats.org/drawingml/2006/main" xmlns:r="http://schemas.openxmlformats.org/officeDocument/2006/relationships" xmlns:p="http://schemas.openxmlformats.org/presentationml/2006/main">
+  <p:cSld>
+    <p:spTree>
+      <p:nvGrpSpPr>
+        <p:cNvPr id="1" name=""/>
+        <p:cNvGrpSpPr/>
+        <p:nvPr/>
+      </p:nvGrpSpPr>
+      <p:grpSpPr>
+        <a:xfrm>
+          <a:off x="0" y="0"/>
+          <a:ext cx="0" cy="0"/>
+          <a:chOff x="0" y="0"/>
+          <a:chExt cx="0" cy="0"/>
+        </a:xfrm>
+      </p:grpSpPr>
+      <p:sp>
+        <p:nvSpPr>
+          <p:cNvPr id="2" name="Espace réservé de l'image des diapositives 1"/>
+          <p:cNvSpPr>
+            <a:spLocks noGrp="1" noRot="1" noChangeAspect="1"/>
+          </p:cNvSpPr>
+          <p:nvPr>
+            <p:ph type="sldImg"/>
+          </p:nvPr>
+        </p:nvSpPr>
+        <p:spPr/>
+      </p:sp>
+      <p:sp>
+        <p:nvSpPr>
+          <p:cNvPr id="3" name="Espace réservé des notes 2"/>
+          <p:cNvSpPr>
+            <a:spLocks noGrp="1"/>
+          </p:cNvSpPr>
+          <p:nvPr>
+            <p:ph type="body" idx="1"/>
+          </p:nvPr>
+        </p:nvSpPr>
+        <p:spPr/>
+        <p:txBody>
+          <a:bodyPr/>
+          <a:lstStyle/>
+          <a:p>
+            <a:endParaRPr lang="fr-FR" dirty="0"/>
+          </a:p>
+        </p:txBody>
+      </p:sp>
+      <p:sp>
+        <p:nvSpPr>
+          <p:cNvPr id="4" name="Espace réservé du numéro de diapositive 3"/>
+          <p:cNvSpPr>
+            <a:spLocks noGrp="1"/>
+          </p:cNvSpPr>
+          <p:nvPr>
+            <p:ph type="sldNum" sz="quarter" idx="5"/>
+          </p:nvPr>
+        </p:nvSpPr>
+        <p:spPr/>
+        <p:txBody>
+          <a:bodyPr/>
+          <a:lstStyle/>
+          <a:p>
+            <a:fld id="{741171B4-A1B5-4DF7-90FF-2BB55EBEAF8E}" type="slidenum">
+              <a:rPr lang="fr-FR" smtClean="0"/>
               <a:t>15</a:t>
             </a:fld>
             <a:endParaRPr lang="fr-FR"/>
@@ -793,7 +877,7 @@
 </p:notes>
 </file>
 
-<file path=ppt/notesSlides/notesSlide2.xml><?xml version="1.0" encoding="utf-8"?>
+<file path=ppt/notesSlides/notesSlide3.xml><?xml version="1.0" encoding="utf-8"?>
 <p:notes xmlns:a="http://schemas.openxmlformats.org/drawingml/2006/main" xmlns:r="http://schemas.openxmlformats.org/officeDocument/2006/relationships" xmlns:p="http://schemas.openxmlformats.org/presentationml/2006/main">
   <p:cSld>
     <p:spTree>
@@ -5676,7 +5760,7 @@
               </a:lnSpc>
             </a:pPr>
             <a:r>
-              <a:rPr lang="fr-FR" sz="4000" b="0" strike="noStrike" spc="-1">
+              <a:rPr lang="fr-FR" sz="4000" b="0" strike="noStrike" spc="-1" dirty="0">
                 <a:solidFill>
                   <a:srgbClr val="3F3F3F"/>
                 </a:solidFill>
@@ -5685,15 +5769,15 @@
               <a:t>VI. </a:t>
             </a:r>
             <a:r>
-              <a:rPr lang="fr-FR" sz="4000" b="0" strike="noStrike" spc="-1">
+              <a:rPr lang="fr-FR" sz="4000" b="0" strike="noStrike" spc="-1" dirty="0">
                 <a:solidFill>
                   <a:srgbClr val="000000"/>
                 </a:solidFill>
                 <a:latin typeface="Calibri Light"/>
               </a:rPr>
-              <a:t>Présentation de la partie : Web Service</a:t>
+              <a:t>Web Service</a:t>
             </a:r>
-            <a:endParaRPr lang="fr-FR" sz="4000" b="0" strike="noStrike" spc="-1">
+            <a:endParaRPr lang="fr-FR" sz="4000" b="0" strike="noStrike" spc="-1" dirty="0">
               <a:solidFill>
                 <a:srgbClr val="000000"/>
               </a:solidFill>
@@ -6056,7 +6140,7 @@
         </p:spPr>
         <p:txBody>
           <a:bodyPr anchor="ctr">
-            <a:normAutofit fontScale="92500" lnSpcReduction="10000"/>
+            <a:normAutofit/>
           </a:bodyPr>
           <a:lstStyle/>
           <a:p>
@@ -6066,7 +6150,7 @@
               </a:lnSpc>
             </a:pPr>
             <a:r>
-              <a:rPr lang="fr-FR" sz="4000" b="0" strike="noStrike" spc="-1">
+              <a:rPr lang="fr-FR" sz="4000" b="0" strike="noStrike" spc="-1" dirty="0">
                 <a:solidFill>
                   <a:srgbClr val="3F3F3F"/>
                 </a:solidFill>
@@ -6075,15 +6159,15 @@
               <a:t>VII</a:t>
             </a:r>
             <a:r>
-              <a:rPr lang="fr-FR" sz="4000" b="0" strike="noStrike" spc="-1">
+              <a:rPr lang="fr-FR" sz="4000" b="0" strike="noStrike" spc="-1" dirty="0">
                 <a:solidFill>
                   <a:srgbClr val="000000"/>
                 </a:solidFill>
                 <a:latin typeface="Calibri Light"/>
               </a:rPr>
-              <a:t>. Présentation de la partie : Capteurs/Actionneurs</a:t>
+              <a:t>. Capteurs/Actionneurs</a:t>
             </a:r>
-            <a:endParaRPr lang="fr-FR" sz="4000" b="0" strike="noStrike" spc="-1">
+            <a:endParaRPr lang="fr-FR" sz="4000" b="0" strike="noStrike" spc="-1" dirty="0">
               <a:solidFill>
                 <a:srgbClr val="000000"/>
               </a:solidFill>
@@ -6483,7 +6567,7 @@
         </p:spPr>
         <p:txBody>
           <a:bodyPr anchor="ctr">
-            <a:normAutofit fontScale="92500" lnSpcReduction="10000"/>
+            <a:normAutofit/>
           </a:bodyPr>
           <a:lstStyle/>
           <a:p>
@@ -6493,7 +6577,7 @@
               </a:lnSpc>
             </a:pPr>
             <a:r>
-              <a:rPr lang="fr-FR" sz="4000" b="0" strike="noStrike" spc="-1">
+              <a:rPr lang="fr-FR" sz="4000" b="0" strike="noStrike" spc="-1" dirty="0">
                 <a:solidFill>
                   <a:srgbClr val="3F3F3F"/>
                 </a:solidFill>
@@ -6502,15 +6586,15 @@
               <a:t>VII</a:t>
             </a:r>
             <a:r>
-              <a:rPr lang="fr-FR" sz="4000" b="0" strike="noStrike" spc="-1">
+              <a:rPr lang="fr-FR" sz="4000" b="0" strike="noStrike" spc="-1" dirty="0">
                 <a:solidFill>
                   <a:srgbClr val="000000"/>
                 </a:solidFill>
                 <a:latin typeface="Calibri Light"/>
               </a:rPr>
-              <a:t>. Présentation de la partie : Capteurs/Actionneurs</a:t>
+              <a:t>. Capteurs/Actionneurs</a:t>
             </a:r>
-            <a:endParaRPr lang="fr-FR" sz="4000" b="0" strike="noStrike" spc="-1">
+            <a:endParaRPr lang="fr-FR" sz="4000" b="0" strike="noStrike" spc="-1" dirty="0">
               <a:solidFill>
                 <a:srgbClr val="000000"/>
               </a:solidFill>
@@ -6816,7 +6900,7 @@
         </p:spPr>
         <p:txBody>
           <a:bodyPr anchor="ctr">
-            <a:normAutofit fontScale="92500" lnSpcReduction="10000"/>
+            <a:normAutofit/>
           </a:bodyPr>
           <a:lstStyle/>
           <a:p>
@@ -6826,7 +6910,7 @@
               </a:lnSpc>
             </a:pPr>
             <a:r>
-              <a:rPr lang="fr-FR" sz="4000" b="0" strike="noStrike" spc="-1">
+              <a:rPr lang="fr-FR" sz="4000" b="0" strike="noStrike" spc="-1" dirty="0">
                 <a:solidFill>
                   <a:srgbClr val="3F3F3F"/>
                 </a:solidFill>
@@ -6835,15 +6919,15 @@
               <a:t>VII</a:t>
             </a:r>
             <a:r>
-              <a:rPr lang="fr-FR" sz="4000" b="0" strike="noStrike" spc="-1">
+              <a:rPr lang="fr-FR" sz="4000" b="0" strike="noStrike" spc="-1" dirty="0">
                 <a:solidFill>
                   <a:srgbClr val="000000"/>
                 </a:solidFill>
                 <a:latin typeface="Calibri Light"/>
               </a:rPr>
-              <a:t>. Présentation de la partie : Capteurs/Actionneurs</a:t>
+              <a:t>. Capteurs/Actionneurs</a:t>
             </a:r>
-            <a:endParaRPr lang="fr-FR" sz="4000" b="0" strike="noStrike" spc="-1">
+            <a:endParaRPr lang="fr-FR" sz="4000" b="0" strike="noStrike" spc="-1" dirty="0">
               <a:solidFill>
                 <a:srgbClr val="000000"/>
               </a:solidFill>
@@ -7138,7 +7222,7 @@
         </p:spPr>
         <p:txBody>
           <a:bodyPr anchor="ctr">
-            <a:normAutofit fontScale="92500" lnSpcReduction="10000"/>
+            <a:normAutofit/>
           </a:bodyPr>
           <a:lstStyle/>
           <a:p>
@@ -7148,7 +7232,7 @@
               </a:lnSpc>
             </a:pPr>
             <a:r>
-              <a:rPr lang="fr-FR" sz="4000" b="0" strike="noStrike" spc="-1">
+              <a:rPr lang="fr-FR" sz="4000" b="0" strike="noStrike" spc="-1" dirty="0">
                 <a:solidFill>
                   <a:srgbClr val="3F3F3F"/>
                 </a:solidFill>
@@ -7157,15 +7241,15 @@
               <a:t>VII</a:t>
             </a:r>
             <a:r>
-              <a:rPr lang="fr-FR" sz="4000" b="0" strike="noStrike" spc="-1">
+              <a:rPr lang="fr-FR" sz="4000" b="0" strike="noStrike" spc="-1" dirty="0">
                 <a:solidFill>
                   <a:srgbClr val="000000"/>
                 </a:solidFill>
                 <a:latin typeface="Calibri Light"/>
               </a:rPr>
-              <a:t>. Présentation de la partie : Capteurs/Actionneurs</a:t>
+              <a:t>. Capteurs/Actionneurs</a:t>
             </a:r>
-            <a:endParaRPr lang="fr-FR" sz="4000" b="0" strike="noStrike" spc="-1">
+            <a:endParaRPr lang="fr-FR" sz="4000" b="0" strike="noStrike" spc="-1" dirty="0">
               <a:solidFill>
                 <a:srgbClr val="000000"/>
               </a:solidFill>
@@ -7460,7 +7544,7 @@
         </p:spPr>
         <p:txBody>
           <a:bodyPr anchor="ctr">
-            <a:normAutofit fontScale="92500" lnSpcReduction="10000"/>
+            <a:normAutofit/>
           </a:bodyPr>
           <a:lstStyle/>
           <a:p>
@@ -7487,7 +7571,7 @@
               <a:rPr lang="fr-FR" sz="4000" b="0" strike="noStrike" spc="-1" dirty="0">
                 <a:latin typeface="Calibri"/>
               </a:rPr>
-              <a:t>Présentation de la partie : Application Web Admin </a:t>
+              <a:t>Application Web Admin </a:t>
             </a:r>
           </a:p>
         </p:txBody>
@@ -8549,7 +8633,7 @@
         </p:spPr>
         <p:txBody>
           <a:bodyPr anchor="ctr">
-            <a:normAutofit fontScale="92500" lnSpcReduction="10000"/>
+            <a:normAutofit/>
           </a:bodyPr>
           <a:lstStyle/>
           <a:p>
@@ -8576,7 +8660,7 @@
               <a:rPr lang="fr-FR" sz="4000" b="0" strike="noStrike" spc="-1" dirty="0">
                 <a:latin typeface="Calibri"/>
               </a:rPr>
-              <a:t>Présentation de la partie : Application Web Admin </a:t>
+              <a:t>Application Web Admin </a:t>
             </a:r>
           </a:p>
         </p:txBody>
@@ -9330,7 +9414,7 @@
                 </a:solidFill>
                 <a:latin typeface="Calibri"/>
               </a:rPr>
-              <a:t>II. Présentation de la partie : Infra BOX + Gateway</a:t>
+              <a:t>II. Infra BOX + Gateway</a:t>
             </a:r>
             <a:endParaRPr lang="fr-FR" sz="2400" b="0" strike="noStrike" spc="-1" dirty="0">
               <a:solidFill>
@@ -9360,7 +9444,7 @@
                 </a:solidFill>
                 <a:latin typeface="Calibri"/>
               </a:rPr>
-              <a:t>III. Présentation de la partie : Application Mobile</a:t>
+              <a:t>III. Application Mobile</a:t>
             </a:r>
             <a:endParaRPr lang="fr-FR" sz="2400" b="0" strike="noStrike" spc="-1" dirty="0">
               <a:solidFill>
@@ -9390,7 +9474,7 @@
                 </a:solidFill>
                 <a:latin typeface="Calibri"/>
               </a:rPr>
-              <a:t>IV. Présentation de la partie : Serveur Web</a:t>
+              <a:t>IV. Serveur Web</a:t>
             </a:r>
             <a:endParaRPr lang="fr-FR" sz="2400" b="0" strike="noStrike" spc="-1" dirty="0">
               <a:solidFill>
@@ -9420,7 +9504,7 @@
                 </a:solidFill>
                 <a:latin typeface="Calibri"/>
               </a:rPr>
-              <a:t>V. Présentation de la partie : Backend et base de données </a:t>
+              <a:t>V. Backend et base de données </a:t>
             </a:r>
             <a:endParaRPr lang="fr-FR" sz="2400" b="0" strike="noStrike" spc="-1" dirty="0">
               <a:solidFill>
@@ -9450,7 +9534,7 @@
                 </a:solidFill>
                 <a:latin typeface="Calibri"/>
               </a:rPr>
-              <a:t>VI. Présentation de la partie : Web Service</a:t>
+              <a:t>VI. Web Service</a:t>
             </a:r>
             <a:endParaRPr lang="fr-FR" sz="2400" b="0" strike="noStrike" spc="-1" dirty="0">
               <a:solidFill>
@@ -9480,7 +9564,7 @@
                 </a:solidFill>
                 <a:latin typeface="Calibri"/>
               </a:rPr>
-              <a:t>VII. Présentation de la partie : Capteurs/Actionneurs</a:t>
+              <a:t>VII. Capteurs/Actionneurs</a:t>
             </a:r>
           </a:p>
           <a:p>
@@ -9513,7 +9597,7 @@
                 </a:solidFill>
                 <a:latin typeface="Calibri"/>
               </a:rPr>
-              <a:t>Présentation de la partie : Application Web </a:t>
+              <a:t>Application Web </a:t>
             </a:r>
             <a:r>
               <a:rPr lang="fr-FR" sz="2400" b="0" strike="noStrike" spc="-1" dirty="0">
@@ -10765,7 +10849,7 @@
         </p:spPr>
         <p:txBody>
           <a:bodyPr anchor="ctr">
-            <a:normAutofit fontScale="92500"/>
+            <a:normAutofit/>
           </a:bodyPr>
           <a:lstStyle/>
           <a:p>
@@ -10775,7 +10859,7 @@
               </a:lnSpc>
             </a:pPr>
             <a:r>
-              <a:rPr lang="fr-FR" sz="4000" b="0" strike="noStrike" spc="-1">
+              <a:rPr lang="fr-FR" sz="4000" b="0" strike="noStrike" spc="-1" dirty="0">
                 <a:solidFill>
                   <a:srgbClr val="3F3F3F"/>
                 </a:solidFill>
@@ -10784,15 +10868,15 @@
               <a:t>II. </a:t>
             </a:r>
             <a:r>
-              <a:rPr lang="fr-FR" sz="4000" b="0" strike="noStrike" spc="-1">
+              <a:rPr lang="fr-FR" sz="4000" b="0" strike="noStrike" spc="-1" dirty="0">
                 <a:solidFill>
                   <a:srgbClr val="000000"/>
                 </a:solidFill>
                 <a:latin typeface="Calibri Light"/>
               </a:rPr>
-              <a:t>Présentation de la partie : Infra BOX + Gateway </a:t>
+              <a:t>Infra BOX + Gateway </a:t>
             </a:r>
-            <a:endParaRPr lang="fr-FR" sz="4000" b="0" strike="noStrike" spc="-1">
+            <a:endParaRPr lang="fr-FR" sz="4000" b="0" strike="noStrike" spc="-1" dirty="0">
               <a:solidFill>
                 <a:srgbClr val="000000"/>
               </a:solidFill>
@@ -11098,7 +11182,7 @@
         </p:spPr>
         <p:txBody>
           <a:bodyPr anchor="ctr">
-            <a:normAutofit fontScale="92500"/>
+            <a:normAutofit/>
           </a:bodyPr>
           <a:lstStyle/>
           <a:p>
@@ -11108,7 +11192,7 @@
               </a:lnSpc>
             </a:pPr>
             <a:r>
-              <a:rPr lang="fr-FR" sz="4000" b="0" strike="noStrike" spc="-1">
+              <a:rPr lang="fr-FR" sz="4000" b="0" strike="noStrike" spc="-1" dirty="0">
                 <a:solidFill>
                   <a:srgbClr val="3F3F3F"/>
                 </a:solidFill>
@@ -11117,15 +11201,15 @@
               <a:t>III</a:t>
             </a:r>
             <a:r>
-              <a:rPr lang="fr-FR" sz="4000" b="0" strike="noStrike" spc="-1">
+              <a:rPr lang="fr-FR" sz="4000" b="0" strike="noStrike" spc="-1" dirty="0">
                 <a:solidFill>
                   <a:srgbClr val="000000"/>
                 </a:solidFill>
                 <a:latin typeface="Calibri Light"/>
               </a:rPr>
-              <a:t>.I Présentation de la partie : Application Mobile</a:t>
+              <a:t>.I Application Mobile</a:t>
             </a:r>
-            <a:endParaRPr lang="fr-FR" sz="4000" b="0" strike="noStrike" spc="-1">
+            <a:endParaRPr lang="fr-FR" sz="4000" b="0" strike="noStrike" spc="-1" dirty="0">
               <a:solidFill>
                 <a:srgbClr val="000000"/>
               </a:solidFill>
@@ -11879,7 +11963,7 @@
         </p:spPr>
         <p:txBody>
           <a:bodyPr anchor="ctr">
-            <a:normAutofit fontScale="92500"/>
+            <a:normAutofit/>
           </a:bodyPr>
           <a:lstStyle/>
           <a:p>
@@ -11889,7 +11973,7 @@
               </a:lnSpc>
             </a:pPr>
             <a:r>
-              <a:rPr lang="fr-FR" sz="4000" b="0" strike="noStrike" spc="-1">
+              <a:rPr lang="fr-FR" sz="4000" b="0" strike="noStrike" spc="-1" dirty="0">
                 <a:solidFill>
                   <a:srgbClr val="3F3F3F"/>
                 </a:solidFill>
@@ -11898,15 +11982,15 @@
               <a:t>III</a:t>
             </a:r>
             <a:r>
-              <a:rPr lang="fr-FR" sz="4000" b="0" strike="noStrike" spc="-1">
+              <a:rPr lang="fr-FR" sz="4000" b="0" strike="noStrike" spc="-1" dirty="0">
                 <a:solidFill>
                   <a:srgbClr val="000000"/>
                 </a:solidFill>
                 <a:latin typeface="Calibri Light"/>
               </a:rPr>
-              <a:t>.II Présentation de la partie : Application Mobile</a:t>
+              <a:t>.II Application Mobile</a:t>
             </a:r>
-            <a:endParaRPr lang="fr-FR" sz="4000" b="0" strike="noStrike" spc="-1">
+            <a:endParaRPr lang="fr-FR" sz="4000" b="0" strike="noStrike" spc="-1" dirty="0">
               <a:solidFill>
                 <a:srgbClr val="000000"/>
               </a:solidFill>
@@ -12595,7 +12679,7 @@
             <p:nvPr/>
           </p:nvPicPr>
           <p:blipFill>
-            <a:blip r:embed="rId2"/>
+            <a:blip r:embed="rId3"/>
             <a:srcRect t="45717" b="9819"/>
             <a:stretch/>
           </p:blipFill>
@@ -12910,10 +12994,10 @@
         </p:nvGrpSpPr>
         <p:grpSpPr>
           <a:xfrm>
-            <a:off x="0" y="360"/>
-            <a:ext cx="12192000" cy="2552767"/>
-            <a:chOff x="0" y="360"/>
-            <a:chExt cx="12191760" cy="3048840"/>
+            <a:off x="0" y="120"/>
+            <a:ext cx="12192000" cy="2050621"/>
+            <a:chOff x="0" y="-1"/>
+            <a:chExt cx="12192000" cy="3075832"/>
           </a:xfrm>
         </p:grpSpPr>
         <p:pic>
@@ -12929,14 +13013,14 @@
             <p:nvPr/>
           </p:nvPicPr>
           <p:blipFill>
-            <a:blip r:embed="rId2"/>
+            <a:blip r:embed="rId3"/>
             <a:srcRect t="45717" b="9819"/>
             <a:stretch/>
           </p:blipFill>
           <p:spPr>
             <a:xfrm rot="10800000" flipH="1">
-              <a:off x="0" y="0"/>
-              <a:ext cx="12191760" cy="3048840"/>
+              <a:off x="0" y="-1"/>
+              <a:ext cx="12192000" cy="3075832"/>
             </a:xfrm>
             <a:prstGeom prst="rect">
               <a:avLst/>
@@ -12991,78 +13075,6 @@
       </p:grpSp>
       <p:sp>
         <p:nvSpPr>
-          <p:cNvPr id="14" name="TextShape 4">
-            <a:extLst>
-              <a:ext uri="{FF2B5EF4-FFF2-40B4-BE49-F238E27FC236}">
-                <a16:creationId xmlns:a16="http://schemas.microsoft.com/office/drawing/2014/main" id="{8331CDFA-D7BF-4624-AE23-4E0AFA837F1B}"/>
-              </a:ext>
-            </a:extLst>
-          </p:cNvPr>
-          <p:cNvSpPr txBox="1"/>
-          <p:nvPr/>
-        </p:nvSpPr>
-        <p:spPr>
-          <a:xfrm>
-            <a:off x="350691" y="448200"/>
-            <a:ext cx="11563141" cy="1066320"/>
-          </a:xfrm>
-          <a:prstGeom prst="rect">
-            <a:avLst/>
-          </a:prstGeom>
-          <a:noFill/>
-          <a:ln w="0">
-            <a:noFill/>
-          </a:ln>
-        </p:spPr>
-        <p:txBody>
-          <a:bodyPr anchor="ctr">
-            <a:normAutofit fontScale="92500" lnSpcReduction="10000"/>
-          </a:bodyPr>
-          <a:lstStyle/>
-          <a:p>
-            <a:pPr>
-              <a:lnSpc>
-                <a:spcPct val="90000"/>
-              </a:lnSpc>
-            </a:pPr>
-            <a:r>
-              <a:rPr lang="fr-FR" sz="4000" b="0" strike="noStrike" spc="-1" dirty="0">
-                <a:solidFill>
-                  <a:srgbClr val="3F3F3F"/>
-                </a:solidFill>
-                <a:latin typeface="Calibri Light"/>
-              </a:rPr>
-              <a:t>IV. </a:t>
-            </a:r>
-            <a:r>
-              <a:rPr lang="fr-FR" sz="4000" b="0" strike="noStrike" spc="-1" dirty="0">
-                <a:solidFill>
-                  <a:srgbClr val="000000"/>
-                </a:solidFill>
-                <a:latin typeface="Calibri Light"/>
-              </a:rPr>
-              <a:t>Présentation de la partie :</a:t>
-            </a:r>
-            <a:r>
-              <a:rPr lang="fr-FR" sz="4000" spc="-1" dirty="0">
-                <a:solidFill>
-                  <a:srgbClr val="000000"/>
-                </a:solidFill>
-                <a:latin typeface="Calibri Light"/>
-              </a:rPr>
-              <a:t> Serveurs Web, de base de données</a:t>
-            </a:r>
-            <a:endParaRPr lang="fr-FR" sz="4000" b="0" strike="noStrike" spc="-1" dirty="0">
-              <a:solidFill>
-                <a:srgbClr val="000000"/>
-              </a:solidFill>
-              <a:latin typeface="Calibri"/>
-            </a:endParaRPr>
-          </a:p>
-        </p:txBody>
-      </p:sp>
-      <p:sp>
-        <p:nvSpPr>
           <p:cNvPr id="15" name="TextShape 5">
             <a:extLst>
               <a:ext uri="{FF2B5EF4-FFF2-40B4-BE49-F238E27FC236}">
@@ -13131,7 +13143,7 @@
         </p:nvSpPr>
         <p:spPr>
           <a:xfrm>
-            <a:off x="838080" y="6356520"/>
+            <a:off x="599101" y="6516034"/>
             <a:ext cx="2742840" cy="364680"/>
           </a:xfrm>
           <a:prstGeom prst="rect">
@@ -13277,57 +13289,6 @@
       </p:sp>
       <p:sp>
         <p:nvSpPr>
-          <p:cNvPr id="19" name="TextShape 6">
-            <a:extLst>
-              <a:ext uri="{FF2B5EF4-FFF2-40B4-BE49-F238E27FC236}">
-                <a16:creationId xmlns:a16="http://schemas.microsoft.com/office/drawing/2014/main" id="{EA85691A-6DED-45CA-B8E2-53B52E8D7E20}"/>
-              </a:ext>
-            </a:extLst>
-          </p:cNvPr>
-          <p:cNvSpPr txBox="1"/>
-          <p:nvPr/>
-        </p:nvSpPr>
-        <p:spPr>
-          <a:xfrm>
-            <a:off x="838080" y="6356520"/>
-            <a:ext cx="2742840" cy="364680"/>
-          </a:xfrm>
-          <a:prstGeom prst="rect">
-            <a:avLst/>
-          </a:prstGeom>
-          <a:noFill/>
-          <a:ln w="0">
-            <a:noFill/>
-          </a:ln>
-        </p:spPr>
-        <p:txBody>
-          <a:bodyPr anchor="ctr">
-            <a:noAutofit/>
-          </a:bodyPr>
-          <a:lstStyle/>
-          <a:p>
-            <a:pPr>
-              <a:lnSpc>
-                <a:spcPct val="100000"/>
-              </a:lnSpc>
-            </a:pPr>
-            <a:r>
-              <a:rPr lang="fr-FR" sz="1200" b="0" strike="noStrike" spc="-1">
-                <a:solidFill>
-                  <a:srgbClr val="FFFFFF"/>
-                </a:solidFill>
-                <a:latin typeface="Calibri"/>
-              </a:rPr>
-              <a:t>LP IOTIA</a:t>
-            </a:r>
-            <a:endParaRPr lang="fr-FR" sz="1200" b="0" strike="noStrike" spc="-1">
-              <a:latin typeface="Times New Roman"/>
-            </a:endParaRPr>
-          </a:p>
-        </p:txBody>
-      </p:sp>
-      <p:sp>
-        <p:nvSpPr>
           <p:cNvPr id="20" name="TextShape 7">
             <a:extLst>
               <a:ext uri="{FF2B5EF4-FFF2-40B4-BE49-F238E27FC236}">
@@ -13379,10 +13340,394 @@
       </p:sp>
       <p:sp>
         <p:nvSpPr>
-          <p:cNvPr id="21" name="Espace réservé du contenu 2">
+          <p:cNvPr id="58" name="TextShape 5">
             <a:extLst>
               <a:ext uri="{FF2B5EF4-FFF2-40B4-BE49-F238E27FC236}">
-                <a16:creationId xmlns:a16="http://schemas.microsoft.com/office/drawing/2014/main" id="{4B5AC380-C1CE-4185-8A0F-F5A04270243C}"/>
+                <a16:creationId xmlns:a16="http://schemas.microsoft.com/office/drawing/2014/main" id="{9C81F0B3-6CFA-4C8C-B2A2-856F88877437}"/>
+              </a:ext>
+            </a:extLst>
+          </p:cNvPr>
+          <p:cNvSpPr txBox="1"/>
+          <p:nvPr/>
+        </p:nvSpPr>
+        <p:spPr>
+          <a:xfrm>
+            <a:off x="1179360" y="3049200"/>
+            <a:ext cx="9833040" cy="2945160"/>
+          </a:xfrm>
+          <a:prstGeom prst="rect">
+            <a:avLst/>
+          </a:prstGeom>
+          <a:noFill/>
+          <a:ln w="0">
+            <a:noFill/>
+          </a:ln>
+        </p:spPr>
+        <p:txBody>
+          <a:bodyPr anchor="ctr">
+            <a:normAutofit/>
+          </a:bodyPr>
+          <a:lstStyle/>
+          <a:p>
+            <a:pPr>
+              <a:lnSpc>
+                <a:spcPct val="90000"/>
+              </a:lnSpc>
+              <a:spcBef>
+                <a:spcPts val="1001"/>
+              </a:spcBef>
+            </a:pPr>
+            <a:endParaRPr lang="fr-FR" sz="2800" b="0" strike="noStrike" spc="-1">
+              <a:solidFill>
+                <a:srgbClr val="000000"/>
+              </a:solidFill>
+              <a:latin typeface="Calibri"/>
+            </a:endParaRPr>
+          </a:p>
+          <a:p>
+            <a:endParaRPr lang="fr-FR" sz="2800" b="0" strike="noStrike" spc="-1">
+              <a:solidFill>
+                <a:srgbClr val="000000"/>
+              </a:solidFill>
+              <a:latin typeface="Calibri"/>
+            </a:endParaRPr>
+          </a:p>
+        </p:txBody>
+      </p:sp>
+      <p:sp>
+        <p:nvSpPr>
+          <p:cNvPr id="60" name="TextShape 7">
+            <a:extLst>
+              <a:ext uri="{FF2B5EF4-FFF2-40B4-BE49-F238E27FC236}">
+                <a16:creationId xmlns:a16="http://schemas.microsoft.com/office/drawing/2014/main" id="{D1FF147F-C0F8-49BF-B086-E9DE2C51F1AF}"/>
+              </a:ext>
+            </a:extLst>
+          </p:cNvPr>
+          <p:cNvSpPr txBox="1"/>
+          <p:nvPr/>
+        </p:nvSpPr>
+        <p:spPr>
+          <a:xfrm>
+            <a:off x="8610480" y="6356520"/>
+            <a:ext cx="2742840" cy="364680"/>
+          </a:xfrm>
+          <a:prstGeom prst="rect">
+            <a:avLst/>
+          </a:prstGeom>
+          <a:noFill/>
+          <a:ln w="0">
+            <a:noFill/>
+          </a:ln>
+        </p:spPr>
+        <p:txBody>
+          <a:bodyPr anchor="ctr">
+            <a:noAutofit/>
+          </a:bodyPr>
+          <a:lstStyle/>
+          <a:p>
+            <a:pPr algn="r">
+              <a:lnSpc>
+                <a:spcPct val="100000"/>
+              </a:lnSpc>
+            </a:pPr>
+            <a:fld id="{AB127B7B-A1D3-4150-B341-D24BF54BBC47}" type="slidenum">
+              <a:rPr lang="fr-FR" sz="1200" b="0" strike="noStrike" spc="-1">
+                <a:solidFill>
+                  <a:srgbClr val="FFFFFF"/>
+                </a:solidFill>
+                <a:latin typeface="Calibri"/>
+              </a:rPr>
+              <a:t>7</a:t>
+            </a:fld>
+            <a:endParaRPr lang="fr-FR" sz="1200" b="0" strike="noStrike" spc="-1">
+              <a:latin typeface="Times New Roman"/>
+            </a:endParaRPr>
+          </a:p>
+        </p:txBody>
+      </p:sp>
+      <p:sp>
+        <p:nvSpPr>
+          <p:cNvPr id="61" name="TextShape 4">
+            <a:extLst>
+              <a:ext uri="{FF2B5EF4-FFF2-40B4-BE49-F238E27FC236}">
+                <a16:creationId xmlns:a16="http://schemas.microsoft.com/office/drawing/2014/main" id="{85EFF90E-6735-4996-AD52-4894654EE77D}"/>
+              </a:ext>
+            </a:extLst>
+          </p:cNvPr>
+          <p:cNvSpPr txBox="1"/>
+          <p:nvPr/>
+        </p:nvSpPr>
+        <p:spPr>
+          <a:xfrm>
+            <a:off x="388459" y="-3525"/>
+            <a:ext cx="11563141" cy="1066320"/>
+          </a:xfrm>
+          <a:prstGeom prst="rect">
+            <a:avLst/>
+          </a:prstGeom>
+          <a:noFill/>
+          <a:ln w="0">
+            <a:noFill/>
+          </a:ln>
+        </p:spPr>
+        <p:txBody>
+          <a:bodyPr anchor="ctr">
+            <a:normAutofit/>
+          </a:bodyPr>
+          <a:lstStyle/>
+          <a:p>
+            <a:pPr>
+              <a:lnSpc>
+                <a:spcPct val="90000"/>
+              </a:lnSpc>
+            </a:pPr>
+            <a:r>
+              <a:rPr lang="fr-FR" sz="4000" b="0" strike="noStrike" spc="-1" dirty="0">
+                <a:solidFill>
+                  <a:srgbClr val="3F3F3F"/>
+                </a:solidFill>
+                <a:latin typeface="Calibri Light"/>
+              </a:rPr>
+              <a:t>IV. </a:t>
+            </a:r>
+            <a:r>
+              <a:rPr lang="fr-FR" sz="4000" spc="-1" dirty="0">
+                <a:solidFill>
+                  <a:srgbClr val="000000"/>
+                </a:solidFill>
+                <a:latin typeface="Calibri Light"/>
+              </a:rPr>
+              <a:t>Serveur Web et serveur de base de données</a:t>
+            </a:r>
+            <a:endParaRPr lang="fr-FR" sz="4000" b="0" strike="noStrike" spc="-1" dirty="0">
+              <a:solidFill>
+                <a:srgbClr val="000000"/>
+              </a:solidFill>
+              <a:latin typeface="Calibri"/>
+            </a:endParaRPr>
+          </a:p>
+        </p:txBody>
+      </p:sp>
+      <p:sp>
+        <p:nvSpPr>
+          <p:cNvPr id="62" name="TextShape 5">
+            <a:extLst>
+              <a:ext uri="{FF2B5EF4-FFF2-40B4-BE49-F238E27FC236}">
+                <a16:creationId xmlns:a16="http://schemas.microsoft.com/office/drawing/2014/main" id="{BBAC4E68-7B5A-4A00-8F92-E4BD93038E22}"/>
+              </a:ext>
+            </a:extLst>
+          </p:cNvPr>
+          <p:cNvSpPr txBox="1"/>
+          <p:nvPr/>
+        </p:nvSpPr>
+        <p:spPr>
+          <a:xfrm>
+            <a:off x="1179360" y="3049200"/>
+            <a:ext cx="9833040" cy="2945160"/>
+          </a:xfrm>
+          <a:prstGeom prst="rect">
+            <a:avLst/>
+          </a:prstGeom>
+          <a:noFill/>
+          <a:ln w="0">
+            <a:noFill/>
+          </a:ln>
+        </p:spPr>
+        <p:txBody>
+          <a:bodyPr anchor="ctr">
+            <a:normAutofit/>
+          </a:bodyPr>
+          <a:lstStyle/>
+          <a:p>
+            <a:pPr>
+              <a:lnSpc>
+                <a:spcPct val="90000"/>
+              </a:lnSpc>
+              <a:spcBef>
+                <a:spcPts val="1001"/>
+              </a:spcBef>
+            </a:pPr>
+            <a:endParaRPr lang="fr-FR" sz="2800" b="0" strike="noStrike" spc="-1">
+              <a:solidFill>
+                <a:srgbClr val="000000"/>
+              </a:solidFill>
+              <a:latin typeface="Calibri"/>
+            </a:endParaRPr>
+          </a:p>
+          <a:p>
+            <a:endParaRPr lang="fr-FR" sz="2800" b="0" strike="noStrike" spc="-1">
+              <a:solidFill>
+                <a:srgbClr val="000000"/>
+              </a:solidFill>
+              <a:latin typeface="Calibri"/>
+            </a:endParaRPr>
+          </a:p>
+        </p:txBody>
+      </p:sp>
+      <p:sp>
+        <p:nvSpPr>
+          <p:cNvPr id="64" name="TextShape 7">
+            <a:extLst>
+              <a:ext uri="{FF2B5EF4-FFF2-40B4-BE49-F238E27FC236}">
+                <a16:creationId xmlns:a16="http://schemas.microsoft.com/office/drawing/2014/main" id="{02E475D7-75CF-441F-BBC3-21CA5A1181B5}"/>
+              </a:ext>
+            </a:extLst>
+          </p:cNvPr>
+          <p:cNvSpPr txBox="1"/>
+          <p:nvPr/>
+        </p:nvSpPr>
+        <p:spPr>
+          <a:xfrm>
+            <a:off x="8610480" y="6356520"/>
+            <a:ext cx="2742840" cy="364680"/>
+          </a:xfrm>
+          <a:prstGeom prst="rect">
+            <a:avLst/>
+          </a:prstGeom>
+          <a:noFill/>
+          <a:ln w="0">
+            <a:noFill/>
+          </a:ln>
+        </p:spPr>
+        <p:txBody>
+          <a:bodyPr anchor="ctr">
+            <a:noAutofit/>
+          </a:bodyPr>
+          <a:lstStyle/>
+          <a:p>
+            <a:pPr algn="r">
+              <a:lnSpc>
+                <a:spcPct val="100000"/>
+              </a:lnSpc>
+            </a:pPr>
+            <a:fld id="{AB127B7B-A1D3-4150-B341-D24BF54BBC47}" type="slidenum">
+              <a:rPr lang="fr-FR" sz="1200" b="0" strike="noStrike" spc="-1">
+                <a:solidFill>
+                  <a:srgbClr val="FFFFFF"/>
+                </a:solidFill>
+                <a:latin typeface="Calibri"/>
+              </a:rPr>
+              <a:t>7</a:t>
+            </a:fld>
+            <a:endParaRPr lang="fr-FR" sz="1200" b="0" strike="noStrike" spc="-1">
+              <a:latin typeface="Times New Roman"/>
+            </a:endParaRPr>
+          </a:p>
+        </p:txBody>
+      </p:sp>
+      <p:sp>
+        <p:nvSpPr>
+          <p:cNvPr id="65" name="TextShape 5">
+            <a:extLst>
+              <a:ext uri="{FF2B5EF4-FFF2-40B4-BE49-F238E27FC236}">
+                <a16:creationId xmlns:a16="http://schemas.microsoft.com/office/drawing/2014/main" id="{57E29DEF-05D8-4BC9-A285-2207AC754C16}"/>
+              </a:ext>
+            </a:extLst>
+          </p:cNvPr>
+          <p:cNvSpPr txBox="1"/>
+          <p:nvPr/>
+        </p:nvSpPr>
+        <p:spPr>
+          <a:xfrm>
+            <a:off x="1179360" y="3049200"/>
+            <a:ext cx="9833040" cy="2945160"/>
+          </a:xfrm>
+          <a:prstGeom prst="rect">
+            <a:avLst/>
+          </a:prstGeom>
+          <a:noFill/>
+          <a:ln w="0">
+            <a:noFill/>
+          </a:ln>
+        </p:spPr>
+        <p:txBody>
+          <a:bodyPr anchor="ctr">
+            <a:normAutofit/>
+          </a:bodyPr>
+          <a:lstStyle/>
+          <a:p>
+            <a:pPr>
+              <a:lnSpc>
+                <a:spcPct val="90000"/>
+              </a:lnSpc>
+              <a:spcBef>
+                <a:spcPts val="1001"/>
+              </a:spcBef>
+            </a:pPr>
+            <a:endParaRPr lang="fr-FR" sz="2800" b="0" strike="noStrike" spc="-1">
+              <a:solidFill>
+                <a:srgbClr val="000000"/>
+              </a:solidFill>
+              <a:latin typeface="Calibri"/>
+            </a:endParaRPr>
+          </a:p>
+          <a:p>
+            <a:endParaRPr lang="fr-FR" sz="2800" b="0" strike="noStrike" spc="-1">
+              <a:solidFill>
+                <a:srgbClr val="000000"/>
+              </a:solidFill>
+              <a:latin typeface="Calibri"/>
+            </a:endParaRPr>
+          </a:p>
+        </p:txBody>
+      </p:sp>
+      <p:sp>
+        <p:nvSpPr>
+          <p:cNvPr id="66" name="TextShape 7">
+            <a:extLst>
+              <a:ext uri="{FF2B5EF4-FFF2-40B4-BE49-F238E27FC236}">
+                <a16:creationId xmlns:a16="http://schemas.microsoft.com/office/drawing/2014/main" id="{BC005FAA-79E5-4971-A2D9-16F31A52CC6F}"/>
+              </a:ext>
+            </a:extLst>
+          </p:cNvPr>
+          <p:cNvSpPr txBox="1"/>
+          <p:nvPr/>
+        </p:nvSpPr>
+        <p:spPr>
+          <a:xfrm>
+            <a:off x="8610480" y="6356520"/>
+            <a:ext cx="2742840" cy="364680"/>
+          </a:xfrm>
+          <a:prstGeom prst="rect">
+            <a:avLst/>
+          </a:prstGeom>
+          <a:noFill/>
+          <a:ln w="0">
+            <a:noFill/>
+          </a:ln>
+        </p:spPr>
+        <p:txBody>
+          <a:bodyPr anchor="ctr">
+            <a:noAutofit/>
+          </a:bodyPr>
+          <a:lstStyle/>
+          <a:p>
+            <a:pPr algn="r">
+              <a:lnSpc>
+                <a:spcPct val="100000"/>
+              </a:lnSpc>
+            </a:pPr>
+            <a:fld id="{89852E89-60D3-43A7-B38E-7FD2E7927657}" type="slidenum">
+              <a:rPr lang="fr-FR" sz="1200" b="0" strike="noStrike" spc="-1">
+                <a:solidFill>
+                  <a:srgbClr val="FFFFFF"/>
+                </a:solidFill>
+                <a:latin typeface="Calibri"/>
+              </a:rPr>
+              <a:t>7</a:t>
+            </a:fld>
+            <a:endParaRPr lang="fr-FR" sz="1200" b="0" strike="noStrike" spc="-1">
+              <a:latin typeface="Times New Roman"/>
+            </a:endParaRPr>
+          </a:p>
+        </p:txBody>
+      </p:sp>
+      <p:sp>
+        <p:nvSpPr>
+          <p:cNvPr id="67" name="Espace réservé du contenu 2">
+            <a:extLst>
+              <a:ext uri="{FF2B5EF4-FFF2-40B4-BE49-F238E27FC236}">
+                <a16:creationId xmlns:a16="http://schemas.microsoft.com/office/drawing/2014/main" id="{500CE0F3-D931-464C-A710-C349E59154D3}"/>
               </a:ext>
             </a:extLst>
           </p:cNvPr>
@@ -13569,13 +13914,14 @@
             </a:lvl9pPr>
           </a:lstStyle>
           <a:p>
-            <a:pPr>
+            <a:pPr marL="0" indent="0">
               <a:lnSpc>
                 <a:spcPct val="100000"/>
               </a:lnSpc>
+              <a:buNone/>
             </a:pPr>
             <a:r>
-              <a:rPr lang="fr-FR" sz="2400" dirty="0">
+              <a:rPr lang="fr-FR" sz="2000" dirty="0">
                 <a:solidFill>
                   <a:schemeClr val="bg2"/>
                 </a:solidFill>
@@ -13584,7 +13930,7 @@
             </a:r>
           </a:p>
           <a:p>
-            <a:pPr lvl="1">
+            <a:pPr>
               <a:lnSpc>
                 <a:spcPct val="100000"/>
               </a:lnSpc>
@@ -13599,7 +13945,7 @@
             </a:r>
           </a:p>
           <a:p>
-            <a:pPr lvl="1">
+            <a:pPr>
               <a:lnSpc>
                 <a:spcPct val="100000"/>
               </a:lnSpc>
@@ -13610,73 +13956,11 @@
                   <a:schemeClr val="bg2"/>
                 </a:solidFill>
               </a:rPr>
-              <a:t>A deux interfaces </a:t>
+              <a:t>Deux interfaces </a:t>
             </a:r>
           </a:p>
           <a:p>
-            <a:pPr lvl="2">
-              <a:lnSpc>
-                <a:spcPct val="100000"/>
-              </a:lnSpc>
-            </a:pPr>
-            <a:r>
-              <a:rPr lang="fr-FR" sz="1800" dirty="0">
-                <a:solidFill>
-                  <a:schemeClr val="bg2"/>
-                </a:solidFill>
-              </a:rPr>
-              <a:t>Une sur le sous réseau 134.59.143.0/27 avec l’adresse </a:t>
-            </a:r>
-            <a:r>
-              <a:rPr lang="fr-FR" sz="1800" dirty="0" err="1">
-                <a:solidFill>
-                  <a:schemeClr val="bg2"/>
-                </a:solidFill>
-              </a:rPr>
-              <a:t>ip</a:t>
-            </a:r>
-            <a:r>
-              <a:rPr lang="fr-FR" sz="1800" dirty="0">
-                <a:solidFill>
-                  <a:schemeClr val="bg2"/>
-                </a:solidFill>
-              </a:rPr>
-              <a:t> 134.59.143.225</a:t>
-            </a:r>
-          </a:p>
-          <a:p>
-            <a:pPr lvl="2">
-              <a:lnSpc>
-                <a:spcPct val="100000"/>
-              </a:lnSpc>
-            </a:pPr>
-            <a:r>
-              <a:rPr lang="fr-FR" sz="1800" dirty="0">
-                <a:solidFill>
-                  <a:schemeClr val="bg2"/>
-                </a:solidFill>
-              </a:rPr>
-              <a:t>Une sur le sous réseau 10.143.1.0/24 avec l’adresse </a:t>
-            </a:r>
-            <a:r>
-              <a:rPr lang="fr-FR" sz="1800" dirty="0" err="1">
-                <a:solidFill>
-                  <a:schemeClr val="bg2"/>
-                </a:solidFill>
-              </a:rPr>
-              <a:t>ip</a:t>
-            </a:r>
-            <a:r>
-              <a:rPr lang="fr-FR" sz="1800" dirty="0">
-                <a:solidFill>
-                  <a:schemeClr val="bg2"/>
-                </a:solidFill>
-              </a:rPr>
-              <a:t> 10.143.1.225</a:t>
-            </a:r>
-          </a:p>
-          <a:p>
-            <a:pPr lvl="1">
+            <a:pPr>
               <a:lnSpc>
                 <a:spcPct val="100000"/>
               </a:lnSpc>
@@ -13691,101 +13975,6 @@
             </a:r>
           </a:p>
           <a:p>
-            <a:pPr lvl="2">
-              <a:lnSpc>
-                <a:spcPct val="100000"/>
-              </a:lnSpc>
-            </a:pPr>
-            <a:r>
-              <a:rPr lang="fr-FR" sz="1800" dirty="0">
-                <a:solidFill>
-                  <a:schemeClr val="bg2"/>
-                </a:solidFill>
-              </a:rPr>
-              <a:t>Smart-</a:t>
-            </a:r>
-            <a:r>
-              <a:rPr lang="fr-FR" sz="1800" dirty="0" err="1">
-                <a:solidFill>
-                  <a:schemeClr val="bg2"/>
-                </a:solidFill>
-              </a:rPr>
-              <a:t>Ecovid</a:t>
-            </a:r>
-            <a:r>
-              <a:rPr lang="fr-FR" sz="1800" dirty="0">
-                <a:solidFill>
-                  <a:schemeClr val="bg2"/>
-                </a:solidFill>
-              </a:rPr>
-              <a:t> développer en ASP. Net </a:t>
-            </a:r>
-            <a:r>
-              <a:rPr lang="fr-FR" sz="1800" dirty="0" err="1">
-                <a:solidFill>
-                  <a:schemeClr val="bg2"/>
-                </a:solidFill>
-              </a:rPr>
-              <a:t>Core</a:t>
-            </a:r>
-            <a:endParaRPr lang="fr-FR" sz="1800" dirty="0">
-              <a:solidFill>
-                <a:schemeClr val="bg2"/>
-              </a:solidFill>
-            </a:endParaRPr>
-          </a:p>
-          <a:p>
-            <a:pPr lvl="2">
-              <a:lnSpc>
-                <a:spcPct val="100000"/>
-              </a:lnSpc>
-            </a:pPr>
-            <a:r>
-              <a:rPr lang="fr-FR" sz="1800" dirty="0" err="1">
-                <a:solidFill>
-                  <a:schemeClr val="bg2"/>
-                </a:solidFill>
-              </a:rPr>
-              <a:t>WebServices</a:t>
-            </a:r>
-            <a:r>
-              <a:rPr lang="fr-FR" sz="1800" dirty="0">
-                <a:solidFill>
-                  <a:schemeClr val="bg2"/>
-                </a:solidFill>
-              </a:rPr>
-              <a:t> développer en </a:t>
-            </a:r>
-            <a:r>
-              <a:rPr lang="fr-FR" sz="1800" dirty="0" err="1">
-                <a:solidFill>
-                  <a:schemeClr val="bg2"/>
-                </a:solidFill>
-              </a:rPr>
-              <a:t>NodeJS</a:t>
-            </a:r>
-            <a:endParaRPr lang="fr-FR" sz="1800" dirty="0">
-              <a:solidFill>
-                <a:schemeClr val="bg2"/>
-              </a:solidFill>
-            </a:endParaRPr>
-          </a:p>
-          <a:p>
-            <a:pPr lvl="2">
-              <a:lnSpc>
-                <a:spcPct val="100000"/>
-              </a:lnSpc>
-            </a:pPr>
-            <a:r>
-              <a:rPr lang="fr-FR" sz="1800" dirty="0">
-                <a:solidFill>
-                  <a:schemeClr val="bg2"/>
-                </a:solidFill>
-              </a:rPr>
-              <a:t>Ainsi que PhpMyAdmin</a:t>
-            </a:r>
-          </a:p>
-          <a:p>
             <a:pPr lvl="1">
               <a:lnSpc>
                 <a:spcPct val="100000"/>
@@ -13797,17 +13986,112 @@
                   <a:schemeClr val="bg2"/>
                 </a:solidFill>
               </a:rPr>
-              <a:t>Hébergera le broker MQTT centrale</a:t>
+              <a:t>Smart-</a:t>
             </a:r>
-          </a:p>
-        </p:txBody>
-      </p:sp>
-      <p:sp>
-        <p:nvSpPr>
-          <p:cNvPr id="22" name="Espace réservé du contenu 2">
+            <a:r>
+              <a:rPr lang="fr-FR" sz="2000" dirty="0" err="1">
+                <a:solidFill>
+                  <a:schemeClr val="bg2"/>
+                </a:solidFill>
+              </a:rPr>
+              <a:t>Ecovid</a:t>
+            </a:r>
+            <a:r>
+              <a:rPr lang="fr-FR" sz="2000" dirty="0">
+                <a:solidFill>
+                  <a:schemeClr val="bg2"/>
+                </a:solidFill>
+              </a:rPr>
+              <a:t> développé en ASP. Net </a:t>
+            </a:r>
+            <a:r>
+              <a:rPr lang="fr-FR" sz="2000" dirty="0" err="1">
+                <a:solidFill>
+                  <a:schemeClr val="bg2"/>
+                </a:solidFill>
+              </a:rPr>
+              <a:t>Core</a:t>
+            </a:r>
+            <a:endParaRPr lang="fr-FR" sz="2000" dirty="0">
+              <a:solidFill>
+                <a:schemeClr val="bg2"/>
+              </a:solidFill>
+            </a:endParaRPr>
+          </a:p>
+          <a:p>
+            <a:pPr lvl="1">
+              <a:lnSpc>
+                <a:spcPct val="100000"/>
+              </a:lnSpc>
+            </a:pPr>
+            <a:r>
+              <a:rPr lang="fr-FR" sz="2000" dirty="0" err="1">
+                <a:solidFill>
+                  <a:schemeClr val="bg2"/>
+                </a:solidFill>
+              </a:rPr>
+              <a:t>WebServices</a:t>
+            </a:r>
+            <a:r>
+              <a:rPr lang="fr-FR" sz="2000" dirty="0">
+                <a:solidFill>
+                  <a:schemeClr val="bg2"/>
+                </a:solidFill>
+              </a:rPr>
+              <a:t> développés en </a:t>
+            </a:r>
+            <a:r>
+              <a:rPr lang="fr-FR" sz="2000" dirty="0" err="1">
+                <a:solidFill>
+                  <a:schemeClr val="bg2"/>
+                </a:solidFill>
+              </a:rPr>
+              <a:t>NodeJS</a:t>
+            </a:r>
+            <a:endParaRPr lang="fr-FR" sz="2000" dirty="0">
+              <a:solidFill>
+                <a:schemeClr val="bg2"/>
+              </a:solidFill>
+            </a:endParaRPr>
+          </a:p>
+          <a:p>
+            <a:pPr lvl="1">
+              <a:lnSpc>
+                <a:spcPct val="100000"/>
+              </a:lnSpc>
+            </a:pPr>
+            <a:r>
+              <a:rPr lang="fr-FR" sz="2000" dirty="0">
+                <a:solidFill>
+                  <a:schemeClr val="bg2"/>
+                </a:solidFill>
+              </a:rPr>
+              <a:t>Ainsi que PhpMyAdmin</a:t>
+            </a:r>
+          </a:p>
+          <a:p>
+            <a:pPr lvl="1">
+              <a:lnSpc>
+                <a:spcPct val="100000"/>
+              </a:lnSpc>
+            </a:pPr>
+            <a:r>
+              <a:rPr lang="fr-FR" sz="2000" dirty="0">
+                <a:solidFill>
+                  <a:schemeClr val="bg2"/>
+                </a:solidFill>
+              </a:rPr>
+              <a:t>Un broker MQTT central</a:t>
+            </a:r>
+          </a:p>
+        </p:txBody>
+      </p:sp>
+      <p:sp>
+        <p:nvSpPr>
+          <p:cNvPr id="68" name="Espace réservé du contenu 2">
             <a:extLst>
               <a:ext uri="{FF2B5EF4-FFF2-40B4-BE49-F238E27FC236}">
-                <a16:creationId xmlns:a16="http://schemas.microsoft.com/office/drawing/2014/main" id="{5FF3DCC0-1B57-4CF1-8B37-D5F86FA78102}"/>
+                <a16:creationId xmlns:a16="http://schemas.microsoft.com/office/drawing/2014/main" id="{76BD2B9D-9688-413A-9B21-7861E596195F}"/>
               </a:ext>
             </a:extLst>
           </p:cNvPr>
@@ -13818,7 +14102,7 @@
         </p:nvSpPr>
         <p:spPr>
           <a:xfrm>
-            <a:off x="6726690" y="1876680"/>
+            <a:off x="6744644" y="1843514"/>
             <a:ext cx="5240136" cy="4218692"/>
           </a:xfrm>
           <a:prstGeom prst="rect">
@@ -14003,8 +14287,14 @@
             </a:lvl9pPr>
           </a:lstStyle>
           <a:p>
+            <a:pPr marL="0" indent="0">
+              <a:lnSpc>
+                <a:spcPct val="100000"/>
+              </a:lnSpc>
+              <a:buNone/>
+            </a:pPr>
             <a:r>
-              <a:rPr lang="fr-FR" dirty="0">
+              <a:rPr lang="fr-FR" sz="2000" dirty="0">
                 <a:solidFill>
                   <a:schemeClr val="bg2"/>
                 </a:solidFill>
@@ -14013,9 +14303,13 @@
             </a:r>
           </a:p>
           <a:p>
-            <a:pPr lvl="1"/>
+            <a:pPr>
+              <a:lnSpc>
+                <a:spcPct val="100000"/>
+              </a:lnSpc>
+            </a:pPr>
             <a:r>
-              <a:rPr lang="fr-FR" dirty="0">
+              <a:rPr lang="fr-FR" sz="2000" dirty="0">
                 <a:solidFill>
                   <a:schemeClr val="bg2"/>
                 </a:solidFill>
@@ -14024,42 +14318,46 @@
             </a:r>
           </a:p>
           <a:p>
-            <a:pPr lvl="1"/>
+            <a:pPr>
+              <a:lnSpc>
+                <a:spcPct val="100000"/>
+              </a:lnSpc>
+            </a:pPr>
             <a:r>
-              <a:rPr lang="fr-FR" dirty="0" err="1">
+              <a:rPr lang="fr-FR" sz="2000" dirty="0" err="1">
                 <a:solidFill>
                   <a:schemeClr val="bg2"/>
                 </a:solidFill>
               </a:rPr>
               <a:t>Rasbpian</a:t>
             </a:r>
-            <a:endParaRPr lang="fr-FR" dirty="0">
+            <a:endParaRPr lang="fr-FR" sz="2000" dirty="0">
               <a:solidFill>
                 <a:schemeClr val="bg2"/>
               </a:solidFill>
             </a:endParaRPr>
           </a:p>
           <a:p>
-            <a:pPr lvl="1"/>
+            <a:pPr>
+              <a:lnSpc>
+                <a:spcPct val="100000"/>
+              </a:lnSpc>
+            </a:pPr>
             <a:r>
-              <a:rPr lang="fr-FR" dirty="0">
+              <a:rPr lang="fr-FR" sz="2000" dirty="0">
                 <a:solidFill>
                   <a:schemeClr val="bg2"/>
                 </a:solidFill>
               </a:rPr>
-              <a:t>Hébergera la base de données uniquement</a:t>
+              <a:t>Hébergera la base de données</a:t>
             </a:r>
           </a:p>
           <a:p>
-            <a:pPr lvl="2"/>
-            <a:r>
-              <a:rPr lang="fr-FR" dirty="0">
-                <a:solidFill>
-                  <a:schemeClr val="bg2"/>
-                </a:solidFill>
-              </a:rPr>
-              <a:t>Base de données </a:t>
-            </a:r>
+            <a:pPr lvl="1">
+              <a:lnSpc>
+                <a:spcPct val="100000"/>
+              </a:lnSpc>
+            </a:pPr>
             <a:r>
               <a:rPr lang="fr-FR" dirty="0" err="1">
                 <a:solidFill>
@@ -14068,32 +14366,31 @@
               </a:rPr>
               <a:t>MariaDB</a:t>
             </a:r>
-            <a:endParaRPr lang="fr-FR" dirty="0">
-              <a:solidFill>
-                <a:schemeClr val="bg2"/>
-              </a:solidFill>
-            </a:endParaRPr>
-          </a:p>
-          <a:p>
-            <a:pPr lvl="1"/>
-            <a:r>
-              <a:rPr lang="fr-FR" dirty="0" err="1">
-                <a:solidFill>
-                  <a:schemeClr val="bg2"/>
-                </a:solidFill>
-              </a:rPr>
-              <a:t>Rejète</a:t>
-            </a:r>
             <a:r>
               <a:rPr lang="fr-FR" dirty="0">
                 <a:solidFill>
                   <a:schemeClr val="bg2"/>
                 </a:solidFill>
               </a:rPr>
-              <a:t> toute communication ayant une adresse </a:t>
+              <a:t> 10</a:t>
+            </a:r>
+          </a:p>
+          <a:p>
+            <a:pPr>
+              <a:lnSpc>
+                <a:spcPct val="100000"/>
+              </a:lnSpc>
+            </a:pPr>
+            <a:r>
+              <a:rPr lang="fr-FR" sz="2000" dirty="0">
+                <a:solidFill>
+                  <a:schemeClr val="bg2"/>
+                </a:solidFill>
+              </a:rPr>
+              <a:t>Rejette toutes communications ayant une adresse </a:t>
             </a:r>
             <a:r>
-              <a:rPr lang="fr-FR" dirty="0" err="1">
+              <a:rPr lang="fr-FR" sz="2000" dirty="0" err="1">
                 <a:solidFill>
                   <a:schemeClr val="bg2"/>
                 </a:solidFill>
@@ -14101,33 +14398,37 @@
               <a:t>ip</a:t>
             </a:r>
             <a:r>
-              <a:rPr lang="fr-FR" dirty="0">
+              <a:rPr lang="fr-FR" sz="2000" dirty="0">
                 <a:solidFill>
                   <a:schemeClr val="bg2"/>
                 </a:solidFill>
               </a:rPr>
-              <a:t> différente du serveur</a:t>
+              <a:t> différente de la plage de l’intranet</a:t>
             </a:r>
           </a:p>
           <a:p>
-            <a:pPr lvl="1"/>
+            <a:pPr>
+              <a:lnSpc>
+                <a:spcPct val="100000"/>
+              </a:lnSpc>
+            </a:pPr>
             <a:r>
-              <a:rPr lang="fr-FR" dirty="0">
+              <a:rPr lang="fr-FR" sz="2000" dirty="0">
                 <a:solidFill>
                   <a:schemeClr val="bg2"/>
                 </a:solidFill>
               </a:rPr>
-              <a:t>Accessible uniquement depuis l’intranet (sous réseau 10.143.1.0/24)</a:t>
+              <a:t>Accessible uniquement depuis l’intranet</a:t>
             </a:r>
           </a:p>
         </p:txBody>
       </p:sp>
       <p:pic>
         <p:nvPicPr>
-          <p:cNvPr id="23" name="Image 22">
+          <p:cNvPr id="69" name="Image 68">
             <a:extLst>
               <a:ext uri="{FF2B5EF4-FFF2-40B4-BE49-F238E27FC236}">
-                <a16:creationId xmlns:a16="http://schemas.microsoft.com/office/drawing/2014/main" id="{1607B157-EA88-496D-82D6-EE2D5DE7118A}"/>
+                <a16:creationId xmlns:a16="http://schemas.microsoft.com/office/drawing/2014/main" id="{8CD0FB90-A692-44B7-A330-08472403CEF3}"/>
               </a:ext>
             </a:extLst>
           </p:cNvPr>
@@ -14137,250 +14438,1404 @@
           <p:nvPr/>
         </p:nvPicPr>
         <p:blipFill rotWithShape="1">
-          <a:blip r:embed="rId3">
+          <a:blip r:embed="rId4">
             <a:extLst>
               <a:ext uri="{28A0092B-C50C-407E-A947-70E740481C1C}">
                 <a14:useLocalDpi xmlns:a14="http://schemas.microsoft.com/office/drawing/2010/main" val="0"/>
               </a:ext>
             </a:extLst>
           </a:blip>
-          <a:srcRect t="12529"/>
+          <a:srcRect t="11121" r="28960"/>
           <a:stretch/>
         </p:blipFill>
         <p:spPr>
           <a:xfrm>
-            <a:off x="1733550" y="1009650"/>
-            <a:ext cx="8872961" cy="5848350"/>
+            <a:off x="2265775" y="780231"/>
+            <a:ext cx="8018190" cy="6095372"/>
           </a:xfrm>
           <a:prstGeom prst="rect">
             <a:avLst/>
           </a:prstGeom>
         </p:spPr>
       </p:pic>
-      <p:sp>
-        <p:nvSpPr>
-          <p:cNvPr id="24" name="Espace réservé du contenu 2">
+      <p:graphicFrame>
+        <p:nvGraphicFramePr>
+          <p:cNvPr id="70" name="Tableau 7">
             <a:extLst>
               <a:ext uri="{FF2B5EF4-FFF2-40B4-BE49-F238E27FC236}">
-                <a16:creationId xmlns:a16="http://schemas.microsoft.com/office/drawing/2014/main" id="{F411EB8D-6B1B-45FF-9B7D-6C9CE7E73055}"/>
+                <a16:creationId xmlns:a16="http://schemas.microsoft.com/office/drawing/2014/main" id="{734F2B32-E630-4637-B239-6325096C45B0}"/>
               </a:ext>
             </a:extLst>
           </p:cNvPr>
-          <p:cNvSpPr txBox="1">
-            <a:spLocks/>
-          </p:cNvSpPr>
+          <p:cNvGraphicFramePr>
+            <a:graphicFrameLocks noGrp="1"/>
+          </p:cNvGraphicFramePr>
+          <p:nvPr>
+            <p:extLst>
+              <p:ext uri="{D42A27DB-BD31-4B8C-83A1-F6EECF244321}">
+                <p14:modId xmlns:p14="http://schemas.microsoft.com/office/powerpoint/2010/main" val="3734455910"/>
+              </p:ext>
+            </p:extLst>
+          </p:nvPr>
+        </p:nvGraphicFramePr>
+        <p:xfrm>
+          <a:off x="236239" y="1875667"/>
+          <a:ext cx="5693096" cy="4663440"/>
+        </p:xfrm>
+        <a:graphic>
+          <a:graphicData uri="http://schemas.openxmlformats.org/drawingml/2006/table">
+            <a:tbl>
+              <a:tblPr firstRow="1" bandRow="1">
+                <a:tableStyleId>{5C22544A-7EE6-4342-B048-85BDC9FD1C3A}</a:tableStyleId>
+              </a:tblPr>
+              <a:tblGrid>
+                <a:gridCol w="5228803">
+                  <a:extLst>
+                    <a:ext uri="{9D8B030D-6E8A-4147-A177-3AD203B41FA5}">
+                      <a16:colId xmlns:a16="http://schemas.microsoft.com/office/drawing/2014/main" val="2904378242"/>
+                    </a:ext>
+                  </a:extLst>
+                </a:gridCol>
+                <a:gridCol w="464293">
+                  <a:extLst>
+                    <a:ext uri="{9D8B030D-6E8A-4147-A177-3AD203B41FA5}">
+                      <a16:colId xmlns:a16="http://schemas.microsoft.com/office/drawing/2014/main" val="2045041980"/>
+                    </a:ext>
+                  </a:extLst>
+                </a:gridCol>
+              </a:tblGrid>
+              <a:tr h="370840">
+                <a:tc>
+                  <a:txBody>
+                    <a:bodyPr/>
+                    <a:lstStyle/>
+                    <a:p>
+                      <a:r>
+                        <a:rPr lang="fr-FR" sz="2000" dirty="0"/>
+                        <a:t>Serveur Web</a:t>
+                      </a:r>
+                    </a:p>
+                  </a:txBody>
+                  <a:tcPr>
+                    <a:noFill/>
+                  </a:tcPr>
+                </a:tc>
+                <a:tc>
+                  <a:txBody>
+                    <a:bodyPr/>
+                    <a:lstStyle/>
+                    <a:p>
+                      <a:endParaRPr lang="fr-FR" sz="2000"/>
+                    </a:p>
+                  </a:txBody>
+                  <a:tcPr>
+                    <a:noFill/>
+                  </a:tcPr>
+                </a:tc>
+                <a:extLst>
+                  <a:ext uri="{0D108BD9-81ED-4DB2-BD59-A6C34878D82A}">
+                    <a16:rowId xmlns:a16="http://schemas.microsoft.com/office/drawing/2014/main" val="3665255342"/>
+                  </a:ext>
+                </a:extLst>
+              </a:tr>
+              <a:tr h="370840">
+                <a:tc>
+                  <a:txBody>
+                    <a:bodyPr/>
+                    <a:lstStyle/>
+                    <a:p>
+                      <a:r>
+                        <a:rPr lang="fr-FR" sz="1800" dirty="0">
+                          <a:solidFill>
+                            <a:schemeClr val="bg1"/>
+                          </a:solidFill>
+                        </a:rPr>
+                        <a:t>Installation </a:t>
+                      </a:r>
+                      <a:r>
+                        <a:rPr lang="fr-FR" sz="1800" dirty="0" err="1">
+                          <a:solidFill>
+                            <a:schemeClr val="bg1"/>
+                          </a:solidFill>
+                        </a:rPr>
+                        <a:t>NodeJs</a:t>
+                      </a:r>
+                      <a:endParaRPr lang="fr-FR" sz="1800" dirty="0">
+                        <a:solidFill>
+                          <a:schemeClr val="bg1"/>
+                        </a:solidFill>
+                      </a:endParaRPr>
+                    </a:p>
+                  </a:txBody>
+                  <a:tcPr>
+                    <a:noFill/>
+                  </a:tcPr>
+                </a:tc>
+                <a:tc>
+                  <a:txBody>
+                    <a:bodyPr/>
+                    <a:lstStyle/>
+                    <a:p>
+                      <a:pPr marL="0" marR="0" lvl="0" indent="0" algn="l" defTabSz="914400" rtl="0" eaLnBrk="1" fontAlgn="auto" latinLnBrk="0" hangingPunct="1">
+                        <a:lnSpc>
+                          <a:spcPct val="100000"/>
+                        </a:lnSpc>
+                        <a:spcBef>
+                          <a:spcPts val="0"/>
+                        </a:spcBef>
+                        <a:spcAft>
+                          <a:spcPts val="0"/>
+                        </a:spcAft>
+                        <a:buClrTx/>
+                        <a:buSzTx/>
+                        <a:buFontTx/>
+                        <a:buNone/>
+                        <a:tabLst/>
+                        <a:defRPr/>
+                      </a:pPr>
+                      <a:r>
+                        <a:rPr kumimoji="0" lang="fr-FR" sz="2800" b="1" i="0" u="none" strike="noStrike" kern="1200" cap="none" spc="0" normalizeH="0" baseline="0" noProof="0" dirty="0">
+                          <a:ln>
+                            <a:noFill/>
+                          </a:ln>
+                          <a:solidFill>
+                            <a:srgbClr val="00B050"/>
+                          </a:solidFill>
+                          <a:effectLst/>
+                          <a:uLnTx/>
+                          <a:uFillTx/>
+                          <a:latin typeface="+mn-lt"/>
+                          <a:ea typeface="+mn-ea"/>
+                          <a:cs typeface="Calibri"/>
+                          <a:sym typeface="Wingdings" panose="05000000000000000000" pitchFamily="2" charset="2"/>
+                        </a:rPr>
+                        <a:t></a:t>
+                      </a:r>
+                      <a:endParaRPr kumimoji="0" lang="fr-FR" sz="1800" b="1" i="0" u="none" strike="noStrike" kern="1200" cap="none" spc="0" normalizeH="0" baseline="0" noProof="0" dirty="0">
+                        <a:ln>
+                          <a:noFill/>
+                        </a:ln>
+                        <a:solidFill>
+                          <a:srgbClr val="00B050"/>
+                        </a:solidFill>
+                        <a:effectLst/>
+                        <a:uLnTx/>
+                        <a:uFillTx/>
+                        <a:latin typeface="+mn-lt"/>
+                        <a:ea typeface="+mn-ea"/>
+                        <a:cs typeface="Calibri"/>
+                        <a:sym typeface="Wingdings" panose="05000000000000000000" pitchFamily="2" charset="2"/>
+                      </a:endParaRPr>
+                    </a:p>
+                  </a:txBody>
+                  <a:tcPr>
+                    <a:noFill/>
+                  </a:tcPr>
+                </a:tc>
+                <a:extLst>
+                  <a:ext uri="{0D108BD9-81ED-4DB2-BD59-A6C34878D82A}">
+                    <a16:rowId xmlns:a16="http://schemas.microsoft.com/office/drawing/2014/main" val="660466286"/>
+                  </a:ext>
+                </a:extLst>
+              </a:tr>
+              <a:tr h="370840">
+                <a:tc>
+                  <a:txBody>
+                    <a:bodyPr/>
+                    <a:lstStyle/>
+                    <a:p>
+                      <a:pPr marL="0" marR="0" lvl="0" indent="0" algn="l" defTabSz="914400" rtl="0" eaLnBrk="1" fontAlgn="auto" latinLnBrk="0" hangingPunct="1">
+                        <a:lnSpc>
+                          <a:spcPct val="100000"/>
+                        </a:lnSpc>
+                        <a:spcBef>
+                          <a:spcPts val="0"/>
+                        </a:spcBef>
+                        <a:spcAft>
+                          <a:spcPts val="0"/>
+                        </a:spcAft>
+                        <a:buClrTx/>
+                        <a:buSzTx/>
+                        <a:buFontTx/>
+                        <a:buNone/>
+                        <a:tabLst/>
+                        <a:defRPr/>
+                      </a:pPr>
+                      <a:r>
+                        <a:rPr lang="fr-FR" sz="1800" dirty="0">
+                          <a:solidFill>
+                            <a:schemeClr val="bg1"/>
+                          </a:solidFill>
+                        </a:rPr>
+                        <a:t>Installation .Net </a:t>
+                      </a:r>
+                      <a:r>
+                        <a:rPr lang="fr-FR" sz="1800" dirty="0" err="1">
+                          <a:solidFill>
+                            <a:schemeClr val="bg1"/>
+                          </a:solidFill>
+                        </a:rPr>
+                        <a:t>Core</a:t>
+                      </a:r>
+                      <a:endParaRPr lang="fr-FR" sz="1800" dirty="0">
+                        <a:solidFill>
+                          <a:schemeClr val="bg1"/>
+                        </a:solidFill>
+                      </a:endParaRPr>
+                    </a:p>
+                  </a:txBody>
+                  <a:tcPr>
+                    <a:noFill/>
+                  </a:tcPr>
+                </a:tc>
+                <a:tc>
+                  <a:txBody>
+                    <a:bodyPr/>
+                    <a:lstStyle/>
+                    <a:p>
+                      <a:pPr marL="0" marR="0" lvl="0" indent="0" algn="l" defTabSz="914400" rtl="0" eaLnBrk="1" fontAlgn="auto" latinLnBrk="0" hangingPunct="1">
+                        <a:lnSpc>
+                          <a:spcPct val="100000"/>
+                        </a:lnSpc>
+                        <a:spcBef>
+                          <a:spcPts val="0"/>
+                        </a:spcBef>
+                        <a:spcAft>
+                          <a:spcPts val="0"/>
+                        </a:spcAft>
+                        <a:buClrTx/>
+                        <a:buSzTx/>
+                        <a:buFontTx/>
+                        <a:buNone/>
+                        <a:tabLst/>
+                        <a:defRPr/>
+                      </a:pPr>
+                      <a:r>
+                        <a:rPr kumimoji="0" lang="fr-FR" sz="2800" b="1" i="0" u="none" strike="noStrike" kern="1200" cap="none" spc="0" normalizeH="0" baseline="0" noProof="0" dirty="0">
+                          <a:ln>
+                            <a:noFill/>
+                          </a:ln>
+                          <a:solidFill>
+                            <a:srgbClr val="00B050"/>
+                          </a:solidFill>
+                          <a:effectLst/>
+                          <a:uLnTx/>
+                          <a:uFillTx/>
+                          <a:latin typeface="+mn-lt"/>
+                          <a:ea typeface="+mn-ea"/>
+                          <a:cs typeface="Calibri"/>
+                          <a:sym typeface="Wingdings" panose="05000000000000000000" pitchFamily="2" charset="2"/>
+                        </a:rPr>
+                        <a:t></a:t>
+                      </a:r>
+                      <a:endParaRPr kumimoji="0" lang="fr-FR" sz="1800" b="1" i="0" u="none" strike="noStrike" kern="1200" cap="none" spc="0" normalizeH="0" baseline="0" noProof="0" dirty="0">
+                        <a:ln>
+                          <a:noFill/>
+                        </a:ln>
+                        <a:solidFill>
+                          <a:srgbClr val="00B050"/>
+                        </a:solidFill>
+                        <a:effectLst/>
+                        <a:uLnTx/>
+                        <a:uFillTx/>
+                        <a:latin typeface="+mn-lt"/>
+                        <a:ea typeface="+mn-ea"/>
+                        <a:cs typeface="Calibri"/>
+                        <a:sym typeface="Wingdings" panose="05000000000000000000" pitchFamily="2" charset="2"/>
+                      </a:endParaRPr>
+                    </a:p>
+                  </a:txBody>
+                  <a:tcPr>
+                    <a:noFill/>
+                  </a:tcPr>
+                </a:tc>
+                <a:extLst>
+                  <a:ext uri="{0D108BD9-81ED-4DB2-BD59-A6C34878D82A}">
+                    <a16:rowId xmlns:a16="http://schemas.microsoft.com/office/drawing/2014/main" val="1363299400"/>
+                  </a:ext>
+                </a:extLst>
+              </a:tr>
+              <a:tr h="370840">
+                <a:tc>
+                  <a:txBody>
+                    <a:bodyPr/>
+                    <a:lstStyle/>
+                    <a:p>
+                      <a:pPr marL="0" marR="0" lvl="0" indent="0" algn="l" defTabSz="914400" rtl="0" eaLnBrk="1" fontAlgn="auto" latinLnBrk="0" hangingPunct="1">
+                        <a:lnSpc>
+                          <a:spcPct val="100000"/>
+                        </a:lnSpc>
+                        <a:spcBef>
+                          <a:spcPts val="0"/>
+                        </a:spcBef>
+                        <a:spcAft>
+                          <a:spcPts val="0"/>
+                        </a:spcAft>
+                        <a:buClrTx/>
+                        <a:buSzTx/>
+                        <a:buFontTx/>
+                        <a:buNone/>
+                        <a:tabLst/>
+                        <a:defRPr/>
+                      </a:pPr>
+                      <a:r>
+                        <a:rPr lang="fr-FR" sz="1800" dirty="0">
+                          <a:solidFill>
+                            <a:schemeClr val="bg1"/>
+                          </a:solidFill>
+                        </a:rPr>
+                        <a:t>Configuration IIS</a:t>
+                      </a:r>
+                    </a:p>
+                  </a:txBody>
+                  <a:tcPr>
+                    <a:noFill/>
+                  </a:tcPr>
+                </a:tc>
+                <a:tc>
+                  <a:txBody>
+                    <a:bodyPr/>
+                    <a:lstStyle/>
+                    <a:p>
+                      <a:pPr marL="0" marR="0" lvl="0" indent="0" algn="l" defTabSz="914400" rtl="0" eaLnBrk="1" fontAlgn="auto" latinLnBrk="0" hangingPunct="1">
+                        <a:lnSpc>
+                          <a:spcPct val="100000"/>
+                        </a:lnSpc>
+                        <a:spcBef>
+                          <a:spcPts val="0"/>
+                        </a:spcBef>
+                        <a:spcAft>
+                          <a:spcPts val="0"/>
+                        </a:spcAft>
+                        <a:buClrTx/>
+                        <a:buSzTx/>
+                        <a:buFontTx/>
+                        <a:buNone/>
+                        <a:tabLst/>
+                        <a:defRPr/>
+                      </a:pPr>
+                      <a:r>
+                        <a:rPr kumimoji="0" lang="fr-FR" sz="2800" b="1" i="0" u="none" strike="noStrike" kern="1200" cap="none" spc="0" normalizeH="0" baseline="0" noProof="0" dirty="0">
+                          <a:ln>
+                            <a:noFill/>
+                          </a:ln>
+                          <a:solidFill>
+                            <a:srgbClr val="00B050"/>
+                          </a:solidFill>
+                          <a:effectLst/>
+                          <a:uLnTx/>
+                          <a:uFillTx/>
+                          <a:latin typeface="+mn-lt"/>
+                          <a:ea typeface="+mn-ea"/>
+                          <a:cs typeface="Calibri"/>
+                          <a:sym typeface="Wingdings" panose="05000000000000000000" pitchFamily="2" charset="2"/>
+                        </a:rPr>
+                        <a:t></a:t>
+                      </a:r>
+                      <a:endParaRPr kumimoji="0" lang="fr-FR" sz="1800" b="1" i="0" u="none" strike="noStrike" kern="1200" cap="none" spc="0" normalizeH="0" baseline="0" noProof="0" dirty="0">
+                        <a:ln>
+                          <a:noFill/>
+                        </a:ln>
+                        <a:solidFill>
+                          <a:srgbClr val="00B050"/>
+                        </a:solidFill>
+                        <a:effectLst/>
+                        <a:uLnTx/>
+                        <a:uFillTx/>
+                        <a:latin typeface="+mn-lt"/>
+                        <a:ea typeface="+mn-ea"/>
+                        <a:cs typeface="Calibri"/>
+                        <a:sym typeface="Wingdings" panose="05000000000000000000" pitchFamily="2" charset="2"/>
+                      </a:endParaRPr>
+                    </a:p>
+                  </a:txBody>
+                  <a:tcPr>
+                    <a:noFill/>
+                  </a:tcPr>
+                </a:tc>
+                <a:extLst>
+                  <a:ext uri="{0D108BD9-81ED-4DB2-BD59-A6C34878D82A}">
+                    <a16:rowId xmlns:a16="http://schemas.microsoft.com/office/drawing/2014/main" val="2734971059"/>
+                  </a:ext>
+                </a:extLst>
+              </a:tr>
+              <a:tr h="370840">
+                <a:tc>
+                  <a:txBody>
+                    <a:bodyPr/>
+                    <a:lstStyle/>
+                    <a:p>
+                      <a:r>
+                        <a:rPr lang="fr-FR" sz="1800" dirty="0">
+                          <a:solidFill>
+                            <a:schemeClr val="bg1"/>
+                          </a:solidFill>
+                        </a:rPr>
+                        <a:t>Installation/Configuration de PhpMyAdmin 4</a:t>
+                      </a:r>
+                    </a:p>
+                  </a:txBody>
+                  <a:tcPr>
+                    <a:noFill/>
+                  </a:tcPr>
+                </a:tc>
+                <a:tc>
+                  <a:txBody>
+                    <a:bodyPr/>
+                    <a:lstStyle/>
+                    <a:p>
+                      <a:pPr marL="0" marR="0" lvl="0" indent="0" algn="l" defTabSz="914400" rtl="0" eaLnBrk="1" fontAlgn="auto" latinLnBrk="0" hangingPunct="1">
+                        <a:lnSpc>
+                          <a:spcPct val="100000"/>
+                        </a:lnSpc>
+                        <a:spcBef>
+                          <a:spcPts val="0"/>
+                        </a:spcBef>
+                        <a:spcAft>
+                          <a:spcPts val="0"/>
+                        </a:spcAft>
+                        <a:buClrTx/>
+                        <a:buSzTx/>
+                        <a:buFontTx/>
+                        <a:buNone/>
+                        <a:tabLst/>
+                        <a:defRPr/>
+                      </a:pPr>
+                      <a:r>
+                        <a:rPr kumimoji="0" lang="fr-FR" sz="2800" b="1" i="0" u="none" strike="noStrike" kern="1200" cap="none" spc="0" normalizeH="0" baseline="0" noProof="0" dirty="0">
+                          <a:ln>
+                            <a:noFill/>
+                          </a:ln>
+                          <a:solidFill>
+                            <a:srgbClr val="00B050"/>
+                          </a:solidFill>
+                          <a:effectLst/>
+                          <a:uLnTx/>
+                          <a:uFillTx/>
+                          <a:latin typeface="+mn-lt"/>
+                          <a:ea typeface="+mn-ea"/>
+                          <a:cs typeface="Calibri"/>
+                          <a:sym typeface="Wingdings" panose="05000000000000000000" pitchFamily="2" charset="2"/>
+                        </a:rPr>
+                        <a:t></a:t>
+                      </a:r>
+                      <a:endParaRPr kumimoji="0" lang="fr-FR" sz="1800" b="1" i="0" u="none" strike="noStrike" kern="1200" cap="none" spc="0" normalizeH="0" baseline="0" noProof="0" dirty="0">
+                        <a:ln>
+                          <a:noFill/>
+                        </a:ln>
+                        <a:solidFill>
+                          <a:srgbClr val="00B050"/>
+                        </a:solidFill>
+                        <a:effectLst/>
+                        <a:uLnTx/>
+                        <a:uFillTx/>
+                        <a:latin typeface="+mn-lt"/>
+                        <a:ea typeface="+mn-ea"/>
+                        <a:cs typeface="Calibri"/>
+                        <a:sym typeface="Wingdings" panose="05000000000000000000" pitchFamily="2" charset="2"/>
+                      </a:endParaRPr>
+                    </a:p>
+                  </a:txBody>
+                  <a:tcPr>
+                    <a:noFill/>
+                  </a:tcPr>
+                </a:tc>
+                <a:extLst>
+                  <a:ext uri="{0D108BD9-81ED-4DB2-BD59-A6C34878D82A}">
+                    <a16:rowId xmlns:a16="http://schemas.microsoft.com/office/drawing/2014/main" val="1035230644"/>
+                  </a:ext>
+                </a:extLst>
+              </a:tr>
+              <a:tr h="460143">
+                <a:tc>
+                  <a:txBody>
+                    <a:bodyPr/>
+                    <a:lstStyle/>
+                    <a:p>
+                      <a:r>
+                        <a:rPr lang="fr-FR" sz="1800" dirty="0">
+                          <a:solidFill>
+                            <a:schemeClr val="bg1"/>
+                          </a:solidFill>
+                        </a:rPr>
+                        <a:t>Ouverture des ports 80, 8081, 8082</a:t>
+                      </a:r>
+                    </a:p>
+                  </a:txBody>
+                  <a:tcPr>
+                    <a:noFill/>
+                  </a:tcPr>
+                </a:tc>
+                <a:tc>
+                  <a:txBody>
+                    <a:bodyPr/>
+                    <a:lstStyle/>
+                    <a:p>
+                      <a:pPr marL="0" marR="0" lvl="0" indent="0" algn="l" defTabSz="914400" rtl="0" eaLnBrk="1" fontAlgn="auto" latinLnBrk="0" hangingPunct="1">
+                        <a:lnSpc>
+                          <a:spcPct val="100000"/>
+                        </a:lnSpc>
+                        <a:spcBef>
+                          <a:spcPts val="0"/>
+                        </a:spcBef>
+                        <a:spcAft>
+                          <a:spcPts val="0"/>
+                        </a:spcAft>
+                        <a:buClrTx/>
+                        <a:buSzTx/>
+                        <a:buFontTx/>
+                        <a:buNone/>
+                        <a:tabLst/>
+                        <a:defRPr/>
+                      </a:pPr>
+                      <a:r>
+                        <a:rPr lang="fr-FR" sz="2800" b="1" kern="1200" dirty="0">
+                          <a:solidFill>
+                            <a:schemeClr val="accent4"/>
+                          </a:solidFill>
+                          <a:latin typeface="+mn-lt"/>
+                          <a:ea typeface="+mn-ea"/>
+                          <a:cs typeface="Calibri"/>
+                          <a:sym typeface="Wingdings" panose="05000000000000000000" pitchFamily="2" charset="2"/>
+                        </a:rPr>
+                        <a:t></a:t>
+                      </a:r>
+                      <a:endParaRPr lang="fr-FR" sz="2800" b="1" dirty="0">
+                        <a:solidFill>
+                          <a:schemeClr val="accent4"/>
+                        </a:solidFill>
+                      </a:endParaRPr>
+                    </a:p>
+                  </a:txBody>
+                  <a:tcPr>
+                    <a:noFill/>
+                  </a:tcPr>
+                </a:tc>
+                <a:extLst>
+                  <a:ext uri="{0D108BD9-81ED-4DB2-BD59-A6C34878D82A}">
+                    <a16:rowId xmlns:a16="http://schemas.microsoft.com/office/drawing/2014/main" val="1132552388"/>
+                  </a:ext>
+                </a:extLst>
+              </a:tr>
+              <a:tr h="370840">
+                <a:tc>
+                  <a:txBody>
+                    <a:bodyPr/>
+                    <a:lstStyle/>
+                    <a:p>
+                      <a:r>
+                        <a:rPr lang="fr-FR" sz="1800" dirty="0">
+                          <a:solidFill>
+                            <a:schemeClr val="bg1"/>
+                          </a:solidFill>
+                        </a:rPr>
+                        <a:t>Installation broker d’un client MQTT</a:t>
+                      </a:r>
+                    </a:p>
+                  </a:txBody>
+                  <a:tcPr>
+                    <a:noFill/>
+                  </a:tcPr>
+                </a:tc>
+                <a:tc>
+                  <a:txBody>
+                    <a:bodyPr/>
+                    <a:lstStyle/>
+                    <a:p>
+                      <a:pPr marL="0" marR="0" lvl="0" indent="0" algn="l" defTabSz="914400" rtl="0" eaLnBrk="1" fontAlgn="auto" latinLnBrk="0" hangingPunct="1">
+                        <a:lnSpc>
+                          <a:spcPct val="100000"/>
+                        </a:lnSpc>
+                        <a:spcBef>
+                          <a:spcPts val="0"/>
+                        </a:spcBef>
+                        <a:spcAft>
+                          <a:spcPts val="0"/>
+                        </a:spcAft>
+                        <a:buClrTx/>
+                        <a:buSzTx/>
+                        <a:buFontTx/>
+                        <a:buNone/>
+                        <a:tabLst/>
+                        <a:defRPr/>
+                      </a:pPr>
+                      <a:r>
+                        <a:rPr kumimoji="0" lang="fr-FR" sz="2800" b="1" i="0" u="none" strike="noStrike" kern="1200" cap="none" spc="0" normalizeH="0" baseline="0" noProof="0" dirty="0">
+                          <a:ln>
+                            <a:noFill/>
+                          </a:ln>
+                          <a:solidFill>
+                            <a:srgbClr val="00B050"/>
+                          </a:solidFill>
+                          <a:effectLst/>
+                          <a:uLnTx/>
+                          <a:uFillTx/>
+                          <a:latin typeface="+mn-lt"/>
+                          <a:ea typeface="+mn-ea"/>
+                          <a:cs typeface="Calibri"/>
+                          <a:sym typeface="Wingdings" panose="05000000000000000000" pitchFamily="2" charset="2"/>
+                        </a:rPr>
+                        <a:t></a:t>
+                      </a:r>
+                      <a:endParaRPr kumimoji="0" lang="fr-FR" sz="1800" b="1" i="0" u="none" strike="noStrike" kern="1200" cap="none" spc="0" normalizeH="0" baseline="0" noProof="0" dirty="0">
+                        <a:ln>
+                          <a:noFill/>
+                        </a:ln>
+                        <a:solidFill>
+                          <a:srgbClr val="00B050"/>
+                        </a:solidFill>
+                        <a:effectLst/>
+                        <a:uLnTx/>
+                        <a:uFillTx/>
+                        <a:latin typeface="+mn-lt"/>
+                        <a:ea typeface="+mn-ea"/>
+                        <a:cs typeface="Calibri"/>
+                        <a:sym typeface="Wingdings" panose="05000000000000000000" pitchFamily="2" charset="2"/>
+                      </a:endParaRPr>
+                    </a:p>
+                  </a:txBody>
+                  <a:tcPr>
+                    <a:noFill/>
+                  </a:tcPr>
+                </a:tc>
+                <a:extLst>
+                  <a:ext uri="{0D108BD9-81ED-4DB2-BD59-A6C34878D82A}">
+                    <a16:rowId xmlns:a16="http://schemas.microsoft.com/office/drawing/2014/main" val="1051618852"/>
+                  </a:ext>
+                </a:extLst>
+              </a:tr>
+              <a:tr h="370840">
+                <a:tc>
+                  <a:txBody>
+                    <a:bodyPr/>
+                    <a:lstStyle/>
+                    <a:p>
+                      <a:r>
+                        <a:rPr lang="fr-FR" sz="1800" dirty="0">
+                          <a:solidFill>
+                            <a:schemeClr val="bg1"/>
+                          </a:solidFill>
+                        </a:rPr>
+                        <a:t>Configuration de </a:t>
+                      </a:r>
+                      <a:r>
+                        <a:rPr lang="fr-FR" sz="1800" dirty="0" err="1">
+                          <a:solidFill>
+                            <a:schemeClr val="bg1"/>
+                          </a:solidFill>
+                        </a:rPr>
+                        <a:t>Let’s</a:t>
+                      </a:r>
+                      <a:r>
+                        <a:rPr lang="fr-FR" sz="1800" dirty="0">
+                          <a:solidFill>
+                            <a:schemeClr val="bg1"/>
+                          </a:solidFill>
+                        </a:rPr>
+                        <a:t> </a:t>
+                      </a:r>
+                      <a:r>
+                        <a:rPr lang="fr-FR" sz="1800" dirty="0" err="1">
+                          <a:solidFill>
+                            <a:schemeClr val="bg1"/>
+                          </a:solidFill>
+                        </a:rPr>
+                        <a:t>Encpryt</a:t>
+                      </a:r>
+                      <a:r>
+                        <a:rPr lang="fr-FR" sz="1800" dirty="0">
+                          <a:solidFill>
+                            <a:schemeClr val="bg1"/>
+                          </a:solidFill>
+                        </a:rPr>
+                        <a:t> pour TLS</a:t>
+                      </a:r>
+                    </a:p>
+                  </a:txBody>
+                  <a:tcPr>
+                    <a:noFill/>
+                  </a:tcPr>
+                </a:tc>
+                <a:tc>
+                  <a:txBody>
+                    <a:bodyPr/>
+                    <a:lstStyle/>
+                    <a:p>
+                      <a:pPr marL="0" marR="0" lvl="0" indent="0" algn="l" defTabSz="914400" rtl="0" eaLnBrk="1" fontAlgn="auto" latinLnBrk="0" hangingPunct="1">
+                        <a:lnSpc>
+                          <a:spcPct val="100000"/>
+                        </a:lnSpc>
+                        <a:spcBef>
+                          <a:spcPts val="0"/>
+                        </a:spcBef>
+                        <a:spcAft>
+                          <a:spcPts val="0"/>
+                        </a:spcAft>
+                        <a:buClrTx/>
+                        <a:buSzTx/>
+                        <a:buFontTx/>
+                        <a:buNone/>
+                        <a:tabLst/>
+                        <a:defRPr/>
+                      </a:pPr>
+                      <a:r>
+                        <a:rPr lang="fr-FR" sz="2800" b="1" kern="1200" dirty="0">
+                          <a:solidFill>
+                            <a:schemeClr val="accent4"/>
+                          </a:solidFill>
+                          <a:latin typeface="+mn-lt"/>
+                          <a:ea typeface="+mn-ea"/>
+                          <a:cs typeface="Calibri"/>
+                          <a:sym typeface="Wingdings" panose="05000000000000000000" pitchFamily="2" charset="2"/>
+                        </a:rPr>
+                        <a:t></a:t>
+                      </a:r>
+                      <a:endParaRPr lang="fr-FR" sz="2800" b="1" dirty="0">
+                        <a:solidFill>
+                          <a:schemeClr val="accent4"/>
+                        </a:solidFill>
+                      </a:endParaRPr>
+                    </a:p>
+                  </a:txBody>
+                  <a:tcPr>
+                    <a:noFill/>
+                  </a:tcPr>
+                </a:tc>
+                <a:extLst>
+                  <a:ext uri="{0D108BD9-81ED-4DB2-BD59-A6C34878D82A}">
+                    <a16:rowId xmlns:a16="http://schemas.microsoft.com/office/drawing/2014/main" val="42255930"/>
+                  </a:ext>
+                </a:extLst>
+              </a:tr>
+              <a:tr h="370840">
+                <a:tc>
+                  <a:txBody>
+                    <a:bodyPr/>
+                    <a:lstStyle/>
+                    <a:p>
+                      <a:pPr marL="0" marR="0" lvl="0" indent="0" algn="l" defTabSz="914400" rtl="0" eaLnBrk="1" fontAlgn="auto" latinLnBrk="0" hangingPunct="1">
+                        <a:lnSpc>
+                          <a:spcPct val="100000"/>
+                        </a:lnSpc>
+                        <a:spcBef>
+                          <a:spcPts val="0"/>
+                        </a:spcBef>
+                        <a:spcAft>
+                          <a:spcPts val="0"/>
+                        </a:spcAft>
+                        <a:buClrTx/>
+                        <a:buSzTx/>
+                        <a:buFontTx/>
+                        <a:buNone/>
+                        <a:tabLst/>
+                        <a:defRPr/>
+                      </a:pPr>
+                      <a:r>
+                        <a:rPr lang="fr-FR" sz="1800" dirty="0">
+                          <a:solidFill>
+                            <a:schemeClr val="bg1"/>
+                          </a:solidFill>
+                        </a:rPr>
+                        <a:t>Tâche planifiée : mise à jour du projet Smart </a:t>
+                      </a:r>
+                      <a:r>
+                        <a:rPr lang="fr-FR" sz="1800" dirty="0" err="1">
+                          <a:solidFill>
+                            <a:schemeClr val="bg1"/>
+                          </a:solidFill>
+                        </a:rPr>
+                        <a:t>Ecovid</a:t>
+                      </a:r>
+                      <a:r>
+                        <a:rPr lang="fr-FR" sz="1800" dirty="0">
+                          <a:solidFill>
+                            <a:schemeClr val="bg1"/>
+                          </a:solidFill>
+                        </a:rPr>
+                        <a:t> + Webservices</a:t>
+                      </a:r>
+                    </a:p>
+                  </a:txBody>
+                  <a:tcPr>
+                    <a:noFill/>
+                  </a:tcPr>
+                </a:tc>
+                <a:tc>
+                  <a:txBody>
+                    <a:bodyPr/>
+                    <a:lstStyle/>
+                    <a:p>
+                      <a:pPr marL="0" marR="0" lvl="0" indent="0" algn="l" defTabSz="914400" rtl="0" eaLnBrk="1" fontAlgn="auto" latinLnBrk="0" hangingPunct="1">
+                        <a:lnSpc>
+                          <a:spcPct val="100000"/>
+                        </a:lnSpc>
+                        <a:spcBef>
+                          <a:spcPts val="0"/>
+                        </a:spcBef>
+                        <a:spcAft>
+                          <a:spcPts val="0"/>
+                        </a:spcAft>
+                        <a:buClrTx/>
+                        <a:buSzTx/>
+                        <a:buFontTx/>
+                        <a:buNone/>
+                        <a:tabLst/>
+                        <a:defRPr/>
+                      </a:pPr>
+                      <a:r>
+                        <a:rPr lang="fr-FR" sz="2800" b="1" kern="1200" dirty="0">
+                          <a:solidFill>
+                            <a:schemeClr val="accent4"/>
+                          </a:solidFill>
+                          <a:latin typeface="+mn-lt"/>
+                          <a:ea typeface="+mn-ea"/>
+                          <a:cs typeface="Calibri"/>
+                          <a:sym typeface="Wingdings" panose="05000000000000000000" pitchFamily="2" charset="2"/>
+                        </a:rPr>
+                        <a:t></a:t>
+                      </a:r>
+                      <a:endParaRPr lang="fr-FR" sz="2800" b="1" dirty="0">
+                        <a:solidFill>
+                          <a:schemeClr val="accent4"/>
+                        </a:solidFill>
+                      </a:endParaRPr>
+                    </a:p>
+                  </a:txBody>
+                  <a:tcPr>
+                    <a:noFill/>
+                  </a:tcPr>
+                </a:tc>
+                <a:extLst>
+                  <a:ext uri="{0D108BD9-81ED-4DB2-BD59-A6C34878D82A}">
+                    <a16:rowId xmlns:a16="http://schemas.microsoft.com/office/drawing/2014/main" val="1061189645"/>
+                  </a:ext>
+                </a:extLst>
+              </a:tr>
+            </a:tbl>
+          </a:graphicData>
+        </a:graphic>
+      </p:graphicFrame>
+      <p:graphicFrame>
+        <p:nvGraphicFramePr>
+          <p:cNvPr id="71" name="Tableau 7">
+            <a:extLst>
+              <a:ext uri="{FF2B5EF4-FFF2-40B4-BE49-F238E27FC236}">
+                <a16:creationId xmlns:a16="http://schemas.microsoft.com/office/drawing/2014/main" id="{26FC625A-A5C9-424E-ABBF-DB053C723A14}"/>
+              </a:ext>
+            </a:extLst>
+          </p:cNvPr>
+          <p:cNvGraphicFramePr>
+            <a:graphicFrameLocks noGrp="1"/>
+          </p:cNvGraphicFramePr>
+          <p:nvPr>
+            <p:extLst>
+              <p:ext uri="{D42A27DB-BD31-4B8C-83A1-F6EECF244321}">
+                <p14:modId xmlns:p14="http://schemas.microsoft.com/office/powerpoint/2010/main" val="1992518732"/>
+              </p:ext>
+            </p:extLst>
+          </p:nvPr>
+        </p:nvGraphicFramePr>
+        <p:xfrm>
+          <a:off x="6291564" y="1864907"/>
+          <a:ext cx="5693096" cy="2468880"/>
+        </p:xfrm>
+        <a:graphic>
+          <a:graphicData uri="http://schemas.openxmlformats.org/drawingml/2006/table">
+            <a:tbl>
+              <a:tblPr firstRow="1" bandRow="1">
+                <a:tableStyleId>{5C22544A-7EE6-4342-B048-85BDC9FD1C3A}</a:tableStyleId>
+              </a:tblPr>
+              <a:tblGrid>
+                <a:gridCol w="4991811">
+                  <a:extLst>
+                    <a:ext uri="{9D8B030D-6E8A-4147-A177-3AD203B41FA5}">
+                      <a16:colId xmlns:a16="http://schemas.microsoft.com/office/drawing/2014/main" val="2904378242"/>
+                    </a:ext>
+                  </a:extLst>
+                </a:gridCol>
+                <a:gridCol w="701285">
+                  <a:extLst>
+                    <a:ext uri="{9D8B030D-6E8A-4147-A177-3AD203B41FA5}">
+                      <a16:colId xmlns:a16="http://schemas.microsoft.com/office/drawing/2014/main" val="2045041980"/>
+                    </a:ext>
+                  </a:extLst>
+                </a:gridCol>
+              </a:tblGrid>
+              <a:tr h="370840">
+                <a:tc>
+                  <a:txBody>
+                    <a:bodyPr/>
+                    <a:lstStyle/>
+                    <a:p>
+                      <a:r>
+                        <a:rPr lang="fr-FR" sz="2000" dirty="0"/>
+                        <a:t>Serveur de base de données </a:t>
+                      </a:r>
+                    </a:p>
+                  </a:txBody>
+                  <a:tcPr>
+                    <a:noFill/>
+                  </a:tcPr>
+                </a:tc>
+                <a:tc>
+                  <a:txBody>
+                    <a:bodyPr/>
+                    <a:lstStyle/>
+                    <a:p>
+                      <a:endParaRPr lang="fr-FR" sz="2000"/>
+                    </a:p>
+                  </a:txBody>
+                  <a:tcPr>
+                    <a:noFill/>
+                  </a:tcPr>
+                </a:tc>
+                <a:extLst>
+                  <a:ext uri="{0D108BD9-81ED-4DB2-BD59-A6C34878D82A}">
+                    <a16:rowId xmlns:a16="http://schemas.microsoft.com/office/drawing/2014/main" val="3665255342"/>
+                  </a:ext>
+                </a:extLst>
+              </a:tr>
+              <a:tr h="370840">
+                <a:tc>
+                  <a:txBody>
+                    <a:bodyPr/>
+                    <a:lstStyle/>
+                    <a:p>
+                      <a:r>
+                        <a:rPr lang="fr-FR" sz="1800" dirty="0">
+                          <a:solidFill>
+                            <a:schemeClr val="bg1"/>
+                          </a:solidFill>
+                        </a:rPr>
+                        <a:t>Configuration d’open-</a:t>
+                      </a:r>
+                      <a:r>
+                        <a:rPr lang="fr-FR" sz="1800" dirty="0" err="1">
+                          <a:solidFill>
+                            <a:schemeClr val="bg1"/>
+                          </a:solidFill>
+                        </a:rPr>
+                        <a:t>Ssh</a:t>
+                      </a:r>
+                      <a:r>
+                        <a:rPr lang="fr-FR" sz="1800" dirty="0">
+                          <a:solidFill>
+                            <a:schemeClr val="bg1"/>
+                          </a:solidFill>
+                        </a:rPr>
+                        <a:t> </a:t>
+                      </a:r>
+                    </a:p>
+                  </a:txBody>
+                  <a:tcPr>
+                    <a:noFill/>
+                  </a:tcPr>
+                </a:tc>
+                <a:tc>
+                  <a:txBody>
+                    <a:bodyPr/>
+                    <a:lstStyle/>
+                    <a:p>
+                      <a:pPr marL="0" marR="0" lvl="0" indent="0" algn="l" defTabSz="914400" rtl="0" eaLnBrk="1" fontAlgn="auto" latinLnBrk="0" hangingPunct="1">
+                        <a:lnSpc>
+                          <a:spcPct val="100000"/>
+                        </a:lnSpc>
+                        <a:spcBef>
+                          <a:spcPts val="0"/>
+                        </a:spcBef>
+                        <a:spcAft>
+                          <a:spcPts val="0"/>
+                        </a:spcAft>
+                        <a:buClrTx/>
+                        <a:buSzTx/>
+                        <a:buFontTx/>
+                        <a:buNone/>
+                        <a:tabLst/>
+                        <a:defRPr/>
+                      </a:pPr>
+                      <a:r>
+                        <a:rPr lang="fr-FR" sz="2800" b="1" kern="1200" dirty="0">
+                          <a:solidFill>
+                            <a:srgbClr val="00B050"/>
+                          </a:solidFill>
+                          <a:latin typeface="+mn-lt"/>
+                          <a:ea typeface="+mn-ea"/>
+                          <a:cs typeface="Calibri"/>
+                          <a:sym typeface="Wingdings" panose="05000000000000000000" pitchFamily="2" charset="2"/>
+                        </a:rPr>
+                        <a:t></a:t>
+                      </a:r>
+                      <a:endParaRPr lang="fr-FR" sz="1800" b="1" kern="1200" dirty="0">
+                        <a:solidFill>
+                          <a:srgbClr val="00B050"/>
+                        </a:solidFill>
+                        <a:latin typeface="+mn-lt"/>
+                        <a:ea typeface="+mn-ea"/>
+                        <a:cs typeface="Calibri"/>
+                        <a:sym typeface="Wingdings" panose="05000000000000000000" pitchFamily="2" charset="2"/>
+                      </a:endParaRPr>
+                    </a:p>
+                  </a:txBody>
+                  <a:tcPr>
+                    <a:noFill/>
+                  </a:tcPr>
+                </a:tc>
+                <a:extLst>
+                  <a:ext uri="{0D108BD9-81ED-4DB2-BD59-A6C34878D82A}">
+                    <a16:rowId xmlns:a16="http://schemas.microsoft.com/office/drawing/2014/main" val="660466286"/>
+                  </a:ext>
+                </a:extLst>
+              </a:tr>
+              <a:tr h="370840">
+                <a:tc>
+                  <a:txBody>
+                    <a:bodyPr/>
+                    <a:lstStyle/>
+                    <a:p>
+                      <a:pPr marL="0" marR="0" lvl="0" indent="0" algn="l" defTabSz="914400" rtl="0" eaLnBrk="1" fontAlgn="auto" latinLnBrk="0" hangingPunct="1">
+                        <a:lnSpc>
+                          <a:spcPct val="100000"/>
+                        </a:lnSpc>
+                        <a:spcBef>
+                          <a:spcPts val="0"/>
+                        </a:spcBef>
+                        <a:spcAft>
+                          <a:spcPts val="0"/>
+                        </a:spcAft>
+                        <a:buClrTx/>
+                        <a:buSzTx/>
+                        <a:buFontTx/>
+                        <a:buNone/>
+                        <a:tabLst/>
+                        <a:defRPr/>
+                      </a:pPr>
+                      <a:r>
+                        <a:rPr lang="fr-FR" sz="1800" dirty="0">
+                          <a:solidFill>
+                            <a:schemeClr val="bg1"/>
+                          </a:solidFill>
+                        </a:rPr>
+                        <a:t>Configuration d’</a:t>
+                      </a:r>
+                      <a:r>
+                        <a:rPr lang="fr-FR" sz="1800" dirty="0" err="1">
+                          <a:solidFill>
+                            <a:schemeClr val="bg1"/>
+                          </a:solidFill>
+                        </a:rPr>
+                        <a:t>iptables</a:t>
+                      </a:r>
+                      <a:endParaRPr lang="fr-FR" sz="1800" dirty="0">
+                        <a:solidFill>
+                          <a:schemeClr val="bg1"/>
+                        </a:solidFill>
+                      </a:endParaRPr>
+                    </a:p>
+                  </a:txBody>
+                  <a:tcPr>
+                    <a:noFill/>
+                  </a:tcPr>
+                </a:tc>
+                <a:tc>
+                  <a:txBody>
+                    <a:bodyPr/>
+                    <a:lstStyle/>
+                    <a:p>
+                      <a:pPr marL="0" marR="0" lvl="0" indent="0" algn="l" defTabSz="914400" rtl="0" eaLnBrk="1" fontAlgn="auto" latinLnBrk="0" hangingPunct="1">
+                        <a:lnSpc>
+                          <a:spcPct val="100000"/>
+                        </a:lnSpc>
+                        <a:spcBef>
+                          <a:spcPts val="0"/>
+                        </a:spcBef>
+                        <a:spcAft>
+                          <a:spcPts val="0"/>
+                        </a:spcAft>
+                        <a:buClrTx/>
+                        <a:buSzTx/>
+                        <a:buFontTx/>
+                        <a:buNone/>
+                        <a:tabLst/>
+                        <a:defRPr/>
+                      </a:pPr>
+                      <a:r>
+                        <a:rPr kumimoji="0" lang="fr-FR" sz="2800" b="1" i="0" u="none" strike="noStrike" kern="1200" cap="none" spc="0" normalizeH="0" baseline="0" noProof="0" dirty="0">
+                          <a:ln>
+                            <a:noFill/>
+                          </a:ln>
+                          <a:solidFill>
+                            <a:srgbClr val="00B050"/>
+                          </a:solidFill>
+                          <a:effectLst/>
+                          <a:uLnTx/>
+                          <a:uFillTx/>
+                          <a:latin typeface="+mn-lt"/>
+                          <a:ea typeface="+mn-ea"/>
+                          <a:cs typeface="Calibri"/>
+                          <a:sym typeface="Wingdings" panose="05000000000000000000" pitchFamily="2" charset="2"/>
+                        </a:rPr>
+                        <a:t></a:t>
+                      </a:r>
+                      <a:endParaRPr kumimoji="0" lang="fr-FR" sz="1800" b="1" i="0" u="none" strike="noStrike" kern="1200" cap="none" spc="0" normalizeH="0" baseline="0" noProof="0" dirty="0">
+                        <a:ln>
+                          <a:noFill/>
+                        </a:ln>
+                        <a:solidFill>
+                          <a:srgbClr val="00B050"/>
+                        </a:solidFill>
+                        <a:effectLst/>
+                        <a:uLnTx/>
+                        <a:uFillTx/>
+                        <a:latin typeface="+mn-lt"/>
+                        <a:ea typeface="+mn-ea"/>
+                        <a:cs typeface="Calibri"/>
+                        <a:sym typeface="Wingdings" panose="05000000000000000000" pitchFamily="2" charset="2"/>
+                      </a:endParaRPr>
+                    </a:p>
+                  </a:txBody>
+                  <a:tcPr>
+                    <a:noFill/>
+                  </a:tcPr>
+                </a:tc>
+                <a:extLst>
+                  <a:ext uri="{0D108BD9-81ED-4DB2-BD59-A6C34878D82A}">
+                    <a16:rowId xmlns:a16="http://schemas.microsoft.com/office/drawing/2014/main" val="1363299400"/>
+                  </a:ext>
+                </a:extLst>
+              </a:tr>
+              <a:tr h="370840">
+                <a:tc>
+                  <a:txBody>
+                    <a:bodyPr/>
+                    <a:lstStyle/>
+                    <a:p>
+                      <a:pPr marL="0" marR="0" lvl="0" indent="0" algn="l" defTabSz="914400" rtl="0" eaLnBrk="1" fontAlgn="auto" latinLnBrk="0" hangingPunct="1">
+                        <a:lnSpc>
+                          <a:spcPct val="100000"/>
+                        </a:lnSpc>
+                        <a:spcBef>
+                          <a:spcPts val="0"/>
+                        </a:spcBef>
+                        <a:spcAft>
+                          <a:spcPts val="0"/>
+                        </a:spcAft>
+                        <a:buClrTx/>
+                        <a:buSzTx/>
+                        <a:buFontTx/>
+                        <a:buNone/>
+                        <a:tabLst/>
+                        <a:defRPr/>
+                      </a:pPr>
+                      <a:r>
+                        <a:rPr lang="fr-FR" sz="1800" dirty="0">
+                          <a:solidFill>
+                            <a:schemeClr val="bg1"/>
+                          </a:solidFill>
+                        </a:rPr>
+                        <a:t>Configuration IIS</a:t>
+                      </a:r>
+                    </a:p>
+                  </a:txBody>
+                  <a:tcPr>
+                    <a:noFill/>
+                  </a:tcPr>
+                </a:tc>
+                <a:tc>
+                  <a:txBody>
+                    <a:bodyPr/>
+                    <a:lstStyle/>
+                    <a:p>
+                      <a:pPr marL="0" marR="0" lvl="0" indent="0" algn="l" defTabSz="914400" rtl="0" eaLnBrk="1" fontAlgn="auto" latinLnBrk="0" hangingPunct="1">
+                        <a:lnSpc>
+                          <a:spcPct val="100000"/>
+                        </a:lnSpc>
+                        <a:spcBef>
+                          <a:spcPts val="0"/>
+                        </a:spcBef>
+                        <a:spcAft>
+                          <a:spcPts val="0"/>
+                        </a:spcAft>
+                        <a:buClrTx/>
+                        <a:buSzTx/>
+                        <a:buFontTx/>
+                        <a:buNone/>
+                        <a:tabLst/>
+                        <a:defRPr/>
+                      </a:pPr>
+                      <a:r>
+                        <a:rPr kumimoji="0" lang="fr-FR" sz="2800" b="1" i="0" u="none" strike="noStrike" kern="1200" cap="none" spc="0" normalizeH="0" baseline="0" noProof="0" dirty="0">
+                          <a:ln>
+                            <a:noFill/>
+                          </a:ln>
+                          <a:solidFill>
+                            <a:srgbClr val="00B050"/>
+                          </a:solidFill>
+                          <a:effectLst/>
+                          <a:uLnTx/>
+                          <a:uFillTx/>
+                          <a:latin typeface="+mn-lt"/>
+                          <a:ea typeface="+mn-ea"/>
+                          <a:cs typeface="Calibri"/>
+                          <a:sym typeface="Wingdings" panose="05000000000000000000" pitchFamily="2" charset="2"/>
+                        </a:rPr>
+                        <a:t></a:t>
+                      </a:r>
+                      <a:endParaRPr kumimoji="0" lang="fr-FR" sz="1800" b="1" i="0" u="none" strike="noStrike" kern="1200" cap="none" spc="0" normalizeH="0" baseline="0" noProof="0" dirty="0">
+                        <a:ln>
+                          <a:noFill/>
+                        </a:ln>
+                        <a:solidFill>
+                          <a:srgbClr val="00B050"/>
+                        </a:solidFill>
+                        <a:effectLst/>
+                        <a:uLnTx/>
+                        <a:uFillTx/>
+                        <a:latin typeface="+mn-lt"/>
+                        <a:ea typeface="+mn-ea"/>
+                        <a:cs typeface="Calibri"/>
+                        <a:sym typeface="Wingdings" panose="05000000000000000000" pitchFamily="2" charset="2"/>
+                      </a:endParaRPr>
+                    </a:p>
+                  </a:txBody>
+                  <a:tcPr>
+                    <a:noFill/>
+                  </a:tcPr>
+                </a:tc>
+                <a:extLst>
+                  <a:ext uri="{0D108BD9-81ED-4DB2-BD59-A6C34878D82A}">
+                    <a16:rowId xmlns:a16="http://schemas.microsoft.com/office/drawing/2014/main" val="2734971059"/>
+                  </a:ext>
+                </a:extLst>
+              </a:tr>
+              <a:tr h="370840">
+                <a:tc>
+                  <a:txBody>
+                    <a:bodyPr/>
+                    <a:lstStyle/>
+                    <a:p>
+                      <a:r>
+                        <a:rPr lang="fr-FR" sz="1800" dirty="0">
+                          <a:solidFill>
+                            <a:schemeClr val="bg1"/>
+                          </a:solidFill>
+                        </a:rPr>
+                        <a:t>Configuration de Maria DB 10</a:t>
+                      </a:r>
+                    </a:p>
+                  </a:txBody>
+                  <a:tcPr>
+                    <a:noFill/>
+                  </a:tcPr>
+                </a:tc>
+                <a:tc>
+                  <a:txBody>
+                    <a:bodyPr/>
+                    <a:lstStyle/>
+                    <a:p>
+                      <a:pPr marL="0" marR="0" lvl="0" indent="0" algn="l" defTabSz="914400" rtl="0" eaLnBrk="1" fontAlgn="auto" latinLnBrk="0" hangingPunct="1">
+                        <a:lnSpc>
+                          <a:spcPct val="100000"/>
+                        </a:lnSpc>
+                        <a:spcBef>
+                          <a:spcPts val="0"/>
+                        </a:spcBef>
+                        <a:spcAft>
+                          <a:spcPts val="0"/>
+                        </a:spcAft>
+                        <a:buClrTx/>
+                        <a:buSzTx/>
+                        <a:buFontTx/>
+                        <a:buNone/>
+                        <a:tabLst/>
+                        <a:defRPr/>
+                      </a:pPr>
+                      <a:r>
+                        <a:rPr kumimoji="0" lang="fr-FR" sz="2800" b="1" i="0" u="none" strike="noStrike" kern="1200" cap="none" spc="0" normalizeH="0" baseline="0" noProof="0" dirty="0">
+                          <a:ln>
+                            <a:noFill/>
+                          </a:ln>
+                          <a:solidFill>
+                            <a:srgbClr val="00B050"/>
+                          </a:solidFill>
+                          <a:effectLst/>
+                          <a:uLnTx/>
+                          <a:uFillTx/>
+                          <a:latin typeface="+mn-lt"/>
+                          <a:ea typeface="+mn-ea"/>
+                          <a:cs typeface="Calibri"/>
+                          <a:sym typeface="Wingdings" panose="05000000000000000000" pitchFamily="2" charset="2"/>
+                        </a:rPr>
+                        <a:t></a:t>
+                      </a:r>
+                      <a:endParaRPr kumimoji="0" lang="fr-FR" sz="1800" b="1" i="0" u="none" strike="noStrike" kern="1200" cap="none" spc="0" normalizeH="0" baseline="0" noProof="0" dirty="0">
+                        <a:ln>
+                          <a:noFill/>
+                        </a:ln>
+                        <a:solidFill>
+                          <a:srgbClr val="00B050"/>
+                        </a:solidFill>
+                        <a:effectLst/>
+                        <a:uLnTx/>
+                        <a:uFillTx/>
+                        <a:latin typeface="+mn-lt"/>
+                        <a:ea typeface="+mn-ea"/>
+                        <a:cs typeface="Calibri"/>
+                        <a:sym typeface="Wingdings" panose="05000000000000000000" pitchFamily="2" charset="2"/>
+                      </a:endParaRPr>
+                    </a:p>
+                  </a:txBody>
+                  <a:tcPr>
+                    <a:noFill/>
+                  </a:tcPr>
+                </a:tc>
+                <a:extLst>
+                  <a:ext uri="{0D108BD9-81ED-4DB2-BD59-A6C34878D82A}">
+                    <a16:rowId xmlns:a16="http://schemas.microsoft.com/office/drawing/2014/main" val="1035230644"/>
+                  </a:ext>
+                </a:extLst>
+              </a:tr>
+            </a:tbl>
+          </a:graphicData>
+        </a:graphic>
+      </p:graphicFrame>
+      <p:sp>
+        <p:nvSpPr>
+          <p:cNvPr id="72" name="ZoneTexte 71">
+            <a:extLst>
+              <a:ext uri="{FF2B5EF4-FFF2-40B4-BE49-F238E27FC236}">
+                <a16:creationId xmlns:a16="http://schemas.microsoft.com/office/drawing/2014/main" id="{F32C56D6-0E77-42ED-AA65-0A823F0442F9}"/>
+              </a:ext>
+            </a:extLst>
+          </p:cNvPr>
+          <p:cNvSpPr txBox="1"/>
           <p:nvPr/>
         </p:nvSpPr>
         <p:spPr>
           <a:xfrm>
-            <a:off x="468805" y="2120999"/>
-            <a:ext cx="11326912" cy="5117775"/>
-          </a:xfrm>
-          <a:prstGeom prst="rect">
-            <a:avLst/>
-          </a:prstGeom>
-        </p:spPr>
-        <p:txBody>
-          <a:bodyPr>
-            <a:normAutofit/>
+            <a:off x="257756" y="1414655"/>
+            <a:ext cx="3489158" cy="461665"/>
+          </a:xfrm>
+          <a:prstGeom prst="rect">
+            <a:avLst/>
+          </a:prstGeom>
+          <a:noFill/>
+        </p:spPr>
+        <p:txBody>
+          <a:bodyPr wrap="square" rtlCol="0">
+            <a:spAutoFit/>
           </a:bodyPr>
-          <a:lstStyle>
-            <a:lvl1pPr marL="228600" indent="-228600" algn="l" defTabSz="914400" rtl="0" eaLnBrk="1" latinLnBrk="0" hangingPunct="1">
-              <a:lnSpc>
-                <a:spcPct val="90000"/>
-              </a:lnSpc>
-              <a:spcBef>
-                <a:spcPts val="1000"/>
-              </a:spcBef>
-              <a:buFont typeface="Arial" panose="020B0604020202020204" pitchFamily="34" charset="0"/>
-              <a:buChar char="•"/>
-              <a:defRPr sz="2800" kern="1200">
-                <a:solidFill>
-                  <a:schemeClr val="tx1"/>
-                </a:solidFill>
-                <a:latin typeface="+mn-lt"/>
-                <a:ea typeface="+mn-ea"/>
-                <a:cs typeface="+mn-cs"/>
-              </a:defRPr>
-            </a:lvl1pPr>
-            <a:lvl2pPr marL="685800" indent="-228600" algn="l" defTabSz="914400" rtl="0" eaLnBrk="1" latinLnBrk="0" hangingPunct="1">
-              <a:lnSpc>
-                <a:spcPct val="90000"/>
-              </a:lnSpc>
-              <a:spcBef>
-                <a:spcPts val="500"/>
-              </a:spcBef>
-              <a:buFont typeface="Arial" panose="020B0604020202020204" pitchFamily="34" charset="0"/>
-              <a:buChar char="•"/>
-              <a:defRPr sz="2400" kern="1200">
-                <a:solidFill>
-                  <a:schemeClr val="tx1"/>
-                </a:solidFill>
-                <a:latin typeface="+mn-lt"/>
-                <a:ea typeface="+mn-ea"/>
-                <a:cs typeface="+mn-cs"/>
-              </a:defRPr>
-            </a:lvl2pPr>
-            <a:lvl3pPr marL="1143000" indent="-228600" algn="l" defTabSz="914400" rtl="0" eaLnBrk="1" latinLnBrk="0" hangingPunct="1">
-              <a:lnSpc>
-                <a:spcPct val="90000"/>
-              </a:lnSpc>
-              <a:spcBef>
-                <a:spcPts val="500"/>
-              </a:spcBef>
-              <a:buFont typeface="Arial" panose="020B0604020202020204" pitchFamily="34" charset="0"/>
-              <a:buChar char="•"/>
-              <a:defRPr sz="2000" kern="1200">
-                <a:solidFill>
-                  <a:schemeClr val="tx1"/>
-                </a:solidFill>
-                <a:latin typeface="+mn-lt"/>
-                <a:ea typeface="+mn-ea"/>
-                <a:cs typeface="+mn-cs"/>
-              </a:defRPr>
-            </a:lvl3pPr>
-            <a:lvl4pPr marL="1600200" indent="-228600" algn="l" defTabSz="914400" rtl="0" eaLnBrk="1" latinLnBrk="0" hangingPunct="1">
-              <a:lnSpc>
-                <a:spcPct val="90000"/>
-              </a:lnSpc>
-              <a:spcBef>
-                <a:spcPts val="500"/>
-              </a:spcBef>
-              <a:buFont typeface="Arial" panose="020B0604020202020204" pitchFamily="34" charset="0"/>
-              <a:buChar char="•"/>
-              <a:defRPr sz="1800" kern="1200">
-                <a:solidFill>
-                  <a:schemeClr val="tx1"/>
-                </a:solidFill>
-                <a:latin typeface="+mn-lt"/>
-                <a:ea typeface="+mn-ea"/>
-                <a:cs typeface="+mn-cs"/>
-              </a:defRPr>
-            </a:lvl4pPr>
-            <a:lvl5pPr marL="2057400" indent="-228600" algn="l" defTabSz="914400" rtl="0" eaLnBrk="1" latinLnBrk="0" hangingPunct="1">
-              <a:lnSpc>
-                <a:spcPct val="90000"/>
-              </a:lnSpc>
-              <a:spcBef>
-                <a:spcPts val="500"/>
-              </a:spcBef>
-              <a:buFont typeface="Arial" panose="020B0604020202020204" pitchFamily="34" charset="0"/>
-              <a:buChar char="•"/>
-              <a:defRPr sz="1800" kern="1200">
-                <a:solidFill>
-                  <a:schemeClr val="tx1"/>
-                </a:solidFill>
-                <a:latin typeface="+mn-lt"/>
-                <a:ea typeface="+mn-ea"/>
-                <a:cs typeface="+mn-cs"/>
-              </a:defRPr>
-            </a:lvl5pPr>
-            <a:lvl6pPr marL="2514600" indent="-228600" algn="l" defTabSz="914400" rtl="0" eaLnBrk="1" latinLnBrk="0" hangingPunct="1">
-              <a:lnSpc>
-                <a:spcPct val="90000"/>
-              </a:lnSpc>
-              <a:spcBef>
-                <a:spcPts val="500"/>
-              </a:spcBef>
-              <a:buFont typeface="Arial" panose="020B0604020202020204" pitchFamily="34" charset="0"/>
-              <a:buChar char="•"/>
-              <a:defRPr sz="1800" kern="1200">
-                <a:solidFill>
-                  <a:schemeClr val="tx1"/>
-                </a:solidFill>
-                <a:latin typeface="+mn-lt"/>
-                <a:ea typeface="+mn-ea"/>
-                <a:cs typeface="+mn-cs"/>
-              </a:defRPr>
-            </a:lvl6pPr>
-            <a:lvl7pPr marL="2971800" indent="-228600" algn="l" defTabSz="914400" rtl="0" eaLnBrk="1" latinLnBrk="0" hangingPunct="1">
-              <a:lnSpc>
-                <a:spcPct val="90000"/>
-              </a:lnSpc>
-              <a:spcBef>
-                <a:spcPts val="500"/>
-              </a:spcBef>
-              <a:buFont typeface="Arial" panose="020B0604020202020204" pitchFamily="34" charset="0"/>
-              <a:buChar char="•"/>
-              <a:defRPr sz="1800" kern="1200">
-                <a:solidFill>
-                  <a:schemeClr val="tx1"/>
-                </a:solidFill>
-                <a:latin typeface="+mn-lt"/>
-                <a:ea typeface="+mn-ea"/>
-                <a:cs typeface="+mn-cs"/>
-              </a:defRPr>
-            </a:lvl7pPr>
-            <a:lvl8pPr marL="3429000" indent="-228600" algn="l" defTabSz="914400" rtl="0" eaLnBrk="1" latinLnBrk="0" hangingPunct="1">
-              <a:lnSpc>
-                <a:spcPct val="90000"/>
-              </a:lnSpc>
-              <a:spcBef>
-                <a:spcPts val="500"/>
-              </a:spcBef>
-              <a:buFont typeface="Arial" panose="020B0604020202020204" pitchFamily="34" charset="0"/>
-              <a:buChar char="•"/>
-              <a:defRPr sz="1800" kern="1200">
-                <a:solidFill>
-                  <a:schemeClr val="tx1"/>
-                </a:solidFill>
-                <a:latin typeface="+mn-lt"/>
-                <a:ea typeface="+mn-ea"/>
-                <a:cs typeface="+mn-cs"/>
-              </a:defRPr>
-            </a:lvl8pPr>
-            <a:lvl9pPr marL="3886200" indent="-228600" algn="l" defTabSz="914400" rtl="0" eaLnBrk="1" latinLnBrk="0" hangingPunct="1">
-              <a:lnSpc>
-                <a:spcPct val="90000"/>
-              </a:lnSpc>
-              <a:spcBef>
-                <a:spcPts val="500"/>
-              </a:spcBef>
-              <a:buFont typeface="Arial" panose="020B0604020202020204" pitchFamily="34" charset="0"/>
-              <a:buChar char="•"/>
-              <a:defRPr sz="1800" kern="1200">
-                <a:solidFill>
-                  <a:schemeClr val="tx1"/>
-                </a:solidFill>
-                <a:latin typeface="+mn-lt"/>
-                <a:ea typeface="+mn-ea"/>
-                <a:cs typeface="+mn-cs"/>
-              </a:defRPr>
-            </a:lvl9pPr>
-          </a:lstStyle>
+          <a:lstStyle/>
           <a:p>
             <a:pPr marL="0" indent="0">
               <a:buNone/>
             </a:pPr>
             <a:r>
-              <a:rPr lang="fr-FR" dirty="0">
+              <a:rPr lang="fr-FR" sz="2400" dirty="0">
                 <a:solidFill>
-                  <a:schemeClr val="bg2"/>
+                  <a:schemeClr val="bg1"/>
                 </a:solidFill>
               </a:rPr>
-              <a:t>Conclusion :</a:t>
-            </a:r>
-          </a:p>
-          <a:p>
-            <a:pPr lvl="0"/>
-            <a:r>
-              <a:rPr lang="fr-FR" dirty="0">
-                <a:solidFill>
-                  <a:schemeClr val="bg2"/>
-                </a:solidFill>
-              </a:rPr>
-              <a:t>Configuration des serveurs Web et base de données </a:t>
-            </a:r>
-          </a:p>
-          <a:p>
-            <a:pPr lvl="0"/>
-            <a:r>
-              <a:rPr lang="fr-FR" dirty="0">
-                <a:solidFill>
-                  <a:schemeClr val="bg2"/>
-                </a:solidFill>
-              </a:rPr>
-              <a:t>Interopérabilité avec les autres parties </a:t>
+              <a:t>Etat d’avancement : </a:t>
             </a:r>
           </a:p>
         </p:txBody>
@@ -14427,7 +15882,7 @@
                                           </p:stCondLst>
                                         </p:cTn>
                                         <p:tgtEl>
-                                          <p:spTgt spid="23"/>
+                                          <p:spTgt spid="69"/>
                                         </p:tgtEl>
                                         <p:attrNameLst>
                                           <p:attrName>style.visibility</p:attrName>
@@ -14441,7 +15896,7 @@
                                 </p:cTn>
                               </p:par>
                               <p:par>
-                                <p:cTn id="7" presetID="1" presetClass="exit" presetSubtype="0" fill="hold" grpId="2" nodeType="withEffect">
+                                <p:cTn id="7" presetID="1" presetClass="exit" presetSubtype="0" fill="hold" grpId="0" nodeType="withEffect">
                                   <p:stCondLst>
                                     <p:cond delay="0"/>
                                   </p:stCondLst>
@@ -14454,7 +15909,61 @@
                                           </p:stCondLst>
                                         </p:cTn>
                                         <p:tgtEl>
-                                          <p:spTgt spid="24"/>
+                                          <p:spTgt spid="72"/>
+                                        </p:tgtEl>
+                                        <p:attrNameLst>
+                                          <p:attrName>style.visibility</p:attrName>
+                                        </p:attrNameLst>
+                                      </p:cBhvr>
+                                      <p:to>
+                                        <p:strVal val="hidden"/>
+                                      </p:to>
+                                    </p:set>
+                                  </p:childTnLst>
+                                </p:cTn>
+                              </p:par>
+                              <p:par>
+                                <p:cTn id="9" presetID="1" presetClass="exit" presetSubtype="0" fill="hold" nodeType="withEffect">
+                                  <p:stCondLst>
+                                    <p:cond delay="0"/>
+                                  </p:stCondLst>
+                                  <p:childTnLst>
+                                    <p:set>
+                                      <p:cBhvr>
+                                        <p:cTn id="10" dur="1" fill="hold">
+                                          <p:stCondLst>
+                                            <p:cond delay="0"/>
+                                          </p:stCondLst>
+                                        </p:cTn>
+                                        <p:tgtEl>
+                                          <p:spTgt spid="70"/>
+                                        </p:tgtEl>
+                                        <p:attrNameLst>
+                                          <p:attrName>style.visibility</p:attrName>
+                                        </p:attrNameLst>
+                                      </p:cBhvr>
+                                      <p:to>
+                                        <p:strVal val="hidden"/>
+                                      </p:to>
+                                    </p:set>
+                                  </p:childTnLst>
+                                </p:cTn>
+                              </p:par>
+                              <p:par>
+                                <p:cTn id="11" presetID="1" presetClass="exit" presetSubtype="0" fill="hold" nodeType="withEffect">
+                                  <p:stCondLst>
+                                    <p:cond delay="0"/>
+                                  </p:stCondLst>
+                                  <p:childTnLst>
+                                    <p:set>
+                                      <p:cBhvr>
+                                        <p:cTn id="12" dur="1" fill="hold">
+                                          <p:stCondLst>
+                                            <p:cond delay="0"/>
+                                          </p:stCondLst>
+                                        </p:cTn>
+                                        <p:tgtEl>
+                                          <p:spTgt spid="71"/>
                                         </p:tgtEl>
                                         <p:attrNameLst>
                                           <p:attrName>style.visibility</p:attrName>
@@ -14474,40 +15983,40 @@
                     </p:cTn>
                   </p:par>
                   <p:par>
-                    <p:cTn id="9" fill="hold">
+                    <p:cTn id="13" fill="hold">
                       <p:stCondLst>
                         <p:cond delay="indefinite"/>
                       </p:stCondLst>
                       <p:childTnLst>
                         <p:par>
-                          <p:cTn id="10" fill="hold">
+                          <p:cTn id="14" fill="hold">
                             <p:stCondLst>
                               <p:cond delay="0"/>
                             </p:stCondLst>
                             <p:childTnLst>
                               <p:par>
-                                <p:cTn id="11" presetID="16" presetClass="exit" presetSubtype="21" fill="hold" grpId="0" nodeType="clickEffect">
+                                <p:cTn id="15" presetID="16" presetClass="exit" presetSubtype="21" fill="hold" grpId="0" nodeType="clickEffect">
                                   <p:stCondLst>
                                     <p:cond delay="0"/>
                                   </p:stCondLst>
                                   <p:childTnLst>
                                     <p:animEffect transition="out" filter="barn(inVertical)">
                                       <p:cBhvr>
-                                        <p:cTn id="12" dur="500"/>
+                                        <p:cTn id="16" dur="500"/>
                                         <p:tgtEl>
-                                          <p:spTgt spid="21"/>
+                                          <p:spTgt spid="67"/>
                                         </p:tgtEl>
                                       </p:cBhvr>
                                     </p:animEffect>
                                     <p:set>
                                       <p:cBhvr>
-                                        <p:cTn id="13" dur="1" fill="hold">
+                                        <p:cTn id="17" dur="1" fill="hold">
                                           <p:stCondLst>
                                             <p:cond delay="499"/>
                                           </p:stCondLst>
                                         </p:cTn>
                                         <p:tgtEl>
-                                          <p:spTgt spid="21"/>
+                                          <p:spTgt spid="67"/>
                                         </p:tgtEl>
                                         <p:attrNameLst>
                                           <p:attrName>style.visibility</p:attrName>
@@ -14521,28 +16030,28 @@
                                 </p:cTn>
                               </p:par>
                               <p:par>
-                                <p:cTn id="14" presetID="16" presetClass="exit" presetSubtype="21" fill="hold" grpId="0" nodeType="withEffect">
+                                <p:cTn id="18" presetID="16" presetClass="exit" presetSubtype="21" fill="hold" grpId="0" nodeType="withEffect">
                                   <p:stCondLst>
                                     <p:cond delay="0"/>
                                   </p:stCondLst>
                                   <p:childTnLst>
                                     <p:animEffect transition="out" filter="barn(inVertical)">
                                       <p:cBhvr>
-                                        <p:cTn id="15" dur="500"/>
+                                        <p:cTn id="19" dur="500"/>
                                         <p:tgtEl>
-                                          <p:spTgt spid="22"/>
+                                          <p:spTgt spid="68"/>
                                         </p:tgtEl>
                                       </p:cBhvr>
                                     </p:animEffect>
                                     <p:set>
                                       <p:cBhvr>
-                                        <p:cTn id="16" dur="1" fill="hold">
+                                        <p:cTn id="20" dur="1" fill="hold">
                                           <p:stCondLst>
                                             <p:cond delay="499"/>
                                           </p:stCondLst>
                                         </p:cTn>
                                         <p:tgtEl>
-                                          <p:spTgt spid="22"/>
+                                          <p:spTgt spid="68"/>
                                         </p:tgtEl>
                                         <p:attrNameLst>
                                           <p:attrName>style.visibility</p:attrName>
@@ -14556,20 +16065,20 @@
                                 </p:cTn>
                               </p:par>
                               <p:par>
-                                <p:cTn id="17" presetID="2" presetClass="entr" presetSubtype="4" fill="hold" nodeType="withEffect">
+                                <p:cTn id="21" presetID="2" presetClass="entr" presetSubtype="4" fill="hold" nodeType="withEffect">
                                   <p:stCondLst>
                                     <p:cond delay="0"/>
                                   </p:stCondLst>
                                   <p:childTnLst>
                                     <p:set>
                                       <p:cBhvr>
-                                        <p:cTn id="18" dur="1" fill="hold">
+                                        <p:cTn id="22" dur="1" fill="hold">
                                           <p:stCondLst>
                                             <p:cond delay="0"/>
                                           </p:stCondLst>
                                         </p:cTn>
                                         <p:tgtEl>
-                                          <p:spTgt spid="23"/>
+                                          <p:spTgt spid="69"/>
                                         </p:tgtEl>
                                         <p:attrNameLst>
                                           <p:attrName>style.visibility</p:attrName>
@@ -14581,9 +16090,9 @@
                                     </p:set>
                                     <p:anim calcmode="lin" valueType="num">
                                       <p:cBhvr additive="base">
-                                        <p:cTn id="19" dur="500" fill="hold"/>
+                                        <p:cTn id="23" dur="500" fill="hold"/>
                                         <p:tgtEl>
-                                          <p:spTgt spid="23"/>
+                                          <p:spTgt spid="69"/>
                                         </p:tgtEl>
                                         <p:attrNameLst>
                                           <p:attrName>ppt_x</p:attrName>
@@ -14604,9 +16113,9 @@
                                     </p:anim>
                                     <p:anim calcmode="lin" valueType="num">
                                       <p:cBhvr additive="base">
-                                        <p:cTn id="20" dur="500" fill="hold"/>
+                                        <p:cTn id="24" dur="500" fill="hold"/>
                                         <p:tgtEl>
-                                          <p:spTgt spid="23"/>
+                                          <p:spTgt spid="69"/>
                                         </p:tgtEl>
                                         <p:attrNameLst>
                                           <p:attrName>ppt_y</p:attrName>
@@ -14635,78 +16144,32 @@
                     </p:cTn>
                   </p:par>
                   <p:par>
-                    <p:cTn id="21" fill="hold">
+                    <p:cTn id="25" fill="hold">
                       <p:stCondLst>
                         <p:cond delay="indefinite"/>
                       </p:stCondLst>
                       <p:childTnLst>
                         <p:par>
-                          <p:cTn id="22" fill="hold">
+                          <p:cTn id="26" fill="hold">
                             <p:stCondLst>
                               <p:cond delay="0"/>
                             </p:stCondLst>
                             <p:childTnLst>
                               <p:par>
-                                <p:cTn id="23" presetID="2" presetClass="exit" presetSubtype="4" fill="hold" nodeType="clickEffect">
+                                <p:cTn id="27" presetID="1" presetClass="exit" presetSubtype="0" fill="hold" nodeType="clickEffect">
                                   <p:stCondLst>
                                     <p:cond delay="0"/>
                                   </p:stCondLst>
                                   <p:childTnLst>
-                                    <p:anim calcmode="lin" valueType="num">
-                                      <p:cBhvr additive="base">
-                                        <p:cTn id="24" dur="500"/>
-                                        <p:tgtEl>
-                                          <p:spTgt spid="23"/>
-                                        </p:tgtEl>
-                                        <p:attrNameLst>
-                                          <p:attrName>ppt_x</p:attrName>
-                                        </p:attrNameLst>
-                                      </p:cBhvr>
-                                      <p:tavLst>
-                                        <p:tav tm="0">
-                                          <p:val>
-                                            <p:strVal val="ppt_x"/>
-                                          </p:val>
-                                        </p:tav>
-                                        <p:tav tm="100000">
-                                          <p:val>
-                                            <p:strVal val="ppt_x"/>
-                                          </p:val>
-                                        </p:tav>
-                                      </p:tavLst>
-                                    </p:anim>
-                                    <p:anim calcmode="lin" valueType="num">
-                                      <p:cBhvr additive="base">
-                                        <p:cTn id="25" dur="500"/>
-                                        <p:tgtEl>
-                                          <p:spTgt spid="23"/>
-                                        </p:tgtEl>
-                                        <p:attrNameLst>
-                                          <p:attrName>ppt_y</p:attrName>
-                                        </p:attrNameLst>
-                                      </p:cBhvr>
-                                      <p:tavLst>
-                                        <p:tav tm="0">
-                                          <p:val>
-                                            <p:strVal val="ppt_y"/>
-                                          </p:val>
-                                        </p:tav>
-                                        <p:tav tm="100000">
-                                          <p:val>
-                                            <p:strVal val="1+ppt_h/2"/>
-                                          </p:val>
-                                        </p:tav>
-                                      </p:tavLst>
-                                    </p:anim>
                                     <p:set>
                                       <p:cBhvr>
-                                        <p:cTn id="26" dur="1" fill="hold">
+                                        <p:cTn id="28" dur="1" fill="hold">
                                           <p:stCondLst>
-                                            <p:cond delay="499"/>
+                                            <p:cond delay="0"/>
                                           </p:stCondLst>
                                         </p:cTn>
                                         <p:tgtEl>
-                                          <p:spTgt spid="23"/>
+                                          <p:spTgt spid="69"/>
                                         </p:tgtEl>
                                         <p:attrNameLst>
                                           <p:attrName>style.visibility</p:attrName>
@@ -14720,56 +16183,20 @@
                                 </p:cTn>
                               </p:par>
                               <p:par>
-                                <p:cTn id="27" presetID="1" presetClass="exit" presetSubtype="0" fill="hold" grpId="0" nodeType="withEffect">
+                                <p:cTn id="29" presetID="2" presetClass="entr" presetSubtype="4" fill="hold" grpId="1" nodeType="withEffect">
                                   <p:stCondLst>
                                     <p:cond delay="0"/>
                                   </p:stCondLst>
                                   <p:childTnLst>
                                     <p:set>
                                       <p:cBhvr>
-                                        <p:cTn id="28" dur="1" fill="hold">
+                                        <p:cTn id="30" dur="1" fill="hold">
                                           <p:stCondLst>
                                             <p:cond delay="0"/>
                                           </p:stCondLst>
                                         </p:cTn>
                                         <p:tgtEl>
-                                          <p:spTgt spid="24"/>
-                                        </p:tgtEl>
-                                        <p:attrNameLst>
-                                          <p:attrName>style.visibility</p:attrName>
-                                        </p:attrNameLst>
-                                      </p:cBhvr>
-                                      <p:to>
-                                        <p:strVal val="hidden"/>
-                                      </p:to>
-                                    </p:set>
-                                  </p:childTnLst>
-                                </p:cTn>
-                              </p:par>
-                            </p:childTnLst>
-                          </p:cTn>
-                        </p:par>
-                        <p:par>
-                          <p:cTn id="29" fill="hold">
-                            <p:stCondLst>
-                              <p:cond delay="500"/>
-                            </p:stCondLst>
-                            <p:childTnLst>
-                              <p:par>
-                                <p:cTn id="30" presetID="1" presetClass="entr" presetSubtype="0" fill="hold" grpId="1" nodeType="afterEffect">
-                                  <p:stCondLst>
-                                    <p:cond delay="0"/>
-                                  </p:stCondLst>
-                                  <p:childTnLst>
-                                    <p:set>
-                                      <p:cBhvr>
-                                        <p:cTn id="31" dur="1" fill="hold">
-                                          <p:stCondLst>
-                                            <p:cond delay="0"/>
-                                          </p:stCondLst>
-                                        </p:cTn>
-                                        <p:tgtEl>
-                                          <p:spTgt spid="24"/>
+                                          <p:spTgt spid="72"/>
                                         </p:tgtEl>
                                         <p:attrNameLst>
                                           <p:attrName>style.visibility</p:attrName>
@@ -14779,6 +16206,198 @@
                                         <p:strVal val="visible"/>
                                       </p:to>
                                     </p:set>
+                                    <p:anim calcmode="lin" valueType="num">
+                                      <p:cBhvr additive="base">
+                                        <p:cTn id="31" dur="500" fill="hold"/>
+                                        <p:tgtEl>
+                                          <p:spTgt spid="72"/>
+                                        </p:tgtEl>
+                                        <p:attrNameLst>
+                                          <p:attrName>ppt_x</p:attrName>
+                                        </p:attrNameLst>
+                                      </p:cBhvr>
+                                      <p:tavLst>
+                                        <p:tav tm="0">
+                                          <p:val>
+                                            <p:strVal val="#ppt_x"/>
+                                          </p:val>
+                                        </p:tav>
+                                        <p:tav tm="100000">
+                                          <p:val>
+                                            <p:strVal val="#ppt_x"/>
+                                          </p:val>
+                                        </p:tav>
+                                      </p:tavLst>
+                                    </p:anim>
+                                    <p:anim calcmode="lin" valueType="num">
+                                      <p:cBhvr additive="base">
+                                        <p:cTn id="32" dur="500" fill="hold"/>
+                                        <p:tgtEl>
+                                          <p:spTgt spid="72"/>
+                                        </p:tgtEl>
+                                        <p:attrNameLst>
+                                          <p:attrName>ppt_y</p:attrName>
+                                        </p:attrNameLst>
+                                      </p:cBhvr>
+                                      <p:tavLst>
+                                        <p:tav tm="0">
+                                          <p:val>
+                                            <p:strVal val="1+#ppt_h/2"/>
+                                          </p:val>
+                                        </p:tav>
+                                        <p:tav tm="100000">
+                                          <p:val>
+                                            <p:strVal val="#ppt_y"/>
+                                          </p:val>
+                                        </p:tav>
+                                      </p:tavLst>
+                                    </p:anim>
+                                  </p:childTnLst>
+                                </p:cTn>
+                              </p:par>
+                              <p:par>
+                                <p:cTn id="33" presetID="2" presetClass="entr" presetSubtype="4" fill="hold" nodeType="withEffect">
+                                  <p:stCondLst>
+                                    <p:cond delay="0"/>
+                                  </p:stCondLst>
+                                  <p:childTnLst>
+                                    <p:set>
+                                      <p:cBhvr>
+                                        <p:cTn id="34" dur="1" fill="hold">
+                                          <p:stCondLst>
+                                            <p:cond delay="0"/>
+                                          </p:stCondLst>
+                                        </p:cTn>
+                                        <p:tgtEl>
+                                          <p:spTgt spid="70"/>
+                                        </p:tgtEl>
+                                        <p:attrNameLst>
+                                          <p:attrName>style.visibility</p:attrName>
+                                        </p:attrNameLst>
+                                      </p:cBhvr>
+                                      <p:to>
+                                        <p:strVal val="visible"/>
+                                      </p:to>
+                                    </p:set>
+                                    <p:anim calcmode="lin" valueType="num">
+                                      <p:cBhvr additive="base">
+                                        <p:cTn id="35" dur="500" fill="hold"/>
+                                        <p:tgtEl>
+                                          <p:spTgt spid="70"/>
+                                        </p:tgtEl>
+                                        <p:attrNameLst>
+                                          <p:attrName>ppt_x</p:attrName>
+                                        </p:attrNameLst>
+                                      </p:cBhvr>
+                                      <p:tavLst>
+                                        <p:tav tm="0">
+                                          <p:val>
+                                            <p:strVal val="#ppt_x"/>
+                                          </p:val>
+                                        </p:tav>
+                                        <p:tav tm="100000">
+                                          <p:val>
+                                            <p:strVal val="#ppt_x"/>
+                                          </p:val>
+                                        </p:tav>
+                                      </p:tavLst>
+                                    </p:anim>
+                                    <p:anim calcmode="lin" valueType="num">
+                                      <p:cBhvr additive="base">
+                                        <p:cTn id="36" dur="500" fill="hold"/>
+                                        <p:tgtEl>
+                                          <p:spTgt spid="70"/>
+                                        </p:tgtEl>
+                                        <p:attrNameLst>
+                                          <p:attrName>ppt_y</p:attrName>
+                                        </p:attrNameLst>
+                                      </p:cBhvr>
+                                      <p:tavLst>
+                                        <p:tav tm="0">
+                                          <p:val>
+                                            <p:strVal val="1+#ppt_h/2"/>
+                                          </p:val>
+                                        </p:tav>
+                                        <p:tav tm="100000">
+                                          <p:val>
+                                            <p:strVal val="#ppt_y"/>
+                                          </p:val>
+                                        </p:tav>
+                                      </p:tavLst>
+                                    </p:anim>
+                                  </p:childTnLst>
+                                </p:cTn>
+                              </p:par>
+                              <p:par>
+                                <p:cTn id="37" presetID="2" presetClass="entr" presetSubtype="4" fill="hold" nodeType="withEffect">
+                                  <p:stCondLst>
+                                    <p:cond delay="0"/>
+                                  </p:stCondLst>
+                                  <p:childTnLst>
+                                    <p:set>
+                                      <p:cBhvr>
+                                        <p:cTn id="38" dur="1" fill="hold">
+                                          <p:stCondLst>
+                                            <p:cond delay="0"/>
+                                          </p:stCondLst>
+                                        </p:cTn>
+                                        <p:tgtEl>
+                                          <p:spTgt spid="71"/>
+                                        </p:tgtEl>
+                                        <p:attrNameLst>
+                                          <p:attrName>style.visibility</p:attrName>
+                                        </p:attrNameLst>
+                                      </p:cBhvr>
+                                      <p:to>
+                                        <p:strVal val="visible"/>
+                                      </p:to>
+                                    </p:set>
+                                    <p:anim calcmode="lin" valueType="num">
+                                      <p:cBhvr additive="base">
+                                        <p:cTn id="39" dur="500" fill="hold"/>
+                                        <p:tgtEl>
+                                          <p:spTgt spid="71"/>
+                                        </p:tgtEl>
+                                        <p:attrNameLst>
+                                          <p:attrName>ppt_x</p:attrName>
+                                        </p:attrNameLst>
+                                      </p:cBhvr>
+                                      <p:tavLst>
+                                        <p:tav tm="0">
+                                          <p:val>
+                                            <p:strVal val="#ppt_x"/>
+                                          </p:val>
+                                        </p:tav>
+                                        <p:tav tm="100000">
+                                          <p:val>
+                                            <p:strVal val="#ppt_x"/>
+                                          </p:val>
+                                        </p:tav>
+                                      </p:tavLst>
+                                    </p:anim>
+                                    <p:anim calcmode="lin" valueType="num">
+                                      <p:cBhvr additive="base">
+                                        <p:cTn id="40" dur="500" fill="hold"/>
+                                        <p:tgtEl>
+                                          <p:spTgt spid="71"/>
+                                        </p:tgtEl>
+                                        <p:attrNameLst>
+                                          <p:attrName>ppt_y</p:attrName>
+                                        </p:attrNameLst>
+                                      </p:cBhvr>
+                                      <p:tavLst>
+                                        <p:tav tm="0">
+                                          <p:val>
+                                            <p:strVal val="1+#ppt_h/2"/>
+                                          </p:val>
+                                        </p:tav>
+                                        <p:tav tm="100000">
+                                          <p:val>
+                                            <p:strVal val="#ppt_y"/>
+                                          </p:val>
+                                        </p:tav>
+                                      </p:tavLst>
+                                    </p:anim>
                                   </p:childTnLst>
                                 </p:cTn>
                               </p:par>
@@ -14810,11 +16429,10 @@
       </p:par>
     </p:tnLst>
     <p:bldLst>
-      <p:bldP spid="21" grpId="0"/>
-      <p:bldP spid="22" grpId="0"/>
-      <p:bldP spid="24" grpId="0"/>
-      <p:bldP spid="24" grpId="1"/>
-      <p:bldP spid="24" grpId="2"/>
+      <p:bldP spid="67" grpId="0"/>
+      <p:bldP spid="68" grpId="0"/>
+      <p:bldP spid="72" grpId="0"/>
+      <p:bldP spid="72" grpId="1"/>
     </p:bldLst>
   </p:timing>
 </p:sld>
@@ -14985,7 +16603,7 @@
         </p:spPr>
         <p:txBody>
           <a:bodyPr anchor="ctr">
-            <a:normAutofit lnSpcReduction="10000"/>
+            <a:normAutofit/>
           </a:bodyPr>
           <a:lstStyle/>
           <a:p>
@@ -14995,7 +16613,7 @@
               </a:lnSpc>
             </a:pPr>
             <a:r>
-              <a:rPr lang="fr-FR" sz="4000" b="0" strike="noStrike" spc="-1">
+              <a:rPr lang="fr-FR" sz="4000" b="0" strike="noStrike" spc="-1" dirty="0">
                 <a:solidFill>
                   <a:srgbClr val="3F3F3F"/>
                 </a:solidFill>
@@ -15004,15 +16622,15 @@
               <a:t>V. </a:t>
             </a:r>
             <a:r>
-              <a:rPr lang="fr-FR" sz="3600" b="0" strike="noStrike" spc="-1">
+              <a:rPr lang="fr-FR" sz="3600" b="0" strike="noStrike" spc="-1" dirty="0">
                 <a:solidFill>
                   <a:srgbClr val="000000"/>
                 </a:solidFill>
                 <a:latin typeface="Calibri Light"/>
               </a:rPr>
-              <a:t>Présentation de la partie : Backend et base de données </a:t>
+              <a:t>Backend et base de données </a:t>
             </a:r>
-            <a:endParaRPr lang="fr-FR" sz="3600" b="0" strike="noStrike" spc="-1">
+            <a:endParaRPr lang="fr-FR" sz="3600" b="0" strike="noStrike" spc="-1" dirty="0">
               <a:solidFill>
                 <a:srgbClr val="000000"/>
               </a:solidFill>
@@ -15344,7 +16962,7 @@
               </a:lnSpc>
             </a:pPr>
             <a:r>
-              <a:rPr lang="fr-FR" sz="4000" b="0" strike="noStrike" spc="-1">
+              <a:rPr lang="fr-FR" sz="4000" b="0" strike="noStrike" spc="-1" dirty="0">
                 <a:solidFill>
                   <a:srgbClr val="3F3F3F"/>
                 </a:solidFill>
@@ -15353,15 +16971,15 @@
               <a:t>VI. </a:t>
             </a:r>
             <a:r>
-              <a:rPr lang="fr-FR" sz="4000" b="0" strike="noStrike" spc="-1">
+              <a:rPr lang="fr-FR" sz="4000" b="0" strike="noStrike" spc="-1" dirty="0">
                 <a:solidFill>
                   <a:srgbClr val="000000"/>
                 </a:solidFill>
                 <a:latin typeface="Calibri Light"/>
               </a:rPr>
-              <a:t>Présentation de la partie : Web Service</a:t>
+              <a:t>Web Service</a:t>
             </a:r>
-            <a:endParaRPr lang="fr-FR" sz="4000" b="0" strike="noStrike" spc="-1">
+            <a:endParaRPr lang="fr-FR" sz="4000" b="0" strike="noStrike" spc="-1" dirty="0">
               <a:solidFill>
                 <a:srgbClr val="000000"/>
               </a:solidFill>

--- a/Diapo_commun/PresentationCommune.pptx
+++ b/Diapo_commun/PresentationCommune.pptx
@@ -442,7 +442,7 @@
           <a:p>
             <a:fld id="{EC9A8D48-811A-4055-B218-CE83A36871B8}" type="datetimeFigureOut">
               <a:rPr lang="fr-FR" smtClean="0"/>
-              <a:t>15/05/2021</a:t>
+              <a:t>16/05/2021</a:t>
             </a:fld>
             <a:endParaRPr lang="fr-FR"/>
           </a:p>
@@ -17164,7 +17164,7 @@
         <p:spPr>
           <a:xfrm>
             <a:off x="10013400" y="2340000"/>
-            <a:ext cx="1866600" cy="1800000"/>
+            <a:ext cx="1788959" cy="1066320"/>
           </a:xfrm>
           <a:prstGeom prst="rect">
             <a:avLst/>
@@ -17250,7 +17250,7 @@
               <a:rPr lang="fr-FR" sz="1800" b="0" strike="noStrike" spc="-1" dirty="0">
                 <a:latin typeface="Arial"/>
               </a:rPr>
-              <a:t> , qui est composé de 6 service.</a:t>
+              <a:t> , qui est composé de 6 services.</a:t>
             </a:r>
           </a:p>
           <a:p>
@@ -17367,8 +17367,8 @@
         </p:blipFill>
         <p:spPr>
           <a:xfrm>
-            <a:off x="9900000" y="4265640"/>
-            <a:ext cx="2160000" cy="1854360"/>
+            <a:off x="9455085" y="3566880"/>
+            <a:ext cx="2604915" cy="2553120"/>
           </a:xfrm>
           <a:prstGeom prst="rect">
             <a:avLst/>
@@ -17418,6 +17418,99 @@
           </a:p>
         </p:txBody>
       </p:sp>
+      <p:grpSp>
+        <p:nvGrpSpPr>
+          <p:cNvPr id="16" name="Group 2">
+            <a:extLst>
+              <a:ext uri="{FF2B5EF4-FFF2-40B4-BE49-F238E27FC236}">
+                <a16:creationId xmlns:a16="http://schemas.microsoft.com/office/drawing/2014/main" id="{6A49982D-5055-4C14-B0C9-08CB61717D19}"/>
+              </a:ext>
+            </a:extLst>
+          </p:cNvPr>
+          <p:cNvGrpSpPr/>
+          <p:nvPr/>
+        </p:nvGrpSpPr>
+        <p:grpSpPr>
+          <a:xfrm>
+            <a:off x="0" y="-18494"/>
+            <a:ext cx="12191760" cy="3048840"/>
+            <a:chOff x="0" y="360"/>
+            <a:chExt cx="12191760" cy="3048840"/>
+          </a:xfrm>
+        </p:grpSpPr>
+        <p:pic>
+          <p:nvPicPr>
+            <p:cNvPr id="17" name="Picture 10">
+              <a:extLst>
+                <a:ext uri="{FF2B5EF4-FFF2-40B4-BE49-F238E27FC236}">
+                  <a16:creationId xmlns:a16="http://schemas.microsoft.com/office/drawing/2014/main" id="{B72641CD-9BB5-4A5F-8006-74B578FEF674}"/>
+                </a:ext>
+              </a:extLst>
+            </p:cNvPr>
+            <p:cNvPicPr/>
+            <p:nvPr/>
+          </p:nvPicPr>
+          <p:blipFill>
+            <a:blip r:embed="rId2"/>
+            <a:srcRect t="45717" b="9819"/>
+            <a:stretch/>
+          </p:blipFill>
+          <p:spPr>
+            <a:xfrm rot="10800000" flipH="1">
+              <a:off x="0" y="0"/>
+              <a:ext cx="12191760" cy="3048840"/>
+            </a:xfrm>
+            <a:prstGeom prst="rect">
+              <a:avLst/>
+            </a:prstGeom>
+            <a:ln w="0">
+              <a:noFill/>
+            </a:ln>
+          </p:spPr>
+        </p:pic>
+        <p:sp>
+          <p:nvSpPr>
+            <p:cNvPr id="18" name="CustomShape 3">
+              <a:extLst>
+                <a:ext uri="{FF2B5EF4-FFF2-40B4-BE49-F238E27FC236}">
+                  <a16:creationId xmlns:a16="http://schemas.microsoft.com/office/drawing/2014/main" id="{64A5E7BD-F345-4B5B-9F57-7ADD647321B8}"/>
+                </a:ext>
+              </a:extLst>
+            </p:cNvPr>
+            <p:cNvSpPr/>
+            <p:nvPr/>
+          </p:nvSpPr>
+          <p:spPr>
+            <a:xfrm flipV="1">
+              <a:off x="2067480" y="1076400"/>
+              <a:ext cx="373320" cy="405000"/>
+            </a:xfrm>
+            <a:prstGeom prst="ellipse">
+              <a:avLst/>
+            </a:prstGeom>
+            <a:solidFill>
+              <a:srgbClr val="FFFFFF"/>
+            </a:solidFill>
+            <a:ln>
+              <a:noFill/>
+            </a:ln>
+          </p:spPr>
+          <p:style>
+            <a:lnRef idx="2">
+              <a:schemeClr val="accent1">
+                <a:shade val="50000"/>
+              </a:schemeClr>
+            </a:lnRef>
+            <a:fillRef idx="1">
+              <a:schemeClr val="accent1"/>
+            </a:fillRef>
+            <a:effectRef idx="0">
+              <a:schemeClr val="accent1"/>
+            </a:effectRef>
+            <a:fontRef idx="minor"/>
+          </p:style>
+        </p:sp>
+      </p:grpSp>
     </p:spTree>
   </p:cSld>
   <p:clrMapOvr>

--- a/Diapo_commun/PresentationCommune.pptx
+++ b/Diapo_commun/PresentationCommune.pptx
@@ -6,7 +6,7 @@
     <p:sldMasterId id="2147483661" r:id="rId2"/>
   </p:sldMasterIdLst>
   <p:notesMasterIdLst>
-    <p:notesMasterId r:id="rId20"/>
+    <p:notesMasterId r:id="rId21"/>
   </p:notesMasterIdLst>
   <p:sldIdLst>
     <p:sldId id="256" r:id="rId3"/>
@@ -18,14 +18,15 @@
     <p:sldId id="262" r:id="rId9"/>
     <p:sldId id="263" r:id="rId10"/>
     <p:sldId id="264" r:id="rId11"/>
-    <p:sldId id="270" r:id="rId12"/>
-    <p:sldId id="265" r:id="rId13"/>
-    <p:sldId id="266" r:id="rId14"/>
-    <p:sldId id="267" r:id="rId15"/>
-    <p:sldId id="268" r:id="rId16"/>
-    <p:sldId id="271" r:id="rId17"/>
-    <p:sldId id="272" r:id="rId18"/>
-    <p:sldId id="269" r:id="rId19"/>
+    <p:sldId id="273" r:id="rId12"/>
+    <p:sldId id="270" r:id="rId13"/>
+    <p:sldId id="265" r:id="rId14"/>
+    <p:sldId id="266" r:id="rId15"/>
+    <p:sldId id="267" r:id="rId16"/>
+    <p:sldId id="268" r:id="rId17"/>
+    <p:sldId id="271" r:id="rId18"/>
+    <p:sldId id="272" r:id="rId19"/>
+    <p:sldId id="269" r:id="rId20"/>
   </p:sldIdLst>
   <p:sldSz cx="12192000" cy="6858000"/>
   <p:notesSz cx="7559675" cy="10691813"/>
@@ -858,7 +859,7 @@
           <a:p>
             <a:fld id="{741171B4-A1B5-4DF7-90FF-2BB55EBEAF8E}" type="slidenum">
               <a:rPr lang="fr-FR" smtClean="0"/>
-              <a:t>15</a:t>
+              <a:t>16</a:t>
             </a:fld>
             <a:endParaRPr lang="fr-FR"/>
           </a:p>
@@ -942,7 +943,7 @@
           <a:p>
             <a:fld id="{741171B4-A1B5-4DF7-90FF-2BB55EBEAF8E}" type="slidenum">
               <a:rPr lang="fr-FR" smtClean="0"/>
-              <a:t>16</a:t>
+              <a:t>17</a:t>
             </a:fld>
             <a:endParaRPr lang="fr-FR"/>
           </a:p>
@@ -5618,7 +5619,7 @@
         </p:nvSpPr>
         <p:spPr>
           <a:xfrm>
-            <a:off x="0" y="1360800"/>
+            <a:off x="0" y="1361160"/>
             <a:ext cx="12191760" cy="5496840"/>
           </a:xfrm>
           <a:prstGeom prst="rect">
@@ -5926,6 +5927,549 @@
           </a:p>
         </p:txBody>
       </p:sp>
+      <p:grpSp>
+        <p:nvGrpSpPr>
+          <p:cNvPr id="16" name="Group 2">
+            <a:extLst>
+              <a:ext uri="{FF2B5EF4-FFF2-40B4-BE49-F238E27FC236}">
+                <a16:creationId xmlns:a16="http://schemas.microsoft.com/office/drawing/2014/main" id="{6A49982D-5055-4C14-B0C9-08CB61717D19}"/>
+              </a:ext>
+            </a:extLst>
+          </p:cNvPr>
+          <p:cNvGrpSpPr/>
+          <p:nvPr/>
+        </p:nvGrpSpPr>
+        <p:grpSpPr>
+          <a:xfrm>
+            <a:off x="0" y="-43020"/>
+            <a:ext cx="12191760" cy="3048840"/>
+            <a:chOff x="0" y="360"/>
+            <a:chExt cx="12191760" cy="3048840"/>
+          </a:xfrm>
+        </p:grpSpPr>
+        <p:pic>
+          <p:nvPicPr>
+            <p:cNvPr id="17" name="Picture 10">
+              <a:extLst>
+                <a:ext uri="{FF2B5EF4-FFF2-40B4-BE49-F238E27FC236}">
+                  <a16:creationId xmlns:a16="http://schemas.microsoft.com/office/drawing/2014/main" id="{B72641CD-9BB5-4A5F-8006-74B578FEF674}"/>
+                </a:ext>
+              </a:extLst>
+            </p:cNvPr>
+            <p:cNvPicPr/>
+            <p:nvPr/>
+          </p:nvPicPr>
+          <p:blipFill>
+            <a:blip r:embed="rId2"/>
+            <a:srcRect t="45717" b="9819"/>
+            <a:stretch/>
+          </p:blipFill>
+          <p:spPr>
+            <a:xfrm rot="10800000" flipH="1">
+              <a:off x="0" y="0"/>
+              <a:ext cx="12191760" cy="3048840"/>
+            </a:xfrm>
+            <a:prstGeom prst="rect">
+              <a:avLst/>
+            </a:prstGeom>
+            <a:ln w="0">
+              <a:noFill/>
+            </a:ln>
+          </p:spPr>
+        </p:pic>
+        <p:sp>
+          <p:nvSpPr>
+            <p:cNvPr id="18" name="CustomShape 3">
+              <a:extLst>
+                <a:ext uri="{FF2B5EF4-FFF2-40B4-BE49-F238E27FC236}">
+                  <a16:creationId xmlns:a16="http://schemas.microsoft.com/office/drawing/2014/main" id="{64A5E7BD-F345-4B5B-9F57-7ADD647321B8}"/>
+                </a:ext>
+              </a:extLst>
+            </p:cNvPr>
+            <p:cNvSpPr/>
+            <p:nvPr/>
+          </p:nvSpPr>
+          <p:spPr>
+            <a:xfrm flipV="1">
+              <a:off x="2067480" y="1076400"/>
+              <a:ext cx="373320" cy="405000"/>
+            </a:xfrm>
+            <a:prstGeom prst="ellipse">
+              <a:avLst/>
+            </a:prstGeom>
+            <a:solidFill>
+              <a:srgbClr val="FFFFFF"/>
+            </a:solidFill>
+            <a:ln>
+              <a:noFill/>
+            </a:ln>
+          </p:spPr>
+          <p:style>
+            <a:lnRef idx="2">
+              <a:schemeClr val="accent1">
+                <a:shade val="50000"/>
+              </a:schemeClr>
+            </a:lnRef>
+            <a:fillRef idx="1">
+              <a:schemeClr val="accent1"/>
+            </a:fillRef>
+            <a:effectRef idx="0">
+              <a:schemeClr val="accent1"/>
+            </a:effectRef>
+            <a:fontRef idx="minor"/>
+          </p:style>
+        </p:sp>
+      </p:grpSp>
+      <p:sp>
+        <p:nvSpPr>
+          <p:cNvPr id="22" name="ZoneTexte 21">
+            <a:extLst>
+              <a:ext uri="{FF2B5EF4-FFF2-40B4-BE49-F238E27FC236}">
+                <a16:creationId xmlns:a16="http://schemas.microsoft.com/office/drawing/2014/main" id="{53FE8E48-8A0B-419B-8A5B-C09FC2E69D6E}"/>
+              </a:ext>
+            </a:extLst>
+          </p:cNvPr>
+          <p:cNvSpPr txBox="1"/>
+          <p:nvPr/>
+        </p:nvSpPr>
+        <p:spPr>
+          <a:xfrm>
+            <a:off x="1039305" y="723432"/>
+            <a:ext cx="6245258" cy="646331"/>
+          </a:xfrm>
+          <a:prstGeom prst="rect">
+            <a:avLst/>
+          </a:prstGeom>
+          <a:noFill/>
+        </p:spPr>
+        <p:txBody>
+          <a:bodyPr wrap="square">
+            <a:spAutoFit/>
+          </a:bodyPr>
+          <a:lstStyle/>
+          <a:p>
+            <a:pPr>
+              <a:lnSpc>
+                <a:spcPct val="90000"/>
+              </a:lnSpc>
+            </a:pPr>
+            <a:r>
+              <a:rPr lang="fr-FR" sz="4000" b="0" strike="noStrike" spc="-1" dirty="0">
+                <a:solidFill>
+                  <a:srgbClr val="3F3F3F"/>
+                </a:solidFill>
+                <a:latin typeface="Calibri Light"/>
+              </a:rPr>
+              <a:t>VI. </a:t>
+            </a:r>
+            <a:r>
+              <a:rPr lang="fr-FR" sz="4000" b="0" strike="noStrike" spc="-1" dirty="0">
+                <a:solidFill>
+                  <a:srgbClr val="000000"/>
+                </a:solidFill>
+                <a:latin typeface="Calibri Light"/>
+              </a:rPr>
+              <a:t>Web Service</a:t>
+            </a:r>
+            <a:endParaRPr lang="fr-FR" sz="4000" b="0" strike="noStrike" spc="-1" dirty="0">
+              <a:solidFill>
+                <a:srgbClr val="000000"/>
+              </a:solidFill>
+              <a:latin typeface="Calibri"/>
+            </a:endParaRPr>
+          </a:p>
+        </p:txBody>
+      </p:sp>
+      <p:pic>
+        <p:nvPicPr>
+          <p:cNvPr id="3" name="Image 2" descr="Une image contenant texte&#10;&#10;Description générée automatiquement">
+            <a:extLst>
+              <a:ext uri="{FF2B5EF4-FFF2-40B4-BE49-F238E27FC236}">
+                <a16:creationId xmlns:a16="http://schemas.microsoft.com/office/drawing/2014/main" id="{1B691C00-9F84-47DC-944D-63B0A151464D}"/>
+              </a:ext>
+            </a:extLst>
+          </p:cNvPr>
+          <p:cNvPicPr>
+            <a:picLocks noChangeAspect="1"/>
+          </p:cNvPicPr>
+          <p:nvPr/>
+        </p:nvPicPr>
+        <p:blipFill>
+          <a:blip r:embed="rId3">
+            <a:extLst>
+              <a:ext uri="{28A0092B-C50C-407E-A947-70E740481C1C}">
+                <a14:useLocalDpi xmlns:a14="http://schemas.microsoft.com/office/drawing/2010/main" val="0"/>
+              </a:ext>
+            </a:extLst>
+          </a:blip>
+          <a:stretch>
+            <a:fillRect/>
+          </a:stretch>
+        </p:blipFill>
+        <p:spPr>
+          <a:xfrm>
+            <a:off x="159972" y="2583208"/>
+            <a:ext cx="4561656" cy="2563827"/>
+          </a:xfrm>
+          <a:prstGeom prst="rect">
+            <a:avLst/>
+          </a:prstGeom>
+        </p:spPr>
+      </p:pic>
+    </p:spTree>
+    <p:extLst>
+      <p:ext uri="{BB962C8B-B14F-4D97-AF65-F5344CB8AC3E}">
+        <p14:creationId xmlns:p14="http://schemas.microsoft.com/office/powerpoint/2010/main" val="2090212912"/>
+      </p:ext>
+    </p:extLst>
+  </p:cSld>
+  <p:clrMapOvr>
+    <a:masterClrMapping/>
+  </p:clrMapOvr>
+</p:sld>
+</file>
+
+<file path=ppt/slides/slide11.xml><?xml version="1.0" encoding="utf-8"?>
+<p:sld xmlns:a="http://schemas.openxmlformats.org/drawingml/2006/main" xmlns:r="http://schemas.openxmlformats.org/officeDocument/2006/relationships" xmlns:p="http://schemas.openxmlformats.org/presentationml/2006/main">
+  <p:cSld>
+    <p:bg>
+      <p:bgPr>
+        <a:solidFill>
+          <a:srgbClr val="000000"/>
+        </a:solidFill>
+        <a:effectLst/>
+      </p:bgPr>
+    </p:bg>
+    <p:spTree>
+      <p:nvGrpSpPr>
+        <p:cNvPr id="1" name=""/>
+        <p:cNvGrpSpPr/>
+        <p:nvPr/>
+      </p:nvGrpSpPr>
+      <p:grpSpPr>
+        <a:xfrm>
+          <a:off x="0" y="0"/>
+          <a:ext cx="0" cy="0"/>
+          <a:chOff x="0" y="0"/>
+          <a:chExt cx="0" cy="0"/>
+        </a:xfrm>
+      </p:grpSpPr>
+      <p:sp>
+        <p:nvSpPr>
+          <p:cNvPr id="156" name="CustomShape 1"/>
+          <p:cNvSpPr/>
+          <p:nvPr/>
+        </p:nvSpPr>
+        <p:spPr>
+          <a:xfrm>
+            <a:off x="0" y="1360800"/>
+            <a:ext cx="12191760" cy="5496840"/>
+          </a:xfrm>
+          <a:prstGeom prst="rect">
+            <a:avLst/>
+          </a:prstGeom>
+          <a:gradFill rotWithShape="0">
+            <a:gsLst>
+              <a:gs pos="0">
+                <a:srgbClr val="3965B5"/>
+              </a:gs>
+              <a:gs pos="100000">
+                <a:srgbClr val="3965B5"/>
+              </a:gs>
+            </a:gsLst>
+            <a:lin ang="4200000"/>
+          </a:gradFill>
+          <a:ln>
+            <a:noFill/>
+          </a:ln>
+        </p:spPr>
+        <p:style>
+          <a:lnRef idx="2">
+            <a:schemeClr val="accent1">
+              <a:shade val="50000"/>
+            </a:schemeClr>
+          </a:lnRef>
+          <a:fillRef idx="1">
+            <a:schemeClr val="accent1"/>
+          </a:fillRef>
+          <a:effectRef idx="0">
+            <a:schemeClr val="accent1"/>
+          </a:effectRef>
+          <a:fontRef idx="minor"/>
+        </p:style>
+      </p:sp>
+      <p:grpSp>
+        <p:nvGrpSpPr>
+          <p:cNvPr id="157" name="Group 2"/>
+          <p:cNvGrpSpPr/>
+          <p:nvPr/>
+        </p:nvGrpSpPr>
+        <p:grpSpPr>
+          <a:xfrm>
+            <a:off x="0" y="360"/>
+            <a:ext cx="12191760" cy="3048840"/>
+            <a:chOff x="0" y="360"/>
+            <a:chExt cx="12191760" cy="3048840"/>
+          </a:xfrm>
+        </p:grpSpPr>
+        <p:pic>
+          <p:nvPicPr>
+            <p:cNvPr id="158" name="Picture 10"/>
+            <p:cNvPicPr/>
+            <p:nvPr/>
+          </p:nvPicPr>
+          <p:blipFill>
+            <a:blip r:embed="rId2"/>
+            <a:srcRect t="45717" b="9819"/>
+            <a:stretch/>
+          </p:blipFill>
+          <p:spPr>
+            <a:xfrm rot="10800000" flipH="1">
+              <a:off x="0" y="0"/>
+              <a:ext cx="12191760" cy="3048840"/>
+            </a:xfrm>
+            <a:prstGeom prst="rect">
+              <a:avLst/>
+            </a:prstGeom>
+            <a:ln w="0">
+              <a:noFill/>
+            </a:ln>
+          </p:spPr>
+        </p:pic>
+        <p:sp>
+          <p:nvSpPr>
+            <p:cNvPr id="159" name="CustomShape 3"/>
+            <p:cNvSpPr/>
+            <p:nvPr/>
+          </p:nvSpPr>
+          <p:spPr>
+            <a:xfrm flipV="1">
+              <a:off x="2067480" y="1076400"/>
+              <a:ext cx="373320" cy="405000"/>
+            </a:xfrm>
+            <a:prstGeom prst="ellipse">
+              <a:avLst/>
+            </a:prstGeom>
+            <a:solidFill>
+              <a:srgbClr val="FFFFFF"/>
+            </a:solidFill>
+            <a:ln>
+              <a:noFill/>
+            </a:ln>
+          </p:spPr>
+          <p:style>
+            <a:lnRef idx="2">
+              <a:schemeClr val="accent1">
+                <a:shade val="50000"/>
+              </a:schemeClr>
+            </a:lnRef>
+            <a:fillRef idx="1">
+              <a:schemeClr val="accent1"/>
+            </a:fillRef>
+            <a:effectRef idx="0">
+              <a:schemeClr val="accent1"/>
+            </a:effectRef>
+            <a:fontRef idx="minor"/>
+          </p:style>
+        </p:sp>
+      </p:grpSp>
+      <p:sp>
+        <p:nvSpPr>
+          <p:cNvPr id="160" name="TextShape 4"/>
+          <p:cNvSpPr txBox="1"/>
+          <p:nvPr/>
+        </p:nvSpPr>
+        <p:spPr>
+          <a:xfrm>
+            <a:off x="1179360" y="448200"/>
+            <a:ext cx="9833040" cy="1066320"/>
+          </a:xfrm>
+          <a:prstGeom prst="rect">
+            <a:avLst/>
+          </a:prstGeom>
+          <a:noFill/>
+          <a:ln w="0">
+            <a:noFill/>
+          </a:ln>
+        </p:spPr>
+        <p:txBody>
+          <a:bodyPr anchor="ctr">
+            <a:normAutofit/>
+          </a:bodyPr>
+          <a:lstStyle/>
+          <a:p>
+            <a:pPr>
+              <a:lnSpc>
+                <a:spcPct val="90000"/>
+              </a:lnSpc>
+            </a:pPr>
+            <a:r>
+              <a:rPr lang="fr-FR" sz="4000" b="0" strike="noStrike" spc="-1" dirty="0">
+                <a:solidFill>
+                  <a:srgbClr val="3F3F3F"/>
+                </a:solidFill>
+                <a:latin typeface="Calibri Light"/>
+              </a:rPr>
+              <a:t>VI. </a:t>
+            </a:r>
+            <a:r>
+              <a:rPr lang="fr-FR" sz="4000" b="0" strike="noStrike" spc="-1" dirty="0">
+                <a:solidFill>
+                  <a:srgbClr val="000000"/>
+                </a:solidFill>
+                <a:latin typeface="Calibri Light"/>
+              </a:rPr>
+              <a:t>Web Service</a:t>
+            </a:r>
+            <a:endParaRPr lang="fr-FR" sz="4000" b="0" strike="noStrike" spc="-1" dirty="0">
+              <a:solidFill>
+                <a:srgbClr val="000000"/>
+              </a:solidFill>
+              <a:latin typeface="Calibri"/>
+            </a:endParaRPr>
+          </a:p>
+        </p:txBody>
+      </p:sp>
+      <p:sp>
+        <p:nvSpPr>
+          <p:cNvPr id="161" name="TextShape 5"/>
+          <p:cNvSpPr txBox="1"/>
+          <p:nvPr/>
+        </p:nvSpPr>
+        <p:spPr>
+          <a:xfrm>
+            <a:off x="1179360" y="3049200"/>
+            <a:ext cx="9833040" cy="2945160"/>
+          </a:xfrm>
+          <a:prstGeom prst="rect">
+            <a:avLst/>
+          </a:prstGeom>
+          <a:noFill/>
+          <a:ln w="0">
+            <a:noFill/>
+          </a:ln>
+        </p:spPr>
+        <p:txBody>
+          <a:bodyPr anchor="ctr">
+            <a:normAutofit/>
+          </a:bodyPr>
+          <a:lstStyle/>
+          <a:p>
+            <a:pPr>
+              <a:lnSpc>
+                <a:spcPct val="90000"/>
+              </a:lnSpc>
+              <a:spcBef>
+                <a:spcPts val="1001"/>
+              </a:spcBef>
+            </a:pPr>
+            <a:endParaRPr lang="fr-FR" sz="2800" b="0" strike="noStrike" spc="-1">
+              <a:solidFill>
+                <a:srgbClr val="000000"/>
+              </a:solidFill>
+              <a:latin typeface="Calibri"/>
+            </a:endParaRPr>
+          </a:p>
+          <a:p>
+            <a:endParaRPr lang="fr-FR" sz="2800" b="0" strike="noStrike" spc="-1">
+              <a:solidFill>
+                <a:srgbClr val="000000"/>
+              </a:solidFill>
+              <a:latin typeface="Calibri"/>
+            </a:endParaRPr>
+          </a:p>
+        </p:txBody>
+      </p:sp>
+      <p:sp>
+        <p:nvSpPr>
+          <p:cNvPr id="162" name="TextShape 6"/>
+          <p:cNvSpPr txBox="1"/>
+          <p:nvPr/>
+        </p:nvSpPr>
+        <p:spPr>
+          <a:xfrm>
+            <a:off x="838080" y="6356520"/>
+            <a:ext cx="2742840" cy="364680"/>
+          </a:xfrm>
+          <a:prstGeom prst="rect">
+            <a:avLst/>
+          </a:prstGeom>
+          <a:noFill/>
+          <a:ln w="0">
+            <a:noFill/>
+          </a:ln>
+        </p:spPr>
+        <p:txBody>
+          <a:bodyPr anchor="ctr">
+            <a:noAutofit/>
+          </a:bodyPr>
+          <a:lstStyle/>
+          <a:p>
+            <a:pPr>
+              <a:lnSpc>
+                <a:spcPct val="100000"/>
+              </a:lnSpc>
+            </a:pPr>
+            <a:r>
+              <a:rPr lang="fr-FR" sz="1200" b="0" strike="noStrike" spc="-1">
+                <a:solidFill>
+                  <a:srgbClr val="FFFFFF"/>
+                </a:solidFill>
+                <a:latin typeface="Calibri"/>
+              </a:rPr>
+              <a:t>LP IOTIA</a:t>
+            </a:r>
+            <a:endParaRPr lang="fr-FR" sz="1200" b="0" strike="noStrike" spc="-1">
+              <a:latin typeface="Times New Roman"/>
+            </a:endParaRPr>
+          </a:p>
+        </p:txBody>
+      </p:sp>
+      <p:sp>
+        <p:nvSpPr>
+          <p:cNvPr id="163" name="TextShape 7"/>
+          <p:cNvSpPr txBox="1"/>
+          <p:nvPr/>
+        </p:nvSpPr>
+        <p:spPr>
+          <a:xfrm>
+            <a:off x="8610480" y="6356520"/>
+            <a:ext cx="2742840" cy="364680"/>
+          </a:xfrm>
+          <a:prstGeom prst="rect">
+            <a:avLst/>
+          </a:prstGeom>
+          <a:noFill/>
+          <a:ln w="0">
+            <a:noFill/>
+          </a:ln>
+        </p:spPr>
+        <p:txBody>
+          <a:bodyPr anchor="ctr">
+            <a:noAutofit/>
+          </a:bodyPr>
+          <a:lstStyle/>
+          <a:p>
+            <a:pPr algn="r">
+              <a:lnSpc>
+                <a:spcPct val="100000"/>
+              </a:lnSpc>
+            </a:pPr>
+            <a:fld id="{8E43A575-004B-4A81-819A-C42D477DA0A4}" type="slidenum">
+              <a:rPr lang="fr-FR" sz="1200" b="0" strike="noStrike" spc="-1">
+                <a:solidFill>
+                  <a:srgbClr val="FFFFFF"/>
+                </a:solidFill>
+                <a:latin typeface="Calibri"/>
+              </a:rPr>
+              <a:t>11</a:t>
+            </a:fld>
+            <a:endParaRPr lang="fr-FR" sz="1200" b="0" strike="noStrike" spc="-1">
+              <a:latin typeface="Times New Roman"/>
+            </a:endParaRPr>
+          </a:p>
+        </p:txBody>
+      </p:sp>
       <p:pic>
         <p:nvPicPr>
           <p:cNvPr id="3" name="Image 2">
@@ -5975,7 +6519,7 @@
 </p:sld>
 </file>
 
-<file path=ppt/slides/slide11.xml><?xml version="1.0" encoding="utf-8"?>
+<file path=ppt/slides/slide12.xml><?xml version="1.0" encoding="utf-8"?>
 <p:sld xmlns:a="http://schemas.openxmlformats.org/drawingml/2006/main" xmlns:r="http://schemas.openxmlformats.org/officeDocument/2006/relationships" xmlns:p="http://schemas.openxmlformats.org/presentationml/2006/main">
   <p:cSld>
     <p:bg>
@@ -6258,7 +6802,7 @@
                 </a:solidFill>
                 <a:latin typeface="Calibri"/>
               </a:rPr>
-              <a:t>11</a:t>
+              <a:t>12</a:t>
             </a:fld>
             <a:endParaRPr lang="fr-FR" sz="1200" b="0" strike="noStrike" spc="-1">
               <a:latin typeface="Times New Roman"/>
@@ -6402,7 +6946,7 @@
 </p:sld>
 </file>
 
-<file path=ppt/slides/slide12.xml><?xml version="1.0" encoding="utf-8"?>
+<file path=ppt/slides/slide13.xml><?xml version="1.0" encoding="utf-8"?>
 <p:sld xmlns:a="http://schemas.openxmlformats.org/drawingml/2006/main" xmlns:r="http://schemas.openxmlformats.org/officeDocument/2006/relationships" xmlns:p="http://schemas.openxmlformats.org/presentationml/2006/main">
   <p:cSld>
     <p:bg>
@@ -6685,7 +7229,7 @@
                 </a:solidFill>
                 <a:latin typeface="Calibri"/>
               </a:rPr>
-              <a:t>12</a:t>
+              <a:t>13</a:t>
             </a:fld>
             <a:endParaRPr lang="fr-FR" sz="1200" b="0" strike="noStrike" spc="-1">
               <a:latin typeface="Times New Roman"/>
@@ -6735,7 +7279,7 @@
 </p:sld>
 </file>
 
-<file path=ppt/slides/slide13.xml><?xml version="1.0" encoding="utf-8"?>
+<file path=ppt/slides/slide14.xml><?xml version="1.0" encoding="utf-8"?>
 <p:sld xmlns:a="http://schemas.openxmlformats.org/drawingml/2006/main" xmlns:r="http://schemas.openxmlformats.org/officeDocument/2006/relationships" xmlns:p="http://schemas.openxmlformats.org/presentationml/2006/main">
   <p:cSld>
     <p:bg>
@@ -7018,7 +7562,7 @@
                 </a:solidFill>
                 <a:latin typeface="Calibri"/>
               </a:rPr>
-              <a:t>13</a:t>
+              <a:t>14</a:t>
             </a:fld>
             <a:endParaRPr lang="fr-FR" sz="1200" b="0" strike="noStrike" spc="-1">
               <a:latin typeface="Times New Roman"/>
@@ -7057,7 +7601,7 @@
 </p:sld>
 </file>
 
-<file path=ppt/slides/slide14.xml><?xml version="1.0" encoding="utf-8"?>
+<file path=ppt/slides/slide15.xml><?xml version="1.0" encoding="utf-8"?>
 <p:sld xmlns:a="http://schemas.openxmlformats.org/drawingml/2006/main" xmlns:r="http://schemas.openxmlformats.org/officeDocument/2006/relationships" xmlns:p="http://schemas.openxmlformats.org/presentationml/2006/main">
   <p:cSld>
     <p:bg>
@@ -7340,7 +7884,7 @@
                 </a:solidFill>
                 <a:latin typeface="Calibri"/>
               </a:rPr>
-              <a:t>14</a:t>
+              <a:t>15</a:t>
             </a:fld>
             <a:endParaRPr lang="fr-FR" sz="1200" b="0" strike="noStrike" spc="-1">
               <a:latin typeface="Times New Roman"/>
@@ -7379,7 +7923,7 @@
 </p:sld>
 </file>
 
-<file path=ppt/slides/slide15.xml><?xml version="1.0" encoding="utf-8"?>
+<file path=ppt/slides/slide16.xml><?xml version="1.0" encoding="utf-8"?>
 <p:sld xmlns:a="http://schemas.openxmlformats.org/drawingml/2006/main" xmlns:r="http://schemas.openxmlformats.org/officeDocument/2006/relationships" xmlns:p="http://schemas.openxmlformats.org/presentationml/2006/main">
   <p:cSld>
     <p:bg>
@@ -7658,7 +8202,7 @@
                 </a:solidFill>
                 <a:latin typeface="Calibri"/>
               </a:rPr>
-              <a:t>15</a:t>
+              <a:t>16</a:t>
             </a:fld>
             <a:endParaRPr lang="fr-FR" sz="1200" b="0" strike="noStrike" spc="-1">
               <a:latin typeface="Times New Roman"/>
@@ -8468,7 +9012,7 @@
 </p:sld>
 </file>
 
-<file path=ppt/slides/slide16.xml><?xml version="1.0" encoding="utf-8"?>
+<file path=ppt/slides/slide17.xml><?xml version="1.0" encoding="utf-8"?>
 <p:sld xmlns:a="http://schemas.openxmlformats.org/drawingml/2006/main" xmlns:r="http://schemas.openxmlformats.org/officeDocument/2006/relationships" xmlns:p="http://schemas.openxmlformats.org/presentationml/2006/main">
   <p:cSld>
     <p:bg>
@@ -8747,7 +9291,7 @@
                 </a:solidFill>
                 <a:latin typeface="Calibri"/>
               </a:rPr>
-              <a:t>16</a:t>
+              <a:t>17</a:t>
             </a:fld>
             <a:endParaRPr lang="fr-FR" sz="1200" b="0" strike="noStrike" spc="-1">
               <a:latin typeface="Times New Roman"/>
@@ -8798,7 +9342,7 @@
 </p:sld>
 </file>
 
-<file path=ppt/slides/slide17.xml><?xml version="1.0" encoding="utf-8"?>
+<file path=ppt/slides/slide18.xml><?xml version="1.0" encoding="utf-8"?>
 <p:sld xmlns:a="http://schemas.openxmlformats.org/drawingml/2006/main" xmlns:r="http://schemas.openxmlformats.org/officeDocument/2006/relationships" xmlns:p="http://schemas.openxmlformats.org/presentationml/2006/main">
   <p:cSld>
     <p:bg>
@@ -9131,7 +9675,7 @@
                 </a:solidFill>
                 <a:latin typeface="Calibri"/>
               </a:rPr>
-              <a:t>17</a:t>
+              <a:t>18</a:t>
             </a:fld>
             <a:endParaRPr lang="fr-FR" sz="1200" b="0" strike="noStrike" spc="-1">
               <a:latin typeface="Times New Roman"/>
@@ -17432,7 +17976,7 @@
         </p:nvGrpSpPr>
         <p:grpSpPr>
           <a:xfrm>
-            <a:off x="0" y="-18494"/>
+            <a:off x="0" y="-43020"/>
             <a:ext cx="12191760" cy="3048840"/>
             <a:chOff x="0" y="360"/>
             <a:chExt cx="12191760" cy="3048840"/>
@@ -17511,6 +18055,66 @@
           </p:style>
         </p:sp>
       </p:grpSp>
+      <p:sp>
+        <p:nvSpPr>
+          <p:cNvPr id="22" name="ZoneTexte 21">
+            <a:extLst>
+              <a:ext uri="{FF2B5EF4-FFF2-40B4-BE49-F238E27FC236}">
+                <a16:creationId xmlns:a16="http://schemas.microsoft.com/office/drawing/2014/main" id="{53FE8E48-8A0B-419B-8A5B-C09FC2E69D6E}"/>
+              </a:ext>
+            </a:extLst>
+          </p:cNvPr>
+          <p:cNvSpPr txBox="1"/>
+          <p:nvPr/>
+        </p:nvSpPr>
+        <p:spPr>
+          <a:xfrm>
+            <a:off x="1039305" y="723432"/>
+            <a:ext cx="6245258" cy="646331"/>
+          </a:xfrm>
+          <a:prstGeom prst="rect">
+            <a:avLst/>
+          </a:prstGeom>
+          <a:noFill/>
+        </p:spPr>
+        <p:txBody>
+          <a:bodyPr wrap="square">
+            <a:spAutoFit/>
+          </a:bodyPr>
+          <a:lstStyle/>
+          <a:p>
+            <a:pPr>
+              <a:lnSpc>
+                <a:spcPct val="90000"/>
+              </a:lnSpc>
+            </a:pPr>
+            <a:r>
+              <a:rPr lang="fr-FR" sz="4000" b="0" strike="noStrike" spc="-1" dirty="0">
+                <a:solidFill>
+                  <a:srgbClr val="3F3F3F"/>
+                </a:solidFill>
+                <a:latin typeface="Calibri Light"/>
+              </a:rPr>
+              <a:t>VI. </a:t>
+            </a:r>
+            <a:r>
+              <a:rPr lang="fr-FR" sz="4000" b="0" strike="noStrike" spc="-1" dirty="0">
+                <a:solidFill>
+                  <a:srgbClr val="000000"/>
+                </a:solidFill>
+                <a:latin typeface="Calibri Light"/>
+              </a:rPr>
+              <a:t>Web Service</a:t>
+            </a:r>
+            <a:endParaRPr lang="fr-FR" sz="4000" b="0" strike="noStrike" spc="-1" dirty="0">
+              <a:solidFill>
+                <a:srgbClr val="000000"/>
+              </a:solidFill>
+              <a:latin typeface="Calibri"/>
+            </a:endParaRPr>
+          </a:p>
+        </p:txBody>
+      </p:sp>
     </p:spTree>
   </p:cSld>
   <p:clrMapOvr>

--- a/Diapo_commun/PresentationCommune.pptx
+++ b/Diapo_commun/PresentationCommune.pptx
@@ -6034,7 +6034,7 @@
         </p:nvSpPr>
         <p:spPr>
           <a:xfrm>
-            <a:off x="1039305" y="723432"/>
+            <a:off x="6859271" y="208300"/>
             <a:ext cx="6245258" cy="646331"/>
           </a:xfrm>
           <a:prstGeom prst="rect">
@@ -6108,8 +6108,116 @@
         </p:blipFill>
         <p:spPr>
           <a:xfrm>
-            <a:off x="159972" y="2583208"/>
+            <a:off x="0" y="3715293"/>
             <a:ext cx="4561656" cy="2563827"/>
+          </a:xfrm>
+          <a:prstGeom prst="rect">
+            <a:avLst/>
+          </a:prstGeom>
+        </p:spPr>
+      </p:pic>
+      <p:pic>
+        <p:nvPicPr>
+          <p:cNvPr id="5" name="Image 4">
+            <a:extLst>
+              <a:ext uri="{FF2B5EF4-FFF2-40B4-BE49-F238E27FC236}">
+                <a16:creationId xmlns:a16="http://schemas.microsoft.com/office/drawing/2014/main" id="{089AF844-7CA8-4127-8050-E6C9B3B1C0CD}"/>
+              </a:ext>
+            </a:extLst>
+          </p:cNvPr>
+          <p:cNvPicPr>
+            <a:picLocks noChangeAspect="1"/>
+          </p:cNvPicPr>
+          <p:nvPr/>
+        </p:nvPicPr>
+        <p:blipFill>
+          <a:blip r:embed="rId4">
+            <a:extLst>
+              <a:ext uri="{28A0092B-C50C-407E-A947-70E740481C1C}">
+                <a14:useLocalDpi xmlns:a14="http://schemas.microsoft.com/office/drawing/2010/main" val="0"/>
+              </a:ext>
+            </a:extLst>
+          </a:blip>
+          <a:stretch>
+            <a:fillRect/>
+          </a:stretch>
+        </p:blipFill>
+        <p:spPr>
+          <a:xfrm>
+            <a:off x="4967926" y="1361160"/>
+            <a:ext cx="7224074" cy="4995360"/>
+          </a:xfrm>
+          <a:prstGeom prst="rect">
+            <a:avLst/>
+          </a:prstGeom>
+        </p:spPr>
+      </p:pic>
+      <p:pic>
+        <p:nvPicPr>
+          <p:cNvPr id="9" name="Image 8">
+            <a:extLst>
+              <a:ext uri="{FF2B5EF4-FFF2-40B4-BE49-F238E27FC236}">
+                <a16:creationId xmlns:a16="http://schemas.microsoft.com/office/drawing/2014/main" id="{14B88D6C-207D-4B5E-83B4-BE3E027973B6}"/>
+              </a:ext>
+            </a:extLst>
+          </p:cNvPr>
+          <p:cNvPicPr>
+            <a:picLocks noChangeAspect="1"/>
+          </p:cNvPicPr>
+          <p:nvPr/>
+        </p:nvPicPr>
+        <p:blipFill>
+          <a:blip r:embed="rId5">
+            <a:extLst>
+              <a:ext uri="{28A0092B-C50C-407E-A947-70E740481C1C}">
+                <a14:useLocalDpi xmlns:a14="http://schemas.microsoft.com/office/drawing/2010/main" val="0"/>
+              </a:ext>
+            </a:extLst>
+          </a:blip>
+          <a:stretch>
+            <a:fillRect/>
+          </a:stretch>
+        </p:blipFill>
+        <p:spPr>
+          <a:xfrm>
+            <a:off x="240" y="-29593"/>
+            <a:ext cx="4967686" cy="1806222"/>
+          </a:xfrm>
+          <a:prstGeom prst="rect">
+            <a:avLst/>
+          </a:prstGeom>
+        </p:spPr>
+      </p:pic>
+      <p:pic>
+        <p:nvPicPr>
+          <p:cNvPr id="13" name="Image 12" descr="Une image contenant texte&#10;&#10;Description générée automatiquement">
+            <a:extLst>
+              <a:ext uri="{FF2B5EF4-FFF2-40B4-BE49-F238E27FC236}">
+                <a16:creationId xmlns:a16="http://schemas.microsoft.com/office/drawing/2014/main" id="{73E6BF96-54C9-42B9-BF8F-07DC7F2D3B2E}"/>
+              </a:ext>
+            </a:extLst>
+          </p:cNvPr>
+          <p:cNvPicPr>
+            <a:picLocks noChangeAspect="1"/>
+          </p:cNvPicPr>
+          <p:nvPr/>
+        </p:nvPicPr>
+        <p:blipFill>
+          <a:blip r:embed="rId6">
+            <a:extLst>
+              <a:ext uri="{28A0092B-C50C-407E-A947-70E740481C1C}">
+                <a14:useLocalDpi xmlns:a14="http://schemas.microsoft.com/office/drawing/2010/main" val="0"/>
+              </a:ext>
+            </a:extLst>
+          </a:blip>
+          <a:stretch>
+            <a:fillRect/>
+          </a:stretch>
+        </p:blipFill>
+        <p:spPr>
+          <a:xfrm>
+            <a:off x="0" y="1681528"/>
+            <a:ext cx="4967686" cy="1815513"/>
           </a:xfrm>
           <a:prstGeom prst="rect">
             <a:avLst/>

--- a/Diapo_commun/PresentationCommune.pptx
+++ b/Diapo_commun/PresentationCommune.pptx
@@ -15102,7 +15102,7 @@
         </p:blipFill>
         <p:spPr>
           <a:xfrm>
-            <a:off x="2265775" y="780231"/>
+            <a:off x="1907486" y="772085"/>
             <a:ext cx="8018190" cy="6095372"/>
           </a:xfrm>
           <a:prstGeom prst="rect">
@@ -15125,7 +15125,7 @@
           <p:nvPr>
             <p:extLst>
               <p:ext uri="{D42A27DB-BD31-4B8C-83A1-F6EECF244321}">
-                <p14:modId xmlns:p14="http://schemas.microsoft.com/office/powerpoint/2010/main" val="3734455910"/>
+                <p14:modId xmlns:p14="http://schemas.microsoft.com/office/powerpoint/2010/main" val="2513201605"/>
               </p:ext>
             </p:extLst>
           </p:nvPr>
@@ -15141,14 +15141,14 @@
                 <a:tableStyleId>{5C22544A-7EE6-4342-B048-85BDC9FD1C3A}</a:tableStyleId>
               </a:tblPr>
               <a:tblGrid>
-                <a:gridCol w="5228803">
+                <a:gridCol w="5196895">
                   <a:extLst>
                     <a:ext uri="{9D8B030D-6E8A-4147-A177-3AD203B41FA5}">
                       <a16:colId xmlns:a16="http://schemas.microsoft.com/office/drawing/2014/main" val="2904378242"/>
                     </a:ext>
                   </a:extLst>
                 </a:gridCol>
-                <a:gridCol w="464293">
+                <a:gridCol w="496201">
                   <a:extLst>
                     <a:ext uri="{9D8B030D-6E8A-4147-A177-3AD203B41FA5}">
                       <a16:colId xmlns:a16="http://schemas.microsoft.com/office/drawing/2014/main" val="2045041980"/>
@@ -15246,37 +15246,21 @@
                         <a:defRPr/>
                       </a:pPr>
                       <a:r>
-                        <a:rPr kumimoji="0" lang="fr-FR" sz="2800" b="1" i="0" u="none" strike="noStrike" kern="1200" cap="none" spc="0" normalizeH="0" baseline="0" noProof="0" dirty="0">
-                          <a:ln>
-                            <a:noFill/>
-                          </a:ln>
+                        <a:rPr lang="fr-FR" sz="2800" b="1" kern="1200" dirty="0">
                           <a:solidFill>
-                            <a:srgbClr val="00B050"/>
+                            <a:schemeClr val="accent4"/>
                           </a:solidFill>
-                          <a:effectLst/>
-                          <a:uLnTx/>
-                          <a:uFillTx/>
                           <a:latin typeface="+mn-lt"/>
                           <a:ea typeface="+mn-ea"/>
                           <a:cs typeface="Calibri"/>
                           <a:sym typeface="Wingdings" panose="05000000000000000000" pitchFamily="2" charset="2"/>
                         </a:rPr>
-                        <a:t></a:t>
+                        <a:t></a:t>
                       </a:r>
-                      <a:endParaRPr kumimoji="0" lang="fr-FR" sz="1800" b="1" i="0" u="none" strike="noStrike" kern="1200" cap="none" spc="0" normalizeH="0" baseline="0" noProof="0" dirty="0">
-                        <a:ln>
-                          <a:noFill/>
-                        </a:ln>
+                      <a:endParaRPr lang="fr-FR" sz="2800" b="1" dirty="0">
                         <a:solidFill>
-                          <a:srgbClr val="00B050"/>
+                          <a:schemeClr val="accent4"/>
                         </a:solidFill>
-                        <a:effectLst/>
-                        <a:uLnTx/>
-                        <a:uFillTx/>
-                        <a:latin typeface="+mn-lt"/>
-                        <a:ea typeface="+mn-ea"/>
-                        <a:cs typeface="Calibri"/>
-                        <a:sym typeface="Wingdings" panose="05000000000000000000" pitchFamily="2" charset="2"/>
                       </a:endParaRPr>
                     </a:p>
                   </a:txBody>
@@ -15641,21 +15625,37 @@
                         <a:defRPr/>
                       </a:pPr>
                       <a:r>
-                        <a:rPr lang="fr-FR" sz="2800" b="1" kern="1200" dirty="0">
+                        <a:rPr kumimoji="0" lang="fr-FR" sz="2800" b="1" i="0" u="none" strike="noStrike" kern="1200" cap="none" spc="0" normalizeH="0" baseline="0" noProof="0" dirty="0">
+                          <a:ln>
+                            <a:noFill/>
+                          </a:ln>
                           <a:solidFill>
-                            <a:schemeClr val="accent4"/>
+                            <a:srgbClr val="00B050"/>
                           </a:solidFill>
+                          <a:effectLst/>
+                          <a:uLnTx/>
+                          <a:uFillTx/>
                           <a:latin typeface="+mn-lt"/>
                           <a:ea typeface="+mn-ea"/>
                           <a:cs typeface="Calibri"/>
                           <a:sym typeface="Wingdings" panose="05000000000000000000" pitchFamily="2" charset="2"/>
                         </a:rPr>
-                        <a:t></a:t>
+                        <a:t></a:t>
                       </a:r>
-                      <a:endParaRPr lang="fr-FR" sz="2800" b="1" dirty="0">
+                      <a:endParaRPr kumimoji="0" lang="fr-FR" sz="1800" b="1" i="0" u="none" strike="noStrike" kern="1200" cap="none" spc="0" normalizeH="0" baseline="0" noProof="0" dirty="0">
+                        <a:ln>
+                          <a:noFill/>
+                        </a:ln>
                         <a:solidFill>
-                          <a:schemeClr val="accent4"/>
+                          <a:srgbClr val="00B050"/>
                         </a:solidFill>
+                        <a:effectLst/>
+                        <a:uLnTx/>
+                        <a:uFillTx/>
+                        <a:latin typeface="+mn-lt"/>
+                        <a:ea typeface="+mn-ea"/>
+                        <a:cs typeface="Calibri"/>
+                        <a:sym typeface="Wingdings" panose="05000000000000000000" pitchFamily="2" charset="2"/>
                       </a:endParaRPr>
                     </a:p>
                   </a:txBody>

--- a/Diapo_commun/PresentationCommune.pptx
+++ b/Diapo_commun/PresentationCommune.pptx
@@ -20,7 +20,7 @@
     <p:sldId id="264" r:id="rId11"/>
     <p:sldId id="273" r:id="rId12"/>
     <p:sldId id="270" r:id="rId13"/>
-    <p:sldId id="265" r:id="rId14"/>
+    <p:sldId id="274" r:id="rId14"/>
     <p:sldId id="266" r:id="rId15"/>
     <p:sldId id="267" r:id="rId16"/>
     <p:sldId id="268" r:id="rId17"/>
@@ -6630,14 +6630,6 @@
 <file path=ppt/slides/slide12.xml><?xml version="1.0" encoding="utf-8"?>
 <p:sld xmlns:a="http://schemas.openxmlformats.org/drawingml/2006/main" xmlns:r="http://schemas.openxmlformats.org/officeDocument/2006/relationships" xmlns:p="http://schemas.openxmlformats.org/presentationml/2006/main">
   <p:cSld>
-    <p:bg>
-      <p:bgPr>
-        <a:solidFill>
-          <a:srgbClr val="000000"/>
-        </a:solidFill>
-        <a:effectLst/>
-      </p:bgPr>
-    </p:bg>
     <p:spTree>
       <p:nvGrpSpPr>
         <p:cNvPr id="1" name=""/>
@@ -6930,7 +6922,7 @@
         </p:blipFill>
         <p:spPr>
           <a:xfrm>
-            <a:off x="963000" y="2184120"/>
+            <a:off x="1623802" y="2537284"/>
             <a:ext cx="1866600" cy="1866600"/>
           </a:xfrm>
           <a:prstGeom prst="rect">
@@ -6953,7 +6945,7 @@
         </p:blipFill>
         <p:spPr>
           <a:xfrm>
-            <a:off x="4416480" y="2224440"/>
+            <a:off x="6642902" y="2415562"/>
             <a:ext cx="2155680" cy="1981800"/>
           </a:xfrm>
           <a:prstGeom prst="rect">
@@ -6976,8 +6968,8 @@
         </p:blipFill>
         <p:spPr>
           <a:xfrm>
-            <a:off x="3265560" y="4336920"/>
-            <a:ext cx="4024440" cy="1877040"/>
+            <a:off x="1388182" y="4850869"/>
+            <a:ext cx="2337840" cy="993890"/>
           </a:xfrm>
           <a:prstGeom prst="rect">
             <a:avLst/>
@@ -6999,7 +6991,7 @@
         </p:blipFill>
         <p:spPr>
           <a:xfrm>
-            <a:off x="7878240" y="2248200"/>
+            <a:off x="6441131" y="4779823"/>
             <a:ext cx="1866600" cy="1780920"/>
           </a:xfrm>
           <a:prstGeom prst="rect">
@@ -7010,42 +7002,218 @@
           </a:ln>
         </p:spPr>
       </p:pic>
-      <p:pic>
-        <p:nvPicPr>
-          <p:cNvPr id="3" name="Image 2" descr="Une image contenant équipement électronique, circuit&#10;&#10;Description générée automatiquement">
+      <p:sp>
+        <p:nvSpPr>
+          <p:cNvPr id="2" name="ZoneTexte 1">
             <a:extLst>
               <a:ext uri="{FF2B5EF4-FFF2-40B4-BE49-F238E27FC236}">
-                <a16:creationId xmlns:a16="http://schemas.microsoft.com/office/drawing/2014/main" id="{06BCD82C-44E1-4F24-9612-31EA101D3F09}"/>
+                <a16:creationId xmlns:a16="http://schemas.microsoft.com/office/drawing/2014/main" id="{79E98090-94B1-4A0A-97B0-B4DD3E29DA14}"/>
               </a:ext>
             </a:extLst>
           </p:cNvPr>
-          <p:cNvPicPr>
-            <a:picLocks noChangeAspect="1"/>
-          </p:cNvPicPr>
-          <p:nvPr/>
-        </p:nvPicPr>
-        <p:blipFill>
-          <a:blip r:embed="rId7">
+          <p:cNvSpPr txBox="1"/>
+          <p:nvPr/>
+        </p:nvSpPr>
+        <p:spPr>
+          <a:xfrm>
+            <a:off x="3870665" y="2547254"/>
+            <a:ext cx="1890261" cy="923330"/>
+          </a:xfrm>
+          <a:prstGeom prst="rect">
+            <a:avLst/>
+          </a:prstGeom>
+          <a:noFill/>
+        </p:spPr>
+        <p:txBody>
+          <a:bodyPr wrap="none" rtlCol="0">
+            <a:spAutoFit/>
+          </a:bodyPr>
+          <a:lstStyle/>
+          <a:p>
+            <a:r>
+              <a:rPr lang="fr-FR" dirty="0"/>
+              <a:t>Capteur de gaz :</a:t>
+            </a:r>
+          </a:p>
+          <a:p>
+            <a:pPr marL="285750" indent="-285750">
+              <a:buFontTx/>
+              <a:buChar char="-"/>
+            </a:pPr>
+            <a:r>
+              <a:rPr lang="fr-FR" dirty="0"/>
+              <a:t>Analogique</a:t>
+            </a:r>
+          </a:p>
+          <a:p>
+            <a:pPr marL="285750" indent="-285750">
+              <a:buFontTx/>
+              <a:buChar char="-"/>
+            </a:pPr>
+            <a:r>
+              <a:rPr lang="fr-FR" dirty="0"/>
+              <a:t>CO2</a:t>
+            </a:r>
+          </a:p>
+        </p:txBody>
+      </p:sp>
+      <p:sp>
+        <p:nvSpPr>
+          <p:cNvPr id="4" name="ZoneTexte 3">
             <a:extLst>
-              <a:ext uri="{28A0092B-C50C-407E-A947-70E740481C1C}">
-                <a14:useLocalDpi xmlns:a14="http://schemas.microsoft.com/office/drawing/2010/main" val="0"/>
+              <a:ext uri="{FF2B5EF4-FFF2-40B4-BE49-F238E27FC236}">
+                <a16:creationId xmlns:a16="http://schemas.microsoft.com/office/drawing/2014/main" id="{2B21878E-1C6E-4DAA-8ED0-8DE23F0B0081}"/>
               </a:ext>
             </a:extLst>
-          </a:blip>
-          <a:stretch>
-            <a:fillRect/>
-          </a:stretch>
-        </p:blipFill>
-        <p:spPr>
-          <a:xfrm>
-            <a:off x="8065200" y="4200840"/>
-            <a:ext cx="2155680" cy="2155680"/>
-          </a:xfrm>
-          <a:prstGeom prst="rect">
-            <a:avLst/>
-          </a:prstGeom>
-        </p:spPr>
-      </p:pic>
+          </p:cNvPr>
+          <p:cNvSpPr txBox="1"/>
+          <p:nvPr/>
+        </p:nvSpPr>
+        <p:spPr>
+          <a:xfrm>
+            <a:off x="9067179" y="2415562"/>
+            <a:ext cx="2114681" cy="1200329"/>
+          </a:xfrm>
+          <a:prstGeom prst="rect">
+            <a:avLst/>
+          </a:prstGeom>
+          <a:noFill/>
+        </p:spPr>
+        <p:txBody>
+          <a:bodyPr wrap="none" rtlCol="0">
+            <a:spAutoFit/>
+          </a:bodyPr>
+          <a:lstStyle/>
+          <a:p>
+            <a:r>
+              <a:rPr lang="fr-FR" dirty="0"/>
+              <a:t>Capteur PIR :</a:t>
+            </a:r>
+          </a:p>
+          <a:p>
+            <a:r>
+              <a:rPr lang="fr-FR" dirty="0"/>
+              <a:t>-   numérique</a:t>
+            </a:r>
+          </a:p>
+          <a:p>
+            <a:pPr marL="285750" indent="-285750">
+              <a:buFontTx/>
+              <a:buChar char="-"/>
+            </a:pPr>
+            <a:r>
+              <a:rPr lang="fr-FR" dirty="0"/>
+              <a:t>120°</a:t>
+            </a:r>
+          </a:p>
+          <a:p>
+            <a:pPr marL="285750" indent="-285750">
+              <a:buFontTx/>
+              <a:buChar char="-"/>
+            </a:pPr>
+            <a:r>
+              <a:rPr lang="fr-FR" dirty="0"/>
+              <a:t>6m de détection</a:t>
+            </a:r>
+          </a:p>
+        </p:txBody>
+      </p:sp>
+      <p:sp>
+        <p:nvSpPr>
+          <p:cNvPr id="5" name="ZoneTexte 4">
+            <a:extLst>
+              <a:ext uri="{FF2B5EF4-FFF2-40B4-BE49-F238E27FC236}">
+                <a16:creationId xmlns:a16="http://schemas.microsoft.com/office/drawing/2014/main" id="{2195DD56-0EF6-4212-86FD-C0D8F877855A}"/>
+              </a:ext>
+            </a:extLst>
+          </p:cNvPr>
+          <p:cNvSpPr txBox="1"/>
+          <p:nvPr/>
+        </p:nvSpPr>
+        <p:spPr>
+          <a:xfrm>
+            <a:off x="3870665" y="4850869"/>
+            <a:ext cx="1505540" cy="646331"/>
+          </a:xfrm>
+          <a:prstGeom prst="rect">
+            <a:avLst/>
+          </a:prstGeom>
+          <a:noFill/>
+        </p:spPr>
+        <p:txBody>
+          <a:bodyPr wrap="none" rtlCol="0">
+            <a:spAutoFit/>
+          </a:bodyPr>
+          <a:lstStyle/>
+          <a:p>
+            <a:r>
+              <a:rPr lang="fr-FR" dirty="0"/>
+              <a:t>Interrupteur :</a:t>
+            </a:r>
+          </a:p>
+          <a:p>
+            <a:r>
+              <a:rPr lang="fr-FR" dirty="0"/>
+              <a:t>- numérique</a:t>
+            </a:r>
+          </a:p>
+        </p:txBody>
+      </p:sp>
+      <p:sp>
+        <p:nvSpPr>
+          <p:cNvPr id="6" name="ZoneTexte 5">
+            <a:extLst>
+              <a:ext uri="{FF2B5EF4-FFF2-40B4-BE49-F238E27FC236}">
+                <a16:creationId xmlns:a16="http://schemas.microsoft.com/office/drawing/2014/main" id="{F7313EDC-D35A-4155-91AA-821E5232254D}"/>
+              </a:ext>
+            </a:extLst>
+          </p:cNvPr>
+          <p:cNvSpPr txBox="1"/>
+          <p:nvPr/>
+        </p:nvSpPr>
+        <p:spPr>
+          <a:xfrm>
+            <a:off x="9212990" y="4815657"/>
+            <a:ext cx="2140330" cy="923330"/>
+          </a:xfrm>
+          <a:prstGeom prst="rect">
+            <a:avLst/>
+          </a:prstGeom>
+          <a:noFill/>
+        </p:spPr>
+        <p:txBody>
+          <a:bodyPr wrap="none" rtlCol="0">
+            <a:spAutoFit/>
+          </a:bodyPr>
+          <a:lstStyle/>
+          <a:p>
+            <a:r>
+              <a:rPr lang="fr-FR" dirty="0"/>
+              <a:t>M5stack :</a:t>
+            </a:r>
+          </a:p>
+          <a:p>
+            <a:pPr marL="285750" indent="-285750">
+              <a:buFontTx/>
+              <a:buChar char="-"/>
+            </a:pPr>
+            <a:r>
+              <a:rPr lang="fr-FR" dirty="0"/>
+              <a:t>320x240 TFT</a:t>
+            </a:r>
+          </a:p>
+          <a:p>
+            <a:pPr marL="285750" indent="-285750">
+              <a:buFontTx/>
+              <a:buChar char="-"/>
+            </a:pPr>
+            <a:r>
+              <a:rPr lang="fr-FR" dirty="0"/>
+              <a:t>Microcontrôleur</a:t>
+            </a:r>
+          </a:p>
+        </p:txBody>
+      </p:sp>
     </p:spTree>
   </p:cSld>
   <p:clrMapOvr>
@@ -7057,14 +7225,6 @@
 <file path=ppt/slides/slide13.xml><?xml version="1.0" encoding="utf-8"?>
 <p:sld xmlns:a="http://schemas.openxmlformats.org/drawingml/2006/main" xmlns:r="http://schemas.openxmlformats.org/officeDocument/2006/relationships" xmlns:p="http://schemas.openxmlformats.org/presentationml/2006/main">
   <p:cSld>
-    <p:bg>
-      <p:bgPr>
-        <a:solidFill>
-          <a:srgbClr val="000000"/>
-        </a:solidFill>
-        <a:effectLst/>
-      </p:bgPr>
-    </p:bg>
     <p:spTree>
       <p:nvGrpSpPr>
         <p:cNvPr id="1" name=""/>
@@ -7087,7 +7247,7 @@
         </p:nvSpPr>
         <p:spPr>
           <a:xfrm>
-            <a:off x="0" y="1360800"/>
+            <a:off x="0" y="1361160"/>
             <a:ext cx="12191760" cy="5496840"/>
           </a:xfrm>
           <a:prstGeom prst="rect">
@@ -7345,37 +7505,398 @@
           </a:p>
         </p:txBody>
       </p:sp>
-      <p:sp>
-        <p:nvSpPr>
-          <p:cNvPr id="188" name="TextShape 7"/>
+      <p:pic>
+        <p:nvPicPr>
+          <p:cNvPr id="10" name="Image 9" descr="Une image contenant équipement électronique, circuit&#10;&#10;Description générée automatiquement">
+            <a:extLst>
+              <a:ext uri="{FF2B5EF4-FFF2-40B4-BE49-F238E27FC236}">
+                <a16:creationId xmlns:a16="http://schemas.microsoft.com/office/drawing/2014/main" id="{F4FD440C-6FE3-472B-B88A-7C1E64B30CFD}"/>
+              </a:ext>
+              <a:ext uri="{C183D7F6-B498-43B3-948B-1728B52AA6E4}">
+                <adec:decorative xmlns:adec="http://schemas.microsoft.com/office/drawing/2017/decorative" val="0"/>
+              </a:ext>
+            </a:extLst>
+          </p:cNvPr>
+          <p:cNvPicPr>
+            <a:picLocks noChangeAspect="1"/>
+          </p:cNvPicPr>
+          <p:nvPr/>
+        </p:nvPicPr>
+        <p:blipFill>
+          <a:blip r:embed="rId3">
+            <a:extLst>
+              <a:ext uri="{28A0092B-C50C-407E-A947-70E740481C1C}">
+                <a14:useLocalDpi xmlns:a14="http://schemas.microsoft.com/office/drawing/2010/main" val="0"/>
+              </a:ext>
+            </a:extLst>
+          </a:blip>
+          <a:stretch>
+            <a:fillRect/>
+          </a:stretch>
+        </p:blipFill>
+        <p:spPr>
+          <a:xfrm>
+            <a:off x="6754939" y="4798493"/>
+            <a:ext cx="1509312" cy="1509312"/>
+          </a:xfrm>
+          <a:prstGeom prst="rect">
+            <a:avLst/>
+          </a:prstGeom>
+        </p:spPr>
+      </p:pic>
+      <p:pic>
+        <p:nvPicPr>
+          <p:cNvPr id="3" name="Image 2" descr="Une image contenant texte, carte de visite&#10;&#10;Description générée automatiquement">
+            <a:extLst>
+              <a:ext uri="{FF2B5EF4-FFF2-40B4-BE49-F238E27FC236}">
+                <a16:creationId xmlns:a16="http://schemas.microsoft.com/office/drawing/2014/main" id="{4BA0248F-7647-4C1D-AD9E-A68CC0A30F8B}"/>
+              </a:ext>
+            </a:extLst>
+          </p:cNvPr>
+          <p:cNvPicPr>
+            <a:picLocks noChangeAspect="1"/>
+          </p:cNvPicPr>
+          <p:nvPr/>
+        </p:nvPicPr>
+        <p:blipFill>
+          <a:blip r:embed="rId4">
+            <a:extLst>
+              <a:ext uri="{28A0092B-C50C-407E-A947-70E740481C1C}">
+                <a14:useLocalDpi xmlns:a14="http://schemas.microsoft.com/office/drawing/2010/main" val="0"/>
+              </a:ext>
+            </a:extLst>
+          </a:blip>
+          <a:stretch>
+            <a:fillRect/>
+          </a:stretch>
+        </p:blipFill>
+        <p:spPr>
+          <a:xfrm>
+            <a:off x="6683748" y="2761690"/>
+            <a:ext cx="1580503" cy="1580503"/>
+          </a:xfrm>
+          <a:prstGeom prst="rect">
+            <a:avLst/>
+          </a:prstGeom>
+        </p:spPr>
+      </p:pic>
+      <p:pic>
+        <p:nvPicPr>
+          <p:cNvPr id="5" name="Image 4" descr="Une image contenant équipement électronique&#10;&#10;Description générée automatiquement">
+            <a:extLst>
+              <a:ext uri="{FF2B5EF4-FFF2-40B4-BE49-F238E27FC236}">
+                <a16:creationId xmlns:a16="http://schemas.microsoft.com/office/drawing/2014/main" id="{D45891B3-FC7B-4809-991E-B844394C4DAC}"/>
+              </a:ext>
+            </a:extLst>
+          </p:cNvPr>
+          <p:cNvPicPr>
+            <a:picLocks noChangeAspect="1"/>
+          </p:cNvPicPr>
+          <p:nvPr/>
+        </p:nvPicPr>
+        <p:blipFill>
+          <a:blip r:embed="rId5">
+            <a:extLst>
+              <a:ext uri="{28A0092B-C50C-407E-A947-70E740481C1C}">
+                <a14:useLocalDpi xmlns:a14="http://schemas.microsoft.com/office/drawing/2010/main" val="0"/>
+              </a:ext>
+            </a:extLst>
+          </a:blip>
+          <a:stretch>
+            <a:fillRect/>
+          </a:stretch>
+        </p:blipFill>
+        <p:spPr>
+          <a:xfrm>
+            <a:off x="520573" y="2507002"/>
+            <a:ext cx="2013197" cy="2013197"/>
+          </a:xfrm>
+          <a:prstGeom prst="rect">
+            <a:avLst/>
+          </a:prstGeom>
+        </p:spPr>
+      </p:pic>
+      <p:pic>
+        <p:nvPicPr>
+          <p:cNvPr id="7" name="Image 6" descr="Une image contenant équipement électronique, projecteur, appareil photo&#10;&#10;Description générée automatiquement">
+            <a:extLst>
+              <a:ext uri="{FF2B5EF4-FFF2-40B4-BE49-F238E27FC236}">
+                <a16:creationId xmlns:a16="http://schemas.microsoft.com/office/drawing/2014/main" id="{393E87C9-D782-4EBF-964C-B6AD93A869AA}"/>
+              </a:ext>
+            </a:extLst>
+          </p:cNvPr>
+          <p:cNvPicPr>
+            <a:picLocks noChangeAspect="1"/>
+          </p:cNvPicPr>
+          <p:nvPr/>
+        </p:nvPicPr>
+        <p:blipFill>
+          <a:blip r:embed="rId6">
+            <a:extLst>
+              <a:ext uri="{28A0092B-C50C-407E-A947-70E740481C1C}">
+                <a14:useLocalDpi xmlns:a14="http://schemas.microsoft.com/office/drawing/2010/main" val="0"/>
+              </a:ext>
+            </a:extLst>
+          </a:blip>
+          <a:stretch>
+            <a:fillRect/>
+          </a:stretch>
+        </p:blipFill>
+        <p:spPr>
+          <a:xfrm>
+            <a:off x="595885" y="4635647"/>
+            <a:ext cx="1672158" cy="1672158"/>
+          </a:xfrm>
+          <a:prstGeom prst="rect">
+            <a:avLst/>
+          </a:prstGeom>
+        </p:spPr>
+      </p:pic>
+      <p:sp>
+        <p:nvSpPr>
+          <p:cNvPr id="8" name="ZoneTexte 7">
+            <a:extLst>
+              <a:ext uri="{FF2B5EF4-FFF2-40B4-BE49-F238E27FC236}">
+                <a16:creationId xmlns:a16="http://schemas.microsoft.com/office/drawing/2014/main" id="{5F6F75DD-1BC4-4B9B-806A-E4CA59F0D336}"/>
+              </a:ext>
+            </a:extLst>
+          </p:cNvPr>
           <p:cNvSpPr txBox="1"/>
           <p:nvPr/>
         </p:nvSpPr>
         <p:spPr>
           <a:xfrm>
-            <a:off x="838080" y="1825560"/>
-            <a:ext cx="10515240" cy="4350960"/>
+            <a:off x="2654423" y="2507002"/>
+            <a:ext cx="1800493" cy="1200329"/>
           </a:xfrm>
           <a:prstGeom prst="rect">
             <a:avLst/>
           </a:prstGeom>
           <a:noFill/>
-          <a:ln w="0">
-            <a:noFill/>
-          </a:ln>
-        </p:spPr>
-        <p:txBody>
-          <a:bodyPr>
-            <a:noAutofit/>
+        </p:spPr>
+        <p:txBody>
+          <a:bodyPr wrap="none" rtlCol="0">
+            <a:spAutoFit/>
           </a:bodyPr>
           <a:lstStyle/>
           <a:p>
-            <a:endParaRPr lang="fr-FR" sz="2800" b="0" strike="noStrike" spc="-1">
-              <a:solidFill>
-                <a:srgbClr val="000000"/>
-              </a:solidFill>
-              <a:latin typeface="Calibri"/>
-            </a:endParaRPr>
+            <a:r>
+              <a:rPr lang="fr-FR" dirty="0"/>
+              <a:t>Écran LCD :</a:t>
+            </a:r>
+          </a:p>
+          <a:p>
+            <a:r>
+              <a:rPr lang="fr-FR" dirty="0"/>
+              <a:t>- 16x2</a:t>
+            </a:r>
+          </a:p>
+          <a:p>
+            <a:r>
+              <a:rPr lang="fr-FR" dirty="0"/>
+              <a:t>- connexion i2c</a:t>
+            </a:r>
+          </a:p>
+          <a:p>
+            <a:r>
+              <a:rPr lang="fr-FR" dirty="0"/>
+              <a:t>- rétro éclairer</a:t>
+            </a:r>
+          </a:p>
+        </p:txBody>
+      </p:sp>
+      <p:sp>
+        <p:nvSpPr>
+          <p:cNvPr id="9" name="ZoneTexte 8">
+            <a:extLst>
+              <a:ext uri="{FF2B5EF4-FFF2-40B4-BE49-F238E27FC236}">
+                <a16:creationId xmlns:a16="http://schemas.microsoft.com/office/drawing/2014/main" id="{17C11C0C-054B-4643-BAFD-73BFD96A7B45}"/>
+              </a:ext>
+            </a:extLst>
+          </p:cNvPr>
+          <p:cNvSpPr txBox="1"/>
+          <p:nvPr/>
+        </p:nvSpPr>
+        <p:spPr>
+          <a:xfrm>
+            <a:off x="2440800" y="4635647"/>
+            <a:ext cx="2191626" cy="923330"/>
+          </a:xfrm>
+          <a:prstGeom prst="rect">
+            <a:avLst/>
+          </a:prstGeom>
+          <a:noFill/>
+        </p:spPr>
+        <p:txBody>
+          <a:bodyPr wrap="none" rtlCol="0">
+            <a:spAutoFit/>
+          </a:bodyPr>
+          <a:lstStyle/>
+          <a:p>
+            <a:r>
+              <a:rPr lang="fr-FR" dirty="0"/>
+              <a:t>Camera :</a:t>
+            </a:r>
+          </a:p>
+          <a:p>
+            <a:pPr marL="285750" indent="-285750">
+              <a:buFontTx/>
+              <a:buChar char="-"/>
+            </a:pPr>
+            <a:r>
+              <a:rPr lang="fr-FR" dirty="0"/>
+              <a:t>USB</a:t>
+            </a:r>
+          </a:p>
+          <a:p>
+            <a:pPr marL="285750" indent="-285750">
+              <a:buFontTx/>
+              <a:buChar char="-"/>
+            </a:pPr>
+            <a:r>
+              <a:rPr lang="fr-FR" dirty="0"/>
+              <a:t>Librairie </a:t>
+            </a:r>
+            <a:r>
+              <a:rPr lang="fr-FR" dirty="0" err="1"/>
+              <a:t>openCV</a:t>
+            </a:r>
+            <a:endParaRPr lang="fr-FR" dirty="0"/>
+          </a:p>
+        </p:txBody>
+      </p:sp>
+      <p:sp>
+        <p:nvSpPr>
+          <p:cNvPr id="11" name="ZoneTexte 10">
+            <a:extLst>
+              <a:ext uri="{FF2B5EF4-FFF2-40B4-BE49-F238E27FC236}">
+                <a16:creationId xmlns:a16="http://schemas.microsoft.com/office/drawing/2014/main" id="{B9C4940F-0300-4A54-B364-A959EECCE326}"/>
+              </a:ext>
+            </a:extLst>
+          </p:cNvPr>
+          <p:cNvSpPr txBox="1"/>
+          <p:nvPr/>
+        </p:nvSpPr>
+        <p:spPr>
+          <a:xfrm>
+            <a:off x="8424909" y="2761690"/>
+            <a:ext cx="2153154" cy="923330"/>
+          </a:xfrm>
+          <a:prstGeom prst="rect">
+            <a:avLst/>
+          </a:prstGeom>
+          <a:noFill/>
+        </p:spPr>
+        <p:txBody>
+          <a:bodyPr wrap="none" rtlCol="0">
+            <a:spAutoFit/>
+          </a:bodyPr>
+          <a:lstStyle/>
+          <a:p>
+            <a:r>
+              <a:rPr lang="fr-FR" dirty="0"/>
+              <a:t>Lecteur RFID :</a:t>
+            </a:r>
+          </a:p>
+          <a:p>
+            <a:pPr marL="285750" indent="-285750">
+              <a:buFontTx/>
+              <a:buChar char="-"/>
+            </a:pPr>
+            <a:r>
+              <a:rPr lang="fr-FR" dirty="0"/>
+              <a:t>Librairie RC522</a:t>
+            </a:r>
+          </a:p>
+          <a:p>
+            <a:pPr marL="285750" indent="-285750">
+              <a:buFontTx/>
+              <a:buChar char="-"/>
+            </a:pPr>
+            <a:r>
+              <a:rPr lang="fr-FR" dirty="0"/>
+              <a:t>Protocole </a:t>
+            </a:r>
+            <a:r>
+              <a:rPr lang="fr-FR" dirty="0" err="1"/>
+              <a:t>Mifare</a:t>
+            </a:r>
+            <a:endParaRPr lang="fr-FR" dirty="0"/>
+          </a:p>
+        </p:txBody>
+      </p:sp>
+      <p:sp>
+        <p:nvSpPr>
+          <p:cNvPr id="12" name="ZoneTexte 11">
+            <a:extLst>
+              <a:ext uri="{FF2B5EF4-FFF2-40B4-BE49-F238E27FC236}">
+                <a16:creationId xmlns:a16="http://schemas.microsoft.com/office/drawing/2014/main" id="{7194F096-32A7-4AAF-A1A3-06188F86767E}"/>
+              </a:ext>
+            </a:extLst>
+          </p:cNvPr>
+          <p:cNvSpPr txBox="1"/>
+          <p:nvPr/>
+        </p:nvSpPr>
+        <p:spPr>
+          <a:xfrm>
+            <a:off x="8424909" y="4798493"/>
+            <a:ext cx="2884123" cy="1477328"/>
+          </a:xfrm>
+          <a:prstGeom prst="rect">
+            <a:avLst/>
+          </a:prstGeom>
+          <a:noFill/>
+        </p:spPr>
+        <p:txBody>
+          <a:bodyPr wrap="none" rtlCol="0">
+            <a:spAutoFit/>
+          </a:bodyPr>
+          <a:lstStyle/>
+          <a:p>
+            <a:r>
+              <a:rPr lang="fr-FR" dirty="0"/>
+              <a:t>Raspberry :</a:t>
+            </a:r>
+          </a:p>
+          <a:p>
+            <a:pPr marL="285750" indent="-285750">
+              <a:buFontTx/>
+              <a:buChar char="-"/>
+            </a:pPr>
+            <a:r>
+              <a:rPr lang="fr-FR" dirty="0"/>
+              <a:t>Reçoit tout les capteurs</a:t>
+            </a:r>
+          </a:p>
+          <a:p>
+            <a:pPr marL="285750" indent="-285750">
+              <a:buFontTx/>
+              <a:buChar char="-"/>
+            </a:pPr>
+            <a:r>
+              <a:rPr lang="fr-FR" dirty="0"/>
+              <a:t>Python</a:t>
+            </a:r>
+          </a:p>
+          <a:p>
+            <a:pPr marL="285750" indent="-285750">
+              <a:buFontTx/>
+              <a:buChar char="-"/>
+            </a:pPr>
+            <a:r>
+              <a:rPr lang="fr-FR" dirty="0"/>
+              <a:t>MQTT</a:t>
+            </a:r>
+          </a:p>
+          <a:p>
+            <a:pPr marL="285750" indent="-285750">
+              <a:buFontTx/>
+              <a:buChar char="-"/>
+            </a:pPr>
+            <a:r>
+              <a:rPr lang="fr-FR"/>
+              <a:t>Bluetooth</a:t>
+            </a:r>
           </a:p>
         </p:txBody>
       </p:sp>

--- a/Diapo_commun/PresentationCommune.pptx
+++ b/Diapo_commun/PresentationCommune.pptx
@@ -6,7 +6,7 @@
     <p:sldMasterId id="2147483661" r:id="rId2"/>
   </p:sldMasterIdLst>
   <p:notesMasterIdLst>
-    <p:notesMasterId r:id="rId21"/>
+    <p:notesMasterId r:id="rId23"/>
   </p:notesMasterIdLst>
   <p:sldIdLst>
     <p:sldId id="256" r:id="rId3"/>
@@ -26,7 +26,9 @@
     <p:sldId id="268" r:id="rId17"/>
     <p:sldId id="271" r:id="rId18"/>
     <p:sldId id="272" r:id="rId19"/>
-    <p:sldId id="269" r:id="rId20"/>
+    <p:sldId id="275" r:id="rId20"/>
+    <p:sldId id="277" r:id="rId21"/>
+    <p:sldId id="269" r:id="rId22"/>
   </p:sldIdLst>
   <p:sldSz cx="12192000" cy="6858000"/>
   <p:notesSz cx="7559675" cy="10691813"/>
@@ -139,226 +141,6 @@
     <p1510:client id="{9501B55E-7F34-4815-9CB9-4B195243A283}" v="2" dt="2021-05-09T08:44:29.961"/>
   </p1510:revLst>
 </p1510:revInfo>
-</file>
-
-<file path=ppt/changesInfos/changesInfo1.xml><?xml version="1.0" encoding="utf-8"?>
-<pc:chgInfo xmlns:a="http://schemas.openxmlformats.org/drawingml/2006/main" xmlns:r="http://schemas.openxmlformats.org/officeDocument/2006/relationships" xmlns:ac="http://schemas.microsoft.com/office/drawing/2013/main/command" xmlns:pc="http://schemas.microsoft.com/office/powerpoint/2013/main/command">
-  <pc:docChgLst>
-    <pc:chgData name="lagwaitf lagwaitf" userId="7c35877e37998161" providerId="LiveId" clId="{9501B55E-7F34-4815-9CB9-4B195243A283}"/>
-    <pc:docChg chg="custSel addSld modSld">
-      <pc:chgData name="lagwaitf lagwaitf" userId="7c35877e37998161" providerId="LiveId" clId="{9501B55E-7F34-4815-9CB9-4B195243A283}" dt="2021-05-09T08:44:34.005" v="25" actId="1076"/>
-      <pc:docMkLst>
-        <pc:docMk/>
-      </pc:docMkLst>
-      <pc:sldChg chg="modSp mod">
-        <pc:chgData name="lagwaitf lagwaitf" userId="7c35877e37998161" providerId="LiveId" clId="{9501B55E-7F34-4815-9CB9-4B195243A283}" dt="2021-05-09T08:25:26.087" v="5" actId="27636"/>
-        <pc:sldMkLst>
-          <pc:docMk/>
-          <pc:sldMk cId="0" sldId="257"/>
-        </pc:sldMkLst>
-        <pc:spChg chg="mod">
-          <ac:chgData name="lagwaitf lagwaitf" userId="7c35877e37998161" providerId="LiveId" clId="{9501B55E-7F34-4815-9CB9-4B195243A283}" dt="2021-05-09T08:25:26.087" v="5" actId="27636"/>
-          <ac:spMkLst>
-            <pc:docMk/>
-            <pc:sldMk cId="0" sldId="257"/>
-            <ac:spMk id="93" creationId="{00000000-0000-0000-0000-000000000000}"/>
-          </ac:spMkLst>
-        </pc:spChg>
-      </pc:sldChg>
-      <pc:sldChg chg="modSp mod">
-        <pc:chgData name="lagwaitf lagwaitf" userId="7c35877e37998161" providerId="LiveId" clId="{9501B55E-7F34-4815-9CB9-4B195243A283}" dt="2021-05-09T08:25:26.092" v="6" actId="27636"/>
-        <pc:sldMkLst>
-          <pc:docMk/>
-          <pc:sldMk cId="0" sldId="259"/>
-        </pc:sldMkLst>
-        <pc:spChg chg="mod">
-          <ac:chgData name="lagwaitf lagwaitf" userId="7c35877e37998161" providerId="LiveId" clId="{9501B55E-7F34-4815-9CB9-4B195243A283}" dt="2021-05-09T08:25:26.092" v="6" actId="27636"/>
-          <ac:spMkLst>
-            <pc:docMk/>
-            <pc:sldMk cId="0" sldId="259"/>
-            <ac:spMk id="108" creationId="{00000000-0000-0000-0000-000000000000}"/>
-          </ac:spMkLst>
-        </pc:spChg>
-      </pc:sldChg>
-      <pc:sldChg chg="modSp mod">
-        <pc:chgData name="lagwaitf lagwaitf" userId="7c35877e37998161" providerId="LiveId" clId="{9501B55E-7F34-4815-9CB9-4B195243A283}" dt="2021-05-09T08:25:26.098" v="7" actId="27636"/>
-        <pc:sldMkLst>
-          <pc:docMk/>
-          <pc:sldMk cId="0" sldId="260"/>
-        </pc:sldMkLst>
-        <pc:spChg chg="mod">
-          <ac:chgData name="lagwaitf lagwaitf" userId="7c35877e37998161" providerId="LiveId" clId="{9501B55E-7F34-4815-9CB9-4B195243A283}" dt="2021-05-09T08:25:26.098" v="7" actId="27636"/>
-          <ac:spMkLst>
-            <pc:docMk/>
-            <pc:sldMk cId="0" sldId="260"/>
-            <ac:spMk id="116" creationId="{00000000-0000-0000-0000-000000000000}"/>
-          </ac:spMkLst>
-        </pc:spChg>
-      </pc:sldChg>
-      <pc:sldChg chg="modSp mod">
-        <pc:chgData name="lagwaitf lagwaitf" userId="7c35877e37998161" providerId="LiveId" clId="{9501B55E-7F34-4815-9CB9-4B195243A283}" dt="2021-05-09T08:25:26.103" v="8" actId="27636"/>
-        <pc:sldMkLst>
-          <pc:docMk/>
-          <pc:sldMk cId="0" sldId="261"/>
-        </pc:sldMkLst>
-        <pc:spChg chg="mod">
-          <ac:chgData name="lagwaitf lagwaitf" userId="7c35877e37998161" providerId="LiveId" clId="{9501B55E-7F34-4815-9CB9-4B195243A283}" dt="2021-05-09T08:25:26.103" v="8" actId="27636"/>
-          <ac:spMkLst>
-            <pc:docMk/>
-            <pc:sldMk cId="0" sldId="261"/>
-            <ac:spMk id="133" creationId="{00000000-0000-0000-0000-000000000000}"/>
-          </ac:spMkLst>
-        </pc:spChg>
-      </pc:sldChg>
-      <pc:sldChg chg="modSp mod">
-        <pc:chgData name="lagwaitf lagwaitf" userId="7c35877e37998161" providerId="LiveId" clId="{9501B55E-7F34-4815-9CB9-4B195243A283}" dt="2021-05-09T08:25:26.107" v="9" actId="27636"/>
-        <pc:sldMkLst>
-          <pc:docMk/>
-          <pc:sldMk cId="0" sldId="263"/>
-        </pc:sldMkLst>
-        <pc:spChg chg="mod">
-          <ac:chgData name="lagwaitf lagwaitf" userId="7c35877e37998161" providerId="LiveId" clId="{9501B55E-7F34-4815-9CB9-4B195243A283}" dt="2021-05-09T08:25:26.107" v="9" actId="27636"/>
-          <ac:spMkLst>
-            <pc:docMk/>
-            <pc:sldMk cId="0" sldId="263"/>
-            <ac:spMk id="152" creationId="{00000000-0000-0000-0000-000000000000}"/>
-          </ac:spMkLst>
-        </pc:spChg>
-      </pc:sldChg>
-      <pc:sldChg chg="addSp modSp mod">
-        <pc:chgData name="lagwaitf lagwaitf" userId="7c35877e37998161" providerId="LiveId" clId="{9501B55E-7F34-4815-9CB9-4B195243A283}" dt="2021-05-09T08:25:37.638" v="14" actId="1076"/>
-        <pc:sldMkLst>
-          <pc:docMk/>
-          <pc:sldMk cId="0" sldId="265"/>
-        </pc:sldMkLst>
-        <pc:spChg chg="mod">
-          <ac:chgData name="lagwaitf lagwaitf" userId="7c35877e37998161" providerId="LiveId" clId="{9501B55E-7F34-4815-9CB9-4B195243A283}" dt="2021-05-09T08:25:26.053" v="1" actId="27636"/>
-          <ac:spMkLst>
-            <pc:docMk/>
-            <pc:sldMk cId="0" sldId="265"/>
-            <ac:spMk id="174" creationId="{00000000-0000-0000-0000-000000000000}"/>
-          </ac:spMkLst>
-        </pc:spChg>
-        <pc:picChg chg="add mod">
-          <ac:chgData name="lagwaitf lagwaitf" userId="7c35877e37998161" providerId="LiveId" clId="{9501B55E-7F34-4815-9CB9-4B195243A283}" dt="2021-05-09T08:25:37.638" v="14" actId="1076"/>
-          <ac:picMkLst>
-            <pc:docMk/>
-            <pc:sldMk cId="0" sldId="265"/>
-            <ac:picMk id="3" creationId="{06BCD82C-44E1-4F24-9612-31EA101D3F09}"/>
-          </ac:picMkLst>
-        </pc:picChg>
-      </pc:sldChg>
-      <pc:sldChg chg="modSp mod">
-        <pc:chgData name="lagwaitf lagwaitf" userId="7c35877e37998161" providerId="LiveId" clId="{9501B55E-7F34-4815-9CB9-4B195243A283}" dt="2021-05-09T08:25:26.062" v="2" actId="27636"/>
-        <pc:sldMkLst>
-          <pc:docMk/>
-          <pc:sldMk cId="0" sldId="266"/>
-        </pc:sldMkLst>
-        <pc:spChg chg="mod">
-          <ac:chgData name="lagwaitf lagwaitf" userId="7c35877e37998161" providerId="LiveId" clId="{9501B55E-7F34-4815-9CB9-4B195243A283}" dt="2021-05-09T08:25:26.062" v="2" actId="27636"/>
-          <ac:spMkLst>
-            <pc:docMk/>
-            <pc:sldMk cId="0" sldId="266"/>
-            <ac:spMk id="185" creationId="{00000000-0000-0000-0000-000000000000}"/>
-          </ac:spMkLst>
-        </pc:spChg>
-      </pc:sldChg>
-      <pc:sldChg chg="modSp mod">
-        <pc:chgData name="lagwaitf lagwaitf" userId="7c35877e37998161" providerId="LiveId" clId="{9501B55E-7F34-4815-9CB9-4B195243A283}" dt="2021-05-09T08:25:26.066" v="3" actId="27636"/>
-        <pc:sldMkLst>
-          <pc:docMk/>
-          <pc:sldMk cId="0" sldId="267"/>
-        </pc:sldMkLst>
-        <pc:spChg chg="mod">
-          <ac:chgData name="lagwaitf lagwaitf" userId="7c35877e37998161" providerId="LiveId" clId="{9501B55E-7F34-4815-9CB9-4B195243A283}" dt="2021-05-09T08:25:26.066" v="3" actId="27636"/>
-          <ac:spMkLst>
-            <pc:docMk/>
-            <pc:sldMk cId="0" sldId="267"/>
-            <ac:spMk id="193" creationId="{00000000-0000-0000-0000-000000000000}"/>
-          </ac:spMkLst>
-        </pc:spChg>
-      </pc:sldChg>
-      <pc:sldChg chg="modSp mod">
-        <pc:chgData name="lagwaitf lagwaitf" userId="7c35877e37998161" providerId="LiveId" clId="{9501B55E-7F34-4815-9CB9-4B195243A283}" dt="2021-05-09T08:25:26.070" v="4" actId="27636"/>
-        <pc:sldMkLst>
-          <pc:docMk/>
-          <pc:sldMk cId="0" sldId="268"/>
-        </pc:sldMkLst>
-        <pc:spChg chg="mod">
-          <ac:chgData name="lagwaitf lagwaitf" userId="7c35877e37998161" providerId="LiveId" clId="{9501B55E-7F34-4815-9CB9-4B195243A283}" dt="2021-05-09T08:25:26.070" v="4" actId="27636"/>
-          <ac:spMkLst>
-            <pc:docMk/>
-            <pc:sldMk cId="0" sldId="268"/>
-            <ac:spMk id="201" creationId="{00000000-0000-0000-0000-000000000000}"/>
-          </ac:spMkLst>
-        </pc:spChg>
-      </pc:sldChg>
-      <pc:sldChg chg="addSp delSp modSp add mod">
-        <pc:chgData name="lagwaitf lagwaitf" userId="7c35877e37998161" providerId="LiveId" clId="{9501B55E-7F34-4815-9CB9-4B195243A283}" dt="2021-05-09T08:44:34.005" v="25" actId="1076"/>
-        <pc:sldMkLst>
-          <pc:docMk/>
-          <pc:sldMk cId="2567686842" sldId="270"/>
-        </pc:sldMkLst>
-        <pc:spChg chg="del">
-          <ac:chgData name="lagwaitf lagwaitf" userId="7c35877e37998161" providerId="LiveId" clId="{9501B55E-7F34-4815-9CB9-4B195243A283}" dt="2021-05-09T08:44:08.545" v="16" actId="478"/>
-          <ac:spMkLst>
-            <pc:docMk/>
-            <pc:sldMk cId="2567686842" sldId="270"/>
-            <ac:spMk id="167" creationId="{00000000-0000-0000-0000-000000000000}"/>
-          </ac:spMkLst>
-        </pc:spChg>
-        <pc:spChg chg="del mod">
-          <ac:chgData name="lagwaitf lagwaitf" userId="7c35877e37998161" providerId="LiveId" clId="{9501B55E-7F34-4815-9CB9-4B195243A283}" dt="2021-05-09T08:44:15.399" v="22" actId="478"/>
-          <ac:spMkLst>
-            <pc:docMk/>
-            <pc:sldMk cId="2567686842" sldId="270"/>
-            <ac:spMk id="169" creationId="{00000000-0000-0000-0000-000000000000}"/>
-          </ac:spMkLst>
-        </pc:spChg>
-        <pc:picChg chg="add mod">
-          <ac:chgData name="lagwaitf lagwaitf" userId="7c35877e37998161" providerId="LiveId" clId="{9501B55E-7F34-4815-9CB9-4B195243A283}" dt="2021-05-09T08:44:34.005" v="25" actId="1076"/>
-          <ac:picMkLst>
-            <pc:docMk/>
-            <pc:sldMk cId="2567686842" sldId="270"/>
-            <ac:picMk id="3" creationId="{425C333D-2A3B-4A1D-B8DB-3649D95AB209}"/>
-          </ac:picMkLst>
-        </pc:picChg>
-        <pc:picChg chg="del">
-          <ac:chgData name="lagwaitf lagwaitf" userId="7c35877e37998161" providerId="LiveId" clId="{9501B55E-7F34-4815-9CB9-4B195243A283}" dt="2021-05-09T08:44:09.853" v="17" actId="478"/>
-          <ac:picMkLst>
-            <pc:docMk/>
-            <pc:sldMk cId="2567686842" sldId="270"/>
-            <ac:picMk id="164" creationId="{00000000-0000-0000-0000-000000000000}"/>
-          </ac:picMkLst>
-        </pc:picChg>
-        <pc:picChg chg="del">
-          <ac:chgData name="lagwaitf lagwaitf" userId="7c35877e37998161" providerId="LiveId" clId="{9501B55E-7F34-4815-9CB9-4B195243A283}" dt="2021-05-09T08:44:11.095" v="19" actId="478"/>
-          <ac:picMkLst>
-            <pc:docMk/>
-            <pc:sldMk cId="2567686842" sldId="270"/>
-            <ac:picMk id="165" creationId="{00000000-0000-0000-0000-000000000000}"/>
-          </ac:picMkLst>
-        </pc:picChg>
-        <pc:picChg chg="del">
-          <ac:chgData name="lagwaitf lagwaitf" userId="7c35877e37998161" providerId="LiveId" clId="{9501B55E-7F34-4815-9CB9-4B195243A283}" dt="2021-05-09T08:44:10.467" v="18" actId="478"/>
-          <ac:picMkLst>
-            <pc:docMk/>
-            <pc:sldMk cId="2567686842" sldId="270"/>
-            <ac:picMk id="166" creationId="{00000000-0000-0000-0000-000000000000}"/>
-          </ac:picMkLst>
-        </pc:picChg>
-        <pc:picChg chg="del">
-          <ac:chgData name="lagwaitf lagwaitf" userId="7c35877e37998161" providerId="LiveId" clId="{9501B55E-7F34-4815-9CB9-4B195243A283}" dt="2021-05-09T08:44:11.564" v="20" actId="478"/>
-          <ac:picMkLst>
-            <pc:docMk/>
-            <pc:sldMk cId="2567686842" sldId="270"/>
-            <ac:picMk id="168" creationId="{00000000-0000-0000-0000-000000000000}"/>
-          </ac:picMkLst>
-        </pc:picChg>
-      </pc:sldChg>
-    </pc:docChg>
-  </pc:docChgLst>
-</pc:chgInfo>
 </file>
 
 <file path=ppt/notesMasters/notesMaster1.xml><?xml version="1.0" encoding="utf-8"?>
@@ -953,6 +735,174 @@
     <p:extLst>
       <p:ext uri="{BB962C8B-B14F-4D97-AF65-F5344CB8AC3E}">
         <p14:creationId xmlns:p14="http://schemas.microsoft.com/office/powerpoint/2010/main" val="2110438634"/>
+      </p:ext>
+    </p:extLst>
+  </p:cSld>
+  <p:clrMapOvr>
+    <a:masterClrMapping/>
+  </p:clrMapOvr>
+</p:notes>
+</file>
+
+<file path=ppt/notesSlides/notesSlide4.xml><?xml version="1.0" encoding="utf-8"?>
+<p:notes xmlns:a="http://schemas.openxmlformats.org/drawingml/2006/main" xmlns:r="http://schemas.openxmlformats.org/officeDocument/2006/relationships" xmlns:p="http://schemas.openxmlformats.org/presentationml/2006/main">
+  <p:cSld>
+    <p:spTree>
+      <p:nvGrpSpPr>
+        <p:cNvPr id="1" name=""/>
+        <p:cNvGrpSpPr/>
+        <p:nvPr/>
+      </p:nvGrpSpPr>
+      <p:grpSpPr>
+        <a:xfrm>
+          <a:off x="0" y="0"/>
+          <a:ext cx="0" cy="0"/>
+          <a:chOff x="0" y="0"/>
+          <a:chExt cx="0" cy="0"/>
+        </a:xfrm>
+      </p:grpSpPr>
+      <p:sp>
+        <p:nvSpPr>
+          <p:cNvPr id="2" name="Espace réservé de l'image des diapositives 1"/>
+          <p:cNvSpPr>
+            <a:spLocks noGrp="1" noRot="1" noChangeAspect="1"/>
+          </p:cNvSpPr>
+          <p:nvPr>
+            <p:ph type="sldImg"/>
+          </p:nvPr>
+        </p:nvSpPr>
+        <p:spPr/>
+      </p:sp>
+      <p:sp>
+        <p:nvSpPr>
+          <p:cNvPr id="3" name="Espace réservé des notes 2"/>
+          <p:cNvSpPr>
+            <a:spLocks noGrp="1"/>
+          </p:cNvSpPr>
+          <p:nvPr>
+            <p:ph type="body" idx="1"/>
+          </p:nvPr>
+        </p:nvSpPr>
+        <p:spPr/>
+        <p:txBody>
+          <a:bodyPr/>
+          <a:lstStyle/>
+          <a:p>
+            <a:endParaRPr lang="fr-FR" dirty="0"/>
+          </a:p>
+        </p:txBody>
+      </p:sp>
+      <p:sp>
+        <p:nvSpPr>
+          <p:cNvPr id="4" name="Espace réservé du numéro de diapositive 3"/>
+          <p:cNvSpPr>
+            <a:spLocks noGrp="1"/>
+          </p:cNvSpPr>
+          <p:nvPr>
+            <p:ph type="sldNum" sz="quarter" idx="5"/>
+          </p:nvPr>
+        </p:nvSpPr>
+        <p:spPr/>
+        <p:txBody>
+          <a:bodyPr/>
+          <a:lstStyle/>
+          <a:p>
+            <a:fld id="{741171B4-A1B5-4DF7-90FF-2BB55EBEAF8E}" type="slidenum">
+              <a:rPr lang="fr-FR" smtClean="0"/>
+              <a:t>18</a:t>
+            </a:fld>
+            <a:endParaRPr lang="fr-FR"/>
+          </a:p>
+        </p:txBody>
+      </p:sp>
+    </p:spTree>
+    <p:extLst>
+      <p:ext uri="{BB962C8B-B14F-4D97-AF65-F5344CB8AC3E}">
+        <p14:creationId xmlns:p14="http://schemas.microsoft.com/office/powerpoint/2010/main" val="3434227743"/>
+      </p:ext>
+    </p:extLst>
+  </p:cSld>
+  <p:clrMapOvr>
+    <a:masterClrMapping/>
+  </p:clrMapOvr>
+</p:notes>
+</file>
+
+<file path=ppt/notesSlides/notesSlide5.xml><?xml version="1.0" encoding="utf-8"?>
+<p:notes xmlns:a="http://schemas.openxmlformats.org/drawingml/2006/main" xmlns:r="http://schemas.openxmlformats.org/officeDocument/2006/relationships" xmlns:p="http://schemas.openxmlformats.org/presentationml/2006/main">
+  <p:cSld>
+    <p:spTree>
+      <p:nvGrpSpPr>
+        <p:cNvPr id="1" name=""/>
+        <p:cNvGrpSpPr/>
+        <p:nvPr/>
+      </p:nvGrpSpPr>
+      <p:grpSpPr>
+        <a:xfrm>
+          <a:off x="0" y="0"/>
+          <a:ext cx="0" cy="0"/>
+          <a:chOff x="0" y="0"/>
+          <a:chExt cx="0" cy="0"/>
+        </a:xfrm>
+      </p:grpSpPr>
+      <p:sp>
+        <p:nvSpPr>
+          <p:cNvPr id="2" name="Espace réservé de l'image des diapositives 1"/>
+          <p:cNvSpPr>
+            <a:spLocks noGrp="1" noRot="1" noChangeAspect="1"/>
+          </p:cNvSpPr>
+          <p:nvPr>
+            <p:ph type="sldImg"/>
+          </p:nvPr>
+        </p:nvSpPr>
+        <p:spPr/>
+      </p:sp>
+      <p:sp>
+        <p:nvSpPr>
+          <p:cNvPr id="3" name="Espace réservé des notes 2"/>
+          <p:cNvSpPr>
+            <a:spLocks noGrp="1"/>
+          </p:cNvSpPr>
+          <p:nvPr>
+            <p:ph type="body" idx="1"/>
+          </p:nvPr>
+        </p:nvSpPr>
+        <p:spPr/>
+        <p:txBody>
+          <a:bodyPr/>
+          <a:lstStyle/>
+          <a:p>
+            <a:endParaRPr lang="fr-FR" dirty="0"/>
+          </a:p>
+        </p:txBody>
+      </p:sp>
+      <p:sp>
+        <p:nvSpPr>
+          <p:cNvPr id="4" name="Espace réservé du numéro de diapositive 3"/>
+          <p:cNvSpPr>
+            <a:spLocks noGrp="1"/>
+          </p:cNvSpPr>
+          <p:nvPr>
+            <p:ph type="sldNum" sz="quarter" idx="5"/>
+          </p:nvPr>
+        </p:nvSpPr>
+        <p:spPr/>
+        <p:txBody>
+          <a:bodyPr/>
+          <a:lstStyle/>
+          <a:p>
+            <a:fld id="{741171B4-A1B5-4DF7-90FF-2BB55EBEAF8E}" type="slidenum">
+              <a:rPr lang="fr-FR" smtClean="0"/>
+              <a:t>19</a:t>
+            </a:fld>
+            <a:endParaRPr lang="fr-FR"/>
+          </a:p>
+        </p:txBody>
+      </p:sp>
+    </p:spTree>
+    <p:extLst>
+      <p:ext uri="{BB962C8B-B14F-4D97-AF65-F5344CB8AC3E}">
+        <p14:creationId xmlns:p14="http://schemas.microsoft.com/office/powerpoint/2010/main" val="3274154345"/>
       </p:ext>
     </p:extLst>
   </p:cSld>
@@ -9974,6 +9924,1326 @@
 <file path=ppt/slides/slide18.xml><?xml version="1.0" encoding="utf-8"?>
 <p:sld xmlns:a="http://schemas.openxmlformats.org/drawingml/2006/main" xmlns:r="http://schemas.openxmlformats.org/officeDocument/2006/relationships" xmlns:p="http://schemas.openxmlformats.org/presentationml/2006/main">
   <p:cSld>
+    <p:spTree>
+      <p:nvGrpSpPr>
+        <p:cNvPr id="1" name=""/>
+        <p:cNvGrpSpPr/>
+        <p:nvPr/>
+      </p:nvGrpSpPr>
+      <p:grpSpPr>
+        <a:xfrm>
+          <a:off x="0" y="0"/>
+          <a:ext cx="0" cy="0"/>
+          <a:chOff x="0" y="0"/>
+          <a:chExt cx="0" cy="0"/>
+        </a:xfrm>
+      </p:grpSpPr>
+      <p:sp>
+        <p:nvSpPr>
+          <p:cNvPr id="181" name="CustomShape 1"/>
+          <p:cNvSpPr/>
+          <p:nvPr/>
+        </p:nvSpPr>
+        <p:spPr>
+          <a:xfrm>
+            <a:off x="0" y="1360800"/>
+            <a:ext cx="12191760" cy="5496840"/>
+          </a:xfrm>
+          <a:prstGeom prst="rect">
+            <a:avLst/>
+          </a:prstGeom>
+          <a:gradFill rotWithShape="0">
+            <a:gsLst>
+              <a:gs pos="0">
+                <a:srgbClr val="3965B5"/>
+              </a:gs>
+              <a:gs pos="100000">
+                <a:srgbClr val="3965B5"/>
+              </a:gs>
+            </a:gsLst>
+            <a:lin ang="4200000"/>
+          </a:gradFill>
+          <a:ln>
+            <a:noFill/>
+          </a:ln>
+        </p:spPr>
+        <p:style>
+          <a:lnRef idx="2">
+            <a:schemeClr val="accent1">
+              <a:shade val="50000"/>
+            </a:schemeClr>
+          </a:lnRef>
+          <a:fillRef idx="1">
+            <a:schemeClr val="accent1"/>
+          </a:fillRef>
+          <a:effectRef idx="0">
+            <a:schemeClr val="accent1"/>
+          </a:effectRef>
+          <a:fontRef idx="minor"/>
+        </p:style>
+      </p:sp>
+      <p:grpSp>
+        <p:nvGrpSpPr>
+          <p:cNvPr id="182" name="Group 2"/>
+          <p:cNvGrpSpPr/>
+          <p:nvPr/>
+        </p:nvGrpSpPr>
+        <p:grpSpPr>
+          <a:xfrm>
+            <a:off x="0" y="360"/>
+            <a:ext cx="12191760" cy="3048840"/>
+            <a:chOff x="0" y="360"/>
+            <a:chExt cx="12191760" cy="3048840"/>
+          </a:xfrm>
+        </p:grpSpPr>
+        <p:pic>
+          <p:nvPicPr>
+            <p:cNvPr id="183" name="Picture 10"/>
+            <p:cNvPicPr/>
+            <p:nvPr/>
+          </p:nvPicPr>
+          <p:blipFill>
+            <a:blip r:embed="rId3"/>
+            <a:srcRect t="45717" b="9819"/>
+            <a:stretch/>
+          </p:blipFill>
+          <p:spPr>
+            <a:xfrm rot="10800000" flipH="1">
+              <a:off x="0" y="0"/>
+              <a:ext cx="12191760" cy="3048840"/>
+            </a:xfrm>
+            <a:prstGeom prst="rect">
+              <a:avLst/>
+            </a:prstGeom>
+            <a:ln w="0">
+              <a:noFill/>
+            </a:ln>
+          </p:spPr>
+        </p:pic>
+        <p:sp>
+          <p:nvSpPr>
+            <p:cNvPr id="184" name="CustomShape 3"/>
+            <p:cNvSpPr/>
+            <p:nvPr/>
+          </p:nvSpPr>
+          <p:spPr>
+            <a:xfrm flipV="1">
+              <a:off x="2067480" y="1076400"/>
+              <a:ext cx="373320" cy="405000"/>
+            </a:xfrm>
+            <a:prstGeom prst="ellipse">
+              <a:avLst/>
+            </a:prstGeom>
+            <a:solidFill>
+              <a:srgbClr val="FFFFFF"/>
+            </a:solidFill>
+            <a:ln>
+              <a:noFill/>
+            </a:ln>
+          </p:spPr>
+          <p:style>
+            <a:lnRef idx="2">
+              <a:schemeClr val="accent1">
+                <a:shade val="50000"/>
+              </a:schemeClr>
+            </a:lnRef>
+            <a:fillRef idx="1">
+              <a:schemeClr val="accent1"/>
+            </a:fillRef>
+            <a:effectRef idx="0">
+              <a:schemeClr val="accent1"/>
+            </a:effectRef>
+            <a:fontRef idx="minor"/>
+          </p:style>
+        </p:sp>
+      </p:grpSp>
+      <p:sp>
+        <p:nvSpPr>
+          <p:cNvPr id="185" name="TextShape 4"/>
+          <p:cNvSpPr txBox="1"/>
+          <p:nvPr/>
+        </p:nvSpPr>
+        <p:spPr>
+          <a:xfrm>
+            <a:off x="1179360" y="448200"/>
+            <a:ext cx="9833040" cy="1066320"/>
+          </a:xfrm>
+          <a:prstGeom prst="rect">
+            <a:avLst/>
+          </a:prstGeom>
+          <a:noFill/>
+          <a:ln w="0">
+            <a:noFill/>
+          </a:ln>
+        </p:spPr>
+        <p:txBody>
+          <a:bodyPr anchor="ctr">
+            <a:normAutofit/>
+          </a:bodyPr>
+          <a:lstStyle/>
+          <a:p>
+            <a:pPr>
+              <a:lnSpc>
+                <a:spcPct val="90000"/>
+              </a:lnSpc>
+            </a:pPr>
+            <a:r>
+              <a:rPr lang="fr-FR" sz="4000" b="0" strike="noStrike" spc="-1" dirty="0">
+                <a:solidFill>
+                  <a:srgbClr val="3F3F3F"/>
+                </a:solidFill>
+                <a:latin typeface="Calibri Light"/>
+              </a:rPr>
+              <a:t>VII</a:t>
+            </a:r>
+            <a:r>
+              <a:rPr lang="fr-FR" sz="4000" b="0" strike="noStrike" spc="-1" dirty="0">
+                <a:solidFill>
+                  <a:srgbClr val="000000"/>
+                </a:solidFill>
+                <a:latin typeface="Calibri Light"/>
+              </a:rPr>
+              <a:t>. Capteurs SHELLY/ MQTT</a:t>
+            </a:r>
+            <a:endParaRPr lang="fr-FR" sz="4000" b="0" strike="noStrike" spc="-1" dirty="0">
+              <a:solidFill>
+                <a:srgbClr val="000000"/>
+              </a:solidFill>
+              <a:latin typeface="Calibri"/>
+            </a:endParaRPr>
+          </a:p>
+        </p:txBody>
+      </p:sp>
+      <p:sp>
+        <p:nvSpPr>
+          <p:cNvPr id="186" name="TextShape 5"/>
+          <p:cNvSpPr txBox="1"/>
+          <p:nvPr/>
+        </p:nvSpPr>
+        <p:spPr>
+          <a:xfrm>
+            <a:off x="838080" y="6356520"/>
+            <a:ext cx="2742840" cy="364680"/>
+          </a:xfrm>
+          <a:prstGeom prst="rect">
+            <a:avLst/>
+          </a:prstGeom>
+          <a:noFill/>
+          <a:ln w="0">
+            <a:noFill/>
+          </a:ln>
+        </p:spPr>
+        <p:txBody>
+          <a:bodyPr anchor="ctr">
+            <a:noAutofit/>
+          </a:bodyPr>
+          <a:lstStyle/>
+          <a:p>
+            <a:pPr>
+              <a:lnSpc>
+                <a:spcPct val="100000"/>
+              </a:lnSpc>
+            </a:pPr>
+            <a:r>
+              <a:rPr lang="fr-FR" sz="1200" b="0" strike="noStrike" spc="-1">
+                <a:solidFill>
+                  <a:srgbClr val="FFFFFF"/>
+                </a:solidFill>
+                <a:latin typeface="Calibri"/>
+              </a:rPr>
+              <a:t>LP IOTIA</a:t>
+            </a:r>
+            <a:endParaRPr lang="fr-FR" sz="1200" b="0" strike="noStrike" spc="-1">
+              <a:latin typeface="Times New Roman"/>
+            </a:endParaRPr>
+          </a:p>
+        </p:txBody>
+      </p:sp>
+      <p:sp>
+        <p:nvSpPr>
+          <p:cNvPr id="187" name="TextShape 6"/>
+          <p:cNvSpPr txBox="1"/>
+          <p:nvPr/>
+        </p:nvSpPr>
+        <p:spPr>
+          <a:xfrm>
+            <a:off x="8610480" y="6356520"/>
+            <a:ext cx="2742840" cy="364680"/>
+          </a:xfrm>
+          <a:prstGeom prst="rect">
+            <a:avLst/>
+          </a:prstGeom>
+          <a:noFill/>
+          <a:ln w="0">
+            <a:noFill/>
+          </a:ln>
+        </p:spPr>
+        <p:txBody>
+          <a:bodyPr anchor="ctr">
+            <a:noAutofit/>
+          </a:bodyPr>
+          <a:lstStyle/>
+          <a:p>
+            <a:pPr algn="r">
+              <a:lnSpc>
+                <a:spcPct val="100000"/>
+              </a:lnSpc>
+            </a:pPr>
+            <a:fld id="{4EEB78DF-1CA5-4DDE-9F83-E1EB083DBE30}" type="slidenum">
+              <a:rPr lang="fr-FR" sz="1200" b="0" strike="noStrike" spc="-1">
+                <a:solidFill>
+                  <a:srgbClr val="FFFFFF"/>
+                </a:solidFill>
+                <a:latin typeface="Calibri"/>
+              </a:rPr>
+              <a:t>18</a:t>
+            </a:fld>
+            <a:endParaRPr lang="fr-FR" sz="1200" b="0" strike="noStrike" spc="-1">
+              <a:latin typeface="Times New Roman"/>
+            </a:endParaRPr>
+          </a:p>
+        </p:txBody>
+      </p:sp>
+      <p:pic>
+        <p:nvPicPr>
+          <p:cNvPr id="5" name="Image 4">
+            <a:extLst>
+              <a:ext uri="{FF2B5EF4-FFF2-40B4-BE49-F238E27FC236}">
+                <a16:creationId xmlns:a16="http://schemas.microsoft.com/office/drawing/2014/main" id="{EC83981A-57FF-49EC-814D-7EA42BC4EC93}"/>
+              </a:ext>
+            </a:extLst>
+          </p:cNvPr>
+          <p:cNvPicPr>
+            <a:picLocks noChangeAspect="1"/>
+          </p:cNvPicPr>
+          <p:nvPr/>
+        </p:nvPicPr>
+        <p:blipFill>
+          <a:blip r:embed="rId4"/>
+          <a:stretch>
+            <a:fillRect/>
+          </a:stretch>
+        </p:blipFill>
+        <p:spPr>
+          <a:xfrm>
+            <a:off x="360783" y="2875321"/>
+            <a:ext cx="5057775" cy="2857500"/>
+          </a:xfrm>
+          <a:prstGeom prst="rect">
+            <a:avLst/>
+          </a:prstGeom>
+        </p:spPr>
+      </p:pic>
+      <p:pic>
+        <p:nvPicPr>
+          <p:cNvPr id="7" name="Image 6">
+            <a:extLst>
+              <a:ext uri="{FF2B5EF4-FFF2-40B4-BE49-F238E27FC236}">
+                <a16:creationId xmlns:a16="http://schemas.microsoft.com/office/drawing/2014/main" id="{24A6A234-811D-4CD0-B041-3BB101EA4F8A}"/>
+              </a:ext>
+            </a:extLst>
+          </p:cNvPr>
+          <p:cNvPicPr>
+            <a:picLocks noChangeAspect="1"/>
+          </p:cNvPicPr>
+          <p:nvPr/>
+        </p:nvPicPr>
+        <p:blipFill>
+          <a:blip r:embed="rId5"/>
+          <a:stretch>
+            <a:fillRect/>
+          </a:stretch>
+        </p:blipFill>
+        <p:spPr>
+          <a:xfrm>
+            <a:off x="7552400" y="2818620"/>
+            <a:ext cx="3180990" cy="2857499"/>
+          </a:xfrm>
+          <a:prstGeom prst="rect">
+            <a:avLst/>
+          </a:prstGeom>
+        </p:spPr>
+      </p:pic>
+    </p:spTree>
+    <p:extLst>
+      <p:ext uri="{BB962C8B-B14F-4D97-AF65-F5344CB8AC3E}">
+        <p14:creationId xmlns:p14="http://schemas.microsoft.com/office/powerpoint/2010/main" val="4208110205"/>
+      </p:ext>
+    </p:extLst>
+  </p:cSld>
+  <p:clrMapOvr>
+    <a:masterClrMapping/>
+  </p:clrMapOvr>
+</p:sld>
+</file>
+
+<file path=ppt/slides/slide19.xml><?xml version="1.0" encoding="utf-8"?>
+<p:sld xmlns:a="http://schemas.openxmlformats.org/drawingml/2006/main" xmlns:r="http://schemas.openxmlformats.org/officeDocument/2006/relationships" xmlns:p="http://schemas.openxmlformats.org/presentationml/2006/main">
+  <p:cSld>
+    <p:spTree>
+      <p:nvGrpSpPr>
+        <p:cNvPr id="1" name=""/>
+        <p:cNvGrpSpPr/>
+        <p:nvPr/>
+      </p:nvGrpSpPr>
+      <p:grpSpPr>
+        <a:xfrm>
+          <a:off x="0" y="0"/>
+          <a:ext cx="0" cy="0"/>
+          <a:chOff x="0" y="0"/>
+          <a:chExt cx="0" cy="0"/>
+        </a:xfrm>
+      </p:grpSpPr>
+      <p:sp>
+        <p:nvSpPr>
+          <p:cNvPr id="181" name="CustomShape 1"/>
+          <p:cNvSpPr/>
+          <p:nvPr/>
+        </p:nvSpPr>
+        <p:spPr>
+          <a:xfrm>
+            <a:off x="240" y="1360800"/>
+            <a:ext cx="12191760" cy="5496840"/>
+          </a:xfrm>
+          <a:prstGeom prst="rect">
+            <a:avLst/>
+          </a:prstGeom>
+          <a:gradFill rotWithShape="0">
+            <a:gsLst>
+              <a:gs pos="0">
+                <a:srgbClr val="3965B5"/>
+              </a:gs>
+              <a:gs pos="100000">
+                <a:srgbClr val="3965B5"/>
+              </a:gs>
+            </a:gsLst>
+            <a:lin ang="4200000"/>
+          </a:gradFill>
+          <a:ln>
+            <a:noFill/>
+          </a:ln>
+        </p:spPr>
+        <p:style>
+          <a:lnRef idx="2">
+            <a:schemeClr val="accent1">
+              <a:shade val="50000"/>
+            </a:schemeClr>
+          </a:lnRef>
+          <a:fillRef idx="1">
+            <a:schemeClr val="accent1"/>
+          </a:fillRef>
+          <a:effectRef idx="0">
+            <a:schemeClr val="accent1"/>
+          </a:effectRef>
+          <a:fontRef idx="minor"/>
+        </p:style>
+      </p:sp>
+      <p:grpSp>
+        <p:nvGrpSpPr>
+          <p:cNvPr id="182" name="Group 2"/>
+          <p:cNvGrpSpPr/>
+          <p:nvPr/>
+        </p:nvGrpSpPr>
+        <p:grpSpPr>
+          <a:xfrm>
+            <a:off x="0" y="360"/>
+            <a:ext cx="12191760" cy="3048840"/>
+            <a:chOff x="0" y="360"/>
+            <a:chExt cx="12191760" cy="3048840"/>
+          </a:xfrm>
+        </p:grpSpPr>
+        <p:pic>
+          <p:nvPicPr>
+            <p:cNvPr id="183" name="Picture 10"/>
+            <p:cNvPicPr/>
+            <p:nvPr/>
+          </p:nvPicPr>
+          <p:blipFill>
+            <a:blip r:embed="rId3"/>
+            <a:srcRect t="45717" b="9819"/>
+            <a:stretch/>
+          </p:blipFill>
+          <p:spPr>
+            <a:xfrm rot="10800000" flipH="1">
+              <a:off x="0" y="0"/>
+              <a:ext cx="12191760" cy="3048840"/>
+            </a:xfrm>
+            <a:prstGeom prst="rect">
+              <a:avLst/>
+            </a:prstGeom>
+            <a:ln w="0">
+              <a:noFill/>
+            </a:ln>
+          </p:spPr>
+        </p:pic>
+        <p:sp>
+          <p:nvSpPr>
+            <p:cNvPr id="184" name="CustomShape 3"/>
+            <p:cNvSpPr/>
+            <p:nvPr/>
+          </p:nvSpPr>
+          <p:spPr>
+            <a:xfrm flipV="1">
+              <a:off x="2067480" y="1076400"/>
+              <a:ext cx="373320" cy="405000"/>
+            </a:xfrm>
+            <a:prstGeom prst="ellipse">
+              <a:avLst/>
+            </a:prstGeom>
+            <a:solidFill>
+              <a:srgbClr val="FFFFFF"/>
+            </a:solidFill>
+            <a:ln>
+              <a:noFill/>
+            </a:ln>
+          </p:spPr>
+          <p:style>
+            <a:lnRef idx="2">
+              <a:schemeClr val="accent1">
+                <a:shade val="50000"/>
+              </a:schemeClr>
+            </a:lnRef>
+            <a:fillRef idx="1">
+              <a:schemeClr val="accent1"/>
+            </a:fillRef>
+            <a:effectRef idx="0">
+              <a:schemeClr val="accent1"/>
+            </a:effectRef>
+            <a:fontRef idx="minor"/>
+          </p:style>
+        </p:sp>
+      </p:grpSp>
+      <p:sp>
+        <p:nvSpPr>
+          <p:cNvPr id="185" name="TextShape 4"/>
+          <p:cNvSpPr txBox="1"/>
+          <p:nvPr/>
+        </p:nvSpPr>
+        <p:spPr>
+          <a:xfrm>
+            <a:off x="1179360" y="448200"/>
+            <a:ext cx="9833040" cy="1066320"/>
+          </a:xfrm>
+          <a:prstGeom prst="rect">
+            <a:avLst/>
+          </a:prstGeom>
+          <a:noFill/>
+          <a:ln w="0">
+            <a:noFill/>
+          </a:ln>
+        </p:spPr>
+        <p:txBody>
+          <a:bodyPr anchor="ctr">
+            <a:normAutofit/>
+          </a:bodyPr>
+          <a:lstStyle/>
+          <a:p>
+            <a:pPr>
+              <a:lnSpc>
+                <a:spcPct val="90000"/>
+              </a:lnSpc>
+            </a:pPr>
+            <a:r>
+              <a:rPr lang="fr-FR" sz="4000" b="0" strike="noStrike" spc="-1" dirty="0">
+                <a:solidFill>
+                  <a:srgbClr val="3F3F3F"/>
+                </a:solidFill>
+                <a:latin typeface="Calibri Light"/>
+              </a:rPr>
+              <a:t>VII</a:t>
+            </a:r>
+            <a:r>
+              <a:rPr lang="fr-FR" sz="4000" b="0" strike="noStrike" spc="-1" dirty="0">
+                <a:solidFill>
+                  <a:srgbClr val="000000"/>
+                </a:solidFill>
+                <a:latin typeface="Calibri Light"/>
+              </a:rPr>
+              <a:t>. Panneaux solaires / </a:t>
+            </a:r>
+            <a:r>
+              <a:rPr lang="fr-FR" sz="4000" b="0" i="0" dirty="0">
+                <a:solidFill>
+                  <a:srgbClr val="202124"/>
+                </a:solidFill>
+                <a:effectLst/>
+                <a:latin typeface="Calibri Light" panose="020F0302020204030204" pitchFamily="34" charset="0"/>
+                <a:cs typeface="Calibri Light" panose="020F0302020204030204" pitchFamily="34" charset="0"/>
+              </a:rPr>
+              <a:t>écoresponsabilité</a:t>
+            </a:r>
+            <a:endParaRPr lang="fr-FR" sz="4000" b="0" strike="noStrike" spc="-1" dirty="0">
+              <a:solidFill>
+                <a:srgbClr val="000000"/>
+              </a:solidFill>
+              <a:latin typeface="Calibri Light" panose="020F0302020204030204" pitchFamily="34" charset="0"/>
+              <a:cs typeface="Calibri Light" panose="020F0302020204030204" pitchFamily="34" charset="0"/>
+            </a:endParaRPr>
+          </a:p>
+        </p:txBody>
+      </p:sp>
+      <p:sp>
+        <p:nvSpPr>
+          <p:cNvPr id="186" name="TextShape 5"/>
+          <p:cNvSpPr txBox="1"/>
+          <p:nvPr/>
+        </p:nvSpPr>
+        <p:spPr>
+          <a:xfrm>
+            <a:off x="838080" y="6356520"/>
+            <a:ext cx="2742840" cy="364680"/>
+          </a:xfrm>
+          <a:prstGeom prst="rect">
+            <a:avLst/>
+          </a:prstGeom>
+          <a:noFill/>
+          <a:ln w="0">
+            <a:noFill/>
+          </a:ln>
+        </p:spPr>
+        <p:txBody>
+          <a:bodyPr anchor="ctr">
+            <a:noAutofit/>
+          </a:bodyPr>
+          <a:lstStyle/>
+          <a:p>
+            <a:pPr>
+              <a:lnSpc>
+                <a:spcPct val="100000"/>
+              </a:lnSpc>
+            </a:pPr>
+            <a:r>
+              <a:rPr lang="fr-FR" sz="1200" b="0" strike="noStrike" spc="-1">
+                <a:solidFill>
+                  <a:srgbClr val="FFFFFF"/>
+                </a:solidFill>
+                <a:latin typeface="Calibri"/>
+              </a:rPr>
+              <a:t>LP IOTIA</a:t>
+            </a:r>
+            <a:endParaRPr lang="fr-FR" sz="1200" b="0" strike="noStrike" spc="-1">
+              <a:latin typeface="Times New Roman"/>
+            </a:endParaRPr>
+          </a:p>
+        </p:txBody>
+      </p:sp>
+      <p:sp>
+        <p:nvSpPr>
+          <p:cNvPr id="187" name="TextShape 6"/>
+          <p:cNvSpPr txBox="1"/>
+          <p:nvPr/>
+        </p:nvSpPr>
+        <p:spPr>
+          <a:xfrm>
+            <a:off x="8610480" y="6356520"/>
+            <a:ext cx="2742840" cy="364680"/>
+          </a:xfrm>
+          <a:prstGeom prst="rect">
+            <a:avLst/>
+          </a:prstGeom>
+          <a:noFill/>
+          <a:ln w="0">
+            <a:noFill/>
+          </a:ln>
+        </p:spPr>
+        <p:txBody>
+          <a:bodyPr anchor="ctr">
+            <a:noAutofit/>
+          </a:bodyPr>
+          <a:lstStyle/>
+          <a:p>
+            <a:pPr algn="r">
+              <a:lnSpc>
+                <a:spcPct val="100000"/>
+              </a:lnSpc>
+            </a:pPr>
+            <a:fld id="{4EEB78DF-1CA5-4DDE-9F83-E1EB083DBE30}" type="slidenum">
+              <a:rPr lang="fr-FR" sz="1200" b="0" strike="noStrike" spc="-1">
+                <a:solidFill>
+                  <a:srgbClr val="FFFFFF"/>
+                </a:solidFill>
+                <a:latin typeface="Calibri"/>
+              </a:rPr>
+              <a:t>19</a:t>
+            </a:fld>
+            <a:endParaRPr lang="fr-FR" sz="1200" b="0" strike="noStrike" spc="-1">
+              <a:latin typeface="Times New Roman"/>
+            </a:endParaRPr>
+          </a:p>
+        </p:txBody>
+      </p:sp>
+      <p:pic>
+        <p:nvPicPr>
+          <p:cNvPr id="1028" name="Picture 4" descr="Devis pose Forum onduleur photovoltaique efficace - Giseh2018">
+            <a:extLst>
+              <a:ext uri="{FF2B5EF4-FFF2-40B4-BE49-F238E27FC236}">
+                <a16:creationId xmlns:a16="http://schemas.microsoft.com/office/drawing/2014/main" id="{344700E4-0682-4878-AEAE-330EC2B31F20}"/>
+              </a:ext>
+            </a:extLst>
+          </p:cNvPr>
+          <p:cNvPicPr>
+            <a:picLocks noChangeAspect="1" noChangeArrowheads="1"/>
+          </p:cNvPicPr>
+          <p:nvPr/>
+        </p:nvPicPr>
+        <p:blipFill>
+          <a:blip r:embed="rId4">
+            <a:extLst>
+              <a:ext uri="{28A0092B-C50C-407E-A947-70E740481C1C}">
+                <a14:useLocalDpi xmlns:a14="http://schemas.microsoft.com/office/drawing/2010/main" val="0"/>
+              </a:ext>
+            </a:extLst>
+          </a:blip>
+          <a:srcRect/>
+          <a:stretch>
+            <a:fillRect/>
+          </a:stretch>
+        </p:blipFill>
+        <p:spPr bwMode="auto">
+          <a:xfrm>
+            <a:off x="337124" y="3076612"/>
+            <a:ext cx="4876800" cy="3352800"/>
+          </a:xfrm>
+          <a:prstGeom prst="rect">
+            <a:avLst/>
+          </a:prstGeom>
+          <a:noFill/>
+          <a:extLst>
+            <a:ext uri="{909E8E84-426E-40DD-AFC4-6F175D3DCCD1}">
+              <a14:hiddenFill xmlns:a14="http://schemas.microsoft.com/office/drawing/2010/main">
+                <a:solidFill>
+                  <a:srgbClr val="FFFFFF"/>
+                </a:solidFill>
+              </a14:hiddenFill>
+            </a:ext>
+          </a:extLst>
+        </p:spPr>
+      </p:pic>
+      <p:pic>
+        <p:nvPicPr>
+          <p:cNvPr id="1030" name="Picture 6" descr="CSI et l'environnement, éco-responsabilité et développement durable">
+            <a:extLst>
+              <a:ext uri="{FF2B5EF4-FFF2-40B4-BE49-F238E27FC236}">
+                <a16:creationId xmlns:a16="http://schemas.microsoft.com/office/drawing/2014/main" id="{B81E6EA2-5F13-4D64-B19F-8F5D4E6CD8C7}"/>
+              </a:ext>
+            </a:extLst>
+          </p:cNvPr>
+          <p:cNvPicPr>
+            <a:picLocks noChangeAspect="1" noChangeArrowheads="1"/>
+          </p:cNvPicPr>
+          <p:nvPr/>
+        </p:nvPicPr>
+        <p:blipFill>
+          <a:blip r:embed="rId5">
+            <a:extLst>
+              <a:ext uri="{28A0092B-C50C-407E-A947-70E740481C1C}">
+                <a14:useLocalDpi xmlns:a14="http://schemas.microsoft.com/office/drawing/2010/main" val="0"/>
+              </a:ext>
+            </a:extLst>
+          </a:blip>
+          <a:srcRect/>
+          <a:stretch>
+            <a:fillRect/>
+          </a:stretch>
+        </p:blipFill>
+        <p:spPr bwMode="auto">
+          <a:xfrm>
+            <a:off x="6977476" y="3048841"/>
+            <a:ext cx="3417218" cy="3407370"/>
+          </a:xfrm>
+          <a:prstGeom prst="rect">
+            <a:avLst/>
+          </a:prstGeom>
+          <a:noFill/>
+          <a:extLst>
+            <a:ext uri="{909E8E84-426E-40DD-AFC4-6F175D3DCCD1}">
+              <a14:hiddenFill xmlns:a14="http://schemas.microsoft.com/office/drawing/2010/main">
+                <a:solidFill>
+                  <a:srgbClr val="FFFFFF"/>
+                </a:solidFill>
+              </a14:hiddenFill>
+            </a:ext>
+          </a:extLst>
+        </p:spPr>
+      </p:pic>
+    </p:spTree>
+    <p:extLst>
+      <p:ext uri="{BB962C8B-B14F-4D97-AF65-F5344CB8AC3E}">
+        <p14:creationId xmlns:p14="http://schemas.microsoft.com/office/powerpoint/2010/main" val="2442456464"/>
+      </p:ext>
+    </p:extLst>
+  </p:cSld>
+  <p:clrMapOvr>
+    <a:masterClrMapping/>
+  </p:clrMapOvr>
+</p:sld>
+</file>
+
+<file path=ppt/slides/slide2.xml><?xml version="1.0" encoding="utf-8"?>
+<p:sld xmlns:a="http://schemas.openxmlformats.org/drawingml/2006/main" xmlns:r="http://schemas.openxmlformats.org/officeDocument/2006/relationships" xmlns:p="http://schemas.openxmlformats.org/presentationml/2006/main">
+  <p:cSld>
+    <p:bg>
+      <p:bgPr>
+        <a:solidFill>
+          <a:srgbClr val="000000"/>
+        </a:solidFill>
+        <a:effectLst/>
+      </p:bgPr>
+    </p:bg>
+    <p:spTree>
+      <p:nvGrpSpPr>
+        <p:cNvPr id="1" name=""/>
+        <p:cNvGrpSpPr/>
+        <p:nvPr/>
+      </p:nvGrpSpPr>
+      <p:grpSpPr>
+        <a:xfrm>
+          <a:off x="0" y="0"/>
+          <a:ext cx="0" cy="0"/>
+          <a:chOff x="0" y="0"/>
+          <a:chExt cx="0" cy="0"/>
+        </a:xfrm>
+      </p:grpSpPr>
+      <p:sp>
+        <p:nvSpPr>
+          <p:cNvPr id="88" name="CustomShape 1"/>
+          <p:cNvSpPr/>
+          <p:nvPr/>
+        </p:nvSpPr>
+        <p:spPr>
+          <a:xfrm>
+            <a:off x="0" y="1360800"/>
+            <a:ext cx="12191760" cy="5496840"/>
+          </a:xfrm>
+          <a:prstGeom prst="rect">
+            <a:avLst/>
+          </a:prstGeom>
+          <a:gradFill rotWithShape="0">
+            <a:gsLst>
+              <a:gs pos="0">
+                <a:srgbClr val="3965B5"/>
+              </a:gs>
+              <a:gs pos="100000">
+                <a:srgbClr val="3965B5"/>
+              </a:gs>
+            </a:gsLst>
+            <a:lin ang="4200000"/>
+          </a:gradFill>
+          <a:ln>
+            <a:noFill/>
+          </a:ln>
+        </p:spPr>
+        <p:style>
+          <a:lnRef idx="2">
+            <a:schemeClr val="accent1">
+              <a:shade val="50000"/>
+            </a:schemeClr>
+          </a:lnRef>
+          <a:fillRef idx="1">
+            <a:schemeClr val="accent1"/>
+          </a:fillRef>
+          <a:effectRef idx="0">
+            <a:schemeClr val="accent1"/>
+          </a:effectRef>
+          <a:fontRef idx="minor"/>
+        </p:style>
+      </p:sp>
+      <p:grpSp>
+        <p:nvGrpSpPr>
+          <p:cNvPr id="89" name="Group 2"/>
+          <p:cNvGrpSpPr/>
+          <p:nvPr/>
+        </p:nvGrpSpPr>
+        <p:grpSpPr>
+          <a:xfrm>
+            <a:off x="0" y="360"/>
+            <a:ext cx="12191760" cy="3048840"/>
+            <a:chOff x="0" y="360"/>
+            <a:chExt cx="12191760" cy="3048840"/>
+          </a:xfrm>
+        </p:grpSpPr>
+        <p:pic>
+          <p:nvPicPr>
+            <p:cNvPr id="90" name="Picture 10"/>
+            <p:cNvPicPr/>
+            <p:nvPr/>
+          </p:nvPicPr>
+          <p:blipFill>
+            <a:blip r:embed="rId2"/>
+            <a:srcRect t="45717" b="9819"/>
+            <a:stretch/>
+          </p:blipFill>
+          <p:spPr>
+            <a:xfrm rot="10800000" flipH="1">
+              <a:off x="0" y="0"/>
+              <a:ext cx="12191760" cy="3048840"/>
+            </a:xfrm>
+            <a:prstGeom prst="rect">
+              <a:avLst/>
+            </a:prstGeom>
+            <a:ln w="0">
+              <a:noFill/>
+            </a:ln>
+          </p:spPr>
+        </p:pic>
+        <p:sp>
+          <p:nvSpPr>
+            <p:cNvPr id="91" name="CustomShape 3"/>
+            <p:cNvSpPr/>
+            <p:nvPr/>
+          </p:nvSpPr>
+          <p:spPr>
+            <a:xfrm flipV="1">
+              <a:off x="2067480" y="1076400"/>
+              <a:ext cx="373320" cy="405000"/>
+            </a:xfrm>
+            <a:prstGeom prst="ellipse">
+              <a:avLst/>
+            </a:prstGeom>
+            <a:solidFill>
+              <a:srgbClr val="FFFFFF"/>
+            </a:solidFill>
+            <a:ln>
+              <a:noFill/>
+            </a:ln>
+          </p:spPr>
+          <p:style>
+            <a:lnRef idx="2">
+              <a:schemeClr val="accent1">
+                <a:shade val="50000"/>
+              </a:schemeClr>
+            </a:lnRef>
+            <a:fillRef idx="1">
+              <a:schemeClr val="accent1"/>
+            </a:fillRef>
+            <a:effectRef idx="0">
+              <a:schemeClr val="accent1"/>
+            </a:effectRef>
+            <a:fontRef idx="minor"/>
+          </p:style>
+        </p:sp>
+      </p:grpSp>
+      <p:sp>
+        <p:nvSpPr>
+          <p:cNvPr id="92" name="TextShape 4"/>
+          <p:cNvSpPr txBox="1"/>
+          <p:nvPr/>
+        </p:nvSpPr>
+        <p:spPr>
+          <a:xfrm>
+            <a:off x="1179360" y="448200"/>
+            <a:ext cx="9833040" cy="1066320"/>
+          </a:xfrm>
+          <a:prstGeom prst="rect">
+            <a:avLst/>
+          </a:prstGeom>
+          <a:noFill/>
+          <a:ln w="0">
+            <a:noFill/>
+          </a:ln>
+        </p:spPr>
+        <p:txBody>
+          <a:bodyPr anchor="ctr">
+            <a:normAutofit/>
+          </a:bodyPr>
+          <a:lstStyle/>
+          <a:p>
+            <a:pPr>
+              <a:lnSpc>
+                <a:spcPct val="90000"/>
+              </a:lnSpc>
+            </a:pPr>
+            <a:r>
+              <a:rPr lang="fr-FR" sz="4000" b="0" strike="noStrike" spc="-1">
+                <a:solidFill>
+                  <a:srgbClr val="3F3F3F"/>
+                </a:solidFill>
+                <a:latin typeface="Calibri Light"/>
+              </a:rPr>
+              <a:t>Sommaire</a:t>
+            </a:r>
+            <a:endParaRPr lang="fr-FR" sz="4000" b="0" strike="noStrike" spc="-1">
+              <a:solidFill>
+                <a:srgbClr val="000000"/>
+              </a:solidFill>
+              <a:latin typeface="Calibri"/>
+            </a:endParaRPr>
+          </a:p>
+        </p:txBody>
+      </p:sp>
+      <p:sp>
+        <p:nvSpPr>
+          <p:cNvPr id="93" name="TextShape 5"/>
+          <p:cNvSpPr txBox="1"/>
+          <p:nvPr/>
+        </p:nvSpPr>
+        <p:spPr>
+          <a:xfrm>
+            <a:off x="1179360" y="3049200"/>
+            <a:ext cx="9833040" cy="2945160"/>
+          </a:xfrm>
+          <a:prstGeom prst="rect">
+            <a:avLst/>
+          </a:prstGeom>
+          <a:noFill/>
+          <a:ln w="0">
+            <a:noFill/>
+          </a:ln>
+        </p:spPr>
+        <p:txBody>
+          <a:bodyPr anchor="ctr">
+            <a:normAutofit fontScale="92500" lnSpcReduction="20000"/>
+          </a:bodyPr>
+          <a:lstStyle/>
+          <a:p>
+            <a:pPr marL="228600" indent="-228240">
+              <a:lnSpc>
+                <a:spcPct val="90000"/>
+              </a:lnSpc>
+              <a:spcBef>
+                <a:spcPts val="1001"/>
+              </a:spcBef>
+              <a:buClr>
+                <a:srgbClr val="FFFFFF"/>
+              </a:buClr>
+              <a:buFont typeface="Arial"/>
+              <a:buChar char="•"/>
+            </a:pPr>
+            <a:r>
+              <a:rPr lang="fr-FR" sz="2400" b="0" strike="noStrike" spc="-1" dirty="0">
+                <a:solidFill>
+                  <a:srgbClr val="FFFFFF"/>
+                </a:solidFill>
+                <a:latin typeface="Calibri"/>
+              </a:rPr>
+              <a:t>I. Présentation du projet </a:t>
+            </a:r>
+            <a:endParaRPr lang="fr-FR" sz="2400" b="0" strike="noStrike" spc="-1" dirty="0">
+              <a:solidFill>
+                <a:srgbClr val="000000"/>
+              </a:solidFill>
+              <a:latin typeface="Calibri"/>
+            </a:endParaRPr>
+          </a:p>
+          <a:p>
+            <a:pPr marL="228600" indent="-228240">
+              <a:lnSpc>
+                <a:spcPct val="90000"/>
+              </a:lnSpc>
+              <a:spcBef>
+                <a:spcPts val="1001"/>
+              </a:spcBef>
+              <a:buClr>
+                <a:srgbClr val="FFFFFF"/>
+              </a:buClr>
+              <a:buFont typeface="Arial"/>
+              <a:buChar char="•"/>
+            </a:pPr>
+            <a:r>
+              <a:rPr lang="fr-FR" sz="2400" b="0" strike="noStrike" spc="-1" dirty="0">
+                <a:solidFill>
+                  <a:srgbClr val="FFFFFF"/>
+                </a:solidFill>
+                <a:latin typeface="Calibri"/>
+              </a:rPr>
+              <a:t>II. Infra BOX + Gateway</a:t>
+            </a:r>
+            <a:endParaRPr lang="fr-FR" sz="2400" b="0" strike="noStrike" spc="-1" dirty="0">
+              <a:solidFill>
+                <a:srgbClr val="000000"/>
+              </a:solidFill>
+              <a:latin typeface="Calibri"/>
+            </a:endParaRPr>
+          </a:p>
+          <a:p>
+            <a:pPr marL="228600" indent="-228240">
+              <a:lnSpc>
+                <a:spcPct val="90000"/>
+              </a:lnSpc>
+              <a:spcBef>
+                <a:spcPts val="1001"/>
+              </a:spcBef>
+              <a:buClr>
+                <a:srgbClr val="FFFFFF"/>
+              </a:buClr>
+              <a:buFont typeface="Arial"/>
+              <a:buChar char="•"/>
+            </a:pPr>
+            <a:r>
+              <a:rPr lang="fr-FR" sz="2400" b="0" strike="noStrike" spc="-1" dirty="0">
+                <a:solidFill>
+                  <a:srgbClr val="FFFFFF"/>
+                </a:solidFill>
+                <a:latin typeface="Calibri"/>
+              </a:rPr>
+              <a:t>III. Application Mobile</a:t>
+            </a:r>
+            <a:endParaRPr lang="fr-FR" sz="2400" b="0" strike="noStrike" spc="-1" dirty="0">
+              <a:solidFill>
+                <a:srgbClr val="000000"/>
+              </a:solidFill>
+              <a:latin typeface="Calibri"/>
+            </a:endParaRPr>
+          </a:p>
+          <a:p>
+            <a:pPr marL="228600" indent="-228240">
+              <a:lnSpc>
+                <a:spcPct val="90000"/>
+              </a:lnSpc>
+              <a:spcBef>
+                <a:spcPts val="1001"/>
+              </a:spcBef>
+              <a:buClr>
+                <a:srgbClr val="FFFFFF"/>
+              </a:buClr>
+              <a:buFont typeface="Arial"/>
+              <a:buChar char="•"/>
+            </a:pPr>
+            <a:r>
+              <a:rPr lang="fr-FR" sz="2400" b="0" strike="noStrike" spc="-1" dirty="0">
+                <a:solidFill>
+                  <a:srgbClr val="FFFFFF"/>
+                </a:solidFill>
+                <a:latin typeface="Calibri"/>
+              </a:rPr>
+              <a:t>IV. Serveur Web</a:t>
+            </a:r>
+            <a:endParaRPr lang="fr-FR" sz="2400" b="0" strike="noStrike" spc="-1" dirty="0">
+              <a:solidFill>
+                <a:srgbClr val="000000"/>
+              </a:solidFill>
+              <a:latin typeface="Calibri"/>
+            </a:endParaRPr>
+          </a:p>
+          <a:p>
+            <a:pPr marL="228600" indent="-228240">
+              <a:lnSpc>
+                <a:spcPct val="90000"/>
+              </a:lnSpc>
+              <a:spcBef>
+                <a:spcPts val="1001"/>
+              </a:spcBef>
+              <a:buClr>
+                <a:srgbClr val="FFFFFF"/>
+              </a:buClr>
+              <a:buFont typeface="Arial"/>
+              <a:buChar char="•"/>
+            </a:pPr>
+            <a:r>
+              <a:rPr lang="fr-FR" sz="2400" b="0" strike="noStrike" spc="-1" dirty="0">
+                <a:solidFill>
+                  <a:srgbClr val="FFFFFF"/>
+                </a:solidFill>
+                <a:latin typeface="Calibri"/>
+              </a:rPr>
+              <a:t>V. Backend et base de données </a:t>
+            </a:r>
+            <a:endParaRPr lang="fr-FR" sz="2400" b="0" strike="noStrike" spc="-1" dirty="0">
+              <a:solidFill>
+                <a:srgbClr val="000000"/>
+              </a:solidFill>
+              <a:latin typeface="Calibri"/>
+            </a:endParaRPr>
+          </a:p>
+          <a:p>
+            <a:pPr marL="228600" indent="-228240">
+              <a:lnSpc>
+                <a:spcPct val="90000"/>
+              </a:lnSpc>
+              <a:spcBef>
+                <a:spcPts val="1001"/>
+              </a:spcBef>
+              <a:buClr>
+                <a:srgbClr val="FFFFFF"/>
+              </a:buClr>
+              <a:buFont typeface="Arial"/>
+              <a:buChar char="•"/>
+            </a:pPr>
+            <a:r>
+              <a:rPr lang="fr-FR" sz="2400" b="0" strike="noStrike" spc="-1" dirty="0">
+                <a:solidFill>
+                  <a:srgbClr val="FFFFFF"/>
+                </a:solidFill>
+                <a:latin typeface="Calibri"/>
+              </a:rPr>
+              <a:t>VI. Web Service</a:t>
+            </a:r>
+            <a:endParaRPr lang="fr-FR" sz="2400" b="0" strike="noStrike" spc="-1" dirty="0">
+              <a:solidFill>
+                <a:srgbClr val="000000"/>
+              </a:solidFill>
+              <a:latin typeface="Calibri"/>
+            </a:endParaRPr>
+          </a:p>
+          <a:p>
+            <a:pPr marL="228600" indent="-228240">
+              <a:lnSpc>
+                <a:spcPct val="90000"/>
+              </a:lnSpc>
+              <a:spcBef>
+                <a:spcPts val="1001"/>
+              </a:spcBef>
+              <a:buClr>
+                <a:srgbClr val="FFFFFF"/>
+              </a:buClr>
+              <a:buFont typeface="Arial"/>
+              <a:buChar char="•"/>
+            </a:pPr>
+            <a:r>
+              <a:rPr lang="fr-FR" sz="2400" b="0" strike="noStrike" spc="-1" dirty="0">
+                <a:solidFill>
+                  <a:srgbClr val="FFFFFF"/>
+                </a:solidFill>
+                <a:latin typeface="Calibri"/>
+              </a:rPr>
+              <a:t>VII. Capteurs/Actionneurs</a:t>
+            </a:r>
+          </a:p>
+          <a:p>
+            <a:pPr marL="228600" indent="-228240">
+              <a:lnSpc>
+                <a:spcPct val="90000"/>
+              </a:lnSpc>
+              <a:spcBef>
+                <a:spcPts val="1001"/>
+              </a:spcBef>
+              <a:buClr>
+                <a:srgbClr val="FFFFFF"/>
+              </a:buClr>
+              <a:buFont typeface="Arial"/>
+              <a:buChar char="•"/>
+            </a:pPr>
+            <a:r>
+              <a:rPr lang="fr-FR" sz="2400" spc="-1" dirty="0">
+                <a:solidFill>
+                  <a:srgbClr val="FFFFFF"/>
+                </a:solidFill>
+                <a:latin typeface="Calibri"/>
+              </a:rPr>
+              <a:t> VIII. </a:t>
+            </a:r>
+            <a:r>
+              <a:rPr lang="fr-FR" sz="2400" b="0" strike="noStrike" spc="-1" dirty="0">
+                <a:solidFill>
+                  <a:srgbClr val="FFFFFF"/>
+                </a:solidFill>
+                <a:latin typeface="Calibri"/>
+              </a:rPr>
+              <a:t>Application Web </a:t>
+            </a:r>
+            <a:r>
+              <a:rPr lang="fr-FR" sz="2400" b="0" strike="noStrike" spc="-1" dirty="0">
+                <a:solidFill>
+                  <a:schemeClr val="bg1"/>
+                </a:solidFill>
+                <a:latin typeface="Calibri"/>
+              </a:rPr>
+              <a:t>Admin</a:t>
+            </a:r>
+          </a:p>
+        </p:txBody>
+      </p:sp>
+      <p:sp>
+        <p:nvSpPr>
+          <p:cNvPr id="94" name="TextShape 6"/>
+          <p:cNvSpPr txBox="1"/>
+          <p:nvPr/>
+        </p:nvSpPr>
+        <p:spPr>
+          <a:xfrm>
+            <a:off x="838080" y="6356520"/>
+            <a:ext cx="2742840" cy="364680"/>
+          </a:xfrm>
+          <a:prstGeom prst="rect">
+            <a:avLst/>
+          </a:prstGeom>
+          <a:noFill/>
+          <a:ln w="0">
+            <a:noFill/>
+          </a:ln>
+        </p:spPr>
+        <p:txBody>
+          <a:bodyPr anchor="ctr">
+            <a:noAutofit/>
+          </a:bodyPr>
+          <a:lstStyle/>
+          <a:p>
+            <a:pPr>
+              <a:lnSpc>
+                <a:spcPct val="100000"/>
+              </a:lnSpc>
+            </a:pPr>
+            <a:r>
+              <a:rPr lang="fr-FR" sz="1200" b="0" strike="noStrike" spc="-1">
+                <a:solidFill>
+                  <a:srgbClr val="FFFFFF"/>
+                </a:solidFill>
+                <a:latin typeface="Calibri"/>
+              </a:rPr>
+              <a:t>LP IOTIA</a:t>
+            </a:r>
+            <a:endParaRPr lang="fr-FR" sz="1200" b="0" strike="noStrike" spc="-1">
+              <a:latin typeface="Times New Roman"/>
+            </a:endParaRPr>
+          </a:p>
+        </p:txBody>
+      </p:sp>
+      <p:sp>
+        <p:nvSpPr>
+          <p:cNvPr id="95" name="TextShape 7"/>
+          <p:cNvSpPr txBox="1"/>
+          <p:nvPr/>
+        </p:nvSpPr>
+        <p:spPr>
+          <a:xfrm>
+            <a:off x="8610480" y="6356520"/>
+            <a:ext cx="2742840" cy="364680"/>
+          </a:xfrm>
+          <a:prstGeom prst="rect">
+            <a:avLst/>
+          </a:prstGeom>
+          <a:noFill/>
+          <a:ln w="0">
+            <a:noFill/>
+          </a:ln>
+        </p:spPr>
+        <p:txBody>
+          <a:bodyPr anchor="ctr">
+            <a:noAutofit/>
+          </a:bodyPr>
+          <a:lstStyle/>
+          <a:p>
+            <a:pPr algn="r">
+              <a:lnSpc>
+                <a:spcPct val="100000"/>
+              </a:lnSpc>
+            </a:pPr>
+            <a:fld id="{70E6D5D7-ED54-462D-82AA-B76B79BDA145}" type="slidenum">
+              <a:rPr lang="fr-FR" sz="1200" b="0" strike="noStrike" spc="-1">
+                <a:solidFill>
+                  <a:srgbClr val="FFFFFF"/>
+                </a:solidFill>
+                <a:latin typeface="Calibri"/>
+              </a:rPr>
+              <a:t>2</a:t>
+            </a:fld>
+            <a:endParaRPr lang="fr-FR" sz="1200" b="0" strike="noStrike" spc="-1">
+              <a:latin typeface="Times New Roman"/>
+            </a:endParaRPr>
+          </a:p>
+        </p:txBody>
+      </p:sp>
+    </p:spTree>
+  </p:cSld>
+  <p:clrMapOvr>
+    <a:masterClrMapping/>
+  </p:clrMapOvr>
+</p:sld>
+</file>
+
+<file path=ppt/slides/slide20.xml><?xml version="1.0" encoding="utf-8"?>
+<p:sld xmlns:a="http://schemas.openxmlformats.org/drawingml/2006/main" xmlns:r="http://schemas.openxmlformats.org/officeDocument/2006/relationships" xmlns:p="http://schemas.openxmlformats.org/presentationml/2006/main">
+  <p:cSld>
     <p:bg>
       <p:bgPr>
         <a:solidFill>
@@ -10304,569 +11574,7 @@
                 </a:solidFill>
                 <a:latin typeface="Calibri"/>
               </a:rPr>
-              <a:t>18</a:t>
-            </a:fld>
-            <a:endParaRPr lang="fr-FR" sz="1200" b="0" strike="noStrike" spc="-1">
-              <a:latin typeface="Times New Roman"/>
-            </a:endParaRPr>
-          </a:p>
-        </p:txBody>
-      </p:sp>
-    </p:spTree>
-  </p:cSld>
-  <p:clrMapOvr>
-    <a:masterClrMapping/>
-  </p:clrMapOvr>
-</p:sld>
-</file>
-
-<file path=ppt/slides/slide2.xml><?xml version="1.0" encoding="utf-8"?>
-<p:sld xmlns:a="http://schemas.openxmlformats.org/drawingml/2006/main" xmlns:r="http://schemas.openxmlformats.org/officeDocument/2006/relationships" xmlns:p="http://schemas.openxmlformats.org/presentationml/2006/main">
-  <p:cSld>
-    <p:bg>
-      <p:bgPr>
-        <a:solidFill>
-          <a:srgbClr val="000000"/>
-        </a:solidFill>
-        <a:effectLst/>
-      </p:bgPr>
-    </p:bg>
-    <p:spTree>
-      <p:nvGrpSpPr>
-        <p:cNvPr id="1" name=""/>
-        <p:cNvGrpSpPr/>
-        <p:nvPr/>
-      </p:nvGrpSpPr>
-      <p:grpSpPr>
-        <a:xfrm>
-          <a:off x="0" y="0"/>
-          <a:ext cx="0" cy="0"/>
-          <a:chOff x="0" y="0"/>
-          <a:chExt cx="0" cy="0"/>
-        </a:xfrm>
-      </p:grpSpPr>
-      <p:sp>
-        <p:nvSpPr>
-          <p:cNvPr id="88" name="CustomShape 1"/>
-          <p:cNvSpPr/>
-          <p:nvPr/>
-        </p:nvSpPr>
-        <p:spPr>
-          <a:xfrm>
-            <a:off x="0" y="1360800"/>
-            <a:ext cx="12191760" cy="5496840"/>
-          </a:xfrm>
-          <a:prstGeom prst="rect">
-            <a:avLst/>
-          </a:prstGeom>
-          <a:gradFill rotWithShape="0">
-            <a:gsLst>
-              <a:gs pos="0">
-                <a:srgbClr val="3965B5"/>
-              </a:gs>
-              <a:gs pos="100000">
-                <a:srgbClr val="3965B5"/>
-              </a:gs>
-            </a:gsLst>
-            <a:lin ang="4200000"/>
-          </a:gradFill>
-          <a:ln>
-            <a:noFill/>
-          </a:ln>
-        </p:spPr>
-        <p:style>
-          <a:lnRef idx="2">
-            <a:schemeClr val="accent1">
-              <a:shade val="50000"/>
-            </a:schemeClr>
-          </a:lnRef>
-          <a:fillRef idx="1">
-            <a:schemeClr val="accent1"/>
-          </a:fillRef>
-          <a:effectRef idx="0">
-            <a:schemeClr val="accent1"/>
-          </a:effectRef>
-          <a:fontRef idx="minor"/>
-        </p:style>
-      </p:sp>
-      <p:grpSp>
-        <p:nvGrpSpPr>
-          <p:cNvPr id="89" name="Group 2"/>
-          <p:cNvGrpSpPr/>
-          <p:nvPr/>
-        </p:nvGrpSpPr>
-        <p:grpSpPr>
-          <a:xfrm>
-            <a:off x="0" y="360"/>
-            <a:ext cx="12191760" cy="3048840"/>
-            <a:chOff x="0" y="360"/>
-            <a:chExt cx="12191760" cy="3048840"/>
-          </a:xfrm>
-        </p:grpSpPr>
-        <p:pic>
-          <p:nvPicPr>
-            <p:cNvPr id="90" name="Picture 10"/>
-            <p:cNvPicPr/>
-            <p:nvPr/>
-          </p:nvPicPr>
-          <p:blipFill>
-            <a:blip r:embed="rId2"/>
-            <a:srcRect t="45717" b="9819"/>
-            <a:stretch/>
-          </p:blipFill>
-          <p:spPr>
-            <a:xfrm rot="10800000" flipH="1">
-              <a:off x="0" y="0"/>
-              <a:ext cx="12191760" cy="3048840"/>
-            </a:xfrm>
-            <a:prstGeom prst="rect">
-              <a:avLst/>
-            </a:prstGeom>
-            <a:ln w="0">
-              <a:noFill/>
-            </a:ln>
-          </p:spPr>
-        </p:pic>
-        <p:sp>
-          <p:nvSpPr>
-            <p:cNvPr id="91" name="CustomShape 3"/>
-            <p:cNvSpPr/>
-            <p:nvPr/>
-          </p:nvSpPr>
-          <p:spPr>
-            <a:xfrm flipV="1">
-              <a:off x="2067480" y="1076400"/>
-              <a:ext cx="373320" cy="405000"/>
-            </a:xfrm>
-            <a:prstGeom prst="ellipse">
-              <a:avLst/>
-            </a:prstGeom>
-            <a:solidFill>
-              <a:srgbClr val="FFFFFF"/>
-            </a:solidFill>
-            <a:ln>
-              <a:noFill/>
-            </a:ln>
-          </p:spPr>
-          <p:style>
-            <a:lnRef idx="2">
-              <a:schemeClr val="accent1">
-                <a:shade val="50000"/>
-              </a:schemeClr>
-            </a:lnRef>
-            <a:fillRef idx="1">
-              <a:schemeClr val="accent1"/>
-            </a:fillRef>
-            <a:effectRef idx="0">
-              <a:schemeClr val="accent1"/>
-            </a:effectRef>
-            <a:fontRef idx="minor"/>
-          </p:style>
-        </p:sp>
-      </p:grpSp>
-      <p:sp>
-        <p:nvSpPr>
-          <p:cNvPr id="92" name="TextShape 4"/>
-          <p:cNvSpPr txBox="1"/>
-          <p:nvPr/>
-        </p:nvSpPr>
-        <p:spPr>
-          <a:xfrm>
-            <a:off x="1179360" y="448200"/>
-            <a:ext cx="9833040" cy="1066320"/>
-          </a:xfrm>
-          <a:prstGeom prst="rect">
-            <a:avLst/>
-          </a:prstGeom>
-          <a:noFill/>
-          <a:ln w="0">
-            <a:noFill/>
-          </a:ln>
-        </p:spPr>
-        <p:txBody>
-          <a:bodyPr anchor="ctr">
-            <a:normAutofit/>
-          </a:bodyPr>
-          <a:lstStyle/>
-          <a:p>
-            <a:pPr>
-              <a:lnSpc>
-                <a:spcPct val="90000"/>
-              </a:lnSpc>
-            </a:pPr>
-            <a:r>
-              <a:rPr lang="fr-FR" sz="4000" b="0" strike="noStrike" spc="-1">
-                <a:solidFill>
-                  <a:srgbClr val="3F3F3F"/>
-                </a:solidFill>
-                <a:latin typeface="Calibri Light"/>
-              </a:rPr>
-              <a:t>Sommaire</a:t>
-            </a:r>
-            <a:endParaRPr lang="fr-FR" sz="4000" b="0" strike="noStrike" spc="-1">
-              <a:solidFill>
-                <a:srgbClr val="000000"/>
-              </a:solidFill>
-              <a:latin typeface="Calibri"/>
-            </a:endParaRPr>
-          </a:p>
-        </p:txBody>
-      </p:sp>
-      <p:sp>
-        <p:nvSpPr>
-          <p:cNvPr id="93" name="TextShape 5"/>
-          <p:cNvSpPr txBox="1"/>
-          <p:nvPr/>
-        </p:nvSpPr>
-        <p:spPr>
-          <a:xfrm>
-            <a:off x="1179360" y="3049200"/>
-            <a:ext cx="9833040" cy="2945160"/>
-          </a:xfrm>
-          <a:prstGeom prst="rect">
-            <a:avLst/>
-          </a:prstGeom>
-          <a:noFill/>
-          <a:ln w="0">
-            <a:noFill/>
-          </a:ln>
-        </p:spPr>
-        <p:txBody>
-          <a:bodyPr anchor="ctr">
-            <a:normAutofit fontScale="92500" lnSpcReduction="20000"/>
-          </a:bodyPr>
-          <a:lstStyle/>
-          <a:p>
-            <a:pPr marL="228600" indent="-228240">
-              <a:lnSpc>
-                <a:spcPct val="90000"/>
-              </a:lnSpc>
-              <a:spcBef>
-                <a:spcPts val="1001"/>
-              </a:spcBef>
-              <a:buClr>
-                <a:srgbClr val="FFFFFF"/>
-              </a:buClr>
-              <a:buFont typeface="Arial"/>
-              <a:buChar char="•"/>
-            </a:pPr>
-            <a:r>
-              <a:rPr lang="fr-FR" sz="2400" b="0" strike="noStrike" spc="-1" dirty="0">
-                <a:solidFill>
-                  <a:srgbClr val="FFFFFF"/>
-                </a:solidFill>
-                <a:latin typeface="Calibri"/>
-              </a:rPr>
-              <a:t>I. Présentation du projet </a:t>
-            </a:r>
-            <a:endParaRPr lang="fr-FR" sz="2400" b="0" strike="noStrike" spc="-1" dirty="0">
-              <a:solidFill>
-                <a:srgbClr val="000000"/>
-              </a:solidFill>
-              <a:latin typeface="Calibri"/>
-            </a:endParaRPr>
-          </a:p>
-          <a:p>
-            <a:pPr marL="228600" indent="-228240">
-              <a:lnSpc>
-                <a:spcPct val="90000"/>
-              </a:lnSpc>
-              <a:spcBef>
-                <a:spcPts val="1001"/>
-              </a:spcBef>
-              <a:buClr>
-                <a:srgbClr val="FFFFFF"/>
-              </a:buClr>
-              <a:buFont typeface="Arial"/>
-              <a:buChar char="•"/>
-            </a:pPr>
-            <a:r>
-              <a:rPr lang="fr-FR" sz="2400" b="0" strike="noStrike" spc="-1" dirty="0">
-                <a:solidFill>
-                  <a:srgbClr val="FFFFFF"/>
-                </a:solidFill>
-                <a:latin typeface="Calibri"/>
-              </a:rPr>
-              <a:t>II. Infra BOX + Gateway</a:t>
-            </a:r>
-            <a:endParaRPr lang="fr-FR" sz="2400" b="0" strike="noStrike" spc="-1" dirty="0">
-              <a:solidFill>
-                <a:srgbClr val="000000"/>
-              </a:solidFill>
-              <a:latin typeface="Calibri"/>
-            </a:endParaRPr>
-          </a:p>
-          <a:p>
-            <a:pPr marL="228600" indent="-228240">
-              <a:lnSpc>
-                <a:spcPct val="90000"/>
-              </a:lnSpc>
-              <a:spcBef>
-                <a:spcPts val="1001"/>
-              </a:spcBef>
-              <a:buClr>
-                <a:srgbClr val="FFFFFF"/>
-              </a:buClr>
-              <a:buFont typeface="Arial"/>
-              <a:buChar char="•"/>
-            </a:pPr>
-            <a:r>
-              <a:rPr lang="fr-FR" sz="2400" b="0" strike="noStrike" spc="-1" dirty="0">
-                <a:solidFill>
-                  <a:srgbClr val="FFFFFF"/>
-                </a:solidFill>
-                <a:latin typeface="Calibri"/>
-              </a:rPr>
-              <a:t>III. Application Mobile</a:t>
-            </a:r>
-            <a:endParaRPr lang="fr-FR" sz="2400" b="0" strike="noStrike" spc="-1" dirty="0">
-              <a:solidFill>
-                <a:srgbClr val="000000"/>
-              </a:solidFill>
-              <a:latin typeface="Calibri"/>
-            </a:endParaRPr>
-          </a:p>
-          <a:p>
-            <a:pPr marL="228600" indent="-228240">
-              <a:lnSpc>
-                <a:spcPct val="90000"/>
-              </a:lnSpc>
-              <a:spcBef>
-                <a:spcPts val="1001"/>
-              </a:spcBef>
-              <a:buClr>
-                <a:srgbClr val="FFFFFF"/>
-              </a:buClr>
-              <a:buFont typeface="Arial"/>
-              <a:buChar char="•"/>
-            </a:pPr>
-            <a:r>
-              <a:rPr lang="fr-FR" sz="2400" b="0" strike="noStrike" spc="-1" dirty="0">
-                <a:solidFill>
-                  <a:srgbClr val="FFFFFF"/>
-                </a:solidFill>
-                <a:latin typeface="Calibri"/>
-              </a:rPr>
-              <a:t>IV. Serveur Web</a:t>
-            </a:r>
-            <a:endParaRPr lang="fr-FR" sz="2400" b="0" strike="noStrike" spc="-1" dirty="0">
-              <a:solidFill>
-                <a:srgbClr val="000000"/>
-              </a:solidFill>
-              <a:latin typeface="Calibri"/>
-            </a:endParaRPr>
-          </a:p>
-          <a:p>
-            <a:pPr marL="228600" indent="-228240">
-              <a:lnSpc>
-                <a:spcPct val="90000"/>
-              </a:lnSpc>
-              <a:spcBef>
-                <a:spcPts val="1001"/>
-              </a:spcBef>
-              <a:buClr>
-                <a:srgbClr val="FFFFFF"/>
-              </a:buClr>
-              <a:buFont typeface="Arial"/>
-              <a:buChar char="•"/>
-            </a:pPr>
-            <a:r>
-              <a:rPr lang="fr-FR" sz="2400" b="0" strike="noStrike" spc="-1" dirty="0">
-                <a:solidFill>
-                  <a:srgbClr val="FFFFFF"/>
-                </a:solidFill>
-                <a:latin typeface="Calibri"/>
-              </a:rPr>
-              <a:t>V. Backend et base de données </a:t>
-            </a:r>
-            <a:endParaRPr lang="fr-FR" sz="2400" b="0" strike="noStrike" spc="-1" dirty="0">
-              <a:solidFill>
-                <a:srgbClr val="000000"/>
-              </a:solidFill>
-              <a:latin typeface="Calibri"/>
-            </a:endParaRPr>
-          </a:p>
-          <a:p>
-            <a:pPr marL="228600" indent="-228240">
-              <a:lnSpc>
-                <a:spcPct val="90000"/>
-              </a:lnSpc>
-              <a:spcBef>
-                <a:spcPts val="1001"/>
-              </a:spcBef>
-              <a:buClr>
-                <a:srgbClr val="FFFFFF"/>
-              </a:buClr>
-              <a:buFont typeface="Arial"/>
-              <a:buChar char="•"/>
-            </a:pPr>
-            <a:r>
-              <a:rPr lang="fr-FR" sz="2400" b="0" strike="noStrike" spc="-1" dirty="0">
-                <a:solidFill>
-                  <a:srgbClr val="FFFFFF"/>
-                </a:solidFill>
-                <a:latin typeface="Calibri"/>
-              </a:rPr>
-              <a:t>VI. Web Service</a:t>
-            </a:r>
-            <a:endParaRPr lang="fr-FR" sz="2400" b="0" strike="noStrike" spc="-1" dirty="0">
-              <a:solidFill>
-                <a:srgbClr val="000000"/>
-              </a:solidFill>
-              <a:latin typeface="Calibri"/>
-            </a:endParaRPr>
-          </a:p>
-          <a:p>
-            <a:pPr marL="228600" indent="-228240">
-              <a:lnSpc>
-                <a:spcPct val="90000"/>
-              </a:lnSpc>
-              <a:spcBef>
-                <a:spcPts val="1001"/>
-              </a:spcBef>
-              <a:buClr>
-                <a:srgbClr val="FFFFFF"/>
-              </a:buClr>
-              <a:buFont typeface="Arial"/>
-              <a:buChar char="•"/>
-            </a:pPr>
-            <a:r>
-              <a:rPr lang="fr-FR" sz="2400" b="0" strike="noStrike" spc="-1" dirty="0">
-                <a:solidFill>
-                  <a:srgbClr val="FFFFFF"/>
-                </a:solidFill>
-                <a:latin typeface="Calibri"/>
-              </a:rPr>
-              <a:t>VII. Capteurs/Actionneurs</a:t>
-            </a:r>
-          </a:p>
-          <a:p>
-            <a:pPr marL="228600" indent="-228240">
-              <a:lnSpc>
-                <a:spcPct val="90000"/>
-              </a:lnSpc>
-              <a:spcBef>
-                <a:spcPts val="1001"/>
-              </a:spcBef>
-              <a:buClr>
-                <a:srgbClr val="FFFFFF"/>
-              </a:buClr>
-              <a:buFont typeface="Arial"/>
-              <a:buChar char="•"/>
-            </a:pPr>
-            <a:r>
-              <a:rPr lang="fr-FR" sz="2400" spc="-1" dirty="0">
-                <a:solidFill>
-                  <a:srgbClr val="FFFFFF"/>
-                </a:solidFill>
-                <a:latin typeface="Calibri"/>
-              </a:rPr>
-              <a:t> VIII. </a:t>
-            </a:r>
-            <a:r>
-              <a:rPr lang="fr-FR" sz="2400" b="0" strike="noStrike" spc="-1" dirty="0">
-                <a:solidFill>
-                  <a:srgbClr val="FFFFFF"/>
-                </a:solidFill>
-                <a:latin typeface="Calibri"/>
-              </a:rPr>
-              <a:t>Application Web </a:t>
-            </a:r>
-            <a:r>
-              <a:rPr lang="fr-FR" sz="2400" b="0" strike="noStrike" spc="-1" dirty="0">
-                <a:solidFill>
-                  <a:schemeClr val="bg1"/>
-                </a:solidFill>
-                <a:latin typeface="Calibri"/>
-              </a:rPr>
-              <a:t>Admin</a:t>
-            </a:r>
-          </a:p>
-        </p:txBody>
-      </p:sp>
-      <p:sp>
-        <p:nvSpPr>
-          <p:cNvPr id="94" name="TextShape 6"/>
-          <p:cNvSpPr txBox="1"/>
-          <p:nvPr/>
-        </p:nvSpPr>
-        <p:spPr>
-          <a:xfrm>
-            <a:off x="838080" y="6356520"/>
-            <a:ext cx="2742840" cy="364680"/>
-          </a:xfrm>
-          <a:prstGeom prst="rect">
-            <a:avLst/>
-          </a:prstGeom>
-          <a:noFill/>
-          <a:ln w="0">
-            <a:noFill/>
-          </a:ln>
-        </p:spPr>
-        <p:txBody>
-          <a:bodyPr anchor="ctr">
-            <a:noAutofit/>
-          </a:bodyPr>
-          <a:lstStyle/>
-          <a:p>
-            <a:pPr>
-              <a:lnSpc>
-                <a:spcPct val="100000"/>
-              </a:lnSpc>
-            </a:pPr>
-            <a:r>
-              <a:rPr lang="fr-FR" sz="1200" b="0" strike="noStrike" spc="-1">
-                <a:solidFill>
-                  <a:srgbClr val="FFFFFF"/>
-                </a:solidFill>
-                <a:latin typeface="Calibri"/>
-              </a:rPr>
-              <a:t>LP IOTIA</a:t>
-            </a:r>
-            <a:endParaRPr lang="fr-FR" sz="1200" b="0" strike="noStrike" spc="-1">
-              <a:latin typeface="Times New Roman"/>
-            </a:endParaRPr>
-          </a:p>
-        </p:txBody>
-      </p:sp>
-      <p:sp>
-        <p:nvSpPr>
-          <p:cNvPr id="95" name="TextShape 7"/>
-          <p:cNvSpPr txBox="1"/>
-          <p:nvPr/>
-        </p:nvSpPr>
-        <p:spPr>
-          <a:xfrm>
-            <a:off x="8610480" y="6356520"/>
-            <a:ext cx="2742840" cy="364680"/>
-          </a:xfrm>
-          <a:prstGeom prst="rect">
-            <a:avLst/>
-          </a:prstGeom>
-          <a:noFill/>
-          <a:ln w="0">
-            <a:noFill/>
-          </a:ln>
-        </p:spPr>
-        <p:txBody>
-          <a:bodyPr anchor="ctr">
-            <a:noAutofit/>
-          </a:bodyPr>
-          <a:lstStyle/>
-          <a:p>
-            <a:pPr algn="r">
-              <a:lnSpc>
-                <a:spcPct val="100000"/>
-              </a:lnSpc>
-            </a:pPr>
-            <a:fld id="{70E6D5D7-ED54-462D-82AA-B76B79BDA145}" type="slidenum">
-              <a:rPr lang="fr-FR" sz="1200" b="0" strike="noStrike" spc="-1">
-                <a:solidFill>
-                  <a:srgbClr val="FFFFFF"/>
-                </a:solidFill>
-                <a:latin typeface="Calibri"/>
-              </a:rPr>
-              <a:t>2</a:t>
+              <a:t>20</a:t>
             </a:fld>
             <a:endParaRPr lang="fr-FR" sz="1200" b="0" strike="noStrike" spc="-1">
               <a:latin typeface="Times New Roman"/>

--- a/Diapo_commun/PresentationCommune.pptx
+++ b/Diapo_commun/PresentationCommune.pptx
@@ -12501,62 +12501,231 @@
           </a:fontRef>
         </p:style>
       </p:cxnSp>
-      <p:sp>
-        <p:nvSpPr>
-          <p:cNvPr id="50" name="Rectangle 49">
+      <p:pic>
+        <p:nvPicPr>
+          <p:cNvPr id="3" name="Image 2">
             <a:extLst>
               <a:ext uri="{FF2B5EF4-FFF2-40B4-BE49-F238E27FC236}">
-                <a16:creationId xmlns:a16="http://schemas.microsoft.com/office/drawing/2014/main" id="{8FB149C3-BD7A-4F3D-91AD-2C4614B215E5}"/>
+                <a16:creationId xmlns:a16="http://schemas.microsoft.com/office/drawing/2014/main" id="{3EF424E6-2083-4C8B-BC8A-648F1AE35AE2}"/>
               </a:ext>
             </a:extLst>
           </p:cNvPr>
-          <p:cNvSpPr/>
-          <p:nvPr/>
-        </p:nvSpPr>
-        <p:spPr>
-          <a:xfrm>
-            <a:off x="4687910" y="4829577"/>
-            <a:ext cx="3503051" cy="1403797"/>
-          </a:xfrm>
-          <a:prstGeom prst="rect">
-            <a:avLst/>
-          </a:prstGeom>
-          <a:solidFill>
-            <a:schemeClr val="bg1"/>
-          </a:solidFill>
+          <p:cNvPicPr>
+            <a:picLocks noChangeAspect="1"/>
+          </p:cNvPicPr>
+          <p:nvPr/>
+        </p:nvPicPr>
+        <p:blipFill>
+          <a:blip r:embed="rId10">
+            <a:extLst>
+              <a:ext uri="{28A0092B-C50C-407E-A947-70E740481C1C}">
+                <a14:useLocalDpi xmlns:a14="http://schemas.microsoft.com/office/drawing/2010/main" val="0"/>
+              </a:ext>
+            </a:extLst>
+          </a:blip>
+          <a:stretch>
+            <a:fillRect/>
+          </a:stretch>
+        </p:blipFill>
+        <p:spPr>
+          <a:xfrm>
+            <a:off x="4499385" y="4165910"/>
+            <a:ext cx="1196412" cy="1178643"/>
+          </a:xfrm>
+          <a:prstGeom prst="rect">
+            <a:avLst/>
+          </a:prstGeom>
+        </p:spPr>
+      </p:pic>
+      <p:pic>
+        <p:nvPicPr>
+          <p:cNvPr id="5" name="Image 4">
+            <a:extLst>
+              <a:ext uri="{FF2B5EF4-FFF2-40B4-BE49-F238E27FC236}">
+                <a16:creationId xmlns:a16="http://schemas.microsoft.com/office/drawing/2014/main" id="{E4FBD3DB-8970-4936-9ABE-5F625D727FFA}"/>
+              </a:ext>
+            </a:extLst>
+          </p:cNvPr>
+          <p:cNvPicPr>
+            <a:picLocks noChangeAspect="1"/>
+          </p:cNvPicPr>
+          <p:nvPr/>
+        </p:nvPicPr>
+        <p:blipFill>
+          <a:blip r:embed="rId11">
+            <a:extLst>
+              <a:ext uri="{28A0092B-C50C-407E-A947-70E740481C1C}">
+                <a14:useLocalDpi xmlns:a14="http://schemas.microsoft.com/office/drawing/2010/main" val="0"/>
+              </a:ext>
+            </a:extLst>
+          </a:blip>
+          <a:stretch>
+            <a:fillRect/>
+          </a:stretch>
+        </p:blipFill>
+        <p:spPr>
+          <a:xfrm>
+            <a:off x="4404576" y="2371962"/>
+            <a:ext cx="368026" cy="561239"/>
+          </a:xfrm>
+          <a:prstGeom prst="rect">
+            <a:avLst/>
+          </a:prstGeom>
+        </p:spPr>
+      </p:pic>
+      <p:pic>
+        <p:nvPicPr>
+          <p:cNvPr id="7" name="Image 6">
+            <a:extLst>
+              <a:ext uri="{FF2B5EF4-FFF2-40B4-BE49-F238E27FC236}">
+                <a16:creationId xmlns:a16="http://schemas.microsoft.com/office/drawing/2014/main" id="{FD109AC6-99CA-4C95-BCA9-3DBF03C4EFF0}"/>
+              </a:ext>
+            </a:extLst>
+          </p:cNvPr>
+          <p:cNvPicPr>
+            <a:picLocks noChangeAspect="1"/>
+          </p:cNvPicPr>
+          <p:nvPr/>
+        </p:nvPicPr>
+        <p:blipFill>
+          <a:blip r:embed="rId12">
+            <a:extLst>
+              <a:ext uri="{28A0092B-C50C-407E-A947-70E740481C1C}">
+                <a14:useLocalDpi xmlns:a14="http://schemas.microsoft.com/office/drawing/2010/main" val="0"/>
+              </a:ext>
+            </a:extLst>
+          </a:blip>
+          <a:stretch>
+            <a:fillRect/>
+          </a:stretch>
+        </p:blipFill>
+        <p:spPr>
+          <a:xfrm>
+            <a:off x="4450878" y="3001527"/>
+            <a:ext cx="1343160" cy="661330"/>
+          </a:xfrm>
+          <a:prstGeom prst="rect">
+            <a:avLst/>
+          </a:prstGeom>
+        </p:spPr>
+      </p:pic>
+      <p:cxnSp>
+        <p:nvCxnSpPr>
+          <p:cNvPr id="9" name="Connecteur droit avec flèche 8">
+            <a:extLst>
+              <a:ext uri="{FF2B5EF4-FFF2-40B4-BE49-F238E27FC236}">
+                <a16:creationId xmlns:a16="http://schemas.microsoft.com/office/drawing/2014/main" id="{9B309FBD-69C1-41B2-B848-220C7BAF5408}"/>
+              </a:ext>
+            </a:extLst>
+          </p:cNvPr>
+          <p:cNvCxnSpPr/>
+          <p:nvPr/>
+        </p:nvCxnSpPr>
+        <p:spPr>
+          <a:xfrm>
+            <a:off x="2920753" y="4535848"/>
+            <a:ext cx="1393795" cy="0"/>
+          </a:xfrm>
+          <a:prstGeom prst="straightConnector1">
+            <a:avLst/>
+          </a:prstGeom>
+          <a:ln>
+            <a:tailEnd type="triangle"/>
+          </a:ln>
         </p:spPr>
         <p:style>
-          <a:lnRef idx="2">
-            <a:schemeClr val="accent1">
-              <a:shade val="50000"/>
-            </a:schemeClr>
+          <a:lnRef idx="1">
+            <a:schemeClr val="dk1"/>
           </a:lnRef>
-          <a:fillRef idx="1">
-            <a:schemeClr val="accent1"/>
+          <a:fillRef idx="0">
+            <a:schemeClr val="dk1"/>
           </a:fillRef>
           <a:effectRef idx="0">
-            <a:schemeClr val="accent1"/>
+            <a:schemeClr val="dk1"/>
           </a:effectRef>
           <a:fontRef idx="minor">
-            <a:schemeClr val="lt1"/>
+            <a:schemeClr val="tx1"/>
           </a:fontRef>
         </p:style>
-        <p:txBody>
-          <a:bodyPr rtlCol="0" anchor="ctr"/>
-          <a:lstStyle/>
-          <a:p>
-            <a:pPr algn="ctr"/>
-            <a:r>
-              <a:rPr lang="fr-FR" dirty="0">
-                <a:solidFill>
-                  <a:schemeClr val="tx1"/>
-                </a:solidFill>
-              </a:rPr>
-              <a:t>Faite LA SUITE DE VOTRE PARTIE </a:t>
-            </a:r>
-          </a:p>
-        </p:txBody>
-      </p:sp>
+      </p:cxnSp>
+      <p:cxnSp>
+        <p:nvCxnSpPr>
+          <p:cNvPr id="16" name="Connecteur droit avec flèche 15">
+            <a:extLst>
+              <a:ext uri="{FF2B5EF4-FFF2-40B4-BE49-F238E27FC236}">
+                <a16:creationId xmlns:a16="http://schemas.microsoft.com/office/drawing/2014/main" id="{A2B875CD-9854-43C0-B2A8-09400EAC645F}"/>
+              </a:ext>
+            </a:extLst>
+          </p:cNvPr>
+          <p:cNvCxnSpPr/>
+          <p:nvPr/>
+        </p:nvCxnSpPr>
+        <p:spPr>
+          <a:xfrm flipH="1">
+            <a:off x="2920753" y="4975495"/>
+            <a:ext cx="1393795" cy="0"/>
+          </a:xfrm>
+          <a:prstGeom prst="straightConnector1">
+            <a:avLst/>
+          </a:prstGeom>
+          <a:ln>
+            <a:tailEnd type="triangle"/>
+          </a:ln>
+        </p:spPr>
+        <p:style>
+          <a:lnRef idx="1">
+            <a:schemeClr val="dk1"/>
+          </a:lnRef>
+          <a:fillRef idx="0">
+            <a:schemeClr val="dk1"/>
+          </a:fillRef>
+          <a:effectRef idx="0">
+            <a:schemeClr val="dk1"/>
+          </a:effectRef>
+          <a:fontRef idx="minor">
+            <a:schemeClr val="tx1"/>
+          </a:fontRef>
+        </p:style>
+      </p:cxnSp>
+      <p:cxnSp>
+        <p:nvCxnSpPr>
+          <p:cNvPr id="18" name="Connecteur droit avec flèche 17">
+            <a:extLst>
+              <a:ext uri="{FF2B5EF4-FFF2-40B4-BE49-F238E27FC236}">
+                <a16:creationId xmlns:a16="http://schemas.microsoft.com/office/drawing/2014/main" id="{0E6DCEA4-FA14-4619-BEFE-58FB2981234D}"/>
+              </a:ext>
+            </a:extLst>
+          </p:cNvPr>
+          <p:cNvCxnSpPr/>
+          <p:nvPr/>
+        </p:nvCxnSpPr>
+        <p:spPr>
+          <a:xfrm>
+            <a:off x="4891596" y="3662857"/>
+            <a:ext cx="0" cy="446363"/>
+          </a:xfrm>
+          <a:prstGeom prst="straightConnector1">
+            <a:avLst/>
+          </a:prstGeom>
+          <a:ln>
+            <a:tailEnd type="triangle"/>
+          </a:ln>
+        </p:spPr>
+        <p:style>
+          <a:lnRef idx="1">
+            <a:schemeClr val="dk1"/>
+          </a:lnRef>
+          <a:fillRef idx="0">
+            <a:schemeClr val="dk1"/>
+          </a:fillRef>
+          <a:effectRef idx="0">
+            <a:schemeClr val="dk1"/>
+          </a:effectRef>
+          <a:fontRef idx="minor">
+            <a:schemeClr val="tx1"/>
+          </a:fontRef>
+        </p:style>
+      </p:cxnSp>
     </p:spTree>
   </p:cSld>
   <p:clrMapOvr>

--- a/Diapo_commun/PresentationCommune.pptx
+++ b/Diapo_commun/PresentationCommune.pptx
@@ -7463,7 +7463,7 @@
                 <a16:creationId xmlns:a16="http://schemas.microsoft.com/office/drawing/2014/main" id="{F4FD440C-6FE3-472B-B88A-7C1E64B30CFD}"/>
               </a:ext>
               <a:ext uri="{C183D7F6-B498-43B3-948B-1728B52AA6E4}">
-                <adec:decorative xmlns:adec="http://schemas.microsoft.com/office/drawing/2017/decorative" val="0"/>
+                <adec:decorative xmlns:adec="http://schemas.microsoft.com/office/drawing/2017/decorative" xmlns="" val="0"/>
               </a:ext>
             </a:extLst>
           </p:cNvPr>
@@ -7581,7 +7581,7 @@
           <p:nvPr/>
         </p:nvPicPr>
         <p:blipFill>
-          <a:blip r:embed="rId6">
+          <a:blip r:embed="rId6" cstate="hqprint">
             <a:extLst>
               <a:ext uri="{28A0092B-C50C-407E-A947-70E740481C1C}">
                 <a14:useLocalDpi xmlns:a14="http://schemas.microsoft.com/office/drawing/2010/main" val="0"/>
@@ -11036,7 +11036,25 @@
                 </a:solidFill>
                 <a:latin typeface="Calibri"/>
               </a:rPr>
-              <a:t>V. Backend et base de données </a:t>
+              <a:t>V. </a:t>
+            </a:r>
+            <a:r>
+              <a:rPr lang="fr-FR" sz="2400" b="0" strike="noStrike" spc="-1" dirty="0" smtClean="0">
+                <a:solidFill>
+                  <a:srgbClr val="FFFFFF"/>
+                </a:solidFill>
+                <a:latin typeface="Calibri"/>
+              </a:rPr>
+              <a:t>Base </a:t>
+            </a:r>
+            <a:r>
+              <a:rPr lang="fr-FR" sz="2400" b="0" strike="noStrike" spc="-1" dirty="0">
+                <a:solidFill>
+                  <a:srgbClr val="FFFFFF"/>
+                </a:solidFill>
+                <a:latin typeface="Calibri"/>
+              </a:rPr>
+              <a:t>de données </a:t>
             </a:r>
             <a:endParaRPr lang="fr-FR" sz="2400" b="0" strike="noStrike" spc="-1" dirty="0">
               <a:solidFill>
@@ -12552,7 +12570,7 @@
           <p:nvPr/>
         </p:nvPicPr>
         <p:blipFill>
-          <a:blip r:embed="rId11">
+          <a:blip r:embed="rId11" cstate="hqprint">
             <a:extLst>
               <a:ext uri="{28A0092B-C50C-407E-A947-70E740481C1C}">
                 <a14:useLocalDpi xmlns:a14="http://schemas.microsoft.com/office/drawing/2010/main" val="0"/>
@@ -12588,7 +12606,7 @@
           <p:nvPr/>
         </p:nvPicPr>
         <p:blipFill>
-          <a:blip r:embed="rId12">
+          <a:blip r:embed="rId12" cstate="hqprint">
             <a:extLst>
               <a:ext uri="{28A0092B-C50C-407E-A947-70E740481C1C}">
                 <a14:useLocalDpi xmlns:a14="http://schemas.microsoft.com/office/drawing/2010/main" val="0"/>
@@ -18672,13 +18690,22 @@
               <a:t>V. </a:t>
             </a:r>
             <a:r>
+              <a:rPr lang="fr-FR" sz="3600" b="0" strike="noStrike" spc="-1" dirty="0" smtClean="0">
+                <a:solidFill>
+                  <a:srgbClr val="000000"/>
+                </a:solidFill>
+                <a:latin typeface="Calibri Light"/>
+              </a:rPr>
+              <a:t>Base </a:t>
+            </a:r>
+            <a:r>
               <a:rPr lang="fr-FR" sz="3600" b="0" strike="noStrike" spc="-1" dirty="0">
                 <a:solidFill>
                   <a:srgbClr val="000000"/>
                 </a:solidFill>
                 <a:latin typeface="Calibri Light"/>
               </a:rPr>
-              <a:t>Backend et base de données </a:t>
+              <a:t>de données </a:t>
             </a:r>
             <a:endParaRPr lang="fr-FR" sz="3600" b="0" strike="noStrike" spc="-1" dirty="0">
               <a:solidFill>

--- a/Diapo_commun/PresentationCommune.pptx
+++ b/Diapo_commun/PresentationCommune.pptx
@@ -6,7 +6,7 @@
     <p:sldMasterId id="2147483661" r:id="rId2"/>
   </p:sldMasterIdLst>
   <p:notesMasterIdLst>
-    <p:notesMasterId r:id="rId23"/>
+    <p:notesMasterId r:id="rId25"/>
   </p:notesMasterIdLst>
   <p:sldIdLst>
     <p:sldId id="256" r:id="rId3"/>
@@ -16,19 +16,21 @@
     <p:sldId id="260" r:id="rId7"/>
     <p:sldId id="261" r:id="rId8"/>
     <p:sldId id="262" r:id="rId9"/>
-    <p:sldId id="263" r:id="rId10"/>
-    <p:sldId id="264" r:id="rId11"/>
-    <p:sldId id="273" r:id="rId12"/>
-    <p:sldId id="270" r:id="rId13"/>
-    <p:sldId id="274" r:id="rId14"/>
-    <p:sldId id="266" r:id="rId15"/>
-    <p:sldId id="267" r:id="rId16"/>
-    <p:sldId id="268" r:id="rId17"/>
-    <p:sldId id="271" r:id="rId18"/>
-    <p:sldId id="272" r:id="rId19"/>
-    <p:sldId id="275" r:id="rId20"/>
-    <p:sldId id="277" r:id="rId21"/>
-    <p:sldId id="269" r:id="rId22"/>
+    <p:sldId id="278" r:id="rId10"/>
+    <p:sldId id="279" r:id="rId11"/>
+    <p:sldId id="280" r:id="rId12"/>
+    <p:sldId id="264" r:id="rId13"/>
+    <p:sldId id="273" r:id="rId14"/>
+    <p:sldId id="270" r:id="rId15"/>
+    <p:sldId id="274" r:id="rId16"/>
+    <p:sldId id="266" r:id="rId17"/>
+    <p:sldId id="267" r:id="rId18"/>
+    <p:sldId id="268" r:id="rId19"/>
+    <p:sldId id="271" r:id="rId20"/>
+    <p:sldId id="272" r:id="rId21"/>
+    <p:sldId id="275" r:id="rId22"/>
+    <p:sldId id="277" r:id="rId23"/>
+    <p:sldId id="269" r:id="rId24"/>
   </p:sldIdLst>
   <p:sldSz cx="12192000" cy="6858000"/>
   <p:notesSz cx="7559675" cy="10691813"/>
@@ -631,7 +633,7 @@
             <a:spLocks noGrp="1"/>
           </p:cNvSpPr>
           <p:nvPr>
-            <p:ph type="sldNum" sz="quarter" idx="5"/>
+            <p:ph type="sldNum" sz="quarter" idx="10"/>
           </p:nvPr>
         </p:nvSpPr>
         <p:spPr/>
@@ -641,7 +643,7 @@
           <a:p>
             <a:fld id="{741171B4-A1B5-4DF7-90FF-2BB55EBEAF8E}" type="slidenum">
               <a:rPr lang="fr-FR" smtClean="0"/>
-              <a:t>16</a:t>
+              <a:t>8</a:t>
             </a:fld>
             <a:endParaRPr lang="fr-FR"/>
           </a:p>
@@ -650,7 +652,7 @@
     </p:spTree>
     <p:extLst>
       <p:ext uri="{BB962C8B-B14F-4D97-AF65-F5344CB8AC3E}">
-        <p14:creationId xmlns:p14="http://schemas.microsoft.com/office/powerpoint/2010/main" val="2110438634"/>
+        <p14:creationId xmlns:p14="http://schemas.microsoft.com/office/powerpoint/2010/main" val="2397228756"/>
       </p:ext>
     </p:extLst>
   </p:cSld>
@@ -715,7 +717,7 @@
             <a:spLocks noGrp="1"/>
           </p:cNvSpPr>
           <p:nvPr>
-            <p:ph type="sldNum" sz="quarter" idx="5"/>
+            <p:ph type="sldNum" sz="quarter" idx="10"/>
           </p:nvPr>
         </p:nvSpPr>
         <p:spPr/>
@@ -725,7 +727,7 @@
           <a:p>
             <a:fld id="{741171B4-A1B5-4DF7-90FF-2BB55EBEAF8E}" type="slidenum">
               <a:rPr lang="fr-FR" smtClean="0"/>
-              <a:t>17</a:t>
+              <a:t>9</a:t>
             </a:fld>
             <a:endParaRPr lang="fr-FR"/>
           </a:p>
@@ -734,7 +736,7 @@
     </p:spTree>
     <p:extLst>
       <p:ext uri="{BB962C8B-B14F-4D97-AF65-F5344CB8AC3E}">
-        <p14:creationId xmlns:p14="http://schemas.microsoft.com/office/powerpoint/2010/main" val="2110438634"/>
+        <p14:creationId xmlns:p14="http://schemas.microsoft.com/office/powerpoint/2010/main" val="3624299400"/>
       </p:ext>
     </p:extLst>
   </p:cSld>
@@ -799,7 +801,7 @@
             <a:spLocks noGrp="1"/>
           </p:cNvSpPr>
           <p:nvPr>
-            <p:ph type="sldNum" sz="quarter" idx="5"/>
+            <p:ph type="sldNum" sz="quarter" idx="10"/>
           </p:nvPr>
         </p:nvSpPr>
         <p:spPr/>
@@ -809,7 +811,7 @@
           <a:p>
             <a:fld id="{741171B4-A1B5-4DF7-90FF-2BB55EBEAF8E}" type="slidenum">
               <a:rPr lang="fr-FR" smtClean="0"/>
-              <a:t>18</a:t>
+              <a:t>10</a:t>
             </a:fld>
             <a:endParaRPr lang="fr-FR"/>
           </a:p>
@@ -818,7 +820,7 @@
     </p:spTree>
     <p:extLst>
       <p:ext uri="{BB962C8B-B14F-4D97-AF65-F5344CB8AC3E}">
-        <p14:creationId xmlns:p14="http://schemas.microsoft.com/office/powerpoint/2010/main" val="3434227743"/>
+        <p14:creationId xmlns:p14="http://schemas.microsoft.com/office/powerpoint/2010/main" val="216563281"/>
       </p:ext>
     </p:extLst>
   </p:cSld>
@@ -893,7 +895,259 @@
           <a:p>
             <a:fld id="{741171B4-A1B5-4DF7-90FF-2BB55EBEAF8E}" type="slidenum">
               <a:rPr lang="fr-FR" smtClean="0"/>
+              <a:t>18</a:t>
+            </a:fld>
+            <a:endParaRPr lang="fr-FR"/>
+          </a:p>
+        </p:txBody>
+      </p:sp>
+    </p:spTree>
+    <p:extLst>
+      <p:ext uri="{BB962C8B-B14F-4D97-AF65-F5344CB8AC3E}">
+        <p14:creationId xmlns:p14="http://schemas.microsoft.com/office/powerpoint/2010/main" val="2110438634"/>
+      </p:ext>
+    </p:extLst>
+  </p:cSld>
+  <p:clrMapOvr>
+    <a:masterClrMapping/>
+  </p:clrMapOvr>
+</p:notes>
+</file>
+
+<file path=ppt/notesSlides/notesSlide6.xml><?xml version="1.0" encoding="utf-8"?>
+<p:notes xmlns:a="http://schemas.openxmlformats.org/drawingml/2006/main" xmlns:r="http://schemas.openxmlformats.org/officeDocument/2006/relationships" xmlns:p="http://schemas.openxmlformats.org/presentationml/2006/main">
+  <p:cSld>
+    <p:spTree>
+      <p:nvGrpSpPr>
+        <p:cNvPr id="1" name=""/>
+        <p:cNvGrpSpPr/>
+        <p:nvPr/>
+      </p:nvGrpSpPr>
+      <p:grpSpPr>
+        <a:xfrm>
+          <a:off x="0" y="0"/>
+          <a:ext cx="0" cy="0"/>
+          <a:chOff x="0" y="0"/>
+          <a:chExt cx="0" cy="0"/>
+        </a:xfrm>
+      </p:grpSpPr>
+      <p:sp>
+        <p:nvSpPr>
+          <p:cNvPr id="2" name="Espace réservé de l'image des diapositives 1"/>
+          <p:cNvSpPr>
+            <a:spLocks noGrp="1" noRot="1" noChangeAspect="1"/>
+          </p:cNvSpPr>
+          <p:nvPr>
+            <p:ph type="sldImg"/>
+          </p:nvPr>
+        </p:nvSpPr>
+        <p:spPr/>
+      </p:sp>
+      <p:sp>
+        <p:nvSpPr>
+          <p:cNvPr id="3" name="Espace réservé des notes 2"/>
+          <p:cNvSpPr>
+            <a:spLocks noGrp="1"/>
+          </p:cNvSpPr>
+          <p:nvPr>
+            <p:ph type="body" idx="1"/>
+          </p:nvPr>
+        </p:nvSpPr>
+        <p:spPr/>
+        <p:txBody>
+          <a:bodyPr/>
+          <a:lstStyle/>
+          <a:p>
+            <a:endParaRPr lang="fr-FR" dirty="0"/>
+          </a:p>
+        </p:txBody>
+      </p:sp>
+      <p:sp>
+        <p:nvSpPr>
+          <p:cNvPr id="4" name="Espace réservé du numéro de diapositive 3"/>
+          <p:cNvSpPr>
+            <a:spLocks noGrp="1"/>
+          </p:cNvSpPr>
+          <p:nvPr>
+            <p:ph type="sldNum" sz="quarter" idx="5"/>
+          </p:nvPr>
+        </p:nvSpPr>
+        <p:spPr/>
+        <p:txBody>
+          <a:bodyPr/>
+          <a:lstStyle/>
+          <a:p>
+            <a:fld id="{741171B4-A1B5-4DF7-90FF-2BB55EBEAF8E}" type="slidenum">
+              <a:rPr lang="fr-FR" smtClean="0"/>
               <a:t>19</a:t>
+            </a:fld>
+            <a:endParaRPr lang="fr-FR"/>
+          </a:p>
+        </p:txBody>
+      </p:sp>
+    </p:spTree>
+    <p:extLst>
+      <p:ext uri="{BB962C8B-B14F-4D97-AF65-F5344CB8AC3E}">
+        <p14:creationId xmlns:p14="http://schemas.microsoft.com/office/powerpoint/2010/main" val="2110438634"/>
+      </p:ext>
+    </p:extLst>
+  </p:cSld>
+  <p:clrMapOvr>
+    <a:masterClrMapping/>
+  </p:clrMapOvr>
+</p:notes>
+</file>
+
+<file path=ppt/notesSlides/notesSlide7.xml><?xml version="1.0" encoding="utf-8"?>
+<p:notes xmlns:a="http://schemas.openxmlformats.org/drawingml/2006/main" xmlns:r="http://schemas.openxmlformats.org/officeDocument/2006/relationships" xmlns:p="http://schemas.openxmlformats.org/presentationml/2006/main">
+  <p:cSld>
+    <p:spTree>
+      <p:nvGrpSpPr>
+        <p:cNvPr id="1" name=""/>
+        <p:cNvGrpSpPr/>
+        <p:nvPr/>
+      </p:nvGrpSpPr>
+      <p:grpSpPr>
+        <a:xfrm>
+          <a:off x="0" y="0"/>
+          <a:ext cx="0" cy="0"/>
+          <a:chOff x="0" y="0"/>
+          <a:chExt cx="0" cy="0"/>
+        </a:xfrm>
+      </p:grpSpPr>
+      <p:sp>
+        <p:nvSpPr>
+          <p:cNvPr id="2" name="Espace réservé de l'image des diapositives 1"/>
+          <p:cNvSpPr>
+            <a:spLocks noGrp="1" noRot="1" noChangeAspect="1"/>
+          </p:cNvSpPr>
+          <p:nvPr>
+            <p:ph type="sldImg"/>
+          </p:nvPr>
+        </p:nvSpPr>
+        <p:spPr/>
+      </p:sp>
+      <p:sp>
+        <p:nvSpPr>
+          <p:cNvPr id="3" name="Espace réservé des notes 2"/>
+          <p:cNvSpPr>
+            <a:spLocks noGrp="1"/>
+          </p:cNvSpPr>
+          <p:nvPr>
+            <p:ph type="body" idx="1"/>
+          </p:nvPr>
+        </p:nvSpPr>
+        <p:spPr/>
+        <p:txBody>
+          <a:bodyPr/>
+          <a:lstStyle/>
+          <a:p>
+            <a:endParaRPr lang="fr-FR" dirty="0"/>
+          </a:p>
+        </p:txBody>
+      </p:sp>
+      <p:sp>
+        <p:nvSpPr>
+          <p:cNvPr id="4" name="Espace réservé du numéro de diapositive 3"/>
+          <p:cNvSpPr>
+            <a:spLocks noGrp="1"/>
+          </p:cNvSpPr>
+          <p:nvPr>
+            <p:ph type="sldNum" sz="quarter" idx="5"/>
+          </p:nvPr>
+        </p:nvSpPr>
+        <p:spPr/>
+        <p:txBody>
+          <a:bodyPr/>
+          <a:lstStyle/>
+          <a:p>
+            <a:fld id="{741171B4-A1B5-4DF7-90FF-2BB55EBEAF8E}" type="slidenum">
+              <a:rPr lang="fr-FR" smtClean="0"/>
+              <a:t>20</a:t>
+            </a:fld>
+            <a:endParaRPr lang="fr-FR"/>
+          </a:p>
+        </p:txBody>
+      </p:sp>
+    </p:spTree>
+    <p:extLst>
+      <p:ext uri="{BB962C8B-B14F-4D97-AF65-F5344CB8AC3E}">
+        <p14:creationId xmlns:p14="http://schemas.microsoft.com/office/powerpoint/2010/main" val="3434227743"/>
+      </p:ext>
+    </p:extLst>
+  </p:cSld>
+  <p:clrMapOvr>
+    <a:masterClrMapping/>
+  </p:clrMapOvr>
+</p:notes>
+</file>
+
+<file path=ppt/notesSlides/notesSlide8.xml><?xml version="1.0" encoding="utf-8"?>
+<p:notes xmlns:a="http://schemas.openxmlformats.org/drawingml/2006/main" xmlns:r="http://schemas.openxmlformats.org/officeDocument/2006/relationships" xmlns:p="http://schemas.openxmlformats.org/presentationml/2006/main">
+  <p:cSld>
+    <p:spTree>
+      <p:nvGrpSpPr>
+        <p:cNvPr id="1" name=""/>
+        <p:cNvGrpSpPr/>
+        <p:nvPr/>
+      </p:nvGrpSpPr>
+      <p:grpSpPr>
+        <a:xfrm>
+          <a:off x="0" y="0"/>
+          <a:ext cx="0" cy="0"/>
+          <a:chOff x="0" y="0"/>
+          <a:chExt cx="0" cy="0"/>
+        </a:xfrm>
+      </p:grpSpPr>
+      <p:sp>
+        <p:nvSpPr>
+          <p:cNvPr id="2" name="Espace réservé de l'image des diapositives 1"/>
+          <p:cNvSpPr>
+            <a:spLocks noGrp="1" noRot="1" noChangeAspect="1"/>
+          </p:cNvSpPr>
+          <p:nvPr>
+            <p:ph type="sldImg"/>
+          </p:nvPr>
+        </p:nvSpPr>
+        <p:spPr/>
+      </p:sp>
+      <p:sp>
+        <p:nvSpPr>
+          <p:cNvPr id="3" name="Espace réservé des notes 2"/>
+          <p:cNvSpPr>
+            <a:spLocks noGrp="1"/>
+          </p:cNvSpPr>
+          <p:nvPr>
+            <p:ph type="body" idx="1"/>
+          </p:nvPr>
+        </p:nvSpPr>
+        <p:spPr/>
+        <p:txBody>
+          <a:bodyPr/>
+          <a:lstStyle/>
+          <a:p>
+            <a:endParaRPr lang="fr-FR" dirty="0"/>
+          </a:p>
+        </p:txBody>
+      </p:sp>
+      <p:sp>
+        <p:nvSpPr>
+          <p:cNvPr id="4" name="Espace réservé du numéro de diapositive 3"/>
+          <p:cNvSpPr>
+            <a:spLocks noGrp="1"/>
+          </p:cNvSpPr>
+          <p:nvPr>
+            <p:ph type="sldNum" sz="quarter" idx="5"/>
+          </p:nvPr>
+        </p:nvSpPr>
+        <p:spPr/>
+        <p:txBody>
+          <a:bodyPr/>
+          <a:lstStyle/>
+          <a:p>
+            <a:fld id="{741171B4-A1B5-4DF7-90FF-2BB55EBEAF8E}" type="slidenum">
+              <a:rPr lang="fr-FR" smtClean="0"/>
+              <a:t>21</a:t>
             </a:fld>
             <a:endParaRPr lang="fr-FR"/>
           </a:p>
@@ -5539,6 +5793,532 @@
 <file path=ppt/slides/slide10.xml><?xml version="1.0" encoding="utf-8"?>
 <p:sld xmlns:a="http://schemas.openxmlformats.org/drawingml/2006/main" xmlns:r="http://schemas.openxmlformats.org/officeDocument/2006/relationships" xmlns:p="http://schemas.openxmlformats.org/presentationml/2006/main">
   <p:cSld>
+    <p:spTree>
+      <p:nvGrpSpPr>
+        <p:cNvPr id="1" name=""/>
+        <p:cNvGrpSpPr/>
+        <p:nvPr/>
+      </p:nvGrpSpPr>
+      <p:grpSpPr>
+        <a:xfrm>
+          <a:off x="0" y="0"/>
+          <a:ext cx="0" cy="0"/>
+          <a:chOff x="0" y="0"/>
+          <a:chExt cx="0" cy="0"/>
+        </a:xfrm>
+      </p:grpSpPr>
+      <p:sp>
+        <p:nvSpPr>
+          <p:cNvPr id="148" name="CustomShape 1"/>
+          <p:cNvSpPr/>
+          <p:nvPr/>
+        </p:nvSpPr>
+        <p:spPr>
+          <a:xfrm>
+            <a:off x="240" y="1361160"/>
+            <a:ext cx="12191760" cy="5496840"/>
+          </a:xfrm>
+          <a:prstGeom prst="rect">
+            <a:avLst/>
+          </a:prstGeom>
+          <a:gradFill rotWithShape="0">
+            <a:gsLst>
+              <a:gs pos="0">
+                <a:srgbClr val="3965B5"/>
+              </a:gs>
+              <a:gs pos="100000">
+                <a:srgbClr val="3965B5"/>
+              </a:gs>
+            </a:gsLst>
+            <a:lin ang="4200000"/>
+          </a:gradFill>
+          <a:ln>
+            <a:noFill/>
+          </a:ln>
+        </p:spPr>
+        <p:style>
+          <a:lnRef idx="2">
+            <a:schemeClr val="accent1">
+              <a:shade val="50000"/>
+            </a:schemeClr>
+          </a:lnRef>
+          <a:fillRef idx="1">
+            <a:schemeClr val="accent1"/>
+          </a:fillRef>
+          <a:effectRef idx="0">
+            <a:schemeClr val="accent1"/>
+          </a:effectRef>
+          <a:fontRef idx="minor"/>
+        </p:style>
+      </p:sp>
+      <p:grpSp>
+        <p:nvGrpSpPr>
+          <p:cNvPr id="149" name="Group 2"/>
+          <p:cNvGrpSpPr/>
+          <p:nvPr/>
+        </p:nvGrpSpPr>
+        <p:grpSpPr>
+          <a:xfrm>
+            <a:off x="0" y="360"/>
+            <a:ext cx="12191760" cy="3048840"/>
+            <a:chOff x="0" y="360"/>
+            <a:chExt cx="12191760" cy="3048840"/>
+          </a:xfrm>
+        </p:grpSpPr>
+        <p:pic>
+          <p:nvPicPr>
+            <p:cNvPr id="150" name="Picture 10"/>
+            <p:cNvPicPr/>
+            <p:nvPr/>
+          </p:nvPicPr>
+          <p:blipFill>
+            <a:blip r:embed="rId3"/>
+            <a:srcRect t="45717" b="9819"/>
+            <a:stretch/>
+          </p:blipFill>
+          <p:spPr>
+            <a:xfrm rot="10800000" flipH="1">
+              <a:off x="0" y="0"/>
+              <a:ext cx="12191760" cy="3048840"/>
+            </a:xfrm>
+            <a:prstGeom prst="rect">
+              <a:avLst/>
+            </a:prstGeom>
+            <a:ln w="0">
+              <a:noFill/>
+            </a:ln>
+          </p:spPr>
+        </p:pic>
+        <p:sp>
+          <p:nvSpPr>
+            <p:cNvPr id="151" name="CustomShape 3"/>
+            <p:cNvSpPr/>
+            <p:nvPr/>
+          </p:nvSpPr>
+          <p:spPr>
+            <a:xfrm flipV="1">
+              <a:off x="2067480" y="1076400"/>
+              <a:ext cx="373320" cy="405000"/>
+            </a:xfrm>
+            <a:prstGeom prst="ellipse">
+              <a:avLst/>
+            </a:prstGeom>
+            <a:solidFill>
+              <a:srgbClr val="FFFFFF"/>
+            </a:solidFill>
+            <a:ln>
+              <a:noFill/>
+            </a:ln>
+          </p:spPr>
+          <p:style>
+            <a:lnRef idx="2">
+              <a:schemeClr val="accent1">
+                <a:shade val="50000"/>
+              </a:schemeClr>
+            </a:lnRef>
+            <a:fillRef idx="1">
+              <a:schemeClr val="accent1"/>
+            </a:fillRef>
+            <a:effectRef idx="0">
+              <a:schemeClr val="accent1"/>
+            </a:effectRef>
+            <a:fontRef idx="minor"/>
+          </p:style>
+        </p:sp>
+      </p:grpSp>
+      <p:sp>
+        <p:nvSpPr>
+          <p:cNvPr id="152" name="TextShape 4"/>
+          <p:cNvSpPr txBox="1"/>
+          <p:nvPr/>
+        </p:nvSpPr>
+        <p:spPr>
+          <a:xfrm>
+            <a:off x="1179360" y="448200"/>
+            <a:ext cx="9833040" cy="1066320"/>
+          </a:xfrm>
+          <a:prstGeom prst="rect">
+            <a:avLst/>
+          </a:prstGeom>
+          <a:noFill/>
+          <a:ln w="0">
+            <a:noFill/>
+          </a:ln>
+        </p:spPr>
+        <p:txBody>
+          <a:bodyPr anchor="ctr">
+            <a:normAutofit/>
+          </a:bodyPr>
+          <a:lstStyle/>
+          <a:p>
+            <a:pPr>
+              <a:lnSpc>
+                <a:spcPct val="90000"/>
+              </a:lnSpc>
+            </a:pPr>
+            <a:r>
+              <a:rPr lang="fr-FR" sz="4000" b="0" strike="noStrike" spc="-1" dirty="0">
+                <a:solidFill>
+                  <a:srgbClr val="3F3F3F"/>
+                </a:solidFill>
+                <a:latin typeface="Calibri Light"/>
+              </a:rPr>
+              <a:t>V. </a:t>
+            </a:r>
+            <a:r>
+              <a:rPr lang="fr-FR" sz="3600" b="0" strike="noStrike" spc="-1" dirty="0" smtClean="0">
+                <a:solidFill>
+                  <a:srgbClr val="000000"/>
+                </a:solidFill>
+                <a:latin typeface="Calibri Light"/>
+              </a:rPr>
+              <a:t>Base de </a:t>
+            </a:r>
+            <a:r>
+              <a:rPr lang="fr-FR" sz="3600" b="0" strike="noStrike" spc="-1" dirty="0">
+                <a:solidFill>
+                  <a:srgbClr val="000000"/>
+                </a:solidFill>
+                <a:latin typeface="Calibri Light"/>
+              </a:rPr>
+              <a:t>données </a:t>
+            </a:r>
+            <a:endParaRPr lang="fr-FR" sz="3600" b="0" strike="noStrike" spc="-1" dirty="0">
+              <a:solidFill>
+                <a:srgbClr val="000000"/>
+              </a:solidFill>
+              <a:latin typeface="Calibri"/>
+            </a:endParaRPr>
+          </a:p>
+        </p:txBody>
+      </p:sp>
+      <p:sp>
+        <p:nvSpPr>
+          <p:cNvPr id="154" name="TextShape 6"/>
+          <p:cNvSpPr txBox="1"/>
+          <p:nvPr/>
+        </p:nvSpPr>
+        <p:spPr>
+          <a:xfrm>
+            <a:off x="838080" y="6356520"/>
+            <a:ext cx="2742840" cy="364680"/>
+          </a:xfrm>
+          <a:prstGeom prst="rect">
+            <a:avLst/>
+          </a:prstGeom>
+          <a:noFill/>
+          <a:ln w="0">
+            <a:noFill/>
+          </a:ln>
+        </p:spPr>
+        <p:txBody>
+          <a:bodyPr anchor="ctr">
+            <a:noAutofit/>
+          </a:bodyPr>
+          <a:lstStyle/>
+          <a:p>
+            <a:pPr>
+              <a:lnSpc>
+                <a:spcPct val="100000"/>
+              </a:lnSpc>
+            </a:pPr>
+            <a:r>
+              <a:rPr lang="fr-FR" sz="1200" b="0" strike="noStrike" spc="-1" dirty="0">
+                <a:solidFill>
+                  <a:srgbClr val="FFFFFF"/>
+                </a:solidFill>
+                <a:latin typeface="Calibri"/>
+              </a:rPr>
+              <a:t>LP IOTIA</a:t>
+            </a:r>
+            <a:endParaRPr lang="fr-FR" sz="1200" b="0" strike="noStrike" spc="-1" dirty="0">
+              <a:latin typeface="Times New Roman"/>
+            </a:endParaRPr>
+          </a:p>
+        </p:txBody>
+      </p:sp>
+      <p:sp>
+        <p:nvSpPr>
+          <p:cNvPr id="155" name="TextShape 7"/>
+          <p:cNvSpPr txBox="1"/>
+          <p:nvPr/>
+        </p:nvSpPr>
+        <p:spPr>
+          <a:xfrm>
+            <a:off x="8610480" y="6356520"/>
+            <a:ext cx="2742840" cy="364680"/>
+          </a:xfrm>
+          <a:prstGeom prst="rect">
+            <a:avLst/>
+          </a:prstGeom>
+          <a:noFill/>
+          <a:ln w="0">
+            <a:noFill/>
+          </a:ln>
+        </p:spPr>
+        <p:txBody>
+          <a:bodyPr anchor="ctr">
+            <a:noAutofit/>
+          </a:bodyPr>
+          <a:lstStyle/>
+          <a:p>
+            <a:pPr algn="r">
+              <a:lnSpc>
+                <a:spcPct val="100000"/>
+              </a:lnSpc>
+            </a:pPr>
+            <a:fld id="{89852E89-60D3-43A7-B38E-7FD2E7927657}" type="slidenum">
+              <a:rPr lang="fr-FR" sz="1200" b="0" strike="noStrike" spc="-1">
+                <a:solidFill>
+                  <a:srgbClr val="FFFFFF"/>
+                </a:solidFill>
+                <a:latin typeface="Calibri"/>
+              </a:rPr>
+              <a:t>10</a:t>
+            </a:fld>
+            <a:endParaRPr lang="fr-FR" sz="1200" b="0" strike="noStrike" spc="-1">
+              <a:latin typeface="Times New Roman"/>
+            </a:endParaRPr>
+          </a:p>
+        </p:txBody>
+      </p:sp>
+      <p:sp>
+        <p:nvSpPr>
+          <p:cNvPr id="19" name="TextShape 5"/>
+          <p:cNvSpPr txBox="1"/>
+          <p:nvPr/>
+        </p:nvSpPr>
+        <p:spPr>
+          <a:xfrm>
+            <a:off x="3608362" y="2668623"/>
+            <a:ext cx="4658022" cy="664978"/>
+          </a:xfrm>
+          <a:prstGeom prst="rect">
+            <a:avLst/>
+          </a:prstGeom>
+          <a:noFill/>
+          <a:ln w="0">
+            <a:noFill/>
+          </a:ln>
+        </p:spPr>
+        <p:txBody>
+          <a:bodyPr anchor="ctr">
+            <a:normAutofit fontScale="55000" lnSpcReduction="20000"/>
+          </a:bodyPr>
+          <a:lstStyle/>
+          <a:p>
+            <a:pPr>
+              <a:lnSpc>
+                <a:spcPct val="90000"/>
+              </a:lnSpc>
+              <a:spcBef>
+                <a:spcPts val="1001"/>
+              </a:spcBef>
+            </a:pPr>
+            <a:endParaRPr lang="fr-FR" sz="2800" b="0" strike="noStrike" spc="-1" dirty="0">
+              <a:solidFill>
+                <a:srgbClr val="000000"/>
+              </a:solidFill>
+              <a:latin typeface="Calibri"/>
+            </a:endParaRPr>
+          </a:p>
+          <a:p>
+            <a:r>
+              <a:rPr lang="fr-FR" sz="5800" i="1" spc="-1" dirty="0" smtClean="0">
+                <a:solidFill>
+                  <a:schemeClr val="bg1"/>
+                </a:solidFill>
+                <a:latin typeface="Calibri"/>
+              </a:rPr>
+              <a:t>Use case administrateur:</a:t>
+            </a:r>
+            <a:endParaRPr lang="fr-FR" sz="5800" b="0" i="1" strike="noStrike" spc="-1" dirty="0">
+              <a:solidFill>
+                <a:schemeClr val="bg1"/>
+              </a:solidFill>
+              <a:latin typeface="Calibri"/>
+            </a:endParaRPr>
+          </a:p>
+        </p:txBody>
+      </p:sp>
+      <p:sp>
+        <p:nvSpPr>
+          <p:cNvPr id="20" name="TextShape 5"/>
+          <p:cNvSpPr txBox="1"/>
+          <p:nvPr/>
+        </p:nvSpPr>
+        <p:spPr>
+          <a:xfrm>
+            <a:off x="1594270" y="4077513"/>
+            <a:ext cx="2359549" cy="664978"/>
+          </a:xfrm>
+          <a:prstGeom prst="rect">
+            <a:avLst/>
+          </a:prstGeom>
+          <a:noFill/>
+          <a:ln w="0">
+            <a:noFill/>
+          </a:ln>
+        </p:spPr>
+        <p:txBody>
+          <a:bodyPr anchor="ctr">
+            <a:normAutofit fontScale="47500" lnSpcReduction="20000"/>
+          </a:bodyPr>
+          <a:lstStyle/>
+          <a:p>
+            <a:pPr>
+              <a:lnSpc>
+                <a:spcPct val="90000"/>
+              </a:lnSpc>
+              <a:spcBef>
+                <a:spcPts val="1001"/>
+              </a:spcBef>
+            </a:pPr>
+            <a:endParaRPr lang="fr-FR" sz="2800" b="0" strike="noStrike" spc="-1" dirty="0">
+              <a:solidFill>
+                <a:srgbClr val="000000"/>
+              </a:solidFill>
+              <a:latin typeface="Calibri"/>
+            </a:endParaRPr>
+          </a:p>
+          <a:p>
+            <a:r>
+              <a:rPr lang="fr-FR" sz="5800" spc="-1" dirty="0" smtClean="0">
+                <a:solidFill>
+                  <a:schemeClr val="bg1"/>
+                </a:solidFill>
+                <a:latin typeface="Calibri"/>
+              </a:rPr>
+              <a:t>Administrateur</a:t>
+            </a:r>
+            <a:endParaRPr lang="fr-FR" sz="5800" b="0" strike="noStrike" spc="-1" dirty="0">
+              <a:solidFill>
+                <a:schemeClr val="bg1"/>
+              </a:solidFill>
+              <a:latin typeface="Calibri"/>
+            </a:endParaRPr>
+          </a:p>
+        </p:txBody>
+      </p:sp>
+      <p:cxnSp>
+        <p:nvCxnSpPr>
+          <p:cNvPr id="24" name="Connecteur droit avec flèche 23"/>
+          <p:cNvCxnSpPr/>
+          <p:nvPr/>
+        </p:nvCxnSpPr>
+        <p:spPr>
+          <a:xfrm>
+            <a:off x="4518771" y="4523982"/>
+            <a:ext cx="794327" cy="0"/>
+          </a:xfrm>
+          <a:prstGeom prst="straightConnector1">
+            <a:avLst/>
+          </a:prstGeom>
+          <a:ln w="25400">
+            <a:solidFill>
+              <a:schemeClr val="tx1"/>
+            </a:solidFill>
+            <a:tailEnd type="triangle"/>
+          </a:ln>
+        </p:spPr>
+        <p:style>
+          <a:lnRef idx="1">
+            <a:schemeClr val="accent1"/>
+          </a:lnRef>
+          <a:fillRef idx="0">
+            <a:schemeClr val="accent1"/>
+          </a:fillRef>
+          <a:effectRef idx="0">
+            <a:schemeClr val="accent1"/>
+          </a:effectRef>
+          <a:fontRef idx="minor">
+            <a:schemeClr val="tx1"/>
+          </a:fontRef>
+        </p:style>
+      </p:cxnSp>
+      <p:sp>
+        <p:nvSpPr>
+          <p:cNvPr id="25" name="TextShape 5"/>
+          <p:cNvSpPr txBox="1"/>
+          <p:nvPr/>
+        </p:nvSpPr>
+        <p:spPr>
+          <a:xfrm>
+            <a:off x="5862510" y="3961801"/>
+            <a:ext cx="3696678" cy="1082938"/>
+          </a:xfrm>
+          <a:prstGeom prst="rect">
+            <a:avLst/>
+          </a:prstGeom>
+          <a:noFill/>
+          <a:ln w="0">
+            <a:noFill/>
+          </a:ln>
+        </p:spPr>
+        <p:txBody>
+          <a:bodyPr anchor="ctr">
+            <a:normAutofit fontScale="92500" lnSpcReduction="20000"/>
+          </a:bodyPr>
+          <a:lstStyle/>
+          <a:p>
+            <a:pPr>
+              <a:lnSpc>
+                <a:spcPct val="90000"/>
+              </a:lnSpc>
+              <a:spcBef>
+                <a:spcPts val="1001"/>
+              </a:spcBef>
+            </a:pPr>
+            <a:endParaRPr lang="fr-FR" sz="2800" b="0" strike="noStrike" spc="-1" dirty="0">
+              <a:solidFill>
+                <a:srgbClr val="000000"/>
+              </a:solidFill>
+              <a:latin typeface="Calibri"/>
+            </a:endParaRPr>
+          </a:p>
+          <a:p>
+            <a:pPr algn="ctr"/>
+            <a:r>
+              <a:rPr lang="fr-FR" sz="3000" spc="-1" dirty="0" smtClean="0">
+                <a:solidFill>
+                  <a:schemeClr val="bg1"/>
+                </a:solidFill>
+                <a:latin typeface="Calibri"/>
+              </a:rPr>
+              <a:t>Modifications dans la BDD</a:t>
+            </a:r>
+            <a:endParaRPr lang="fr-FR" sz="3000" b="0" strike="noStrike" spc="-1" dirty="0">
+              <a:solidFill>
+                <a:schemeClr val="bg1"/>
+              </a:solidFill>
+              <a:latin typeface="Calibri"/>
+            </a:endParaRPr>
+          </a:p>
+        </p:txBody>
+      </p:sp>
+    </p:spTree>
+    <p:extLst>
+      <p:ext uri="{BB962C8B-B14F-4D97-AF65-F5344CB8AC3E}">
+        <p14:creationId xmlns:p14="http://schemas.microsoft.com/office/powerpoint/2010/main" val="1667552134"/>
+      </p:ext>
+    </p:extLst>
+  </p:cSld>
+  <p:clrMapOvr>
+    <a:masterClrMapping/>
+  </p:clrMapOvr>
+  <p:timing>
+    <p:tnLst>
+      <p:par>
+        <p:cTn id="1" dur="indefinite" restart="never" nodeType="tmRoot"/>
+      </p:par>
+    </p:tnLst>
+  </p:timing>
+</p:sld>
+</file>
+
+<file path=ppt/slides/slide11.xml><?xml version="1.0" encoding="utf-8"?>
+<p:sld xmlns:a="http://schemas.openxmlformats.org/drawingml/2006/main" xmlns:r="http://schemas.openxmlformats.org/officeDocument/2006/relationships" xmlns:p="http://schemas.openxmlformats.org/presentationml/2006/main">
+  <p:cSld>
     <p:bg>
       <p:bgPr>
         <a:solidFill>
@@ -5569,7 +6349,7 @@
         </p:nvSpPr>
         <p:spPr>
           <a:xfrm>
-            <a:off x="0" y="1361160"/>
+            <a:off x="0" y="1360800"/>
             <a:ext cx="12191760" cy="5496840"/>
           </a:xfrm>
           <a:prstGeom prst="rect">
@@ -5869,11 +6649,301 @@
                 </a:solidFill>
                 <a:latin typeface="Calibri"/>
               </a:rPr>
-              <a:t>10</a:t>
+              <a:t>11</a:t>
             </a:fld>
             <a:endParaRPr lang="fr-FR" sz="1200" b="0" strike="noStrike" spc="-1">
               <a:latin typeface="Times New Roman"/>
             </a:endParaRPr>
+          </a:p>
+        </p:txBody>
+      </p:sp>
+      <p:pic>
+        <p:nvPicPr>
+          <p:cNvPr id="164" name="Image 163"/>
+          <p:cNvPicPr/>
+          <p:nvPr/>
+        </p:nvPicPr>
+        <p:blipFill>
+          <a:blip r:embed="rId3"/>
+          <a:stretch/>
+        </p:blipFill>
+        <p:spPr>
+          <a:xfrm>
+            <a:off x="0" y="2340000"/>
+            <a:ext cx="2733480" cy="1666440"/>
+          </a:xfrm>
+          <a:prstGeom prst="rect">
+            <a:avLst/>
+          </a:prstGeom>
+          <a:ln w="0">
+            <a:noFill/>
+          </a:ln>
+        </p:spPr>
+      </p:pic>
+      <p:pic>
+        <p:nvPicPr>
+          <p:cNvPr id="165" name="Image 164"/>
+          <p:cNvPicPr/>
+          <p:nvPr/>
+        </p:nvPicPr>
+        <p:blipFill>
+          <a:blip r:embed="rId4"/>
+          <a:stretch/>
+        </p:blipFill>
+        <p:spPr>
+          <a:xfrm>
+            <a:off x="10013400" y="2340000"/>
+            <a:ext cx="1788959" cy="1066320"/>
+          </a:xfrm>
+          <a:prstGeom prst="rect">
+            <a:avLst/>
+          </a:prstGeom>
+          <a:ln w="0">
+            <a:noFill/>
+          </a:ln>
+        </p:spPr>
+      </p:pic>
+      <p:pic>
+        <p:nvPicPr>
+          <p:cNvPr id="166" name="Image 165"/>
+          <p:cNvPicPr/>
+          <p:nvPr/>
+        </p:nvPicPr>
+        <p:blipFill>
+          <a:blip r:embed="rId5"/>
+          <a:stretch/>
+        </p:blipFill>
+        <p:spPr>
+          <a:xfrm>
+            <a:off x="3201840" y="2340000"/>
+            <a:ext cx="6158160" cy="1980000"/>
+          </a:xfrm>
+          <a:prstGeom prst="rect">
+            <a:avLst/>
+          </a:prstGeom>
+          <a:ln w="0">
+            <a:noFill/>
+          </a:ln>
+        </p:spPr>
+      </p:pic>
+      <p:sp>
+        <p:nvSpPr>
+          <p:cNvPr id="167" name="TextShape 8"/>
+          <p:cNvSpPr txBox="1"/>
+          <p:nvPr/>
+        </p:nvSpPr>
+        <p:spPr>
+          <a:xfrm>
+            <a:off x="0" y="4569840"/>
+            <a:ext cx="8820000" cy="1626120"/>
+          </a:xfrm>
+          <a:prstGeom prst="rect">
+            <a:avLst/>
+          </a:prstGeom>
+          <a:noFill/>
+          <a:ln w="0">
+            <a:noFill/>
+          </a:ln>
+        </p:spPr>
+        <p:txBody>
+          <a:bodyPr lIns="90000" tIns="45000" rIns="90000" bIns="45000">
+            <a:noAutofit/>
+          </a:bodyPr>
+          <a:lstStyle/>
+          <a:p>
+            <a:r>
+              <a:rPr lang="fr-FR" sz="1800" b="0" strike="noStrike" spc="-1" dirty="0">
+                <a:latin typeface="Arial"/>
+              </a:rPr>
+              <a:t>-</a:t>
+            </a:r>
+            <a:r>
+              <a:rPr lang="fr-FR" sz="1800" b="0" strike="noStrike" spc="-1" dirty="0" err="1">
+                <a:latin typeface="Arial"/>
+              </a:rPr>
+              <a:t>WebService</a:t>
+            </a:r>
+            <a:r>
+              <a:rPr lang="fr-FR" sz="1800" b="0" strike="noStrike" spc="-1" dirty="0">
+                <a:latin typeface="Arial"/>
+              </a:rPr>
+              <a:t> REST réalisé en Node </a:t>
+            </a:r>
+            <a:r>
+              <a:rPr lang="fr-FR" sz="1800" b="0" strike="noStrike" spc="-1" dirty="0" err="1">
+                <a:latin typeface="Arial"/>
+              </a:rPr>
+              <a:t>Js</a:t>
+            </a:r>
+            <a:r>
+              <a:rPr lang="fr-FR" sz="1800" b="0" strike="noStrike" spc="-1" dirty="0">
+                <a:latin typeface="Arial"/>
+              </a:rPr>
+              <a:t> , qui est composé de 6 services.</a:t>
+            </a:r>
+          </a:p>
+          <a:p>
+            <a:r>
+              <a:rPr lang="fr-FR" sz="1800" b="0" strike="noStrike" spc="-1" dirty="0">
+                <a:latin typeface="Arial"/>
+              </a:rPr>
+              <a:t>-Infra Admin sécurisé par </a:t>
+            </a:r>
+            <a:r>
+              <a:rPr lang="fr-FR" sz="1800" b="0" strike="noStrike" spc="-1" dirty="0" err="1">
+                <a:latin typeface="Arial"/>
+              </a:rPr>
+              <a:t>token</a:t>
+            </a:r>
+            <a:r>
+              <a:rPr lang="fr-FR" sz="1800" b="0" strike="noStrike" spc="-1" dirty="0">
+                <a:latin typeface="Arial"/>
+              </a:rPr>
+              <a:t> (JWT).</a:t>
+            </a:r>
+          </a:p>
+          <a:p>
+            <a:r>
+              <a:rPr lang="fr-FR" sz="1800" b="0" strike="noStrike" spc="-1" dirty="0">
+                <a:latin typeface="Arial"/>
+              </a:rPr>
+              <a:t>-Tourne sur un VPS sous un nom de domaine spécifique (webservice.lensalex.fr ).</a:t>
+            </a:r>
+          </a:p>
+          <a:p>
+            <a:r>
+              <a:rPr lang="fr-FR" sz="1800" b="0" strike="noStrike" spc="-1" dirty="0">
+                <a:latin typeface="Arial"/>
+              </a:rPr>
+              <a:t>-Requête vers la base de données (</a:t>
+            </a:r>
+            <a:r>
+              <a:rPr lang="fr-FR" sz="1800" b="0" strike="noStrike" spc="-1" dirty="0" err="1">
+                <a:latin typeface="Arial"/>
+              </a:rPr>
+              <a:t>mysql</a:t>
+            </a:r>
+            <a:r>
+              <a:rPr lang="fr-FR" sz="1800" b="0" strike="noStrike" spc="-1" dirty="0">
+                <a:latin typeface="Arial"/>
+              </a:rPr>
+              <a:t>) pour GET , POST , DELETE ou PUT.</a:t>
+            </a:r>
+          </a:p>
+          <a:p>
+            <a:r>
+              <a:rPr lang="fr-FR" sz="1800" b="0" strike="noStrike" spc="-1" dirty="0">
+                <a:latin typeface="Arial"/>
+              </a:rPr>
+              <a:t>-Chaque service possède ça documentation </a:t>
+            </a:r>
+            <a:r>
+              <a:rPr lang="fr-FR" sz="1800" b="0" strike="noStrike" spc="-1" dirty="0" err="1">
+                <a:latin typeface="Arial"/>
+              </a:rPr>
+              <a:t>swagger</a:t>
+            </a:r>
+            <a:r>
+              <a:rPr lang="fr-FR" sz="1800" b="0" strike="noStrike" spc="-1" dirty="0">
+                <a:latin typeface="Arial"/>
+              </a:rPr>
+              <a:t>.</a:t>
+            </a:r>
+          </a:p>
+          <a:p>
+            <a:r>
+              <a:rPr lang="fr-FR" sz="1800" b="0" strike="noStrike" spc="-1" dirty="0">
+                <a:latin typeface="Arial"/>
+              </a:rPr>
+              <a:t>-Exploitation sur un site web (sous .net </a:t>
+            </a:r>
+            <a:r>
+              <a:rPr lang="fr-FR" sz="1800" b="0" strike="noStrike" spc="-1" dirty="0" err="1">
+                <a:latin typeface="Arial"/>
+              </a:rPr>
+              <a:t>core</a:t>
+            </a:r>
+            <a:r>
+              <a:rPr lang="fr-FR" sz="1800" b="0" strike="noStrike" spc="-1" dirty="0">
+                <a:latin typeface="Arial"/>
+              </a:rPr>
+              <a:t>) et application mobile (sous </a:t>
+            </a:r>
+            <a:r>
+              <a:rPr lang="fr-FR" sz="1800" b="0" strike="noStrike" spc="-1" dirty="0" err="1">
+                <a:latin typeface="Arial"/>
+              </a:rPr>
+              <a:t>xamarin</a:t>
+            </a:r>
+            <a:r>
+              <a:rPr lang="fr-FR" sz="1800" b="0" strike="noStrike" spc="-1" dirty="0">
+                <a:latin typeface="Arial"/>
+              </a:rPr>
+              <a:t>).</a:t>
+            </a:r>
+          </a:p>
+        </p:txBody>
+      </p:sp>
+      <p:pic>
+        <p:nvPicPr>
+          <p:cNvPr id="168" name="Image 167"/>
+          <p:cNvPicPr/>
+          <p:nvPr/>
+        </p:nvPicPr>
+        <p:blipFill>
+          <a:blip r:embed="rId6"/>
+          <a:stretch/>
+        </p:blipFill>
+        <p:spPr>
+          <a:xfrm>
+            <a:off x="9455085" y="3566880"/>
+            <a:ext cx="2604915" cy="2553120"/>
+          </a:xfrm>
+          <a:prstGeom prst="rect">
+            <a:avLst/>
+          </a:prstGeom>
+          <a:ln w="0">
+            <a:noFill/>
+          </a:ln>
+        </p:spPr>
+      </p:pic>
+      <p:sp>
+        <p:nvSpPr>
+          <p:cNvPr id="169" name="TextShape 9"/>
+          <p:cNvSpPr txBox="1"/>
+          <p:nvPr/>
+        </p:nvSpPr>
+        <p:spPr>
+          <a:xfrm>
+            <a:off x="9900000" y="5994360"/>
+            <a:ext cx="2160000" cy="689760"/>
+          </a:xfrm>
+          <a:prstGeom prst="rect">
+            <a:avLst/>
+          </a:prstGeom>
+          <a:noFill/>
+          <a:ln w="0">
+            <a:noFill/>
+          </a:ln>
+        </p:spPr>
+        <p:txBody>
+          <a:bodyPr lIns="90000" tIns="45000" rIns="90000" bIns="45000">
+            <a:noAutofit/>
+          </a:bodyPr>
+          <a:lstStyle/>
+          <a:p>
+            <a:r>
+              <a:rPr lang="fr-FR" sz="800" b="0" strike="noStrike" spc="-1">
+                <a:latin typeface="Arial"/>
+              </a:rPr>
+              <a:t>Documentation  Service Infrastructure</a:t>
+            </a:r>
+            <a:r>
+              <a:rPr lang="fr-FR" sz="1800" b="0" strike="noStrike" spc="-1">
+                <a:latin typeface="Arial"/>
+              </a:rPr>
+              <a:t> </a:t>
+            </a:r>
           </a:p>
         </p:txBody>
       </p:sp>
@@ -5984,7 +7054,7 @@
         </p:nvSpPr>
         <p:spPr>
           <a:xfrm>
-            <a:off x="6859271" y="208300"/>
+            <a:off x="1039305" y="723432"/>
             <a:ext cx="6245258" cy="646331"/>
           </a:xfrm>
           <a:prstGeom prst="rect">
@@ -6030,156 +7100,7 @@
           </a:p>
         </p:txBody>
       </p:sp>
-      <p:pic>
-        <p:nvPicPr>
-          <p:cNvPr id="3" name="Image 2" descr="Une image contenant texte&#10;&#10;Description générée automatiquement">
-            <a:extLst>
-              <a:ext uri="{FF2B5EF4-FFF2-40B4-BE49-F238E27FC236}">
-                <a16:creationId xmlns:a16="http://schemas.microsoft.com/office/drawing/2014/main" id="{1B691C00-9F84-47DC-944D-63B0A151464D}"/>
-              </a:ext>
-            </a:extLst>
-          </p:cNvPr>
-          <p:cNvPicPr>
-            <a:picLocks noChangeAspect="1"/>
-          </p:cNvPicPr>
-          <p:nvPr/>
-        </p:nvPicPr>
-        <p:blipFill>
-          <a:blip r:embed="rId3">
-            <a:extLst>
-              <a:ext uri="{28A0092B-C50C-407E-A947-70E740481C1C}">
-                <a14:useLocalDpi xmlns:a14="http://schemas.microsoft.com/office/drawing/2010/main" val="0"/>
-              </a:ext>
-            </a:extLst>
-          </a:blip>
-          <a:stretch>
-            <a:fillRect/>
-          </a:stretch>
-        </p:blipFill>
-        <p:spPr>
-          <a:xfrm>
-            <a:off x="0" y="3715293"/>
-            <a:ext cx="4561656" cy="2563827"/>
-          </a:xfrm>
-          <a:prstGeom prst="rect">
-            <a:avLst/>
-          </a:prstGeom>
-        </p:spPr>
-      </p:pic>
-      <p:pic>
-        <p:nvPicPr>
-          <p:cNvPr id="5" name="Image 4">
-            <a:extLst>
-              <a:ext uri="{FF2B5EF4-FFF2-40B4-BE49-F238E27FC236}">
-                <a16:creationId xmlns:a16="http://schemas.microsoft.com/office/drawing/2014/main" id="{089AF844-7CA8-4127-8050-E6C9B3B1C0CD}"/>
-              </a:ext>
-            </a:extLst>
-          </p:cNvPr>
-          <p:cNvPicPr>
-            <a:picLocks noChangeAspect="1"/>
-          </p:cNvPicPr>
-          <p:nvPr/>
-        </p:nvPicPr>
-        <p:blipFill>
-          <a:blip r:embed="rId4">
-            <a:extLst>
-              <a:ext uri="{28A0092B-C50C-407E-A947-70E740481C1C}">
-                <a14:useLocalDpi xmlns:a14="http://schemas.microsoft.com/office/drawing/2010/main" val="0"/>
-              </a:ext>
-            </a:extLst>
-          </a:blip>
-          <a:stretch>
-            <a:fillRect/>
-          </a:stretch>
-        </p:blipFill>
-        <p:spPr>
-          <a:xfrm>
-            <a:off x="4967926" y="1361160"/>
-            <a:ext cx="7224074" cy="4995360"/>
-          </a:xfrm>
-          <a:prstGeom prst="rect">
-            <a:avLst/>
-          </a:prstGeom>
-        </p:spPr>
-      </p:pic>
-      <p:pic>
-        <p:nvPicPr>
-          <p:cNvPr id="9" name="Image 8">
-            <a:extLst>
-              <a:ext uri="{FF2B5EF4-FFF2-40B4-BE49-F238E27FC236}">
-                <a16:creationId xmlns:a16="http://schemas.microsoft.com/office/drawing/2014/main" id="{14B88D6C-207D-4B5E-83B4-BE3E027973B6}"/>
-              </a:ext>
-            </a:extLst>
-          </p:cNvPr>
-          <p:cNvPicPr>
-            <a:picLocks noChangeAspect="1"/>
-          </p:cNvPicPr>
-          <p:nvPr/>
-        </p:nvPicPr>
-        <p:blipFill>
-          <a:blip r:embed="rId5">
-            <a:extLst>
-              <a:ext uri="{28A0092B-C50C-407E-A947-70E740481C1C}">
-                <a14:useLocalDpi xmlns:a14="http://schemas.microsoft.com/office/drawing/2010/main" val="0"/>
-              </a:ext>
-            </a:extLst>
-          </a:blip>
-          <a:stretch>
-            <a:fillRect/>
-          </a:stretch>
-        </p:blipFill>
-        <p:spPr>
-          <a:xfrm>
-            <a:off x="240" y="-29593"/>
-            <a:ext cx="4967686" cy="1806222"/>
-          </a:xfrm>
-          <a:prstGeom prst="rect">
-            <a:avLst/>
-          </a:prstGeom>
-        </p:spPr>
-      </p:pic>
-      <p:pic>
-        <p:nvPicPr>
-          <p:cNvPr id="13" name="Image 12" descr="Une image contenant texte&#10;&#10;Description générée automatiquement">
-            <a:extLst>
-              <a:ext uri="{FF2B5EF4-FFF2-40B4-BE49-F238E27FC236}">
-                <a16:creationId xmlns:a16="http://schemas.microsoft.com/office/drawing/2014/main" id="{73E6BF96-54C9-42B9-BF8F-07DC7F2D3B2E}"/>
-              </a:ext>
-            </a:extLst>
-          </p:cNvPr>
-          <p:cNvPicPr>
-            <a:picLocks noChangeAspect="1"/>
-          </p:cNvPicPr>
-          <p:nvPr/>
-        </p:nvPicPr>
-        <p:blipFill>
-          <a:blip r:embed="rId6">
-            <a:extLst>
-              <a:ext uri="{28A0092B-C50C-407E-A947-70E740481C1C}">
-                <a14:useLocalDpi xmlns:a14="http://schemas.microsoft.com/office/drawing/2010/main" val="0"/>
-              </a:ext>
-            </a:extLst>
-          </a:blip>
-          <a:stretch>
-            <a:fillRect/>
-          </a:stretch>
-        </p:blipFill>
-        <p:spPr>
-          <a:xfrm>
-            <a:off x="0" y="1681528"/>
-            <a:ext cx="4967686" cy="1815513"/>
-          </a:xfrm>
-          <a:prstGeom prst="rect">
-            <a:avLst/>
-          </a:prstGeom>
-        </p:spPr>
-      </p:pic>
     </p:spTree>
-    <p:extLst>
-      <p:ext uri="{BB962C8B-B14F-4D97-AF65-F5344CB8AC3E}">
-        <p14:creationId xmlns:p14="http://schemas.microsoft.com/office/powerpoint/2010/main" val="2090212912"/>
-      </p:ext>
-    </p:extLst>
   </p:cSld>
   <p:clrMapOvr>
     <a:masterClrMapping/>
@@ -6187,7 +7108,7 @@
 </p:sld>
 </file>
 
-<file path=ppt/slides/slide11.xml><?xml version="1.0" encoding="utf-8"?>
+<file path=ppt/slides/slide12.xml><?xml version="1.0" encoding="utf-8"?>
 <p:sld xmlns:a="http://schemas.openxmlformats.org/drawingml/2006/main" xmlns:r="http://schemas.openxmlformats.org/officeDocument/2006/relationships" xmlns:p="http://schemas.openxmlformats.org/presentationml/2006/main">
   <p:cSld>
     <p:bg>
@@ -6220,7 +7141,7 @@
         </p:nvSpPr>
         <p:spPr>
           <a:xfrm>
-            <a:off x="0" y="1360800"/>
+            <a:off x="0" y="1361160"/>
             <a:ext cx="12191760" cy="5496840"/>
           </a:xfrm>
           <a:prstGeom prst="rect">
@@ -6520,7 +7441,658 @@
                 </a:solidFill>
                 <a:latin typeface="Calibri"/>
               </a:rPr>
-              <a:t>11</a:t>
+              <a:t>12</a:t>
+            </a:fld>
+            <a:endParaRPr lang="fr-FR" sz="1200" b="0" strike="noStrike" spc="-1">
+              <a:latin typeface="Times New Roman"/>
+            </a:endParaRPr>
+          </a:p>
+        </p:txBody>
+      </p:sp>
+      <p:grpSp>
+        <p:nvGrpSpPr>
+          <p:cNvPr id="16" name="Group 2">
+            <a:extLst>
+              <a:ext uri="{FF2B5EF4-FFF2-40B4-BE49-F238E27FC236}">
+                <a16:creationId xmlns:a16="http://schemas.microsoft.com/office/drawing/2014/main" id="{6A49982D-5055-4C14-B0C9-08CB61717D19}"/>
+              </a:ext>
+            </a:extLst>
+          </p:cNvPr>
+          <p:cNvGrpSpPr/>
+          <p:nvPr/>
+        </p:nvGrpSpPr>
+        <p:grpSpPr>
+          <a:xfrm>
+            <a:off x="0" y="-43020"/>
+            <a:ext cx="12191760" cy="3048840"/>
+            <a:chOff x="0" y="360"/>
+            <a:chExt cx="12191760" cy="3048840"/>
+          </a:xfrm>
+        </p:grpSpPr>
+        <p:pic>
+          <p:nvPicPr>
+            <p:cNvPr id="17" name="Picture 10">
+              <a:extLst>
+                <a:ext uri="{FF2B5EF4-FFF2-40B4-BE49-F238E27FC236}">
+                  <a16:creationId xmlns:a16="http://schemas.microsoft.com/office/drawing/2014/main" id="{B72641CD-9BB5-4A5F-8006-74B578FEF674}"/>
+                </a:ext>
+              </a:extLst>
+            </p:cNvPr>
+            <p:cNvPicPr/>
+            <p:nvPr/>
+          </p:nvPicPr>
+          <p:blipFill>
+            <a:blip r:embed="rId2"/>
+            <a:srcRect t="45717" b="9819"/>
+            <a:stretch/>
+          </p:blipFill>
+          <p:spPr>
+            <a:xfrm rot="10800000" flipH="1">
+              <a:off x="0" y="0"/>
+              <a:ext cx="12191760" cy="3048840"/>
+            </a:xfrm>
+            <a:prstGeom prst="rect">
+              <a:avLst/>
+            </a:prstGeom>
+            <a:ln w="0">
+              <a:noFill/>
+            </a:ln>
+          </p:spPr>
+        </p:pic>
+        <p:sp>
+          <p:nvSpPr>
+            <p:cNvPr id="18" name="CustomShape 3">
+              <a:extLst>
+                <a:ext uri="{FF2B5EF4-FFF2-40B4-BE49-F238E27FC236}">
+                  <a16:creationId xmlns:a16="http://schemas.microsoft.com/office/drawing/2014/main" id="{64A5E7BD-F345-4B5B-9F57-7ADD647321B8}"/>
+                </a:ext>
+              </a:extLst>
+            </p:cNvPr>
+            <p:cNvSpPr/>
+            <p:nvPr/>
+          </p:nvSpPr>
+          <p:spPr>
+            <a:xfrm flipV="1">
+              <a:off x="2067480" y="1076400"/>
+              <a:ext cx="373320" cy="405000"/>
+            </a:xfrm>
+            <a:prstGeom prst="ellipse">
+              <a:avLst/>
+            </a:prstGeom>
+            <a:solidFill>
+              <a:srgbClr val="FFFFFF"/>
+            </a:solidFill>
+            <a:ln>
+              <a:noFill/>
+            </a:ln>
+          </p:spPr>
+          <p:style>
+            <a:lnRef idx="2">
+              <a:schemeClr val="accent1">
+                <a:shade val="50000"/>
+              </a:schemeClr>
+            </a:lnRef>
+            <a:fillRef idx="1">
+              <a:schemeClr val="accent1"/>
+            </a:fillRef>
+            <a:effectRef idx="0">
+              <a:schemeClr val="accent1"/>
+            </a:effectRef>
+            <a:fontRef idx="minor"/>
+          </p:style>
+        </p:sp>
+      </p:grpSp>
+      <p:sp>
+        <p:nvSpPr>
+          <p:cNvPr id="22" name="ZoneTexte 21">
+            <a:extLst>
+              <a:ext uri="{FF2B5EF4-FFF2-40B4-BE49-F238E27FC236}">
+                <a16:creationId xmlns:a16="http://schemas.microsoft.com/office/drawing/2014/main" id="{53FE8E48-8A0B-419B-8A5B-C09FC2E69D6E}"/>
+              </a:ext>
+            </a:extLst>
+          </p:cNvPr>
+          <p:cNvSpPr txBox="1"/>
+          <p:nvPr/>
+        </p:nvSpPr>
+        <p:spPr>
+          <a:xfrm>
+            <a:off x="6859271" y="208300"/>
+            <a:ext cx="6245258" cy="646331"/>
+          </a:xfrm>
+          <a:prstGeom prst="rect">
+            <a:avLst/>
+          </a:prstGeom>
+          <a:noFill/>
+        </p:spPr>
+        <p:txBody>
+          <a:bodyPr wrap="square">
+            <a:spAutoFit/>
+          </a:bodyPr>
+          <a:lstStyle/>
+          <a:p>
+            <a:pPr>
+              <a:lnSpc>
+                <a:spcPct val="90000"/>
+              </a:lnSpc>
+            </a:pPr>
+            <a:r>
+              <a:rPr lang="fr-FR" sz="4000" b="0" strike="noStrike" spc="-1" dirty="0">
+                <a:solidFill>
+                  <a:srgbClr val="3F3F3F"/>
+                </a:solidFill>
+                <a:latin typeface="Calibri Light"/>
+              </a:rPr>
+              <a:t>VI. </a:t>
+            </a:r>
+            <a:r>
+              <a:rPr lang="fr-FR" sz="4000" b="0" strike="noStrike" spc="-1" dirty="0">
+                <a:solidFill>
+                  <a:srgbClr val="000000"/>
+                </a:solidFill>
+                <a:latin typeface="Calibri Light"/>
+              </a:rPr>
+              <a:t>Web Service</a:t>
+            </a:r>
+            <a:endParaRPr lang="fr-FR" sz="4000" b="0" strike="noStrike" spc="-1" dirty="0">
+              <a:solidFill>
+                <a:srgbClr val="000000"/>
+              </a:solidFill>
+              <a:latin typeface="Calibri"/>
+            </a:endParaRPr>
+          </a:p>
+        </p:txBody>
+      </p:sp>
+      <p:pic>
+        <p:nvPicPr>
+          <p:cNvPr id="3" name="Image 2" descr="Une image contenant texte&#10;&#10;Description générée automatiquement">
+            <a:extLst>
+              <a:ext uri="{FF2B5EF4-FFF2-40B4-BE49-F238E27FC236}">
+                <a16:creationId xmlns:a16="http://schemas.microsoft.com/office/drawing/2014/main" id="{1B691C00-9F84-47DC-944D-63B0A151464D}"/>
+              </a:ext>
+            </a:extLst>
+          </p:cNvPr>
+          <p:cNvPicPr>
+            <a:picLocks noChangeAspect="1"/>
+          </p:cNvPicPr>
+          <p:nvPr/>
+        </p:nvPicPr>
+        <p:blipFill>
+          <a:blip r:embed="rId3">
+            <a:extLst>
+              <a:ext uri="{28A0092B-C50C-407E-A947-70E740481C1C}">
+                <a14:useLocalDpi xmlns:a14="http://schemas.microsoft.com/office/drawing/2010/main" val="0"/>
+              </a:ext>
+            </a:extLst>
+          </a:blip>
+          <a:stretch>
+            <a:fillRect/>
+          </a:stretch>
+        </p:blipFill>
+        <p:spPr>
+          <a:xfrm>
+            <a:off x="0" y="3715293"/>
+            <a:ext cx="4561656" cy="2563827"/>
+          </a:xfrm>
+          <a:prstGeom prst="rect">
+            <a:avLst/>
+          </a:prstGeom>
+        </p:spPr>
+      </p:pic>
+      <p:pic>
+        <p:nvPicPr>
+          <p:cNvPr id="5" name="Image 4">
+            <a:extLst>
+              <a:ext uri="{FF2B5EF4-FFF2-40B4-BE49-F238E27FC236}">
+                <a16:creationId xmlns:a16="http://schemas.microsoft.com/office/drawing/2014/main" id="{089AF844-7CA8-4127-8050-E6C9B3B1C0CD}"/>
+              </a:ext>
+            </a:extLst>
+          </p:cNvPr>
+          <p:cNvPicPr>
+            <a:picLocks noChangeAspect="1"/>
+          </p:cNvPicPr>
+          <p:nvPr/>
+        </p:nvPicPr>
+        <p:blipFill>
+          <a:blip r:embed="rId4">
+            <a:extLst>
+              <a:ext uri="{28A0092B-C50C-407E-A947-70E740481C1C}">
+                <a14:useLocalDpi xmlns:a14="http://schemas.microsoft.com/office/drawing/2010/main" val="0"/>
+              </a:ext>
+            </a:extLst>
+          </a:blip>
+          <a:stretch>
+            <a:fillRect/>
+          </a:stretch>
+        </p:blipFill>
+        <p:spPr>
+          <a:xfrm>
+            <a:off x="4967926" y="1361160"/>
+            <a:ext cx="7224074" cy="4995360"/>
+          </a:xfrm>
+          <a:prstGeom prst="rect">
+            <a:avLst/>
+          </a:prstGeom>
+        </p:spPr>
+      </p:pic>
+      <p:pic>
+        <p:nvPicPr>
+          <p:cNvPr id="9" name="Image 8">
+            <a:extLst>
+              <a:ext uri="{FF2B5EF4-FFF2-40B4-BE49-F238E27FC236}">
+                <a16:creationId xmlns:a16="http://schemas.microsoft.com/office/drawing/2014/main" id="{14B88D6C-207D-4B5E-83B4-BE3E027973B6}"/>
+              </a:ext>
+            </a:extLst>
+          </p:cNvPr>
+          <p:cNvPicPr>
+            <a:picLocks noChangeAspect="1"/>
+          </p:cNvPicPr>
+          <p:nvPr/>
+        </p:nvPicPr>
+        <p:blipFill>
+          <a:blip r:embed="rId5">
+            <a:extLst>
+              <a:ext uri="{28A0092B-C50C-407E-A947-70E740481C1C}">
+                <a14:useLocalDpi xmlns:a14="http://schemas.microsoft.com/office/drawing/2010/main" val="0"/>
+              </a:ext>
+            </a:extLst>
+          </a:blip>
+          <a:stretch>
+            <a:fillRect/>
+          </a:stretch>
+        </p:blipFill>
+        <p:spPr>
+          <a:xfrm>
+            <a:off x="240" y="-29593"/>
+            <a:ext cx="4967686" cy="1806222"/>
+          </a:xfrm>
+          <a:prstGeom prst="rect">
+            <a:avLst/>
+          </a:prstGeom>
+        </p:spPr>
+      </p:pic>
+      <p:pic>
+        <p:nvPicPr>
+          <p:cNvPr id="13" name="Image 12" descr="Une image contenant texte&#10;&#10;Description générée automatiquement">
+            <a:extLst>
+              <a:ext uri="{FF2B5EF4-FFF2-40B4-BE49-F238E27FC236}">
+                <a16:creationId xmlns:a16="http://schemas.microsoft.com/office/drawing/2014/main" id="{73E6BF96-54C9-42B9-BF8F-07DC7F2D3B2E}"/>
+              </a:ext>
+            </a:extLst>
+          </p:cNvPr>
+          <p:cNvPicPr>
+            <a:picLocks noChangeAspect="1"/>
+          </p:cNvPicPr>
+          <p:nvPr/>
+        </p:nvPicPr>
+        <p:blipFill>
+          <a:blip r:embed="rId6">
+            <a:extLst>
+              <a:ext uri="{28A0092B-C50C-407E-A947-70E740481C1C}">
+                <a14:useLocalDpi xmlns:a14="http://schemas.microsoft.com/office/drawing/2010/main" val="0"/>
+              </a:ext>
+            </a:extLst>
+          </a:blip>
+          <a:stretch>
+            <a:fillRect/>
+          </a:stretch>
+        </p:blipFill>
+        <p:spPr>
+          <a:xfrm>
+            <a:off x="0" y="1681528"/>
+            <a:ext cx="4967686" cy="1815513"/>
+          </a:xfrm>
+          <a:prstGeom prst="rect">
+            <a:avLst/>
+          </a:prstGeom>
+        </p:spPr>
+      </p:pic>
+    </p:spTree>
+    <p:extLst>
+      <p:ext uri="{BB962C8B-B14F-4D97-AF65-F5344CB8AC3E}">
+        <p14:creationId xmlns:p14="http://schemas.microsoft.com/office/powerpoint/2010/main" val="2090212912"/>
+      </p:ext>
+    </p:extLst>
+  </p:cSld>
+  <p:clrMapOvr>
+    <a:masterClrMapping/>
+  </p:clrMapOvr>
+</p:sld>
+</file>
+
+<file path=ppt/slides/slide13.xml><?xml version="1.0" encoding="utf-8"?>
+<p:sld xmlns:a="http://schemas.openxmlformats.org/drawingml/2006/main" xmlns:r="http://schemas.openxmlformats.org/officeDocument/2006/relationships" xmlns:p="http://schemas.openxmlformats.org/presentationml/2006/main">
+  <p:cSld>
+    <p:bg>
+      <p:bgPr>
+        <a:solidFill>
+          <a:srgbClr val="000000"/>
+        </a:solidFill>
+        <a:effectLst/>
+      </p:bgPr>
+    </p:bg>
+    <p:spTree>
+      <p:nvGrpSpPr>
+        <p:cNvPr id="1" name=""/>
+        <p:cNvGrpSpPr/>
+        <p:nvPr/>
+      </p:nvGrpSpPr>
+      <p:grpSpPr>
+        <a:xfrm>
+          <a:off x="0" y="0"/>
+          <a:ext cx="0" cy="0"/>
+          <a:chOff x="0" y="0"/>
+          <a:chExt cx="0" cy="0"/>
+        </a:xfrm>
+      </p:grpSpPr>
+      <p:sp>
+        <p:nvSpPr>
+          <p:cNvPr id="156" name="CustomShape 1"/>
+          <p:cNvSpPr/>
+          <p:nvPr/>
+        </p:nvSpPr>
+        <p:spPr>
+          <a:xfrm>
+            <a:off x="0" y="1360800"/>
+            <a:ext cx="12191760" cy="5496840"/>
+          </a:xfrm>
+          <a:prstGeom prst="rect">
+            <a:avLst/>
+          </a:prstGeom>
+          <a:gradFill rotWithShape="0">
+            <a:gsLst>
+              <a:gs pos="0">
+                <a:srgbClr val="3965B5"/>
+              </a:gs>
+              <a:gs pos="100000">
+                <a:srgbClr val="3965B5"/>
+              </a:gs>
+            </a:gsLst>
+            <a:lin ang="4200000"/>
+          </a:gradFill>
+          <a:ln>
+            <a:noFill/>
+          </a:ln>
+        </p:spPr>
+        <p:style>
+          <a:lnRef idx="2">
+            <a:schemeClr val="accent1">
+              <a:shade val="50000"/>
+            </a:schemeClr>
+          </a:lnRef>
+          <a:fillRef idx="1">
+            <a:schemeClr val="accent1"/>
+          </a:fillRef>
+          <a:effectRef idx="0">
+            <a:schemeClr val="accent1"/>
+          </a:effectRef>
+          <a:fontRef idx="minor"/>
+        </p:style>
+      </p:sp>
+      <p:grpSp>
+        <p:nvGrpSpPr>
+          <p:cNvPr id="157" name="Group 2"/>
+          <p:cNvGrpSpPr/>
+          <p:nvPr/>
+        </p:nvGrpSpPr>
+        <p:grpSpPr>
+          <a:xfrm>
+            <a:off x="0" y="360"/>
+            <a:ext cx="12191760" cy="3048840"/>
+            <a:chOff x="0" y="360"/>
+            <a:chExt cx="12191760" cy="3048840"/>
+          </a:xfrm>
+        </p:grpSpPr>
+        <p:pic>
+          <p:nvPicPr>
+            <p:cNvPr id="158" name="Picture 10"/>
+            <p:cNvPicPr/>
+            <p:nvPr/>
+          </p:nvPicPr>
+          <p:blipFill>
+            <a:blip r:embed="rId2"/>
+            <a:srcRect t="45717" b="9819"/>
+            <a:stretch/>
+          </p:blipFill>
+          <p:spPr>
+            <a:xfrm rot="10800000" flipH="1">
+              <a:off x="0" y="0"/>
+              <a:ext cx="12191760" cy="3048840"/>
+            </a:xfrm>
+            <a:prstGeom prst="rect">
+              <a:avLst/>
+            </a:prstGeom>
+            <a:ln w="0">
+              <a:noFill/>
+            </a:ln>
+          </p:spPr>
+        </p:pic>
+        <p:sp>
+          <p:nvSpPr>
+            <p:cNvPr id="159" name="CustomShape 3"/>
+            <p:cNvSpPr/>
+            <p:nvPr/>
+          </p:nvSpPr>
+          <p:spPr>
+            <a:xfrm flipV="1">
+              <a:off x="2067480" y="1076400"/>
+              <a:ext cx="373320" cy="405000"/>
+            </a:xfrm>
+            <a:prstGeom prst="ellipse">
+              <a:avLst/>
+            </a:prstGeom>
+            <a:solidFill>
+              <a:srgbClr val="FFFFFF"/>
+            </a:solidFill>
+            <a:ln>
+              <a:noFill/>
+            </a:ln>
+          </p:spPr>
+          <p:style>
+            <a:lnRef idx="2">
+              <a:schemeClr val="accent1">
+                <a:shade val="50000"/>
+              </a:schemeClr>
+            </a:lnRef>
+            <a:fillRef idx="1">
+              <a:schemeClr val="accent1"/>
+            </a:fillRef>
+            <a:effectRef idx="0">
+              <a:schemeClr val="accent1"/>
+            </a:effectRef>
+            <a:fontRef idx="minor"/>
+          </p:style>
+        </p:sp>
+      </p:grpSp>
+      <p:sp>
+        <p:nvSpPr>
+          <p:cNvPr id="160" name="TextShape 4"/>
+          <p:cNvSpPr txBox="1"/>
+          <p:nvPr/>
+        </p:nvSpPr>
+        <p:spPr>
+          <a:xfrm>
+            <a:off x="1179360" y="448200"/>
+            <a:ext cx="9833040" cy="1066320"/>
+          </a:xfrm>
+          <a:prstGeom prst="rect">
+            <a:avLst/>
+          </a:prstGeom>
+          <a:noFill/>
+          <a:ln w="0">
+            <a:noFill/>
+          </a:ln>
+        </p:spPr>
+        <p:txBody>
+          <a:bodyPr anchor="ctr">
+            <a:normAutofit/>
+          </a:bodyPr>
+          <a:lstStyle/>
+          <a:p>
+            <a:pPr>
+              <a:lnSpc>
+                <a:spcPct val="90000"/>
+              </a:lnSpc>
+            </a:pPr>
+            <a:r>
+              <a:rPr lang="fr-FR" sz="4000" b="0" strike="noStrike" spc="-1" dirty="0">
+                <a:solidFill>
+                  <a:srgbClr val="3F3F3F"/>
+                </a:solidFill>
+                <a:latin typeface="Calibri Light"/>
+              </a:rPr>
+              <a:t>VI. </a:t>
+            </a:r>
+            <a:r>
+              <a:rPr lang="fr-FR" sz="4000" b="0" strike="noStrike" spc="-1" dirty="0">
+                <a:solidFill>
+                  <a:srgbClr val="000000"/>
+                </a:solidFill>
+                <a:latin typeface="Calibri Light"/>
+              </a:rPr>
+              <a:t>Web Service</a:t>
+            </a:r>
+            <a:endParaRPr lang="fr-FR" sz="4000" b="0" strike="noStrike" spc="-1" dirty="0">
+              <a:solidFill>
+                <a:srgbClr val="000000"/>
+              </a:solidFill>
+              <a:latin typeface="Calibri"/>
+            </a:endParaRPr>
+          </a:p>
+        </p:txBody>
+      </p:sp>
+      <p:sp>
+        <p:nvSpPr>
+          <p:cNvPr id="161" name="TextShape 5"/>
+          <p:cNvSpPr txBox="1"/>
+          <p:nvPr/>
+        </p:nvSpPr>
+        <p:spPr>
+          <a:xfrm>
+            <a:off x="1179360" y="3049200"/>
+            <a:ext cx="9833040" cy="2945160"/>
+          </a:xfrm>
+          <a:prstGeom prst="rect">
+            <a:avLst/>
+          </a:prstGeom>
+          <a:noFill/>
+          <a:ln w="0">
+            <a:noFill/>
+          </a:ln>
+        </p:spPr>
+        <p:txBody>
+          <a:bodyPr anchor="ctr">
+            <a:normAutofit/>
+          </a:bodyPr>
+          <a:lstStyle/>
+          <a:p>
+            <a:pPr>
+              <a:lnSpc>
+                <a:spcPct val="90000"/>
+              </a:lnSpc>
+              <a:spcBef>
+                <a:spcPts val="1001"/>
+              </a:spcBef>
+            </a:pPr>
+            <a:endParaRPr lang="fr-FR" sz="2800" b="0" strike="noStrike" spc="-1">
+              <a:solidFill>
+                <a:srgbClr val="000000"/>
+              </a:solidFill>
+              <a:latin typeface="Calibri"/>
+            </a:endParaRPr>
+          </a:p>
+          <a:p>
+            <a:endParaRPr lang="fr-FR" sz="2800" b="0" strike="noStrike" spc="-1">
+              <a:solidFill>
+                <a:srgbClr val="000000"/>
+              </a:solidFill>
+              <a:latin typeface="Calibri"/>
+            </a:endParaRPr>
+          </a:p>
+        </p:txBody>
+      </p:sp>
+      <p:sp>
+        <p:nvSpPr>
+          <p:cNvPr id="162" name="TextShape 6"/>
+          <p:cNvSpPr txBox="1"/>
+          <p:nvPr/>
+        </p:nvSpPr>
+        <p:spPr>
+          <a:xfrm>
+            <a:off x="838080" y="6356520"/>
+            <a:ext cx="2742840" cy="364680"/>
+          </a:xfrm>
+          <a:prstGeom prst="rect">
+            <a:avLst/>
+          </a:prstGeom>
+          <a:noFill/>
+          <a:ln w="0">
+            <a:noFill/>
+          </a:ln>
+        </p:spPr>
+        <p:txBody>
+          <a:bodyPr anchor="ctr">
+            <a:noAutofit/>
+          </a:bodyPr>
+          <a:lstStyle/>
+          <a:p>
+            <a:pPr>
+              <a:lnSpc>
+                <a:spcPct val="100000"/>
+              </a:lnSpc>
+            </a:pPr>
+            <a:r>
+              <a:rPr lang="fr-FR" sz="1200" b="0" strike="noStrike" spc="-1">
+                <a:solidFill>
+                  <a:srgbClr val="FFFFFF"/>
+                </a:solidFill>
+                <a:latin typeface="Calibri"/>
+              </a:rPr>
+              <a:t>LP IOTIA</a:t>
+            </a:r>
+            <a:endParaRPr lang="fr-FR" sz="1200" b="0" strike="noStrike" spc="-1">
+              <a:latin typeface="Times New Roman"/>
+            </a:endParaRPr>
+          </a:p>
+        </p:txBody>
+      </p:sp>
+      <p:sp>
+        <p:nvSpPr>
+          <p:cNvPr id="163" name="TextShape 7"/>
+          <p:cNvSpPr txBox="1"/>
+          <p:nvPr/>
+        </p:nvSpPr>
+        <p:spPr>
+          <a:xfrm>
+            <a:off x="8610480" y="6356520"/>
+            <a:ext cx="2742840" cy="364680"/>
+          </a:xfrm>
+          <a:prstGeom prst="rect">
+            <a:avLst/>
+          </a:prstGeom>
+          <a:noFill/>
+          <a:ln w="0">
+            <a:noFill/>
+          </a:ln>
+        </p:spPr>
+        <p:txBody>
+          <a:bodyPr anchor="ctr">
+            <a:noAutofit/>
+          </a:bodyPr>
+          <a:lstStyle/>
+          <a:p>
+            <a:pPr algn="r">
+              <a:lnSpc>
+                <a:spcPct val="100000"/>
+              </a:lnSpc>
+            </a:pPr>
+            <a:fld id="{8E43A575-004B-4A81-819A-C42D477DA0A4}" type="slidenum">
+              <a:rPr lang="fr-FR" sz="1200" b="0" strike="noStrike" spc="-1">
+                <a:solidFill>
+                  <a:srgbClr val="FFFFFF"/>
+                </a:solidFill>
+                <a:latin typeface="Calibri"/>
+              </a:rPr>
+              <a:t>13</a:t>
             </a:fld>
             <a:endParaRPr lang="fr-FR" sz="1200" b="0" strike="noStrike" spc="-1">
               <a:latin typeface="Times New Roman"/>
@@ -6577,7 +8149,7 @@
 </p:sld>
 </file>
 
-<file path=ppt/slides/slide12.xml><?xml version="1.0" encoding="utf-8"?>
+<file path=ppt/slides/slide14.xml><?xml version="1.0" encoding="utf-8"?>
 <p:sld xmlns:a="http://schemas.openxmlformats.org/drawingml/2006/main" xmlns:r="http://schemas.openxmlformats.org/officeDocument/2006/relationships" xmlns:p="http://schemas.openxmlformats.org/presentationml/2006/main">
   <p:cSld>
     <p:spTree>
@@ -6852,7 +8424,7 @@
                 </a:solidFill>
                 <a:latin typeface="Calibri"/>
               </a:rPr>
-              <a:t>12</a:t>
+              <a:t>14</a:t>
             </a:fld>
             <a:endParaRPr lang="fr-FR" sz="1200" b="0" strike="noStrike" spc="-1">
               <a:latin typeface="Times New Roman"/>
@@ -7172,7 +8744,7 @@
 </p:sld>
 </file>
 
-<file path=ppt/slides/slide13.xml><?xml version="1.0" encoding="utf-8"?>
+<file path=ppt/slides/slide15.xml><?xml version="1.0" encoding="utf-8"?>
 <p:sld xmlns:a="http://schemas.openxmlformats.org/drawingml/2006/main" xmlns:r="http://schemas.openxmlformats.org/officeDocument/2006/relationships" xmlns:p="http://schemas.openxmlformats.org/presentationml/2006/main">
   <p:cSld>
     <p:spTree>
@@ -7447,7 +9019,7 @@
                 </a:solidFill>
                 <a:latin typeface="Calibri"/>
               </a:rPr>
-              <a:t>13</a:t>
+              <a:t>15</a:t>
             </a:fld>
             <a:endParaRPr lang="fr-FR" sz="1200" b="0" strike="noStrike" spc="-1">
               <a:latin typeface="Times New Roman"/>
@@ -7463,7 +9035,7 @@
                 <a16:creationId xmlns:a16="http://schemas.microsoft.com/office/drawing/2014/main" id="{F4FD440C-6FE3-472B-B88A-7C1E64B30CFD}"/>
               </a:ext>
               <a:ext uri="{C183D7F6-B498-43B3-948B-1728B52AA6E4}">
-                <adec:decorative xmlns:adec="http://schemas.microsoft.com/office/drawing/2017/decorative" xmlns="" val="0"/>
+                <adec:decorative xmlns="" xmlns:adec="http://schemas.microsoft.com/office/drawing/2017/decorative" val="0"/>
               </a:ext>
             </a:extLst>
           </p:cNvPr>
@@ -7858,7 +9430,7 @@
 </p:sld>
 </file>
 
-<file path=ppt/slides/slide14.xml><?xml version="1.0" encoding="utf-8"?>
+<file path=ppt/slides/slide16.xml><?xml version="1.0" encoding="utf-8"?>
 <p:sld xmlns:a="http://schemas.openxmlformats.org/drawingml/2006/main" xmlns:r="http://schemas.openxmlformats.org/officeDocument/2006/relationships" xmlns:p="http://schemas.openxmlformats.org/presentationml/2006/main">
   <p:cSld>
     <p:bg>
@@ -8141,7 +9713,7 @@
                 </a:solidFill>
                 <a:latin typeface="Calibri"/>
               </a:rPr>
-              <a:t>14</a:t>
+              <a:t>16</a:t>
             </a:fld>
             <a:endParaRPr lang="fr-FR" sz="1200" b="0" strike="noStrike" spc="-1">
               <a:latin typeface="Times New Roman"/>
@@ -8180,7 +9752,7 @@
 </p:sld>
 </file>
 
-<file path=ppt/slides/slide15.xml><?xml version="1.0" encoding="utf-8"?>
+<file path=ppt/slides/slide17.xml><?xml version="1.0" encoding="utf-8"?>
 <p:sld xmlns:a="http://schemas.openxmlformats.org/drawingml/2006/main" xmlns:r="http://schemas.openxmlformats.org/officeDocument/2006/relationships" xmlns:p="http://schemas.openxmlformats.org/presentationml/2006/main">
   <p:cSld>
     <p:bg>
@@ -8463,7 +10035,7 @@
                 </a:solidFill>
                 <a:latin typeface="Calibri"/>
               </a:rPr>
-              <a:t>15</a:t>
+              <a:t>17</a:t>
             </a:fld>
             <a:endParaRPr lang="fr-FR" sz="1200" b="0" strike="noStrike" spc="-1">
               <a:latin typeface="Times New Roman"/>
@@ -8502,7 +10074,7 @@
 </p:sld>
 </file>
 
-<file path=ppt/slides/slide16.xml><?xml version="1.0" encoding="utf-8"?>
+<file path=ppt/slides/slide18.xml><?xml version="1.0" encoding="utf-8"?>
 <p:sld xmlns:a="http://schemas.openxmlformats.org/drawingml/2006/main" xmlns:r="http://schemas.openxmlformats.org/officeDocument/2006/relationships" xmlns:p="http://schemas.openxmlformats.org/presentationml/2006/main">
   <p:cSld>
     <p:bg>
@@ -8781,7 +10353,7 @@
                 </a:solidFill>
                 <a:latin typeface="Calibri"/>
               </a:rPr>
-              <a:t>16</a:t>
+              <a:t>18</a:t>
             </a:fld>
             <a:endParaRPr lang="fr-FR" sz="1200" b="0" strike="noStrike" spc="-1">
               <a:latin typeface="Times New Roman"/>
@@ -9591,7 +11163,7 @@
 </p:sld>
 </file>
 
-<file path=ppt/slides/slide17.xml><?xml version="1.0" encoding="utf-8"?>
+<file path=ppt/slides/slide19.xml><?xml version="1.0" encoding="utf-8"?>
 <p:sld xmlns:a="http://schemas.openxmlformats.org/drawingml/2006/main" xmlns:r="http://schemas.openxmlformats.org/officeDocument/2006/relationships" xmlns:p="http://schemas.openxmlformats.org/presentationml/2006/main">
   <p:cSld>
     <p:bg>
@@ -9870,7 +11442,7 @@
                 </a:solidFill>
                 <a:latin typeface="Calibri"/>
               </a:rPr>
-              <a:t>17</a:t>
+              <a:t>19</a:t>
             </a:fld>
             <a:endParaRPr lang="fr-FR" sz="1200" b="0" strike="noStrike" spc="-1">
               <a:latin typeface="Times New Roman"/>
@@ -9921,7 +11493,587 @@
 </p:sld>
 </file>
 
-<file path=ppt/slides/slide18.xml><?xml version="1.0" encoding="utf-8"?>
+<file path=ppt/slides/slide2.xml><?xml version="1.0" encoding="utf-8"?>
+<p:sld xmlns:a="http://schemas.openxmlformats.org/drawingml/2006/main" xmlns:r="http://schemas.openxmlformats.org/officeDocument/2006/relationships" xmlns:p="http://schemas.openxmlformats.org/presentationml/2006/main">
+  <p:cSld>
+    <p:bg>
+      <p:bgPr>
+        <a:solidFill>
+          <a:srgbClr val="000000"/>
+        </a:solidFill>
+        <a:effectLst/>
+      </p:bgPr>
+    </p:bg>
+    <p:spTree>
+      <p:nvGrpSpPr>
+        <p:cNvPr id="1" name=""/>
+        <p:cNvGrpSpPr/>
+        <p:nvPr/>
+      </p:nvGrpSpPr>
+      <p:grpSpPr>
+        <a:xfrm>
+          <a:off x="0" y="0"/>
+          <a:ext cx="0" cy="0"/>
+          <a:chOff x="0" y="0"/>
+          <a:chExt cx="0" cy="0"/>
+        </a:xfrm>
+      </p:grpSpPr>
+      <p:sp>
+        <p:nvSpPr>
+          <p:cNvPr id="88" name="CustomShape 1"/>
+          <p:cNvSpPr/>
+          <p:nvPr/>
+        </p:nvSpPr>
+        <p:spPr>
+          <a:xfrm>
+            <a:off x="0" y="1360800"/>
+            <a:ext cx="12191760" cy="5496840"/>
+          </a:xfrm>
+          <a:prstGeom prst="rect">
+            <a:avLst/>
+          </a:prstGeom>
+          <a:gradFill rotWithShape="0">
+            <a:gsLst>
+              <a:gs pos="0">
+                <a:srgbClr val="3965B5"/>
+              </a:gs>
+              <a:gs pos="100000">
+                <a:srgbClr val="3965B5"/>
+              </a:gs>
+            </a:gsLst>
+            <a:lin ang="4200000"/>
+          </a:gradFill>
+          <a:ln>
+            <a:noFill/>
+          </a:ln>
+        </p:spPr>
+        <p:style>
+          <a:lnRef idx="2">
+            <a:schemeClr val="accent1">
+              <a:shade val="50000"/>
+            </a:schemeClr>
+          </a:lnRef>
+          <a:fillRef idx="1">
+            <a:schemeClr val="accent1"/>
+          </a:fillRef>
+          <a:effectRef idx="0">
+            <a:schemeClr val="accent1"/>
+          </a:effectRef>
+          <a:fontRef idx="minor"/>
+        </p:style>
+      </p:sp>
+      <p:grpSp>
+        <p:nvGrpSpPr>
+          <p:cNvPr id="89" name="Group 2"/>
+          <p:cNvGrpSpPr/>
+          <p:nvPr/>
+        </p:nvGrpSpPr>
+        <p:grpSpPr>
+          <a:xfrm>
+            <a:off x="0" y="360"/>
+            <a:ext cx="12191760" cy="3048840"/>
+            <a:chOff x="0" y="360"/>
+            <a:chExt cx="12191760" cy="3048840"/>
+          </a:xfrm>
+        </p:grpSpPr>
+        <p:pic>
+          <p:nvPicPr>
+            <p:cNvPr id="90" name="Picture 10"/>
+            <p:cNvPicPr/>
+            <p:nvPr/>
+          </p:nvPicPr>
+          <p:blipFill>
+            <a:blip r:embed="rId2"/>
+            <a:srcRect t="45717" b="9819"/>
+            <a:stretch/>
+          </p:blipFill>
+          <p:spPr>
+            <a:xfrm rot="10800000" flipH="1">
+              <a:off x="0" y="0"/>
+              <a:ext cx="12191760" cy="3048840"/>
+            </a:xfrm>
+            <a:prstGeom prst="rect">
+              <a:avLst/>
+            </a:prstGeom>
+            <a:ln w="0">
+              <a:noFill/>
+            </a:ln>
+          </p:spPr>
+        </p:pic>
+        <p:sp>
+          <p:nvSpPr>
+            <p:cNvPr id="91" name="CustomShape 3"/>
+            <p:cNvSpPr/>
+            <p:nvPr/>
+          </p:nvSpPr>
+          <p:spPr>
+            <a:xfrm flipV="1">
+              <a:off x="2067480" y="1076400"/>
+              <a:ext cx="373320" cy="405000"/>
+            </a:xfrm>
+            <a:prstGeom prst="ellipse">
+              <a:avLst/>
+            </a:prstGeom>
+            <a:solidFill>
+              <a:srgbClr val="FFFFFF"/>
+            </a:solidFill>
+            <a:ln>
+              <a:noFill/>
+            </a:ln>
+          </p:spPr>
+          <p:style>
+            <a:lnRef idx="2">
+              <a:schemeClr val="accent1">
+                <a:shade val="50000"/>
+              </a:schemeClr>
+            </a:lnRef>
+            <a:fillRef idx="1">
+              <a:schemeClr val="accent1"/>
+            </a:fillRef>
+            <a:effectRef idx="0">
+              <a:schemeClr val="accent1"/>
+            </a:effectRef>
+            <a:fontRef idx="minor"/>
+          </p:style>
+        </p:sp>
+      </p:grpSp>
+      <p:sp>
+        <p:nvSpPr>
+          <p:cNvPr id="92" name="TextShape 4"/>
+          <p:cNvSpPr txBox="1"/>
+          <p:nvPr/>
+        </p:nvSpPr>
+        <p:spPr>
+          <a:xfrm>
+            <a:off x="1179360" y="448200"/>
+            <a:ext cx="9833040" cy="1066320"/>
+          </a:xfrm>
+          <a:prstGeom prst="rect">
+            <a:avLst/>
+          </a:prstGeom>
+          <a:noFill/>
+          <a:ln w="0">
+            <a:noFill/>
+          </a:ln>
+        </p:spPr>
+        <p:txBody>
+          <a:bodyPr anchor="ctr">
+            <a:normAutofit/>
+          </a:bodyPr>
+          <a:lstStyle/>
+          <a:p>
+            <a:pPr>
+              <a:lnSpc>
+                <a:spcPct val="90000"/>
+              </a:lnSpc>
+            </a:pPr>
+            <a:r>
+              <a:rPr lang="fr-FR" sz="4000" b="0" strike="noStrike" spc="-1">
+                <a:solidFill>
+                  <a:srgbClr val="3F3F3F"/>
+                </a:solidFill>
+                <a:latin typeface="Calibri Light"/>
+              </a:rPr>
+              <a:t>Sommaire</a:t>
+            </a:r>
+            <a:endParaRPr lang="fr-FR" sz="4000" b="0" strike="noStrike" spc="-1">
+              <a:solidFill>
+                <a:srgbClr val="000000"/>
+              </a:solidFill>
+              <a:latin typeface="Calibri"/>
+            </a:endParaRPr>
+          </a:p>
+        </p:txBody>
+      </p:sp>
+      <p:sp>
+        <p:nvSpPr>
+          <p:cNvPr id="93" name="TextShape 5"/>
+          <p:cNvSpPr txBox="1"/>
+          <p:nvPr/>
+        </p:nvSpPr>
+        <p:spPr>
+          <a:xfrm>
+            <a:off x="1179360" y="3049200"/>
+            <a:ext cx="9833040" cy="2945160"/>
+          </a:xfrm>
+          <a:prstGeom prst="rect">
+            <a:avLst/>
+          </a:prstGeom>
+          <a:noFill/>
+          <a:ln w="0">
+            <a:noFill/>
+          </a:ln>
+        </p:spPr>
+        <p:txBody>
+          <a:bodyPr anchor="ctr">
+            <a:normAutofit fontScale="92500" lnSpcReduction="20000"/>
+          </a:bodyPr>
+          <a:lstStyle/>
+          <a:p>
+            <a:pPr marL="228600" indent="-228240">
+              <a:lnSpc>
+                <a:spcPct val="90000"/>
+              </a:lnSpc>
+              <a:spcBef>
+                <a:spcPts val="1001"/>
+              </a:spcBef>
+              <a:buClr>
+                <a:srgbClr val="FFFFFF"/>
+              </a:buClr>
+              <a:buFont typeface="Arial"/>
+              <a:buChar char="•"/>
+            </a:pPr>
+            <a:r>
+              <a:rPr lang="fr-FR" sz="2400" b="0" strike="noStrike" spc="-1" dirty="0">
+                <a:solidFill>
+                  <a:srgbClr val="FFFFFF"/>
+                </a:solidFill>
+                <a:latin typeface="Calibri"/>
+              </a:rPr>
+              <a:t>I. Présentation du projet </a:t>
+            </a:r>
+            <a:endParaRPr lang="fr-FR" sz="2400" b="0" strike="noStrike" spc="-1" dirty="0">
+              <a:solidFill>
+                <a:srgbClr val="000000"/>
+              </a:solidFill>
+              <a:latin typeface="Calibri"/>
+            </a:endParaRPr>
+          </a:p>
+          <a:p>
+            <a:pPr marL="228600" indent="-228240">
+              <a:lnSpc>
+                <a:spcPct val="90000"/>
+              </a:lnSpc>
+              <a:spcBef>
+                <a:spcPts val="1001"/>
+              </a:spcBef>
+              <a:buClr>
+                <a:srgbClr val="FFFFFF"/>
+              </a:buClr>
+              <a:buFont typeface="Arial"/>
+              <a:buChar char="•"/>
+            </a:pPr>
+            <a:r>
+              <a:rPr lang="fr-FR" sz="2400" b="0" strike="noStrike" spc="-1" dirty="0">
+                <a:solidFill>
+                  <a:srgbClr val="FFFFFF"/>
+                </a:solidFill>
+                <a:latin typeface="Calibri"/>
+              </a:rPr>
+              <a:t>II. Infra BOX + Gateway</a:t>
+            </a:r>
+            <a:endParaRPr lang="fr-FR" sz="2400" b="0" strike="noStrike" spc="-1" dirty="0">
+              <a:solidFill>
+                <a:srgbClr val="000000"/>
+              </a:solidFill>
+              <a:latin typeface="Calibri"/>
+            </a:endParaRPr>
+          </a:p>
+          <a:p>
+            <a:pPr marL="228600" indent="-228240">
+              <a:lnSpc>
+                <a:spcPct val="90000"/>
+              </a:lnSpc>
+              <a:spcBef>
+                <a:spcPts val="1001"/>
+              </a:spcBef>
+              <a:buClr>
+                <a:srgbClr val="FFFFFF"/>
+              </a:buClr>
+              <a:buFont typeface="Arial"/>
+              <a:buChar char="•"/>
+            </a:pPr>
+            <a:r>
+              <a:rPr lang="fr-FR" sz="2400" b="0" strike="noStrike" spc="-1" dirty="0">
+                <a:solidFill>
+                  <a:srgbClr val="FFFFFF"/>
+                </a:solidFill>
+                <a:latin typeface="Calibri"/>
+              </a:rPr>
+              <a:t>III. Application Mobile</a:t>
+            </a:r>
+            <a:endParaRPr lang="fr-FR" sz="2400" b="0" strike="noStrike" spc="-1" dirty="0">
+              <a:solidFill>
+                <a:srgbClr val="000000"/>
+              </a:solidFill>
+              <a:latin typeface="Calibri"/>
+            </a:endParaRPr>
+          </a:p>
+          <a:p>
+            <a:pPr marL="228600" indent="-228240">
+              <a:lnSpc>
+                <a:spcPct val="90000"/>
+              </a:lnSpc>
+              <a:spcBef>
+                <a:spcPts val="1001"/>
+              </a:spcBef>
+              <a:buClr>
+                <a:srgbClr val="FFFFFF"/>
+              </a:buClr>
+              <a:buFont typeface="Arial"/>
+              <a:buChar char="•"/>
+            </a:pPr>
+            <a:r>
+              <a:rPr lang="fr-FR" sz="2400" b="0" strike="noStrike" spc="-1" dirty="0">
+                <a:solidFill>
+                  <a:srgbClr val="FFFFFF"/>
+                </a:solidFill>
+                <a:latin typeface="Calibri"/>
+              </a:rPr>
+              <a:t>IV. Serveur Web</a:t>
+            </a:r>
+            <a:endParaRPr lang="fr-FR" sz="2400" b="0" strike="noStrike" spc="-1" dirty="0">
+              <a:solidFill>
+                <a:srgbClr val="000000"/>
+              </a:solidFill>
+              <a:latin typeface="Calibri"/>
+            </a:endParaRPr>
+          </a:p>
+          <a:p>
+            <a:pPr marL="228600" indent="-228240">
+              <a:lnSpc>
+                <a:spcPct val="90000"/>
+              </a:lnSpc>
+              <a:spcBef>
+                <a:spcPts val="1001"/>
+              </a:spcBef>
+              <a:buClr>
+                <a:srgbClr val="FFFFFF"/>
+              </a:buClr>
+              <a:buFont typeface="Arial"/>
+              <a:buChar char="•"/>
+            </a:pPr>
+            <a:r>
+              <a:rPr lang="fr-FR" sz="2400" b="0" strike="noStrike" spc="-1" dirty="0">
+                <a:solidFill>
+                  <a:srgbClr val="FFFFFF"/>
+                </a:solidFill>
+                <a:latin typeface="Calibri"/>
+              </a:rPr>
+              <a:t>V. </a:t>
+            </a:r>
+            <a:r>
+              <a:rPr lang="fr-FR" sz="2400" b="0" strike="noStrike" spc="-1" dirty="0" smtClean="0">
+                <a:solidFill>
+                  <a:srgbClr val="FFFFFF"/>
+                </a:solidFill>
+                <a:latin typeface="Calibri"/>
+              </a:rPr>
+              <a:t>Base </a:t>
+            </a:r>
+            <a:r>
+              <a:rPr lang="fr-FR" sz="2400" b="0" strike="noStrike" spc="-1" dirty="0">
+                <a:solidFill>
+                  <a:srgbClr val="FFFFFF"/>
+                </a:solidFill>
+                <a:latin typeface="Calibri"/>
+              </a:rPr>
+              <a:t>de données </a:t>
+            </a:r>
+            <a:endParaRPr lang="fr-FR" sz="2400" b="0" strike="noStrike" spc="-1" dirty="0">
+              <a:solidFill>
+                <a:srgbClr val="000000"/>
+              </a:solidFill>
+              <a:latin typeface="Calibri"/>
+            </a:endParaRPr>
+          </a:p>
+          <a:p>
+            <a:pPr marL="228600" indent="-228240">
+              <a:lnSpc>
+                <a:spcPct val="90000"/>
+              </a:lnSpc>
+              <a:spcBef>
+                <a:spcPts val="1001"/>
+              </a:spcBef>
+              <a:buClr>
+                <a:srgbClr val="FFFFFF"/>
+              </a:buClr>
+              <a:buFont typeface="Arial"/>
+              <a:buChar char="•"/>
+            </a:pPr>
+            <a:r>
+              <a:rPr lang="fr-FR" sz="2400" b="0" strike="noStrike" spc="-1" dirty="0">
+                <a:solidFill>
+                  <a:srgbClr val="FFFFFF"/>
+                </a:solidFill>
+                <a:latin typeface="Calibri"/>
+              </a:rPr>
+              <a:t>VI. Web Service</a:t>
+            </a:r>
+            <a:endParaRPr lang="fr-FR" sz="2400" b="0" strike="noStrike" spc="-1" dirty="0">
+              <a:solidFill>
+                <a:srgbClr val="000000"/>
+              </a:solidFill>
+              <a:latin typeface="Calibri"/>
+            </a:endParaRPr>
+          </a:p>
+          <a:p>
+            <a:pPr marL="228600" indent="-228240">
+              <a:lnSpc>
+                <a:spcPct val="90000"/>
+              </a:lnSpc>
+              <a:spcBef>
+                <a:spcPts val="1001"/>
+              </a:spcBef>
+              <a:buClr>
+                <a:srgbClr val="FFFFFF"/>
+              </a:buClr>
+              <a:buFont typeface="Arial"/>
+              <a:buChar char="•"/>
+            </a:pPr>
+            <a:r>
+              <a:rPr lang="fr-FR" sz="2400" b="0" strike="noStrike" spc="-1" dirty="0">
+                <a:solidFill>
+                  <a:srgbClr val="FFFFFF"/>
+                </a:solidFill>
+                <a:latin typeface="Calibri"/>
+              </a:rPr>
+              <a:t>VII. Capteurs/Actionneurs</a:t>
+            </a:r>
+          </a:p>
+          <a:p>
+            <a:pPr marL="228600" indent="-228240">
+              <a:lnSpc>
+                <a:spcPct val="90000"/>
+              </a:lnSpc>
+              <a:spcBef>
+                <a:spcPts val="1001"/>
+              </a:spcBef>
+              <a:buClr>
+                <a:srgbClr val="FFFFFF"/>
+              </a:buClr>
+              <a:buFont typeface="Arial"/>
+              <a:buChar char="•"/>
+            </a:pPr>
+            <a:r>
+              <a:rPr lang="fr-FR" sz="2400" spc="-1" dirty="0">
+                <a:solidFill>
+                  <a:srgbClr val="FFFFFF"/>
+                </a:solidFill>
+                <a:latin typeface="Calibri"/>
+              </a:rPr>
+              <a:t> VIII. </a:t>
+            </a:r>
+            <a:r>
+              <a:rPr lang="fr-FR" sz="2400" b="0" strike="noStrike" spc="-1" dirty="0">
+                <a:solidFill>
+                  <a:srgbClr val="FFFFFF"/>
+                </a:solidFill>
+                <a:latin typeface="Calibri"/>
+              </a:rPr>
+              <a:t>Application Web </a:t>
+            </a:r>
+            <a:r>
+              <a:rPr lang="fr-FR" sz="2400" b="0" strike="noStrike" spc="-1" dirty="0">
+                <a:solidFill>
+                  <a:schemeClr val="bg1"/>
+                </a:solidFill>
+                <a:latin typeface="Calibri"/>
+              </a:rPr>
+              <a:t>Admin</a:t>
+            </a:r>
+          </a:p>
+        </p:txBody>
+      </p:sp>
+      <p:sp>
+        <p:nvSpPr>
+          <p:cNvPr id="94" name="TextShape 6"/>
+          <p:cNvSpPr txBox="1"/>
+          <p:nvPr/>
+        </p:nvSpPr>
+        <p:spPr>
+          <a:xfrm>
+            <a:off x="838080" y="6356520"/>
+            <a:ext cx="2742840" cy="364680"/>
+          </a:xfrm>
+          <a:prstGeom prst="rect">
+            <a:avLst/>
+          </a:prstGeom>
+          <a:noFill/>
+          <a:ln w="0">
+            <a:noFill/>
+          </a:ln>
+        </p:spPr>
+        <p:txBody>
+          <a:bodyPr anchor="ctr">
+            <a:noAutofit/>
+          </a:bodyPr>
+          <a:lstStyle/>
+          <a:p>
+            <a:pPr>
+              <a:lnSpc>
+                <a:spcPct val="100000"/>
+              </a:lnSpc>
+            </a:pPr>
+            <a:r>
+              <a:rPr lang="fr-FR" sz="1200" b="0" strike="noStrike" spc="-1">
+                <a:solidFill>
+                  <a:srgbClr val="FFFFFF"/>
+                </a:solidFill>
+                <a:latin typeface="Calibri"/>
+              </a:rPr>
+              <a:t>LP IOTIA</a:t>
+            </a:r>
+            <a:endParaRPr lang="fr-FR" sz="1200" b="0" strike="noStrike" spc="-1">
+              <a:latin typeface="Times New Roman"/>
+            </a:endParaRPr>
+          </a:p>
+        </p:txBody>
+      </p:sp>
+      <p:sp>
+        <p:nvSpPr>
+          <p:cNvPr id="95" name="TextShape 7"/>
+          <p:cNvSpPr txBox="1"/>
+          <p:nvPr/>
+        </p:nvSpPr>
+        <p:spPr>
+          <a:xfrm>
+            <a:off x="8610480" y="6356520"/>
+            <a:ext cx="2742840" cy="364680"/>
+          </a:xfrm>
+          <a:prstGeom prst="rect">
+            <a:avLst/>
+          </a:prstGeom>
+          <a:noFill/>
+          <a:ln w="0">
+            <a:noFill/>
+          </a:ln>
+        </p:spPr>
+        <p:txBody>
+          <a:bodyPr anchor="ctr">
+            <a:noAutofit/>
+          </a:bodyPr>
+          <a:lstStyle/>
+          <a:p>
+            <a:pPr algn="r">
+              <a:lnSpc>
+                <a:spcPct val="100000"/>
+              </a:lnSpc>
+            </a:pPr>
+            <a:fld id="{70E6D5D7-ED54-462D-82AA-B76B79BDA145}" type="slidenum">
+              <a:rPr lang="fr-FR" sz="1200" b="0" strike="noStrike" spc="-1">
+                <a:solidFill>
+                  <a:srgbClr val="FFFFFF"/>
+                </a:solidFill>
+                <a:latin typeface="Calibri"/>
+              </a:rPr>
+              <a:t>2</a:t>
+            </a:fld>
+            <a:endParaRPr lang="fr-FR" sz="1200" b="0" strike="noStrike" spc="-1">
+              <a:latin typeface="Times New Roman"/>
+            </a:endParaRPr>
+          </a:p>
+        </p:txBody>
+      </p:sp>
+    </p:spTree>
+  </p:cSld>
+  <p:clrMapOvr>
+    <a:masterClrMapping/>
+  </p:clrMapOvr>
+</p:sld>
+</file>
+
+<file path=ppt/slides/slide20.xml><?xml version="1.0" encoding="utf-8"?>
 <p:sld xmlns:a="http://schemas.openxmlformats.org/drawingml/2006/main" xmlns:r="http://schemas.openxmlformats.org/officeDocument/2006/relationships" xmlns:p="http://schemas.openxmlformats.org/presentationml/2006/main">
   <p:cSld>
     <p:spTree>
@@ -10196,7 +12348,7 @@
                 </a:solidFill>
                 <a:latin typeface="Calibri"/>
               </a:rPr>
-              <a:t>18</a:t>
+              <a:t>20</a:t>
             </a:fld>
             <a:endParaRPr lang="fr-FR" sz="1200" b="0" strike="noStrike" spc="-1">
               <a:latin typeface="Times New Roman"/>
@@ -10277,7 +12429,7 @@
 </p:sld>
 </file>
 
-<file path=ppt/slides/slide19.xml><?xml version="1.0" encoding="utf-8"?>
+<file path=ppt/slides/slide21.xml><?xml version="1.0" encoding="utf-8"?>
 <p:sld xmlns:a="http://schemas.openxmlformats.org/drawingml/2006/main" xmlns:r="http://schemas.openxmlformats.org/officeDocument/2006/relationships" xmlns:p="http://schemas.openxmlformats.org/presentationml/2006/main">
   <p:cSld>
     <p:spTree>
@@ -10564,7 +12716,7 @@
                 </a:solidFill>
                 <a:latin typeface="Calibri"/>
               </a:rPr>
-              <a:t>19</a:t>
+              <a:t>21</a:t>
             </a:fld>
             <a:endParaRPr lang="fr-FR" sz="1200" b="0" strike="noStrike" spc="-1">
               <a:latin typeface="Times New Roman"/>
@@ -10679,587 +12831,7 @@
 </p:sld>
 </file>
 
-<file path=ppt/slides/slide2.xml><?xml version="1.0" encoding="utf-8"?>
-<p:sld xmlns:a="http://schemas.openxmlformats.org/drawingml/2006/main" xmlns:r="http://schemas.openxmlformats.org/officeDocument/2006/relationships" xmlns:p="http://schemas.openxmlformats.org/presentationml/2006/main">
-  <p:cSld>
-    <p:bg>
-      <p:bgPr>
-        <a:solidFill>
-          <a:srgbClr val="000000"/>
-        </a:solidFill>
-        <a:effectLst/>
-      </p:bgPr>
-    </p:bg>
-    <p:spTree>
-      <p:nvGrpSpPr>
-        <p:cNvPr id="1" name=""/>
-        <p:cNvGrpSpPr/>
-        <p:nvPr/>
-      </p:nvGrpSpPr>
-      <p:grpSpPr>
-        <a:xfrm>
-          <a:off x="0" y="0"/>
-          <a:ext cx="0" cy="0"/>
-          <a:chOff x="0" y="0"/>
-          <a:chExt cx="0" cy="0"/>
-        </a:xfrm>
-      </p:grpSpPr>
-      <p:sp>
-        <p:nvSpPr>
-          <p:cNvPr id="88" name="CustomShape 1"/>
-          <p:cNvSpPr/>
-          <p:nvPr/>
-        </p:nvSpPr>
-        <p:spPr>
-          <a:xfrm>
-            <a:off x="0" y="1360800"/>
-            <a:ext cx="12191760" cy="5496840"/>
-          </a:xfrm>
-          <a:prstGeom prst="rect">
-            <a:avLst/>
-          </a:prstGeom>
-          <a:gradFill rotWithShape="0">
-            <a:gsLst>
-              <a:gs pos="0">
-                <a:srgbClr val="3965B5"/>
-              </a:gs>
-              <a:gs pos="100000">
-                <a:srgbClr val="3965B5"/>
-              </a:gs>
-            </a:gsLst>
-            <a:lin ang="4200000"/>
-          </a:gradFill>
-          <a:ln>
-            <a:noFill/>
-          </a:ln>
-        </p:spPr>
-        <p:style>
-          <a:lnRef idx="2">
-            <a:schemeClr val="accent1">
-              <a:shade val="50000"/>
-            </a:schemeClr>
-          </a:lnRef>
-          <a:fillRef idx="1">
-            <a:schemeClr val="accent1"/>
-          </a:fillRef>
-          <a:effectRef idx="0">
-            <a:schemeClr val="accent1"/>
-          </a:effectRef>
-          <a:fontRef idx="minor"/>
-        </p:style>
-      </p:sp>
-      <p:grpSp>
-        <p:nvGrpSpPr>
-          <p:cNvPr id="89" name="Group 2"/>
-          <p:cNvGrpSpPr/>
-          <p:nvPr/>
-        </p:nvGrpSpPr>
-        <p:grpSpPr>
-          <a:xfrm>
-            <a:off x="0" y="360"/>
-            <a:ext cx="12191760" cy="3048840"/>
-            <a:chOff x="0" y="360"/>
-            <a:chExt cx="12191760" cy="3048840"/>
-          </a:xfrm>
-        </p:grpSpPr>
-        <p:pic>
-          <p:nvPicPr>
-            <p:cNvPr id="90" name="Picture 10"/>
-            <p:cNvPicPr/>
-            <p:nvPr/>
-          </p:nvPicPr>
-          <p:blipFill>
-            <a:blip r:embed="rId2"/>
-            <a:srcRect t="45717" b="9819"/>
-            <a:stretch/>
-          </p:blipFill>
-          <p:spPr>
-            <a:xfrm rot="10800000" flipH="1">
-              <a:off x="0" y="0"/>
-              <a:ext cx="12191760" cy="3048840"/>
-            </a:xfrm>
-            <a:prstGeom prst="rect">
-              <a:avLst/>
-            </a:prstGeom>
-            <a:ln w="0">
-              <a:noFill/>
-            </a:ln>
-          </p:spPr>
-        </p:pic>
-        <p:sp>
-          <p:nvSpPr>
-            <p:cNvPr id="91" name="CustomShape 3"/>
-            <p:cNvSpPr/>
-            <p:nvPr/>
-          </p:nvSpPr>
-          <p:spPr>
-            <a:xfrm flipV="1">
-              <a:off x="2067480" y="1076400"/>
-              <a:ext cx="373320" cy="405000"/>
-            </a:xfrm>
-            <a:prstGeom prst="ellipse">
-              <a:avLst/>
-            </a:prstGeom>
-            <a:solidFill>
-              <a:srgbClr val="FFFFFF"/>
-            </a:solidFill>
-            <a:ln>
-              <a:noFill/>
-            </a:ln>
-          </p:spPr>
-          <p:style>
-            <a:lnRef idx="2">
-              <a:schemeClr val="accent1">
-                <a:shade val="50000"/>
-              </a:schemeClr>
-            </a:lnRef>
-            <a:fillRef idx="1">
-              <a:schemeClr val="accent1"/>
-            </a:fillRef>
-            <a:effectRef idx="0">
-              <a:schemeClr val="accent1"/>
-            </a:effectRef>
-            <a:fontRef idx="minor"/>
-          </p:style>
-        </p:sp>
-      </p:grpSp>
-      <p:sp>
-        <p:nvSpPr>
-          <p:cNvPr id="92" name="TextShape 4"/>
-          <p:cNvSpPr txBox="1"/>
-          <p:nvPr/>
-        </p:nvSpPr>
-        <p:spPr>
-          <a:xfrm>
-            <a:off x="1179360" y="448200"/>
-            <a:ext cx="9833040" cy="1066320"/>
-          </a:xfrm>
-          <a:prstGeom prst="rect">
-            <a:avLst/>
-          </a:prstGeom>
-          <a:noFill/>
-          <a:ln w="0">
-            <a:noFill/>
-          </a:ln>
-        </p:spPr>
-        <p:txBody>
-          <a:bodyPr anchor="ctr">
-            <a:normAutofit/>
-          </a:bodyPr>
-          <a:lstStyle/>
-          <a:p>
-            <a:pPr>
-              <a:lnSpc>
-                <a:spcPct val="90000"/>
-              </a:lnSpc>
-            </a:pPr>
-            <a:r>
-              <a:rPr lang="fr-FR" sz="4000" b="0" strike="noStrike" spc="-1">
-                <a:solidFill>
-                  <a:srgbClr val="3F3F3F"/>
-                </a:solidFill>
-                <a:latin typeface="Calibri Light"/>
-              </a:rPr>
-              <a:t>Sommaire</a:t>
-            </a:r>
-            <a:endParaRPr lang="fr-FR" sz="4000" b="0" strike="noStrike" spc="-1">
-              <a:solidFill>
-                <a:srgbClr val="000000"/>
-              </a:solidFill>
-              <a:latin typeface="Calibri"/>
-            </a:endParaRPr>
-          </a:p>
-        </p:txBody>
-      </p:sp>
-      <p:sp>
-        <p:nvSpPr>
-          <p:cNvPr id="93" name="TextShape 5"/>
-          <p:cNvSpPr txBox="1"/>
-          <p:nvPr/>
-        </p:nvSpPr>
-        <p:spPr>
-          <a:xfrm>
-            <a:off x="1179360" y="3049200"/>
-            <a:ext cx="9833040" cy="2945160"/>
-          </a:xfrm>
-          <a:prstGeom prst="rect">
-            <a:avLst/>
-          </a:prstGeom>
-          <a:noFill/>
-          <a:ln w="0">
-            <a:noFill/>
-          </a:ln>
-        </p:spPr>
-        <p:txBody>
-          <a:bodyPr anchor="ctr">
-            <a:normAutofit fontScale="92500" lnSpcReduction="20000"/>
-          </a:bodyPr>
-          <a:lstStyle/>
-          <a:p>
-            <a:pPr marL="228600" indent="-228240">
-              <a:lnSpc>
-                <a:spcPct val="90000"/>
-              </a:lnSpc>
-              <a:spcBef>
-                <a:spcPts val="1001"/>
-              </a:spcBef>
-              <a:buClr>
-                <a:srgbClr val="FFFFFF"/>
-              </a:buClr>
-              <a:buFont typeface="Arial"/>
-              <a:buChar char="•"/>
-            </a:pPr>
-            <a:r>
-              <a:rPr lang="fr-FR" sz="2400" b="0" strike="noStrike" spc="-1" dirty="0">
-                <a:solidFill>
-                  <a:srgbClr val="FFFFFF"/>
-                </a:solidFill>
-                <a:latin typeface="Calibri"/>
-              </a:rPr>
-              <a:t>I. Présentation du projet </a:t>
-            </a:r>
-            <a:endParaRPr lang="fr-FR" sz="2400" b="0" strike="noStrike" spc="-1" dirty="0">
-              <a:solidFill>
-                <a:srgbClr val="000000"/>
-              </a:solidFill>
-              <a:latin typeface="Calibri"/>
-            </a:endParaRPr>
-          </a:p>
-          <a:p>
-            <a:pPr marL="228600" indent="-228240">
-              <a:lnSpc>
-                <a:spcPct val="90000"/>
-              </a:lnSpc>
-              <a:spcBef>
-                <a:spcPts val="1001"/>
-              </a:spcBef>
-              <a:buClr>
-                <a:srgbClr val="FFFFFF"/>
-              </a:buClr>
-              <a:buFont typeface="Arial"/>
-              <a:buChar char="•"/>
-            </a:pPr>
-            <a:r>
-              <a:rPr lang="fr-FR" sz="2400" b="0" strike="noStrike" spc="-1" dirty="0">
-                <a:solidFill>
-                  <a:srgbClr val="FFFFFF"/>
-                </a:solidFill>
-                <a:latin typeface="Calibri"/>
-              </a:rPr>
-              <a:t>II. Infra BOX + Gateway</a:t>
-            </a:r>
-            <a:endParaRPr lang="fr-FR" sz="2400" b="0" strike="noStrike" spc="-1" dirty="0">
-              <a:solidFill>
-                <a:srgbClr val="000000"/>
-              </a:solidFill>
-              <a:latin typeface="Calibri"/>
-            </a:endParaRPr>
-          </a:p>
-          <a:p>
-            <a:pPr marL="228600" indent="-228240">
-              <a:lnSpc>
-                <a:spcPct val="90000"/>
-              </a:lnSpc>
-              <a:spcBef>
-                <a:spcPts val="1001"/>
-              </a:spcBef>
-              <a:buClr>
-                <a:srgbClr val="FFFFFF"/>
-              </a:buClr>
-              <a:buFont typeface="Arial"/>
-              <a:buChar char="•"/>
-            </a:pPr>
-            <a:r>
-              <a:rPr lang="fr-FR" sz="2400" b="0" strike="noStrike" spc="-1" dirty="0">
-                <a:solidFill>
-                  <a:srgbClr val="FFFFFF"/>
-                </a:solidFill>
-                <a:latin typeface="Calibri"/>
-              </a:rPr>
-              <a:t>III. Application Mobile</a:t>
-            </a:r>
-            <a:endParaRPr lang="fr-FR" sz="2400" b="0" strike="noStrike" spc="-1" dirty="0">
-              <a:solidFill>
-                <a:srgbClr val="000000"/>
-              </a:solidFill>
-              <a:latin typeface="Calibri"/>
-            </a:endParaRPr>
-          </a:p>
-          <a:p>
-            <a:pPr marL="228600" indent="-228240">
-              <a:lnSpc>
-                <a:spcPct val="90000"/>
-              </a:lnSpc>
-              <a:spcBef>
-                <a:spcPts val="1001"/>
-              </a:spcBef>
-              <a:buClr>
-                <a:srgbClr val="FFFFFF"/>
-              </a:buClr>
-              <a:buFont typeface="Arial"/>
-              <a:buChar char="•"/>
-            </a:pPr>
-            <a:r>
-              <a:rPr lang="fr-FR" sz="2400" b="0" strike="noStrike" spc="-1" dirty="0">
-                <a:solidFill>
-                  <a:srgbClr val="FFFFFF"/>
-                </a:solidFill>
-                <a:latin typeface="Calibri"/>
-              </a:rPr>
-              <a:t>IV. Serveur Web</a:t>
-            </a:r>
-            <a:endParaRPr lang="fr-FR" sz="2400" b="0" strike="noStrike" spc="-1" dirty="0">
-              <a:solidFill>
-                <a:srgbClr val="000000"/>
-              </a:solidFill>
-              <a:latin typeface="Calibri"/>
-            </a:endParaRPr>
-          </a:p>
-          <a:p>
-            <a:pPr marL="228600" indent="-228240">
-              <a:lnSpc>
-                <a:spcPct val="90000"/>
-              </a:lnSpc>
-              <a:spcBef>
-                <a:spcPts val="1001"/>
-              </a:spcBef>
-              <a:buClr>
-                <a:srgbClr val="FFFFFF"/>
-              </a:buClr>
-              <a:buFont typeface="Arial"/>
-              <a:buChar char="•"/>
-            </a:pPr>
-            <a:r>
-              <a:rPr lang="fr-FR" sz="2400" b="0" strike="noStrike" spc="-1" dirty="0">
-                <a:solidFill>
-                  <a:srgbClr val="FFFFFF"/>
-                </a:solidFill>
-                <a:latin typeface="Calibri"/>
-              </a:rPr>
-              <a:t>V. </a:t>
-            </a:r>
-            <a:r>
-              <a:rPr lang="fr-FR" sz="2400" b="0" strike="noStrike" spc="-1" dirty="0" smtClean="0">
-                <a:solidFill>
-                  <a:srgbClr val="FFFFFF"/>
-                </a:solidFill>
-                <a:latin typeface="Calibri"/>
-              </a:rPr>
-              <a:t>Base </a:t>
-            </a:r>
-            <a:r>
-              <a:rPr lang="fr-FR" sz="2400" b="0" strike="noStrike" spc="-1" dirty="0">
-                <a:solidFill>
-                  <a:srgbClr val="FFFFFF"/>
-                </a:solidFill>
-                <a:latin typeface="Calibri"/>
-              </a:rPr>
-              <a:t>de données </a:t>
-            </a:r>
-            <a:endParaRPr lang="fr-FR" sz="2400" b="0" strike="noStrike" spc="-1" dirty="0">
-              <a:solidFill>
-                <a:srgbClr val="000000"/>
-              </a:solidFill>
-              <a:latin typeface="Calibri"/>
-            </a:endParaRPr>
-          </a:p>
-          <a:p>
-            <a:pPr marL="228600" indent="-228240">
-              <a:lnSpc>
-                <a:spcPct val="90000"/>
-              </a:lnSpc>
-              <a:spcBef>
-                <a:spcPts val="1001"/>
-              </a:spcBef>
-              <a:buClr>
-                <a:srgbClr val="FFFFFF"/>
-              </a:buClr>
-              <a:buFont typeface="Arial"/>
-              <a:buChar char="•"/>
-            </a:pPr>
-            <a:r>
-              <a:rPr lang="fr-FR" sz="2400" b="0" strike="noStrike" spc="-1" dirty="0">
-                <a:solidFill>
-                  <a:srgbClr val="FFFFFF"/>
-                </a:solidFill>
-                <a:latin typeface="Calibri"/>
-              </a:rPr>
-              <a:t>VI. Web Service</a:t>
-            </a:r>
-            <a:endParaRPr lang="fr-FR" sz="2400" b="0" strike="noStrike" spc="-1" dirty="0">
-              <a:solidFill>
-                <a:srgbClr val="000000"/>
-              </a:solidFill>
-              <a:latin typeface="Calibri"/>
-            </a:endParaRPr>
-          </a:p>
-          <a:p>
-            <a:pPr marL="228600" indent="-228240">
-              <a:lnSpc>
-                <a:spcPct val="90000"/>
-              </a:lnSpc>
-              <a:spcBef>
-                <a:spcPts val="1001"/>
-              </a:spcBef>
-              <a:buClr>
-                <a:srgbClr val="FFFFFF"/>
-              </a:buClr>
-              <a:buFont typeface="Arial"/>
-              <a:buChar char="•"/>
-            </a:pPr>
-            <a:r>
-              <a:rPr lang="fr-FR" sz="2400" b="0" strike="noStrike" spc="-1" dirty="0">
-                <a:solidFill>
-                  <a:srgbClr val="FFFFFF"/>
-                </a:solidFill>
-                <a:latin typeface="Calibri"/>
-              </a:rPr>
-              <a:t>VII. Capteurs/Actionneurs</a:t>
-            </a:r>
-          </a:p>
-          <a:p>
-            <a:pPr marL="228600" indent="-228240">
-              <a:lnSpc>
-                <a:spcPct val="90000"/>
-              </a:lnSpc>
-              <a:spcBef>
-                <a:spcPts val="1001"/>
-              </a:spcBef>
-              <a:buClr>
-                <a:srgbClr val="FFFFFF"/>
-              </a:buClr>
-              <a:buFont typeface="Arial"/>
-              <a:buChar char="•"/>
-            </a:pPr>
-            <a:r>
-              <a:rPr lang="fr-FR" sz="2400" spc="-1" dirty="0">
-                <a:solidFill>
-                  <a:srgbClr val="FFFFFF"/>
-                </a:solidFill>
-                <a:latin typeface="Calibri"/>
-              </a:rPr>
-              <a:t> VIII. </a:t>
-            </a:r>
-            <a:r>
-              <a:rPr lang="fr-FR" sz="2400" b="0" strike="noStrike" spc="-1" dirty="0">
-                <a:solidFill>
-                  <a:srgbClr val="FFFFFF"/>
-                </a:solidFill>
-                <a:latin typeface="Calibri"/>
-              </a:rPr>
-              <a:t>Application Web </a:t>
-            </a:r>
-            <a:r>
-              <a:rPr lang="fr-FR" sz="2400" b="0" strike="noStrike" spc="-1" dirty="0">
-                <a:solidFill>
-                  <a:schemeClr val="bg1"/>
-                </a:solidFill>
-                <a:latin typeface="Calibri"/>
-              </a:rPr>
-              <a:t>Admin</a:t>
-            </a:r>
-          </a:p>
-        </p:txBody>
-      </p:sp>
-      <p:sp>
-        <p:nvSpPr>
-          <p:cNvPr id="94" name="TextShape 6"/>
-          <p:cNvSpPr txBox="1"/>
-          <p:nvPr/>
-        </p:nvSpPr>
-        <p:spPr>
-          <a:xfrm>
-            <a:off x="838080" y="6356520"/>
-            <a:ext cx="2742840" cy="364680"/>
-          </a:xfrm>
-          <a:prstGeom prst="rect">
-            <a:avLst/>
-          </a:prstGeom>
-          <a:noFill/>
-          <a:ln w="0">
-            <a:noFill/>
-          </a:ln>
-        </p:spPr>
-        <p:txBody>
-          <a:bodyPr anchor="ctr">
-            <a:noAutofit/>
-          </a:bodyPr>
-          <a:lstStyle/>
-          <a:p>
-            <a:pPr>
-              <a:lnSpc>
-                <a:spcPct val="100000"/>
-              </a:lnSpc>
-            </a:pPr>
-            <a:r>
-              <a:rPr lang="fr-FR" sz="1200" b="0" strike="noStrike" spc="-1">
-                <a:solidFill>
-                  <a:srgbClr val="FFFFFF"/>
-                </a:solidFill>
-                <a:latin typeface="Calibri"/>
-              </a:rPr>
-              <a:t>LP IOTIA</a:t>
-            </a:r>
-            <a:endParaRPr lang="fr-FR" sz="1200" b="0" strike="noStrike" spc="-1">
-              <a:latin typeface="Times New Roman"/>
-            </a:endParaRPr>
-          </a:p>
-        </p:txBody>
-      </p:sp>
-      <p:sp>
-        <p:nvSpPr>
-          <p:cNvPr id="95" name="TextShape 7"/>
-          <p:cNvSpPr txBox="1"/>
-          <p:nvPr/>
-        </p:nvSpPr>
-        <p:spPr>
-          <a:xfrm>
-            <a:off x="8610480" y="6356520"/>
-            <a:ext cx="2742840" cy="364680"/>
-          </a:xfrm>
-          <a:prstGeom prst="rect">
-            <a:avLst/>
-          </a:prstGeom>
-          <a:noFill/>
-          <a:ln w="0">
-            <a:noFill/>
-          </a:ln>
-        </p:spPr>
-        <p:txBody>
-          <a:bodyPr anchor="ctr">
-            <a:noAutofit/>
-          </a:bodyPr>
-          <a:lstStyle/>
-          <a:p>
-            <a:pPr algn="r">
-              <a:lnSpc>
-                <a:spcPct val="100000"/>
-              </a:lnSpc>
-            </a:pPr>
-            <a:fld id="{70E6D5D7-ED54-462D-82AA-B76B79BDA145}" type="slidenum">
-              <a:rPr lang="fr-FR" sz="1200" b="0" strike="noStrike" spc="-1">
-                <a:solidFill>
-                  <a:srgbClr val="FFFFFF"/>
-                </a:solidFill>
-                <a:latin typeface="Calibri"/>
-              </a:rPr>
-              <a:t>2</a:t>
-            </a:fld>
-            <a:endParaRPr lang="fr-FR" sz="1200" b="0" strike="noStrike" spc="-1">
-              <a:latin typeface="Times New Roman"/>
-            </a:endParaRPr>
-          </a:p>
-        </p:txBody>
-      </p:sp>
-    </p:spTree>
-  </p:cSld>
-  <p:clrMapOvr>
-    <a:masterClrMapping/>
-  </p:clrMapOvr>
-</p:sld>
-</file>
-
-<file path=ppt/slides/slide20.xml><?xml version="1.0" encoding="utf-8"?>
+<file path=ppt/slides/slide22.xml><?xml version="1.0" encoding="utf-8"?>
 <p:sld xmlns:a="http://schemas.openxmlformats.org/drawingml/2006/main" xmlns:r="http://schemas.openxmlformats.org/officeDocument/2006/relationships" xmlns:p="http://schemas.openxmlformats.org/presentationml/2006/main">
   <p:cSld>
     <p:bg>
@@ -11592,7 +13164,7 @@
                 </a:solidFill>
                 <a:latin typeface="Calibri"/>
               </a:rPr>
-              <a:t>20</a:t>
+              <a:t>22</a:t>
             </a:fld>
             <a:endParaRPr lang="fr-FR" sz="1200" b="0" strike="noStrike" spc="-1">
               <a:latin typeface="Times New Roman"/>
@@ -18509,14 +20081,6 @@
 <file path=ppt/slides/slide8.xml><?xml version="1.0" encoding="utf-8"?>
 <p:sld xmlns:a="http://schemas.openxmlformats.org/drawingml/2006/main" xmlns:r="http://schemas.openxmlformats.org/officeDocument/2006/relationships" xmlns:p="http://schemas.openxmlformats.org/presentationml/2006/main">
   <p:cSld>
-    <p:bg>
-      <p:bgPr>
-        <a:solidFill>
-          <a:srgbClr val="000000"/>
-        </a:solidFill>
-        <a:effectLst/>
-      </p:bgPr>
-    </p:bg>
     <p:spTree>
       <p:nvGrpSpPr>
         <p:cNvPr id="1" name=""/>
@@ -18539,7 +20103,7 @@
         </p:nvSpPr>
         <p:spPr>
           <a:xfrm>
-            <a:off x="0" y="1360800"/>
+            <a:off x="240" y="1361160"/>
             <a:ext cx="12191760" cy="5496840"/>
           </a:xfrm>
           <a:prstGeom prst="rect">
@@ -18596,7 +20160,7 @@
             <p:nvPr/>
           </p:nvPicPr>
           <p:blipFill>
-            <a:blip r:embed="rId2"/>
+            <a:blip r:embed="rId3"/>
             <a:srcRect t="45717" b="9819"/>
             <a:stretch/>
           </p:blipFill>
@@ -18724,8 +20288,8 @@
         </p:nvSpPr>
         <p:spPr>
           <a:xfrm>
-            <a:off x="1179360" y="3049200"/>
-            <a:ext cx="9833040" cy="2945160"/>
+            <a:off x="376262" y="2215474"/>
+            <a:ext cx="4658022" cy="664978"/>
           </a:xfrm>
           <a:prstGeom prst="rect">
             <a:avLst/>
@@ -18737,7 +20301,7 @@
         </p:spPr>
         <p:txBody>
           <a:bodyPr anchor="ctr">
-            <a:normAutofit/>
+            <a:normAutofit fontScale="55000" lnSpcReduction="20000"/>
           </a:bodyPr>
           <a:lstStyle/>
           <a:p>
@@ -18749,7 +20313,7 @@
                 <a:spcPts val="1001"/>
               </a:spcBef>
             </a:pPr>
-            <a:endParaRPr lang="fr-FR" sz="2800" b="0" strike="noStrike" spc="-1">
+            <a:endParaRPr lang="fr-FR" sz="2800" b="0" strike="noStrike" spc="-1" dirty="0">
               <a:solidFill>
                 <a:srgbClr val="000000"/>
               </a:solidFill>
@@ -18757,9 +20321,18 @@
             </a:endParaRPr>
           </a:p>
           <a:p>
-            <a:endParaRPr lang="fr-FR" sz="2800" b="0" strike="noStrike" spc="-1">
+            <a:r>
+              <a:rPr lang="fr-FR" sz="5800" i="1" spc="-1" dirty="0" smtClean="0">
+                <a:solidFill>
+                  <a:schemeClr val="bg1"/>
+                </a:solidFill>
+                <a:latin typeface="Calibri"/>
+              </a:rPr>
+              <a:t>Les chiffres :</a:t>
+            </a:r>
+            <a:endParaRPr lang="fr-FR" sz="5800" b="0" i="1" strike="noStrike" spc="-1" dirty="0">
               <a:solidFill>
-                <a:srgbClr val="000000"/>
+                <a:schemeClr val="bg1"/>
               </a:solidFill>
               <a:latin typeface="Calibri"/>
             </a:endParaRPr>
@@ -18856,25 +20429,537 @@
           </a:p>
         </p:txBody>
       </p:sp>
+      <p:sp>
+        <p:nvSpPr>
+          <p:cNvPr id="10" name="TextShape 5"/>
+          <p:cNvSpPr txBox="1"/>
+          <p:nvPr/>
+        </p:nvSpPr>
+        <p:spPr>
+          <a:xfrm>
+            <a:off x="705445" y="3113661"/>
+            <a:ext cx="4658022" cy="664978"/>
+          </a:xfrm>
+          <a:prstGeom prst="rect">
+            <a:avLst/>
+          </a:prstGeom>
+          <a:noFill/>
+          <a:ln w="0">
+            <a:noFill/>
+          </a:ln>
+        </p:spPr>
+        <p:txBody>
+          <a:bodyPr anchor="ctr">
+            <a:normAutofit fontScale="55000" lnSpcReduction="20000"/>
+          </a:bodyPr>
+          <a:lstStyle/>
+          <a:p>
+            <a:pPr>
+              <a:lnSpc>
+                <a:spcPct val="90000"/>
+              </a:lnSpc>
+              <a:spcBef>
+                <a:spcPts val="1001"/>
+              </a:spcBef>
+            </a:pPr>
+            <a:endParaRPr lang="fr-FR" sz="2800" b="0" strike="noStrike" spc="-1" dirty="0">
+              <a:solidFill>
+                <a:srgbClr val="000000"/>
+              </a:solidFill>
+              <a:latin typeface="Calibri"/>
+            </a:endParaRPr>
+          </a:p>
+          <a:p>
+            <a:r>
+              <a:rPr lang="fr-FR" sz="5800" spc="-1" dirty="0" smtClean="0">
+                <a:solidFill>
+                  <a:schemeClr val="bg1"/>
+                </a:solidFill>
+                <a:latin typeface="Calibri"/>
+              </a:rPr>
+              <a:t>29 tables</a:t>
+            </a:r>
+            <a:endParaRPr lang="fr-FR" sz="5800" b="0" strike="noStrike" spc="-1" dirty="0">
+              <a:solidFill>
+                <a:schemeClr val="bg1"/>
+              </a:solidFill>
+              <a:latin typeface="Calibri"/>
+            </a:endParaRPr>
+          </a:p>
+        </p:txBody>
+      </p:sp>
+      <p:sp>
+        <p:nvSpPr>
+          <p:cNvPr id="12" name="TextShape 5"/>
+          <p:cNvSpPr txBox="1"/>
+          <p:nvPr/>
+        </p:nvSpPr>
+        <p:spPr>
+          <a:xfrm>
+            <a:off x="705445" y="3794608"/>
+            <a:ext cx="4658022" cy="697860"/>
+          </a:xfrm>
+          <a:prstGeom prst="rect">
+            <a:avLst/>
+          </a:prstGeom>
+          <a:noFill/>
+          <a:ln w="0">
+            <a:noFill/>
+          </a:ln>
+        </p:spPr>
+        <p:txBody>
+          <a:bodyPr anchor="ctr">
+            <a:normAutofit fontScale="55000" lnSpcReduction="20000"/>
+          </a:bodyPr>
+          <a:lstStyle/>
+          <a:p>
+            <a:pPr>
+              <a:lnSpc>
+                <a:spcPct val="90000"/>
+              </a:lnSpc>
+              <a:spcBef>
+                <a:spcPts val="1001"/>
+              </a:spcBef>
+            </a:pPr>
+            <a:endParaRPr lang="fr-FR" sz="2800" b="0" strike="noStrike" spc="-1" dirty="0">
+              <a:solidFill>
+                <a:srgbClr val="000000"/>
+              </a:solidFill>
+              <a:latin typeface="Calibri"/>
+            </a:endParaRPr>
+          </a:p>
+          <a:p>
+            <a:r>
+              <a:rPr lang="fr-FR" sz="5800" spc="-1" dirty="0" smtClean="0">
+                <a:solidFill>
+                  <a:schemeClr val="bg1"/>
+                </a:solidFill>
+                <a:latin typeface="Calibri"/>
+              </a:rPr>
+              <a:t>132 champs</a:t>
+            </a:r>
+            <a:endParaRPr lang="fr-FR" sz="5800" b="0" strike="noStrike" spc="-1" dirty="0">
+              <a:solidFill>
+                <a:schemeClr val="bg1"/>
+              </a:solidFill>
+              <a:latin typeface="Calibri"/>
+            </a:endParaRPr>
+          </a:p>
+        </p:txBody>
+      </p:sp>
+      <p:sp>
+        <p:nvSpPr>
+          <p:cNvPr id="13" name="TextShape 5"/>
+          <p:cNvSpPr txBox="1"/>
+          <p:nvPr/>
+        </p:nvSpPr>
+        <p:spPr>
+          <a:xfrm>
+            <a:off x="705445" y="4508438"/>
+            <a:ext cx="5147550" cy="697860"/>
+          </a:xfrm>
+          <a:prstGeom prst="rect">
+            <a:avLst/>
+          </a:prstGeom>
+          <a:noFill/>
+          <a:ln w="0">
+            <a:noFill/>
+          </a:ln>
+        </p:spPr>
+        <p:txBody>
+          <a:bodyPr anchor="ctr">
+            <a:normAutofit fontScale="25000" lnSpcReduction="20000"/>
+          </a:bodyPr>
+          <a:lstStyle/>
+          <a:p>
+            <a:pPr>
+              <a:lnSpc>
+                <a:spcPct val="90000"/>
+              </a:lnSpc>
+              <a:spcBef>
+                <a:spcPts val="1001"/>
+              </a:spcBef>
+            </a:pPr>
+            <a:endParaRPr lang="fr-FR" sz="2800" b="0" strike="noStrike" spc="-1" dirty="0">
+              <a:solidFill>
+                <a:srgbClr val="000000"/>
+              </a:solidFill>
+              <a:latin typeface="Calibri"/>
+            </a:endParaRPr>
+          </a:p>
+          <a:p>
+            <a:r>
+              <a:rPr lang="fr-FR" sz="12800" spc="-1" dirty="0" smtClean="0">
+                <a:solidFill>
+                  <a:schemeClr val="bg1"/>
+                </a:solidFill>
+                <a:latin typeface="Calibri"/>
+              </a:rPr>
+              <a:t>2799 enregistrements de test</a:t>
+            </a:r>
+            <a:endParaRPr lang="fr-FR" sz="12800" b="0" strike="noStrike" spc="-1" dirty="0">
+              <a:solidFill>
+                <a:schemeClr val="bg1"/>
+              </a:solidFill>
+              <a:latin typeface="Calibri"/>
+            </a:endParaRPr>
+          </a:p>
+        </p:txBody>
+      </p:sp>
+      <p:sp>
+        <p:nvSpPr>
+          <p:cNvPr id="14" name="TextShape 5"/>
+          <p:cNvSpPr txBox="1"/>
+          <p:nvPr/>
+        </p:nvSpPr>
+        <p:spPr>
+          <a:xfrm>
+            <a:off x="705445" y="5214764"/>
+            <a:ext cx="4658022" cy="697860"/>
+          </a:xfrm>
+          <a:prstGeom prst="rect">
+            <a:avLst/>
+          </a:prstGeom>
+          <a:noFill/>
+          <a:ln w="0">
+            <a:noFill/>
+          </a:ln>
+        </p:spPr>
+        <p:txBody>
+          <a:bodyPr anchor="ctr">
+            <a:normAutofit fontScale="55000" lnSpcReduction="20000"/>
+          </a:bodyPr>
+          <a:lstStyle/>
+          <a:p>
+            <a:pPr>
+              <a:lnSpc>
+                <a:spcPct val="90000"/>
+              </a:lnSpc>
+              <a:spcBef>
+                <a:spcPts val="1001"/>
+              </a:spcBef>
+            </a:pPr>
+            <a:endParaRPr lang="fr-FR" sz="2800" b="0" strike="noStrike" spc="-1" dirty="0">
+              <a:solidFill>
+                <a:srgbClr val="000000"/>
+              </a:solidFill>
+              <a:latin typeface="Calibri"/>
+            </a:endParaRPr>
+          </a:p>
+          <a:p>
+            <a:r>
+              <a:rPr lang="fr-FR" sz="5800" spc="-1" dirty="0" smtClean="0">
+                <a:solidFill>
+                  <a:schemeClr val="bg1"/>
+                </a:solidFill>
+                <a:latin typeface="Calibri"/>
+              </a:rPr>
+              <a:t>7 triggers</a:t>
+            </a:r>
+            <a:endParaRPr lang="fr-FR" sz="5800" b="0" strike="noStrike" spc="-1" dirty="0">
+              <a:solidFill>
+                <a:schemeClr val="bg1"/>
+              </a:solidFill>
+              <a:latin typeface="Calibri"/>
+            </a:endParaRPr>
+          </a:p>
+        </p:txBody>
+      </p:sp>
+      <p:sp>
+        <p:nvSpPr>
+          <p:cNvPr id="15" name="TextShape 5"/>
+          <p:cNvSpPr txBox="1"/>
+          <p:nvPr/>
+        </p:nvSpPr>
+        <p:spPr>
+          <a:xfrm>
+            <a:off x="6095880" y="2170892"/>
+            <a:ext cx="4658022" cy="664978"/>
+          </a:xfrm>
+          <a:prstGeom prst="rect">
+            <a:avLst/>
+          </a:prstGeom>
+          <a:noFill/>
+          <a:ln w="0">
+            <a:noFill/>
+          </a:ln>
+        </p:spPr>
+        <p:txBody>
+          <a:bodyPr anchor="ctr">
+            <a:normAutofit fontScale="55000" lnSpcReduction="20000"/>
+          </a:bodyPr>
+          <a:lstStyle/>
+          <a:p>
+            <a:pPr>
+              <a:lnSpc>
+                <a:spcPct val="90000"/>
+              </a:lnSpc>
+              <a:spcBef>
+                <a:spcPts val="1001"/>
+              </a:spcBef>
+            </a:pPr>
+            <a:endParaRPr lang="fr-FR" sz="2800" b="0" strike="noStrike" spc="-1" dirty="0">
+              <a:solidFill>
+                <a:srgbClr val="000000"/>
+              </a:solidFill>
+              <a:latin typeface="Calibri"/>
+            </a:endParaRPr>
+          </a:p>
+          <a:p>
+            <a:r>
+              <a:rPr lang="fr-FR" sz="5800" i="1" spc="-1" dirty="0" smtClean="0">
+                <a:solidFill>
+                  <a:schemeClr val="bg1"/>
+                </a:solidFill>
+                <a:latin typeface="Calibri"/>
+              </a:rPr>
+              <a:t>Les applications possibles :</a:t>
+            </a:r>
+            <a:endParaRPr lang="fr-FR" sz="5800" b="0" i="1" strike="noStrike" spc="-1" dirty="0">
+              <a:solidFill>
+                <a:schemeClr val="bg1"/>
+              </a:solidFill>
+              <a:latin typeface="Calibri"/>
+            </a:endParaRPr>
+          </a:p>
+        </p:txBody>
+      </p:sp>
+      <p:sp>
+        <p:nvSpPr>
+          <p:cNvPr id="16" name="TextShape 5"/>
+          <p:cNvSpPr txBox="1"/>
+          <p:nvPr/>
+        </p:nvSpPr>
+        <p:spPr>
+          <a:xfrm>
+            <a:off x="6558200" y="3077107"/>
+            <a:ext cx="5384418" cy="664978"/>
+          </a:xfrm>
+          <a:prstGeom prst="rect">
+            <a:avLst/>
+          </a:prstGeom>
+          <a:noFill/>
+          <a:ln w="0">
+            <a:noFill/>
+          </a:ln>
+        </p:spPr>
+        <p:txBody>
+          <a:bodyPr anchor="ctr">
+            <a:normAutofit fontScale="55000" lnSpcReduction="20000"/>
+          </a:bodyPr>
+          <a:lstStyle/>
+          <a:p>
+            <a:pPr>
+              <a:lnSpc>
+                <a:spcPct val="90000"/>
+              </a:lnSpc>
+              <a:spcBef>
+                <a:spcPts val="1001"/>
+              </a:spcBef>
+            </a:pPr>
+            <a:endParaRPr lang="fr-FR" sz="2800" b="0" strike="noStrike" spc="-1" dirty="0">
+              <a:solidFill>
+                <a:srgbClr val="000000"/>
+              </a:solidFill>
+              <a:latin typeface="Calibri"/>
+            </a:endParaRPr>
+          </a:p>
+          <a:p>
+            <a:r>
+              <a:rPr lang="fr-FR" sz="5800" spc="-1" dirty="0" smtClean="0">
+                <a:solidFill>
+                  <a:schemeClr val="bg1"/>
+                </a:solidFill>
+                <a:latin typeface="Calibri"/>
+              </a:rPr>
+              <a:t>Tous types d’infrastructures</a:t>
+            </a:r>
+            <a:endParaRPr lang="fr-FR" sz="5800" b="0" strike="noStrike" spc="-1" dirty="0">
+              <a:solidFill>
+                <a:schemeClr val="bg1"/>
+              </a:solidFill>
+              <a:latin typeface="Calibri"/>
+            </a:endParaRPr>
+          </a:p>
+        </p:txBody>
+      </p:sp>
+      <p:sp>
+        <p:nvSpPr>
+          <p:cNvPr id="17" name="TextShape 5"/>
+          <p:cNvSpPr txBox="1"/>
+          <p:nvPr/>
+        </p:nvSpPr>
+        <p:spPr>
+          <a:xfrm>
+            <a:off x="6558200" y="3762283"/>
+            <a:ext cx="5384418" cy="664978"/>
+          </a:xfrm>
+          <a:prstGeom prst="rect">
+            <a:avLst/>
+          </a:prstGeom>
+          <a:noFill/>
+          <a:ln w="0">
+            <a:noFill/>
+          </a:ln>
+        </p:spPr>
+        <p:txBody>
+          <a:bodyPr anchor="ctr">
+            <a:normAutofit fontScale="55000" lnSpcReduction="20000"/>
+          </a:bodyPr>
+          <a:lstStyle/>
+          <a:p>
+            <a:pPr>
+              <a:lnSpc>
+                <a:spcPct val="90000"/>
+              </a:lnSpc>
+              <a:spcBef>
+                <a:spcPts val="1001"/>
+              </a:spcBef>
+            </a:pPr>
+            <a:endParaRPr lang="fr-FR" sz="2800" b="0" strike="noStrike" spc="-1" dirty="0">
+              <a:solidFill>
+                <a:srgbClr val="000000"/>
+              </a:solidFill>
+              <a:latin typeface="Calibri"/>
+            </a:endParaRPr>
+          </a:p>
+          <a:p>
+            <a:r>
+              <a:rPr lang="fr-FR" sz="5800" spc="-1" dirty="0" smtClean="0">
+                <a:solidFill>
+                  <a:schemeClr val="bg1"/>
+                </a:solidFill>
+                <a:latin typeface="Calibri"/>
+              </a:rPr>
+              <a:t>Tous types d’équipements</a:t>
+            </a:r>
+            <a:endParaRPr lang="fr-FR" sz="5800" b="0" strike="noStrike" spc="-1" dirty="0">
+              <a:solidFill>
+                <a:schemeClr val="bg1"/>
+              </a:solidFill>
+              <a:latin typeface="Calibri"/>
+            </a:endParaRPr>
+          </a:p>
+        </p:txBody>
+      </p:sp>
+      <p:sp>
+        <p:nvSpPr>
+          <p:cNvPr id="18" name="TextShape 5"/>
+          <p:cNvSpPr txBox="1"/>
+          <p:nvPr/>
+        </p:nvSpPr>
+        <p:spPr>
+          <a:xfrm>
+            <a:off x="6823470" y="4398457"/>
+            <a:ext cx="5384418" cy="1615682"/>
+          </a:xfrm>
+          <a:prstGeom prst="rect">
+            <a:avLst/>
+          </a:prstGeom>
+          <a:noFill/>
+          <a:ln w="0">
+            <a:noFill/>
+          </a:ln>
+        </p:spPr>
+        <p:txBody>
+          <a:bodyPr anchor="ctr">
+            <a:normAutofit/>
+          </a:bodyPr>
+          <a:lstStyle/>
+          <a:p>
+            <a:pPr marL="342900" indent="-342900">
+              <a:lnSpc>
+                <a:spcPct val="90000"/>
+              </a:lnSpc>
+              <a:spcBef>
+                <a:spcPts val="1001"/>
+              </a:spcBef>
+              <a:buFont typeface="Arial" panose="020B0604020202020204" pitchFamily="34" charset="0"/>
+              <a:buChar char="•"/>
+            </a:pPr>
+            <a:r>
+              <a:rPr lang="fr-FR" sz="2500" spc="-1" dirty="0" smtClean="0">
+                <a:solidFill>
+                  <a:schemeClr val="bg1"/>
+                </a:solidFill>
+                <a:latin typeface="Calibri"/>
+              </a:rPr>
+              <a:t>Capteurs</a:t>
+            </a:r>
+          </a:p>
+          <a:p>
+            <a:pPr marL="342900" indent="-342900">
+              <a:lnSpc>
+                <a:spcPct val="90000"/>
+              </a:lnSpc>
+              <a:spcBef>
+                <a:spcPts val="1001"/>
+              </a:spcBef>
+              <a:buFont typeface="Arial" panose="020B0604020202020204" pitchFamily="34" charset="0"/>
+              <a:buChar char="•"/>
+            </a:pPr>
+            <a:r>
+              <a:rPr lang="fr-FR" sz="2500" b="0" strike="noStrike" spc="-1" dirty="0" smtClean="0">
+                <a:solidFill>
+                  <a:schemeClr val="bg1"/>
+                </a:solidFill>
+                <a:latin typeface="Calibri"/>
+              </a:rPr>
+              <a:t>Actionneurs</a:t>
+            </a:r>
+          </a:p>
+          <a:p>
+            <a:pPr marL="342900" indent="-342900">
+              <a:lnSpc>
+                <a:spcPct val="90000"/>
+              </a:lnSpc>
+              <a:spcBef>
+                <a:spcPts val="1001"/>
+              </a:spcBef>
+              <a:buFont typeface="Arial" panose="020B0604020202020204" pitchFamily="34" charset="0"/>
+              <a:buChar char="•"/>
+            </a:pPr>
+            <a:r>
+              <a:rPr lang="fr-FR" sz="2500" spc="-1" dirty="0" smtClean="0">
+                <a:solidFill>
+                  <a:schemeClr val="bg1"/>
+                </a:solidFill>
+                <a:latin typeface="Calibri"/>
+              </a:rPr>
+              <a:t>Equipements connectés</a:t>
+            </a:r>
+            <a:endParaRPr lang="fr-FR" sz="2500" b="0" strike="noStrike" spc="-1" dirty="0">
+              <a:solidFill>
+                <a:schemeClr val="bg1"/>
+              </a:solidFill>
+              <a:latin typeface="Calibri"/>
+            </a:endParaRPr>
+          </a:p>
+        </p:txBody>
+      </p:sp>
     </p:spTree>
+    <p:extLst>
+      <p:ext uri="{BB962C8B-B14F-4D97-AF65-F5344CB8AC3E}">
+        <p14:creationId xmlns:p14="http://schemas.microsoft.com/office/powerpoint/2010/main" val="3677342827"/>
+      </p:ext>
+    </p:extLst>
   </p:cSld>
   <p:clrMapOvr>
     <a:masterClrMapping/>
   </p:clrMapOvr>
+  <p:timing>
+    <p:tnLst>
+      <p:par>
+        <p:cTn id="1" dur="indefinite" restart="never" nodeType="tmRoot"/>
+      </p:par>
+    </p:tnLst>
+  </p:timing>
 </p:sld>
 </file>
 
 <file path=ppt/slides/slide9.xml><?xml version="1.0" encoding="utf-8"?>
 <p:sld xmlns:a="http://schemas.openxmlformats.org/drawingml/2006/main" xmlns:r="http://schemas.openxmlformats.org/officeDocument/2006/relationships" xmlns:p="http://schemas.openxmlformats.org/presentationml/2006/main">
   <p:cSld>
-    <p:bg>
-      <p:bgPr>
-        <a:solidFill>
-          <a:srgbClr val="000000"/>
-        </a:solidFill>
-        <a:effectLst/>
-      </p:bgPr>
-    </p:bg>
     <p:spTree>
       <p:nvGrpSpPr>
         <p:cNvPr id="1" name=""/>
@@ -18891,13 +20976,13 @@
       </p:grpSpPr>
       <p:sp>
         <p:nvSpPr>
-          <p:cNvPr id="156" name="CustomShape 1"/>
+          <p:cNvPr id="148" name="CustomShape 1"/>
           <p:cNvSpPr/>
           <p:nvPr/>
         </p:nvSpPr>
         <p:spPr>
           <a:xfrm>
-            <a:off x="0" y="1360800"/>
+            <a:off x="240" y="1361160"/>
             <a:ext cx="12191760" cy="5496840"/>
           </a:xfrm>
           <a:prstGeom prst="rect">
@@ -18935,7 +21020,7 @@
       </p:sp>
       <p:grpSp>
         <p:nvGrpSpPr>
-          <p:cNvPr id="157" name="Group 2"/>
+          <p:cNvPr id="149" name="Group 2"/>
           <p:cNvGrpSpPr/>
           <p:nvPr/>
         </p:nvGrpSpPr>
@@ -18949,12 +21034,12 @@
         </p:grpSpPr>
         <p:pic>
           <p:nvPicPr>
-            <p:cNvPr id="158" name="Picture 10"/>
+            <p:cNvPr id="150" name="Picture 10"/>
             <p:cNvPicPr/>
             <p:nvPr/>
           </p:nvPicPr>
           <p:blipFill>
-            <a:blip r:embed="rId2"/>
+            <a:blip r:embed="rId3"/>
             <a:srcRect t="45717" b="9819"/>
             <a:stretch/>
           </p:blipFill>
@@ -18973,7 +21058,7 @@
         </p:pic>
         <p:sp>
           <p:nvSpPr>
-            <p:cNvPr id="159" name="CustomShape 3"/>
+            <p:cNvPr id="151" name="CustomShape 3"/>
             <p:cNvSpPr/>
             <p:nvPr/>
           </p:nvSpPr>
@@ -19010,7 +21095,7 @@
       </p:grpSp>
       <p:sp>
         <p:nvSpPr>
-          <p:cNvPr id="160" name="TextShape 4"/>
+          <p:cNvPr id="152" name="TextShape 4"/>
           <p:cNvSpPr txBox="1"/>
           <p:nvPr/>
         </p:nvSpPr>
@@ -19045,18 +21130,27 @@
                 </a:solidFill>
                 <a:latin typeface="Calibri Light"/>
               </a:rPr>
-              <a:t>VI. </a:t>
-            </a:r>
-            <a:r>
-              <a:rPr lang="fr-FR" sz="4000" b="0" strike="noStrike" spc="-1" dirty="0">
+              <a:t>V. </a:t>
+            </a:r>
+            <a:r>
+              <a:rPr lang="fr-FR" sz="3600" b="0" strike="noStrike" spc="-1" dirty="0" smtClean="0">
                 <a:solidFill>
                   <a:srgbClr val="000000"/>
                 </a:solidFill>
                 <a:latin typeface="Calibri Light"/>
               </a:rPr>
-              <a:t>Web Service</a:t>
-            </a:r>
-            <a:endParaRPr lang="fr-FR" sz="4000" b="0" strike="noStrike" spc="-1" dirty="0">
+              <a:t>Base de </a:t>
+            </a:r>
+            <a:r>
+              <a:rPr lang="fr-FR" sz="3600" b="0" strike="noStrike" spc="-1" dirty="0">
+                <a:solidFill>
+                  <a:srgbClr val="000000"/>
+                </a:solidFill>
+                <a:latin typeface="Calibri Light"/>
+              </a:rPr>
+              <a:t>données </a:t>
+            </a:r>
+            <a:endParaRPr lang="fr-FR" sz="3600" b="0" strike="noStrike" spc="-1" dirty="0">
               <a:solidFill>
                 <a:srgbClr val="000000"/>
               </a:solidFill>
@@ -19067,57 +21161,7 @@
       </p:sp>
       <p:sp>
         <p:nvSpPr>
-          <p:cNvPr id="161" name="TextShape 5"/>
-          <p:cNvSpPr txBox="1"/>
-          <p:nvPr/>
-        </p:nvSpPr>
-        <p:spPr>
-          <a:xfrm>
-            <a:off x="1179360" y="3049200"/>
-            <a:ext cx="9833040" cy="2945160"/>
-          </a:xfrm>
-          <a:prstGeom prst="rect">
-            <a:avLst/>
-          </a:prstGeom>
-          <a:noFill/>
-          <a:ln w="0">
-            <a:noFill/>
-          </a:ln>
-        </p:spPr>
-        <p:txBody>
-          <a:bodyPr anchor="ctr">
-            <a:normAutofit/>
-          </a:bodyPr>
-          <a:lstStyle/>
-          <a:p>
-            <a:pPr>
-              <a:lnSpc>
-                <a:spcPct val="90000"/>
-              </a:lnSpc>
-              <a:spcBef>
-                <a:spcPts val="1001"/>
-              </a:spcBef>
-            </a:pPr>
-            <a:endParaRPr lang="fr-FR" sz="2800" b="0" strike="noStrike" spc="-1">
-              <a:solidFill>
-                <a:srgbClr val="000000"/>
-              </a:solidFill>
-              <a:latin typeface="Calibri"/>
-            </a:endParaRPr>
-          </a:p>
-          <a:p>
-            <a:endParaRPr lang="fr-FR" sz="2800" b="0" strike="noStrike" spc="-1">
-              <a:solidFill>
-                <a:srgbClr val="000000"/>
-              </a:solidFill>
-              <a:latin typeface="Calibri"/>
-            </a:endParaRPr>
-          </a:p>
-        </p:txBody>
-      </p:sp>
-      <p:sp>
-        <p:nvSpPr>
-          <p:cNvPr id="162" name="TextShape 6"/>
+          <p:cNvPr id="154" name="TextShape 6"/>
           <p:cNvSpPr txBox="1"/>
           <p:nvPr/>
         </p:nvSpPr>
@@ -19146,7 +21190,7 @@
               </a:lnSpc>
             </a:pPr>
             <a:r>
-              <a:rPr lang="fr-FR" sz="1200" b="0" strike="noStrike" spc="-1">
+              <a:rPr lang="fr-FR" sz="1200" b="0" strike="noStrike" spc="-1" dirty="0">
                 <a:solidFill>
                   <a:srgbClr val="FFFFFF"/>
                 </a:solidFill>
@@ -19154,7 +21198,7 @@
               </a:rPr>
               <a:t>LP IOTIA</a:t>
             </a:r>
-            <a:endParaRPr lang="fr-FR" sz="1200" b="0" strike="noStrike" spc="-1">
+            <a:endParaRPr lang="fr-FR" sz="1200" b="0" strike="noStrike" spc="-1" dirty="0">
               <a:latin typeface="Times New Roman"/>
             </a:endParaRPr>
           </a:p>
@@ -19162,7 +21206,7 @@
       </p:sp>
       <p:sp>
         <p:nvSpPr>
-          <p:cNvPr id="163" name="TextShape 7"/>
+          <p:cNvPr id="155" name="TextShape 7"/>
           <p:cNvSpPr txBox="1"/>
           <p:nvPr/>
         </p:nvSpPr>
@@ -19190,7 +21234,7 @@
                 <a:spcPct val="100000"/>
               </a:lnSpc>
             </a:pPr>
-            <a:fld id="{8E43A575-004B-4A81-819A-C42D477DA0A4}" type="slidenum">
+            <a:fld id="{89852E89-60D3-43A7-B38E-7FD2E7927657}" type="slidenum">
               <a:rPr lang="fr-FR" sz="1200" b="0" strike="noStrike" spc="-1">
                 <a:solidFill>
                   <a:srgbClr val="FFFFFF"/>
@@ -19205,85 +21249,16 @@
           </a:p>
         </p:txBody>
       </p:sp>
-      <p:pic>
-        <p:nvPicPr>
-          <p:cNvPr id="164" name="Image 163"/>
-          <p:cNvPicPr/>
-          <p:nvPr/>
-        </p:nvPicPr>
-        <p:blipFill>
-          <a:blip r:embed="rId3"/>
-          <a:stretch/>
-        </p:blipFill>
-        <p:spPr>
-          <a:xfrm>
-            <a:off x="0" y="2340000"/>
-            <a:ext cx="2733480" cy="1666440"/>
-          </a:xfrm>
-          <a:prstGeom prst="rect">
-            <a:avLst/>
-          </a:prstGeom>
-          <a:ln w="0">
-            <a:noFill/>
-          </a:ln>
-        </p:spPr>
-      </p:pic>
-      <p:pic>
-        <p:nvPicPr>
-          <p:cNvPr id="165" name="Image 164"/>
-          <p:cNvPicPr/>
-          <p:nvPr/>
-        </p:nvPicPr>
-        <p:blipFill>
-          <a:blip r:embed="rId4"/>
-          <a:stretch/>
-        </p:blipFill>
-        <p:spPr>
-          <a:xfrm>
-            <a:off x="10013400" y="2340000"/>
-            <a:ext cx="1788959" cy="1066320"/>
-          </a:xfrm>
-          <a:prstGeom prst="rect">
-            <a:avLst/>
-          </a:prstGeom>
-          <a:ln w="0">
-            <a:noFill/>
-          </a:ln>
-        </p:spPr>
-      </p:pic>
-      <p:pic>
-        <p:nvPicPr>
-          <p:cNvPr id="166" name="Image 165"/>
-          <p:cNvPicPr/>
-          <p:nvPr/>
-        </p:nvPicPr>
-        <p:blipFill>
-          <a:blip r:embed="rId5"/>
-          <a:stretch/>
-        </p:blipFill>
-        <p:spPr>
-          <a:xfrm>
-            <a:off x="3201840" y="2340000"/>
-            <a:ext cx="6158160" cy="1980000"/>
-          </a:xfrm>
-          <a:prstGeom prst="rect">
-            <a:avLst/>
-          </a:prstGeom>
-          <a:ln w="0">
-            <a:noFill/>
-          </a:ln>
-        </p:spPr>
-      </p:pic>
-      <p:sp>
-        <p:nvSpPr>
-          <p:cNvPr id="167" name="TextShape 8"/>
+      <p:sp>
+        <p:nvSpPr>
+          <p:cNvPr id="19" name="TextShape 5"/>
           <p:cNvSpPr txBox="1"/>
           <p:nvPr/>
         </p:nvSpPr>
         <p:spPr>
           <a:xfrm>
-            <a:off x="0" y="4569840"/>
-            <a:ext cx="8820000" cy="1626120"/>
+            <a:off x="3608362" y="2668623"/>
+            <a:ext cx="4658022" cy="664978"/>
           </a:xfrm>
           <a:prstGeom prst="rect">
             <a:avLst/>
@@ -19294,177 +21269,55 @@
           </a:ln>
         </p:spPr>
         <p:txBody>
-          <a:bodyPr lIns="90000" tIns="45000" rIns="90000" bIns="45000">
-            <a:noAutofit/>
+          <a:bodyPr anchor="ctr">
+            <a:normAutofit fontScale="55000" lnSpcReduction="20000"/>
           </a:bodyPr>
           <a:lstStyle/>
           <a:p>
-            <a:r>
-              <a:rPr lang="fr-FR" sz="1800" b="0" strike="noStrike" spc="-1" dirty="0">
-                <a:latin typeface="Arial"/>
+            <a:pPr>
+              <a:lnSpc>
+                <a:spcPct val="90000"/>
+              </a:lnSpc>
+              <a:spcBef>
+                <a:spcPts val="1001"/>
+              </a:spcBef>
+            </a:pPr>
+            <a:endParaRPr lang="fr-FR" sz="2800" b="0" strike="noStrike" spc="-1" dirty="0">
+              <a:solidFill>
+                <a:srgbClr val="000000"/>
+              </a:solidFill>
+              <a:latin typeface="Calibri"/>
+            </a:endParaRPr>
+          </a:p>
+          <a:p>
+            <a:r>
+              <a:rPr lang="fr-FR" sz="5800" i="1" spc="-1" dirty="0" smtClean="0">
+                <a:solidFill>
+                  <a:schemeClr val="bg1"/>
+                </a:solidFill>
+                <a:latin typeface="Calibri"/>
               </a:rPr>
-              <a:t>-</a:t>
-            </a:r>
-            <a:r>
-              <a:rPr lang="fr-FR" sz="1800" b="0" strike="noStrike" spc="-1" dirty="0" err="1">
-                <a:latin typeface="Arial"/>
-              </a:rPr>
-              <a:t>WebService</a:t>
-            </a:r>
-            <a:r>
-              <a:rPr lang="fr-FR" sz="1800" b="0" strike="noStrike" spc="-1" dirty="0">
-                <a:latin typeface="Arial"/>
-              </a:rPr>
-              <a:t> REST réalisé en Node </a:t>
-            </a:r>
-            <a:r>
-              <a:rPr lang="fr-FR" sz="1800" b="0" strike="noStrike" spc="-1" dirty="0" err="1">
-                <a:latin typeface="Arial"/>
-              </a:rPr>
-              <a:t>Js</a:t>
-            </a:r>
-            <a:r>
-              <a:rPr lang="fr-FR" sz="1800" b="0" strike="noStrike" spc="-1" dirty="0">
-                <a:latin typeface="Arial"/>
-              </a:rPr>
-              <a:t> , qui est composé de 6 services.</a:t>
-            </a:r>
-          </a:p>
-          <a:p>
-            <a:r>
-              <a:rPr lang="fr-FR" sz="1800" b="0" strike="noStrike" spc="-1" dirty="0">
-                <a:latin typeface="Arial"/>
-              </a:rPr>
-              <a:t>-Infra Admin sécurisé par </a:t>
-            </a:r>
-            <a:r>
-              <a:rPr lang="fr-FR" sz="1800" b="0" strike="noStrike" spc="-1" dirty="0" err="1">
-                <a:latin typeface="Arial"/>
-              </a:rPr>
-              <a:t>token</a:t>
-            </a:r>
-            <a:r>
-              <a:rPr lang="fr-FR" sz="1800" b="0" strike="noStrike" spc="-1" dirty="0">
-                <a:latin typeface="Arial"/>
-              </a:rPr>
-              <a:t> (JWT).</a:t>
-            </a:r>
-          </a:p>
-          <a:p>
-            <a:r>
-              <a:rPr lang="fr-FR" sz="1800" b="0" strike="noStrike" spc="-1" dirty="0">
-                <a:latin typeface="Arial"/>
-              </a:rPr>
-              <a:t>-Tourne sur un VPS sous un nom de domaine spécifique (webservice.lensalex.fr ).</a:t>
-            </a:r>
-          </a:p>
-          <a:p>
-            <a:r>
-              <a:rPr lang="fr-FR" sz="1800" b="0" strike="noStrike" spc="-1" dirty="0">
-                <a:latin typeface="Arial"/>
-              </a:rPr>
-              <a:t>-Requête vers la base de données (</a:t>
-            </a:r>
-            <a:r>
-              <a:rPr lang="fr-FR" sz="1800" b="0" strike="noStrike" spc="-1" dirty="0" err="1">
-                <a:latin typeface="Arial"/>
-              </a:rPr>
-              <a:t>mysql</a:t>
-            </a:r>
-            <a:r>
-              <a:rPr lang="fr-FR" sz="1800" b="0" strike="noStrike" spc="-1" dirty="0">
-                <a:latin typeface="Arial"/>
-              </a:rPr>
-              <a:t>) pour GET , POST , DELETE ou PUT.</a:t>
-            </a:r>
-          </a:p>
-          <a:p>
-            <a:r>
-              <a:rPr lang="fr-FR" sz="1800" b="0" strike="noStrike" spc="-1" dirty="0">
-                <a:latin typeface="Arial"/>
-              </a:rPr>
-              <a:t>-Chaque service possède ça documentation </a:t>
-            </a:r>
-            <a:r>
-              <a:rPr lang="fr-FR" sz="1800" b="0" strike="noStrike" spc="-1" dirty="0" err="1">
-                <a:latin typeface="Arial"/>
-              </a:rPr>
-              <a:t>swagger</a:t>
-            </a:r>
-            <a:r>
-              <a:rPr lang="fr-FR" sz="1800" b="0" strike="noStrike" spc="-1" dirty="0">
-                <a:latin typeface="Arial"/>
-              </a:rPr>
-              <a:t>.</a:t>
-            </a:r>
-          </a:p>
-          <a:p>
-            <a:r>
-              <a:rPr lang="fr-FR" sz="1800" b="0" strike="noStrike" spc="-1" dirty="0">
-                <a:latin typeface="Arial"/>
-              </a:rPr>
-              <a:t>-Exploitation sur un site web (sous .net </a:t>
-            </a:r>
-            <a:r>
-              <a:rPr lang="fr-FR" sz="1800" b="0" strike="noStrike" spc="-1" dirty="0" err="1">
-                <a:latin typeface="Arial"/>
-              </a:rPr>
-              <a:t>core</a:t>
-            </a:r>
-            <a:r>
-              <a:rPr lang="fr-FR" sz="1800" b="0" strike="noStrike" spc="-1" dirty="0">
-                <a:latin typeface="Arial"/>
-              </a:rPr>
-              <a:t>) et application mobile (sous </a:t>
-            </a:r>
-            <a:r>
-              <a:rPr lang="fr-FR" sz="1800" b="0" strike="noStrike" spc="-1" dirty="0" err="1">
-                <a:latin typeface="Arial"/>
-              </a:rPr>
-              <a:t>xamarin</a:t>
-            </a:r>
-            <a:r>
-              <a:rPr lang="fr-FR" sz="1800" b="0" strike="noStrike" spc="-1" dirty="0">
-                <a:latin typeface="Arial"/>
-              </a:rPr>
-              <a:t>).</a:t>
-            </a:r>
-          </a:p>
-        </p:txBody>
-      </p:sp>
-      <p:pic>
-        <p:nvPicPr>
-          <p:cNvPr id="168" name="Image 167"/>
-          <p:cNvPicPr/>
-          <p:nvPr/>
-        </p:nvPicPr>
-        <p:blipFill>
-          <a:blip r:embed="rId6"/>
-          <a:stretch/>
-        </p:blipFill>
-        <p:spPr>
-          <a:xfrm>
-            <a:off x="9455085" y="3566880"/>
-            <a:ext cx="2604915" cy="2553120"/>
-          </a:xfrm>
-          <a:prstGeom prst="rect">
-            <a:avLst/>
-          </a:prstGeom>
-          <a:ln w="0">
-            <a:noFill/>
-          </a:ln>
-        </p:spPr>
-      </p:pic>
-      <p:sp>
-        <p:nvSpPr>
-          <p:cNvPr id="169" name="TextShape 9"/>
+              <a:t>Use case utilisateur:</a:t>
+            </a:r>
+            <a:endParaRPr lang="fr-FR" sz="5800" b="0" i="1" strike="noStrike" spc="-1" dirty="0">
+              <a:solidFill>
+                <a:schemeClr val="bg1"/>
+              </a:solidFill>
+              <a:latin typeface="Calibri"/>
+            </a:endParaRPr>
+          </a:p>
+        </p:txBody>
+      </p:sp>
+      <p:sp>
+        <p:nvSpPr>
+          <p:cNvPr id="20" name="TextShape 5"/>
           <p:cNvSpPr txBox="1"/>
           <p:nvPr/>
         </p:nvSpPr>
         <p:spPr>
           <a:xfrm>
-            <a:off x="9900000" y="5994360"/>
-            <a:ext cx="2160000" cy="689760"/>
+            <a:off x="556371" y="4037702"/>
+            <a:ext cx="2082800" cy="664978"/>
           </a:xfrm>
           <a:prstGeom prst="rect">
             <a:avLst/>
@@ -19475,144 +21328,8 @@
           </a:ln>
         </p:spPr>
         <p:txBody>
-          <a:bodyPr lIns="90000" tIns="45000" rIns="90000" bIns="45000">
-            <a:noAutofit/>
-          </a:bodyPr>
-          <a:lstStyle/>
-          <a:p>
-            <a:r>
-              <a:rPr lang="fr-FR" sz="800" b="0" strike="noStrike" spc="-1">
-                <a:latin typeface="Arial"/>
-              </a:rPr>
-              <a:t>Documentation  Service Infrastructure</a:t>
-            </a:r>
-            <a:r>
-              <a:rPr lang="fr-FR" sz="1800" b="0" strike="noStrike" spc="-1">
-                <a:latin typeface="Arial"/>
-              </a:rPr>
-              <a:t> </a:t>
-            </a:r>
-          </a:p>
-        </p:txBody>
-      </p:sp>
-      <p:grpSp>
-        <p:nvGrpSpPr>
-          <p:cNvPr id="16" name="Group 2">
-            <a:extLst>
-              <a:ext uri="{FF2B5EF4-FFF2-40B4-BE49-F238E27FC236}">
-                <a16:creationId xmlns:a16="http://schemas.microsoft.com/office/drawing/2014/main" id="{6A49982D-5055-4C14-B0C9-08CB61717D19}"/>
-              </a:ext>
-            </a:extLst>
-          </p:cNvPr>
-          <p:cNvGrpSpPr/>
-          <p:nvPr/>
-        </p:nvGrpSpPr>
-        <p:grpSpPr>
-          <a:xfrm>
-            <a:off x="0" y="-43020"/>
-            <a:ext cx="12191760" cy="3048840"/>
-            <a:chOff x="0" y="360"/>
-            <a:chExt cx="12191760" cy="3048840"/>
-          </a:xfrm>
-        </p:grpSpPr>
-        <p:pic>
-          <p:nvPicPr>
-            <p:cNvPr id="17" name="Picture 10">
-              <a:extLst>
-                <a:ext uri="{FF2B5EF4-FFF2-40B4-BE49-F238E27FC236}">
-                  <a16:creationId xmlns:a16="http://schemas.microsoft.com/office/drawing/2014/main" id="{B72641CD-9BB5-4A5F-8006-74B578FEF674}"/>
-                </a:ext>
-              </a:extLst>
-            </p:cNvPr>
-            <p:cNvPicPr/>
-            <p:nvPr/>
-          </p:nvPicPr>
-          <p:blipFill>
-            <a:blip r:embed="rId2"/>
-            <a:srcRect t="45717" b="9819"/>
-            <a:stretch/>
-          </p:blipFill>
-          <p:spPr>
-            <a:xfrm rot="10800000" flipH="1">
-              <a:off x="0" y="0"/>
-              <a:ext cx="12191760" cy="3048840"/>
-            </a:xfrm>
-            <a:prstGeom prst="rect">
-              <a:avLst/>
-            </a:prstGeom>
-            <a:ln w="0">
-              <a:noFill/>
-            </a:ln>
-          </p:spPr>
-        </p:pic>
-        <p:sp>
-          <p:nvSpPr>
-            <p:cNvPr id="18" name="CustomShape 3">
-              <a:extLst>
-                <a:ext uri="{FF2B5EF4-FFF2-40B4-BE49-F238E27FC236}">
-                  <a16:creationId xmlns:a16="http://schemas.microsoft.com/office/drawing/2014/main" id="{64A5E7BD-F345-4B5B-9F57-7ADD647321B8}"/>
-                </a:ext>
-              </a:extLst>
-            </p:cNvPr>
-            <p:cNvSpPr/>
-            <p:nvPr/>
-          </p:nvSpPr>
-          <p:spPr>
-            <a:xfrm flipV="1">
-              <a:off x="2067480" y="1076400"/>
-              <a:ext cx="373320" cy="405000"/>
-            </a:xfrm>
-            <a:prstGeom prst="ellipse">
-              <a:avLst/>
-            </a:prstGeom>
-            <a:solidFill>
-              <a:srgbClr val="FFFFFF"/>
-            </a:solidFill>
-            <a:ln>
-              <a:noFill/>
-            </a:ln>
-          </p:spPr>
-          <p:style>
-            <a:lnRef idx="2">
-              <a:schemeClr val="accent1">
-                <a:shade val="50000"/>
-              </a:schemeClr>
-            </a:lnRef>
-            <a:fillRef idx="1">
-              <a:schemeClr val="accent1"/>
-            </a:fillRef>
-            <a:effectRef idx="0">
-              <a:schemeClr val="accent1"/>
-            </a:effectRef>
-            <a:fontRef idx="minor"/>
-          </p:style>
-        </p:sp>
-      </p:grpSp>
-      <p:sp>
-        <p:nvSpPr>
-          <p:cNvPr id="22" name="ZoneTexte 21">
-            <a:extLst>
-              <a:ext uri="{FF2B5EF4-FFF2-40B4-BE49-F238E27FC236}">
-                <a16:creationId xmlns:a16="http://schemas.microsoft.com/office/drawing/2014/main" id="{53FE8E48-8A0B-419B-8A5B-C09FC2E69D6E}"/>
-              </a:ext>
-            </a:extLst>
-          </p:cNvPr>
-          <p:cNvSpPr txBox="1"/>
-          <p:nvPr/>
-        </p:nvSpPr>
-        <p:spPr>
-          <a:xfrm>
-            <a:off x="1039305" y="723432"/>
-            <a:ext cx="6245258" cy="646331"/>
-          </a:xfrm>
-          <a:prstGeom prst="rect">
-            <a:avLst/>
-          </a:prstGeom>
-          <a:noFill/>
-        </p:spPr>
-        <p:txBody>
-          <a:bodyPr wrap="square">
-            <a:spAutoFit/>
+          <a:bodyPr anchor="ctr">
+            <a:normAutofit fontScale="55000" lnSpcReduction="20000"/>
           </a:bodyPr>
           <a:lstStyle/>
           <a:p>
@@ -19620,39 +21337,245 @@
               <a:lnSpc>
                 <a:spcPct val="90000"/>
               </a:lnSpc>
+              <a:spcBef>
+                <a:spcPts val="1001"/>
+              </a:spcBef>
             </a:pPr>
-            <a:r>
-              <a:rPr lang="fr-FR" sz="4000" b="0" strike="noStrike" spc="-1" dirty="0">
-                <a:solidFill>
-                  <a:srgbClr val="3F3F3F"/>
-                </a:solidFill>
-                <a:latin typeface="Calibri Light"/>
-              </a:rPr>
-              <a:t>VI. </a:t>
-            </a:r>
-            <a:r>
-              <a:rPr lang="fr-FR" sz="4000" b="0" strike="noStrike" spc="-1" dirty="0">
-                <a:solidFill>
-                  <a:srgbClr val="000000"/>
-                </a:solidFill>
-                <a:latin typeface="Calibri Light"/>
-              </a:rPr>
-              <a:t>Web Service</a:t>
-            </a:r>
-            <a:endParaRPr lang="fr-FR" sz="4000" b="0" strike="noStrike" spc="-1" dirty="0">
+            <a:endParaRPr lang="fr-FR" sz="2800" b="0" strike="noStrike" spc="-1" dirty="0">
               <a:solidFill>
                 <a:srgbClr val="000000"/>
               </a:solidFill>
               <a:latin typeface="Calibri"/>
             </a:endParaRPr>
           </a:p>
+          <a:p>
+            <a:r>
+              <a:rPr lang="fr-FR" sz="5800" spc="-1" dirty="0" smtClean="0">
+                <a:solidFill>
+                  <a:schemeClr val="bg1"/>
+                </a:solidFill>
+                <a:latin typeface="Calibri"/>
+              </a:rPr>
+              <a:t>utilisateur</a:t>
+            </a:r>
+            <a:endParaRPr lang="fr-FR" sz="5800" b="0" strike="noStrike" spc="-1" dirty="0">
+              <a:solidFill>
+                <a:schemeClr val="bg1"/>
+              </a:solidFill>
+              <a:latin typeface="Calibri"/>
+            </a:endParaRPr>
+          </a:p>
+        </p:txBody>
+      </p:sp>
+      <p:cxnSp>
+        <p:nvCxnSpPr>
+          <p:cNvPr id="3" name="Connecteur droit avec flèche 2"/>
+          <p:cNvCxnSpPr/>
+          <p:nvPr/>
+        </p:nvCxnSpPr>
+        <p:spPr>
+          <a:xfrm>
+            <a:off x="2679811" y="4461631"/>
+            <a:ext cx="794327" cy="0"/>
+          </a:xfrm>
+          <a:prstGeom prst="straightConnector1">
+            <a:avLst/>
+          </a:prstGeom>
+          <a:ln w="25400">
+            <a:solidFill>
+              <a:schemeClr val="tx1"/>
+            </a:solidFill>
+            <a:tailEnd type="triangle"/>
+          </a:ln>
+        </p:spPr>
+        <p:style>
+          <a:lnRef idx="1">
+            <a:schemeClr val="accent1"/>
+          </a:lnRef>
+          <a:fillRef idx="0">
+            <a:schemeClr val="accent1"/>
+          </a:fillRef>
+          <a:effectRef idx="0">
+            <a:schemeClr val="accent1"/>
+          </a:effectRef>
+          <a:fontRef idx="minor">
+            <a:schemeClr val="tx1"/>
+          </a:fontRef>
+        </p:style>
+      </p:cxnSp>
+      <p:sp>
+        <p:nvSpPr>
+          <p:cNvPr id="23" name="TextShape 5"/>
+          <p:cNvSpPr txBox="1"/>
+          <p:nvPr/>
+        </p:nvSpPr>
+        <p:spPr>
+          <a:xfrm>
+            <a:off x="3608362" y="3905622"/>
+            <a:ext cx="3696678" cy="1082938"/>
+          </a:xfrm>
+          <a:prstGeom prst="rect">
+            <a:avLst/>
+          </a:prstGeom>
+          <a:noFill/>
+          <a:ln w="0">
+            <a:noFill/>
+          </a:ln>
+        </p:spPr>
+        <p:txBody>
+          <a:bodyPr anchor="ctr">
+            <a:normAutofit fontScale="92500" lnSpcReduction="20000"/>
+          </a:bodyPr>
+          <a:lstStyle/>
+          <a:p>
+            <a:pPr>
+              <a:lnSpc>
+                <a:spcPct val="90000"/>
+              </a:lnSpc>
+              <a:spcBef>
+                <a:spcPts val="1001"/>
+              </a:spcBef>
+            </a:pPr>
+            <a:endParaRPr lang="fr-FR" sz="2800" b="0" strike="noStrike" spc="-1" dirty="0">
+              <a:solidFill>
+                <a:srgbClr val="000000"/>
+              </a:solidFill>
+              <a:latin typeface="Calibri"/>
+            </a:endParaRPr>
+          </a:p>
+          <a:p>
+            <a:pPr algn="ctr"/>
+            <a:r>
+              <a:rPr lang="fr-FR" sz="3000" spc="-1" dirty="0" smtClean="0">
+                <a:solidFill>
+                  <a:schemeClr val="bg1"/>
+                </a:solidFill>
+                <a:latin typeface="Calibri"/>
+              </a:rPr>
+              <a:t>Utilisation du matériel connecté</a:t>
+            </a:r>
+            <a:endParaRPr lang="fr-FR" sz="3000" b="0" strike="noStrike" spc="-1" dirty="0">
+              <a:solidFill>
+                <a:schemeClr val="bg1"/>
+              </a:solidFill>
+              <a:latin typeface="Calibri"/>
+            </a:endParaRPr>
+          </a:p>
+        </p:txBody>
+      </p:sp>
+      <p:cxnSp>
+        <p:nvCxnSpPr>
+          <p:cNvPr id="24" name="Connecteur droit avec flèche 23"/>
+          <p:cNvCxnSpPr/>
+          <p:nvPr/>
+        </p:nvCxnSpPr>
+        <p:spPr>
+          <a:xfrm>
+            <a:off x="7455011" y="4432542"/>
+            <a:ext cx="794327" cy="0"/>
+          </a:xfrm>
+          <a:prstGeom prst="straightConnector1">
+            <a:avLst/>
+          </a:prstGeom>
+          <a:ln w="25400">
+            <a:solidFill>
+              <a:schemeClr val="tx1"/>
+            </a:solidFill>
+            <a:tailEnd type="triangle"/>
+          </a:ln>
+        </p:spPr>
+        <p:style>
+          <a:lnRef idx="1">
+            <a:schemeClr val="accent1"/>
+          </a:lnRef>
+          <a:fillRef idx="0">
+            <a:schemeClr val="accent1"/>
+          </a:fillRef>
+          <a:effectRef idx="0">
+            <a:schemeClr val="accent1"/>
+          </a:effectRef>
+          <a:fontRef idx="minor">
+            <a:schemeClr val="tx1"/>
+          </a:fontRef>
+        </p:style>
+      </p:cxnSp>
+      <p:sp>
+        <p:nvSpPr>
+          <p:cNvPr id="25" name="TextShape 5"/>
+          <p:cNvSpPr txBox="1"/>
+          <p:nvPr/>
+        </p:nvSpPr>
+        <p:spPr>
+          <a:xfrm>
+            <a:off x="8372330" y="3828722"/>
+            <a:ext cx="3696678" cy="1082938"/>
+          </a:xfrm>
+          <a:prstGeom prst="rect">
+            <a:avLst/>
+          </a:prstGeom>
+          <a:noFill/>
+          <a:ln w="0">
+            <a:noFill/>
+          </a:ln>
+        </p:spPr>
+        <p:txBody>
+          <a:bodyPr anchor="ctr">
+            <a:normAutofit fontScale="92500" lnSpcReduction="20000"/>
+          </a:bodyPr>
+          <a:lstStyle/>
+          <a:p>
+            <a:pPr>
+              <a:lnSpc>
+                <a:spcPct val="90000"/>
+              </a:lnSpc>
+              <a:spcBef>
+                <a:spcPts val="1001"/>
+              </a:spcBef>
+            </a:pPr>
+            <a:endParaRPr lang="fr-FR" sz="2800" b="0" strike="noStrike" spc="-1" dirty="0">
+              <a:solidFill>
+                <a:srgbClr val="000000"/>
+              </a:solidFill>
+              <a:latin typeface="Calibri"/>
+            </a:endParaRPr>
+          </a:p>
+          <a:p>
+            <a:pPr algn="ctr"/>
+            <a:r>
+              <a:rPr lang="fr-FR" sz="3000" spc="-1" dirty="0" smtClean="0">
+                <a:solidFill>
+                  <a:schemeClr val="bg1"/>
+                </a:solidFill>
+                <a:latin typeface="Calibri"/>
+              </a:rPr>
+              <a:t>Enregistrement dans la BDD</a:t>
+            </a:r>
+            <a:endParaRPr lang="fr-FR" sz="3000" b="0" strike="noStrike" spc="-1" dirty="0">
+              <a:solidFill>
+                <a:schemeClr val="bg1"/>
+              </a:solidFill>
+              <a:latin typeface="Calibri"/>
+            </a:endParaRPr>
+          </a:p>
         </p:txBody>
       </p:sp>
     </p:spTree>
+    <p:extLst>
+      <p:ext uri="{BB962C8B-B14F-4D97-AF65-F5344CB8AC3E}">
+        <p14:creationId xmlns:p14="http://schemas.microsoft.com/office/powerpoint/2010/main" val="92847069"/>
+      </p:ext>
+    </p:extLst>
   </p:cSld>
   <p:clrMapOvr>
     <a:masterClrMapping/>
   </p:clrMapOvr>
+  <p:timing>
+    <p:tnLst>
+      <p:par>
+        <p:cTn id="1" dur="indefinite" restart="never" nodeType="tmRoot"/>
+      </p:par>
+    </p:tnLst>
+  </p:timing>
 </p:sld>
 </file>
 
